--- a/ref/BayesNet.pptx
+++ b/ref/BayesNet.pptx
@@ -6479,21 +6479,7 @@
                 <a:latin typeface="Calibri"/>
                 <a:cs typeface="Calibri"/>
               </a:rPr>
-              <a:t>to the reasoning that infers a cause from the result, also called bottom-up </a:t>
-            </a:r>
-            <a:r>
-              <a:rPr lang="en-US" dirty="0">
-                <a:latin typeface="Calibri"/>
-                <a:cs typeface="Calibri"/>
-              </a:rPr>
-              <a:t>reasoning. </a:t>
-            </a:r>
-            <a:r>
-              <a:rPr lang="en-US" dirty="0">
-                <a:latin typeface="Calibri"/>
-                <a:cs typeface="Calibri"/>
-              </a:rPr>
-              <a:t>It is known that some results have occurred and the reason for the occurrence of the result and the probability of occurrence have been calculated based on the Bayesian network inference.</a:t>
+              <a:t>to the reasoning that infers a cause from the result, also called bottom-up reasoning. It is known that some results have occurred and the reason for the occurrence of the result and the probability of occurrence have been calculated based on the Bayesian network inference.</a:t>
             </a:r>
           </a:p>
         </p:txBody>
@@ -7213,10 +7199,6 @@
               </a:rPr>
               <a:t>:</a:t>
             </a:r>
-            <a:endParaRPr lang="en-US" altLang="zh-CN" dirty="0" smtClean="0">
-              <a:latin typeface="Calibri"/>
-              <a:cs typeface="Calibri"/>
-            </a:endParaRPr>
           </a:p>
         </p:txBody>
       </p:sp>
@@ -7229,7 +7211,7 @@
           <p:nvPr>
             <p:extLst>
               <p:ext uri="{D42A27DB-BD31-4B8C-83A1-F6EECF244321}">
-                <p14:modId xmlns:p14="http://schemas.microsoft.com/office/powerpoint/2010/main" val="2507668728"/>
+                <p14:modId xmlns:p14="http://schemas.microsoft.com/office/powerpoint/2010/main" val="3936501912"/>
               </p:ext>
             </p:extLst>
           </p:nvPr>
@@ -7444,15 +7426,7 @@
                       </a:r>
                       <a:r>
                         <a:rPr lang="en-US" altLang="zh-CN" dirty="0" smtClean="0"/>
-                        <a:t> (positive </a:t>
-                      </a:r>
-                      <a:r>
-                        <a:rPr lang="en-US" altLang="zh-CN" dirty="0" err="1" smtClean="0"/>
-                        <a:t>xray</a:t>
-                      </a:r>
-                      <a:r>
-                        <a:rPr lang="en-US" altLang="zh-CN" dirty="0" smtClean="0"/>
-                        <a:t>)</a:t>
+                        <a:t> (positive x-ray)</a:t>
                       </a:r>
                       <a:endParaRPr lang="zh-CN" altLang="en-US" dirty="0"/>
                     </a:p>
@@ -7607,14 +7581,14 @@
           <p:nvPr>
             <p:extLst>
               <p:ext uri="{D42A27DB-BD31-4B8C-83A1-F6EECF244321}">
-                <p14:modId xmlns:p14="http://schemas.microsoft.com/office/powerpoint/2010/main" val="2474246582"/>
+                <p14:modId xmlns:p14="http://schemas.microsoft.com/office/powerpoint/2010/main" val="600958418"/>
               </p:ext>
             </p:extLst>
           </p:nvPr>
         </p:nvGraphicFramePr>
         <p:xfrm>
-          <a:off x="3657600" y="2916018"/>
-          <a:ext cx="4419600" cy="914400"/>
+          <a:off x="3733800" y="3151595"/>
+          <a:ext cx="5029200" cy="1200555"/>
         </p:xfrm>
         <a:graphic>
           <a:graphicData uri="http://schemas.openxmlformats.org/drawingml/2006/table">
@@ -7623,21 +7597,21 @@
                 <a:tableStyleId>{8A107856-5554-42FB-B03E-39F5DBC370BA}</a:tableStyleId>
               </a:tblPr>
               <a:tblGrid>
-                <a:gridCol w="1473200">
+                <a:gridCol w="1676400">
                   <a:extLst>
                     <a:ext uri="{9D8B030D-6E8A-4147-A177-3AD203B41FA5}">
                       <a16:colId xmlns:a16="http://schemas.microsoft.com/office/drawing/2014/main" val="2543076553"/>
                     </a:ext>
                   </a:extLst>
                 </a:gridCol>
-                <a:gridCol w="1473200">
+                <a:gridCol w="1676400">
                   <a:extLst>
                     <a:ext uri="{9D8B030D-6E8A-4147-A177-3AD203B41FA5}">
                       <a16:colId xmlns:a16="http://schemas.microsoft.com/office/drawing/2014/main" val="2172126216"/>
                     </a:ext>
                   </a:extLst>
                 </a:gridCol>
-                <a:gridCol w="1473200">
+                <a:gridCol w="1676400">
                   <a:extLst>
                     <a:ext uri="{9D8B030D-6E8A-4147-A177-3AD203B41FA5}">
                       <a16:colId xmlns:a16="http://schemas.microsoft.com/office/drawing/2014/main" val="3488418737"/>
@@ -7645,7 +7619,7 @@
                   </a:extLst>
                 </a:gridCol>
               </a:tblGrid>
-              <a:tr h="300089">
+              <a:tr h="400185">
                 <a:tc>
                   <a:txBody>
                     <a:bodyPr/>
@@ -7701,7 +7675,7 @@
                   </a:ext>
                 </a:extLst>
               </a:tr>
-              <a:tr h="300089">
+              <a:tr h="400185">
                 <a:tc>
                   <a:txBody>
                     <a:bodyPr/>
@@ -7753,7 +7727,7 @@
                   </a:ext>
                 </a:extLst>
               </a:tr>
-              <a:tr h="300089">
+              <a:tr h="400185">
                 <a:tc>
                   <a:txBody>
                     <a:bodyPr/>
@@ -8072,6 +8046,1216 @@
           </a:p>
         </p:txBody>
       </p:sp>
+      <p:sp>
+        <p:nvSpPr>
+          <p:cNvPr id="2" name="矩形 1"/>
+          <p:cNvSpPr/>
+          <p:nvPr/>
+        </p:nvSpPr>
+        <p:spPr>
+          <a:xfrm>
+            <a:off x="152400" y="590550"/>
+            <a:ext cx="5715000" cy="369332"/>
+          </a:xfrm>
+          <a:prstGeom prst="rect">
+            <a:avLst/>
+          </a:prstGeom>
+        </p:spPr>
+        <p:txBody>
+          <a:bodyPr wrap="square">
+            <a:spAutoFit/>
+          </a:bodyPr>
+          <a:lstStyle/>
+          <a:p>
+            <a:r>
+              <a:rPr lang="zh-CN" altLang="en-US" dirty="0">
+                <a:latin typeface="Calibri" panose="020F0502020204030204" pitchFamily="34" charset="0"/>
+                <a:cs typeface="Calibri" panose="020F0502020204030204" pitchFamily="34" charset="0"/>
+              </a:rPr>
+              <a:t>The other groups of conditional probabilities are as </a:t>
+            </a:r>
+            <a:r>
+              <a:rPr lang="zh-CN" altLang="en-US" dirty="0" smtClean="0">
+                <a:latin typeface="Calibri" panose="020F0502020204030204" pitchFamily="34" charset="0"/>
+                <a:cs typeface="Calibri" panose="020F0502020204030204" pitchFamily="34" charset="0"/>
+              </a:rPr>
+              <a:t>follows</a:t>
+            </a:r>
+            <a:r>
+              <a:rPr lang="en-US" altLang="zh-CN" dirty="0" smtClean="0">
+                <a:latin typeface="Calibri" panose="020F0502020204030204" pitchFamily="34" charset="0"/>
+                <a:cs typeface="Calibri" panose="020F0502020204030204" pitchFamily="34" charset="0"/>
+              </a:rPr>
+              <a:t>:</a:t>
+            </a:r>
+            <a:endParaRPr lang="zh-CN" altLang="en-US" dirty="0">
+              <a:latin typeface="Calibri" panose="020F0502020204030204" pitchFamily="34" charset="0"/>
+              <a:cs typeface="Calibri" panose="020F0502020204030204" pitchFamily="34" charset="0"/>
+            </a:endParaRPr>
+          </a:p>
+        </p:txBody>
+      </p:sp>
+      <p:graphicFrame>
+        <p:nvGraphicFramePr>
+          <p:cNvPr id="3" name="表格 2"/>
+          <p:cNvGraphicFramePr>
+            <a:graphicFrameLocks noGrp="1"/>
+          </p:cNvGraphicFramePr>
+          <p:nvPr>
+            <p:extLst>
+              <p:ext uri="{D42A27DB-BD31-4B8C-83A1-F6EECF244321}">
+                <p14:modId xmlns:p14="http://schemas.microsoft.com/office/powerpoint/2010/main" val="3535627521"/>
+              </p:ext>
+            </p:extLst>
+          </p:nvPr>
+        </p:nvGraphicFramePr>
+        <p:xfrm>
+          <a:off x="51620" y="1025010"/>
+          <a:ext cx="2743200" cy="1013340"/>
+        </p:xfrm>
+        <a:graphic>
+          <a:graphicData uri="http://schemas.openxmlformats.org/drawingml/2006/table">
+            <a:tbl>
+              <a:tblPr firstRow="1" bandRow="1">
+                <a:tableStyleId>{8A107856-5554-42FB-B03E-39F5DBC370BA}</a:tableStyleId>
+              </a:tblPr>
+              <a:tblGrid>
+                <a:gridCol w="838200">
+                  <a:extLst>
+                    <a:ext uri="{9D8B030D-6E8A-4147-A177-3AD203B41FA5}">
+                      <a16:colId xmlns:a16="http://schemas.microsoft.com/office/drawing/2014/main" val="80454796"/>
+                    </a:ext>
+                  </a:extLst>
+                </a:gridCol>
+                <a:gridCol w="914400">
+                  <a:extLst>
+                    <a:ext uri="{9D8B030D-6E8A-4147-A177-3AD203B41FA5}">
+                      <a16:colId xmlns:a16="http://schemas.microsoft.com/office/drawing/2014/main" val="1247010603"/>
+                    </a:ext>
+                  </a:extLst>
+                </a:gridCol>
+                <a:gridCol w="990600">
+                  <a:extLst>
+                    <a:ext uri="{9D8B030D-6E8A-4147-A177-3AD203B41FA5}">
+                      <a16:colId xmlns:a16="http://schemas.microsoft.com/office/drawing/2014/main" val="3571962060"/>
+                    </a:ext>
+                  </a:extLst>
+                </a:gridCol>
+              </a:tblGrid>
+              <a:tr h="337780">
+                <a:tc>
+                  <a:txBody>
+                    <a:bodyPr/>
+                    <a:lstStyle/>
+                    <a:p>
+                      <a:pPr algn="ctr"/>
+                      <a:r>
+                        <a:rPr lang="en-US" altLang="zh-CN" sz="1200" b="0" dirty="0" smtClean="0"/>
+                        <a:t>P</a:t>
+                      </a:r>
+                      <a:r>
+                        <a:rPr lang="en-US" altLang="zh-CN" sz="1200" b="1" dirty="0" smtClean="0"/>
+                        <a:t>(HO|PT)</a:t>
+                      </a:r>
+                      <a:endParaRPr lang="zh-CN" altLang="en-US" sz="1200" b="1" dirty="0"/>
+                    </a:p>
+                  </a:txBody>
+                  <a:tcPr/>
+                </a:tc>
+                <a:tc>
+                  <a:txBody>
+                    <a:bodyPr/>
+                    <a:lstStyle/>
+                    <a:p>
+                      <a:pPr algn="ctr"/>
+                      <a:r>
+                        <a:rPr lang="en-US" altLang="zh-CN" dirty="0" smtClean="0"/>
+                        <a:t>PT</a:t>
+                      </a:r>
+                      <a:r>
+                        <a:rPr lang="en-US" altLang="zh-CN" b="0" baseline="0" dirty="0" smtClean="0"/>
+                        <a:t>=True</a:t>
+                      </a:r>
+                      <a:endParaRPr lang="zh-CN" altLang="en-US" dirty="0"/>
+                    </a:p>
+                  </a:txBody>
+                  <a:tcPr/>
+                </a:tc>
+                <a:tc>
+                  <a:txBody>
+                    <a:bodyPr/>
+                    <a:lstStyle/>
+                    <a:p>
+                      <a:pPr algn="ctr"/>
+                      <a:r>
+                        <a:rPr lang="en-US" altLang="zh-CN" dirty="0" smtClean="0"/>
+                        <a:t>PT</a:t>
+                      </a:r>
+                      <a:r>
+                        <a:rPr lang="en-US" altLang="zh-CN" b="0" dirty="0" smtClean="0"/>
+                        <a:t>=False</a:t>
+                      </a:r>
+                      <a:endParaRPr lang="zh-CN" altLang="en-US" dirty="0"/>
+                    </a:p>
+                  </a:txBody>
+                  <a:tcPr/>
+                </a:tc>
+                <a:extLst>
+                  <a:ext uri="{0D108BD9-81ED-4DB2-BD59-A6C34878D82A}">
+                    <a16:rowId xmlns:a16="http://schemas.microsoft.com/office/drawing/2014/main" val="1244369780"/>
+                  </a:ext>
+                </a:extLst>
+              </a:tr>
+              <a:tr h="337780">
+                <a:tc>
+                  <a:txBody>
+                    <a:bodyPr/>
+                    <a:lstStyle/>
+                    <a:p>
+                      <a:pPr algn="ctr"/>
+                      <a:r>
+                        <a:rPr lang="en-US" altLang="zh-CN" dirty="0" smtClean="0"/>
+                        <a:t>True</a:t>
+                      </a:r>
+                      <a:endParaRPr lang="zh-CN" altLang="en-US" dirty="0"/>
+                    </a:p>
+                  </a:txBody>
+                  <a:tcPr/>
+                </a:tc>
+                <a:tc>
+                  <a:txBody>
+                    <a:bodyPr/>
+                    <a:lstStyle/>
+                    <a:p>
+                      <a:pPr algn="ctr"/>
+                      <a:r>
+                        <a:rPr lang="en-US" altLang="zh-CN" dirty="0" smtClean="0"/>
+                        <a:t>0.700</a:t>
+                      </a:r>
+                      <a:endParaRPr lang="zh-CN" altLang="en-US" dirty="0"/>
+                    </a:p>
+                  </a:txBody>
+                  <a:tcPr/>
+                </a:tc>
+                <a:tc>
+                  <a:txBody>
+                    <a:bodyPr/>
+                    <a:lstStyle/>
+                    <a:p>
+                      <a:pPr algn="ctr"/>
+                      <a:r>
+                        <a:rPr lang="en-US" altLang="zh-CN" dirty="0" smtClean="0"/>
+                        <a:t>0</a:t>
+                      </a:r>
+                      <a:endParaRPr lang="zh-CN" altLang="en-US" dirty="0"/>
+                    </a:p>
+                  </a:txBody>
+                  <a:tcPr/>
+                </a:tc>
+                <a:extLst>
+                  <a:ext uri="{0D108BD9-81ED-4DB2-BD59-A6C34878D82A}">
+                    <a16:rowId xmlns:a16="http://schemas.microsoft.com/office/drawing/2014/main" val="3827222127"/>
+                  </a:ext>
+                </a:extLst>
+              </a:tr>
+              <a:tr h="337780">
+                <a:tc>
+                  <a:txBody>
+                    <a:bodyPr/>
+                    <a:lstStyle/>
+                    <a:p>
+                      <a:pPr algn="ctr"/>
+                      <a:r>
+                        <a:rPr lang="en-US" altLang="zh-CN" dirty="0" smtClean="0"/>
+                        <a:t>False</a:t>
+                      </a:r>
+                      <a:endParaRPr lang="zh-CN" altLang="en-US" dirty="0"/>
+                    </a:p>
+                  </a:txBody>
+                  <a:tcPr/>
+                </a:tc>
+                <a:tc>
+                  <a:txBody>
+                    <a:bodyPr/>
+                    <a:lstStyle/>
+                    <a:p>
+                      <a:pPr algn="ctr"/>
+                      <a:r>
+                        <a:rPr lang="en-US" altLang="zh-CN" dirty="0" smtClean="0"/>
+                        <a:t>0.300</a:t>
+                      </a:r>
+                      <a:endParaRPr lang="zh-CN" altLang="en-US" dirty="0"/>
+                    </a:p>
+                  </a:txBody>
+                  <a:tcPr/>
+                </a:tc>
+                <a:tc>
+                  <a:txBody>
+                    <a:bodyPr/>
+                    <a:lstStyle/>
+                    <a:p>
+                      <a:pPr algn="ctr"/>
+                      <a:r>
+                        <a:rPr lang="en-US" altLang="zh-CN" dirty="0" smtClean="0"/>
+                        <a:t>1.000</a:t>
+                      </a:r>
+                      <a:endParaRPr lang="zh-CN" altLang="en-US" dirty="0"/>
+                    </a:p>
+                  </a:txBody>
+                  <a:tcPr/>
+                </a:tc>
+                <a:extLst>
+                  <a:ext uri="{0D108BD9-81ED-4DB2-BD59-A6C34878D82A}">
+                    <a16:rowId xmlns:a16="http://schemas.microsoft.com/office/drawing/2014/main" val="3363307291"/>
+                  </a:ext>
+                </a:extLst>
+              </a:tr>
+            </a:tbl>
+          </a:graphicData>
+        </a:graphic>
+      </p:graphicFrame>
+      <p:graphicFrame>
+        <p:nvGraphicFramePr>
+          <p:cNvPr id="9" name="表格 8"/>
+          <p:cNvGraphicFramePr>
+            <a:graphicFrameLocks noGrp="1"/>
+          </p:cNvGraphicFramePr>
+          <p:nvPr>
+            <p:extLst>
+              <p:ext uri="{D42A27DB-BD31-4B8C-83A1-F6EECF244321}">
+                <p14:modId xmlns:p14="http://schemas.microsoft.com/office/powerpoint/2010/main" val="1976980696"/>
+              </p:ext>
+            </p:extLst>
+          </p:nvPr>
+        </p:nvGraphicFramePr>
+        <p:xfrm>
+          <a:off x="3188110" y="1025010"/>
+          <a:ext cx="2743200" cy="1013340"/>
+        </p:xfrm>
+        <a:graphic>
+          <a:graphicData uri="http://schemas.openxmlformats.org/drawingml/2006/table">
+            <a:tbl>
+              <a:tblPr firstRow="1" bandRow="1">
+                <a:tableStyleId>{8A107856-5554-42FB-B03E-39F5DBC370BA}</a:tableStyleId>
+              </a:tblPr>
+              <a:tblGrid>
+                <a:gridCol w="838200">
+                  <a:extLst>
+                    <a:ext uri="{9D8B030D-6E8A-4147-A177-3AD203B41FA5}">
+                      <a16:colId xmlns:a16="http://schemas.microsoft.com/office/drawing/2014/main" val="80454796"/>
+                    </a:ext>
+                  </a:extLst>
+                </a:gridCol>
+                <a:gridCol w="914400">
+                  <a:extLst>
+                    <a:ext uri="{9D8B030D-6E8A-4147-A177-3AD203B41FA5}">
+                      <a16:colId xmlns:a16="http://schemas.microsoft.com/office/drawing/2014/main" val="1247010603"/>
+                    </a:ext>
+                  </a:extLst>
+                </a:gridCol>
+                <a:gridCol w="990600">
+                  <a:extLst>
+                    <a:ext uri="{9D8B030D-6E8A-4147-A177-3AD203B41FA5}">
+                      <a16:colId xmlns:a16="http://schemas.microsoft.com/office/drawing/2014/main" val="3571962060"/>
+                    </a:ext>
+                  </a:extLst>
+                </a:gridCol>
+              </a:tblGrid>
+              <a:tr h="337780">
+                <a:tc>
+                  <a:txBody>
+                    <a:bodyPr/>
+                    <a:lstStyle/>
+                    <a:p>
+                      <a:pPr algn="ctr"/>
+                      <a:r>
+                        <a:rPr lang="en-US" altLang="zh-CN" sz="1200" b="0" dirty="0" smtClean="0"/>
+                        <a:t>P</a:t>
+                      </a:r>
+                      <a:r>
+                        <a:rPr lang="en-US" altLang="zh-CN" sz="1200" b="1" dirty="0" smtClean="0"/>
+                        <a:t>(SA|HO)</a:t>
+                      </a:r>
+                      <a:endParaRPr lang="zh-CN" altLang="en-US" sz="1200" b="1" dirty="0"/>
+                    </a:p>
+                  </a:txBody>
+                  <a:tcPr/>
+                </a:tc>
+                <a:tc>
+                  <a:txBody>
+                    <a:bodyPr/>
+                    <a:lstStyle/>
+                    <a:p>
+                      <a:pPr algn="ctr"/>
+                      <a:r>
+                        <a:rPr lang="en-US" altLang="zh-CN" b="1" baseline="0" dirty="0" smtClean="0"/>
+                        <a:t>HO</a:t>
+                      </a:r>
+                      <a:r>
+                        <a:rPr lang="en-US" altLang="zh-CN" b="0" baseline="0" dirty="0" smtClean="0"/>
+                        <a:t>=True</a:t>
+                      </a:r>
+                      <a:endParaRPr lang="zh-CN" altLang="en-US" dirty="0"/>
+                    </a:p>
+                  </a:txBody>
+                  <a:tcPr/>
+                </a:tc>
+                <a:tc>
+                  <a:txBody>
+                    <a:bodyPr/>
+                    <a:lstStyle/>
+                    <a:p>
+                      <a:pPr algn="ctr"/>
+                      <a:r>
+                        <a:rPr lang="en-US" altLang="zh-CN" b="1" dirty="0" smtClean="0"/>
+                        <a:t>HO</a:t>
+                      </a:r>
+                      <a:r>
+                        <a:rPr lang="en-US" altLang="zh-CN" b="0" dirty="0" smtClean="0"/>
+                        <a:t>=False</a:t>
+                      </a:r>
+                      <a:endParaRPr lang="zh-CN" altLang="en-US" dirty="0"/>
+                    </a:p>
+                  </a:txBody>
+                  <a:tcPr/>
+                </a:tc>
+                <a:extLst>
+                  <a:ext uri="{0D108BD9-81ED-4DB2-BD59-A6C34878D82A}">
+                    <a16:rowId xmlns:a16="http://schemas.microsoft.com/office/drawing/2014/main" val="1244369780"/>
+                  </a:ext>
+                </a:extLst>
+              </a:tr>
+              <a:tr h="337780">
+                <a:tc>
+                  <a:txBody>
+                    <a:bodyPr/>
+                    <a:lstStyle/>
+                    <a:p>
+                      <a:pPr algn="ctr"/>
+                      <a:r>
+                        <a:rPr lang="en-US" altLang="zh-CN" dirty="0" smtClean="0"/>
+                        <a:t>True</a:t>
+                      </a:r>
+                      <a:endParaRPr lang="zh-CN" altLang="en-US" dirty="0"/>
+                    </a:p>
+                  </a:txBody>
+                  <a:tcPr/>
+                </a:tc>
+                <a:tc>
+                  <a:txBody>
+                    <a:bodyPr/>
+                    <a:lstStyle/>
+                    <a:p>
+                      <a:pPr algn="ctr"/>
+                      <a:r>
+                        <a:rPr lang="en-US" altLang="zh-CN" dirty="0" smtClean="0"/>
+                        <a:t>0.800</a:t>
+                      </a:r>
+                      <a:endParaRPr lang="zh-CN" altLang="en-US" dirty="0"/>
+                    </a:p>
+                  </a:txBody>
+                  <a:tcPr/>
+                </a:tc>
+                <a:tc>
+                  <a:txBody>
+                    <a:bodyPr/>
+                    <a:lstStyle/>
+                    <a:p>
+                      <a:pPr algn="ctr"/>
+                      <a:r>
+                        <a:rPr lang="en-US" altLang="zh-CN" dirty="0" smtClean="0"/>
+                        <a:t>0.100</a:t>
+                      </a:r>
+                      <a:endParaRPr lang="zh-CN" altLang="en-US" dirty="0"/>
+                    </a:p>
+                  </a:txBody>
+                  <a:tcPr/>
+                </a:tc>
+                <a:extLst>
+                  <a:ext uri="{0D108BD9-81ED-4DB2-BD59-A6C34878D82A}">
+                    <a16:rowId xmlns:a16="http://schemas.microsoft.com/office/drawing/2014/main" val="3827222127"/>
+                  </a:ext>
+                </a:extLst>
+              </a:tr>
+              <a:tr h="337780">
+                <a:tc>
+                  <a:txBody>
+                    <a:bodyPr/>
+                    <a:lstStyle/>
+                    <a:p>
+                      <a:pPr algn="ctr"/>
+                      <a:r>
+                        <a:rPr lang="en-US" altLang="zh-CN" dirty="0" smtClean="0"/>
+                        <a:t>False</a:t>
+                      </a:r>
+                      <a:endParaRPr lang="zh-CN" altLang="en-US" dirty="0"/>
+                    </a:p>
+                  </a:txBody>
+                  <a:tcPr/>
+                </a:tc>
+                <a:tc>
+                  <a:txBody>
+                    <a:bodyPr/>
+                    <a:lstStyle/>
+                    <a:p>
+                      <a:pPr algn="ctr"/>
+                      <a:r>
+                        <a:rPr lang="en-US" altLang="zh-CN" dirty="0" smtClean="0"/>
+                        <a:t>0.200</a:t>
+                      </a:r>
+                      <a:endParaRPr lang="zh-CN" altLang="en-US" dirty="0"/>
+                    </a:p>
+                  </a:txBody>
+                  <a:tcPr/>
+                </a:tc>
+                <a:tc>
+                  <a:txBody>
+                    <a:bodyPr/>
+                    <a:lstStyle/>
+                    <a:p>
+                      <a:pPr algn="ctr"/>
+                      <a:r>
+                        <a:rPr lang="en-US" altLang="zh-CN" dirty="0" smtClean="0"/>
+                        <a:t>0.900</a:t>
+                      </a:r>
+                      <a:endParaRPr lang="zh-CN" altLang="en-US" dirty="0"/>
+                    </a:p>
+                  </a:txBody>
+                  <a:tcPr/>
+                </a:tc>
+                <a:extLst>
+                  <a:ext uri="{0D108BD9-81ED-4DB2-BD59-A6C34878D82A}">
+                    <a16:rowId xmlns:a16="http://schemas.microsoft.com/office/drawing/2014/main" val="3363307291"/>
+                  </a:ext>
+                </a:extLst>
+              </a:tr>
+            </a:tbl>
+          </a:graphicData>
+        </a:graphic>
+      </p:graphicFrame>
+      <p:graphicFrame>
+        <p:nvGraphicFramePr>
+          <p:cNvPr id="10" name="表格 9"/>
+          <p:cNvGraphicFramePr>
+            <a:graphicFrameLocks noGrp="1"/>
+          </p:cNvGraphicFramePr>
+          <p:nvPr>
+            <p:extLst>
+              <p:ext uri="{D42A27DB-BD31-4B8C-83A1-F6EECF244321}">
+                <p14:modId xmlns:p14="http://schemas.microsoft.com/office/powerpoint/2010/main" val="727256683"/>
+              </p:ext>
+            </p:extLst>
+          </p:nvPr>
+        </p:nvGraphicFramePr>
+        <p:xfrm>
+          <a:off x="6324600" y="1025010"/>
+          <a:ext cx="2743200" cy="1013340"/>
+        </p:xfrm>
+        <a:graphic>
+          <a:graphicData uri="http://schemas.openxmlformats.org/drawingml/2006/table">
+            <a:tbl>
+              <a:tblPr firstRow="1" bandRow="1">
+                <a:tableStyleId>{8A107856-5554-42FB-B03E-39F5DBC370BA}</a:tableStyleId>
+              </a:tblPr>
+              <a:tblGrid>
+                <a:gridCol w="838200">
+                  <a:extLst>
+                    <a:ext uri="{9D8B030D-6E8A-4147-A177-3AD203B41FA5}">
+                      <a16:colId xmlns:a16="http://schemas.microsoft.com/office/drawing/2014/main" val="80454796"/>
+                    </a:ext>
+                  </a:extLst>
+                </a:gridCol>
+                <a:gridCol w="914400">
+                  <a:extLst>
+                    <a:ext uri="{9D8B030D-6E8A-4147-A177-3AD203B41FA5}">
+                      <a16:colId xmlns:a16="http://schemas.microsoft.com/office/drawing/2014/main" val="1247010603"/>
+                    </a:ext>
+                  </a:extLst>
+                </a:gridCol>
+                <a:gridCol w="990600">
+                  <a:extLst>
+                    <a:ext uri="{9D8B030D-6E8A-4147-A177-3AD203B41FA5}">
+                      <a16:colId xmlns:a16="http://schemas.microsoft.com/office/drawing/2014/main" val="3571962060"/>
+                    </a:ext>
+                  </a:extLst>
+                </a:gridCol>
+              </a:tblGrid>
+              <a:tr h="337780">
+                <a:tc>
+                  <a:txBody>
+                    <a:bodyPr/>
+                    <a:lstStyle/>
+                    <a:p>
+                      <a:pPr algn="ctr"/>
+                      <a:r>
+                        <a:rPr lang="en-US" altLang="zh-CN" sz="1200" b="0" dirty="0" smtClean="0"/>
+                        <a:t>P</a:t>
+                      </a:r>
+                      <a:r>
+                        <a:rPr lang="en-US" altLang="zh-CN" sz="1200" b="1" dirty="0" smtClean="0"/>
+                        <a:t>(PX|BT)</a:t>
+                      </a:r>
+                      <a:endParaRPr lang="zh-CN" altLang="en-US" sz="1200" b="1" dirty="0"/>
+                    </a:p>
+                  </a:txBody>
+                  <a:tcPr/>
+                </a:tc>
+                <a:tc>
+                  <a:txBody>
+                    <a:bodyPr/>
+                    <a:lstStyle/>
+                    <a:p>
+                      <a:pPr algn="ctr"/>
+                      <a:r>
+                        <a:rPr lang="en-US" altLang="zh-CN" dirty="0" smtClean="0"/>
+                        <a:t>BT</a:t>
+                      </a:r>
+                      <a:r>
+                        <a:rPr lang="en-US" altLang="zh-CN" b="0" baseline="0" dirty="0" smtClean="0"/>
+                        <a:t>=True</a:t>
+                      </a:r>
+                      <a:endParaRPr lang="zh-CN" altLang="en-US" dirty="0"/>
+                    </a:p>
+                  </a:txBody>
+                  <a:tcPr/>
+                </a:tc>
+                <a:tc>
+                  <a:txBody>
+                    <a:bodyPr/>
+                    <a:lstStyle/>
+                    <a:p>
+                      <a:pPr algn="ctr"/>
+                      <a:r>
+                        <a:rPr lang="en-US" altLang="zh-CN" dirty="0" smtClean="0"/>
+                        <a:t>BT</a:t>
+                      </a:r>
+                      <a:r>
+                        <a:rPr lang="en-US" altLang="zh-CN" b="0" dirty="0" smtClean="0"/>
+                        <a:t>=False</a:t>
+                      </a:r>
+                      <a:endParaRPr lang="zh-CN" altLang="en-US" dirty="0"/>
+                    </a:p>
+                  </a:txBody>
+                  <a:tcPr/>
+                </a:tc>
+                <a:extLst>
+                  <a:ext uri="{0D108BD9-81ED-4DB2-BD59-A6C34878D82A}">
+                    <a16:rowId xmlns:a16="http://schemas.microsoft.com/office/drawing/2014/main" val="1244369780"/>
+                  </a:ext>
+                </a:extLst>
+              </a:tr>
+              <a:tr h="337780">
+                <a:tc>
+                  <a:txBody>
+                    <a:bodyPr/>
+                    <a:lstStyle/>
+                    <a:p>
+                      <a:pPr algn="ctr"/>
+                      <a:r>
+                        <a:rPr lang="en-US" altLang="zh-CN" dirty="0" smtClean="0"/>
+                        <a:t>True</a:t>
+                      </a:r>
+                      <a:endParaRPr lang="zh-CN" altLang="en-US" dirty="0"/>
+                    </a:p>
+                  </a:txBody>
+                  <a:tcPr/>
+                </a:tc>
+                <a:tc>
+                  <a:txBody>
+                    <a:bodyPr/>
+                    <a:lstStyle/>
+                    <a:p>
+                      <a:pPr algn="ctr"/>
+                      <a:r>
+                        <a:rPr lang="en-US" altLang="zh-CN" dirty="0" smtClean="0"/>
+                        <a:t>0.980</a:t>
+                      </a:r>
+                      <a:endParaRPr lang="zh-CN" altLang="en-US" dirty="0"/>
+                    </a:p>
+                  </a:txBody>
+                  <a:tcPr/>
+                </a:tc>
+                <a:tc>
+                  <a:txBody>
+                    <a:bodyPr/>
+                    <a:lstStyle/>
+                    <a:p>
+                      <a:pPr algn="ctr"/>
+                      <a:r>
+                        <a:rPr lang="en-US" altLang="zh-CN" dirty="0" smtClean="0"/>
+                        <a:t>0.010</a:t>
+                      </a:r>
+                      <a:endParaRPr lang="zh-CN" altLang="en-US" dirty="0"/>
+                    </a:p>
+                  </a:txBody>
+                  <a:tcPr/>
+                </a:tc>
+                <a:extLst>
+                  <a:ext uri="{0D108BD9-81ED-4DB2-BD59-A6C34878D82A}">
+                    <a16:rowId xmlns:a16="http://schemas.microsoft.com/office/drawing/2014/main" val="3827222127"/>
+                  </a:ext>
+                </a:extLst>
+              </a:tr>
+              <a:tr h="337780">
+                <a:tc>
+                  <a:txBody>
+                    <a:bodyPr/>
+                    <a:lstStyle/>
+                    <a:p>
+                      <a:pPr algn="ctr"/>
+                      <a:r>
+                        <a:rPr lang="en-US" altLang="zh-CN" dirty="0" smtClean="0"/>
+                        <a:t>False</a:t>
+                      </a:r>
+                      <a:endParaRPr lang="zh-CN" altLang="en-US" dirty="0"/>
+                    </a:p>
+                  </a:txBody>
+                  <a:tcPr/>
+                </a:tc>
+                <a:tc>
+                  <a:txBody>
+                    <a:bodyPr/>
+                    <a:lstStyle/>
+                    <a:p>
+                      <a:pPr algn="ctr"/>
+                      <a:r>
+                        <a:rPr lang="en-US" altLang="zh-CN" dirty="0" smtClean="0"/>
+                        <a:t>0.020</a:t>
+                      </a:r>
+                      <a:endParaRPr lang="zh-CN" altLang="en-US" dirty="0"/>
+                    </a:p>
+                  </a:txBody>
+                  <a:tcPr/>
+                </a:tc>
+                <a:tc>
+                  <a:txBody>
+                    <a:bodyPr/>
+                    <a:lstStyle/>
+                    <a:p>
+                      <a:pPr algn="ctr"/>
+                      <a:r>
+                        <a:rPr lang="en-US" altLang="zh-CN" dirty="0" smtClean="0"/>
+                        <a:t>0.990</a:t>
+                      </a:r>
+                      <a:endParaRPr lang="zh-CN" altLang="en-US" dirty="0"/>
+                    </a:p>
+                  </a:txBody>
+                  <a:tcPr/>
+                </a:tc>
+                <a:extLst>
+                  <a:ext uri="{0D108BD9-81ED-4DB2-BD59-A6C34878D82A}">
+                    <a16:rowId xmlns:a16="http://schemas.microsoft.com/office/drawing/2014/main" val="3363307291"/>
+                  </a:ext>
+                </a:extLst>
+              </a:tr>
+            </a:tbl>
+          </a:graphicData>
+        </a:graphic>
+      </p:graphicFrame>
+      <p:pic>
+        <p:nvPicPr>
+          <p:cNvPr id="11" name="图片 10"/>
+          <p:cNvPicPr>
+            <a:picLocks noChangeAspect="1"/>
+          </p:cNvPicPr>
+          <p:nvPr/>
+        </p:nvPicPr>
+        <p:blipFill>
+          <a:blip r:embed="rId3"/>
+          <a:stretch>
+            <a:fillRect/>
+          </a:stretch>
+        </p:blipFill>
+        <p:spPr>
+          <a:xfrm>
+            <a:off x="51620" y="2103478"/>
+            <a:ext cx="3581400" cy="2803330"/>
+          </a:xfrm>
+          <a:prstGeom prst="rect">
+            <a:avLst/>
+          </a:prstGeom>
+        </p:spPr>
+      </p:pic>
+      <p:sp>
+        <p:nvSpPr>
+          <p:cNvPr id="5" name="矩形 4"/>
+          <p:cNvSpPr/>
+          <p:nvPr/>
+        </p:nvSpPr>
+        <p:spPr>
+          <a:xfrm>
+            <a:off x="3581400" y="2235323"/>
+            <a:ext cx="5105400" cy="369332"/>
+          </a:xfrm>
+          <a:prstGeom prst="rect">
+            <a:avLst/>
+          </a:prstGeom>
+        </p:spPr>
+        <p:txBody>
+          <a:bodyPr wrap="square">
+            <a:spAutoFit/>
+          </a:bodyPr>
+          <a:lstStyle/>
+          <a:p>
+            <a:r>
+              <a:rPr lang="zh-CN" altLang="en-US" dirty="0">
+                <a:latin typeface="Calibri" panose="020F0502020204030204" pitchFamily="34" charset="0"/>
+                <a:cs typeface="Calibri" panose="020F0502020204030204" pitchFamily="34" charset="0"/>
+              </a:rPr>
+              <a:t>Conditional probability of HA at known HO and </a:t>
+            </a:r>
+            <a:r>
+              <a:rPr lang="zh-CN" altLang="en-US" dirty="0" smtClean="0">
+                <a:latin typeface="Calibri" panose="020F0502020204030204" pitchFamily="34" charset="0"/>
+                <a:cs typeface="Calibri" panose="020F0502020204030204" pitchFamily="34" charset="0"/>
+              </a:rPr>
+              <a:t>BT</a:t>
+            </a:r>
+            <a:r>
+              <a:rPr lang="en-US" altLang="zh-CN" dirty="0" smtClean="0">
+                <a:latin typeface="Calibri" panose="020F0502020204030204" pitchFamily="34" charset="0"/>
+                <a:cs typeface="Calibri" panose="020F0502020204030204" pitchFamily="34" charset="0"/>
+              </a:rPr>
+              <a:t>:</a:t>
+            </a:r>
+            <a:endParaRPr lang="zh-CN" altLang="en-US" dirty="0">
+              <a:latin typeface="Calibri" panose="020F0502020204030204" pitchFamily="34" charset="0"/>
+              <a:cs typeface="Calibri" panose="020F0502020204030204" pitchFamily="34" charset="0"/>
+            </a:endParaRPr>
+          </a:p>
+        </p:txBody>
+      </p:sp>
+      <p:graphicFrame>
+        <p:nvGraphicFramePr>
+          <p:cNvPr id="13" name="表格 12"/>
+          <p:cNvGraphicFramePr>
+            <a:graphicFrameLocks noGrp="1"/>
+          </p:cNvGraphicFramePr>
+          <p:nvPr>
+            <p:extLst>
+              <p:ext uri="{D42A27DB-BD31-4B8C-83A1-F6EECF244321}">
+                <p14:modId xmlns:p14="http://schemas.microsoft.com/office/powerpoint/2010/main" val="1524912256"/>
+              </p:ext>
+            </p:extLst>
+          </p:nvPr>
+        </p:nvGraphicFramePr>
+        <p:xfrm>
+          <a:off x="3633020" y="2669783"/>
+          <a:ext cx="5434780" cy="1865280"/>
+        </p:xfrm>
+        <a:graphic>
+          <a:graphicData uri="http://schemas.openxmlformats.org/drawingml/2006/table">
+            <a:tbl>
+              <a:tblPr firstRow="1" bandRow="1">
+                <a:tableStyleId>{8A107856-5554-42FB-B03E-39F5DBC370BA}</a:tableStyleId>
+              </a:tblPr>
+              <a:tblGrid>
+                <a:gridCol w="1086956">
+                  <a:extLst>
+                    <a:ext uri="{9D8B030D-6E8A-4147-A177-3AD203B41FA5}">
+                      <a16:colId xmlns:a16="http://schemas.microsoft.com/office/drawing/2014/main" val="2582365997"/>
+                    </a:ext>
+                  </a:extLst>
+                </a:gridCol>
+                <a:gridCol w="1086956">
+                  <a:extLst>
+                    <a:ext uri="{9D8B030D-6E8A-4147-A177-3AD203B41FA5}">
+                      <a16:colId xmlns:a16="http://schemas.microsoft.com/office/drawing/2014/main" val="1576025649"/>
+                    </a:ext>
+                  </a:extLst>
+                </a:gridCol>
+                <a:gridCol w="1086956">
+                  <a:extLst>
+                    <a:ext uri="{9D8B030D-6E8A-4147-A177-3AD203B41FA5}">
+                      <a16:colId xmlns:a16="http://schemas.microsoft.com/office/drawing/2014/main" val="4224799460"/>
+                    </a:ext>
+                  </a:extLst>
+                </a:gridCol>
+                <a:gridCol w="1086956">
+                  <a:extLst>
+                    <a:ext uri="{9D8B030D-6E8A-4147-A177-3AD203B41FA5}">
+                      <a16:colId xmlns:a16="http://schemas.microsoft.com/office/drawing/2014/main" val="839496265"/>
+                    </a:ext>
+                  </a:extLst>
+                </a:gridCol>
+                <a:gridCol w="1086956">
+                  <a:extLst>
+                    <a:ext uri="{9D8B030D-6E8A-4147-A177-3AD203B41FA5}">
+                      <a16:colId xmlns:a16="http://schemas.microsoft.com/office/drawing/2014/main" val="2280769922"/>
+                    </a:ext>
+                  </a:extLst>
+                </a:gridCol>
+              </a:tblGrid>
+              <a:tr h="932640">
+                <a:tc>
+                  <a:txBody>
+                    <a:bodyPr/>
+                    <a:lstStyle/>
+                    <a:p>
+                      <a:pPr algn="ctr"/>
+                      <a:endParaRPr lang="en-US" altLang="zh-CN" sz="1200" dirty="0" smtClean="0"/>
+                    </a:p>
+                    <a:p>
+                      <a:pPr algn="ctr"/>
+                      <a:endParaRPr lang="en-US" altLang="zh-CN" sz="1200" dirty="0" smtClean="0"/>
+                    </a:p>
+                    <a:p>
+                      <a:pPr algn="ctr"/>
+                      <a:r>
+                        <a:rPr lang="en-US" altLang="zh-CN" sz="1200" b="0" dirty="0" smtClean="0"/>
+                        <a:t>P</a:t>
+                      </a:r>
+                      <a:r>
+                        <a:rPr lang="en-US" altLang="zh-CN" sz="1200" dirty="0" smtClean="0"/>
+                        <a:t>(HA|HO,BT)</a:t>
+                      </a:r>
+                      <a:endParaRPr lang="zh-CN" altLang="en-US" sz="1200" b="1" dirty="0">
+                        <a:solidFill>
+                          <a:schemeClr val="tx1"/>
+                        </a:solidFill>
+                      </a:endParaRPr>
+                    </a:p>
+                  </a:txBody>
+                  <a:tcPr/>
+                </a:tc>
+                <a:tc gridSpan="2">
+                  <a:txBody>
+                    <a:bodyPr/>
+                    <a:lstStyle/>
+                    <a:p>
+                      <a:pPr algn="ctr"/>
+                      <a:r>
+                        <a:rPr lang="en-US" altLang="zh-CN" dirty="0" smtClean="0"/>
+                        <a:t>HO</a:t>
+                      </a:r>
+                      <a:r>
+                        <a:rPr lang="en-US" altLang="zh-CN" baseline="0" dirty="0" smtClean="0"/>
+                        <a:t> </a:t>
+                      </a:r>
+                      <a:r>
+                        <a:rPr lang="en-US" altLang="zh-CN" b="0" baseline="0" dirty="0" smtClean="0"/>
+                        <a:t>= True</a:t>
+                      </a:r>
+                    </a:p>
+                    <a:p>
+                      <a:pPr algn="ctr"/>
+                      <a:endParaRPr lang="en-US" altLang="zh-CN" baseline="0" dirty="0" smtClean="0"/>
+                    </a:p>
+                    <a:p>
+                      <a:pPr algn="ctr"/>
+                      <a:r>
+                        <a:rPr lang="en-US" altLang="zh-CN" dirty="0" smtClean="0"/>
+                        <a:t>BT</a:t>
+                      </a:r>
+                      <a:r>
+                        <a:rPr lang="en-US" altLang="zh-CN" baseline="0" dirty="0" smtClean="0"/>
+                        <a:t> </a:t>
+                      </a:r>
+                      <a:r>
+                        <a:rPr lang="en-US" altLang="zh-CN" b="0" baseline="0" dirty="0" smtClean="0"/>
+                        <a:t>= True    </a:t>
+                      </a:r>
+                      <a:r>
+                        <a:rPr lang="en-US" altLang="zh-CN" baseline="0" dirty="0" smtClean="0"/>
+                        <a:t>BT </a:t>
+                      </a:r>
+                      <a:r>
+                        <a:rPr lang="en-US" altLang="zh-CN" b="0" baseline="0" dirty="0" smtClean="0"/>
+                        <a:t>= False</a:t>
+                      </a:r>
+                      <a:endParaRPr lang="zh-CN" altLang="en-US" b="0" dirty="0">
+                        <a:solidFill>
+                          <a:schemeClr val="tx1"/>
+                        </a:solidFill>
+                      </a:endParaRPr>
+                    </a:p>
+                  </a:txBody>
+                  <a:tcPr/>
+                </a:tc>
+                <a:tc hMerge="1">
+                  <a:txBody>
+                    <a:bodyPr/>
+                    <a:lstStyle/>
+                    <a:p>
+                      <a:endParaRPr lang="zh-CN" altLang="en-US" dirty="0"/>
+                    </a:p>
+                  </a:txBody>
+                  <a:tcPr/>
+                </a:tc>
+                <a:tc gridSpan="2">
+                  <a:txBody>
+                    <a:bodyPr/>
+                    <a:lstStyle/>
+                    <a:p>
+                      <a:pPr algn="ctr"/>
+                      <a:r>
+                        <a:rPr lang="en-US" altLang="zh-CN" dirty="0" smtClean="0"/>
+                        <a:t>HO </a:t>
+                      </a:r>
+                      <a:r>
+                        <a:rPr lang="en-US" altLang="zh-CN" b="0" dirty="0" smtClean="0"/>
+                        <a:t>= False</a:t>
+                      </a:r>
+                    </a:p>
+                    <a:p>
+                      <a:pPr algn="ctr"/>
+                      <a:endParaRPr lang="en-US" altLang="zh-CN" dirty="0" smtClean="0"/>
+                    </a:p>
+                    <a:p>
+                      <a:pPr algn="ctr"/>
+                      <a:r>
+                        <a:rPr lang="en-US" altLang="zh-CN" dirty="0" smtClean="0"/>
+                        <a:t>BT</a:t>
+                      </a:r>
+                      <a:r>
+                        <a:rPr lang="en-US" altLang="zh-CN" baseline="0" dirty="0" smtClean="0"/>
+                        <a:t> </a:t>
+                      </a:r>
+                      <a:r>
+                        <a:rPr lang="en-US" altLang="zh-CN" b="0" baseline="0" dirty="0" smtClean="0"/>
+                        <a:t>= True     </a:t>
+                      </a:r>
+                      <a:r>
+                        <a:rPr lang="en-US" altLang="zh-CN" baseline="0" dirty="0" smtClean="0"/>
+                        <a:t>BT </a:t>
+                      </a:r>
+                      <a:r>
+                        <a:rPr lang="en-US" altLang="zh-CN" b="0" baseline="0" dirty="0" smtClean="0"/>
+                        <a:t>= False </a:t>
+                      </a:r>
+                      <a:endParaRPr lang="zh-CN" altLang="en-US" b="0" dirty="0">
+                        <a:solidFill>
+                          <a:schemeClr val="tx1"/>
+                        </a:solidFill>
+                      </a:endParaRPr>
+                    </a:p>
+                  </a:txBody>
+                  <a:tcPr/>
+                </a:tc>
+                <a:tc hMerge="1">
+                  <a:txBody>
+                    <a:bodyPr/>
+                    <a:lstStyle/>
+                    <a:p>
+                      <a:endParaRPr lang="zh-CN" altLang="en-US"/>
+                    </a:p>
+                  </a:txBody>
+                  <a:tcPr/>
+                </a:tc>
+                <a:extLst>
+                  <a:ext uri="{0D108BD9-81ED-4DB2-BD59-A6C34878D82A}">
+                    <a16:rowId xmlns:a16="http://schemas.microsoft.com/office/drawing/2014/main" val="2104920311"/>
+                  </a:ext>
+                </a:extLst>
+              </a:tr>
+              <a:tr h="466320">
+                <a:tc>
+                  <a:txBody>
+                    <a:bodyPr/>
+                    <a:lstStyle/>
+                    <a:p>
+                      <a:pPr algn="ctr"/>
+                      <a:r>
+                        <a:rPr lang="en-US" altLang="zh-CN" dirty="0" smtClean="0"/>
+                        <a:t>True</a:t>
+                      </a:r>
+                      <a:endParaRPr lang="zh-CN" altLang="en-US" dirty="0">
+                        <a:solidFill>
+                          <a:schemeClr val="tx1"/>
+                        </a:solidFill>
+                      </a:endParaRPr>
+                    </a:p>
+                  </a:txBody>
+                  <a:tcPr/>
+                </a:tc>
+                <a:tc>
+                  <a:txBody>
+                    <a:bodyPr/>
+                    <a:lstStyle/>
+                    <a:p>
+                      <a:pPr algn="ctr"/>
+                      <a:r>
+                        <a:rPr lang="en-US" altLang="zh-CN" dirty="0" smtClean="0"/>
+                        <a:t>0.99</a:t>
+                      </a:r>
+                      <a:endParaRPr lang="zh-CN" altLang="en-US" dirty="0">
+                        <a:solidFill>
+                          <a:schemeClr val="tx1"/>
+                        </a:solidFill>
+                      </a:endParaRPr>
+                    </a:p>
+                  </a:txBody>
+                  <a:tcPr/>
+                </a:tc>
+                <a:tc>
+                  <a:txBody>
+                    <a:bodyPr/>
+                    <a:lstStyle/>
+                    <a:p>
+                      <a:pPr algn="ctr"/>
+                      <a:r>
+                        <a:rPr lang="en-US" altLang="zh-CN" dirty="0" smtClean="0"/>
+                        <a:t>0.7</a:t>
+                      </a:r>
+                      <a:endParaRPr lang="zh-CN" altLang="en-US" dirty="0">
+                        <a:solidFill>
+                          <a:schemeClr val="tx1"/>
+                        </a:solidFill>
+                      </a:endParaRPr>
+                    </a:p>
+                  </a:txBody>
+                  <a:tcPr/>
+                </a:tc>
+                <a:tc>
+                  <a:txBody>
+                    <a:bodyPr/>
+                    <a:lstStyle/>
+                    <a:p>
+                      <a:pPr algn="ctr"/>
+                      <a:r>
+                        <a:rPr lang="en-US" altLang="zh-CN" dirty="0" smtClean="0"/>
+                        <a:t>0.9</a:t>
+                      </a:r>
+                      <a:endParaRPr lang="zh-CN" altLang="en-US" dirty="0">
+                        <a:solidFill>
+                          <a:schemeClr val="tx1"/>
+                        </a:solidFill>
+                      </a:endParaRPr>
+                    </a:p>
+                  </a:txBody>
+                  <a:tcPr/>
+                </a:tc>
+                <a:tc>
+                  <a:txBody>
+                    <a:bodyPr/>
+                    <a:lstStyle/>
+                    <a:p>
+                      <a:pPr algn="ctr"/>
+                      <a:r>
+                        <a:rPr lang="en-US" altLang="zh-CN" dirty="0" smtClean="0"/>
+                        <a:t>0.02</a:t>
+                      </a:r>
+                      <a:endParaRPr lang="zh-CN" altLang="en-US" dirty="0">
+                        <a:solidFill>
+                          <a:schemeClr val="tx1"/>
+                        </a:solidFill>
+                      </a:endParaRPr>
+                    </a:p>
+                  </a:txBody>
+                  <a:tcPr/>
+                </a:tc>
+                <a:extLst>
+                  <a:ext uri="{0D108BD9-81ED-4DB2-BD59-A6C34878D82A}">
+                    <a16:rowId xmlns:a16="http://schemas.microsoft.com/office/drawing/2014/main" val="1383542188"/>
+                  </a:ext>
+                </a:extLst>
+              </a:tr>
+              <a:tr h="466320">
+                <a:tc>
+                  <a:txBody>
+                    <a:bodyPr/>
+                    <a:lstStyle/>
+                    <a:p>
+                      <a:pPr algn="ctr"/>
+                      <a:r>
+                        <a:rPr lang="en-US" altLang="zh-CN" dirty="0" smtClean="0"/>
+                        <a:t>False</a:t>
+                      </a:r>
+                      <a:endParaRPr lang="zh-CN" altLang="en-US" dirty="0">
+                        <a:solidFill>
+                          <a:schemeClr val="tx1"/>
+                        </a:solidFill>
+                      </a:endParaRPr>
+                    </a:p>
+                  </a:txBody>
+                  <a:tcPr/>
+                </a:tc>
+                <a:tc>
+                  <a:txBody>
+                    <a:bodyPr/>
+                    <a:lstStyle/>
+                    <a:p>
+                      <a:pPr algn="ctr"/>
+                      <a:r>
+                        <a:rPr lang="en-US" altLang="zh-CN" dirty="0" smtClean="0"/>
+                        <a:t>0.01</a:t>
+                      </a:r>
+                      <a:endParaRPr lang="zh-CN" altLang="en-US" dirty="0">
+                        <a:solidFill>
+                          <a:schemeClr val="tx1"/>
+                        </a:solidFill>
+                      </a:endParaRPr>
+                    </a:p>
+                  </a:txBody>
+                  <a:tcPr/>
+                </a:tc>
+                <a:tc>
+                  <a:txBody>
+                    <a:bodyPr/>
+                    <a:lstStyle/>
+                    <a:p>
+                      <a:pPr algn="ctr"/>
+                      <a:r>
+                        <a:rPr lang="en-US" altLang="zh-CN" dirty="0" smtClean="0"/>
+                        <a:t>0.3</a:t>
+                      </a:r>
+                      <a:endParaRPr lang="zh-CN" altLang="en-US" dirty="0">
+                        <a:solidFill>
+                          <a:schemeClr val="tx1"/>
+                        </a:solidFill>
+                      </a:endParaRPr>
+                    </a:p>
+                  </a:txBody>
+                  <a:tcPr/>
+                </a:tc>
+                <a:tc>
+                  <a:txBody>
+                    <a:bodyPr/>
+                    <a:lstStyle/>
+                    <a:p>
+                      <a:pPr algn="ctr"/>
+                      <a:r>
+                        <a:rPr lang="en-US" altLang="zh-CN" dirty="0" smtClean="0"/>
+                        <a:t>0.1</a:t>
+                      </a:r>
+                      <a:endParaRPr lang="zh-CN" altLang="en-US" dirty="0">
+                        <a:solidFill>
+                          <a:schemeClr val="tx1"/>
+                        </a:solidFill>
+                      </a:endParaRPr>
+                    </a:p>
+                  </a:txBody>
+                  <a:tcPr/>
+                </a:tc>
+                <a:tc>
+                  <a:txBody>
+                    <a:bodyPr/>
+                    <a:lstStyle/>
+                    <a:p>
+                      <a:pPr algn="ctr"/>
+                      <a:r>
+                        <a:rPr lang="en-US" altLang="zh-CN" dirty="0" smtClean="0"/>
+                        <a:t>0.98</a:t>
+                      </a:r>
+                      <a:endParaRPr lang="zh-CN" altLang="en-US" dirty="0">
+                        <a:solidFill>
+                          <a:schemeClr val="tx1"/>
+                        </a:solidFill>
+                      </a:endParaRPr>
+                    </a:p>
+                  </a:txBody>
+                  <a:tcPr/>
+                </a:tc>
+                <a:extLst>
+                  <a:ext uri="{0D108BD9-81ED-4DB2-BD59-A6C34878D82A}">
+                    <a16:rowId xmlns:a16="http://schemas.microsoft.com/office/drawing/2014/main" val="2992287412"/>
+                  </a:ext>
+                </a:extLst>
+              </a:tr>
+            </a:tbl>
+          </a:graphicData>
+        </a:graphic>
+      </p:graphicFrame>
     </p:spTree>
     <p:extLst>
       <p:ext uri="{BB962C8B-B14F-4D97-AF65-F5344CB8AC3E}">
@@ -8109,45 +9293,6 @@
           <a:chExt cx="0" cy="0"/>
         </a:xfrm>
       </p:grpSpPr>
-      <p:sp>
-        <p:nvSpPr>
-          <p:cNvPr id="5124" name="Text Box 7"/>
-          <p:cNvSpPr txBox="1">
-            <a:spLocks noChangeArrowheads="1"/>
-          </p:cNvSpPr>
-          <p:nvPr/>
-        </p:nvSpPr>
-        <p:spPr bwMode="auto">
-          <a:xfrm>
-            <a:off x="1143000" y="4686301"/>
-            <a:ext cx="4400550" cy="346247"/>
-          </a:xfrm>
-          <a:prstGeom prst="rect">
-            <a:avLst/>
-          </a:prstGeom>
-          <a:noFill/>
-          <a:ln w="9525">
-            <a:noFill/>
-            <a:miter lim="800000"/>
-            <a:headEnd/>
-            <a:tailEnd/>
-          </a:ln>
-        </p:spPr>
-        <p:txBody>
-          <a:bodyPr lIns="68579" tIns="34289" rIns="68579" bIns="34289">
-            <a:spAutoFit/>
-          </a:bodyPr>
-          <a:lstStyle/>
-          <a:p>
-            <a:pPr>
-              <a:spcBef>
-                <a:spcPct val="50000"/>
-              </a:spcBef>
-            </a:pPr>
-            <a:endParaRPr lang="en-US"/>
-          </a:p>
-        </p:txBody>
-      </p:sp>
       <p:sp>
         <p:nvSpPr>
           <p:cNvPr id="12" name="Title 4"/>
@@ -8335,6 +9480,912 @@
           </a:p>
         </p:txBody>
       </p:sp>
+      <p:sp>
+        <p:nvSpPr>
+          <p:cNvPr id="2" name="矩形 1"/>
+          <p:cNvSpPr/>
+          <p:nvPr/>
+        </p:nvSpPr>
+        <p:spPr>
+          <a:xfrm>
+            <a:off x="76200" y="590550"/>
+            <a:ext cx="8171468" cy="1077218"/>
+          </a:xfrm>
+          <a:prstGeom prst="rect">
+            <a:avLst/>
+          </a:prstGeom>
+        </p:spPr>
+        <p:txBody>
+          <a:bodyPr wrap="none">
+            <a:spAutoFit/>
+          </a:bodyPr>
+          <a:lstStyle/>
+          <a:p>
+            <a:r>
+              <a:rPr lang="en-US" altLang="zh-CN" sz="1600" dirty="0">
+                <a:solidFill>
+                  <a:srgbClr val="FF0000"/>
+                </a:solidFill>
+                <a:latin typeface="Calibri" panose="020F0502020204030204" pitchFamily="34" charset="0"/>
+                <a:cs typeface="Calibri" panose="020F0502020204030204" pitchFamily="34" charset="0"/>
+              </a:rPr>
+              <a:t>Bayesian Net Prediction: </a:t>
+            </a:r>
+            <a:r>
+              <a:rPr lang="en-US" altLang="zh-CN" sz="1600" dirty="0">
+                <a:latin typeface="Calibri" panose="020F0502020204030204" pitchFamily="34" charset="0"/>
+                <a:cs typeface="Calibri" panose="020F0502020204030204" pitchFamily="34" charset="0"/>
+              </a:rPr>
+              <a:t>The Bayesian network can predict the probability of the resulting node </a:t>
+            </a:r>
+            <a:endParaRPr lang="en-US" altLang="zh-CN" sz="1600" dirty="0" smtClean="0">
+              <a:latin typeface="Calibri" panose="020F0502020204030204" pitchFamily="34" charset="0"/>
+              <a:cs typeface="Calibri" panose="020F0502020204030204" pitchFamily="34" charset="0"/>
+            </a:endParaRPr>
+          </a:p>
+          <a:p>
+            <a:r>
+              <a:rPr lang="en-US" altLang="zh-CN" sz="1600" dirty="0" smtClean="0">
+                <a:latin typeface="Calibri" panose="020F0502020204030204" pitchFamily="34" charset="0"/>
+                <a:cs typeface="Calibri" panose="020F0502020204030204" pitchFamily="34" charset="0"/>
+              </a:rPr>
+              <a:t>without </a:t>
+            </a:r>
+            <a:r>
+              <a:rPr lang="en-US" altLang="zh-CN" sz="1600" dirty="0">
+                <a:latin typeface="Calibri" panose="020F0502020204030204" pitchFamily="34" charset="0"/>
+                <a:cs typeface="Calibri" panose="020F0502020204030204" pitchFamily="34" charset="0"/>
+              </a:rPr>
+              <a:t>knowing or knowing some conditional nodes</a:t>
+            </a:r>
+            <a:r>
+              <a:rPr lang="en-US" altLang="zh-CN" sz="1600" dirty="0" smtClean="0">
+                <a:latin typeface="Calibri" panose="020F0502020204030204" pitchFamily="34" charset="0"/>
+                <a:cs typeface="Calibri" panose="020F0502020204030204" pitchFamily="34" charset="0"/>
+              </a:rPr>
+              <a:t>.</a:t>
+            </a:r>
+          </a:p>
+          <a:p>
+            <a:r>
+              <a:rPr lang="en-US" altLang="zh-CN" sz="1600" b="1" dirty="0">
+                <a:latin typeface="Calibri" panose="020F0502020204030204" pitchFamily="34" charset="0"/>
+                <a:cs typeface="Calibri" panose="020F0502020204030204" pitchFamily="34" charset="0"/>
+              </a:rPr>
+              <a:t>Convention</a:t>
+            </a:r>
+            <a:r>
+              <a:rPr lang="en-US" altLang="zh-CN" sz="1600" dirty="0">
+                <a:latin typeface="Calibri" panose="020F0502020204030204" pitchFamily="34" charset="0"/>
+                <a:cs typeface="Calibri" panose="020F0502020204030204" pitchFamily="34" charset="0"/>
+              </a:rPr>
+              <a:t>: For a node Point, </a:t>
+            </a:r>
+            <a:r>
+              <a:rPr lang="en-US" altLang="zh-CN" sz="1600" dirty="0" smtClean="0">
+                <a:solidFill>
+                  <a:srgbClr val="008000"/>
+                </a:solidFill>
+                <a:latin typeface="Calibri" panose="020F0502020204030204" pitchFamily="34" charset="0"/>
+                <a:cs typeface="Calibri" panose="020F0502020204030204" pitchFamily="34" charset="0"/>
+              </a:rPr>
+              <a:t>P </a:t>
+            </a:r>
+            <a:r>
+              <a:rPr lang="en-US" altLang="zh-CN" sz="1600" dirty="0" smtClean="0">
+                <a:solidFill>
+                  <a:srgbClr val="008000"/>
+                </a:solidFill>
+                <a:latin typeface="Calibri" panose="020F0502020204030204" pitchFamily="34" charset="0"/>
+                <a:cs typeface="Calibri" panose="020F0502020204030204" pitchFamily="34" charset="0"/>
+              </a:rPr>
+              <a:t>(+Point</a:t>
+            </a:r>
+            <a:r>
+              <a:rPr lang="en-US" altLang="zh-CN" sz="1600" dirty="0">
+                <a:solidFill>
+                  <a:srgbClr val="008000"/>
+                </a:solidFill>
+                <a:latin typeface="Calibri" panose="020F0502020204030204" pitchFamily="34" charset="0"/>
+                <a:cs typeface="Calibri" panose="020F0502020204030204" pitchFamily="34" charset="0"/>
+              </a:rPr>
+              <a:t>) </a:t>
+            </a:r>
+            <a:r>
+              <a:rPr lang="en-US" altLang="zh-CN" sz="1600" dirty="0" smtClean="0">
+                <a:latin typeface="Calibri" panose="020F0502020204030204" pitchFamily="34" charset="0"/>
+                <a:cs typeface="Calibri" panose="020F0502020204030204" pitchFamily="34" charset="0"/>
+              </a:rPr>
+              <a:t>:the </a:t>
+            </a:r>
+            <a:r>
+              <a:rPr lang="en-US" altLang="zh-CN" sz="1600" dirty="0">
+                <a:latin typeface="Calibri" panose="020F0502020204030204" pitchFamily="34" charset="0"/>
+                <a:cs typeface="Calibri" panose="020F0502020204030204" pitchFamily="34" charset="0"/>
+              </a:rPr>
+              <a:t>probability of </a:t>
+            </a:r>
+            <a:r>
+              <a:rPr lang="en-US" altLang="zh-CN" sz="1600" dirty="0">
+                <a:solidFill>
+                  <a:srgbClr val="008000"/>
+                </a:solidFill>
+                <a:latin typeface="Calibri" panose="020F0502020204030204" pitchFamily="34" charset="0"/>
+                <a:cs typeface="Calibri" panose="020F0502020204030204" pitchFamily="34" charset="0"/>
+              </a:rPr>
+              <a:t>occurrence</a:t>
+            </a:r>
+            <a:r>
+              <a:rPr lang="en-US" altLang="zh-CN" sz="1600" dirty="0">
+                <a:latin typeface="Calibri" panose="020F0502020204030204" pitchFamily="34" charset="0"/>
+                <a:cs typeface="Calibri" panose="020F0502020204030204" pitchFamily="34" charset="0"/>
+              </a:rPr>
+              <a:t> of Point, </a:t>
+            </a:r>
+            <a:endParaRPr lang="en-US" altLang="zh-CN" sz="1600" dirty="0" smtClean="0">
+              <a:latin typeface="Calibri" panose="020F0502020204030204" pitchFamily="34" charset="0"/>
+              <a:cs typeface="Calibri" panose="020F0502020204030204" pitchFamily="34" charset="0"/>
+            </a:endParaRPr>
+          </a:p>
+          <a:p>
+            <a:r>
+              <a:rPr lang="en-US" altLang="zh-CN" sz="1600" dirty="0" smtClean="0">
+                <a:latin typeface="Calibri" panose="020F0502020204030204" pitchFamily="34" charset="0"/>
+                <a:cs typeface="Calibri" panose="020F0502020204030204" pitchFamily="34" charset="0"/>
+              </a:rPr>
+              <a:t>	</a:t>
+            </a:r>
+            <a:r>
+              <a:rPr lang="en-US" altLang="zh-CN" sz="1600" dirty="0">
+                <a:latin typeface="Calibri" panose="020F0502020204030204" pitchFamily="34" charset="0"/>
+                <a:cs typeface="Calibri" panose="020F0502020204030204" pitchFamily="34" charset="0"/>
+              </a:rPr>
+              <a:t>	</a:t>
+            </a:r>
+            <a:r>
+              <a:rPr lang="en-US" altLang="zh-CN" sz="1600" dirty="0">
+                <a:latin typeface="Calibri" panose="020F0502020204030204" pitchFamily="34" charset="0"/>
+                <a:cs typeface="Calibri" panose="020F0502020204030204" pitchFamily="34" charset="0"/>
+              </a:rPr>
+              <a:t> </a:t>
+            </a:r>
+            <a:r>
+              <a:rPr lang="en-US" altLang="zh-CN" sz="1600" dirty="0" smtClean="0">
+                <a:latin typeface="Calibri" panose="020F0502020204030204" pitchFamily="34" charset="0"/>
+                <a:cs typeface="Calibri" panose="020F0502020204030204" pitchFamily="34" charset="0"/>
+              </a:rPr>
+              <a:t>             </a:t>
+            </a:r>
+            <a:r>
+              <a:rPr lang="en-US" altLang="zh-CN" sz="1600" dirty="0" smtClean="0">
+                <a:latin typeface="Calibri" panose="020F0502020204030204" pitchFamily="34" charset="0"/>
+                <a:cs typeface="Calibri" panose="020F0502020204030204" pitchFamily="34" charset="0"/>
+              </a:rPr>
+              <a:t> </a:t>
+            </a:r>
+            <a:r>
+              <a:rPr lang="en-US" altLang="zh-CN" sz="1600" dirty="0" smtClean="0">
+                <a:solidFill>
+                  <a:srgbClr val="CC0000"/>
+                </a:solidFill>
+                <a:latin typeface="Calibri" panose="020F0502020204030204" pitchFamily="34" charset="0"/>
+                <a:cs typeface="Calibri" panose="020F0502020204030204" pitchFamily="34" charset="0"/>
+              </a:rPr>
+              <a:t>P </a:t>
+            </a:r>
+            <a:r>
+              <a:rPr lang="en-US" altLang="zh-CN" sz="1600" dirty="0">
+                <a:solidFill>
+                  <a:srgbClr val="CC0000"/>
+                </a:solidFill>
+                <a:latin typeface="Calibri" panose="020F0502020204030204" pitchFamily="34" charset="0"/>
+                <a:cs typeface="Calibri" panose="020F0502020204030204" pitchFamily="34" charset="0"/>
+              </a:rPr>
+              <a:t>(-Point</a:t>
+            </a:r>
+            <a:r>
+              <a:rPr lang="en-US" altLang="zh-CN" sz="1600" dirty="0" smtClean="0">
+                <a:solidFill>
+                  <a:srgbClr val="CC0000"/>
+                </a:solidFill>
+                <a:latin typeface="Calibri" panose="020F0502020204030204" pitchFamily="34" charset="0"/>
+                <a:cs typeface="Calibri" panose="020F0502020204030204" pitchFamily="34" charset="0"/>
+              </a:rPr>
+              <a:t>)</a:t>
+            </a:r>
+            <a:r>
+              <a:rPr lang="en-US" altLang="zh-CN" sz="1600" dirty="0" smtClean="0">
+                <a:latin typeface="Calibri" panose="020F0502020204030204" pitchFamily="34" charset="0"/>
+                <a:cs typeface="Calibri" panose="020F0502020204030204" pitchFamily="34" charset="0"/>
+              </a:rPr>
+              <a:t>: the </a:t>
+            </a:r>
+            <a:r>
+              <a:rPr lang="en-US" altLang="zh-CN" sz="1600" dirty="0">
+                <a:latin typeface="Calibri" panose="020F0502020204030204" pitchFamily="34" charset="0"/>
+                <a:cs typeface="Calibri" panose="020F0502020204030204" pitchFamily="34" charset="0"/>
+              </a:rPr>
+              <a:t>probability that Point </a:t>
+            </a:r>
+            <a:r>
+              <a:rPr lang="en-US" altLang="zh-CN" sz="1600" dirty="0">
+                <a:solidFill>
+                  <a:srgbClr val="CC0000"/>
+                </a:solidFill>
+                <a:latin typeface="Calibri" panose="020F0502020204030204" pitchFamily="34" charset="0"/>
+                <a:cs typeface="Calibri" panose="020F0502020204030204" pitchFamily="34" charset="0"/>
+              </a:rPr>
+              <a:t>does not occur</a:t>
+            </a:r>
+            <a:r>
+              <a:rPr lang="en-US" altLang="zh-CN" sz="1600" dirty="0">
+                <a:latin typeface="Calibri" panose="020F0502020204030204" pitchFamily="34" charset="0"/>
+                <a:cs typeface="Calibri" panose="020F0502020204030204" pitchFamily="34" charset="0"/>
+              </a:rPr>
+              <a:t>.</a:t>
+            </a:r>
+            <a:endParaRPr lang="zh-CN" altLang="en-US" sz="1600" dirty="0">
+              <a:latin typeface="Calibri" panose="020F0502020204030204" pitchFamily="34" charset="0"/>
+              <a:cs typeface="Calibri" panose="020F0502020204030204" pitchFamily="34" charset="0"/>
+            </a:endParaRPr>
+          </a:p>
+        </p:txBody>
+      </p:sp>
+      <p:pic>
+        <p:nvPicPr>
+          <p:cNvPr id="3" name="图片 2"/>
+          <p:cNvPicPr>
+            <a:picLocks noChangeAspect="1"/>
+          </p:cNvPicPr>
+          <p:nvPr/>
+        </p:nvPicPr>
+        <p:blipFill>
+          <a:blip r:embed="rId3"/>
+          <a:stretch>
+            <a:fillRect/>
+          </a:stretch>
+        </p:blipFill>
+        <p:spPr>
+          <a:xfrm>
+            <a:off x="93406" y="1557779"/>
+            <a:ext cx="2590800" cy="2027941"/>
+          </a:xfrm>
+          <a:prstGeom prst="rect">
+            <a:avLst/>
+          </a:prstGeom>
+        </p:spPr>
+      </p:pic>
+      <p:sp>
+        <p:nvSpPr>
+          <p:cNvPr id="4" name="文本框 3"/>
+          <p:cNvSpPr txBox="1"/>
+          <p:nvPr/>
+        </p:nvSpPr>
+        <p:spPr>
+          <a:xfrm>
+            <a:off x="2590800" y="1597803"/>
+            <a:ext cx="6172200" cy="769441"/>
+          </a:xfrm>
+          <a:prstGeom prst="rect">
+            <a:avLst/>
+          </a:prstGeom>
+          <a:noFill/>
+        </p:spPr>
+        <p:txBody>
+          <a:bodyPr wrap="square" rtlCol="0">
+            <a:spAutoFit/>
+          </a:bodyPr>
+          <a:lstStyle/>
+          <a:p>
+            <a:r>
+              <a:rPr lang="en-US" altLang="zh-CN" sz="1600" dirty="0" smtClean="0">
+                <a:solidFill>
+                  <a:srgbClr val="0070C0"/>
+                </a:solidFill>
+                <a:latin typeface="Calibri"/>
+                <a:cs typeface="Calibri"/>
+              </a:rPr>
+              <a:t>Example 1</a:t>
+            </a:r>
+            <a:r>
+              <a:rPr lang="zh-CN" altLang="en-US" sz="1600" dirty="0" smtClean="0">
+                <a:solidFill>
+                  <a:srgbClr val="0070C0"/>
+                </a:solidFill>
+                <a:latin typeface="Calibri"/>
+                <a:cs typeface="Calibri"/>
+              </a:rPr>
+              <a:t>：</a:t>
+            </a:r>
+            <a:r>
+              <a:rPr lang="en-US" altLang="zh-CN" sz="1600" dirty="0">
+                <a:solidFill>
+                  <a:srgbClr val="0070C0"/>
+                </a:solidFill>
+                <a:latin typeface="Calibri"/>
+                <a:cs typeface="Calibri"/>
+              </a:rPr>
+              <a:t>Calculate the probability of </a:t>
+            </a:r>
+            <a:r>
+              <a:rPr lang="en-US" altLang="zh-CN" sz="1600" dirty="0" smtClean="0">
+                <a:solidFill>
+                  <a:srgbClr val="0070C0"/>
+                </a:solidFill>
+                <a:latin typeface="Calibri"/>
+                <a:cs typeface="Calibri"/>
+              </a:rPr>
+              <a:t>HA</a:t>
+            </a:r>
+            <a:r>
+              <a:rPr lang="zh-CN" altLang="en-US" sz="1600" dirty="0" smtClean="0">
+                <a:solidFill>
+                  <a:srgbClr val="0070C0"/>
+                </a:solidFill>
+                <a:latin typeface="Calibri"/>
+                <a:cs typeface="Calibri"/>
+              </a:rPr>
+              <a:t>：</a:t>
+            </a:r>
+            <a:r>
+              <a:rPr lang="en-US" altLang="zh-CN" sz="1400" dirty="0" smtClean="0">
+                <a:latin typeface="Calibri"/>
+                <a:cs typeface="Calibri"/>
+              </a:rPr>
+              <a:t>From </a:t>
+            </a:r>
+            <a:r>
+              <a:rPr lang="en-US" altLang="zh-CN" sz="1400" dirty="0">
+                <a:latin typeface="Calibri"/>
+                <a:cs typeface="Calibri"/>
+              </a:rPr>
+              <a:t>the </a:t>
+            </a:r>
+            <a:r>
+              <a:rPr lang="en-US" altLang="zh-CN" sz="1400" dirty="0" smtClean="0">
+                <a:latin typeface="Calibri"/>
+                <a:cs typeface="Calibri"/>
+              </a:rPr>
+              <a:t>diagram,</a:t>
+            </a:r>
+          </a:p>
+          <a:p>
+            <a:pPr algn="ctr"/>
+            <a:r>
+              <a:rPr lang="en-US" altLang="zh-CN" sz="1400" dirty="0" smtClean="0">
+                <a:latin typeface="Calibri"/>
+                <a:cs typeface="Calibri"/>
+              </a:rPr>
+              <a:t>{HO,BT }</a:t>
+            </a:r>
+            <a:r>
+              <a:rPr lang="en-US" altLang="zh-CN" sz="1400" dirty="0" smtClean="0">
+                <a:latin typeface="Calibri"/>
+                <a:cs typeface="Calibri"/>
+                <a:sym typeface="Wingdings" panose="05000000000000000000" pitchFamily="2" charset="2"/>
+              </a:rPr>
+              <a:t></a:t>
+            </a:r>
+            <a:r>
+              <a:rPr lang="en-US" altLang="zh-CN" sz="1400" dirty="0" smtClean="0">
+                <a:latin typeface="Calibri"/>
+                <a:cs typeface="Calibri"/>
+              </a:rPr>
+              <a:t>HA , {PT}</a:t>
+            </a:r>
+            <a:r>
+              <a:rPr lang="en-US" altLang="zh-CN" sz="1400" dirty="0" smtClean="0">
+                <a:latin typeface="Calibri"/>
+                <a:cs typeface="Calibri"/>
+                <a:sym typeface="Wingdings" panose="05000000000000000000" pitchFamily="2" charset="2"/>
+              </a:rPr>
+              <a:t>HO</a:t>
+            </a:r>
+            <a:endParaRPr lang="en-US" altLang="zh-CN" sz="1400" dirty="0" smtClean="0">
+              <a:latin typeface="Calibri"/>
+              <a:cs typeface="Calibri"/>
+            </a:endParaRPr>
+          </a:p>
+          <a:p>
+            <a:r>
+              <a:rPr lang="en-US" altLang="zh-CN" sz="1400" dirty="0" smtClean="0">
+                <a:latin typeface="Calibri"/>
+                <a:cs typeface="Calibri"/>
+              </a:rPr>
+              <a:t>Firstly, Find P(HO),</a:t>
+            </a:r>
+            <a:r>
+              <a:rPr lang="en-US" altLang="zh-CN" sz="1400" dirty="0" smtClean="0">
+                <a:latin typeface="Calibri"/>
+                <a:cs typeface="Calibri"/>
+                <a:sym typeface="Wingdings" panose="05000000000000000000" pitchFamily="2" charset="2"/>
+              </a:rPr>
+              <a:t>Using </a:t>
+            </a:r>
+            <a:r>
+              <a:rPr lang="en-US" altLang="zh-CN" sz="1400" dirty="0">
+                <a:latin typeface="Calibri"/>
+                <a:cs typeface="Calibri"/>
+                <a:sym typeface="Wingdings" panose="05000000000000000000" pitchFamily="2" charset="2"/>
+              </a:rPr>
+              <a:t>the full probability </a:t>
+            </a:r>
+            <a:r>
+              <a:rPr lang="en-US" altLang="zh-CN" sz="1400" dirty="0" smtClean="0">
+                <a:latin typeface="Calibri"/>
+                <a:cs typeface="Calibri"/>
+                <a:sym typeface="Wingdings" panose="05000000000000000000" pitchFamily="2" charset="2"/>
+              </a:rPr>
+              <a:t>formula:</a:t>
+            </a:r>
+          </a:p>
+        </p:txBody>
+      </p:sp>
+      <p:sp>
+        <p:nvSpPr>
+          <p:cNvPr id="5" name="文本框 4"/>
+          <p:cNvSpPr txBox="1"/>
+          <p:nvPr/>
+        </p:nvSpPr>
+        <p:spPr>
+          <a:xfrm>
+            <a:off x="2634886" y="2320062"/>
+            <a:ext cx="5791200" cy="1166088"/>
+          </a:xfrm>
+          <a:prstGeom prst="rect">
+            <a:avLst/>
+          </a:prstGeom>
+          <a:noFill/>
+        </p:spPr>
+        <p:txBody>
+          <a:bodyPr wrap="square" rtlCol="0">
+            <a:spAutoFit/>
+          </a:bodyPr>
+          <a:lstStyle/>
+          <a:p>
+            <a:pPr>
+              <a:lnSpc>
+                <a:spcPct val="150000"/>
+              </a:lnSpc>
+            </a:pPr>
+            <a:r>
+              <a:rPr lang="en-US" altLang="zh-CN" sz="1200" dirty="0" smtClean="0">
+                <a:solidFill>
+                  <a:srgbClr val="008000"/>
+                </a:solidFill>
+                <a:latin typeface="Cambria Math" panose="02040503050406030204" pitchFamily="18" charset="0"/>
+                <a:ea typeface="Cambria Math" panose="02040503050406030204" pitchFamily="18" charset="0"/>
+                <a:cs typeface="Calibri Light" panose="020F0302020204030204" pitchFamily="34" charset="0"/>
+              </a:rPr>
+              <a:t>P(+HO) </a:t>
+            </a:r>
+            <a:r>
+              <a:rPr lang="en-US" altLang="zh-CN" sz="1200" dirty="0" smtClean="0">
+                <a:latin typeface="Cambria Math" panose="02040503050406030204" pitchFamily="18" charset="0"/>
+                <a:ea typeface="Cambria Math" panose="02040503050406030204" pitchFamily="18" charset="0"/>
+                <a:cs typeface="Calibri Light" panose="020F0302020204030204" pitchFamily="34" charset="0"/>
+              </a:rPr>
+              <a:t>= </a:t>
+            </a:r>
+            <a:r>
+              <a:rPr lang="en-US" altLang="zh-CN" sz="1200" i="1" dirty="0" smtClean="0">
+                <a:latin typeface="Cambria Math" panose="02040503050406030204" pitchFamily="18" charset="0"/>
+                <a:ea typeface="Cambria Math" panose="02040503050406030204" pitchFamily="18" charset="0"/>
+                <a:cs typeface="Calibri Light" panose="020F0302020204030204" pitchFamily="34" charset="0"/>
+              </a:rPr>
+              <a:t>P(+ HO |+ PT)P(+ PT) + P(+ HO|- PT)P(- PT)</a:t>
+            </a:r>
+          </a:p>
+          <a:p>
+            <a:pPr>
+              <a:lnSpc>
+                <a:spcPct val="150000"/>
+              </a:lnSpc>
+            </a:pPr>
+            <a:r>
+              <a:rPr lang="en-US" altLang="zh-CN" sz="1200" dirty="0" smtClean="0">
+                <a:latin typeface="Cambria Math" panose="02040503050406030204" pitchFamily="18" charset="0"/>
+                <a:ea typeface="Cambria Math" panose="02040503050406030204" pitchFamily="18" charset="0"/>
+                <a:cs typeface="Calibri Light" panose="020F0302020204030204" pitchFamily="34" charset="0"/>
+              </a:rPr>
+              <a:t>              = 0.7</a:t>
+            </a:r>
+            <a:r>
+              <a:rPr lang="zh-CN" altLang="en-US" sz="1200" dirty="0" smtClean="0">
+                <a:latin typeface="Cambria Math" panose="02040503050406030204" pitchFamily="18" charset="0"/>
+                <a:cs typeface="Calibri Light" panose="020F0302020204030204" pitchFamily="34" charset="0"/>
+              </a:rPr>
+              <a:t> </a:t>
+            </a:r>
+            <a:r>
+              <a:rPr lang="en-US" altLang="zh-CN" sz="1200" dirty="0" smtClean="0">
+                <a:latin typeface="Cambria Math" panose="02040503050406030204" pitchFamily="18" charset="0"/>
+                <a:ea typeface="Cambria Math" panose="02040503050406030204" pitchFamily="18" charset="0"/>
+                <a:cs typeface="Calibri Light" panose="020F0302020204030204" pitchFamily="34" charset="0"/>
+              </a:rPr>
+              <a:t>× 0.2 + 0 × 0.8 = 0.14</a:t>
+            </a:r>
+          </a:p>
+          <a:p>
+            <a:pPr>
+              <a:lnSpc>
+                <a:spcPct val="150000"/>
+              </a:lnSpc>
+            </a:pPr>
+            <a:r>
+              <a:rPr lang="en-US" altLang="zh-CN" sz="1200" i="1" dirty="0">
+                <a:solidFill>
+                  <a:srgbClr val="CC0000"/>
+                </a:solidFill>
+                <a:latin typeface="Cambria Math" panose="02040503050406030204" pitchFamily="18" charset="0"/>
+                <a:ea typeface="Cambria Math" panose="02040503050406030204" pitchFamily="18" charset="0"/>
+                <a:cs typeface="Calibri Light" panose="020F0302020204030204" pitchFamily="34" charset="0"/>
+              </a:rPr>
+              <a:t>P(-HO) </a:t>
+            </a:r>
+            <a:r>
+              <a:rPr lang="en-US" altLang="zh-CN" sz="1200" i="1" dirty="0">
+                <a:latin typeface="Cambria Math" panose="02040503050406030204" pitchFamily="18" charset="0"/>
+                <a:ea typeface="Cambria Math" panose="02040503050406030204" pitchFamily="18" charset="0"/>
+                <a:cs typeface="Calibri Light" panose="020F0302020204030204" pitchFamily="34" charset="0"/>
+              </a:rPr>
+              <a:t>= P(- HO|+ PT)P(+ PT) + P(- HO|- PT)P(- PT)</a:t>
+            </a:r>
+          </a:p>
+          <a:p>
+            <a:pPr>
+              <a:lnSpc>
+                <a:spcPct val="150000"/>
+              </a:lnSpc>
+            </a:pPr>
+            <a:r>
+              <a:rPr lang="en-US" altLang="zh-CN" sz="1200" i="1" dirty="0">
+                <a:latin typeface="Cambria Math" panose="02040503050406030204" pitchFamily="18" charset="0"/>
+                <a:ea typeface="Cambria Math" panose="02040503050406030204" pitchFamily="18" charset="0"/>
+                <a:cs typeface="Calibri Light" panose="020F0302020204030204" pitchFamily="34" charset="0"/>
+              </a:rPr>
+              <a:t>             =</a:t>
+            </a:r>
+            <a:r>
+              <a:rPr lang="en-US" altLang="zh-CN" sz="1200" i="1" dirty="0">
+                <a:latin typeface="Cambria Math" panose="02040503050406030204" pitchFamily="18" charset="0"/>
+                <a:ea typeface="Cambria Math" panose="02040503050406030204" pitchFamily="18" charset="0"/>
+                <a:cs typeface="Calibri Light" panose="020F0302020204030204" pitchFamily="34" charset="0"/>
+              </a:rPr>
+              <a:t>0.3 </a:t>
+            </a:r>
+            <a:r>
+              <a:rPr lang="en-US" altLang="zh-CN" sz="1200" i="1" dirty="0">
+                <a:latin typeface="Cambria Math" panose="02040503050406030204" pitchFamily="18" charset="0"/>
+                <a:ea typeface="Cambria Math" panose="02040503050406030204" pitchFamily="18" charset="0"/>
+                <a:cs typeface="Calibri Light" panose="020F0302020204030204" pitchFamily="34" charset="0"/>
+              </a:rPr>
+              <a:t>× 0.2 +1.0</a:t>
+            </a:r>
+            <a:r>
+              <a:rPr lang="en-US" altLang="zh-CN" sz="1200" i="1" dirty="0">
+                <a:latin typeface="Cambria Math" panose="02040503050406030204" pitchFamily="18" charset="0"/>
+                <a:ea typeface="Cambria Math" panose="02040503050406030204" pitchFamily="18" charset="0"/>
+                <a:cs typeface="Calibri Light" panose="020F0302020204030204" pitchFamily="34" charset="0"/>
+              </a:rPr>
+              <a:t> </a:t>
+            </a:r>
+            <a:r>
+              <a:rPr lang="en-US" altLang="zh-CN" sz="1200" i="1" dirty="0">
+                <a:latin typeface="Cambria Math" panose="02040503050406030204" pitchFamily="18" charset="0"/>
+                <a:ea typeface="Cambria Math" panose="02040503050406030204" pitchFamily="18" charset="0"/>
+                <a:cs typeface="Calibri Light" panose="020F0302020204030204" pitchFamily="34" charset="0"/>
+              </a:rPr>
+              <a:t>× 0.8 = 0.86</a:t>
+            </a:r>
+            <a:endParaRPr lang="zh-CN" altLang="en-US" sz="1200" i="1" dirty="0">
+              <a:latin typeface="Cambria Math" panose="02040503050406030204" pitchFamily="18" charset="0"/>
+              <a:ea typeface="Cambria Math" panose="02040503050406030204" pitchFamily="18" charset="0"/>
+              <a:cs typeface="Calibri Light" panose="020F0302020204030204" pitchFamily="34" charset="0"/>
+            </a:endParaRPr>
+          </a:p>
+        </p:txBody>
+      </p:sp>
+      <p:sp>
+        <p:nvSpPr>
+          <p:cNvPr id="6" name="文本框 5"/>
+          <p:cNvSpPr txBox="1"/>
+          <p:nvPr/>
+        </p:nvSpPr>
+        <p:spPr>
+          <a:xfrm>
+            <a:off x="228600" y="3546348"/>
+            <a:ext cx="6400800" cy="1477328"/>
+          </a:xfrm>
+          <a:prstGeom prst="rect">
+            <a:avLst/>
+          </a:prstGeom>
+          <a:noFill/>
+        </p:spPr>
+        <p:txBody>
+          <a:bodyPr wrap="square" rtlCol="0">
+            <a:spAutoFit/>
+          </a:bodyPr>
+          <a:lstStyle/>
+          <a:p>
+            <a:pPr>
+              <a:lnSpc>
+                <a:spcPct val="150000"/>
+              </a:lnSpc>
+            </a:pPr>
+            <a:r>
+              <a:rPr lang="en-US" altLang="zh-CN" sz="1200" i="1" dirty="0" smtClean="0">
+                <a:solidFill>
+                  <a:srgbClr val="008000"/>
+                </a:solidFill>
+                <a:latin typeface="Cambria Math" panose="02040503050406030204" pitchFamily="18" charset="0"/>
+                <a:ea typeface="Cambria Math" panose="02040503050406030204" pitchFamily="18" charset="0"/>
+                <a:cs typeface="Calibri Light" panose="020F0302020204030204" pitchFamily="34" charset="0"/>
+              </a:rPr>
+              <a:t>P(+HA) </a:t>
+            </a:r>
+            <a:r>
+              <a:rPr lang="en-US" altLang="zh-CN" sz="1200" i="1" dirty="0" smtClean="0">
+                <a:latin typeface="Cambria Math" panose="02040503050406030204" pitchFamily="18" charset="0"/>
+                <a:ea typeface="Cambria Math" panose="02040503050406030204" pitchFamily="18" charset="0"/>
+                <a:cs typeface="Calibri Light" panose="020F0302020204030204" pitchFamily="34" charset="0"/>
+              </a:rPr>
+              <a:t>= P(+ HA|+ BT,+ HO)P(+ BT)P(+ HO) </a:t>
+            </a:r>
+            <a:r>
+              <a:rPr lang="en-US" altLang="zh-CN" sz="1200" i="1" dirty="0">
+                <a:latin typeface="Cambria Math" panose="02040503050406030204" pitchFamily="18" charset="0"/>
+                <a:ea typeface="Cambria Math" panose="02040503050406030204" pitchFamily="18" charset="0"/>
+                <a:cs typeface="Calibri Light" panose="020F0302020204030204" pitchFamily="34" charset="0"/>
+              </a:rPr>
+              <a:t>+ P</a:t>
+            </a:r>
+            <a:r>
+              <a:rPr lang="en-US" altLang="zh-CN" sz="1200" i="1" dirty="0" smtClean="0">
+                <a:latin typeface="Cambria Math" panose="02040503050406030204" pitchFamily="18" charset="0"/>
+                <a:ea typeface="Cambria Math" panose="02040503050406030204" pitchFamily="18" charset="0"/>
+                <a:cs typeface="Calibri Light" panose="020F0302020204030204" pitchFamily="34" charset="0"/>
+              </a:rPr>
+              <a:t>(+ HA|+ BT,- HO)P(+ BT)P(- HO)</a:t>
+            </a:r>
+          </a:p>
+          <a:p>
+            <a:pPr>
+              <a:lnSpc>
+                <a:spcPct val="150000"/>
+              </a:lnSpc>
+            </a:pPr>
+            <a:r>
+              <a:rPr lang="en-US" altLang="zh-CN" sz="1200" i="1" dirty="0">
+                <a:latin typeface="Cambria Math" panose="02040503050406030204" pitchFamily="18" charset="0"/>
+                <a:ea typeface="Cambria Math" panose="02040503050406030204" pitchFamily="18" charset="0"/>
+                <a:cs typeface="Calibri Light" panose="020F0302020204030204" pitchFamily="34" charset="0"/>
+              </a:rPr>
+              <a:t>	</a:t>
+            </a:r>
+            <a:r>
+              <a:rPr lang="en-US" altLang="zh-CN" sz="1200" i="1" dirty="0" smtClean="0">
+                <a:latin typeface="Cambria Math" panose="02040503050406030204" pitchFamily="18" charset="0"/>
+                <a:ea typeface="Cambria Math" panose="02040503050406030204" pitchFamily="18" charset="0"/>
+                <a:cs typeface="Calibri Light" panose="020F0302020204030204" pitchFamily="34" charset="0"/>
+              </a:rPr>
+              <a:t>+ P(+ HA|- BT,+ HO)P(- BT)P(+ HO</a:t>
+            </a:r>
+            <a:r>
+              <a:rPr lang="en-US" altLang="zh-CN" sz="1200" i="1" dirty="0">
+                <a:latin typeface="Cambria Math" panose="02040503050406030204" pitchFamily="18" charset="0"/>
+                <a:ea typeface="Cambria Math" panose="02040503050406030204" pitchFamily="18" charset="0"/>
+                <a:cs typeface="Calibri Light" panose="020F0302020204030204" pitchFamily="34" charset="0"/>
+              </a:rPr>
+              <a:t>) + P</a:t>
+            </a:r>
+            <a:r>
+              <a:rPr lang="en-US" altLang="zh-CN" sz="1200" i="1" dirty="0" smtClean="0">
+                <a:latin typeface="Cambria Math" panose="02040503050406030204" pitchFamily="18" charset="0"/>
+                <a:ea typeface="Cambria Math" panose="02040503050406030204" pitchFamily="18" charset="0"/>
+                <a:cs typeface="Calibri Light" panose="020F0302020204030204" pitchFamily="34" charset="0"/>
+              </a:rPr>
+              <a:t>(+ HA|- BT,- HO)P(- BT)P(- HO)</a:t>
+            </a:r>
+          </a:p>
+          <a:p>
+            <a:pPr>
+              <a:lnSpc>
+                <a:spcPct val="150000"/>
+              </a:lnSpc>
+            </a:pPr>
+            <a:r>
+              <a:rPr lang="en-US" altLang="zh-CN" sz="1200" i="1" dirty="0">
+                <a:latin typeface="Cambria Math" panose="02040503050406030204" pitchFamily="18" charset="0"/>
+                <a:ea typeface="Cambria Math" panose="02040503050406030204" pitchFamily="18" charset="0"/>
+                <a:cs typeface="Calibri Light" panose="020F0302020204030204" pitchFamily="34" charset="0"/>
+              </a:rPr>
+              <a:t> </a:t>
+            </a:r>
+            <a:r>
+              <a:rPr lang="en-US" altLang="zh-CN" sz="1200" i="1" dirty="0" smtClean="0">
+                <a:latin typeface="Cambria Math" panose="02040503050406030204" pitchFamily="18" charset="0"/>
+                <a:ea typeface="Cambria Math" panose="02040503050406030204" pitchFamily="18" charset="0"/>
+                <a:cs typeface="Calibri Light" panose="020F0302020204030204" pitchFamily="34" charset="0"/>
+              </a:rPr>
+              <a:t>               =0.99 × 0.001 × 0.14 + × 0.9×0.001×0.86 + 0.7 × 0.999 ×0 .14 + 0.02 × 0.999 × 0.86</a:t>
+            </a:r>
+          </a:p>
+          <a:p>
+            <a:pPr>
+              <a:lnSpc>
+                <a:spcPct val="150000"/>
+              </a:lnSpc>
+            </a:pPr>
+            <a:r>
+              <a:rPr lang="en-US" altLang="zh-CN" sz="1200" i="1" dirty="0" smtClean="0">
+                <a:latin typeface="Cambria Math" panose="02040503050406030204" pitchFamily="18" charset="0"/>
+                <a:ea typeface="Cambria Math" panose="02040503050406030204" pitchFamily="18" charset="0"/>
+                <a:cs typeface="Calibri Light" panose="020F0302020204030204" pitchFamily="34" charset="0"/>
+              </a:rPr>
+              <a:t>                =0.1159944</a:t>
+            </a:r>
+            <a:r>
+              <a:rPr lang="zh-CN" altLang="en-US" sz="1200" i="1" dirty="0" smtClean="0">
+                <a:latin typeface="Cambria Math" panose="02040503050406030204" pitchFamily="18" charset="0"/>
+                <a:ea typeface="Cambria Math" panose="02040503050406030204" pitchFamily="18" charset="0"/>
+                <a:cs typeface="Calibri Light" panose="020F0302020204030204" pitchFamily="34" charset="0"/>
+              </a:rPr>
+              <a:t>≈</a:t>
+            </a:r>
+            <a:r>
+              <a:rPr lang="en-US" altLang="zh-CN" sz="1200" i="1" dirty="0" smtClean="0">
+                <a:latin typeface="Cambria Math" panose="02040503050406030204" pitchFamily="18" charset="0"/>
+                <a:ea typeface="Cambria Math" panose="02040503050406030204" pitchFamily="18" charset="0"/>
+                <a:cs typeface="Calibri Light" panose="020F0302020204030204" pitchFamily="34" charset="0"/>
+              </a:rPr>
+              <a:t>0.116</a:t>
+            </a:r>
+          </a:p>
+          <a:p>
+            <a:pPr>
+              <a:lnSpc>
+                <a:spcPct val="150000"/>
+              </a:lnSpc>
+            </a:pPr>
+            <a:r>
+              <a:rPr lang="en-US" altLang="zh-CN" sz="1200" i="1" dirty="0" smtClean="0">
+                <a:solidFill>
+                  <a:srgbClr val="CC0000"/>
+                </a:solidFill>
+                <a:latin typeface="Cambria Math" panose="02040503050406030204" pitchFamily="18" charset="0"/>
+                <a:ea typeface="Cambria Math" panose="02040503050406030204" pitchFamily="18" charset="0"/>
+                <a:cs typeface="Calibri Light" panose="020F0302020204030204" pitchFamily="34" charset="0"/>
+              </a:rPr>
+              <a:t>P(-HA)  </a:t>
+            </a:r>
+            <a:r>
+              <a:rPr lang="en-US" altLang="zh-CN" sz="1200" i="1" dirty="0" smtClean="0">
+                <a:latin typeface="Cambria Math" panose="02040503050406030204" pitchFamily="18" charset="0"/>
+                <a:ea typeface="Cambria Math" panose="02040503050406030204" pitchFamily="18" charset="0"/>
+                <a:cs typeface="Calibri Light" panose="020F0302020204030204" pitchFamily="34" charset="0"/>
+              </a:rPr>
+              <a:t>= 1 – P(+HA) = 0.884</a:t>
+            </a:r>
+          </a:p>
+        </p:txBody>
+      </p:sp>
+      <p:sp>
+        <p:nvSpPr>
+          <p:cNvPr id="14" name="矩形 13"/>
+          <p:cNvSpPr/>
+          <p:nvPr/>
+        </p:nvSpPr>
+        <p:spPr>
+          <a:xfrm>
+            <a:off x="6629400" y="3374497"/>
+            <a:ext cx="2469100" cy="1384995"/>
+          </a:xfrm>
+          <a:prstGeom prst="rect">
+            <a:avLst/>
+          </a:prstGeom>
+        </p:spPr>
+        <p:txBody>
+          <a:bodyPr wrap="square">
+            <a:spAutoFit/>
+          </a:bodyPr>
+          <a:lstStyle/>
+          <a:p>
+            <a:pPr>
+              <a:lnSpc>
+                <a:spcPct val="150000"/>
+              </a:lnSpc>
+            </a:pPr>
+            <a:r>
+              <a:rPr lang="zh-CN" altLang="en-US" sz="1400" dirty="0">
+                <a:solidFill>
+                  <a:srgbClr val="0070C0"/>
+                </a:solidFill>
+                <a:latin typeface="+mn-ea"/>
+              </a:rPr>
+              <a:t>In the absence of any node information </a:t>
+            </a:r>
+            <a:r>
+              <a:rPr lang="zh-CN" altLang="en-US" sz="1400" dirty="0" smtClean="0">
+                <a:solidFill>
+                  <a:srgbClr val="0070C0"/>
+                </a:solidFill>
+                <a:latin typeface="+mn-ea"/>
+              </a:rPr>
+              <a:t>(evidence)</a:t>
+            </a:r>
+            <a:r>
+              <a:rPr lang="en-US" altLang="zh-CN" sz="1400" dirty="0" smtClean="0">
+                <a:solidFill>
+                  <a:srgbClr val="0070C0"/>
+                </a:solidFill>
+                <a:latin typeface="+mn-ea"/>
+              </a:rPr>
+              <a:t>:</a:t>
+            </a:r>
+          </a:p>
+          <a:p>
+            <a:pPr algn="ctr">
+              <a:lnSpc>
+                <a:spcPct val="150000"/>
+              </a:lnSpc>
+            </a:pPr>
+            <a:r>
+              <a:rPr lang="en-US" altLang="zh-CN" sz="1400" dirty="0" smtClean="0">
+                <a:solidFill>
+                  <a:srgbClr val="008000"/>
+                </a:solidFill>
+              </a:rPr>
+              <a:t>P(+ HA)</a:t>
+            </a:r>
+            <a:r>
+              <a:rPr lang="zh-CN" altLang="en-US" sz="1400" dirty="0" smtClean="0">
+                <a:solidFill>
+                  <a:srgbClr val="008000"/>
+                </a:solidFill>
+              </a:rPr>
+              <a:t> </a:t>
+            </a:r>
+            <a:r>
+              <a:rPr lang="en-US" altLang="zh-CN" sz="1400" dirty="0" smtClean="0"/>
+              <a:t>= </a:t>
+            </a:r>
+            <a:r>
+              <a:rPr lang="zh-CN" altLang="en-US" sz="1400" dirty="0" smtClean="0"/>
+              <a:t>0</a:t>
+            </a:r>
+            <a:r>
+              <a:rPr lang="zh-CN" altLang="en-US" sz="1400" dirty="0"/>
+              <a:t>.</a:t>
+            </a:r>
+            <a:r>
+              <a:rPr lang="zh-CN" altLang="en-US" sz="1400" dirty="0" smtClean="0"/>
+              <a:t>116</a:t>
+            </a:r>
+            <a:endParaRPr lang="en-US" altLang="zh-CN" sz="1400" dirty="0" smtClean="0"/>
+          </a:p>
+          <a:p>
+            <a:pPr algn="ctr">
+              <a:lnSpc>
+                <a:spcPct val="150000"/>
+              </a:lnSpc>
+            </a:pPr>
+            <a:r>
+              <a:rPr lang="en-US" altLang="zh-CN" sz="1400" dirty="0" smtClean="0">
+                <a:solidFill>
+                  <a:srgbClr val="CC0000"/>
+                </a:solidFill>
+              </a:rPr>
+              <a:t>P(- HA) </a:t>
+            </a:r>
+            <a:r>
+              <a:rPr lang="en-US" altLang="zh-CN" sz="1400" dirty="0" smtClean="0"/>
+              <a:t>= 0.884</a:t>
+            </a:r>
+            <a:endParaRPr lang="zh-CN" altLang="en-US" sz="1400" dirty="0"/>
+          </a:p>
+        </p:txBody>
+      </p:sp>
     </p:spTree>
     <p:extLst>
       <p:ext uri="{BB962C8B-B14F-4D97-AF65-F5344CB8AC3E}">
@@ -8348,9 +10399,172 @@
   <p:timing>
     <p:tnLst>
       <p:par>
-        <p:cTn id="1" dur="indefinite" restart="never" nodeType="tmRoot"/>
+        <p:cTn id="1" dur="indefinite" restart="never" nodeType="tmRoot">
+          <p:childTnLst>
+            <p:seq concurrent="1" nextAc="seek">
+              <p:cTn id="2" dur="indefinite" nodeType="mainSeq">
+                <p:childTnLst>
+                  <p:par>
+                    <p:cTn id="3" fill="hold">
+                      <p:stCondLst>
+                        <p:cond delay="indefinite"/>
+                      </p:stCondLst>
+                      <p:childTnLst>
+                        <p:par>
+                          <p:cTn id="4" fill="hold">
+                            <p:stCondLst>
+                              <p:cond delay="0"/>
+                            </p:stCondLst>
+                            <p:childTnLst>
+                              <p:par>
+                                <p:cTn id="5" presetID="1" presetClass="entr" presetSubtype="0" fill="hold" grpId="0" nodeType="clickEffect">
+                                  <p:stCondLst>
+                                    <p:cond delay="0"/>
+                                  </p:stCondLst>
+                                  <p:childTnLst>
+                                    <p:set>
+                                      <p:cBhvr>
+                                        <p:cTn id="6" dur="1" fill="hold">
+                                          <p:stCondLst>
+                                            <p:cond delay="0"/>
+                                          </p:stCondLst>
+                                        </p:cTn>
+                                        <p:tgtEl>
+                                          <p:spTgt spid="5"/>
+                                        </p:tgtEl>
+                                        <p:attrNameLst>
+                                          <p:attrName>style.visibility</p:attrName>
+                                        </p:attrNameLst>
+                                      </p:cBhvr>
+                                      <p:to>
+                                        <p:strVal val="visible"/>
+                                      </p:to>
+                                    </p:set>
+                                  </p:childTnLst>
+                                </p:cTn>
+                              </p:par>
+                            </p:childTnLst>
+                          </p:cTn>
+                        </p:par>
+                      </p:childTnLst>
+                    </p:cTn>
+                  </p:par>
+                  <p:par>
+                    <p:cTn id="7" fill="hold">
+                      <p:stCondLst>
+                        <p:cond delay="indefinite"/>
+                      </p:stCondLst>
+                      <p:childTnLst>
+                        <p:par>
+                          <p:cTn id="8" fill="hold">
+                            <p:stCondLst>
+                              <p:cond delay="0"/>
+                            </p:stCondLst>
+                            <p:childTnLst>
+                              <p:par>
+                                <p:cTn id="9" presetID="1" presetClass="entr" presetSubtype="0" fill="hold" grpId="0" nodeType="clickEffect">
+                                  <p:stCondLst>
+                                    <p:cond delay="0"/>
+                                  </p:stCondLst>
+                                  <p:childTnLst>
+                                    <p:set>
+                                      <p:cBhvr>
+                                        <p:cTn id="10" dur="1" fill="hold">
+                                          <p:stCondLst>
+                                            <p:cond delay="0"/>
+                                          </p:stCondLst>
+                                        </p:cTn>
+                                        <p:tgtEl>
+                                          <p:spTgt spid="6"/>
+                                        </p:tgtEl>
+                                        <p:attrNameLst>
+                                          <p:attrName>style.visibility</p:attrName>
+                                        </p:attrNameLst>
+                                      </p:cBhvr>
+                                      <p:to>
+                                        <p:strVal val="visible"/>
+                                      </p:to>
+                                    </p:set>
+                                  </p:childTnLst>
+                                </p:cTn>
+                              </p:par>
+                            </p:childTnLst>
+                          </p:cTn>
+                        </p:par>
+                      </p:childTnLst>
+                    </p:cTn>
+                  </p:par>
+                  <p:par>
+                    <p:cTn id="11" fill="hold">
+                      <p:stCondLst>
+                        <p:cond delay="indefinite"/>
+                      </p:stCondLst>
+                      <p:childTnLst>
+                        <p:par>
+                          <p:cTn id="12" fill="hold">
+                            <p:stCondLst>
+                              <p:cond delay="0"/>
+                            </p:stCondLst>
+                            <p:childTnLst>
+                              <p:par>
+                                <p:cTn id="13" presetID="1" presetClass="entr" presetSubtype="0" fill="hold" grpId="0" nodeType="clickEffect">
+                                  <p:stCondLst>
+                                    <p:cond delay="0"/>
+                                  </p:stCondLst>
+                                  <p:childTnLst>
+                                    <p:set>
+                                      <p:cBhvr>
+                                        <p:cTn id="14" dur="1" fill="hold">
+                                          <p:stCondLst>
+                                            <p:cond delay="0"/>
+                                          </p:stCondLst>
+                                        </p:cTn>
+                                        <p:tgtEl>
+                                          <p:spTgt spid="14"/>
+                                        </p:tgtEl>
+                                        <p:attrNameLst>
+                                          <p:attrName>style.visibility</p:attrName>
+                                        </p:attrNameLst>
+                                      </p:cBhvr>
+                                      <p:to>
+                                        <p:strVal val="visible"/>
+                                      </p:to>
+                                    </p:set>
+                                  </p:childTnLst>
+                                </p:cTn>
+                              </p:par>
+                            </p:childTnLst>
+                          </p:cTn>
+                        </p:par>
+                      </p:childTnLst>
+                    </p:cTn>
+                  </p:par>
+                </p:childTnLst>
+              </p:cTn>
+              <p:prevCondLst>
+                <p:cond evt="onPrev" delay="0">
+                  <p:tgtEl>
+                    <p:sldTgt/>
+                  </p:tgtEl>
+                </p:cond>
+              </p:prevCondLst>
+              <p:nextCondLst>
+                <p:cond evt="onNext" delay="0">
+                  <p:tgtEl>
+                    <p:sldTgt/>
+                  </p:tgtEl>
+                </p:cond>
+              </p:nextCondLst>
+            </p:seq>
+          </p:childTnLst>
+        </p:cTn>
       </p:par>
     </p:tnLst>
+    <p:bldLst>
+      <p:bldP spid="5" grpId="0"/>
+      <p:bldP spid="6" grpId="0"/>
+      <p:bldP spid="14" grpId="0"/>
+    </p:bldLst>
   </p:timing>
 </p:sld>
 </file>
@@ -8382,8 +10596,8 @@
         </p:nvSpPr>
         <p:spPr bwMode="auto">
           <a:xfrm>
-            <a:off x="1143000" y="4686301"/>
-            <a:ext cx="4400550" cy="346247"/>
+            <a:off x="76200" y="3583489"/>
+            <a:ext cx="8756904" cy="1084910"/>
           </a:xfrm>
           <a:prstGeom prst="rect">
             <a:avLst/>
@@ -8397,7 +10611,7 @@
           </a:ln>
         </p:spPr>
         <p:txBody>
-          <a:bodyPr lIns="68579" tIns="34289" rIns="68579" bIns="34289">
+          <a:bodyPr wrap="square" lIns="68579" tIns="34289" rIns="68579" bIns="34289">
             <a:spAutoFit/>
           </a:bodyPr>
           <a:lstStyle/>
@@ -8407,7 +10621,161 @@
                 <a:spcPct val="50000"/>
               </a:spcBef>
             </a:pPr>
-            <a:endParaRPr lang="en-US"/>
+            <a:r>
+              <a:rPr lang="en-US" sz="1200" i="1" dirty="0" smtClean="0">
+                <a:solidFill>
+                  <a:srgbClr val="008000"/>
+                </a:solidFill>
+                <a:latin typeface="Cambria Math" panose="02040503050406030204" pitchFamily="18" charset="0"/>
+                <a:ea typeface="Cambria Math" panose="02040503050406030204" pitchFamily="18" charset="0"/>
+                <a:cs typeface="Calibri Light" panose="020F0302020204030204" pitchFamily="34" charset="0"/>
+              </a:rPr>
+              <a:t>P(+HA) </a:t>
+            </a:r>
+            <a:r>
+              <a:rPr lang="en-US" sz="1200" i="1" dirty="0" smtClean="0">
+                <a:latin typeface="Cambria Math" panose="02040503050406030204" pitchFamily="18" charset="0"/>
+                <a:ea typeface="Cambria Math" panose="02040503050406030204" pitchFamily="18" charset="0"/>
+                <a:cs typeface="Calibri Light" panose="020F0302020204030204" pitchFamily="34" charset="0"/>
+              </a:rPr>
+              <a:t>= P </a:t>
+            </a:r>
+            <a:r>
+              <a:rPr lang="en-US" sz="1200" i="1" dirty="0">
+                <a:latin typeface="Cambria Math" panose="02040503050406030204" pitchFamily="18" charset="0"/>
+                <a:ea typeface="Cambria Math" panose="02040503050406030204" pitchFamily="18" charset="0"/>
+                <a:cs typeface="Calibri Light" panose="020F0302020204030204" pitchFamily="34" charset="0"/>
+              </a:rPr>
+              <a:t>(+HA</a:t>
+            </a:r>
+            <a:r>
+              <a:rPr lang="en-US" sz="1200" i="1" dirty="0" smtClean="0">
+                <a:latin typeface="Cambria Math" panose="02040503050406030204" pitchFamily="18" charset="0"/>
+                <a:ea typeface="Cambria Math" panose="02040503050406030204" pitchFamily="18" charset="0"/>
+                <a:cs typeface="Calibri Light" panose="020F0302020204030204" pitchFamily="34" charset="0"/>
+              </a:rPr>
+              <a:t>| </a:t>
+            </a:r>
+            <a:r>
+              <a:rPr lang="en-US" sz="1200" i="1" dirty="0">
+                <a:latin typeface="Cambria Math" panose="02040503050406030204" pitchFamily="18" charset="0"/>
+                <a:ea typeface="Cambria Math" panose="02040503050406030204" pitchFamily="18" charset="0"/>
+                <a:cs typeface="Calibri Light" panose="020F0302020204030204" pitchFamily="34" charset="0"/>
+              </a:rPr>
+              <a:t>+ HO, +BT )P (+HO)P (+BT ) + P (+HA| + HO, −BT )P (+HO)P (−BT )</a:t>
+            </a:r>
+          </a:p>
+          <a:p>
+            <a:pPr>
+              <a:spcBef>
+                <a:spcPct val="50000"/>
+              </a:spcBef>
+            </a:pPr>
+            <a:r>
+              <a:rPr lang="en-US" sz="1200" i="1" dirty="0" smtClean="0">
+                <a:latin typeface="Cambria Math" panose="02040503050406030204" pitchFamily="18" charset="0"/>
+                <a:ea typeface="Cambria Math" panose="02040503050406030204" pitchFamily="18" charset="0"/>
+                <a:cs typeface="Calibri Light" panose="020F0302020204030204" pitchFamily="34" charset="0"/>
+              </a:rPr>
+              <a:t>                    +P </a:t>
+            </a:r>
+            <a:r>
+              <a:rPr lang="en-US" sz="1200" i="1" dirty="0">
+                <a:latin typeface="Cambria Math" panose="02040503050406030204" pitchFamily="18" charset="0"/>
+                <a:ea typeface="Cambria Math" panose="02040503050406030204" pitchFamily="18" charset="0"/>
+                <a:cs typeface="Calibri Light" panose="020F0302020204030204" pitchFamily="34" charset="0"/>
+              </a:rPr>
+              <a:t>(+HA| − HO, +BT )P (−HO)P (+BT ) + P (+HA| − HO, −BT )P (−HO)P (−BT </a:t>
+            </a:r>
+            <a:r>
+              <a:rPr lang="en-US" sz="1200" i="1" dirty="0" smtClean="0">
+                <a:latin typeface="Cambria Math" panose="02040503050406030204" pitchFamily="18" charset="0"/>
+                <a:ea typeface="Cambria Math" panose="02040503050406030204" pitchFamily="18" charset="0"/>
+                <a:cs typeface="Calibri Light" panose="020F0302020204030204" pitchFamily="34" charset="0"/>
+              </a:rPr>
+              <a:t>)</a:t>
+            </a:r>
+          </a:p>
+          <a:p>
+            <a:pPr>
+              <a:spcBef>
+                <a:spcPct val="50000"/>
+              </a:spcBef>
+            </a:pPr>
+            <a:r>
+              <a:rPr lang="en-US" sz="1200" i="1" dirty="0" smtClean="0">
+                <a:latin typeface="Cambria Math" panose="02040503050406030204" pitchFamily="18" charset="0"/>
+                <a:ea typeface="Cambria Math" panose="02040503050406030204" pitchFamily="18" charset="0"/>
+                <a:cs typeface="Calibri Light" panose="020F0302020204030204" pitchFamily="34" charset="0"/>
+              </a:rPr>
+              <a:t>                 = 0.99 </a:t>
+            </a:r>
+            <a:r>
+              <a:rPr lang="en-US" altLang="zh-CN" sz="1200" i="1" dirty="0" smtClean="0">
+                <a:latin typeface="Cambria Math" panose="02040503050406030204" pitchFamily="18" charset="0"/>
+                <a:ea typeface="Cambria Math" panose="02040503050406030204" pitchFamily="18" charset="0"/>
+                <a:cs typeface="Calibri Light" panose="020F0302020204030204" pitchFamily="34" charset="0"/>
+              </a:rPr>
+              <a:t>× 0.7 ×</a:t>
+            </a:r>
+            <a:r>
+              <a:rPr lang="en-US" altLang="zh-CN" sz="1200" i="1" dirty="0">
+                <a:latin typeface="Cambria Math" panose="02040503050406030204" pitchFamily="18" charset="0"/>
+                <a:ea typeface="Cambria Math" panose="02040503050406030204" pitchFamily="18" charset="0"/>
+                <a:cs typeface="Calibri Light" panose="020F0302020204030204" pitchFamily="34" charset="0"/>
+              </a:rPr>
+              <a:t> </a:t>
+            </a:r>
+            <a:r>
+              <a:rPr lang="en-US" altLang="zh-CN" sz="1200" i="1" dirty="0" smtClean="0">
+                <a:latin typeface="Cambria Math" panose="02040503050406030204" pitchFamily="18" charset="0"/>
+                <a:ea typeface="Cambria Math" panose="02040503050406030204" pitchFamily="18" charset="0"/>
+                <a:cs typeface="Calibri Light" panose="020F0302020204030204" pitchFamily="34" charset="0"/>
+              </a:rPr>
+              <a:t>0.001 + 0.7 × 0.7 × 0.999 + 0.9</a:t>
+            </a:r>
+            <a:r>
+              <a:rPr lang="en-US" altLang="zh-CN" sz="1200" i="1" dirty="0">
+                <a:latin typeface="Cambria Math" panose="02040503050406030204" pitchFamily="18" charset="0"/>
+                <a:ea typeface="Cambria Math" panose="02040503050406030204" pitchFamily="18" charset="0"/>
+                <a:cs typeface="Calibri Light" panose="020F0302020204030204" pitchFamily="34" charset="0"/>
+              </a:rPr>
+              <a:t> </a:t>
+            </a:r>
+            <a:r>
+              <a:rPr lang="en-US" altLang="zh-CN" sz="1200" i="1" dirty="0" smtClean="0">
+                <a:latin typeface="Cambria Math" panose="02040503050406030204" pitchFamily="18" charset="0"/>
+                <a:ea typeface="Cambria Math" panose="02040503050406030204" pitchFamily="18" charset="0"/>
+                <a:cs typeface="Calibri Light" panose="020F0302020204030204" pitchFamily="34" charset="0"/>
+              </a:rPr>
+              <a:t>× 0.3 × 0.001 + 0.02 × 0.3 × 0.999   =  0.496467</a:t>
+            </a:r>
+          </a:p>
+          <a:p>
+            <a:pPr>
+              <a:spcBef>
+                <a:spcPct val="50000"/>
+              </a:spcBef>
+            </a:pPr>
+            <a:r>
+              <a:rPr lang="en-US" altLang="zh-CN" sz="1200" i="1" dirty="0" smtClean="0">
+                <a:solidFill>
+                  <a:srgbClr val="CC0000"/>
+                </a:solidFill>
+                <a:latin typeface="Cambria Math" panose="02040503050406030204" pitchFamily="18" charset="0"/>
+                <a:ea typeface="Cambria Math" panose="02040503050406030204" pitchFamily="18" charset="0"/>
+                <a:cs typeface="Calibri Light" panose="020F0302020204030204" pitchFamily="34" charset="0"/>
+              </a:rPr>
+              <a:t>P(-HA) </a:t>
+            </a:r>
+            <a:r>
+              <a:rPr lang="en-US" altLang="zh-CN" sz="1200" i="1" dirty="0" smtClean="0">
+                <a:latin typeface="Cambria Math" panose="02040503050406030204" pitchFamily="18" charset="0"/>
+                <a:ea typeface="Cambria Math" panose="02040503050406030204" pitchFamily="18" charset="0"/>
+                <a:cs typeface="Calibri Light" panose="020F0302020204030204" pitchFamily="34" charset="0"/>
+              </a:rPr>
+              <a:t>= 1 – P(+HA) = 0.503533</a:t>
+            </a:r>
           </a:p>
         </p:txBody>
       </p:sp>
@@ -8598,6 +10966,615 @@
           </a:p>
         </p:txBody>
       </p:sp>
+      <p:sp>
+        <p:nvSpPr>
+          <p:cNvPr id="4" name="文本框 3"/>
+          <p:cNvSpPr txBox="1"/>
+          <p:nvPr/>
+        </p:nvSpPr>
+        <p:spPr>
+          <a:xfrm>
+            <a:off x="27432" y="522732"/>
+            <a:ext cx="6172200" cy="338554"/>
+          </a:xfrm>
+          <a:prstGeom prst="rect">
+            <a:avLst/>
+          </a:prstGeom>
+          <a:noFill/>
+        </p:spPr>
+        <p:txBody>
+          <a:bodyPr wrap="square" rtlCol="0">
+            <a:spAutoFit/>
+          </a:bodyPr>
+          <a:lstStyle/>
+          <a:p>
+            <a:r>
+              <a:rPr lang="en-US" altLang="zh-CN" sz="1600" dirty="0" smtClean="0">
+                <a:solidFill>
+                  <a:srgbClr val="0070C0"/>
+                </a:solidFill>
+                <a:latin typeface="Calibri"/>
+                <a:cs typeface="Calibri"/>
+              </a:rPr>
+              <a:t>Example 2</a:t>
+            </a:r>
+            <a:r>
+              <a:rPr lang="zh-CN" altLang="en-US" sz="1600" dirty="0" smtClean="0">
+                <a:solidFill>
+                  <a:srgbClr val="0070C0"/>
+                </a:solidFill>
+                <a:latin typeface="Calibri"/>
+                <a:cs typeface="Calibri"/>
+              </a:rPr>
+              <a:t>：</a:t>
+            </a:r>
+            <a:r>
+              <a:rPr lang="en-US" altLang="zh-CN" sz="1600" dirty="0">
+                <a:solidFill>
+                  <a:srgbClr val="0070C0"/>
+                </a:solidFill>
+                <a:latin typeface="Calibri"/>
+                <a:cs typeface="Calibri"/>
+              </a:rPr>
+              <a:t>Conditional probability of </a:t>
+            </a:r>
+            <a:r>
+              <a:rPr lang="en-US" altLang="zh-CN" sz="1600" dirty="0" smtClean="0">
+                <a:solidFill>
+                  <a:srgbClr val="0070C0"/>
+                </a:solidFill>
+                <a:latin typeface="Calibri"/>
+                <a:cs typeface="Calibri"/>
+              </a:rPr>
+              <a:t>SA </a:t>
+            </a:r>
+            <a:r>
+              <a:rPr lang="en-US" altLang="zh-CN" sz="1600" dirty="0">
+                <a:solidFill>
+                  <a:srgbClr val="0070C0"/>
+                </a:solidFill>
+                <a:latin typeface="Calibri"/>
+                <a:cs typeface="Calibri"/>
+              </a:rPr>
+              <a:t>at known </a:t>
+            </a:r>
+            <a:r>
+              <a:rPr lang="en-US" altLang="zh-CN" sz="1600" dirty="0" smtClean="0">
+                <a:solidFill>
+                  <a:srgbClr val="0070C0"/>
+                </a:solidFill>
+                <a:latin typeface="Calibri"/>
+                <a:cs typeface="Calibri"/>
+              </a:rPr>
+              <a:t>PT:</a:t>
+            </a:r>
+            <a:endParaRPr lang="en-US" altLang="zh-CN" sz="1600" dirty="0">
+              <a:solidFill>
+                <a:srgbClr val="0070C0"/>
+              </a:solidFill>
+              <a:latin typeface="Calibri"/>
+              <a:cs typeface="Calibri"/>
+            </a:endParaRPr>
+          </a:p>
+        </p:txBody>
+      </p:sp>
+      <p:sp>
+        <p:nvSpPr>
+          <p:cNvPr id="2" name="矩形 1"/>
+          <p:cNvSpPr/>
+          <p:nvPr/>
+        </p:nvSpPr>
+        <p:spPr>
+          <a:xfrm>
+            <a:off x="3907536" y="830938"/>
+            <a:ext cx="4572000" cy="1169551"/>
+          </a:xfrm>
+          <a:prstGeom prst="rect">
+            <a:avLst/>
+          </a:prstGeom>
+        </p:spPr>
+        <p:txBody>
+          <a:bodyPr>
+            <a:spAutoFit/>
+          </a:bodyPr>
+          <a:lstStyle/>
+          <a:p>
+            <a:r>
+              <a:rPr lang="en-US" altLang="zh-CN" sz="1400" dirty="0">
+                <a:latin typeface="Calibri"/>
+                <a:cs typeface="Calibri"/>
+              </a:rPr>
+              <a:t>From the </a:t>
+            </a:r>
+            <a:r>
+              <a:rPr lang="en-US" altLang="zh-CN" sz="1400" dirty="0" smtClean="0">
+                <a:latin typeface="Calibri"/>
+                <a:cs typeface="Calibri"/>
+              </a:rPr>
+              <a:t>diagram:</a:t>
+            </a:r>
+            <a:endParaRPr lang="en-US" altLang="zh-CN" sz="1400" dirty="0">
+              <a:latin typeface="Calibri"/>
+              <a:cs typeface="Calibri"/>
+            </a:endParaRPr>
+          </a:p>
+          <a:p>
+            <a:pPr algn="ctr"/>
+            <a:r>
+              <a:rPr lang="en-US" altLang="zh-CN" sz="1400" dirty="0">
+                <a:latin typeface="Calibri"/>
+                <a:cs typeface="Calibri"/>
+              </a:rPr>
+              <a:t>{HO }</a:t>
+            </a:r>
+            <a:r>
+              <a:rPr lang="en-US" altLang="zh-CN" sz="1400" dirty="0">
+                <a:latin typeface="Calibri"/>
+                <a:cs typeface="Calibri"/>
+                <a:sym typeface="Wingdings" panose="05000000000000000000" pitchFamily="2" charset="2"/>
+              </a:rPr>
+              <a:t>S</a:t>
+            </a:r>
+            <a:r>
+              <a:rPr lang="en-US" altLang="zh-CN" sz="1400" dirty="0">
+                <a:latin typeface="Calibri"/>
+                <a:cs typeface="Calibri"/>
+              </a:rPr>
+              <a:t>A , {PT}</a:t>
+            </a:r>
+            <a:r>
+              <a:rPr lang="en-US" altLang="zh-CN" sz="1400" dirty="0">
+                <a:latin typeface="Calibri"/>
+                <a:cs typeface="Calibri"/>
+                <a:sym typeface="Wingdings" panose="05000000000000000000" pitchFamily="2" charset="2"/>
+              </a:rPr>
+              <a:t></a:t>
+            </a:r>
+            <a:r>
+              <a:rPr lang="en-US" altLang="zh-CN" sz="1400" dirty="0" smtClean="0">
+                <a:latin typeface="Calibri"/>
+                <a:cs typeface="Calibri"/>
+                <a:sym typeface="Wingdings" panose="05000000000000000000" pitchFamily="2" charset="2"/>
+              </a:rPr>
+              <a:t>HO</a:t>
+            </a:r>
+          </a:p>
+          <a:p>
+            <a:r>
+              <a:rPr lang="en-US" altLang="zh-CN" sz="1400" dirty="0">
+                <a:latin typeface="Calibri"/>
+                <a:cs typeface="Calibri"/>
+                <a:sym typeface="Wingdings" panose="05000000000000000000" pitchFamily="2" charset="2"/>
+              </a:rPr>
+              <a:t>From the previous conditional probability </a:t>
+            </a:r>
+            <a:r>
+              <a:rPr lang="en-US" altLang="zh-CN" sz="1400" dirty="0" smtClean="0">
+                <a:latin typeface="Calibri"/>
+                <a:cs typeface="Calibri"/>
+                <a:sym typeface="Wingdings" panose="05000000000000000000" pitchFamily="2" charset="2"/>
+              </a:rPr>
+              <a:t>table:</a:t>
+            </a:r>
+          </a:p>
+          <a:p>
+            <a:pPr algn="ctr"/>
+            <a:r>
+              <a:rPr lang="en-US" altLang="zh-CN" sz="1400" i="1" dirty="0" smtClean="0">
+                <a:latin typeface="Cambria Math" panose="02040503050406030204" pitchFamily="18" charset="0"/>
+                <a:ea typeface="Cambria Math" panose="02040503050406030204" pitchFamily="18" charset="0"/>
+                <a:cs typeface="Calibri"/>
+                <a:sym typeface="Wingdings" panose="05000000000000000000" pitchFamily="2" charset="2"/>
+              </a:rPr>
+              <a:t>P(+HO|+PT) = 0.7,P(-HO|+PT) = 0.3</a:t>
+            </a:r>
+            <a:endParaRPr lang="en-US" altLang="zh-CN" sz="1400" i="1" dirty="0">
+              <a:latin typeface="Cambria Math" panose="02040503050406030204" pitchFamily="18" charset="0"/>
+              <a:ea typeface="Cambria Math" panose="02040503050406030204" pitchFamily="18" charset="0"/>
+              <a:cs typeface="Calibri"/>
+              <a:sym typeface="Wingdings" panose="05000000000000000000" pitchFamily="2" charset="2"/>
+            </a:endParaRPr>
+          </a:p>
+          <a:p>
+            <a:r>
+              <a:rPr lang="en-US" altLang="zh-CN" sz="1400" dirty="0" smtClean="0">
+                <a:latin typeface="Calibri"/>
+                <a:cs typeface="Calibri"/>
+                <a:sym typeface="Wingdings" panose="05000000000000000000" pitchFamily="2" charset="2"/>
+              </a:rPr>
+              <a:t>Therefore:</a:t>
+            </a:r>
+          </a:p>
+        </p:txBody>
+      </p:sp>
+      <p:pic>
+        <p:nvPicPr>
+          <p:cNvPr id="3" name="图片 2"/>
+          <p:cNvPicPr>
+            <a:picLocks noChangeAspect="1"/>
+          </p:cNvPicPr>
+          <p:nvPr/>
+        </p:nvPicPr>
+        <p:blipFill>
+          <a:blip r:embed="rId3"/>
+          <a:stretch>
+            <a:fillRect/>
+          </a:stretch>
+        </p:blipFill>
+        <p:spPr>
+          <a:xfrm>
+            <a:off x="27432" y="881426"/>
+            <a:ext cx="3553968" cy="1690324"/>
+          </a:xfrm>
+          <a:prstGeom prst="rect">
+            <a:avLst/>
+          </a:prstGeom>
+        </p:spPr>
+      </p:pic>
+      <p:sp>
+        <p:nvSpPr>
+          <p:cNvPr id="6" name="文本框 5"/>
+          <p:cNvSpPr txBox="1"/>
+          <p:nvPr/>
+        </p:nvSpPr>
+        <p:spPr>
+          <a:xfrm>
+            <a:off x="3907536" y="2048530"/>
+            <a:ext cx="5001768" cy="523220"/>
+          </a:xfrm>
+          <a:prstGeom prst="rect">
+            <a:avLst/>
+          </a:prstGeom>
+          <a:noFill/>
+        </p:spPr>
+        <p:txBody>
+          <a:bodyPr wrap="square" rtlCol="0">
+            <a:spAutoFit/>
+          </a:bodyPr>
+          <a:lstStyle/>
+          <a:p>
+            <a:r>
+              <a:rPr lang="en-US" altLang="zh-CN" sz="1400" i="1" dirty="0">
+                <a:solidFill>
+                  <a:srgbClr val="008000"/>
+                </a:solidFill>
+                <a:latin typeface="Cambria Math" panose="02040503050406030204" pitchFamily="18" charset="0"/>
+                <a:ea typeface="Cambria Math" panose="02040503050406030204" pitchFamily="18" charset="0"/>
+                <a:cs typeface="Calibri"/>
+              </a:rPr>
+              <a:t>P (+SA)   </a:t>
+            </a:r>
+            <a:r>
+              <a:rPr lang="en-US" altLang="zh-CN" sz="1400" i="1" dirty="0">
+                <a:latin typeface="Cambria Math" panose="02040503050406030204" pitchFamily="18" charset="0"/>
+                <a:ea typeface="Cambria Math" panose="02040503050406030204" pitchFamily="18" charset="0"/>
+                <a:cs typeface="Calibri"/>
+              </a:rPr>
+              <a:t>=  P (+SA| + HO)P (+HO) + P (+SA| − HO)P (−HO)</a:t>
+            </a:r>
+          </a:p>
+          <a:p>
+            <a:r>
+              <a:rPr lang="en-US" altLang="zh-CN" sz="1400" i="1" dirty="0" smtClean="0">
+                <a:latin typeface="Cambria Math" panose="02040503050406030204" pitchFamily="18" charset="0"/>
+                <a:ea typeface="Cambria Math" panose="02040503050406030204" pitchFamily="18" charset="0"/>
+                <a:cs typeface="Calibri"/>
+              </a:rPr>
+              <a:t>                  = </a:t>
+            </a:r>
+            <a:r>
+              <a:rPr lang="en-US" altLang="zh-CN" sz="1400" i="1" dirty="0">
+                <a:latin typeface="Cambria Math" panose="02040503050406030204" pitchFamily="18" charset="0"/>
+                <a:ea typeface="Cambria Math" panose="02040503050406030204" pitchFamily="18" charset="0"/>
+                <a:cs typeface="Calibri"/>
+              </a:rPr>
+              <a:t>0.8 × 0.7 + 0.1 × 0.3 = </a:t>
+            </a:r>
+            <a:r>
+              <a:rPr lang="en-US" altLang="zh-CN" sz="1400" i="1" dirty="0" smtClean="0">
+                <a:latin typeface="Cambria Math" panose="02040503050406030204" pitchFamily="18" charset="0"/>
+                <a:ea typeface="Cambria Math" panose="02040503050406030204" pitchFamily="18" charset="0"/>
+                <a:cs typeface="Calibri"/>
+              </a:rPr>
+              <a:t>0.59</a:t>
+            </a:r>
+            <a:endParaRPr lang="en-US" altLang="zh-CN" sz="1400" i="1" dirty="0">
+              <a:latin typeface="Cambria Math" panose="02040503050406030204" pitchFamily="18" charset="0"/>
+              <a:ea typeface="Cambria Math" panose="02040503050406030204" pitchFamily="18" charset="0"/>
+              <a:cs typeface="Calibri"/>
+            </a:endParaRPr>
+          </a:p>
+        </p:txBody>
+      </p:sp>
+      <p:sp>
+        <p:nvSpPr>
+          <p:cNvPr id="9" name="文本框 8"/>
+          <p:cNvSpPr txBox="1"/>
+          <p:nvPr/>
+        </p:nvSpPr>
+        <p:spPr>
+          <a:xfrm>
+            <a:off x="21336" y="2571750"/>
+            <a:ext cx="6172200" cy="338554"/>
+          </a:xfrm>
+          <a:prstGeom prst="rect">
+            <a:avLst/>
+          </a:prstGeom>
+          <a:noFill/>
+        </p:spPr>
+        <p:txBody>
+          <a:bodyPr wrap="square" rtlCol="0">
+            <a:spAutoFit/>
+          </a:bodyPr>
+          <a:lstStyle/>
+          <a:p>
+            <a:r>
+              <a:rPr lang="en-US" altLang="zh-CN" sz="1600" dirty="0" smtClean="0">
+                <a:solidFill>
+                  <a:srgbClr val="0070C0"/>
+                </a:solidFill>
+                <a:latin typeface="Calibri"/>
+                <a:cs typeface="Calibri"/>
+              </a:rPr>
+              <a:t>Example 3</a:t>
+            </a:r>
+            <a:r>
+              <a:rPr lang="zh-CN" altLang="en-US" sz="1600" dirty="0" smtClean="0">
+                <a:solidFill>
+                  <a:srgbClr val="0070C0"/>
+                </a:solidFill>
+                <a:latin typeface="Calibri"/>
+                <a:cs typeface="Calibri"/>
+              </a:rPr>
+              <a:t>：</a:t>
+            </a:r>
+            <a:r>
+              <a:rPr lang="en-US" altLang="zh-CN" sz="1600" dirty="0">
+                <a:solidFill>
+                  <a:srgbClr val="0070C0"/>
+                </a:solidFill>
+                <a:latin typeface="Calibri"/>
+                <a:cs typeface="Calibri"/>
+              </a:rPr>
+              <a:t>Conditional probability of H</a:t>
+            </a:r>
+            <a:r>
+              <a:rPr lang="en-US" altLang="zh-CN" sz="1600" dirty="0" smtClean="0">
+                <a:solidFill>
+                  <a:srgbClr val="0070C0"/>
+                </a:solidFill>
+                <a:latin typeface="Calibri"/>
+                <a:cs typeface="Calibri"/>
+              </a:rPr>
+              <a:t>A </a:t>
+            </a:r>
+            <a:r>
+              <a:rPr lang="en-US" altLang="zh-CN" sz="1600" dirty="0">
+                <a:solidFill>
+                  <a:srgbClr val="0070C0"/>
+                </a:solidFill>
+                <a:latin typeface="Calibri"/>
+                <a:cs typeface="Calibri"/>
+              </a:rPr>
+              <a:t>at known </a:t>
+            </a:r>
+            <a:r>
+              <a:rPr lang="en-US" altLang="zh-CN" sz="1600" dirty="0" smtClean="0">
+                <a:solidFill>
+                  <a:srgbClr val="0070C0"/>
+                </a:solidFill>
+                <a:latin typeface="Calibri"/>
+                <a:cs typeface="Calibri"/>
+              </a:rPr>
+              <a:t>PT:</a:t>
+            </a:r>
+            <a:endParaRPr lang="en-US" altLang="zh-CN" sz="1600" dirty="0">
+              <a:solidFill>
+                <a:srgbClr val="0070C0"/>
+              </a:solidFill>
+              <a:latin typeface="Calibri"/>
+              <a:cs typeface="Calibri"/>
+            </a:endParaRPr>
+          </a:p>
+        </p:txBody>
+      </p:sp>
+      <p:sp>
+        <p:nvSpPr>
+          <p:cNvPr id="10" name="矩形 9"/>
+          <p:cNvSpPr/>
+          <p:nvPr/>
+        </p:nvSpPr>
+        <p:spPr>
+          <a:xfrm>
+            <a:off x="-3048" y="2815893"/>
+            <a:ext cx="8909304" cy="738664"/>
+          </a:xfrm>
+          <a:prstGeom prst="rect">
+            <a:avLst/>
+          </a:prstGeom>
+        </p:spPr>
+        <p:txBody>
+          <a:bodyPr wrap="square">
+            <a:spAutoFit/>
+          </a:bodyPr>
+          <a:lstStyle/>
+          <a:p>
+            <a:r>
+              <a:rPr lang="en-US" altLang="zh-CN" sz="1400" dirty="0">
+                <a:latin typeface="Calibri"/>
+                <a:cs typeface="Calibri"/>
+              </a:rPr>
+              <a:t>From the </a:t>
+            </a:r>
+            <a:r>
+              <a:rPr lang="en-US" altLang="zh-CN" sz="1400" dirty="0" smtClean="0">
+                <a:latin typeface="Calibri"/>
+                <a:cs typeface="Calibri"/>
+              </a:rPr>
+              <a:t>diagram:  </a:t>
+            </a:r>
+            <a:r>
+              <a:rPr lang="en-US" altLang="zh-CN" sz="1400" dirty="0" smtClean="0">
+                <a:latin typeface="Cambria Math" panose="02040503050406030204" pitchFamily="18" charset="0"/>
+                <a:ea typeface="Cambria Math" panose="02040503050406030204" pitchFamily="18" charset="0"/>
+                <a:cs typeface="Calibri"/>
+              </a:rPr>
+              <a:t>{HO,BT}</a:t>
+            </a:r>
+            <a:r>
+              <a:rPr lang="en-US" altLang="zh-CN" sz="1400" dirty="0" smtClean="0">
+                <a:latin typeface="Cambria Math" panose="02040503050406030204" pitchFamily="18" charset="0"/>
+                <a:ea typeface="Cambria Math" panose="02040503050406030204" pitchFamily="18" charset="0"/>
+                <a:cs typeface="Calibri"/>
+                <a:sym typeface="Wingdings" panose="05000000000000000000" pitchFamily="2" charset="2"/>
+              </a:rPr>
+              <a:t>H</a:t>
+            </a:r>
+            <a:r>
+              <a:rPr lang="en-US" altLang="zh-CN" sz="1400" dirty="0" smtClean="0">
+                <a:latin typeface="Cambria Math" panose="02040503050406030204" pitchFamily="18" charset="0"/>
+                <a:ea typeface="Cambria Math" panose="02040503050406030204" pitchFamily="18" charset="0"/>
+                <a:cs typeface="Calibri"/>
+              </a:rPr>
+              <a:t>A </a:t>
+            </a:r>
+            <a:r>
+              <a:rPr lang="en-US" altLang="zh-CN" sz="1400" dirty="0">
+                <a:latin typeface="Cambria Math" panose="02040503050406030204" pitchFamily="18" charset="0"/>
+                <a:ea typeface="Cambria Math" panose="02040503050406030204" pitchFamily="18" charset="0"/>
+                <a:cs typeface="Calibri"/>
+              </a:rPr>
+              <a:t>, {PT}</a:t>
+            </a:r>
+            <a:r>
+              <a:rPr lang="en-US" altLang="zh-CN" sz="1400" dirty="0">
+                <a:latin typeface="Cambria Math" panose="02040503050406030204" pitchFamily="18" charset="0"/>
+                <a:ea typeface="Cambria Math" panose="02040503050406030204" pitchFamily="18" charset="0"/>
+                <a:cs typeface="Calibri"/>
+                <a:sym typeface="Wingdings" panose="05000000000000000000" pitchFamily="2" charset="2"/>
+              </a:rPr>
+              <a:t></a:t>
+            </a:r>
+            <a:r>
+              <a:rPr lang="en-US" altLang="zh-CN" sz="1400" dirty="0" smtClean="0">
+                <a:latin typeface="Cambria Math" panose="02040503050406030204" pitchFamily="18" charset="0"/>
+                <a:ea typeface="Cambria Math" panose="02040503050406030204" pitchFamily="18" charset="0"/>
+                <a:cs typeface="Calibri"/>
+                <a:sym typeface="Wingdings" panose="05000000000000000000" pitchFamily="2" charset="2"/>
+              </a:rPr>
+              <a:t>HO</a:t>
+            </a:r>
+          </a:p>
+          <a:p>
+            <a:r>
+              <a:rPr lang="en-US" altLang="zh-CN" sz="1400" dirty="0">
+                <a:latin typeface="Calibri"/>
+                <a:cs typeface="Calibri"/>
+                <a:sym typeface="Wingdings" panose="05000000000000000000" pitchFamily="2" charset="2"/>
+              </a:rPr>
+              <a:t>From the previous conditional probability </a:t>
+            </a:r>
+            <a:r>
+              <a:rPr lang="en-US" altLang="zh-CN" sz="1400" dirty="0" smtClean="0">
+                <a:latin typeface="Calibri"/>
+                <a:cs typeface="Calibri"/>
+                <a:sym typeface="Wingdings" panose="05000000000000000000" pitchFamily="2" charset="2"/>
+              </a:rPr>
+              <a:t>table: P(+HO|+PT) = 0.7,P(-HO|+PT) = 0.3</a:t>
+            </a:r>
+          </a:p>
+          <a:p>
+            <a:r>
+              <a:rPr lang="en-US" altLang="zh-CN" sz="1400" dirty="0">
+                <a:latin typeface="Calibri"/>
+                <a:cs typeface="Calibri"/>
+                <a:sym typeface="Wingdings" panose="05000000000000000000" pitchFamily="2" charset="2"/>
+              </a:rPr>
+              <a:t>And BT is the reason node, regardless of other </a:t>
+            </a:r>
+            <a:r>
+              <a:rPr lang="en-US" altLang="zh-CN" sz="1400" dirty="0" smtClean="0">
+                <a:latin typeface="Calibri"/>
+                <a:cs typeface="Calibri"/>
+                <a:sym typeface="Wingdings" panose="05000000000000000000" pitchFamily="2" charset="2"/>
+              </a:rPr>
+              <a:t>probabilities ; P(+BT) = 0.001, P(-BT) = 0.999. Therefore</a:t>
+            </a:r>
+          </a:p>
+        </p:txBody>
+      </p:sp>
+      <p:sp>
+        <p:nvSpPr>
+          <p:cNvPr id="7" name="矩形 6"/>
+          <p:cNvSpPr/>
+          <p:nvPr/>
+        </p:nvSpPr>
+        <p:spPr>
+          <a:xfrm>
+            <a:off x="70104" y="4642460"/>
+            <a:ext cx="8540496" cy="461665"/>
+          </a:xfrm>
+          <a:prstGeom prst="rect">
+            <a:avLst/>
+          </a:prstGeom>
+        </p:spPr>
+        <p:txBody>
+          <a:bodyPr wrap="square">
+            <a:spAutoFit/>
+          </a:bodyPr>
+          <a:lstStyle/>
+          <a:p>
+            <a:r>
+              <a:rPr lang="zh-CN" altLang="en-US" sz="1200" b="1" dirty="0"/>
+              <a:t>Note the comparison with Example 1</a:t>
+            </a:r>
+            <a:r>
+              <a:rPr lang="zh-CN" altLang="en-US" sz="1200" dirty="0"/>
+              <a:t>: In the absence of any node information </a:t>
+            </a:r>
+            <a:r>
+              <a:rPr lang="zh-CN" altLang="en-US" sz="1200" dirty="0" smtClean="0"/>
+              <a:t>(evidence</a:t>
+            </a:r>
+            <a:r>
+              <a:rPr lang="zh-CN" altLang="en-US" sz="1200" dirty="0"/>
+              <a:t>), the probability of a headache is </a:t>
+            </a:r>
+            <a:r>
+              <a:rPr lang="zh-CN" altLang="en-US" sz="1200" dirty="0" smtClean="0"/>
+              <a:t>0</a:t>
+            </a:r>
+            <a:r>
+              <a:rPr lang="en-US" altLang="zh-CN" sz="1200" dirty="0" smtClean="0"/>
+              <a:t>.</a:t>
+            </a:r>
+            <a:r>
+              <a:rPr lang="zh-CN" altLang="en-US" sz="1200" dirty="0" smtClean="0"/>
+              <a:t>116 </a:t>
+            </a:r>
+            <a:r>
+              <a:rPr lang="zh-CN" altLang="en-US" sz="1200" dirty="0"/>
+              <a:t>and the probability of a non-headache is </a:t>
+            </a:r>
+            <a:r>
+              <a:rPr lang="zh-CN" altLang="en-US" sz="1200" dirty="0" smtClean="0"/>
+              <a:t>0</a:t>
+            </a:r>
+            <a:r>
+              <a:rPr lang="en-US" altLang="zh-CN" sz="1200" dirty="0" smtClean="0"/>
+              <a:t>.</a:t>
+            </a:r>
+            <a:r>
+              <a:rPr lang="zh-CN" altLang="en-US" sz="1200" dirty="0" smtClean="0"/>
+              <a:t>884</a:t>
+            </a:r>
+            <a:r>
+              <a:rPr lang="zh-CN" altLang="en-US" sz="1200" dirty="0"/>
+              <a:t>.</a:t>
+            </a:r>
+          </a:p>
+        </p:txBody>
+      </p:sp>
     </p:spTree>
     <p:extLst>
       <p:ext uri="{BB962C8B-B14F-4D97-AF65-F5344CB8AC3E}">
@@ -8611,9 +11588,246 @@
   <p:timing>
     <p:tnLst>
       <p:par>
-        <p:cTn id="1" dur="indefinite" restart="never" nodeType="tmRoot"/>
+        <p:cTn id="1" dur="indefinite" restart="never" nodeType="tmRoot">
+          <p:childTnLst>
+            <p:seq concurrent="1" nextAc="seek">
+              <p:cTn id="2" dur="indefinite" nodeType="mainSeq">
+                <p:childTnLst>
+                  <p:par>
+                    <p:cTn id="3" fill="hold">
+                      <p:stCondLst>
+                        <p:cond delay="indefinite"/>
+                      </p:stCondLst>
+                      <p:childTnLst>
+                        <p:par>
+                          <p:cTn id="4" fill="hold">
+                            <p:stCondLst>
+                              <p:cond delay="0"/>
+                            </p:stCondLst>
+                            <p:childTnLst>
+                              <p:par>
+                                <p:cTn id="5" presetID="1" presetClass="entr" presetSubtype="0" fill="hold" grpId="0" nodeType="clickEffect">
+                                  <p:stCondLst>
+                                    <p:cond delay="0"/>
+                                  </p:stCondLst>
+                                  <p:childTnLst>
+                                    <p:set>
+                                      <p:cBhvr>
+                                        <p:cTn id="6" dur="1" fill="hold">
+                                          <p:stCondLst>
+                                            <p:cond delay="0"/>
+                                          </p:stCondLst>
+                                        </p:cTn>
+                                        <p:tgtEl>
+                                          <p:spTgt spid="6"/>
+                                        </p:tgtEl>
+                                        <p:attrNameLst>
+                                          <p:attrName>style.visibility</p:attrName>
+                                        </p:attrNameLst>
+                                      </p:cBhvr>
+                                      <p:to>
+                                        <p:strVal val="visible"/>
+                                      </p:to>
+                                    </p:set>
+                                  </p:childTnLst>
+                                </p:cTn>
+                              </p:par>
+                            </p:childTnLst>
+                          </p:cTn>
+                        </p:par>
+                      </p:childTnLst>
+                    </p:cTn>
+                  </p:par>
+                  <p:par>
+                    <p:cTn id="7" fill="hold">
+                      <p:stCondLst>
+                        <p:cond delay="indefinite"/>
+                      </p:stCondLst>
+                      <p:childTnLst>
+                        <p:par>
+                          <p:cTn id="8" fill="hold">
+                            <p:stCondLst>
+                              <p:cond delay="0"/>
+                            </p:stCondLst>
+                            <p:childTnLst>
+                              <p:par>
+                                <p:cTn id="9" presetID="1" presetClass="entr" presetSubtype="0" fill="hold" grpId="0" nodeType="clickEffect">
+                                  <p:stCondLst>
+                                    <p:cond delay="0"/>
+                                  </p:stCondLst>
+                                  <p:childTnLst>
+                                    <p:set>
+                                      <p:cBhvr>
+                                        <p:cTn id="10" dur="1" fill="hold">
+                                          <p:stCondLst>
+                                            <p:cond delay="0"/>
+                                          </p:stCondLst>
+                                        </p:cTn>
+                                        <p:tgtEl>
+                                          <p:spTgt spid="10"/>
+                                        </p:tgtEl>
+                                        <p:attrNameLst>
+                                          <p:attrName>style.visibility</p:attrName>
+                                        </p:attrNameLst>
+                                      </p:cBhvr>
+                                      <p:to>
+                                        <p:strVal val="visible"/>
+                                      </p:to>
+                                    </p:set>
+                                  </p:childTnLst>
+                                </p:cTn>
+                              </p:par>
+                              <p:par>
+                                <p:cTn id="11" presetID="1" presetClass="entr" presetSubtype="0" fill="hold" grpId="0" nodeType="withEffect">
+                                  <p:stCondLst>
+                                    <p:cond delay="0"/>
+                                  </p:stCondLst>
+                                  <p:childTnLst>
+                                    <p:set>
+                                      <p:cBhvr>
+                                        <p:cTn id="12" dur="1" fill="hold">
+                                          <p:stCondLst>
+                                            <p:cond delay="0"/>
+                                          </p:stCondLst>
+                                        </p:cTn>
+                                        <p:tgtEl>
+                                          <p:spTgt spid="9"/>
+                                        </p:tgtEl>
+                                        <p:attrNameLst>
+                                          <p:attrName>style.visibility</p:attrName>
+                                        </p:attrNameLst>
+                                      </p:cBhvr>
+                                      <p:to>
+                                        <p:strVal val="visible"/>
+                                      </p:to>
+                                    </p:set>
+                                  </p:childTnLst>
+                                </p:cTn>
+                              </p:par>
+                            </p:childTnLst>
+                          </p:cTn>
+                        </p:par>
+                      </p:childTnLst>
+                    </p:cTn>
+                  </p:par>
+                  <p:par>
+                    <p:cTn id="13" fill="hold">
+                      <p:stCondLst>
+                        <p:cond delay="indefinite"/>
+                      </p:stCondLst>
+                      <p:childTnLst>
+                        <p:par>
+                          <p:cTn id="14" fill="hold">
+                            <p:stCondLst>
+                              <p:cond delay="0"/>
+                            </p:stCondLst>
+                            <p:childTnLst>
+                              <p:par>
+                                <p:cTn id="15" presetID="1" presetClass="entr" presetSubtype="0" fill="hold" grpId="0" nodeType="clickEffect">
+                                  <p:stCondLst>
+                                    <p:cond delay="0"/>
+                                  </p:stCondLst>
+                                  <p:childTnLst>
+                                    <p:set>
+                                      <p:cBhvr>
+                                        <p:cTn id="16" dur="1" fill="hold">
+                                          <p:stCondLst>
+                                            <p:cond delay="0"/>
+                                          </p:stCondLst>
+                                        </p:cTn>
+                                        <p:tgtEl>
+                                          <p:spTgt spid="5124"/>
+                                        </p:tgtEl>
+                                        <p:attrNameLst>
+                                          <p:attrName>style.visibility</p:attrName>
+                                        </p:attrNameLst>
+                                      </p:cBhvr>
+                                      <p:to>
+                                        <p:strVal val="visible"/>
+                                      </p:to>
+                                    </p:set>
+                                  </p:childTnLst>
+                                </p:cTn>
+                              </p:par>
+                            </p:childTnLst>
+                          </p:cTn>
+                        </p:par>
+                      </p:childTnLst>
+                    </p:cTn>
+                  </p:par>
+                  <p:par>
+                    <p:cTn id="17" fill="hold">
+                      <p:stCondLst>
+                        <p:cond delay="indefinite"/>
+                      </p:stCondLst>
+                      <p:childTnLst>
+                        <p:par>
+                          <p:cTn id="18" fill="hold">
+                            <p:stCondLst>
+                              <p:cond delay="0"/>
+                            </p:stCondLst>
+                            <p:childTnLst>
+                              <p:par>
+                                <p:cTn id="19" presetID="1" presetClass="entr" presetSubtype="0" fill="hold" grpId="0" nodeType="clickEffect">
+                                  <p:stCondLst>
+                                    <p:cond delay="0"/>
+                                  </p:stCondLst>
+                                  <p:childTnLst>
+                                    <p:set>
+                                      <p:cBhvr>
+                                        <p:cTn id="20" dur="1" fill="hold">
+                                          <p:stCondLst>
+                                            <p:cond delay="0"/>
+                                          </p:stCondLst>
+                                        </p:cTn>
+                                        <p:tgtEl>
+                                          <p:spTgt spid="7"/>
+                                        </p:tgtEl>
+                                        <p:attrNameLst>
+                                          <p:attrName>style.visibility</p:attrName>
+                                        </p:attrNameLst>
+                                      </p:cBhvr>
+                                      <p:to>
+                                        <p:strVal val="visible"/>
+                                      </p:to>
+                                    </p:set>
+                                  </p:childTnLst>
+                                </p:cTn>
+                              </p:par>
+                            </p:childTnLst>
+                          </p:cTn>
+                        </p:par>
+                      </p:childTnLst>
+                    </p:cTn>
+                  </p:par>
+                </p:childTnLst>
+              </p:cTn>
+              <p:prevCondLst>
+                <p:cond evt="onPrev" delay="0">
+                  <p:tgtEl>
+                    <p:sldTgt/>
+                  </p:tgtEl>
+                </p:cond>
+              </p:prevCondLst>
+              <p:nextCondLst>
+                <p:cond evt="onNext" delay="0">
+                  <p:tgtEl>
+                    <p:sldTgt/>
+                  </p:tgtEl>
+                </p:cond>
+              </p:nextCondLst>
+            </p:seq>
+          </p:childTnLst>
+        </p:cTn>
       </p:par>
     </p:tnLst>
+    <p:bldLst>
+      <p:bldP spid="5124" grpId="0"/>
+      <p:bldP spid="6" grpId="0"/>
+      <p:bldP spid="9" grpId="0"/>
+      <p:bldP spid="10" grpId="0"/>
+      <p:bldP spid="7" grpId="0"/>
+    </p:bldLst>
   </p:timing>
 </p:sld>
 </file>

--- a/ref/BayesNet.pptx
+++ b/ref/BayesNet.pptx
@@ -5,10 +5,10 @@
     <p:sldMasterId id="2147483649" r:id="rId1"/>
   </p:sldMasterIdLst>
   <p:notesMasterIdLst>
-    <p:notesMasterId r:id="rId12"/>
+    <p:notesMasterId r:id="rId14"/>
   </p:notesMasterIdLst>
   <p:handoutMasterIdLst>
-    <p:handoutMasterId r:id="rId13"/>
+    <p:handoutMasterId r:id="rId15"/>
   </p:handoutMasterIdLst>
   <p:sldIdLst>
     <p:sldId id="342" r:id="rId2"/>
@@ -20,12 +20,14 @@
     <p:sldId id="352" r:id="rId8"/>
     <p:sldId id="353" r:id="rId9"/>
     <p:sldId id="354" r:id="rId10"/>
-    <p:sldId id="349" r:id="rId11"/>
+    <p:sldId id="355" r:id="rId11"/>
+    <p:sldId id="356" r:id="rId12"/>
+    <p:sldId id="349" r:id="rId13"/>
   </p:sldIdLst>
   <p:sldSz cx="9144000" cy="5143500" type="screen16x9"/>
   <p:notesSz cx="7099300" cy="10234613"/>
   <p:custDataLst>
-    <p:tags r:id="rId14"/>
+    <p:tags r:id="rId16"/>
   </p:custDataLst>
   <p:defaultTextStyle>
     <a:defPPr>
@@ -1065,6 +1067,226 @@
                 <a:defRPr/>
               </a:pPr>
               <a:t>10</a:t>
+            </a:fld>
+            <a:endParaRPr lang="en-US"/>
+          </a:p>
+        </p:txBody>
+      </p:sp>
+    </p:spTree>
+    <p:extLst>
+      <p:ext uri="{BB962C8B-B14F-4D97-AF65-F5344CB8AC3E}">
+        <p14:creationId xmlns:p14="http://schemas.microsoft.com/office/powerpoint/2010/main" val="955323490"/>
+      </p:ext>
+    </p:extLst>
+  </p:cSld>
+  <p:clrMapOvr>
+    <a:masterClrMapping/>
+  </p:clrMapOvr>
+</p:notes>
+</file>
+
+<file path=ppt/notesSlides/notesSlide11.xml><?xml version="1.0" encoding="utf-8"?>
+<p:notes xmlns:a="http://schemas.openxmlformats.org/drawingml/2006/main" xmlns:r="http://schemas.openxmlformats.org/officeDocument/2006/relationships" xmlns:p="http://schemas.openxmlformats.org/presentationml/2006/main">
+  <p:cSld>
+    <p:spTree>
+      <p:nvGrpSpPr>
+        <p:cNvPr id="1" name=""/>
+        <p:cNvGrpSpPr/>
+        <p:nvPr/>
+      </p:nvGrpSpPr>
+      <p:grpSpPr>
+        <a:xfrm>
+          <a:off x="0" y="0"/>
+          <a:ext cx="0" cy="0"/>
+          <a:chOff x="0" y="0"/>
+          <a:chExt cx="0" cy="0"/>
+        </a:xfrm>
+      </p:grpSpPr>
+      <p:sp>
+        <p:nvSpPr>
+          <p:cNvPr id="2" name="Slide Image Placeholder 1"/>
+          <p:cNvSpPr>
+            <a:spLocks noGrp="1" noRot="1" noChangeAspect="1"/>
+          </p:cNvSpPr>
+          <p:nvPr>
+            <p:ph type="sldImg"/>
+          </p:nvPr>
+        </p:nvSpPr>
+        <p:spPr/>
+      </p:sp>
+      <p:sp>
+        <p:nvSpPr>
+          <p:cNvPr id="3" name="Notes Placeholder 2"/>
+          <p:cNvSpPr>
+            <a:spLocks noGrp="1"/>
+          </p:cNvSpPr>
+          <p:nvPr>
+            <p:ph type="body" idx="1"/>
+          </p:nvPr>
+        </p:nvSpPr>
+        <p:spPr/>
+        <p:txBody>
+          <a:bodyPr/>
+          <a:lstStyle/>
+          <a:p>
+            <a:pPr marL="0" marR="0" indent="0" algn="l" defTabSz="914400" rtl="0" eaLnBrk="0" fontAlgn="base" latinLnBrk="0" hangingPunct="0">
+              <a:lnSpc>
+                <a:spcPct val="100000"/>
+              </a:lnSpc>
+              <a:spcBef>
+                <a:spcPct val="30000"/>
+              </a:spcBef>
+              <a:spcAft>
+                <a:spcPct val="0"/>
+              </a:spcAft>
+              <a:buClrTx/>
+              <a:buSzTx/>
+              <a:buFontTx/>
+              <a:buNone/>
+              <a:tabLst/>
+              <a:defRPr/>
+            </a:pPr>
+            <a:endParaRPr lang="en-US" sz="900" dirty="0" smtClean="0">
+              <a:latin typeface="Calibri"/>
+              <a:cs typeface="Calibri"/>
+            </a:endParaRPr>
+          </a:p>
+        </p:txBody>
+      </p:sp>
+      <p:sp>
+        <p:nvSpPr>
+          <p:cNvPr id="4" name="Slide Number Placeholder 3"/>
+          <p:cNvSpPr>
+            <a:spLocks noGrp="1"/>
+          </p:cNvSpPr>
+          <p:nvPr>
+            <p:ph type="sldNum" sz="quarter" idx="10"/>
+          </p:nvPr>
+        </p:nvSpPr>
+        <p:spPr/>
+        <p:txBody>
+          <a:bodyPr/>
+          <a:lstStyle/>
+          <a:p>
+            <a:pPr>
+              <a:defRPr/>
+            </a:pPr>
+            <a:fld id="{951F94F5-58D1-42ED-AB38-DD97D2E49478}" type="slidenum">
+              <a:rPr lang="en-US" smtClean="0"/>
+              <a:pPr>
+                <a:defRPr/>
+              </a:pPr>
+              <a:t>11</a:t>
+            </a:fld>
+            <a:endParaRPr lang="en-US"/>
+          </a:p>
+        </p:txBody>
+      </p:sp>
+    </p:spTree>
+    <p:extLst>
+      <p:ext uri="{BB962C8B-B14F-4D97-AF65-F5344CB8AC3E}">
+        <p14:creationId xmlns:p14="http://schemas.microsoft.com/office/powerpoint/2010/main" val="2752345118"/>
+      </p:ext>
+    </p:extLst>
+  </p:cSld>
+  <p:clrMapOvr>
+    <a:masterClrMapping/>
+  </p:clrMapOvr>
+</p:notes>
+</file>
+
+<file path=ppt/notesSlides/notesSlide12.xml><?xml version="1.0" encoding="utf-8"?>
+<p:notes xmlns:a="http://schemas.openxmlformats.org/drawingml/2006/main" xmlns:r="http://schemas.openxmlformats.org/officeDocument/2006/relationships" xmlns:p="http://schemas.openxmlformats.org/presentationml/2006/main">
+  <p:cSld>
+    <p:spTree>
+      <p:nvGrpSpPr>
+        <p:cNvPr id="1" name=""/>
+        <p:cNvGrpSpPr/>
+        <p:nvPr/>
+      </p:nvGrpSpPr>
+      <p:grpSpPr>
+        <a:xfrm>
+          <a:off x="0" y="0"/>
+          <a:ext cx="0" cy="0"/>
+          <a:chOff x="0" y="0"/>
+          <a:chExt cx="0" cy="0"/>
+        </a:xfrm>
+      </p:grpSpPr>
+      <p:sp>
+        <p:nvSpPr>
+          <p:cNvPr id="2" name="Slide Image Placeholder 1"/>
+          <p:cNvSpPr>
+            <a:spLocks noGrp="1" noRot="1" noChangeAspect="1"/>
+          </p:cNvSpPr>
+          <p:nvPr>
+            <p:ph type="sldImg"/>
+          </p:nvPr>
+        </p:nvSpPr>
+        <p:spPr/>
+      </p:sp>
+      <p:sp>
+        <p:nvSpPr>
+          <p:cNvPr id="3" name="Notes Placeholder 2"/>
+          <p:cNvSpPr>
+            <a:spLocks noGrp="1"/>
+          </p:cNvSpPr>
+          <p:nvPr>
+            <p:ph type="body" idx="1"/>
+          </p:nvPr>
+        </p:nvSpPr>
+        <p:spPr/>
+        <p:txBody>
+          <a:bodyPr/>
+          <a:lstStyle/>
+          <a:p>
+            <a:pPr marL="0" marR="0" indent="0" algn="l" defTabSz="914400" rtl="0" eaLnBrk="0" fontAlgn="base" latinLnBrk="0" hangingPunct="0">
+              <a:lnSpc>
+                <a:spcPct val="100000"/>
+              </a:lnSpc>
+              <a:spcBef>
+                <a:spcPct val="30000"/>
+              </a:spcBef>
+              <a:spcAft>
+                <a:spcPct val="0"/>
+              </a:spcAft>
+              <a:buClrTx/>
+              <a:buSzTx/>
+              <a:buFontTx/>
+              <a:buNone/>
+              <a:tabLst/>
+              <a:defRPr/>
+            </a:pPr>
+            <a:endParaRPr lang="en-US" sz="900" dirty="0" smtClean="0">
+              <a:latin typeface="Calibri"/>
+              <a:cs typeface="Calibri"/>
+            </a:endParaRPr>
+          </a:p>
+        </p:txBody>
+      </p:sp>
+      <p:sp>
+        <p:nvSpPr>
+          <p:cNvPr id="4" name="Slide Number Placeholder 3"/>
+          <p:cNvSpPr>
+            <a:spLocks noGrp="1"/>
+          </p:cNvSpPr>
+          <p:nvPr>
+            <p:ph type="sldNum" sz="quarter" idx="10"/>
+          </p:nvPr>
+        </p:nvSpPr>
+        <p:spPr/>
+        <p:txBody>
+          <a:bodyPr/>
+          <a:lstStyle/>
+          <a:p>
+            <a:pPr>
+              <a:defRPr/>
+            </a:pPr>
+            <a:fld id="{951F94F5-58D1-42ED-AB38-DD97D2E49478}" type="slidenum">
+              <a:rPr lang="en-US" smtClean="0"/>
+              <a:pPr>
+                <a:defRPr/>
+              </a:pPr>
+              <a:t>12</a:t>
             </a:fld>
             <a:endParaRPr lang="en-US"/>
           </a:p>
@@ -5540,6 +5762,3221 @@
       </p:grpSpPr>
       <p:sp>
         <p:nvSpPr>
+          <p:cNvPr id="12" name="Title 4"/>
+          <p:cNvSpPr txBox="1">
+            <a:spLocks/>
+          </p:cNvSpPr>
+          <p:nvPr/>
+        </p:nvSpPr>
+        <p:spPr bwMode="auto">
+          <a:xfrm>
+            <a:off x="0" y="-19050"/>
+            <a:ext cx="9144000" cy="533400"/>
+          </a:xfrm>
+          <a:prstGeom prst="rect">
+            <a:avLst/>
+          </a:prstGeom>
+          <a:gradFill flip="none" rotWithShape="1">
+            <a:gsLst>
+              <a:gs pos="4000">
+                <a:srgbClr val="5E9EFF"/>
+              </a:gs>
+              <a:gs pos="39999">
+                <a:srgbClr val="85C2FF"/>
+              </a:gs>
+              <a:gs pos="70000">
+                <a:srgbClr val="C4D6EB"/>
+              </a:gs>
+              <a:gs pos="100000">
+                <a:srgbClr val="FFEBFA"/>
+              </a:gs>
+            </a:gsLst>
+            <a:lin ang="4200000" scaled="0"/>
+            <a:tileRect/>
+          </a:gradFill>
+          <a:ln w="9525">
+            <a:noFill/>
+            <a:miter lim="800000"/>
+            <a:headEnd/>
+            <a:tailEnd/>
+          </a:ln>
+        </p:spPr>
+        <p:txBody>
+          <a:bodyPr vert="horz" wrap="square" lIns="68579" tIns="34289" rIns="68579" bIns="34289" numCol="1" anchor="ctr" anchorCtr="0" compatLnSpc="1">
+            <a:prstTxWarp prst="textNoShape">
+              <a:avLst/>
+            </a:prstTxWarp>
+            <a:noAutofit/>
+          </a:bodyPr>
+          <a:lstStyle>
+            <a:lvl1pPr algn="ctr" rtl="0" eaLnBrk="0" fontAlgn="base" hangingPunct="0">
+              <a:spcBef>
+                <a:spcPct val="0"/>
+              </a:spcBef>
+              <a:spcAft>
+                <a:spcPct val="0"/>
+              </a:spcAft>
+              <a:defRPr sz="3300">
+                <a:solidFill>
+                  <a:schemeClr val="accent2"/>
+                </a:solidFill>
+                <a:latin typeface="Calibri" pitchFamily="34" charset="0"/>
+                <a:ea typeface="+mj-ea"/>
+                <a:cs typeface="+mj-cs"/>
+              </a:defRPr>
+            </a:lvl1pPr>
+            <a:lvl2pPr algn="ctr" rtl="0" eaLnBrk="0" fontAlgn="base" hangingPunct="0">
+              <a:spcBef>
+                <a:spcPct val="0"/>
+              </a:spcBef>
+              <a:spcAft>
+                <a:spcPct val="0"/>
+              </a:spcAft>
+              <a:defRPr sz="3300">
+                <a:solidFill>
+                  <a:schemeClr val="tx2"/>
+                </a:solidFill>
+                <a:latin typeface="Arial" charset="0"/>
+              </a:defRPr>
+            </a:lvl2pPr>
+            <a:lvl3pPr algn="ctr" rtl="0" eaLnBrk="0" fontAlgn="base" hangingPunct="0">
+              <a:spcBef>
+                <a:spcPct val="0"/>
+              </a:spcBef>
+              <a:spcAft>
+                <a:spcPct val="0"/>
+              </a:spcAft>
+              <a:defRPr sz="3300">
+                <a:solidFill>
+                  <a:schemeClr val="tx2"/>
+                </a:solidFill>
+                <a:latin typeface="Arial" charset="0"/>
+              </a:defRPr>
+            </a:lvl3pPr>
+            <a:lvl4pPr algn="ctr" rtl="0" eaLnBrk="0" fontAlgn="base" hangingPunct="0">
+              <a:spcBef>
+                <a:spcPct val="0"/>
+              </a:spcBef>
+              <a:spcAft>
+                <a:spcPct val="0"/>
+              </a:spcAft>
+              <a:defRPr sz="3300">
+                <a:solidFill>
+                  <a:schemeClr val="tx2"/>
+                </a:solidFill>
+                <a:latin typeface="Arial" charset="0"/>
+              </a:defRPr>
+            </a:lvl4pPr>
+            <a:lvl5pPr algn="ctr" rtl="0" eaLnBrk="0" fontAlgn="base" hangingPunct="0">
+              <a:spcBef>
+                <a:spcPct val="0"/>
+              </a:spcBef>
+              <a:spcAft>
+                <a:spcPct val="0"/>
+              </a:spcAft>
+              <a:defRPr sz="3300">
+                <a:solidFill>
+                  <a:schemeClr val="tx2"/>
+                </a:solidFill>
+                <a:latin typeface="Arial" charset="0"/>
+              </a:defRPr>
+            </a:lvl5pPr>
+            <a:lvl6pPr marL="342892" algn="ctr" rtl="0" fontAlgn="base">
+              <a:spcBef>
+                <a:spcPct val="0"/>
+              </a:spcBef>
+              <a:spcAft>
+                <a:spcPct val="0"/>
+              </a:spcAft>
+              <a:defRPr sz="3300">
+                <a:solidFill>
+                  <a:schemeClr val="tx2"/>
+                </a:solidFill>
+                <a:latin typeface="Arial" charset="0"/>
+              </a:defRPr>
+            </a:lvl6pPr>
+            <a:lvl7pPr marL="685783" algn="ctr" rtl="0" fontAlgn="base">
+              <a:spcBef>
+                <a:spcPct val="0"/>
+              </a:spcBef>
+              <a:spcAft>
+                <a:spcPct val="0"/>
+              </a:spcAft>
+              <a:defRPr sz="3300">
+                <a:solidFill>
+                  <a:schemeClr val="tx2"/>
+                </a:solidFill>
+                <a:latin typeface="Arial" charset="0"/>
+              </a:defRPr>
+            </a:lvl7pPr>
+            <a:lvl8pPr marL="1028675" algn="ctr" rtl="0" fontAlgn="base">
+              <a:spcBef>
+                <a:spcPct val="0"/>
+              </a:spcBef>
+              <a:spcAft>
+                <a:spcPct val="0"/>
+              </a:spcAft>
+              <a:defRPr sz="3300">
+                <a:solidFill>
+                  <a:schemeClr val="tx2"/>
+                </a:solidFill>
+                <a:latin typeface="Arial" charset="0"/>
+              </a:defRPr>
+            </a:lvl8pPr>
+            <a:lvl9pPr marL="1371566" algn="ctr" rtl="0" fontAlgn="base">
+              <a:spcBef>
+                <a:spcPct val="0"/>
+              </a:spcBef>
+              <a:spcAft>
+                <a:spcPct val="0"/>
+              </a:spcAft>
+              <a:defRPr sz="3300">
+                <a:solidFill>
+                  <a:schemeClr val="tx2"/>
+                </a:solidFill>
+                <a:latin typeface="Arial" charset="0"/>
+              </a:defRPr>
+            </a:lvl9pPr>
+          </a:lstStyle>
+          <a:p>
+            <a:r>
+              <a:rPr lang="en-US" altLang="zh-CN" sz="3600" b="1" kern="0" dirty="0" smtClean="0"/>
+              <a:t>Course Textbook</a:t>
+            </a:r>
+            <a:endParaRPr lang="zh-CN" altLang="en-US" sz="3600" b="1" kern="0" dirty="0"/>
+          </a:p>
+        </p:txBody>
+      </p:sp>
+      <p:sp>
+        <p:nvSpPr>
+          <p:cNvPr id="5" name="文本框 4"/>
+          <p:cNvSpPr txBox="1"/>
+          <p:nvPr/>
+        </p:nvSpPr>
+        <p:spPr>
+          <a:xfrm>
+            <a:off x="0" y="514350"/>
+            <a:ext cx="9067800" cy="338554"/>
+          </a:xfrm>
+          <a:prstGeom prst="rect">
+            <a:avLst/>
+          </a:prstGeom>
+          <a:noFill/>
+        </p:spPr>
+        <p:txBody>
+          <a:bodyPr wrap="square" rtlCol="0">
+            <a:spAutoFit/>
+          </a:bodyPr>
+          <a:lstStyle/>
+          <a:p>
+            <a:r>
+              <a:rPr lang="en-US" altLang="zh-CN" sz="1600" dirty="0" smtClean="0">
+                <a:solidFill>
+                  <a:srgbClr val="0070C0"/>
+                </a:solidFill>
+                <a:latin typeface="Calibri"/>
+                <a:cs typeface="Calibri"/>
+              </a:rPr>
+              <a:t>Example </a:t>
+            </a:r>
+            <a:r>
+              <a:rPr lang="en-US" altLang="zh-CN" sz="1600" dirty="0" smtClean="0">
+                <a:solidFill>
+                  <a:srgbClr val="0070C0"/>
+                </a:solidFill>
+                <a:latin typeface="Calibri"/>
+                <a:cs typeface="Calibri"/>
+              </a:rPr>
+              <a:t>5</a:t>
+            </a:r>
+            <a:r>
+              <a:rPr lang="zh-CN" altLang="en-US" sz="1600" dirty="0" smtClean="0">
+                <a:solidFill>
+                  <a:srgbClr val="0070C0"/>
+                </a:solidFill>
+                <a:latin typeface="Calibri"/>
+                <a:cs typeface="Calibri"/>
+              </a:rPr>
+              <a:t>：</a:t>
+            </a:r>
+            <a:r>
+              <a:rPr lang="en-US" altLang="zh-CN" sz="1600" dirty="0" smtClean="0">
+                <a:solidFill>
+                  <a:srgbClr val="0070C0"/>
+                </a:solidFill>
+                <a:latin typeface="Calibri"/>
+                <a:cs typeface="Calibri"/>
+              </a:rPr>
+              <a:t> </a:t>
+            </a:r>
+            <a:r>
+              <a:rPr lang="en-US" altLang="zh-CN" sz="1600" dirty="0">
+                <a:solidFill>
+                  <a:srgbClr val="0070C0"/>
+                </a:solidFill>
+                <a:latin typeface="Calibri"/>
+                <a:cs typeface="Calibri"/>
+              </a:rPr>
+              <a:t>Calculate </a:t>
+            </a:r>
+            <a:r>
+              <a:rPr lang="en-US" altLang="zh-CN" sz="1600" dirty="0" smtClean="0">
+                <a:solidFill>
+                  <a:srgbClr val="0070C0"/>
+                </a:solidFill>
+                <a:latin typeface="Calibri"/>
+                <a:cs typeface="Calibri"/>
+              </a:rPr>
+              <a:t>the Conditional </a:t>
+            </a:r>
+            <a:r>
+              <a:rPr lang="en-US" altLang="zh-CN" sz="1600" dirty="0">
+                <a:solidFill>
+                  <a:srgbClr val="0070C0"/>
+                </a:solidFill>
+                <a:latin typeface="Calibri"/>
+                <a:cs typeface="Calibri"/>
+              </a:rPr>
+              <a:t>probability of </a:t>
+            </a:r>
+            <a:r>
+              <a:rPr lang="en-US" altLang="zh-CN" sz="1600" dirty="0" smtClean="0">
+                <a:solidFill>
+                  <a:srgbClr val="0070C0"/>
+                </a:solidFill>
+                <a:latin typeface="Calibri"/>
+                <a:cs typeface="Calibri"/>
+              </a:rPr>
+              <a:t>BT </a:t>
+            </a:r>
+            <a:r>
+              <a:rPr lang="en-US" altLang="zh-CN" sz="1600" dirty="0">
+                <a:solidFill>
+                  <a:srgbClr val="0070C0"/>
+                </a:solidFill>
+                <a:latin typeface="Calibri"/>
+                <a:cs typeface="Calibri"/>
+              </a:rPr>
+              <a:t>at known </a:t>
+            </a:r>
+            <a:r>
+              <a:rPr lang="en-US" altLang="zh-CN" sz="1600" dirty="0" smtClean="0">
+                <a:solidFill>
+                  <a:srgbClr val="0070C0"/>
+                </a:solidFill>
+                <a:latin typeface="Calibri"/>
+                <a:cs typeface="Calibri"/>
+              </a:rPr>
+              <a:t>HA</a:t>
+            </a:r>
+            <a:r>
+              <a:rPr lang="zh-CN" altLang="en-US" sz="1600" dirty="0" smtClean="0">
+                <a:solidFill>
+                  <a:srgbClr val="0070C0"/>
+                </a:solidFill>
+                <a:latin typeface="Calibri"/>
+                <a:cs typeface="Calibri"/>
+              </a:rPr>
+              <a:t>：</a:t>
+            </a:r>
+            <a:endParaRPr lang="en-US" altLang="zh-CN" sz="1600" dirty="0" smtClean="0">
+              <a:solidFill>
+                <a:srgbClr val="0070C0"/>
+              </a:solidFill>
+              <a:latin typeface="Calibri"/>
+              <a:cs typeface="Calibri"/>
+            </a:endParaRPr>
+          </a:p>
+        </p:txBody>
+      </p:sp>
+      <mc:AlternateContent xmlns:mc="http://schemas.openxmlformats.org/markup-compatibility/2006">
+        <mc:Choice xmlns:a14="http://schemas.microsoft.com/office/drawing/2010/main" Requires="a14">
+          <p:sp>
+            <p:nvSpPr>
+              <p:cNvPr id="6" name="文本框 5"/>
+              <p:cNvSpPr txBox="1"/>
+              <p:nvPr/>
+            </p:nvSpPr>
+            <p:spPr>
+              <a:xfrm>
+                <a:off x="3051048" y="852904"/>
+                <a:ext cx="6016752" cy="1222129"/>
+              </a:xfrm>
+              <a:prstGeom prst="rect">
+                <a:avLst/>
+              </a:prstGeom>
+              <a:noFill/>
+            </p:spPr>
+            <p:txBody>
+              <a:bodyPr wrap="square" rtlCol="0">
+                <a:spAutoFit/>
+              </a:bodyPr>
+              <a:lstStyle/>
+              <a:p>
+                <a:r>
+                  <a:rPr lang="en-US" altLang="zh-CN" sz="1200" dirty="0" smtClean="0">
+                    <a:latin typeface="Calibri" panose="020F0502020204030204" pitchFamily="34" charset="0"/>
+                    <a:cs typeface="Calibri" panose="020F0502020204030204" pitchFamily="34" charset="0"/>
+                  </a:rPr>
+                  <a:t>According to the conditional probability formula:</a:t>
+                </a:r>
+              </a:p>
+              <a:p>
+                <a:endParaRPr lang="en-US" altLang="zh-CN" sz="1200" dirty="0" smtClean="0">
+                  <a:latin typeface="Calibri" panose="020F0502020204030204" pitchFamily="34" charset="0"/>
+                  <a:cs typeface="Calibri" panose="020F0502020204030204" pitchFamily="34" charset="0"/>
+                </a:endParaRPr>
+              </a:p>
+              <a:p>
+                <a:pPr algn="ctr"/>
+                <a14:m>
+                  <m:oMathPara xmlns:m="http://schemas.openxmlformats.org/officeDocument/2006/math">
+                    <m:oMathParaPr>
+                      <m:jc m:val="centerGroup"/>
+                    </m:oMathParaPr>
+                    <m:oMath xmlns:m="http://schemas.openxmlformats.org/officeDocument/2006/math">
+                      <m:r>
+                        <a:rPr lang="en-US" altLang="zh-CN" sz="1200" b="0" i="1" smtClean="0">
+                          <a:latin typeface="Cambria Math" panose="02040503050406030204" pitchFamily="18" charset="0"/>
+                          <a:cs typeface="Calibri" panose="020F0502020204030204" pitchFamily="34" charset="0"/>
+                        </a:rPr>
+                        <m:t>𝑃</m:t>
+                      </m:r>
+                      <m:d>
+                        <m:dPr>
+                          <m:ctrlPr>
+                            <a:rPr lang="en-US" altLang="zh-CN" sz="1200" b="0" i="1" smtClean="0">
+                              <a:latin typeface="Cambria Math" panose="02040503050406030204" pitchFamily="18" charset="0"/>
+                              <a:cs typeface="Calibri" panose="020F0502020204030204" pitchFamily="34" charset="0"/>
+                            </a:rPr>
+                          </m:ctrlPr>
+                        </m:dPr>
+                        <m:e>
+                          <m:r>
+                            <a:rPr lang="en-US" altLang="zh-CN" sz="1200" b="0" i="1" smtClean="0">
+                              <a:latin typeface="Cambria Math" panose="02040503050406030204" pitchFamily="18" charset="0"/>
+                              <a:cs typeface="Calibri" panose="020F0502020204030204" pitchFamily="34" charset="0"/>
+                            </a:rPr>
+                            <m:t>+</m:t>
+                          </m:r>
+                          <m:r>
+                            <a:rPr lang="en-US" altLang="zh-CN" sz="1200" b="0" i="1" smtClean="0">
+                              <a:latin typeface="Cambria Math" panose="02040503050406030204" pitchFamily="18" charset="0"/>
+                              <a:cs typeface="Calibri" panose="020F0502020204030204" pitchFamily="34" charset="0"/>
+                            </a:rPr>
+                            <m:t>𝐵𝑇</m:t>
+                          </m:r>
+                        </m:e>
+                        <m:e>
+                          <m:r>
+                            <a:rPr lang="en-US" altLang="zh-CN" sz="1200" b="0" i="1" smtClean="0">
+                              <a:latin typeface="Cambria Math" panose="02040503050406030204" pitchFamily="18" charset="0"/>
+                              <a:cs typeface="Calibri" panose="020F0502020204030204" pitchFamily="34" charset="0"/>
+                            </a:rPr>
+                            <m:t>+</m:t>
+                          </m:r>
+                          <m:r>
+                            <a:rPr lang="en-US" altLang="zh-CN" sz="1200" b="0" i="1" smtClean="0">
+                              <a:latin typeface="Cambria Math" panose="02040503050406030204" pitchFamily="18" charset="0"/>
+                              <a:cs typeface="Calibri" panose="020F0502020204030204" pitchFamily="34" charset="0"/>
+                            </a:rPr>
+                            <m:t>𝐻𝐴</m:t>
+                          </m:r>
+                        </m:e>
+                      </m:d>
+                      <m:r>
+                        <a:rPr lang="en-US" altLang="zh-CN" sz="1200" b="0" i="1" smtClean="0">
+                          <a:latin typeface="Cambria Math" panose="02040503050406030204" pitchFamily="18" charset="0"/>
+                          <a:cs typeface="Calibri" panose="020F0502020204030204" pitchFamily="34" charset="0"/>
+                        </a:rPr>
+                        <m:t>=</m:t>
+                      </m:r>
+                      <m:f>
+                        <m:fPr>
+                          <m:ctrlPr>
+                            <a:rPr lang="en-US" altLang="zh-CN" sz="1200" b="0" i="1" smtClean="0">
+                              <a:latin typeface="Cambria Math" panose="02040503050406030204" pitchFamily="18" charset="0"/>
+                              <a:cs typeface="Calibri" panose="020F0502020204030204" pitchFamily="34" charset="0"/>
+                            </a:rPr>
+                          </m:ctrlPr>
+                        </m:fPr>
+                        <m:num>
+                          <m:r>
+                            <a:rPr lang="en-US" altLang="zh-CN" sz="1200" b="0" i="1" smtClean="0">
+                              <a:latin typeface="Cambria Math" panose="02040503050406030204" pitchFamily="18" charset="0"/>
+                              <a:cs typeface="Calibri" panose="020F0502020204030204" pitchFamily="34" charset="0"/>
+                            </a:rPr>
+                            <m:t>𝑃</m:t>
+                          </m:r>
+                          <m:d>
+                            <m:dPr>
+                              <m:ctrlPr>
+                                <a:rPr lang="en-US" altLang="zh-CN" sz="1200" b="0" i="1" smtClean="0">
+                                  <a:latin typeface="Cambria Math" panose="02040503050406030204" pitchFamily="18" charset="0"/>
+                                  <a:cs typeface="Calibri" panose="020F0502020204030204" pitchFamily="34" charset="0"/>
+                                </a:rPr>
+                              </m:ctrlPr>
+                            </m:dPr>
+                            <m:e>
+                              <m:r>
+                                <a:rPr lang="en-US" altLang="zh-CN" sz="1200" b="0" i="1" smtClean="0">
+                                  <a:latin typeface="Cambria Math" panose="02040503050406030204" pitchFamily="18" charset="0"/>
+                                  <a:cs typeface="Calibri" panose="020F0502020204030204" pitchFamily="34" charset="0"/>
+                                </a:rPr>
+                                <m:t>+</m:t>
+                              </m:r>
+                              <m:r>
+                                <a:rPr lang="en-US" altLang="zh-CN" sz="1200" b="0" i="1" smtClean="0">
+                                  <a:latin typeface="Cambria Math" panose="02040503050406030204" pitchFamily="18" charset="0"/>
+                                  <a:cs typeface="Calibri" panose="020F0502020204030204" pitchFamily="34" charset="0"/>
+                                </a:rPr>
+                                <m:t>𝐻𝐴</m:t>
+                              </m:r>
+                            </m:e>
+                            <m:e>
+                              <m:r>
+                                <a:rPr lang="en-US" altLang="zh-CN" sz="1200" b="0" i="1" smtClean="0">
+                                  <a:latin typeface="Cambria Math" panose="02040503050406030204" pitchFamily="18" charset="0"/>
+                                  <a:cs typeface="Calibri" panose="020F0502020204030204" pitchFamily="34" charset="0"/>
+                                </a:rPr>
+                                <m:t>+</m:t>
+                              </m:r>
+                              <m:r>
+                                <a:rPr lang="en-US" altLang="zh-CN" sz="1200" b="0" i="1" smtClean="0">
+                                  <a:latin typeface="Cambria Math" panose="02040503050406030204" pitchFamily="18" charset="0"/>
+                                  <a:cs typeface="Calibri" panose="020F0502020204030204" pitchFamily="34" charset="0"/>
+                                </a:rPr>
+                                <m:t>𝐵𝑇</m:t>
+                              </m:r>
+                            </m:e>
+                          </m:d>
+                          <m:r>
+                            <a:rPr lang="en-US" altLang="zh-CN" sz="1200" b="0" i="1" smtClean="0">
+                              <a:latin typeface="Cambria Math" panose="02040503050406030204" pitchFamily="18" charset="0"/>
+                              <a:cs typeface="Calibri" panose="020F0502020204030204" pitchFamily="34" charset="0"/>
+                            </a:rPr>
+                            <m:t>𝑃</m:t>
+                          </m:r>
+                          <m:d>
+                            <m:dPr>
+                              <m:ctrlPr>
+                                <a:rPr lang="en-US" altLang="zh-CN" sz="1200" b="0" i="1" smtClean="0">
+                                  <a:latin typeface="Cambria Math" panose="02040503050406030204" pitchFamily="18" charset="0"/>
+                                  <a:cs typeface="Calibri" panose="020F0502020204030204" pitchFamily="34" charset="0"/>
+                                </a:rPr>
+                              </m:ctrlPr>
+                            </m:dPr>
+                            <m:e>
+                              <m:r>
+                                <a:rPr lang="en-US" altLang="zh-CN" sz="1200" b="0" i="1" smtClean="0">
+                                  <a:latin typeface="Cambria Math" panose="02040503050406030204" pitchFamily="18" charset="0"/>
+                                  <a:cs typeface="Calibri" panose="020F0502020204030204" pitchFamily="34" charset="0"/>
+                                </a:rPr>
+                                <m:t>+</m:t>
+                              </m:r>
+                              <m:r>
+                                <a:rPr lang="en-US" altLang="zh-CN" sz="1200" b="0" i="1" smtClean="0">
+                                  <a:latin typeface="Cambria Math" panose="02040503050406030204" pitchFamily="18" charset="0"/>
+                                  <a:cs typeface="Calibri" panose="020F0502020204030204" pitchFamily="34" charset="0"/>
+                                </a:rPr>
+                                <m:t>𝐵𝑇</m:t>
+                              </m:r>
+                            </m:e>
+                          </m:d>
+                        </m:num>
+                        <m:den>
+                          <m:r>
+                            <a:rPr lang="en-US" altLang="zh-CN" sz="1200" b="0" i="1" smtClean="0">
+                              <a:latin typeface="Cambria Math" panose="02040503050406030204" pitchFamily="18" charset="0"/>
+                              <a:cs typeface="Calibri" panose="020F0502020204030204" pitchFamily="34" charset="0"/>
+                            </a:rPr>
+                            <m:t>𝑃</m:t>
+                          </m:r>
+                          <m:r>
+                            <a:rPr lang="en-US" altLang="zh-CN" sz="1200" b="0" i="1" smtClean="0">
+                              <a:latin typeface="Cambria Math" panose="02040503050406030204" pitchFamily="18" charset="0"/>
+                              <a:cs typeface="Calibri" panose="020F0502020204030204" pitchFamily="34" charset="0"/>
+                            </a:rPr>
+                            <m:t>(+</m:t>
+                          </m:r>
+                          <m:r>
+                            <a:rPr lang="en-US" altLang="zh-CN" sz="1200" b="0" i="1" smtClean="0">
+                              <a:latin typeface="Cambria Math" panose="02040503050406030204" pitchFamily="18" charset="0"/>
+                              <a:cs typeface="Calibri" panose="020F0502020204030204" pitchFamily="34" charset="0"/>
+                            </a:rPr>
+                            <m:t>𝐻𝐴</m:t>
+                          </m:r>
+                          <m:r>
+                            <a:rPr lang="en-US" altLang="zh-CN" sz="1200" b="0" i="1" smtClean="0">
+                              <a:latin typeface="Cambria Math" panose="02040503050406030204" pitchFamily="18" charset="0"/>
+                              <a:cs typeface="Calibri" panose="020F0502020204030204" pitchFamily="34" charset="0"/>
+                            </a:rPr>
+                            <m:t>)</m:t>
+                          </m:r>
+                        </m:den>
+                      </m:f>
+                    </m:oMath>
+                  </m:oMathPara>
+                </a14:m>
+                <a:endParaRPr lang="en-US" altLang="zh-CN" sz="1200" b="0" dirty="0" smtClean="0">
+                  <a:latin typeface="Calibri" panose="020F0502020204030204" pitchFamily="34" charset="0"/>
+                  <a:cs typeface="Calibri" panose="020F0502020204030204" pitchFamily="34" charset="0"/>
+                </a:endParaRPr>
+              </a:p>
+              <a:p>
+                <a:pPr algn="ctr"/>
+                <a:endParaRPr lang="en-US" altLang="zh-CN" sz="1200" b="0" dirty="0" smtClean="0">
+                  <a:latin typeface="Calibri" panose="020F0502020204030204" pitchFamily="34" charset="0"/>
+                  <a:cs typeface="Calibri" panose="020F0502020204030204" pitchFamily="34" charset="0"/>
+                </a:endParaRPr>
+              </a:p>
+              <a:p>
+                <a:r>
+                  <a:rPr lang="en-US" altLang="zh-CN" sz="1200" b="0" dirty="0" smtClean="0">
+                    <a:latin typeface="Calibri" panose="020F0502020204030204" pitchFamily="34" charset="0"/>
+                    <a:cs typeface="Calibri" panose="020F0502020204030204" pitchFamily="34" charset="0"/>
+                  </a:rPr>
+                  <a:t>From </a:t>
+                </a:r>
+                <a:r>
+                  <a:rPr lang="en-US" altLang="zh-CN" sz="1200" dirty="0">
+                    <a:solidFill>
+                      <a:srgbClr val="0070C0"/>
+                    </a:solidFill>
+                    <a:latin typeface="Calibri" panose="020F0502020204030204" pitchFamily="34" charset="0"/>
+                    <a:cs typeface="Calibri" panose="020F0502020204030204" pitchFamily="34" charset="0"/>
+                  </a:rPr>
+                  <a:t>E</a:t>
+                </a:r>
+                <a:r>
+                  <a:rPr lang="en-US" altLang="zh-CN" sz="1200" b="0" dirty="0" smtClean="0">
+                    <a:solidFill>
+                      <a:srgbClr val="0070C0"/>
+                    </a:solidFill>
+                    <a:latin typeface="Calibri" panose="020F0502020204030204" pitchFamily="34" charset="0"/>
+                    <a:cs typeface="Calibri" panose="020F0502020204030204" pitchFamily="34" charset="0"/>
+                  </a:rPr>
+                  <a:t>xample 1</a:t>
+                </a:r>
+                <a:r>
+                  <a:rPr lang="en-US" altLang="zh-CN" sz="1200" b="0" dirty="0" smtClean="0">
+                    <a:latin typeface="Calibri" panose="020F0502020204030204" pitchFamily="34" charset="0"/>
+                    <a:cs typeface="Calibri" panose="020F0502020204030204" pitchFamily="34" charset="0"/>
+                  </a:rPr>
+                  <a:t>,</a:t>
+                </a:r>
+                <a14:m>
+                  <m:oMath xmlns:m="http://schemas.openxmlformats.org/officeDocument/2006/math">
+                    <m:r>
+                      <a:rPr lang="en-US" altLang="zh-CN" sz="1200" b="0" i="1" smtClean="0">
+                        <a:latin typeface="Cambria Math" panose="02040503050406030204" pitchFamily="18" charset="0"/>
+                        <a:cs typeface="Calibri" panose="020F0502020204030204" pitchFamily="34" charset="0"/>
+                      </a:rPr>
+                      <m:t>𝑃</m:t>
+                    </m:r>
+                    <m:d>
+                      <m:dPr>
+                        <m:ctrlPr>
+                          <a:rPr lang="en-US" altLang="zh-CN" sz="1200" b="0" i="1" smtClean="0">
+                            <a:latin typeface="Cambria Math" panose="02040503050406030204" pitchFamily="18" charset="0"/>
+                            <a:cs typeface="Calibri" panose="020F0502020204030204" pitchFamily="34" charset="0"/>
+                          </a:rPr>
+                        </m:ctrlPr>
+                      </m:dPr>
+                      <m:e>
+                        <m:r>
+                          <a:rPr lang="en-US" altLang="zh-CN" sz="1200" b="0" i="1" smtClean="0">
+                            <a:latin typeface="Cambria Math" panose="02040503050406030204" pitchFamily="18" charset="0"/>
+                            <a:cs typeface="Calibri" panose="020F0502020204030204" pitchFamily="34" charset="0"/>
+                          </a:rPr>
+                          <m:t>+</m:t>
+                        </m:r>
+                        <m:r>
+                          <a:rPr lang="en-US" altLang="zh-CN" sz="1200" b="0" i="1" smtClean="0">
+                            <a:latin typeface="Cambria Math" panose="02040503050406030204" pitchFamily="18" charset="0"/>
+                            <a:cs typeface="Calibri" panose="020F0502020204030204" pitchFamily="34" charset="0"/>
+                          </a:rPr>
+                          <m:t>𝐻𝑂</m:t>
+                        </m:r>
+                      </m:e>
+                    </m:d>
+                    <m:r>
+                      <a:rPr lang="en-US" altLang="zh-CN" sz="1200" b="0" i="1" smtClean="0">
+                        <a:latin typeface="Cambria Math" panose="02040503050406030204" pitchFamily="18" charset="0"/>
+                        <a:cs typeface="Calibri" panose="020F0502020204030204" pitchFamily="34" charset="0"/>
+                      </a:rPr>
+                      <m:t>=0.14,</m:t>
+                    </m:r>
+                    <m:r>
+                      <a:rPr lang="en-US" altLang="zh-CN" sz="1200" b="0" i="1" smtClean="0">
+                        <a:latin typeface="Cambria Math" panose="02040503050406030204" pitchFamily="18" charset="0"/>
+                        <a:cs typeface="Calibri" panose="020F0502020204030204" pitchFamily="34" charset="0"/>
+                      </a:rPr>
+                      <m:t>𝑃</m:t>
+                    </m:r>
+                    <m:d>
+                      <m:dPr>
+                        <m:ctrlPr>
+                          <a:rPr lang="en-US" altLang="zh-CN" sz="1200" b="0" i="1" smtClean="0">
+                            <a:latin typeface="Cambria Math" panose="02040503050406030204" pitchFamily="18" charset="0"/>
+                            <a:cs typeface="Calibri" panose="020F0502020204030204" pitchFamily="34" charset="0"/>
+                          </a:rPr>
+                        </m:ctrlPr>
+                      </m:dPr>
+                      <m:e>
+                        <m:r>
+                          <a:rPr lang="en-US" altLang="zh-CN" sz="1200" b="0" i="1" smtClean="0">
+                            <a:latin typeface="Cambria Math" panose="02040503050406030204" pitchFamily="18" charset="0"/>
+                            <a:cs typeface="Calibri" panose="020F0502020204030204" pitchFamily="34" charset="0"/>
+                          </a:rPr>
+                          <m:t>−</m:t>
+                        </m:r>
+                        <m:r>
+                          <a:rPr lang="en-US" altLang="zh-CN" sz="1200" b="0" i="1" smtClean="0">
+                            <a:latin typeface="Cambria Math" panose="02040503050406030204" pitchFamily="18" charset="0"/>
+                            <a:cs typeface="Calibri" panose="020F0502020204030204" pitchFamily="34" charset="0"/>
+                          </a:rPr>
+                          <m:t>𝐻𝑂</m:t>
+                        </m:r>
+                      </m:e>
+                    </m:d>
+                    <m:r>
+                      <a:rPr lang="en-US" altLang="zh-CN" sz="1200" b="0" i="1" smtClean="0">
+                        <a:latin typeface="Cambria Math" panose="02040503050406030204" pitchFamily="18" charset="0"/>
+                        <a:cs typeface="Calibri" panose="020F0502020204030204" pitchFamily="34" charset="0"/>
+                      </a:rPr>
+                      <m:t>=0.86,</m:t>
+                    </m:r>
+                    <m:r>
+                      <a:rPr lang="en-US" altLang="zh-CN" sz="1200" b="0" i="1" smtClean="0">
+                        <a:latin typeface="Cambria Math" panose="02040503050406030204" pitchFamily="18" charset="0"/>
+                        <a:cs typeface="Calibri" panose="020F0502020204030204" pitchFamily="34" charset="0"/>
+                      </a:rPr>
+                      <m:t>𝑃</m:t>
+                    </m:r>
+                    <m:d>
+                      <m:dPr>
+                        <m:ctrlPr>
+                          <a:rPr lang="en-US" altLang="zh-CN" sz="1200" b="0" i="1" smtClean="0">
+                            <a:latin typeface="Cambria Math" panose="02040503050406030204" pitchFamily="18" charset="0"/>
+                            <a:cs typeface="Calibri" panose="020F0502020204030204" pitchFamily="34" charset="0"/>
+                          </a:rPr>
+                        </m:ctrlPr>
+                      </m:dPr>
+                      <m:e>
+                        <m:r>
+                          <a:rPr lang="en-US" altLang="zh-CN" sz="1200" b="0" i="1" smtClean="0">
+                            <a:latin typeface="Cambria Math" panose="02040503050406030204" pitchFamily="18" charset="0"/>
+                            <a:cs typeface="Calibri" panose="020F0502020204030204" pitchFamily="34" charset="0"/>
+                          </a:rPr>
+                          <m:t>+</m:t>
+                        </m:r>
+                        <m:r>
+                          <a:rPr lang="en-US" altLang="zh-CN" sz="1200" b="0" i="1" smtClean="0">
+                            <a:latin typeface="Cambria Math" panose="02040503050406030204" pitchFamily="18" charset="0"/>
+                            <a:cs typeface="Calibri" panose="020F0502020204030204" pitchFamily="34" charset="0"/>
+                          </a:rPr>
+                          <m:t>𝐻𝐴</m:t>
+                        </m:r>
+                      </m:e>
+                    </m:d>
+                    <m:r>
+                      <a:rPr lang="en-US" altLang="zh-CN" sz="1200" b="0" i="1" smtClean="0">
+                        <a:latin typeface="Cambria Math" panose="02040503050406030204" pitchFamily="18" charset="0"/>
+                        <a:cs typeface="Calibri" panose="020F0502020204030204" pitchFamily="34" charset="0"/>
+                      </a:rPr>
+                      <m:t>=0.116,</m:t>
+                    </m:r>
+                    <m:r>
+                      <a:rPr lang="en-US" altLang="zh-CN" sz="1200" b="0" i="1" smtClean="0">
+                        <a:latin typeface="Cambria Math" panose="02040503050406030204" pitchFamily="18" charset="0"/>
+                        <a:cs typeface="Calibri" panose="020F0502020204030204" pitchFamily="34" charset="0"/>
+                      </a:rPr>
+                      <m:t>𝑃</m:t>
+                    </m:r>
+                    <m:d>
+                      <m:dPr>
+                        <m:ctrlPr>
+                          <a:rPr lang="en-US" altLang="zh-CN" sz="1200" b="0" i="1" smtClean="0">
+                            <a:latin typeface="Cambria Math" panose="02040503050406030204" pitchFamily="18" charset="0"/>
+                            <a:cs typeface="Calibri" panose="020F0502020204030204" pitchFamily="34" charset="0"/>
+                          </a:rPr>
+                        </m:ctrlPr>
+                      </m:dPr>
+                      <m:e>
+                        <m:r>
+                          <a:rPr lang="en-US" altLang="zh-CN" sz="1200" b="0" i="1" smtClean="0">
+                            <a:latin typeface="Cambria Math" panose="02040503050406030204" pitchFamily="18" charset="0"/>
+                            <a:cs typeface="Calibri" panose="020F0502020204030204" pitchFamily="34" charset="0"/>
+                          </a:rPr>
+                          <m:t>−</m:t>
+                        </m:r>
+                        <m:r>
+                          <a:rPr lang="en-US" altLang="zh-CN" sz="1200" b="0" i="1" smtClean="0">
+                            <a:latin typeface="Cambria Math" panose="02040503050406030204" pitchFamily="18" charset="0"/>
+                            <a:cs typeface="Calibri" panose="020F0502020204030204" pitchFamily="34" charset="0"/>
+                          </a:rPr>
+                          <m:t>𝐻𝐴</m:t>
+                        </m:r>
+                      </m:e>
+                    </m:d>
+                    <m:r>
+                      <a:rPr lang="en-US" altLang="zh-CN" sz="1200" b="0" i="1" smtClean="0">
+                        <a:latin typeface="Cambria Math" panose="02040503050406030204" pitchFamily="18" charset="0"/>
+                        <a:cs typeface="Calibri" panose="020F0502020204030204" pitchFamily="34" charset="0"/>
+                      </a:rPr>
+                      <m:t>=0.884</m:t>
+                    </m:r>
+                  </m:oMath>
+                </a14:m>
+                <a:endParaRPr lang="en-US" altLang="zh-CN" sz="1200" b="0" dirty="0" smtClean="0">
+                  <a:solidFill>
+                    <a:srgbClr val="0070C0"/>
+                  </a:solidFill>
+                  <a:latin typeface="Calibri" panose="020F0502020204030204" pitchFamily="34" charset="0"/>
+                  <a:cs typeface="Calibri" panose="020F0502020204030204" pitchFamily="34" charset="0"/>
+                </a:endParaRPr>
+              </a:p>
+            </p:txBody>
+          </p:sp>
+        </mc:Choice>
+        <mc:Fallback>
+          <p:sp>
+            <p:nvSpPr>
+              <p:cNvPr id="6" name="文本框 5"/>
+              <p:cNvSpPr txBox="1">
+                <a:spLocks noRot="1" noChangeAspect="1" noMove="1" noResize="1" noEditPoints="1" noAdjustHandles="1" noChangeArrowheads="1" noChangeShapeType="1" noTextEdit="1"/>
+              </p:cNvSpPr>
+              <p:nvPr/>
+            </p:nvSpPr>
+            <p:spPr>
+              <a:xfrm>
+                <a:off x="3051048" y="852904"/>
+                <a:ext cx="6016752" cy="1222129"/>
+              </a:xfrm>
+              <a:prstGeom prst="rect">
+                <a:avLst/>
+              </a:prstGeom>
+              <a:blipFill>
+                <a:blip r:embed="rId3"/>
+                <a:stretch>
+                  <a:fillRect l="-101" t="-500" b="-3500"/>
+                </a:stretch>
+              </a:blipFill>
+            </p:spPr>
+            <p:txBody>
+              <a:bodyPr/>
+              <a:lstStyle/>
+              <a:p>
+                <a:r>
+                  <a:rPr lang="zh-CN" altLang="en-US">
+                    <a:noFill/>
+                  </a:rPr>
+                  <a:t> </a:t>
+                </a:r>
+              </a:p>
+            </p:txBody>
+          </p:sp>
+        </mc:Fallback>
+      </mc:AlternateContent>
+      <p:pic>
+        <p:nvPicPr>
+          <p:cNvPr id="7" name="图片 6"/>
+          <p:cNvPicPr>
+            <a:picLocks noChangeAspect="1"/>
+          </p:cNvPicPr>
+          <p:nvPr/>
+        </p:nvPicPr>
+        <p:blipFill>
+          <a:blip r:embed="rId4"/>
+          <a:stretch>
+            <a:fillRect/>
+          </a:stretch>
+        </p:blipFill>
+        <p:spPr>
+          <a:xfrm>
+            <a:off x="79248" y="891004"/>
+            <a:ext cx="2971800" cy="1342192"/>
+          </a:xfrm>
+          <a:prstGeom prst="rect">
+            <a:avLst/>
+          </a:prstGeom>
+        </p:spPr>
+      </p:pic>
+      <p:graphicFrame>
+        <p:nvGraphicFramePr>
+          <p:cNvPr id="8" name="表格 7"/>
+          <p:cNvGraphicFramePr>
+            <a:graphicFrameLocks noGrp="1"/>
+          </p:cNvGraphicFramePr>
+          <p:nvPr>
+            <p:extLst>
+              <p:ext uri="{D42A27DB-BD31-4B8C-83A1-F6EECF244321}">
+                <p14:modId xmlns:p14="http://schemas.microsoft.com/office/powerpoint/2010/main" val="1766742302"/>
+              </p:ext>
+            </p:extLst>
+          </p:nvPr>
+        </p:nvGraphicFramePr>
+        <p:xfrm>
+          <a:off x="79248" y="2323477"/>
+          <a:ext cx="3224980" cy="912013"/>
+        </p:xfrm>
+        <a:graphic>
+          <a:graphicData uri="http://schemas.openxmlformats.org/drawingml/2006/table">
+            <a:tbl>
+              <a:tblPr firstRow="1" bandRow="1">
+                <a:tableStyleId>{8A107856-5554-42FB-B03E-39F5DBC370BA}</a:tableStyleId>
+              </a:tblPr>
+              <a:tblGrid>
+                <a:gridCol w="644996">
+                  <a:extLst>
+                    <a:ext uri="{9D8B030D-6E8A-4147-A177-3AD203B41FA5}">
+                      <a16:colId xmlns:a16="http://schemas.microsoft.com/office/drawing/2014/main" val="2582365997"/>
+                    </a:ext>
+                  </a:extLst>
+                </a:gridCol>
+                <a:gridCol w="644996">
+                  <a:extLst>
+                    <a:ext uri="{9D8B030D-6E8A-4147-A177-3AD203B41FA5}">
+                      <a16:colId xmlns:a16="http://schemas.microsoft.com/office/drawing/2014/main" val="1576025649"/>
+                    </a:ext>
+                  </a:extLst>
+                </a:gridCol>
+                <a:gridCol w="644996">
+                  <a:extLst>
+                    <a:ext uri="{9D8B030D-6E8A-4147-A177-3AD203B41FA5}">
+                      <a16:colId xmlns:a16="http://schemas.microsoft.com/office/drawing/2014/main" val="4224799460"/>
+                    </a:ext>
+                  </a:extLst>
+                </a:gridCol>
+                <a:gridCol w="644996">
+                  <a:extLst>
+                    <a:ext uri="{9D8B030D-6E8A-4147-A177-3AD203B41FA5}">
+                      <a16:colId xmlns:a16="http://schemas.microsoft.com/office/drawing/2014/main" val="839496265"/>
+                    </a:ext>
+                  </a:extLst>
+                </a:gridCol>
+                <a:gridCol w="644996">
+                  <a:extLst>
+                    <a:ext uri="{9D8B030D-6E8A-4147-A177-3AD203B41FA5}">
+                      <a16:colId xmlns:a16="http://schemas.microsoft.com/office/drawing/2014/main" val="2280769922"/>
+                    </a:ext>
+                  </a:extLst>
+                </a:gridCol>
+              </a:tblGrid>
+              <a:tr h="485293">
+                <a:tc>
+                  <a:txBody>
+                    <a:bodyPr/>
+                    <a:lstStyle/>
+                    <a:p>
+                      <a:pPr algn="ctr"/>
+                      <a:endParaRPr lang="en-US" altLang="zh-CN" sz="700" dirty="0" smtClean="0"/>
+                    </a:p>
+                    <a:p>
+                      <a:pPr algn="ctr"/>
+                      <a:r>
+                        <a:rPr lang="en-US" altLang="zh-CN" sz="600" b="0" dirty="0" smtClean="0"/>
+                        <a:t>P</a:t>
+                      </a:r>
+                      <a:r>
+                        <a:rPr lang="en-US" altLang="zh-CN" sz="600" dirty="0" smtClean="0"/>
+                        <a:t>(HA|HO,BT)</a:t>
+                      </a:r>
+                      <a:endParaRPr lang="zh-CN" altLang="en-US" sz="600" b="1" dirty="0">
+                        <a:solidFill>
+                          <a:schemeClr val="tx1"/>
+                        </a:solidFill>
+                      </a:endParaRPr>
+                    </a:p>
+                  </a:txBody>
+                  <a:tcPr/>
+                </a:tc>
+                <a:tc gridSpan="2">
+                  <a:txBody>
+                    <a:bodyPr/>
+                    <a:lstStyle/>
+                    <a:p>
+                      <a:pPr algn="ctr"/>
+                      <a:r>
+                        <a:rPr lang="en-US" altLang="zh-CN" sz="800" dirty="0" smtClean="0"/>
+                        <a:t>HO</a:t>
+                      </a:r>
+                      <a:r>
+                        <a:rPr lang="en-US" altLang="zh-CN" sz="800" baseline="0" dirty="0" smtClean="0"/>
+                        <a:t> </a:t>
+                      </a:r>
+                      <a:r>
+                        <a:rPr lang="en-US" altLang="zh-CN" sz="800" b="0" baseline="0" dirty="0" smtClean="0"/>
+                        <a:t>= True</a:t>
+                      </a:r>
+                    </a:p>
+                    <a:p>
+                      <a:pPr algn="ctr"/>
+                      <a:endParaRPr lang="en-US" altLang="zh-CN" sz="800" baseline="0" dirty="0" smtClean="0"/>
+                    </a:p>
+                    <a:p>
+                      <a:pPr algn="ctr"/>
+                      <a:r>
+                        <a:rPr lang="en-US" altLang="zh-CN" sz="800" dirty="0" smtClean="0"/>
+                        <a:t>BT</a:t>
+                      </a:r>
+                      <a:r>
+                        <a:rPr lang="en-US" altLang="zh-CN" sz="800" baseline="0" dirty="0" smtClean="0"/>
+                        <a:t> </a:t>
+                      </a:r>
+                      <a:r>
+                        <a:rPr lang="en-US" altLang="zh-CN" sz="800" b="0" baseline="0" dirty="0" smtClean="0"/>
+                        <a:t>= True    </a:t>
+                      </a:r>
+                      <a:r>
+                        <a:rPr lang="en-US" altLang="zh-CN" sz="800" baseline="0" dirty="0" smtClean="0"/>
+                        <a:t>BT </a:t>
+                      </a:r>
+                      <a:r>
+                        <a:rPr lang="en-US" altLang="zh-CN" sz="800" b="0" baseline="0" dirty="0" smtClean="0"/>
+                        <a:t>= False</a:t>
+                      </a:r>
+                      <a:endParaRPr lang="zh-CN" altLang="en-US" sz="800" b="0" dirty="0">
+                        <a:solidFill>
+                          <a:schemeClr val="tx1"/>
+                        </a:solidFill>
+                      </a:endParaRPr>
+                    </a:p>
+                  </a:txBody>
+                  <a:tcPr/>
+                </a:tc>
+                <a:tc hMerge="1">
+                  <a:txBody>
+                    <a:bodyPr/>
+                    <a:lstStyle/>
+                    <a:p>
+                      <a:endParaRPr lang="zh-CN" altLang="en-US" dirty="0"/>
+                    </a:p>
+                  </a:txBody>
+                  <a:tcPr/>
+                </a:tc>
+                <a:tc gridSpan="2">
+                  <a:txBody>
+                    <a:bodyPr/>
+                    <a:lstStyle/>
+                    <a:p>
+                      <a:pPr algn="ctr"/>
+                      <a:r>
+                        <a:rPr lang="en-US" altLang="zh-CN" sz="800" dirty="0" smtClean="0"/>
+                        <a:t>HO </a:t>
+                      </a:r>
+                      <a:r>
+                        <a:rPr lang="en-US" altLang="zh-CN" sz="800" b="0" dirty="0" smtClean="0"/>
+                        <a:t>= False</a:t>
+                      </a:r>
+                    </a:p>
+                    <a:p>
+                      <a:pPr algn="ctr"/>
+                      <a:endParaRPr lang="en-US" altLang="zh-CN" sz="800" dirty="0" smtClean="0"/>
+                    </a:p>
+                    <a:p>
+                      <a:pPr algn="ctr"/>
+                      <a:r>
+                        <a:rPr lang="en-US" altLang="zh-CN" sz="800" dirty="0" smtClean="0"/>
+                        <a:t>BT</a:t>
+                      </a:r>
+                      <a:r>
+                        <a:rPr lang="en-US" altLang="zh-CN" sz="800" baseline="0" dirty="0" smtClean="0"/>
+                        <a:t> </a:t>
+                      </a:r>
+                      <a:r>
+                        <a:rPr lang="en-US" altLang="zh-CN" sz="800" b="0" baseline="0" dirty="0" smtClean="0"/>
+                        <a:t>= True     </a:t>
+                      </a:r>
+                      <a:r>
+                        <a:rPr lang="en-US" altLang="zh-CN" sz="800" baseline="0" dirty="0" smtClean="0"/>
+                        <a:t>BT </a:t>
+                      </a:r>
+                      <a:r>
+                        <a:rPr lang="en-US" altLang="zh-CN" sz="800" b="0" baseline="0" dirty="0" smtClean="0"/>
+                        <a:t>= False </a:t>
+                      </a:r>
+                      <a:endParaRPr lang="zh-CN" altLang="en-US" sz="800" b="0" dirty="0">
+                        <a:solidFill>
+                          <a:schemeClr val="tx1"/>
+                        </a:solidFill>
+                      </a:endParaRPr>
+                    </a:p>
+                  </a:txBody>
+                  <a:tcPr/>
+                </a:tc>
+                <a:tc hMerge="1">
+                  <a:txBody>
+                    <a:bodyPr/>
+                    <a:lstStyle/>
+                    <a:p>
+                      <a:endParaRPr lang="zh-CN" altLang="en-US"/>
+                    </a:p>
+                  </a:txBody>
+                  <a:tcPr/>
+                </a:tc>
+                <a:extLst>
+                  <a:ext uri="{0D108BD9-81ED-4DB2-BD59-A6C34878D82A}">
+                    <a16:rowId xmlns:a16="http://schemas.microsoft.com/office/drawing/2014/main" val="2104920311"/>
+                  </a:ext>
+                </a:extLst>
+              </a:tr>
+              <a:tr h="186290">
+                <a:tc>
+                  <a:txBody>
+                    <a:bodyPr/>
+                    <a:lstStyle/>
+                    <a:p>
+                      <a:pPr algn="ctr"/>
+                      <a:r>
+                        <a:rPr lang="en-US" altLang="zh-CN" sz="800" dirty="0" smtClean="0"/>
+                        <a:t>True</a:t>
+                      </a:r>
+                      <a:endParaRPr lang="zh-CN" altLang="en-US" sz="800" dirty="0">
+                        <a:solidFill>
+                          <a:schemeClr val="tx1"/>
+                        </a:solidFill>
+                      </a:endParaRPr>
+                    </a:p>
+                  </a:txBody>
+                  <a:tcPr/>
+                </a:tc>
+                <a:tc>
+                  <a:txBody>
+                    <a:bodyPr/>
+                    <a:lstStyle/>
+                    <a:p>
+                      <a:pPr algn="ctr"/>
+                      <a:r>
+                        <a:rPr lang="en-US" altLang="zh-CN" sz="800" dirty="0" smtClean="0"/>
+                        <a:t>0.99</a:t>
+                      </a:r>
+                      <a:endParaRPr lang="zh-CN" altLang="en-US" sz="800" dirty="0">
+                        <a:solidFill>
+                          <a:schemeClr val="tx1"/>
+                        </a:solidFill>
+                      </a:endParaRPr>
+                    </a:p>
+                  </a:txBody>
+                  <a:tcPr/>
+                </a:tc>
+                <a:tc>
+                  <a:txBody>
+                    <a:bodyPr/>
+                    <a:lstStyle/>
+                    <a:p>
+                      <a:pPr algn="ctr"/>
+                      <a:r>
+                        <a:rPr lang="en-US" altLang="zh-CN" sz="800" dirty="0" smtClean="0"/>
+                        <a:t>0.7</a:t>
+                      </a:r>
+                      <a:endParaRPr lang="zh-CN" altLang="en-US" sz="800" dirty="0">
+                        <a:solidFill>
+                          <a:schemeClr val="tx1"/>
+                        </a:solidFill>
+                      </a:endParaRPr>
+                    </a:p>
+                  </a:txBody>
+                  <a:tcPr/>
+                </a:tc>
+                <a:tc>
+                  <a:txBody>
+                    <a:bodyPr/>
+                    <a:lstStyle/>
+                    <a:p>
+                      <a:pPr algn="ctr"/>
+                      <a:r>
+                        <a:rPr lang="en-US" altLang="zh-CN" sz="800" dirty="0" smtClean="0"/>
+                        <a:t>0.9</a:t>
+                      </a:r>
+                      <a:endParaRPr lang="zh-CN" altLang="en-US" sz="800" dirty="0">
+                        <a:solidFill>
+                          <a:schemeClr val="tx1"/>
+                        </a:solidFill>
+                      </a:endParaRPr>
+                    </a:p>
+                  </a:txBody>
+                  <a:tcPr/>
+                </a:tc>
+                <a:tc>
+                  <a:txBody>
+                    <a:bodyPr/>
+                    <a:lstStyle/>
+                    <a:p>
+                      <a:pPr algn="ctr"/>
+                      <a:r>
+                        <a:rPr lang="en-US" altLang="zh-CN" sz="800" dirty="0" smtClean="0"/>
+                        <a:t>0.02</a:t>
+                      </a:r>
+                      <a:endParaRPr lang="zh-CN" altLang="en-US" sz="800" dirty="0">
+                        <a:solidFill>
+                          <a:schemeClr val="tx1"/>
+                        </a:solidFill>
+                      </a:endParaRPr>
+                    </a:p>
+                  </a:txBody>
+                  <a:tcPr/>
+                </a:tc>
+                <a:extLst>
+                  <a:ext uri="{0D108BD9-81ED-4DB2-BD59-A6C34878D82A}">
+                    <a16:rowId xmlns:a16="http://schemas.microsoft.com/office/drawing/2014/main" val="1383542188"/>
+                  </a:ext>
+                </a:extLst>
+              </a:tr>
+              <a:tr h="186290">
+                <a:tc>
+                  <a:txBody>
+                    <a:bodyPr/>
+                    <a:lstStyle/>
+                    <a:p>
+                      <a:pPr algn="ctr"/>
+                      <a:r>
+                        <a:rPr lang="en-US" altLang="zh-CN" sz="800" dirty="0" smtClean="0"/>
+                        <a:t>False</a:t>
+                      </a:r>
+                      <a:endParaRPr lang="zh-CN" altLang="en-US" sz="800" dirty="0">
+                        <a:solidFill>
+                          <a:schemeClr val="tx1"/>
+                        </a:solidFill>
+                      </a:endParaRPr>
+                    </a:p>
+                  </a:txBody>
+                  <a:tcPr/>
+                </a:tc>
+                <a:tc>
+                  <a:txBody>
+                    <a:bodyPr/>
+                    <a:lstStyle/>
+                    <a:p>
+                      <a:pPr algn="ctr"/>
+                      <a:r>
+                        <a:rPr lang="en-US" altLang="zh-CN" sz="800" dirty="0" smtClean="0"/>
+                        <a:t>0.01</a:t>
+                      </a:r>
+                      <a:endParaRPr lang="zh-CN" altLang="en-US" sz="800" dirty="0">
+                        <a:solidFill>
+                          <a:schemeClr val="tx1"/>
+                        </a:solidFill>
+                      </a:endParaRPr>
+                    </a:p>
+                  </a:txBody>
+                  <a:tcPr/>
+                </a:tc>
+                <a:tc>
+                  <a:txBody>
+                    <a:bodyPr/>
+                    <a:lstStyle/>
+                    <a:p>
+                      <a:pPr algn="ctr"/>
+                      <a:r>
+                        <a:rPr lang="en-US" altLang="zh-CN" sz="800" dirty="0" smtClean="0"/>
+                        <a:t>0.3</a:t>
+                      </a:r>
+                      <a:endParaRPr lang="zh-CN" altLang="en-US" sz="800" dirty="0">
+                        <a:solidFill>
+                          <a:schemeClr val="tx1"/>
+                        </a:solidFill>
+                      </a:endParaRPr>
+                    </a:p>
+                  </a:txBody>
+                  <a:tcPr/>
+                </a:tc>
+                <a:tc>
+                  <a:txBody>
+                    <a:bodyPr/>
+                    <a:lstStyle/>
+                    <a:p>
+                      <a:pPr algn="ctr"/>
+                      <a:r>
+                        <a:rPr lang="en-US" altLang="zh-CN" sz="800" dirty="0" smtClean="0"/>
+                        <a:t>0.1</a:t>
+                      </a:r>
+                      <a:endParaRPr lang="zh-CN" altLang="en-US" sz="800" dirty="0">
+                        <a:solidFill>
+                          <a:schemeClr val="tx1"/>
+                        </a:solidFill>
+                      </a:endParaRPr>
+                    </a:p>
+                  </a:txBody>
+                  <a:tcPr/>
+                </a:tc>
+                <a:tc>
+                  <a:txBody>
+                    <a:bodyPr/>
+                    <a:lstStyle/>
+                    <a:p>
+                      <a:pPr algn="ctr"/>
+                      <a:r>
+                        <a:rPr lang="en-US" altLang="zh-CN" sz="800" dirty="0" smtClean="0"/>
+                        <a:t>0.98</a:t>
+                      </a:r>
+                      <a:endParaRPr lang="zh-CN" altLang="en-US" sz="800" dirty="0">
+                        <a:solidFill>
+                          <a:schemeClr val="tx1"/>
+                        </a:solidFill>
+                      </a:endParaRPr>
+                    </a:p>
+                  </a:txBody>
+                  <a:tcPr/>
+                </a:tc>
+                <a:extLst>
+                  <a:ext uri="{0D108BD9-81ED-4DB2-BD59-A6C34878D82A}">
+                    <a16:rowId xmlns:a16="http://schemas.microsoft.com/office/drawing/2014/main" val="2992287412"/>
+                  </a:ext>
+                </a:extLst>
+              </a:tr>
+            </a:tbl>
+          </a:graphicData>
+        </a:graphic>
+      </p:graphicFrame>
+      <mc:AlternateContent xmlns:mc="http://schemas.openxmlformats.org/markup-compatibility/2006">
+        <mc:Choice xmlns:a14="http://schemas.microsoft.com/office/drawing/2010/main" Requires="a14">
+          <p:sp>
+            <p:nvSpPr>
+              <p:cNvPr id="3" name="文本框 2"/>
+              <p:cNvSpPr txBox="1"/>
+              <p:nvPr/>
+            </p:nvSpPr>
+            <p:spPr>
+              <a:xfrm>
+                <a:off x="3253838" y="2075033"/>
+                <a:ext cx="5611172" cy="1323439"/>
+              </a:xfrm>
+              <a:prstGeom prst="rect">
+                <a:avLst/>
+              </a:prstGeom>
+              <a:noFill/>
+            </p:spPr>
+            <p:txBody>
+              <a:bodyPr wrap="square" rtlCol="0">
+                <a:spAutoFit/>
+              </a:bodyPr>
+              <a:lstStyle/>
+              <a:p>
+                <a:r>
+                  <a:rPr lang="en-US" altLang="zh-CN" sz="1400" dirty="0" smtClean="0">
+                    <a:latin typeface="Calibri" panose="020F0502020204030204" pitchFamily="34" charset="0"/>
+                    <a:cs typeface="Calibri" panose="020F0502020204030204" pitchFamily="34" charset="0"/>
+                  </a:rPr>
+                  <a:t>By using </a:t>
+                </a:r>
+                <a:r>
+                  <a:rPr lang="en-US" altLang="zh-CN" sz="1400" dirty="0">
+                    <a:latin typeface="Calibri" panose="020F0502020204030204" pitchFamily="34" charset="0"/>
+                    <a:cs typeface="Calibri" panose="020F0502020204030204" pitchFamily="34" charset="0"/>
+                  </a:rPr>
+                  <a:t>the full probability </a:t>
+                </a:r>
+                <a:r>
+                  <a:rPr lang="en-US" altLang="zh-CN" sz="1400" dirty="0" smtClean="0">
+                    <a:latin typeface="Calibri" panose="020F0502020204030204" pitchFamily="34" charset="0"/>
+                    <a:cs typeface="Calibri" panose="020F0502020204030204" pitchFamily="34" charset="0"/>
+                  </a:rPr>
+                  <a:t>formula:</a:t>
+                </a:r>
+              </a:p>
+              <a:p>
+                <a:endParaRPr lang="en-US" altLang="zh-CN" sz="1200" dirty="0" smtClean="0">
+                  <a:latin typeface="Calibri" panose="020F0502020204030204" pitchFamily="34" charset="0"/>
+                  <a:cs typeface="Calibri" panose="020F0502020204030204" pitchFamily="34" charset="0"/>
+                </a:endParaRPr>
+              </a:p>
+              <a:p>
+                <a:pPr algn="ctr">
+                  <a:lnSpc>
+                    <a:spcPct val="150000"/>
+                  </a:lnSpc>
+                </a:pPr>
+                <a14:m>
+                  <m:oMathPara xmlns:m="http://schemas.openxmlformats.org/officeDocument/2006/math">
+                    <m:oMathParaPr>
+                      <m:jc m:val="centerGroup"/>
+                    </m:oMathParaPr>
+                    <m:oMath xmlns:m="http://schemas.openxmlformats.org/officeDocument/2006/math">
+                      <m:r>
+                        <a:rPr lang="en-US" altLang="zh-CN" sz="1200" b="0" i="1" smtClean="0">
+                          <a:latin typeface="Cambria Math" panose="02040503050406030204" pitchFamily="18" charset="0"/>
+                          <a:cs typeface="Calibri" panose="020F0502020204030204" pitchFamily="34" charset="0"/>
+                        </a:rPr>
+                        <m:t>𝑃</m:t>
+                      </m:r>
+                      <m:d>
+                        <m:dPr>
+                          <m:ctrlPr>
+                            <a:rPr lang="en-US" altLang="zh-CN" sz="1200" b="0" i="1" smtClean="0">
+                              <a:latin typeface="Cambria Math" panose="02040503050406030204" pitchFamily="18" charset="0"/>
+                              <a:cs typeface="Calibri" panose="020F0502020204030204" pitchFamily="34" charset="0"/>
+                            </a:rPr>
+                          </m:ctrlPr>
+                        </m:dPr>
+                        <m:e>
+                          <m:r>
+                            <a:rPr lang="en-US" altLang="zh-CN" sz="1200" b="0" i="1" smtClean="0">
+                              <a:latin typeface="Cambria Math" panose="02040503050406030204" pitchFamily="18" charset="0"/>
+                              <a:cs typeface="Calibri" panose="020F0502020204030204" pitchFamily="34" charset="0"/>
+                            </a:rPr>
+                            <m:t>+</m:t>
+                          </m:r>
+                          <m:r>
+                            <a:rPr lang="en-US" altLang="zh-CN" sz="1200" b="0" i="1" smtClean="0">
+                              <a:latin typeface="Cambria Math" panose="02040503050406030204" pitchFamily="18" charset="0"/>
+                              <a:cs typeface="Calibri" panose="020F0502020204030204" pitchFamily="34" charset="0"/>
+                            </a:rPr>
+                            <m:t>𝐻𝐴</m:t>
+                          </m:r>
+                        </m:e>
+                        <m:e>
+                          <m:r>
+                            <a:rPr lang="en-US" altLang="zh-CN" sz="1200" b="0" i="1" smtClean="0">
+                              <a:latin typeface="Cambria Math" panose="02040503050406030204" pitchFamily="18" charset="0"/>
+                              <a:cs typeface="Calibri" panose="020F0502020204030204" pitchFamily="34" charset="0"/>
+                            </a:rPr>
+                            <m:t>+</m:t>
+                          </m:r>
+                          <m:r>
+                            <a:rPr lang="en-US" altLang="zh-CN" sz="1200" b="0" i="1" smtClean="0">
+                              <a:latin typeface="Cambria Math" panose="02040503050406030204" pitchFamily="18" charset="0"/>
+                              <a:cs typeface="Calibri" panose="020F0502020204030204" pitchFamily="34" charset="0"/>
+                            </a:rPr>
+                            <m:t>𝐵𝑇</m:t>
+                          </m:r>
+                        </m:e>
+                      </m:d>
+                      <m:r>
+                        <a:rPr lang="en-US" altLang="zh-CN" sz="1200" b="0" i="1" smtClean="0">
+                          <a:latin typeface="Cambria Math" panose="02040503050406030204" pitchFamily="18" charset="0"/>
+                          <a:cs typeface="Calibri" panose="020F0502020204030204" pitchFamily="34" charset="0"/>
+                        </a:rPr>
+                        <m:t>=</m:t>
+                      </m:r>
+                      <m:r>
+                        <a:rPr lang="en-US" altLang="zh-CN" sz="1200" b="0" i="1" smtClean="0">
+                          <a:latin typeface="Cambria Math" panose="02040503050406030204" pitchFamily="18" charset="0"/>
+                          <a:cs typeface="Calibri" panose="020F0502020204030204" pitchFamily="34" charset="0"/>
+                        </a:rPr>
+                        <m:t>𝑃</m:t>
+                      </m:r>
+                      <m:d>
+                        <m:dPr>
+                          <m:ctrlPr>
+                            <a:rPr lang="en-US" altLang="zh-CN" sz="1200" b="0" i="1" smtClean="0">
+                              <a:latin typeface="Cambria Math" panose="02040503050406030204" pitchFamily="18" charset="0"/>
+                              <a:cs typeface="Calibri" panose="020F0502020204030204" pitchFamily="34" charset="0"/>
+                            </a:rPr>
+                          </m:ctrlPr>
+                        </m:dPr>
+                        <m:e>
+                          <m:r>
+                            <a:rPr lang="en-US" altLang="zh-CN" sz="1200" b="0" i="1" smtClean="0">
+                              <a:latin typeface="Cambria Math" panose="02040503050406030204" pitchFamily="18" charset="0"/>
+                              <a:cs typeface="Calibri" panose="020F0502020204030204" pitchFamily="34" charset="0"/>
+                            </a:rPr>
+                            <m:t>+</m:t>
+                          </m:r>
+                          <m:r>
+                            <a:rPr lang="en-US" altLang="zh-CN" sz="1200" b="0" i="1" smtClean="0">
+                              <a:latin typeface="Cambria Math" panose="02040503050406030204" pitchFamily="18" charset="0"/>
+                              <a:cs typeface="Calibri" panose="020F0502020204030204" pitchFamily="34" charset="0"/>
+                            </a:rPr>
+                            <m:t>𝐻𝐴</m:t>
+                          </m:r>
+                        </m:e>
+                        <m:e>
+                          <m:r>
+                            <a:rPr lang="en-US" altLang="zh-CN" sz="1200" b="0" i="1" smtClean="0">
+                              <a:latin typeface="Cambria Math" panose="02040503050406030204" pitchFamily="18" charset="0"/>
+                              <a:cs typeface="Calibri" panose="020F0502020204030204" pitchFamily="34" charset="0"/>
+                            </a:rPr>
+                            <m:t>+</m:t>
+                          </m:r>
+                          <m:r>
+                            <a:rPr lang="en-US" altLang="zh-CN" sz="1200" b="0" i="1" smtClean="0">
+                              <a:latin typeface="Cambria Math" panose="02040503050406030204" pitchFamily="18" charset="0"/>
+                              <a:cs typeface="Calibri" panose="020F0502020204030204" pitchFamily="34" charset="0"/>
+                            </a:rPr>
+                            <m:t>𝐵𝑇</m:t>
+                          </m:r>
+                          <m:r>
+                            <a:rPr lang="en-US" altLang="zh-CN" sz="1200" b="0" i="1" smtClean="0">
+                              <a:latin typeface="Cambria Math" panose="02040503050406030204" pitchFamily="18" charset="0"/>
+                              <a:cs typeface="Calibri" panose="020F0502020204030204" pitchFamily="34" charset="0"/>
+                            </a:rPr>
+                            <m:t>,+</m:t>
+                          </m:r>
+                          <m:r>
+                            <a:rPr lang="en-US" altLang="zh-CN" sz="1200" b="0" i="1" smtClean="0">
+                              <a:latin typeface="Cambria Math" panose="02040503050406030204" pitchFamily="18" charset="0"/>
+                              <a:cs typeface="Calibri" panose="020F0502020204030204" pitchFamily="34" charset="0"/>
+                            </a:rPr>
+                            <m:t>𝐻𝑂</m:t>
+                          </m:r>
+                        </m:e>
+                      </m:d>
+                      <m:r>
+                        <a:rPr lang="en-US" altLang="zh-CN" sz="1200" b="0" i="1" smtClean="0">
+                          <a:latin typeface="Cambria Math" panose="02040503050406030204" pitchFamily="18" charset="0"/>
+                          <a:cs typeface="Calibri" panose="020F0502020204030204" pitchFamily="34" charset="0"/>
+                        </a:rPr>
+                        <m:t>𝑃</m:t>
+                      </m:r>
+                      <m:d>
+                        <m:dPr>
+                          <m:ctrlPr>
+                            <a:rPr lang="en-US" altLang="zh-CN" sz="1200" b="0" i="1" smtClean="0">
+                              <a:latin typeface="Cambria Math" panose="02040503050406030204" pitchFamily="18" charset="0"/>
+                              <a:cs typeface="Calibri" panose="020F0502020204030204" pitchFamily="34" charset="0"/>
+                            </a:rPr>
+                          </m:ctrlPr>
+                        </m:dPr>
+                        <m:e>
+                          <m:r>
+                            <a:rPr lang="en-US" altLang="zh-CN" sz="1200" b="0" i="1" smtClean="0">
+                              <a:latin typeface="Cambria Math" panose="02040503050406030204" pitchFamily="18" charset="0"/>
+                              <a:cs typeface="Calibri" panose="020F0502020204030204" pitchFamily="34" charset="0"/>
+                            </a:rPr>
+                            <m:t>+</m:t>
+                          </m:r>
+                          <m:r>
+                            <a:rPr lang="en-US" altLang="zh-CN" sz="1200" b="0" i="1" smtClean="0">
+                              <a:latin typeface="Cambria Math" panose="02040503050406030204" pitchFamily="18" charset="0"/>
+                              <a:cs typeface="Calibri" panose="020F0502020204030204" pitchFamily="34" charset="0"/>
+                            </a:rPr>
+                            <m:t>𝐻𝑂</m:t>
+                          </m:r>
+                        </m:e>
+                      </m:d>
+                    </m:oMath>
+                  </m:oMathPara>
+                </a14:m>
+                <a:endParaRPr lang="en-US" altLang="zh-CN" sz="1200" b="0" dirty="0" smtClean="0">
+                  <a:latin typeface="Calibri" panose="020F0502020204030204" pitchFamily="34" charset="0"/>
+                  <a:cs typeface="Calibri" panose="020F0502020204030204" pitchFamily="34" charset="0"/>
+                </a:endParaRPr>
+              </a:p>
+              <a:p>
+                <a:pPr>
+                  <a:lnSpc>
+                    <a:spcPct val="150000"/>
+                  </a:lnSpc>
+                </a:pPr>
+                <a:r>
+                  <a:rPr lang="en-US" altLang="zh-CN" sz="1200" dirty="0">
+                    <a:latin typeface="Calibri" panose="020F0502020204030204" pitchFamily="34" charset="0"/>
+                    <a:cs typeface="Calibri" panose="020F0502020204030204" pitchFamily="34" charset="0"/>
+                  </a:rPr>
+                  <a:t>	</a:t>
+                </a:r>
+                <a:r>
+                  <a:rPr lang="en-US" altLang="zh-CN" sz="1200" dirty="0" smtClean="0">
+                    <a:latin typeface="Calibri" panose="020F0502020204030204" pitchFamily="34" charset="0"/>
+                    <a:cs typeface="Calibri" panose="020F0502020204030204" pitchFamily="34" charset="0"/>
+                  </a:rPr>
+                  <a:t>	                </a:t>
+                </a:r>
+                <a14:m>
+                  <m:oMath xmlns:m="http://schemas.openxmlformats.org/officeDocument/2006/math">
+                    <m:r>
+                      <a:rPr lang="en-US" altLang="zh-CN" sz="1200" b="0" i="1" smtClean="0">
+                        <a:latin typeface="Cambria Math" panose="02040503050406030204" pitchFamily="18" charset="0"/>
+                        <a:cs typeface="Calibri" panose="020F0502020204030204" pitchFamily="34" charset="0"/>
+                      </a:rPr>
+                      <m:t>+</m:t>
+                    </m:r>
+                    <m:r>
+                      <a:rPr lang="en-US" altLang="zh-CN" sz="1200" b="0" i="1" smtClean="0">
+                        <a:latin typeface="Cambria Math" panose="02040503050406030204" pitchFamily="18" charset="0"/>
+                        <a:cs typeface="Calibri" panose="020F0502020204030204" pitchFamily="34" charset="0"/>
+                      </a:rPr>
+                      <m:t>𝑃</m:t>
+                    </m:r>
+                    <m:d>
+                      <m:dPr>
+                        <m:ctrlPr>
+                          <a:rPr lang="en-US" altLang="zh-CN" sz="1200" b="0" i="1" smtClean="0">
+                            <a:latin typeface="Cambria Math" panose="02040503050406030204" pitchFamily="18" charset="0"/>
+                            <a:cs typeface="Calibri" panose="020F0502020204030204" pitchFamily="34" charset="0"/>
+                          </a:rPr>
+                        </m:ctrlPr>
+                      </m:dPr>
+                      <m:e>
+                        <m:r>
+                          <a:rPr lang="en-US" altLang="zh-CN" sz="1200" b="0" i="1" smtClean="0">
+                            <a:latin typeface="Cambria Math" panose="02040503050406030204" pitchFamily="18" charset="0"/>
+                            <a:cs typeface="Calibri" panose="020F0502020204030204" pitchFamily="34" charset="0"/>
+                          </a:rPr>
+                          <m:t>+</m:t>
+                        </m:r>
+                        <m:r>
+                          <a:rPr lang="en-US" altLang="zh-CN" sz="1200" b="0" i="1" smtClean="0">
+                            <a:latin typeface="Cambria Math" panose="02040503050406030204" pitchFamily="18" charset="0"/>
+                            <a:cs typeface="Calibri" panose="020F0502020204030204" pitchFamily="34" charset="0"/>
+                          </a:rPr>
+                          <m:t>𝐻𝐴</m:t>
+                        </m:r>
+                      </m:e>
+                      <m:e>
+                        <m:r>
+                          <a:rPr lang="en-US" altLang="zh-CN" sz="1200" b="0" i="1" smtClean="0">
+                            <a:latin typeface="Cambria Math" panose="02040503050406030204" pitchFamily="18" charset="0"/>
+                            <a:cs typeface="Calibri" panose="020F0502020204030204" pitchFamily="34" charset="0"/>
+                          </a:rPr>
+                          <m:t>+</m:t>
+                        </m:r>
+                        <m:r>
+                          <a:rPr lang="en-US" altLang="zh-CN" sz="1200" b="0" i="1" smtClean="0">
+                            <a:latin typeface="Cambria Math" panose="02040503050406030204" pitchFamily="18" charset="0"/>
+                            <a:cs typeface="Calibri" panose="020F0502020204030204" pitchFamily="34" charset="0"/>
+                          </a:rPr>
+                          <m:t>𝐵𝑇</m:t>
+                        </m:r>
+                        <m:r>
+                          <a:rPr lang="en-US" altLang="zh-CN" sz="1200" b="0" i="1" smtClean="0">
+                            <a:latin typeface="Cambria Math" panose="02040503050406030204" pitchFamily="18" charset="0"/>
+                            <a:cs typeface="Calibri" panose="020F0502020204030204" pitchFamily="34" charset="0"/>
+                          </a:rPr>
+                          <m:t>,−</m:t>
+                        </m:r>
+                        <m:r>
+                          <a:rPr lang="en-US" altLang="zh-CN" sz="1200" b="0" i="1" smtClean="0">
+                            <a:latin typeface="Cambria Math" panose="02040503050406030204" pitchFamily="18" charset="0"/>
+                            <a:cs typeface="Calibri" panose="020F0502020204030204" pitchFamily="34" charset="0"/>
+                          </a:rPr>
+                          <m:t>𝐻𝑂</m:t>
+                        </m:r>
+                      </m:e>
+                    </m:d>
+                    <m:r>
+                      <a:rPr lang="en-US" altLang="zh-CN" sz="1200" b="0" i="1" smtClean="0">
+                        <a:latin typeface="Cambria Math" panose="02040503050406030204" pitchFamily="18" charset="0"/>
+                        <a:cs typeface="Calibri" panose="020F0502020204030204" pitchFamily="34" charset="0"/>
+                      </a:rPr>
+                      <m:t>𝑃</m:t>
+                    </m:r>
+                    <m:d>
+                      <m:dPr>
+                        <m:ctrlPr>
+                          <a:rPr lang="en-US" altLang="zh-CN" sz="1200" b="0" i="1" smtClean="0">
+                            <a:latin typeface="Cambria Math" panose="02040503050406030204" pitchFamily="18" charset="0"/>
+                            <a:cs typeface="Calibri" panose="020F0502020204030204" pitchFamily="34" charset="0"/>
+                          </a:rPr>
+                        </m:ctrlPr>
+                      </m:dPr>
+                      <m:e>
+                        <m:r>
+                          <a:rPr lang="en-US" altLang="zh-CN" sz="1200" b="0" i="1" smtClean="0">
+                            <a:latin typeface="Cambria Math" panose="02040503050406030204" pitchFamily="18" charset="0"/>
+                            <a:cs typeface="Calibri" panose="020F0502020204030204" pitchFamily="34" charset="0"/>
+                          </a:rPr>
+                          <m:t>−</m:t>
+                        </m:r>
+                        <m:r>
+                          <a:rPr lang="en-US" altLang="zh-CN" sz="1200" b="0" i="1" smtClean="0">
+                            <a:latin typeface="Cambria Math" panose="02040503050406030204" pitchFamily="18" charset="0"/>
+                            <a:cs typeface="Calibri" panose="020F0502020204030204" pitchFamily="34" charset="0"/>
+                          </a:rPr>
+                          <m:t>𝐻𝑂</m:t>
+                        </m:r>
+                      </m:e>
+                    </m:d>
+                  </m:oMath>
+                </a14:m>
+                <a:endParaRPr lang="en-US" altLang="zh-CN" sz="1200" b="0" dirty="0" smtClean="0">
+                  <a:latin typeface="Calibri" panose="020F0502020204030204" pitchFamily="34" charset="0"/>
+                  <a:cs typeface="Calibri" panose="020F0502020204030204" pitchFamily="34" charset="0"/>
+                </a:endParaRPr>
+              </a:p>
+              <a:p>
+                <a:pPr>
+                  <a:lnSpc>
+                    <a:spcPct val="150000"/>
+                  </a:lnSpc>
+                </a:pPr>
+                <a:r>
+                  <a:rPr lang="en-US" altLang="zh-CN" sz="1200" dirty="0" smtClean="0">
+                    <a:latin typeface="Calibri" panose="020F0502020204030204" pitchFamily="34" charset="0"/>
+                    <a:cs typeface="Calibri" panose="020F0502020204030204" pitchFamily="34" charset="0"/>
+                  </a:rPr>
+                  <a:t>		           </a:t>
+                </a:r>
+                <a14:m>
+                  <m:oMath xmlns:m="http://schemas.openxmlformats.org/officeDocument/2006/math">
+                    <m:r>
+                      <a:rPr lang="en-US" altLang="zh-CN" sz="1200" b="0" i="1" smtClean="0">
+                        <a:latin typeface="Cambria Math" panose="02040503050406030204" pitchFamily="18" charset="0"/>
+                        <a:cs typeface="Calibri" panose="020F0502020204030204" pitchFamily="34" charset="0"/>
+                      </a:rPr>
+                      <m:t>=0.99×0.14+0.9×0.86=0.9126</m:t>
+                    </m:r>
+                  </m:oMath>
+                </a14:m>
+                <a:endParaRPr lang="en-US" altLang="zh-CN" sz="1200" dirty="0">
+                  <a:latin typeface="Calibri" panose="020F0502020204030204" pitchFamily="34" charset="0"/>
+                  <a:cs typeface="Calibri" panose="020F0502020204030204" pitchFamily="34" charset="0"/>
+                </a:endParaRPr>
+              </a:p>
+            </p:txBody>
+          </p:sp>
+        </mc:Choice>
+        <mc:Fallback>
+          <p:sp>
+            <p:nvSpPr>
+              <p:cNvPr id="3" name="文本框 2"/>
+              <p:cNvSpPr txBox="1">
+                <a:spLocks noRot="1" noChangeAspect="1" noMove="1" noResize="1" noEditPoints="1" noAdjustHandles="1" noChangeArrowheads="1" noChangeShapeType="1" noTextEdit="1"/>
+              </p:cNvSpPr>
+              <p:nvPr/>
+            </p:nvSpPr>
+            <p:spPr>
+              <a:xfrm>
+                <a:off x="3253838" y="2075033"/>
+                <a:ext cx="5611172" cy="1323439"/>
+              </a:xfrm>
+              <a:prstGeom prst="rect">
+                <a:avLst/>
+              </a:prstGeom>
+              <a:blipFill>
+                <a:blip r:embed="rId5"/>
+                <a:stretch>
+                  <a:fillRect l="-326" t="-461"/>
+                </a:stretch>
+              </a:blipFill>
+            </p:spPr>
+            <p:txBody>
+              <a:bodyPr/>
+              <a:lstStyle/>
+              <a:p>
+                <a:r>
+                  <a:rPr lang="zh-CN" altLang="en-US">
+                    <a:noFill/>
+                  </a:rPr>
+                  <a:t> </a:t>
+                </a:r>
+              </a:p>
+            </p:txBody>
+          </p:sp>
+        </mc:Fallback>
+      </mc:AlternateContent>
+      <p:sp>
+        <p:nvSpPr>
+          <p:cNvPr id="4" name="矩形 3"/>
+          <p:cNvSpPr/>
+          <p:nvPr/>
+        </p:nvSpPr>
+        <p:spPr>
+          <a:xfrm>
+            <a:off x="79248" y="3347059"/>
+            <a:ext cx="9064752" cy="738664"/>
+          </a:xfrm>
+          <a:prstGeom prst="rect">
+            <a:avLst/>
+          </a:prstGeom>
+        </p:spPr>
+        <p:txBody>
+          <a:bodyPr wrap="square">
+            <a:spAutoFit/>
+          </a:bodyPr>
+          <a:lstStyle/>
+          <a:p>
+            <a:r>
+              <a:rPr lang="zh-CN" altLang="en-US" sz="1400" dirty="0">
+                <a:latin typeface="Calibri" panose="020F0502020204030204" pitchFamily="34" charset="0"/>
+                <a:cs typeface="Calibri" panose="020F0502020204030204" pitchFamily="34" charset="0"/>
+              </a:rPr>
+              <a:t>The above calculation gives the probability of a headache in the case of known brain tumors to be 0:913. This conditional probability is an edge distribution, which is obtained by removing a conditional HO from the joint conditional probability distribution (H0, BT→HA).</a:t>
+            </a:r>
+          </a:p>
+        </p:txBody>
+      </p:sp>
+      <mc:AlternateContent xmlns:mc="http://schemas.openxmlformats.org/markup-compatibility/2006">
+        <mc:Choice xmlns:a14="http://schemas.microsoft.com/office/drawing/2010/main" Requires="a14">
+          <p:sp>
+            <p:nvSpPr>
+              <p:cNvPr id="9" name="文本框 8"/>
+              <p:cNvSpPr txBox="1"/>
+              <p:nvPr/>
+            </p:nvSpPr>
+            <p:spPr>
+              <a:xfrm>
+                <a:off x="112776" y="4012626"/>
+                <a:ext cx="8752234" cy="931986"/>
+              </a:xfrm>
+              <a:prstGeom prst="rect">
+                <a:avLst/>
+              </a:prstGeom>
+              <a:noFill/>
+            </p:spPr>
+            <p:txBody>
+              <a:bodyPr wrap="square" rtlCol="0">
+                <a:spAutoFit/>
+              </a:bodyPr>
+              <a:lstStyle/>
+              <a:p>
+                <a:r>
+                  <a:rPr lang="en-US" altLang="zh-CN" sz="1600" dirty="0" smtClean="0">
+                    <a:latin typeface="Calibri"/>
+                    <a:cs typeface="Calibri"/>
+                  </a:rPr>
+                  <a:t>Finally:</a:t>
+                </a:r>
+              </a:p>
+              <a:p>
+                <a:pPr algn="ctr"/>
+                <a14:m>
+                  <m:oMathPara xmlns:m="http://schemas.openxmlformats.org/officeDocument/2006/math">
+                    <m:oMathParaPr>
+                      <m:jc m:val="centerGroup"/>
+                    </m:oMathParaPr>
+                    <m:oMath xmlns:m="http://schemas.openxmlformats.org/officeDocument/2006/math">
+                      <m:r>
+                        <a:rPr lang="en-US" altLang="zh-CN" b="0" i="1" smtClean="0">
+                          <a:latin typeface="Cambria Math" panose="02040503050406030204" pitchFamily="18" charset="0"/>
+                          <a:cs typeface="Calibri"/>
+                        </a:rPr>
+                        <m:t>𝑃</m:t>
+                      </m:r>
+                      <m:d>
+                        <m:dPr>
+                          <m:ctrlPr>
+                            <a:rPr lang="en-US" altLang="zh-CN" b="0" i="1" smtClean="0">
+                              <a:latin typeface="Cambria Math" panose="02040503050406030204" pitchFamily="18" charset="0"/>
+                              <a:cs typeface="Calibri"/>
+                            </a:rPr>
+                          </m:ctrlPr>
+                        </m:dPr>
+                        <m:e>
+                          <m:r>
+                            <a:rPr lang="en-US" altLang="zh-CN" b="0" i="1" smtClean="0">
+                              <a:latin typeface="Cambria Math" panose="02040503050406030204" pitchFamily="18" charset="0"/>
+                              <a:cs typeface="Calibri"/>
+                            </a:rPr>
+                            <m:t>+</m:t>
+                          </m:r>
+                          <m:r>
+                            <a:rPr lang="en-US" altLang="zh-CN" b="0" i="1" smtClean="0">
+                              <a:latin typeface="Cambria Math" panose="02040503050406030204" pitchFamily="18" charset="0"/>
+                              <a:cs typeface="Calibri"/>
+                            </a:rPr>
+                            <m:t>𝐵𝑇</m:t>
+                          </m:r>
+                        </m:e>
+                        <m:e>
+                          <m:r>
+                            <a:rPr lang="en-US" altLang="zh-CN" b="0" i="1" smtClean="0">
+                              <a:latin typeface="Cambria Math" panose="02040503050406030204" pitchFamily="18" charset="0"/>
+                              <a:cs typeface="Calibri"/>
+                            </a:rPr>
+                            <m:t>+</m:t>
+                          </m:r>
+                          <m:r>
+                            <a:rPr lang="en-US" altLang="zh-CN" b="0" i="1" smtClean="0">
+                              <a:latin typeface="Cambria Math" panose="02040503050406030204" pitchFamily="18" charset="0"/>
+                              <a:cs typeface="Calibri"/>
+                            </a:rPr>
+                            <m:t>𝐻𝐴</m:t>
+                          </m:r>
+                        </m:e>
+                      </m:d>
+                      <m:r>
+                        <a:rPr lang="en-US" altLang="zh-CN" b="0" i="1" smtClean="0">
+                          <a:latin typeface="Cambria Math" panose="02040503050406030204" pitchFamily="18" charset="0"/>
+                          <a:cs typeface="Calibri"/>
+                        </a:rPr>
+                        <m:t>=</m:t>
+                      </m:r>
+                      <m:f>
+                        <m:fPr>
+                          <m:ctrlPr>
+                            <a:rPr lang="en-US" altLang="zh-CN" b="0" i="1" smtClean="0">
+                              <a:latin typeface="Cambria Math" panose="02040503050406030204" pitchFamily="18" charset="0"/>
+                              <a:cs typeface="Calibri"/>
+                            </a:rPr>
+                          </m:ctrlPr>
+                        </m:fPr>
+                        <m:num>
+                          <m:r>
+                            <a:rPr lang="en-US" altLang="zh-CN" b="0" i="1" smtClean="0">
+                              <a:latin typeface="Cambria Math" panose="02040503050406030204" pitchFamily="18" charset="0"/>
+                              <a:cs typeface="Calibri"/>
+                            </a:rPr>
+                            <m:t>𝑃</m:t>
+                          </m:r>
+                          <m:r>
+                            <a:rPr lang="en-US" altLang="zh-CN" b="0" i="1" smtClean="0">
+                              <a:latin typeface="Cambria Math" panose="02040503050406030204" pitchFamily="18" charset="0"/>
+                              <a:cs typeface="Calibri"/>
+                            </a:rPr>
+                            <m:t>(+</m:t>
+                          </m:r>
+                          <m:r>
+                            <a:rPr lang="en-US" altLang="zh-CN" b="0" i="1" smtClean="0">
+                              <a:latin typeface="Cambria Math" panose="02040503050406030204" pitchFamily="18" charset="0"/>
+                              <a:cs typeface="Calibri"/>
+                            </a:rPr>
+                            <m:t>𝐻𝐴</m:t>
+                          </m:r>
+                          <m:r>
+                            <a:rPr lang="en-US" altLang="zh-CN" b="0" i="1" smtClean="0">
+                              <a:latin typeface="Cambria Math" panose="02040503050406030204" pitchFamily="18" charset="0"/>
+                              <a:cs typeface="Calibri"/>
+                            </a:rPr>
+                            <m:t>|+</m:t>
+                          </m:r>
+                          <m:r>
+                            <a:rPr lang="en-US" altLang="zh-CN" b="0" i="1" smtClean="0">
+                              <a:latin typeface="Cambria Math" panose="02040503050406030204" pitchFamily="18" charset="0"/>
+                              <a:cs typeface="Calibri"/>
+                            </a:rPr>
+                            <m:t>𝐵𝑇</m:t>
+                          </m:r>
+                          <m:r>
+                            <a:rPr lang="en-US" altLang="zh-CN" b="0" i="1" smtClean="0">
+                              <a:latin typeface="Cambria Math" panose="02040503050406030204" pitchFamily="18" charset="0"/>
+                              <a:cs typeface="Calibri"/>
+                            </a:rPr>
+                            <m:t>)</m:t>
+                          </m:r>
+                          <m:r>
+                            <a:rPr lang="en-US" altLang="zh-CN" b="0" i="1" smtClean="0">
+                              <a:latin typeface="Cambria Math" panose="02040503050406030204" pitchFamily="18" charset="0"/>
+                              <a:cs typeface="Calibri"/>
+                            </a:rPr>
+                            <m:t>𝑃</m:t>
+                          </m:r>
+                          <m:r>
+                            <a:rPr lang="en-US" altLang="zh-CN" b="0" i="1" smtClean="0">
+                              <a:latin typeface="Cambria Math" panose="02040503050406030204" pitchFamily="18" charset="0"/>
+                              <a:cs typeface="Calibri"/>
+                            </a:rPr>
+                            <m:t>(+</m:t>
+                          </m:r>
+                          <m:r>
+                            <a:rPr lang="en-US" altLang="zh-CN" b="0" i="1" smtClean="0">
+                              <a:latin typeface="Cambria Math" panose="02040503050406030204" pitchFamily="18" charset="0"/>
+                              <a:cs typeface="Calibri"/>
+                            </a:rPr>
+                            <m:t>𝐵𝑇</m:t>
+                          </m:r>
+                          <m:r>
+                            <a:rPr lang="en-US" altLang="zh-CN" b="0" i="1" smtClean="0">
+                              <a:latin typeface="Cambria Math" panose="02040503050406030204" pitchFamily="18" charset="0"/>
+                              <a:cs typeface="Calibri"/>
+                            </a:rPr>
+                            <m:t>)</m:t>
+                          </m:r>
+                        </m:num>
+                        <m:den>
+                          <m:r>
+                            <a:rPr lang="en-US" altLang="zh-CN" b="0" i="1" smtClean="0">
+                              <a:latin typeface="Cambria Math" panose="02040503050406030204" pitchFamily="18" charset="0"/>
+                              <a:cs typeface="Calibri"/>
+                            </a:rPr>
+                            <m:t>𝑃</m:t>
+                          </m:r>
+                          <m:r>
+                            <a:rPr lang="en-US" altLang="zh-CN" b="0" i="1" smtClean="0">
+                              <a:latin typeface="Cambria Math" panose="02040503050406030204" pitchFamily="18" charset="0"/>
+                              <a:cs typeface="Calibri"/>
+                            </a:rPr>
+                            <m:t>(+</m:t>
+                          </m:r>
+                          <m:r>
+                            <a:rPr lang="en-US" altLang="zh-CN" b="0" i="1" smtClean="0">
+                              <a:latin typeface="Cambria Math" panose="02040503050406030204" pitchFamily="18" charset="0"/>
+                              <a:cs typeface="Calibri"/>
+                            </a:rPr>
+                            <m:t>𝐻𝐴</m:t>
+                          </m:r>
+                          <m:r>
+                            <a:rPr lang="en-US" altLang="zh-CN" b="0" i="1" smtClean="0">
+                              <a:latin typeface="Cambria Math" panose="02040503050406030204" pitchFamily="18" charset="0"/>
+                              <a:cs typeface="Calibri"/>
+                            </a:rPr>
+                            <m:t>)</m:t>
+                          </m:r>
+                        </m:den>
+                      </m:f>
+                      <m:r>
+                        <a:rPr lang="en-US" altLang="zh-CN" b="0" i="1" smtClean="0">
+                          <a:latin typeface="Cambria Math" panose="02040503050406030204" pitchFamily="18" charset="0"/>
+                          <a:cs typeface="Calibri"/>
+                        </a:rPr>
+                        <m:t>=</m:t>
+                      </m:r>
+                      <m:f>
+                        <m:fPr>
+                          <m:ctrlPr>
+                            <a:rPr lang="en-US" altLang="zh-CN" b="0" i="1" smtClean="0">
+                              <a:latin typeface="Cambria Math" panose="02040503050406030204" pitchFamily="18" charset="0"/>
+                              <a:cs typeface="Calibri"/>
+                            </a:rPr>
+                          </m:ctrlPr>
+                        </m:fPr>
+                        <m:num>
+                          <m:r>
+                            <a:rPr lang="en-US" altLang="zh-CN" b="0" i="1" smtClean="0">
+                              <a:latin typeface="Cambria Math" panose="02040503050406030204" pitchFamily="18" charset="0"/>
+                              <a:cs typeface="Calibri"/>
+                            </a:rPr>
+                            <m:t>0.9126</m:t>
+                          </m:r>
+                          <m:r>
+                            <a:rPr lang="en-US" altLang="zh-CN" b="0" i="1" smtClean="0">
+                              <a:latin typeface="Cambria Math" panose="02040503050406030204" pitchFamily="18" charset="0"/>
+                              <a:cs typeface="Calibri"/>
+                            </a:rPr>
+                            <m:t>×0.001</m:t>
+                          </m:r>
+                        </m:num>
+                        <m:den>
+                          <m:r>
+                            <a:rPr lang="en-US" altLang="zh-CN" b="0" i="1" smtClean="0">
+                              <a:latin typeface="Cambria Math" panose="02040503050406030204" pitchFamily="18" charset="0"/>
+                              <a:cs typeface="Calibri"/>
+                            </a:rPr>
+                            <m:t>0.116</m:t>
+                          </m:r>
+                        </m:den>
+                      </m:f>
+                      <m:r>
+                        <a:rPr lang="en-US" altLang="zh-CN" b="0" i="1" smtClean="0">
+                          <a:latin typeface="Cambria Math" panose="02040503050406030204" pitchFamily="18" charset="0"/>
+                          <a:cs typeface="Calibri"/>
+                        </a:rPr>
+                        <m:t>≈0.007867</m:t>
+                      </m:r>
+                    </m:oMath>
+                  </m:oMathPara>
+                </a14:m>
+                <a:endParaRPr lang="zh-CN" altLang="en-US" dirty="0" err="1" smtClean="0">
+                  <a:latin typeface="Calibri"/>
+                  <a:cs typeface="Calibri"/>
+                </a:endParaRPr>
+              </a:p>
+            </p:txBody>
+          </p:sp>
+        </mc:Choice>
+        <mc:Fallback>
+          <p:sp>
+            <p:nvSpPr>
+              <p:cNvPr id="9" name="文本框 8"/>
+              <p:cNvSpPr txBox="1">
+                <a:spLocks noRot="1" noChangeAspect="1" noMove="1" noResize="1" noEditPoints="1" noAdjustHandles="1" noChangeArrowheads="1" noChangeShapeType="1" noTextEdit="1"/>
+              </p:cNvSpPr>
+              <p:nvPr/>
+            </p:nvSpPr>
+            <p:spPr>
+              <a:xfrm>
+                <a:off x="112776" y="4012626"/>
+                <a:ext cx="8752234" cy="931986"/>
+              </a:xfrm>
+              <a:prstGeom prst="rect">
+                <a:avLst/>
+              </a:prstGeom>
+              <a:blipFill>
+                <a:blip r:embed="rId6"/>
+                <a:stretch>
+                  <a:fillRect l="-418" t="-1961"/>
+                </a:stretch>
+              </a:blipFill>
+            </p:spPr>
+            <p:txBody>
+              <a:bodyPr/>
+              <a:lstStyle/>
+              <a:p>
+                <a:r>
+                  <a:rPr lang="zh-CN" altLang="en-US">
+                    <a:noFill/>
+                  </a:rPr>
+                  <a:t> </a:t>
+                </a:r>
+              </a:p>
+            </p:txBody>
+          </p:sp>
+        </mc:Fallback>
+      </mc:AlternateContent>
+    </p:spTree>
+    <p:extLst>
+      <p:ext uri="{BB962C8B-B14F-4D97-AF65-F5344CB8AC3E}">
+        <p14:creationId xmlns:p14="http://schemas.microsoft.com/office/powerpoint/2010/main" val="2798274684"/>
+      </p:ext>
+    </p:extLst>
+  </p:cSld>
+  <p:clrMapOvr>
+    <a:masterClrMapping/>
+  </p:clrMapOvr>
+  <p:timing>
+    <p:tnLst>
+      <p:par>
+        <p:cTn id="1" dur="indefinite" restart="never" nodeType="tmRoot">
+          <p:childTnLst>
+            <p:seq concurrent="1" nextAc="seek">
+              <p:cTn id="2" dur="indefinite" nodeType="mainSeq">
+                <p:childTnLst>
+                  <p:par>
+                    <p:cTn id="3" fill="hold">
+                      <p:stCondLst>
+                        <p:cond delay="indefinite"/>
+                      </p:stCondLst>
+                      <p:childTnLst>
+                        <p:par>
+                          <p:cTn id="4" fill="hold">
+                            <p:stCondLst>
+                              <p:cond delay="0"/>
+                            </p:stCondLst>
+                            <p:childTnLst>
+                              <p:par>
+                                <p:cTn id="5" presetID="1" presetClass="entr" presetSubtype="0" fill="hold" grpId="0" nodeType="clickEffect">
+                                  <p:stCondLst>
+                                    <p:cond delay="0"/>
+                                  </p:stCondLst>
+                                  <p:childTnLst>
+                                    <p:set>
+                                      <p:cBhvr>
+                                        <p:cTn id="6" dur="1" fill="hold">
+                                          <p:stCondLst>
+                                            <p:cond delay="0"/>
+                                          </p:stCondLst>
+                                        </p:cTn>
+                                        <p:tgtEl>
+                                          <p:spTgt spid="6"/>
+                                        </p:tgtEl>
+                                        <p:attrNameLst>
+                                          <p:attrName>style.visibility</p:attrName>
+                                        </p:attrNameLst>
+                                      </p:cBhvr>
+                                      <p:to>
+                                        <p:strVal val="visible"/>
+                                      </p:to>
+                                    </p:set>
+                                  </p:childTnLst>
+                                </p:cTn>
+                              </p:par>
+                            </p:childTnLst>
+                          </p:cTn>
+                        </p:par>
+                      </p:childTnLst>
+                    </p:cTn>
+                  </p:par>
+                  <p:par>
+                    <p:cTn id="7" fill="hold">
+                      <p:stCondLst>
+                        <p:cond delay="indefinite"/>
+                      </p:stCondLst>
+                      <p:childTnLst>
+                        <p:par>
+                          <p:cTn id="8" fill="hold">
+                            <p:stCondLst>
+                              <p:cond delay="0"/>
+                            </p:stCondLst>
+                            <p:childTnLst>
+                              <p:par>
+                                <p:cTn id="9" presetID="1" presetClass="entr" presetSubtype="0" fill="hold" grpId="0" nodeType="clickEffect">
+                                  <p:stCondLst>
+                                    <p:cond delay="0"/>
+                                  </p:stCondLst>
+                                  <p:childTnLst>
+                                    <p:set>
+                                      <p:cBhvr>
+                                        <p:cTn id="10" dur="1" fill="hold">
+                                          <p:stCondLst>
+                                            <p:cond delay="0"/>
+                                          </p:stCondLst>
+                                        </p:cTn>
+                                        <p:tgtEl>
+                                          <p:spTgt spid="3"/>
+                                        </p:tgtEl>
+                                        <p:attrNameLst>
+                                          <p:attrName>style.visibility</p:attrName>
+                                        </p:attrNameLst>
+                                      </p:cBhvr>
+                                      <p:to>
+                                        <p:strVal val="visible"/>
+                                      </p:to>
+                                    </p:set>
+                                  </p:childTnLst>
+                                </p:cTn>
+                              </p:par>
+                            </p:childTnLst>
+                          </p:cTn>
+                        </p:par>
+                      </p:childTnLst>
+                    </p:cTn>
+                  </p:par>
+                  <p:par>
+                    <p:cTn id="11" fill="hold">
+                      <p:stCondLst>
+                        <p:cond delay="indefinite"/>
+                      </p:stCondLst>
+                      <p:childTnLst>
+                        <p:par>
+                          <p:cTn id="12" fill="hold">
+                            <p:stCondLst>
+                              <p:cond delay="0"/>
+                            </p:stCondLst>
+                            <p:childTnLst>
+                              <p:par>
+                                <p:cTn id="13" presetID="1" presetClass="entr" presetSubtype="0" fill="hold" grpId="0" nodeType="clickEffect">
+                                  <p:stCondLst>
+                                    <p:cond delay="0"/>
+                                  </p:stCondLst>
+                                  <p:childTnLst>
+                                    <p:set>
+                                      <p:cBhvr>
+                                        <p:cTn id="14" dur="1" fill="hold">
+                                          <p:stCondLst>
+                                            <p:cond delay="0"/>
+                                          </p:stCondLst>
+                                        </p:cTn>
+                                        <p:tgtEl>
+                                          <p:spTgt spid="4"/>
+                                        </p:tgtEl>
+                                        <p:attrNameLst>
+                                          <p:attrName>style.visibility</p:attrName>
+                                        </p:attrNameLst>
+                                      </p:cBhvr>
+                                      <p:to>
+                                        <p:strVal val="visible"/>
+                                      </p:to>
+                                    </p:set>
+                                  </p:childTnLst>
+                                </p:cTn>
+                              </p:par>
+                            </p:childTnLst>
+                          </p:cTn>
+                        </p:par>
+                      </p:childTnLst>
+                    </p:cTn>
+                  </p:par>
+                  <p:par>
+                    <p:cTn id="15" fill="hold">
+                      <p:stCondLst>
+                        <p:cond delay="indefinite"/>
+                      </p:stCondLst>
+                      <p:childTnLst>
+                        <p:par>
+                          <p:cTn id="16" fill="hold">
+                            <p:stCondLst>
+                              <p:cond delay="0"/>
+                            </p:stCondLst>
+                            <p:childTnLst>
+                              <p:par>
+                                <p:cTn id="17" presetID="1" presetClass="entr" presetSubtype="0" fill="hold" grpId="0" nodeType="clickEffect">
+                                  <p:stCondLst>
+                                    <p:cond delay="0"/>
+                                  </p:stCondLst>
+                                  <p:childTnLst>
+                                    <p:set>
+                                      <p:cBhvr>
+                                        <p:cTn id="18" dur="1" fill="hold">
+                                          <p:stCondLst>
+                                            <p:cond delay="0"/>
+                                          </p:stCondLst>
+                                        </p:cTn>
+                                        <p:tgtEl>
+                                          <p:spTgt spid="9"/>
+                                        </p:tgtEl>
+                                        <p:attrNameLst>
+                                          <p:attrName>style.visibility</p:attrName>
+                                        </p:attrNameLst>
+                                      </p:cBhvr>
+                                      <p:to>
+                                        <p:strVal val="visible"/>
+                                      </p:to>
+                                    </p:set>
+                                  </p:childTnLst>
+                                </p:cTn>
+                              </p:par>
+                            </p:childTnLst>
+                          </p:cTn>
+                        </p:par>
+                      </p:childTnLst>
+                    </p:cTn>
+                  </p:par>
+                </p:childTnLst>
+              </p:cTn>
+              <p:prevCondLst>
+                <p:cond evt="onPrev" delay="0">
+                  <p:tgtEl>
+                    <p:sldTgt/>
+                  </p:tgtEl>
+                </p:cond>
+              </p:prevCondLst>
+              <p:nextCondLst>
+                <p:cond evt="onNext" delay="0">
+                  <p:tgtEl>
+                    <p:sldTgt/>
+                  </p:tgtEl>
+                </p:cond>
+              </p:nextCondLst>
+            </p:seq>
+          </p:childTnLst>
+        </p:cTn>
+      </p:par>
+    </p:tnLst>
+    <p:bldLst>
+      <p:bldP spid="6" grpId="0"/>
+      <p:bldP spid="3" grpId="0"/>
+      <p:bldP spid="4" grpId="0"/>
+      <p:bldP spid="9" grpId="0"/>
+    </p:bldLst>
+  </p:timing>
+</p:sld>
+</file>
+
+<file path=ppt/slides/slide11.xml><?xml version="1.0" encoding="utf-8"?>
+<p:sld xmlns:a="http://schemas.openxmlformats.org/drawingml/2006/main" xmlns:r="http://schemas.openxmlformats.org/officeDocument/2006/relationships" xmlns:p="http://schemas.openxmlformats.org/presentationml/2006/main">
+  <p:cSld>
+    <p:spTree>
+      <p:nvGrpSpPr>
+        <p:cNvPr id="1" name=""/>
+        <p:cNvGrpSpPr/>
+        <p:nvPr/>
+      </p:nvGrpSpPr>
+      <p:grpSpPr>
+        <a:xfrm>
+          <a:off x="0" y="0"/>
+          <a:ext cx="0" cy="0"/>
+          <a:chOff x="0" y="0"/>
+          <a:chExt cx="0" cy="0"/>
+        </a:xfrm>
+      </p:grpSpPr>
+      <p:sp>
+        <p:nvSpPr>
+          <p:cNvPr id="5124" name="Text Box 7"/>
+          <p:cNvSpPr txBox="1">
+            <a:spLocks noChangeArrowheads="1"/>
+          </p:cNvSpPr>
+          <p:nvPr/>
+        </p:nvSpPr>
+        <p:spPr bwMode="auto">
+          <a:xfrm>
+            <a:off x="1143000" y="4686301"/>
+            <a:ext cx="4400550" cy="346247"/>
+          </a:xfrm>
+          <a:prstGeom prst="rect">
+            <a:avLst/>
+          </a:prstGeom>
+          <a:noFill/>
+          <a:ln w="9525">
+            <a:noFill/>
+            <a:miter lim="800000"/>
+            <a:headEnd/>
+            <a:tailEnd/>
+          </a:ln>
+        </p:spPr>
+        <p:txBody>
+          <a:bodyPr lIns="68579" tIns="34289" rIns="68579" bIns="34289">
+            <a:spAutoFit/>
+          </a:bodyPr>
+          <a:lstStyle/>
+          <a:p>
+            <a:pPr>
+              <a:spcBef>
+                <a:spcPct val="50000"/>
+              </a:spcBef>
+            </a:pPr>
+            <a:endParaRPr lang="en-US"/>
+          </a:p>
+        </p:txBody>
+      </p:sp>
+      <p:sp>
+        <p:nvSpPr>
+          <p:cNvPr id="12" name="Title 4"/>
+          <p:cNvSpPr txBox="1">
+            <a:spLocks/>
+          </p:cNvSpPr>
+          <p:nvPr/>
+        </p:nvSpPr>
+        <p:spPr bwMode="auto">
+          <a:xfrm>
+            <a:off x="0" y="-19050"/>
+            <a:ext cx="9144000" cy="533400"/>
+          </a:xfrm>
+          <a:prstGeom prst="rect">
+            <a:avLst/>
+          </a:prstGeom>
+          <a:gradFill flip="none" rotWithShape="1">
+            <a:gsLst>
+              <a:gs pos="4000">
+                <a:srgbClr val="5E9EFF"/>
+              </a:gs>
+              <a:gs pos="39999">
+                <a:srgbClr val="85C2FF"/>
+              </a:gs>
+              <a:gs pos="70000">
+                <a:srgbClr val="C4D6EB"/>
+              </a:gs>
+              <a:gs pos="100000">
+                <a:srgbClr val="FFEBFA"/>
+              </a:gs>
+            </a:gsLst>
+            <a:lin ang="4200000" scaled="0"/>
+            <a:tileRect/>
+          </a:gradFill>
+          <a:ln w="9525">
+            <a:noFill/>
+            <a:miter lim="800000"/>
+            <a:headEnd/>
+            <a:tailEnd/>
+          </a:ln>
+        </p:spPr>
+        <p:txBody>
+          <a:bodyPr vert="horz" wrap="square" lIns="68579" tIns="34289" rIns="68579" bIns="34289" numCol="1" anchor="ctr" anchorCtr="0" compatLnSpc="1">
+            <a:prstTxWarp prst="textNoShape">
+              <a:avLst/>
+            </a:prstTxWarp>
+            <a:noAutofit/>
+          </a:bodyPr>
+          <a:lstStyle>
+            <a:lvl1pPr algn="ctr" rtl="0" eaLnBrk="0" fontAlgn="base" hangingPunct="0">
+              <a:spcBef>
+                <a:spcPct val="0"/>
+              </a:spcBef>
+              <a:spcAft>
+                <a:spcPct val="0"/>
+              </a:spcAft>
+              <a:defRPr sz="3300">
+                <a:solidFill>
+                  <a:schemeClr val="accent2"/>
+                </a:solidFill>
+                <a:latin typeface="Calibri" pitchFamily="34" charset="0"/>
+                <a:ea typeface="+mj-ea"/>
+                <a:cs typeface="+mj-cs"/>
+              </a:defRPr>
+            </a:lvl1pPr>
+            <a:lvl2pPr algn="ctr" rtl="0" eaLnBrk="0" fontAlgn="base" hangingPunct="0">
+              <a:spcBef>
+                <a:spcPct val="0"/>
+              </a:spcBef>
+              <a:spcAft>
+                <a:spcPct val="0"/>
+              </a:spcAft>
+              <a:defRPr sz="3300">
+                <a:solidFill>
+                  <a:schemeClr val="tx2"/>
+                </a:solidFill>
+                <a:latin typeface="Arial" charset="0"/>
+              </a:defRPr>
+            </a:lvl2pPr>
+            <a:lvl3pPr algn="ctr" rtl="0" eaLnBrk="0" fontAlgn="base" hangingPunct="0">
+              <a:spcBef>
+                <a:spcPct val="0"/>
+              </a:spcBef>
+              <a:spcAft>
+                <a:spcPct val="0"/>
+              </a:spcAft>
+              <a:defRPr sz="3300">
+                <a:solidFill>
+                  <a:schemeClr val="tx2"/>
+                </a:solidFill>
+                <a:latin typeface="Arial" charset="0"/>
+              </a:defRPr>
+            </a:lvl3pPr>
+            <a:lvl4pPr algn="ctr" rtl="0" eaLnBrk="0" fontAlgn="base" hangingPunct="0">
+              <a:spcBef>
+                <a:spcPct val="0"/>
+              </a:spcBef>
+              <a:spcAft>
+                <a:spcPct val="0"/>
+              </a:spcAft>
+              <a:defRPr sz="3300">
+                <a:solidFill>
+                  <a:schemeClr val="tx2"/>
+                </a:solidFill>
+                <a:latin typeface="Arial" charset="0"/>
+              </a:defRPr>
+            </a:lvl4pPr>
+            <a:lvl5pPr algn="ctr" rtl="0" eaLnBrk="0" fontAlgn="base" hangingPunct="0">
+              <a:spcBef>
+                <a:spcPct val="0"/>
+              </a:spcBef>
+              <a:spcAft>
+                <a:spcPct val="0"/>
+              </a:spcAft>
+              <a:defRPr sz="3300">
+                <a:solidFill>
+                  <a:schemeClr val="tx2"/>
+                </a:solidFill>
+                <a:latin typeface="Arial" charset="0"/>
+              </a:defRPr>
+            </a:lvl5pPr>
+            <a:lvl6pPr marL="342892" algn="ctr" rtl="0" fontAlgn="base">
+              <a:spcBef>
+                <a:spcPct val="0"/>
+              </a:spcBef>
+              <a:spcAft>
+                <a:spcPct val="0"/>
+              </a:spcAft>
+              <a:defRPr sz="3300">
+                <a:solidFill>
+                  <a:schemeClr val="tx2"/>
+                </a:solidFill>
+                <a:latin typeface="Arial" charset="0"/>
+              </a:defRPr>
+            </a:lvl6pPr>
+            <a:lvl7pPr marL="685783" algn="ctr" rtl="0" fontAlgn="base">
+              <a:spcBef>
+                <a:spcPct val="0"/>
+              </a:spcBef>
+              <a:spcAft>
+                <a:spcPct val="0"/>
+              </a:spcAft>
+              <a:defRPr sz="3300">
+                <a:solidFill>
+                  <a:schemeClr val="tx2"/>
+                </a:solidFill>
+                <a:latin typeface="Arial" charset="0"/>
+              </a:defRPr>
+            </a:lvl7pPr>
+            <a:lvl8pPr marL="1028675" algn="ctr" rtl="0" fontAlgn="base">
+              <a:spcBef>
+                <a:spcPct val="0"/>
+              </a:spcBef>
+              <a:spcAft>
+                <a:spcPct val="0"/>
+              </a:spcAft>
+              <a:defRPr sz="3300">
+                <a:solidFill>
+                  <a:schemeClr val="tx2"/>
+                </a:solidFill>
+                <a:latin typeface="Arial" charset="0"/>
+              </a:defRPr>
+            </a:lvl8pPr>
+            <a:lvl9pPr marL="1371566" algn="ctr" rtl="0" fontAlgn="base">
+              <a:spcBef>
+                <a:spcPct val="0"/>
+              </a:spcBef>
+              <a:spcAft>
+                <a:spcPct val="0"/>
+              </a:spcAft>
+              <a:defRPr sz="3300">
+                <a:solidFill>
+                  <a:schemeClr val="tx2"/>
+                </a:solidFill>
+                <a:latin typeface="Arial" charset="0"/>
+              </a:defRPr>
+            </a:lvl9pPr>
+          </a:lstStyle>
+          <a:p>
+            <a:r>
+              <a:rPr lang="en-US" altLang="zh-CN" sz="3600" b="1" kern="0" dirty="0" smtClean="0"/>
+              <a:t>Course Textbook</a:t>
+            </a:r>
+            <a:endParaRPr lang="zh-CN" altLang="en-US" sz="3600" b="1" kern="0" dirty="0"/>
+          </a:p>
+        </p:txBody>
+      </p:sp>
+      <p:sp>
+        <p:nvSpPr>
+          <p:cNvPr id="4" name="文本框 3"/>
+          <p:cNvSpPr txBox="1"/>
+          <p:nvPr/>
+        </p:nvSpPr>
+        <p:spPr>
+          <a:xfrm>
+            <a:off x="27432" y="522732"/>
+            <a:ext cx="9040368" cy="1354217"/>
+          </a:xfrm>
+          <a:prstGeom prst="rect">
+            <a:avLst/>
+          </a:prstGeom>
+          <a:noFill/>
+        </p:spPr>
+        <p:txBody>
+          <a:bodyPr wrap="square" rtlCol="0">
+            <a:spAutoFit/>
+          </a:bodyPr>
+          <a:lstStyle/>
+          <a:p>
+            <a:r>
+              <a:rPr lang="en-US" altLang="zh-CN" b="1" dirty="0">
+                <a:solidFill>
+                  <a:srgbClr val="0070C0"/>
+                </a:solidFill>
+                <a:latin typeface="Calibri"/>
+                <a:cs typeface="Calibri"/>
+              </a:rPr>
+              <a:t>Bayesian network </a:t>
+            </a:r>
+            <a:r>
+              <a:rPr lang="en-US" altLang="zh-CN" b="1" dirty="0">
+                <a:solidFill>
+                  <a:srgbClr val="0070C0"/>
+                </a:solidFill>
+                <a:latin typeface="Calibri"/>
+                <a:cs typeface="Calibri"/>
+              </a:rPr>
+              <a:t>diagnosis </a:t>
+            </a:r>
+            <a:r>
+              <a:rPr lang="en-US" altLang="zh-CN" b="1" dirty="0">
+                <a:solidFill>
+                  <a:srgbClr val="0070C0"/>
+                </a:solidFill>
+                <a:latin typeface="Calibri"/>
+                <a:cs typeface="Calibri"/>
+              </a:rPr>
+              <a:t>algorithm steps</a:t>
+            </a:r>
+            <a:r>
+              <a:rPr lang="en-US" altLang="zh-CN" b="1" dirty="0" smtClean="0">
+                <a:solidFill>
+                  <a:srgbClr val="0070C0"/>
+                </a:solidFill>
+                <a:latin typeface="Calibri"/>
+                <a:cs typeface="Calibri"/>
+              </a:rPr>
+              <a:t>:</a:t>
+            </a:r>
+          </a:p>
+          <a:p>
+            <a:r>
+              <a:rPr lang="en-US" altLang="zh-CN" sz="1600" b="1" dirty="0" smtClean="0">
+                <a:latin typeface="Calibri"/>
+                <a:cs typeface="Calibri"/>
+              </a:rPr>
+              <a:t>Input</a:t>
+            </a:r>
+            <a:r>
+              <a:rPr lang="zh-CN" altLang="en-US" sz="1600" dirty="0" smtClean="0">
+                <a:latin typeface="Calibri"/>
+                <a:cs typeface="Calibri"/>
+              </a:rPr>
+              <a:t>：</a:t>
+            </a:r>
+            <a:r>
+              <a:rPr lang="en-US" altLang="zh-CN" sz="1600" dirty="0" smtClean="0">
+                <a:latin typeface="Calibri"/>
+                <a:cs typeface="Calibri"/>
+              </a:rPr>
+              <a:t>A given</a:t>
+            </a:r>
+            <a:r>
+              <a:rPr lang="en-US" altLang="zh-CN" sz="1600" dirty="0">
+                <a:latin typeface="Calibri"/>
+                <a:cs typeface="Calibri"/>
+              </a:rPr>
+              <a:t> </a:t>
+            </a:r>
+            <a:r>
+              <a:rPr lang="en-US" altLang="zh-CN" sz="1600" dirty="0" smtClean="0">
+                <a:latin typeface="Calibri"/>
+                <a:cs typeface="Calibri"/>
+              </a:rPr>
+              <a:t>Bayesian-Net </a:t>
+            </a:r>
+            <a:r>
+              <a:rPr lang="en-US" altLang="zh-CN" sz="1600" b="1" i="1" dirty="0" smtClean="0">
+                <a:solidFill>
+                  <a:srgbClr val="7030A0"/>
+                </a:solidFill>
+                <a:latin typeface="Calibri"/>
+                <a:cs typeface="Calibri"/>
+              </a:rPr>
+              <a:t>B</a:t>
+            </a:r>
+            <a:r>
+              <a:rPr lang="en-US" altLang="zh-CN" sz="1600" dirty="0" smtClean="0">
+                <a:latin typeface="Calibri"/>
+                <a:cs typeface="Calibri"/>
+              </a:rPr>
+              <a:t>(including </a:t>
+            </a:r>
+            <a:r>
+              <a:rPr lang="en-US" altLang="zh-CN" sz="1600" b="1" i="1" dirty="0" smtClean="0">
+                <a:solidFill>
+                  <a:srgbClr val="7030A0"/>
+                </a:solidFill>
+                <a:latin typeface="Calibri"/>
+                <a:cs typeface="Calibri"/>
+              </a:rPr>
+              <a:t>N</a:t>
+            </a:r>
+            <a:r>
+              <a:rPr lang="en-US" altLang="zh-CN" sz="1600" dirty="0" smtClean="0">
+                <a:latin typeface="Calibri"/>
+                <a:cs typeface="Calibri"/>
+              </a:rPr>
+              <a:t> nodes and conditional/joint conditional probability between </a:t>
+            </a:r>
+            <a:r>
+              <a:rPr lang="en-US" altLang="zh-CN" sz="1600" dirty="0">
+                <a:latin typeface="Calibri"/>
+                <a:cs typeface="Calibri"/>
+              </a:rPr>
+              <a:t>nodes), </a:t>
+            </a:r>
+            <a:r>
+              <a:rPr lang="en-US" altLang="zh-CN" sz="1600" dirty="0" smtClean="0">
+                <a:latin typeface="Calibri"/>
+                <a:cs typeface="Calibri"/>
+              </a:rPr>
+              <a:t>given </a:t>
+            </a:r>
+            <a:r>
+              <a:rPr lang="en-US" altLang="zh-CN" sz="1600" dirty="0">
+                <a:latin typeface="Calibri"/>
+                <a:cs typeface="Calibri"/>
+              </a:rPr>
+              <a:t>a fact vector </a:t>
+            </a:r>
+            <a:r>
+              <a:rPr lang="en-US" altLang="zh-CN" sz="1600" b="1" dirty="0">
+                <a:solidFill>
+                  <a:srgbClr val="7030A0"/>
+                </a:solidFill>
+                <a:latin typeface="Calibri"/>
+                <a:cs typeface="Calibri"/>
+              </a:rPr>
+              <a:t>E</a:t>
+            </a:r>
+            <a:r>
+              <a:rPr lang="en-US" altLang="zh-CN" sz="1600" dirty="0">
+                <a:latin typeface="Calibri"/>
+                <a:cs typeface="Calibri"/>
+              </a:rPr>
+              <a:t> (or an evidence vector) for the occurrence or absence of a </a:t>
+            </a:r>
+            <a:r>
+              <a:rPr lang="en-US" altLang="zh-CN" sz="1600" dirty="0" smtClean="0">
+                <a:latin typeface="Calibri"/>
+                <a:cs typeface="Calibri"/>
+              </a:rPr>
+              <a:t>result </a:t>
+            </a:r>
+            <a:r>
+              <a:rPr lang="en-US" altLang="zh-CN" sz="1600" dirty="0">
+                <a:latin typeface="Calibri"/>
+                <a:cs typeface="Calibri"/>
+              </a:rPr>
+              <a:t>node, given a certain node </a:t>
+            </a:r>
+            <a:r>
+              <a:rPr lang="en-US" altLang="zh-CN" sz="1600" b="1" dirty="0">
+                <a:solidFill>
+                  <a:srgbClr val="7030A0"/>
+                </a:solidFill>
+                <a:latin typeface="Cambria Math" panose="02040503050406030204" pitchFamily="18" charset="0"/>
+                <a:ea typeface="Cambria Math" panose="02040503050406030204" pitchFamily="18" charset="0"/>
+                <a:cs typeface="Calibri"/>
+              </a:rPr>
+              <a:t>v</a:t>
+            </a:r>
+            <a:r>
+              <a:rPr lang="en-US" altLang="zh-CN" sz="1600" dirty="0">
+                <a:latin typeface="Calibri"/>
+                <a:cs typeface="Calibri"/>
+              </a:rPr>
+              <a:t> to be </a:t>
+            </a:r>
+            <a:r>
+              <a:rPr lang="en-US" altLang="zh-CN" sz="1600" dirty="0">
+                <a:latin typeface="Calibri"/>
+                <a:cs typeface="Calibri"/>
+              </a:rPr>
+              <a:t>diagnosed..</a:t>
+            </a:r>
+            <a:endParaRPr lang="en-US" altLang="zh-CN" sz="1600" dirty="0" smtClean="0">
+              <a:latin typeface="Calibri"/>
+              <a:cs typeface="Calibri"/>
+            </a:endParaRPr>
+          </a:p>
+          <a:p>
+            <a:r>
+              <a:rPr lang="en-US" altLang="zh-CN" sz="1600" b="1" dirty="0" smtClean="0">
+                <a:latin typeface="Calibri"/>
+                <a:cs typeface="Calibri"/>
+              </a:rPr>
+              <a:t>Output</a:t>
+            </a:r>
+            <a:r>
+              <a:rPr lang="zh-CN" altLang="en-US" sz="1600" b="1" dirty="0" smtClean="0">
+                <a:latin typeface="Calibri"/>
+                <a:cs typeface="Calibri"/>
+              </a:rPr>
+              <a:t>：</a:t>
+            </a:r>
+            <a:r>
+              <a:rPr lang="en-US" altLang="zh-CN" sz="1600" dirty="0">
+                <a:latin typeface="Calibri"/>
+                <a:cs typeface="Calibri"/>
+              </a:rPr>
+              <a:t>The probability of occurrence of node </a:t>
+            </a:r>
+            <a:r>
+              <a:rPr lang="en-US" altLang="zh-CN" sz="1600" b="1" dirty="0" smtClean="0">
+                <a:solidFill>
+                  <a:srgbClr val="7030A0"/>
+                </a:solidFill>
+                <a:latin typeface="Cambria Math" panose="02040503050406030204" pitchFamily="18" charset="0"/>
+                <a:ea typeface="Cambria Math" panose="02040503050406030204" pitchFamily="18" charset="0"/>
+                <a:cs typeface="Calibri"/>
+              </a:rPr>
+              <a:t>v</a:t>
+            </a:r>
+            <a:r>
+              <a:rPr lang="en-US" altLang="zh-CN" sz="1600" b="1" dirty="0" smtClean="0">
+                <a:latin typeface="Cambria Math" panose="02040503050406030204" pitchFamily="18" charset="0"/>
+                <a:ea typeface="Cambria Math" panose="02040503050406030204" pitchFamily="18" charset="0"/>
+                <a:cs typeface="Calibri"/>
+              </a:rPr>
+              <a:t>.</a:t>
+            </a:r>
+            <a:endParaRPr lang="en-US" altLang="zh-CN" sz="1600" b="1" dirty="0">
+              <a:latin typeface="Cambria Math" panose="02040503050406030204" pitchFamily="18" charset="0"/>
+              <a:ea typeface="Cambria Math" panose="02040503050406030204" pitchFamily="18" charset="0"/>
+              <a:cs typeface="Calibri"/>
+            </a:endParaRPr>
+          </a:p>
+        </p:txBody>
+      </p:sp>
+      <p:sp>
+        <p:nvSpPr>
+          <p:cNvPr id="5" name="圆角矩形 4"/>
+          <p:cNvSpPr/>
+          <p:nvPr/>
+        </p:nvSpPr>
+        <p:spPr>
+          <a:xfrm>
+            <a:off x="152400" y="1885331"/>
+            <a:ext cx="8763000" cy="3140359"/>
+          </a:xfrm>
+          <a:prstGeom prst="roundRect">
+            <a:avLst/>
+          </a:prstGeom>
+          <a:effectLst>
+            <a:innerShdw blurRad="63500" dist="50800" dir="13500000">
+              <a:prstClr val="black">
+                <a:alpha val="50000"/>
+              </a:prstClr>
+            </a:innerShdw>
+          </a:effectLst>
+        </p:spPr>
+        <p:style>
+          <a:lnRef idx="2">
+            <a:schemeClr val="accent1">
+              <a:shade val="50000"/>
+            </a:schemeClr>
+          </a:lnRef>
+          <a:fillRef idx="1">
+            <a:schemeClr val="accent1"/>
+          </a:fillRef>
+          <a:effectRef idx="0">
+            <a:schemeClr val="accent1"/>
+          </a:effectRef>
+          <a:fontRef idx="minor">
+            <a:schemeClr val="lt1"/>
+          </a:fontRef>
+        </p:style>
+        <p:txBody>
+          <a:bodyPr rtlCol="0" anchor="ctr"/>
+          <a:lstStyle/>
+          <a:p>
+            <a:pPr algn="ctr"/>
+            <a:endParaRPr lang="zh-CN" altLang="en-US" dirty="0"/>
+          </a:p>
+        </p:txBody>
+      </p:sp>
+      <p:sp>
+        <p:nvSpPr>
+          <p:cNvPr id="6" name="文本框 5"/>
+          <p:cNvSpPr txBox="1"/>
+          <p:nvPr/>
+        </p:nvSpPr>
+        <p:spPr>
+          <a:xfrm>
+            <a:off x="381000" y="2056983"/>
+            <a:ext cx="8229600" cy="2800767"/>
+          </a:xfrm>
+          <a:prstGeom prst="rect">
+            <a:avLst/>
+          </a:prstGeom>
+          <a:noFill/>
+        </p:spPr>
+        <p:txBody>
+          <a:bodyPr wrap="square" rtlCol="0">
+            <a:spAutoFit/>
+          </a:bodyPr>
+          <a:lstStyle/>
+          <a:p>
+            <a:pPr marL="342900" indent="-342900">
+              <a:buAutoNum type="arabicPeriod"/>
+            </a:pPr>
+            <a:r>
+              <a:rPr lang="en-US" altLang="zh-CN" sz="1600" dirty="0" smtClean="0">
+                <a:latin typeface="Calibri"/>
+                <a:cs typeface="Calibri"/>
+              </a:rPr>
+              <a:t>Enter </a:t>
+            </a:r>
+            <a:r>
+              <a:rPr lang="en-US" altLang="zh-CN" sz="1600" dirty="0">
+                <a:latin typeface="Calibri"/>
+                <a:cs typeface="Calibri"/>
+              </a:rPr>
+              <a:t>the evidence vector into </a:t>
+            </a:r>
+            <a:r>
+              <a:rPr lang="en-US" altLang="zh-CN" sz="1600" dirty="0" smtClean="0">
+                <a:latin typeface="Calibri"/>
+                <a:cs typeface="Calibri"/>
+              </a:rPr>
+              <a:t>Bayesian-Net </a:t>
+            </a:r>
+            <a:r>
+              <a:rPr lang="en-US" altLang="zh-CN" sz="1600" b="1" i="1" dirty="0">
+                <a:solidFill>
+                  <a:srgbClr val="7030A0"/>
+                </a:solidFill>
+                <a:latin typeface="Calibri"/>
+                <a:cs typeface="Calibri"/>
+              </a:rPr>
+              <a:t>B</a:t>
+            </a:r>
+            <a:r>
+              <a:rPr lang="en-US" altLang="zh-CN" sz="1600" dirty="0" smtClean="0">
+                <a:latin typeface="Calibri"/>
+                <a:cs typeface="Calibri"/>
+              </a:rPr>
+              <a:t>.</a:t>
+            </a:r>
+          </a:p>
+          <a:p>
+            <a:pPr marL="342900" indent="-342900">
+              <a:buAutoNum type="arabicPeriod"/>
+            </a:pPr>
+            <a:r>
+              <a:rPr lang="en-US" altLang="zh-CN" sz="1600" dirty="0">
+                <a:latin typeface="Calibri"/>
+                <a:cs typeface="Calibri"/>
+              </a:rPr>
+              <a:t>For each unprocessed node </a:t>
+            </a:r>
+            <a:r>
+              <a:rPr lang="en-US" altLang="zh-CN" sz="1600" b="1" i="1" dirty="0">
+                <a:solidFill>
+                  <a:srgbClr val="7030A0"/>
+                </a:solidFill>
+                <a:latin typeface="Calibri"/>
+                <a:cs typeface="Calibri"/>
+              </a:rPr>
+              <a:t>n</a:t>
+            </a:r>
+            <a:r>
+              <a:rPr lang="en-US" altLang="zh-CN" sz="1600" dirty="0">
+                <a:latin typeface="Calibri"/>
+                <a:cs typeface="Calibri"/>
+              </a:rPr>
+              <a:t> in </a:t>
+            </a:r>
+            <a:r>
+              <a:rPr lang="en-US" altLang="zh-CN" sz="1600" b="1" i="1" dirty="0">
+                <a:solidFill>
+                  <a:srgbClr val="7030A0"/>
+                </a:solidFill>
+                <a:latin typeface="Calibri"/>
+                <a:cs typeface="Calibri"/>
+              </a:rPr>
+              <a:t>B</a:t>
+            </a:r>
+            <a:r>
+              <a:rPr lang="en-US" altLang="zh-CN" sz="1600" dirty="0">
+                <a:latin typeface="Calibri"/>
+                <a:cs typeface="Calibri"/>
+              </a:rPr>
+              <a:t>, if it has the fact (evidence) that occurred, it is marked as having been processed; otherwise continue with the following steps</a:t>
+            </a:r>
+            <a:r>
+              <a:rPr lang="en-US" altLang="zh-CN" sz="1600" dirty="0" smtClean="0">
+                <a:latin typeface="Calibri"/>
+                <a:cs typeface="Calibri"/>
+              </a:rPr>
+              <a:t>.</a:t>
+            </a:r>
+          </a:p>
+          <a:p>
+            <a:pPr marL="342900" indent="-342900">
+              <a:buAutoNum type="arabicPeriod"/>
+            </a:pPr>
+            <a:r>
+              <a:rPr lang="en-US" altLang="zh-CN" sz="1600" dirty="0">
+                <a:latin typeface="Calibri"/>
+                <a:cs typeface="Calibri"/>
+              </a:rPr>
+              <a:t>If </a:t>
+            </a:r>
+            <a:r>
+              <a:rPr lang="en-US" altLang="zh-CN" sz="1600" dirty="0">
+                <a:solidFill>
+                  <a:srgbClr val="FF0000"/>
+                </a:solidFill>
+                <a:latin typeface="Calibri"/>
+                <a:cs typeface="Calibri"/>
+              </a:rPr>
+              <a:t>one of its </a:t>
+            </a:r>
+            <a:r>
+              <a:rPr lang="en-US" altLang="zh-CN" sz="1600" dirty="0" smtClean="0">
+                <a:solidFill>
+                  <a:srgbClr val="FF0000"/>
+                </a:solidFill>
+                <a:latin typeface="Calibri"/>
+                <a:cs typeface="Calibri"/>
+              </a:rPr>
+              <a:t>child </a:t>
+            </a:r>
+            <a:r>
+              <a:rPr lang="en-US" altLang="zh-CN" sz="1600" dirty="0">
+                <a:solidFill>
+                  <a:srgbClr val="FF0000"/>
+                </a:solidFill>
+                <a:latin typeface="Calibri"/>
+                <a:cs typeface="Calibri"/>
+              </a:rPr>
+              <a:t>nodes</a:t>
+            </a:r>
+            <a:r>
+              <a:rPr lang="en-US" altLang="zh-CN" sz="1600" dirty="0">
+                <a:latin typeface="Calibri"/>
+                <a:cs typeface="Calibri"/>
+              </a:rPr>
+              <a:t> has not been processed, this node is not processed; otherwise, continue with the following steps</a:t>
+            </a:r>
+            <a:r>
+              <a:rPr lang="en-US" altLang="zh-CN" sz="1600" dirty="0" smtClean="0">
+                <a:latin typeface="Calibri"/>
+                <a:cs typeface="Calibri"/>
+              </a:rPr>
+              <a:t>.</a:t>
+            </a:r>
+          </a:p>
+          <a:p>
+            <a:pPr marL="342900" indent="-342900">
+              <a:buAutoNum type="arabicPeriod"/>
+            </a:pPr>
+            <a:r>
+              <a:rPr lang="en-US" altLang="zh-CN" sz="1600" dirty="0">
+                <a:latin typeface="Calibri"/>
+                <a:cs typeface="Calibri"/>
+              </a:rPr>
+              <a:t>Calculate the probability </a:t>
+            </a:r>
+            <a:r>
+              <a:rPr lang="en-US" altLang="zh-CN" sz="1600" dirty="0" smtClean="0">
+                <a:latin typeface="Calibri"/>
+                <a:cs typeface="Calibri"/>
+              </a:rPr>
+              <a:t>distribution </a:t>
+            </a:r>
+            <a:r>
+              <a:rPr lang="en-US" altLang="zh-CN" sz="1600" dirty="0">
+                <a:latin typeface="Calibri"/>
+                <a:cs typeface="Calibri"/>
+              </a:rPr>
+              <a:t>of node</a:t>
+            </a:r>
+            <a:r>
+              <a:rPr lang="en-US" altLang="zh-CN" sz="1600" dirty="0">
+                <a:solidFill>
+                  <a:srgbClr val="7030A0"/>
+                </a:solidFill>
+                <a:latin typeface="Calibri"/>
+                <a:cs typeface="Calibri"/>
+              </a:rPr>
+              <a:t> </a:t>
+            </a:r>
+            <a:r>
+              <a:rPr lang="en-US" altLang="zh-CN" sz="1600" b="1" i="1" dirty="0">
+                <a:solidFill>
+                  <a:srgbClr val="7030A0"/>
+                </a:solidFill>
+                <a:latin typeface="Calibri"/>
+                <a:cs typeface="Calibri"/>
+              </a:rPr>
+              <a:t>n</a:t>
+            </a:r>
+            <a:r>
+              <a:rPr lang="en-US" altLang="zh-CN" sz="1600" dirty="0">
+                <a:latin typeface="Calibri"/>
+                <a:cs typeface="Calibri"/>
+              </a:rPr>
+              <a:t> based on the probabilities of </a:t>
+            </a:r>
+            <a:r>
+              <a:rPr lang="en-US" altLang="zh-CN" sz="1600" dirty="0">
+                <a:solidFill>
+                  <a:srgbClr val="FF0000"/>
+                </a:solidFill>
+                <a:latin typeface="Calibri"/>
+                <a:cs typeface="Calibri"/>
+              </a:rPr>
+              <a:t>all </a:t>
+            </a:r>
+            <a:r>
+              <a:rPr lang="en-US" altLang="zh-CN" sz="1600" dirty="0" smtClean="0">
+                <a:solidFill>
+                  <a:srgbClr val="FF0000"/>
+                </a:solidFill>
+                <a:latin typeface="Calibri"/>
+                <a:cs typeface="Calibri"/>
+              </a:rPr>
+              <a:t>child nodes </a:t>
+            </a:r>
+            <a:r>
+              <a:rPr lang="en-US" altLang="zh-CN" sz="1600" dirty="0">
+                <a:latin typeface="Calibri"/>
+                <a:cs typeface="Calibri"/>
+              </a:rPr>
+              <a:t>of node </a:t>
+            </a:r>
+            <a:r>
+              <a:rPr lang="en-US" altLang="zh-CN" sz="1600" b="1" i="1" dirty="0">
+                <a:solidFill>
+                  <a:srgbClr val="7030A0"/>
+                </a:solidFill>
+                <a:latin typeface="Calibri"/>
+                <a:cs typeface="Calibri"/>
+              </a:rPr>
+              <a:t>n</a:t>
+            </a:r>
+            <a:r>
+              <a:rPr lang="en-US" altLang="zh-CN" sz="1600" dirty="0">
+                <a:latin typeface="Calibri"/>
+                <a:cs typeface="Calibri"/>
+              </a:rPr>
+              <a:t> and the conditional or joint conditional probabilities, and mark node </a:t>
+            </a:r>
+            <a:r>
+              <a:rPr lang="en-US" altLang="zh-CN" sz="1600" b="1" i="1" dirty="0">
+                <a:solidFill>
+                  <a:srgbClr val="7030A0"/>
+                </a:solidFill>
+                <a:latin typeface="Calibri"/>
+                <a:cs typeface="Calibri"/>
+              </a:rPr>
+              <a:t>n</a:t>
+            </a:r>
+            <a:r>
+              <a:rPr lang="en-US" altLang="zh-CN" sz="1600" dirty="0">
+                <a:latin typeface="Calibri"/>
+                <a:cs typeface="Calibri"/>
+              </a:rPr>
+              <a:t> as processed</a:t>
+            </a:r>
+            <a:r>
+              <a:rPr lang="en-US" altLang="zh-CN" sz="1600" dirty="0" smtClean="0">
+                <a:latin typeface="Calibri"/>
+                <a:cs typeface="Calibri"/>
+              </a:rPr>
+              <a:t>.</a:t>
+            </a:r>
+          </a:p>
+          <a:p>
+            <a:pPr marL="342900" indent="-342900">
+              <a:buAutoNum type="arabicPeriod"/>
+            </a:pPr>
+            <a:r>
+              <a:rPr lang="en-US" altLang="zh-CN" sz="1600" dirty="0">
+                <a:latin typeface="Calibri"/>
+                <a:cs typeface="Calibri"/>
+              </a:rPr>
+              <a:t>Repeat steps (2) to (4) for a total of </a:t>
+            </a:r>
+            <a:r>
+              <a:rPr lang="en-US" altLang="zh-CN" sz="1600" b="1" i="1" dirty="0" smtClean="0">
+                <a:solidFill>
+                  <a:srgbClr val="7030A0"/>
+                </a:solidFill>
+                <a:latin typeface="Calibri"/>
+                <a:cs typeface="Calibri"/>
+              </a:rPr>
+              <a:t>T</a:t>
+            </a:r>
+            <a:r>
+              <a:rPr lang="en-US" altLang="zh-CN" sz="1600" b="1" i="1" dirty="0" smtClean="0">
+                <a:latin typeface="Calibri"/>
+                <a:cs typeface="Calibri"/>
+              </a:rPr>
+              <a:t> </a:t>
+            </a:r>
+            <a:r>
+              <a:rPr lang="en-US" altLang="zh-CN" sz="1600" dirty="0" smtClean="0">
+                <a:latin typeface="Calibri"/>
+                <a:cs typeface="Calibri"/>
+              </a:rPr>
+              <a:t>times</a:t>
+            </a:r>
+            <a:r>
+              <a:rPr lang="en-US" altLang="zh-CN" sz="1600" dirty="0">
+                <a:latin typeface="Calibri"/>
+                <a:cs typeface="Calibri"/>
+              </a:rPr>
+              <a:t>. At this point, the probability distribution of node </a:t>
+            </a:r>
+            <a:r>
+              <a:rPr lang="en-US" altLang="zh-CN" sz="1600" b="1" i="1" dirty="0">
+                <a:solidFill>
+                  <a:srgbClr val="7030A0"/>
+                </a:solidFill>
+                <a:latin typeface="Calibri"/>
+                <a:cs typeface="Calibri"/>
+              </a:rPr>
+              <a:t>n</a:t>
+            </a:r>
+            <a:r>
+              <a:rPr lang="en-US" altLang="zh-CN" sz="1600" dirty="0">
+                <a:latin typeface="Calibri"/>
+                <a:cs typeface="Calibri"/>
+              </a:rPr>
+              <a:t> is the probability of its occurrence/non-occurrence. The algorithm ends. It should be noted that the effect of step (5) is to make each node have the opportunity to calculate the probability distribution.</a:t>
+            </a:r>
+            <a:endParaRPr lang="zh-CN" altLang="en-US" sz="1600" dirty="0" err="1" smtClean="0">
+              <a:latin typeface="Calibri"/>
+              <a:cs typeface="Calibri"/>
+            </a:endParaRPr>
+          </a:p>
+        </p:txBody>
+      </p:sp>
+    </p:spTree>
+    <p:extLst>
+      <p:ext uri="{BB962C8B-B14F-4D97-AF65-F5344CB8AC3E}">
+        <p14:creationId xmlns:p14="http://schemas.microsoft.com/office/powerpoint/2010/main" val="1396893687"/>
+      </p:ext>
+    </p:extLst>
+  </p:cSld>
+  <p:clrMapOvr>
+    <a:masterClrMapping/>
+  </p:clrMapOvr>
+  <p:timing>
+    <p:tnLst>
+      <p:par>
+        <p:cTn id="1" dur="indefinite" restart="never" nodeType="tmRoot"/>
+      </p:par>
+    </p:tnLst>
+  </p:timing>
+</p:sld>
+</file>
+
+<file path=ppt/slides/slide12.xml><?xml version="1.0" encoding="utf-8"?>
+<p:sld xmlns:a="http://schemas.openxmlformats.org/drawingml/2006/main" xmlns:r="http://schemas.openxmlformats.org/officeDocument/2006/relationships" xmlns:p="http://schemas.openxmlformats.org/presentationml/2006/main">
+  <p:cSld>
+    <p:spTree>
+      <p:nvGrpSpPr>
+        <p:cNvPr id="1" name=""/>
+        <p:cNvGrpSpPr/>
+        <p:nvPr/>
+      </p:nvGrpSpPr>
+      <p:grpSpPr>
+        <a:xfrm>
+          <a:off x="0" y="0"/>
+          <a:ext cx="0" cy="0"/>
+          <a:chOff x="0" y="0"/>
+          <a:chExt cx="0" cy="0"/>
+        </a:xfrm>
+      </p:grpSpPr>
+      <p:sp>
+        <p:nvSpPr>
           <p:cNvPr id="5122" name="Rectangle 5"/>
           <p:cNvSpPr>
             <a:spLocks noGrp="1" noChangeArrowheads="1"/>
@@ -6422,8 +9859,8 @@
         </p:nvSpPr>
         <p:spPr bwMode="auto">
           <a:xfrm>
-            <a:off x="381000" y="3832907"/>
-            <a:ext cx="7467600" cy="1177243"/>
+            <a:off x="381000" y="3665346"/>
+            <a:ext cx="7467600" cy="1328503"/>
           </a:xfrm>
           <a:prstGeom prst="rect">
             <a:avLst/>
@@ -6443,12 +9880,15 @@
           <a:lstStyle/>
           <a:p>
             <a:pPr>
+              <a:lnSpc>
+                <a:spcPct val="150000"/>
+              </a:lnSpc>
               <a:spcBef>
                 <a:spcPct val="50000"/>
               </a:spcBef>
             </a:pPr>
             <a:r>
-              <a:rPr lang="en-US" altLang="zh-CN" dirty="0">
+              <a:rPr lang="en-US" altLang="zh-CN" sz="1400" dirty="0">
                 <a:solidFill>
                   <a:srgbClr val="FF0000"/>
                 </a:solidFill>
@@ -6458,7 +9898,7 @@
               <a:t>Bayesian Net </a:t>
             </a:r>
             <a:r>
-              <a:rPr lang="en-US" altLang="zh-CN" dirty="0" smtClean="0">
+              <a:rPr lang="en-US" altLang="zh-CN" sz="1400" dirty="0" smtClean="0">
                 <a:solidFill>
                   <a:srgbClr val="FF0000"/>
                 </a:solidFill>
@@ -6468,14 +9908,14 @@
               <a:t>diagnosis :</a:t>
             </a:r>
             <a:r>
-              <a:rPr lang="en-US" dirty="0" smtClean="0">
+              <a:rPr lang="en-US" sz="1400" dirty="0" smtClean="0">
                 <a:latin typeface="Calibri"/>
                 <a:cs typeface="Calibri"/>
               </a:rPr>
               <a:t>Refers </a:t>
             </a:r>
             <a:r>
-              <a:rPr lang="en-US" dirty="0">
+              <a:rPr lang="en-US" sz="1400" dirty="0">
                 <a:latin typeface="Calibri"/>
                 <a:cs typeface="Calibri"/>
               </a:rPr>
@@ -6680,7 +10120,7 @@
         <p:spPr>
           <a:xfrm>
             <a:off x="381000" y="545828"/>
-            <a:ext cx="8153400" cy="1477328"/>
+            <a:ext cx="8153400" cy="1028423"/>
           </a:xfrm>
           <a:prstGeom prst="rect">
             <a:avLst/>
@@ -6693,8 +10133,13 @@
           </a:bodyPr>
           <a:lstStyle/>
           <a:p>
-            <a:r>
-              <a:rPr lang="en-US" altLang="zh-CN" b="1" dirty="0" smtClean="0">
+            <a:pPr>
+              <a:lnSpc>
+                <a:spcPct val="150000"/>
+              </a:lnSpc>
+            </a:pPr>
+            <a:r>
+              <a:rPr lang="en-US" altLang="zh-CN" sz="1400" b="1" dirty="0" smtClean="0">
                 <a:solidFill>
                   <a:srgbClr val="00B050"/>
                 </a:solidFill>
@@ -6704,14 +10149,14 @@
               <a:t>Review</a:t>
             </a:r>
             <a:r>
-              <a:rPr lang="en-US" altLang="zh-CN" dirty="0">
+              <a:rPr lang="en-US" altLang="zh-CN" sz="1400" dirty="0">
                 <a:latin typeface="Calibri"/>
                 <a:cs typeface="Calibri"/>
               </a:rPr>
               <a:t>: Bayesian network is a probabilistic reasoning technique that combines probability theory and graph structure to describe the uncertainty caused by the conditions between different knowledge components</a:t>
             </a:r>
             <a:r>
-              <a:rPr lang="en-US" altLang="zh-CN" dirty="0" smtClean="0">
+              <a:rPr lang="en-US" altLang="zh-CN" sz="1400" dirty="0" smtClean="0">
                 <a:latin typeface="Calibri"/>
                 <a:cs typeface="Calibri"/>
               </a:rPr>
@@ -6719,21 +10164,26 @@
             </a:r>
           </a:p>
           <a:p>
-            <a:r>
-              <a:rPr lang="en-US" altLang="zh-CN" b="1" dirty="0" smtClean="0">
+            <a:pPr>
+              <a:lnSpc>
+                <a:spcPct val="150000"/>
+              </a:lnSpc>
+            </a:pPr>
+            <a:r>
+              <a:rPr lang="en-US" altLang="zh-CN" sz="1400" b="1" dirty="0" smtClean="0">
                 <a:latin typeface="Calibri"/>
                 <a:cs typeface="Calibri"/>
               </a:rPr>
               <a:t>Bayesian network training</a:t>
             </a:r>
             <a:r>
-              <a:rPr lang="en-US" altLang="zh-CN" dirty="0">
+              <a:rPr lang="en-US" altLang="zh-CN" sz="1400" dirty="0">
                 <a:latin typeface="Calibri"/>
                 <a:cs typeface="Calibri"/>
               </a:rPr>
               <a:t>: the process of correcting prior knowledge by using existing data. </a:t>
             </a:r>
-            <a:endParaRPr lang="zh-CN" altLang="en-US" dirty="0" err="1" smtClean="0">
+            <a:endParaRPr lang="zh-CN" altLang="en-US" sz="1400" dirty="0" err="1" smtClean="0">
               <a:latin typeface="Calibri"/>
               <a:cs typeface="Calibri"/>
             </a:endParaRPr>
@@ -6748,8 +10198,8 @@
         </p:nvSpPr>
         <p:spPr>
           <a:xfrm>
-            <a:off x="381000" y="1970458"/>
-            <a:ext cx="7543800" cy="646331"/>
+            <a:off x="381000" y="1733550"/>
+            <a:ext cx="7543800" cy="584775"/>
           </a:xfrm>
           <a:prstGeom prst="rect">
             <a:avLst/>
@@ -6763,14 +10213,14 @@
           <a:lstStyle/>
           <a:p>
             <a:r>
-              <a:rPr lang="en-US" altLang="zh-CN" dirty="0">
+              <a:rPr lang="en-US" altLang="zh-CN" sz="1600" dirty="0" smtClean="0">
                 <a:latin typeface="Calibri"/>
                 <a:cs typeface="Calibri"/>
               </a:rPr>
               <a:t>After the Bayesian network is built based on the training data set, </a:t>
             </a:r>
             <a:r>
-              <a:rPr lang="en-US" altLang="zh-CN" b="1" dirty="0">
+              <a:rPr lang="en-US" altLang="zh-CN" sz="1600" b="1" dirty="0" smtClean="0">
                 <a:solidFill>
                   <a:srgbClr val="FF0000"/>
                 </a:solidFill>
@@ -6780,14 +10230,14 @@
               <a:t>prediction</a:t>
             </a:r>
             <a:r>
-              <a:rPr lang="en-US" altLang="zh-CN" dirty="0">
+              <a:rPr lang="en-US" altLang="zh-CN" sz="1600" dirty="0" smtClean="0">
                 <a:latin typeface="Calibri"/>
                 <a:cs typeface="Calibri"/>
               </a:rPr>
               <a:t> and </a:t>
             </a:r>
             <a:r>
-              <a:rPr lang="en-US" altLang="zh-CN" b="1" dirty="0">
+              <a:rPr lang="en-US" altLang="zh-CN" sz="1600" b="1" dirty="0" smtClean="0">
                 <a:solidFill>
                   <a:srgbClr val="FF0000"/>
                 </a:solidFill>
@@ -6797,13 +10247,13 @@
               <a:t>diagnosis</a:t>
             </a:r>
             <a:r>
-              <a:rPr lang="en-US" altLang="zh-CN" dirty="0">
+              <a:rPr lang="en-US" altLang="zh-CN" sz="1600" dirty="0" smtClean="0">
                 <a:latin typeface="Calibri"/>
                 <a:cs typeface="Calibri"/>
               </a:rPr>
               <a:t> can be performed.</a:t>
             </a:r>
-            <a:endParaRPr lang="zh-CN" altLang="en-US" dirty="0" err="1" smtClean="0">
+            <a:endParaRPr lang="zh-CN" altLang="en-US" sz="1600" dirty="0" err="1" smtClean="0">
               <a:latin typeface="Calibri"/>
               <a:cs typeface="Calibri"/>
             </a:endParaRPr>
@@ -6818,8 +10268,8 @@
         </p:nvSpPr>
         <p:spPr>
           <a:xfrm>
-            <a:off x="381000" y="2632578"/>
-            <a:ext cx="7467600" cy="1200329"/>
+            <a:off x="381000" y="2477624"/>
+            <a:ext cx="7467600" cy="1028423"/>
           </a:xfrm>
           <a:prstGeom prst="rect">
             <a:avLst/>
@@ -6832,8 +10282,13 @@
           </a:bodyPr>
           <a:lstStyle/>
           <a:p>
-            <a:r>
-              <a:rPr lang="en-US" altLang="zh-CN" dirty="0">
+            <a:pPr>
+              <a:lnSpc>
+                <a:spcPct val="150000"/>
+              </a:lnSpc>
+            </a:pPr>
+            <a:r>
+              <a:rPr lang="en-US" altLang="zh-CN" sz="1400" dirty="0">
                 <a:solidFill>
                   <a:srgbClr val="FF0000"/>
                 </a:solidFill>
@@ -6843,27 +10298,27 @@
               <a:t>Bayesian Net Prediction</a:t>
             </a:r>
             <a:r>
-              <a:rPr lang="en-US" altLang="zh-CN" dirty="0">
+              <a:rPr lang="en-US" altLang="zh-CN" sz="1400" dirty="0">
                 <a:latin typeface="Calibri"/>
                 <a:cs typeface="Calibri"/>
               </a:rPr>
               <a:t>: Refers to reasoning that infers a result from the cause, also known as top-down </a:t>
             </a:r>
             <a:r>
-              <a:rPr lang="en-US" altLang="zh-CN" dirty="0" smtClean="0">
+              <a:rPr lang="en-US" altLang="zh-CN" sz="1400" dirty="0" smtClean="0">
                 <a:latin typeface="Calibri"/>
                 <a:cs typeface="Calibri"/>
               </a:rPr>
               <a:t>reasoning. </a:t>
             </a:r>
             <a:r>
-              <a:rPr lang="en-US" altLang="zh-CN" dirty="0">
+              <a:rPr lang="en-US" altLang="zh-CN" sz="1400" dirty="0">
                 <a:latin typeface="Calibri"/>
                 <a:cs typeface="Calibri"/>
               </a:rPr>
               <a:t>Given a certain reason (evidence), use Bayesian network inference calculations to find out the probability of the result caused by the cause.</a:t>
             </a:r>
-            <a:endParaRPr lang="zh-CN" altLang="en-US" dirty="0" err="1" smtClean="0">
+            <a:endParaRPr lang="zh-CN" altLang="en-US" sz="1400" dirty="0" err="1" smtClean="0">
               <a:latin typeface="Calibri"/>
               <a:cs typeface="Calibri"/>
             </a:endParaRPr>
@@ -9569,17 +13024,7 @@
                 <a:latin typeface="Calibri" panose="020F0502020204030204" pitchFamily="34" charset="0"/>
                 <a:cs typeface="Calibri" panose="020F0502020204030204" pitchFamily="34" charset="0"/>
               </a:rPr>
-              <a:t>P </a:t>
-            </a:r>
-            <a:r>
-              <a:rPr lang="en-US" altLang="zh-CN" sz="1600" dirty="0" smtClean="0">
-                <a:solidFill>
-                  <a:srgbClr val="008000"/>
-                </a:solidFill>
-                <a:latin typeface="Calibri" panose="020F0502020204030204" pitchFamily="34" charset="0"/>
-                <a:cs typeface="Calibri" panose="020F0502020204030204" pitchFamily="34" charset="0"/>
-              </a:rPr>
-              <a:t>(+Point</a:t>
+              <a:t>P (+Point</a:t>
             </a:r>
             <a:r>
               <a:rPr lang="en-US" altLang="zh-CN" sz="1600" dirty="0">
@@ -9640,28 +13085,14 @@
                 <a:latin typeface="Calibri" panose="020F0502020204030204" pitchFamily="34" charset="0"/>
                 <a:cs typeface="Calibri" panose="020F0502020204030204" pitchFamily="34" charset="0"/>
               </a:rPr>
-              <a:t>	</a:t>
-            </a:r>
-            <a:r>
-              <a:rPr lang="en-US" altLang="zh-CN" sz="1600" dirty="0">
-                <a:latin typeface="Calibri" panose="020F0502020204030204" pitchFamily="34" charset="0"/>
-                <a:cs typeface="Calibri" panose="020F0502020204030204" pitchFamily="34" charset="0"/>
-              </a:rPr>
-              <a:t> </a:t>
+              <a:t>	 </a:t>
             </a:r>
             <a:r>
               <a:rPr lang="en-US" altLang="zh-CN" sz="1600" dirty="0" smtClean="0">
                 <a:latin typeface="Calibri" panose="020F0502020204030204" pitchFamily="34" charset="0"/>
                 <a:cs typeface="Calibri" panose="020F0502020204030204" pitchFamily="34" charset="0"/>
               </a:rPr>
-              <a:t>             </a:t>
-            </a:r>
-            <a:r>
-              <a:rPr lang="en-US" altLang="zh-CN" sz="1600" dirty="0" smtClean="0">
-                <a:latin typeface="Calibri" panose="020F0502020204030204" pitchFamily="34" charset="0"/>
-                <a:cs typeface="Calibri" panose="020F0502020204030204" pitchFamily="34" charset="0"/>
-              </a:rPr>
-              <a:t> </a:t>
+              <a:t>              </a:t>
             </a:r>
             <a:r>
               <a:rPr lang="en-US" altLang="zh-CN" sz="1600" dirty="0" smtClean="0">
@@ -9747,7 +13178,7 @@
         </p:blipFill>
         <p:spPr>
           <a:xfrm>
-            <a:off x="93406" y="1557779"/>
+            <a:off x="76200" y="1499357"/>
             <a:ext cx="2590800" cy="2027941"/>
           </a:xfrm>
           <a:prstGeom prst="rect">
@@ -10044,39 +13475,7 @@
                 <a:ea typeface="Cambria Math" panose="02040503050406030204" pitchFamily="18" charset="0"/>
                 <a:cs typeface="Calibri Light" panose="020F0302020204030204" pitchFamily="34" charset="0"/>
               </a:rPr>
-              <a:t>             =</a:t>
-            </a:r>
-            <a:r>
-              <a:rPr lang="en-US" altLang="zh-CN" sz="1200" i="1" dirty="0">
-                <a:latin typeface="Cambria Math" panose="02040503050406030204" pitchFamily="18" charset="0"/>
-                <a:ea typeface="Cambria Math" panose="02040503050406030204" pitchFamily="18" charset="0"/>
-                <a:cs typeface="Calibri Light" panose="020F0302020204030204" pitchFamily="34" charset="0"/>
-              </a:rPr>
-              <a:t>0.3 </a:t>
-            </a:r>
-            <a:r>
-              <a:rPr lang="en-US" altLang="zh-CN" sz="1200" i="1" dirty="0">
-                <a:latin typeface="Cambria Math" panose="02040503050406030204" pitchFamily="18" charset="0"/>
-                <a:ea typeface="Cambria Math" panose="02040503050406030204" pitchFamily="18" charset="0"/>
-                <a:cs typeface="Calibri Light" panose="020F0302020204030204" pitchFamily="34" charset="0"/>
-              </a:rPr>
-              <a:t>× 0.2 +1.0</a:t>
-            </a:r>
-            <a:r>
-              <a:rPr lang="en-US" altLang="zh-CN" sz="1200" i="1" dirty="0">
-                <a:latin typeface="Cambria Math" panose="02040503050406030204" pitchFamily="18" charset="0"/>
-                <a:ea typeface="Cambria Math" panose="02040503050406030204" pitchFamily="18" charset="0"/>
-                <a:cs typeface="Calibri Light" panose="020F0302020204030204" pitchFamily="34" charset="0"/>
-              </a:rPr>
-              <a:t> </a:t>
-            </a:r>
-            <a:r>
-              <a:rPr lang="en-US" altLang="zh-CN" sz="1200" i="1" dirty="0">
-                <a:latin typeface="Cambria Math" panose="02040503050406030204" pitchFamily="18" charset="0"/>
-                <a:ea typeface="Cambria Math" panose="02040503050406030204" pitchFamily="18" charset="0"/>
-                <a:cs typeface="Calibri Light" panose="020F0302020204030204" pitchFamily="34" charset="0"/>
-              </a:rPr>
-              <a:t>× 0.8 = 0.86</a:t>
+              <a:t>             =0.3 × 0.2 +1.0 × 0.8 = 0.86</a:t>
             </a:r>
             <a:endParaRPr lang="zh-CN" altLang="en-US" sz="1200" i="1" dirty="0">
               <a:latin typeface="Cambria Math" panose="02040503050406030204" pitchFamily="18" charset="0"/>
@@ -11016,7 +14415,27 @@
                 <a:latin typeface="Calibri"/>
                 <a:cs typeface="Calibri"/>
               </a:rPr>
-              <a:t>Conditional probability of </a:t>
+              <a:t> Calculate </a:t>
+            </a:r>
+            <a:r>
+              <a:rPr lang="en-US" altLang="zh-CN" sz="1600" dirty="0" smtClean="0">
+                <a:solidFill>
+                  <a:srgbClr val="0070C0"/>
+                </a:solidFill>
+                <a:latin typeface="Calibri"/>
+                <a:cs typeface="Calibri"/>
+              </a:rPr>
+              <a:t>the Conditional </a:t>
+            </a:r>
+            <a:r>
+              <a:rPr lang="en-US" altLang="zh-CN" sz="1600" dirty="0">
+                <a:solidFill>
+                  <a:srgbClr val="0070C0"/>
+                </a:solidFill>
+                <a:latin typeface="Calibri"/>
+                <a:cs typeface="Calibri"/>
+              </a:rPr>
+              <a:t>probability of </a:t>
             </a:r>
             <a:r>
               <a:rPr lang="en-US" altLang="zh-CN" sz="1600" dirty="0" smtClean="0">
@@ -11336,7 +14755,27 @@
                 <a:latin typeface="Calibri"/>
                 <a:cs typeface="Calibri"/>
               </a:rPr>
-              <a:t>Conditional probability of H</a:t>
+              <a:t> Calculate </a:t>
+            </a:r>
+            <a:r>
+              <a:rPr lang="en-US" altLang="zh-CN" sz="1600" dirty="0" smtClean="0">
+                <a:solidFill>
+                  <a:srgbClr val="0070C0"/>
+                </a:solidFill>
+                <a:latin typeface="Calibri"/>
+                <a:cs typeface="Calibri"/>
+              </a:rPr>
+              <a:t>the Conditional </a:t>
+            </a:r>
+            <a:r>
+              <a:rPr lang="en-US" altLang="zh-CN" sz="1600" dirty="0">
+                <a:solidFill>
+                  <a:srgbClr val="0070C0"/>
+                </a:solidFill>
+                <a:latin typeface="Calibri"/>
+                <a:cs typeface="Calibri"/>
+              </a:rPr>
+              <a:t>probability of H</a:t>
             </a:r>
             <a:r>
               <a:rPr lang="en-US" altLang="zh-CN" sz="1600" dirty="0" smtClean="0">
@@ -12075,6 +15514,598 @@
           </a:p>
         </p:txBody>
       </p:sp>
+      <p:sp>
+        <p:nvSpPr>
+          <p:cNvPr id="4" name="文本框 3"/>
+          <p:cNvSpPr txBox="1"/>
+          <p:nvPr/>
+        </p:nvSpPr>
+        <p:spPr>
+          <a:xfrm>
+            <a:off x="27432" y="522732"/>
+            <a:ext cx="9040368" cy="1354217"/>
+          </a:xfrm>
+          <a:prstGeom prst="rect">
+            <a:avLst/>
+          </a:prstGeom>
+          <a:noFill/>
+        </p:spPr>
+        <p:txBody>
+          <a:bodyPr wrap="square" rtlCol="0">
+            <a:spAutoFit/>
+          </a:bodyPr>
+          <a:lstStyle/>
+          <a:p>
+            <a:r>
+              <a:rPr lang="en-US" altLang="zh-CN" b="1" dirty="0">
+                <a:solidFill>
+                  <a:srgbClr val="0070C0"/>
+                </a:solidFill>
+                <a:latin typeface="Calibri"/>
+                <a:cs typeface="Calibri"/>
+              </a:rPr>
+              <a:t>Bayesian network prediction algorithm steps</a:t>
+            </a:r>
+            <a:r>
+              <a:rPr lang="en-US" altLang="zh-CN" b="1" dirty="0" smtClean="0">
+                <a:solidFill>
+                  <a:srgbClr val="0070C0"/>
+                </a:solidFill>
+                <a:latin typeface="Calibri"/>
+                <a:cs typeface="Calibri"/>
+              </a:rPr>
+              <a:t>:</a:t>
+            </a:r>
+          </a:p>
+          <a:p>
+            <a:r>
+              <a:rPr lang="en-US" altLang="zh-CN" sz="1600" b="1" dirty="0" smtClean="0">
+                <a:latin typeface="Calibri"/>
+                <a:cs typeface="Calibri"/>
+              </a:rPr>
+              <a:t>Input</a:t>
+            </a:r>
+            <a:r>
+              <a:rPr lang="zh-CN" altLang="en-US" sz="1600" dirty="0" smtClean="0">
+                <a:latin typeface="Calibri"/>
+                <a:cs typeface="Calibri"/>
+              </a:rPr>
+              <a:t>：</a:t>
+            </a:r>
+            <a:r>
+              <a:rPr lang="en-US" altLang="zh-CN" sz="1600" dirty="0" smtClean="0">
+                <a:latin typeface="Calibri"/>
+                <a:cs typeface="Calibri"/>
+              </a:rPr>
+              <a:t>A given</a:t>
+            </a:r>
+            <a:r>
+              <a:rPr lang="en-US" altLang="zh-CN" sz="1600" dirty="0">
+                <a:latin typeface="Calibri"/>
+                <a:cs typeface="Calibri"/>
+              </a:rPr>
+              <a:t> </a:t>
+            </a:r>
+            <a:r>
+              <a:rPr lang="en-US" altLang="zh-CN" sz="1600" dirty="0" smtClean="0">
+                <a:latin typeface="Calibri"/>
+                <a:cs typeface="Calibri"/>
+              </a:rPr>
+              <a:t>Bayesian-Net </a:t>
+            </a:r>
+            <a:r>
+              <a:rPr lang="en-US" altLang="zh-CN" sz="1600" b="1" i="1" dirty="0" smtClean="0">
+                <a:solidFill>
+                  <a:srgbClr val="7030A0"/>
+                </a:solidFill>
+                <a:latin typeface="Calibri"/>
+                <a:cs typeface="Calibri"/>
+              </a:rPr>
+              <a:t>B</a:t>
+            </a:r>
+            <a:r>
+              <a:rPr lang="en-US" altLang="zh-CN" sz="1600" dirty="0" smtClean="0">
+                <a:latin typeface="Calibri"/>
+                <a:cs typeface="Calibri"/>
+              </a:rPr>
+              <a:t>(including </a:t>
+            </a:r>
+            <a:r>
+              <a:rPr lang="en-US" altLang="zh-CN" sz="1600" b="1" i="1" dirty="0" smtClean="0">
+                <a:solidFill>
+                  <a:srgbClr val="7030A0"/>
+                </a:solidFill>
+                <a:latin typeface="Calibri"/>
+                <a:cs typeface="Calibri"/>
+              </a:rPr>
+              <a:t>N</a:t>
+            </a:r>
+            <a:r>
+              <a:rPr lang="en-US" altLang="zh-CN" sz="1600" dirty="0" smtClean="0">
+                <a:latin typeface="Calibri"/>
+                <a:cs typeface="Calibri"/>
+              </a:rPr>
+              <a:t> nodes and conditional/joint conditional probability between </a:t>
+            </a:r>
+            <a:r>
+              <a:rPr lang="en-US" altLang="zh-CN" sz="1600" dirty="0">
+                <a:latin typeface="Calibri"/>
+                <a:cs typeface="Calibri"/>
+              </a:rPr>
+              <a:t>nodes), </a:t>
+            </a:r>
+            <a:r>
+              <a:rPr lang="en-US" altLang="zh-CN" sz="1600" dirty="0" smtClean="0">
+                <a:latin typeface="Calibri"/>
+                <a:cs typeface="Calibri"/>
+              </a:rPr>
+              <a:t>given </a:t>
+            </a:r>
+            <a:r>
+              <a:rPr lang="en-US" altLang="zh-CN" sz="1600" dirty="0">
+                <a:latin typeface="Calibri"/>
+                <a:cs typeface="Calibri"/>
+              </a:rPr>
+              <a:t>a fact vector </a:t>
+            </a:r>
+            <a:r>
+              <a:rPr lang="en-US" altLang="zh-CN" sz="1600" b="1" dirty="0">
+                <a:solidFill>
+                  <a:srgbClr val="7030A0"/>
+                </a:solidFill>
+                <a:latin typeface="Calibri"/>
+                <a:cs typeface="Calibri"/>
+              </a:rPr>
+              <a:t>E</a:t>
+            </a:r>
+            <a:r>
+              <a:rPr lang="en-US" altLang="zh-CN" sz="1600" dirty="0">
+                <a:latin typeface="Calibri"/>
+                <a:cs typeface="Calibri"/>
+              </a:rPr>
+              <a:t> (or an evidence vector) for the occurrence or absence of a cause node, given a certain node </a:t>
+            </a:r>
+            <a:r>
+              <a:rPr lang="en-US" altLang="zh-CN" sz="1600" b="1" dirty="0">
+                <a:solidFill>
+                  <a:srgbClr val="7030A0"/>
+                </a:solidFill>
+                <a:latin typeface="Cambria Math" panose="02040503050406030204" pitchFamily="18" charset="0"/>
+                <a:ea typeface="Cambria Math" panose="02040503050406030204" pitchFamily="18" charset="0"/>
+                <a:cs typeface="Calibri"/>
+              </a:rPr>
+              <a:t>v</a:t>
+            </a:r>
+            <a:r>
+              <a:rPr lang="en-US" altLang="zh-CN" sz="1600" dirty="0">
+                <a:latin typeface="Calibri"/>
+                <a:cs typeface="Calibri"/>
+              </a:rPr>
+              <a:t> to be predicted</a:t>
+            </a:r>
+            <a:r>
+              <a:rPr lang="en-US" altLang="zh-CN" sz="1600" dirty="0" smtClean="0">
+                <a:latin typeface="Calibri"/>
+                <a:cs typeface="Calibri"/>
+              </a:rPr>
+              <a:t>.</a:t>
+            </a:r>
+          </a:p>
+          <a:p>
+            <a:r>
+              <a:rPr lang="en-US" altLang="zh-CN" sz="1600" b="1" dirty="0" smtClean="0">
+                <a:latin typeface="Calibri"/>
+                <a:cs typeface="Calibri"/>
+              </a:rPr>
+              <a:t>Output</a:t>
+            </a:r>
+            <a:r>
+              <a:rPr lang="zh-CN" altLang="en-US" sz="1600" b="1" dirty="0" smtClean="0">
+                <a:latin typeface="Calibri"/>
+                <a:cs typeface="Calibri"/>
+              </a:rPr>
+              <a:t>：</a:t>
+            </a:r>
+            <a:r>
+              <a:rPr lang="en-US" altLang="zh-CN" sz="1600" dirty="0">
+                <a:latin typeface="Calibri"/>
+                <a:cs typeface="Calibri"/>
+              </a:rPr>
+              <a:t>The probability of occurrence of node </a:t>
+            </a:r>
+            <a:r>
+              <a:rPr lang="en-US" altLang="zh-CN" sz="1600" b="1" dirty="0" smtClean="0">
+                <a:latin typeface="Cambria Math" panose="02040503050406030204" pitchFamily="18" charset="0"/>
+                <a:ea typeface="Cambria Math" panose="02040503050406030204" pitchFamily="18" charset="0"/>
+                <a:cs typeface="Calibri"/>
+              </a:rPr>
+              <a:t>v.</a:t>
+            </a:r>
+            <a:endParaRPr lang="en-US" altLang="zh-CN" sz="1600" b="1" dirty="0">
+              <a:latin typeface="Cambria Math" panose="02040503050406030204" pitchFamily="18" charset="0"/>
+              <a:ea typeface="Cambria Math" panose="02040503050406030204" pitchFamily="18" charset="0"/>
+              <a:cs typeface="Calibri"/>
+            </a:endParaRPr>
+          </a:p>
+        </p:txBody>
+      </p:sp>
+      <p:sp>
+        <p:nvSpPr>
+          <p:cNvPr id="2" name="圆角矩形 1"/>
+          <p:cNvSpPr/>
+          <p:nvPr/>
+        </p:nvSpPr>
+        <p:spPr>
+          <a:xfrm>
+            <a:off x="152400" y="1885331"/>
+            <a:ext cx="8763000" cy="3140359"/>
+          </a:xfrm>
+          <a:prstGeom prst="roundRect">
+            <a:avLst/>
+          </a:prstGeom>
+          <a:effectLst>
+            <a:innerShdw blurRad="63500" dist="50800" dir="13500000">
+              <a:prstClr val="black">
+                <a:alpha val="50000"/>
+              </a:prstClr>
+            </a:innerShdw>
+          </a:effectLst>
+        </p:spPr>
+        <p:style>
+          <a:lnRef idx="2">
+            <a:schemeClr val="accent1">
+              <a:shade val="50000"/>
+            </a:schemeClr>
+          </a:lnRef>
+          <a:fillRef idx="1">
+            <a:schemeClr val="accent1"/>
+          </a:fillRef>
+          <a:effectRef idx="0">
+            <a:schemeClr val="accent1"/>
+          </a:effectRef>
+          <a:fontRef idx="minor">
+            <a:schemeClr val="lt1"/>
+          </a:fontRef>
+        </p:style>
+        <p:txBody>
+          <a:bodyPr rtlCol="0" anchor="ctr"/>
+          <a:lstStyle/>
+          <a:p>
+            <a:pPr algn="ctr"/>
+            <a:endParaRPr lang="zh-CN" altLang="en-US" dirty="0"/>
+          </a:p>
+        </p:txBody>
+      </p:sp>
+      <p:sp>
+        <p:nvSpPr>
+          <p:cNvPr id="3" name="文本框 2"/>
+          <p:cNvSpPr txBox="1"/>
+          <p:nvPr/>
+        </p:nvSpPr>
+        <p:spPr>
+          <a:xfrm>
+            <a:off x="381000" y="1963162"/>
+            <a:ext cx="8229600" cy="3046988"/>
+          </a:xfrm>
+          <a:prstGeom prst="rect">
+            <a:avLst/>
+          </a:prstGeom>
+          <a:noFill/>
+        </p:spPr>
+        <p:txBody>
+          <a:bodyPr wrap="square" rtlCol="0">
+            <a:spAutoFit/>
+          </a:bodyPr>
+          <a:lstStyle/>
+          <a:p>
+            <a:pPr marL="342900" indent="-342900">
+              <a:buAutoNum type="arabicPeriod"/>
+            </a:pPr>
+            <a:r>
+              <a:rPr lang="en-US" altLang="zh-CN" sz="1600" dirty="0" smtClean="0">
+                <a:latin typeface="Calibri"/>
+                <a:cs typeface="Calibri"/>
+              </a:rPr>
+              <a:t>Enter </a:t>
+            </a:r>
+            <a:r>
+              <a:rPr lang="en-US" altLang="zh-CN" sz="1600" dirty="0">
+                <a:latin typeface="Calibri"/>
+                <a:cs typeface="Calibri"/>
+              </a:rPr>
+              <a:t>the evidence vector into </a:t>
+            </a:r>
+            <a:r>
+              <a:rPr lang="en-US" altLang="zh-CN" sz="1600" dirty="0" smtClean="0">
+                <a:latin typeface="Calibri"/>
+                <a:cs typeface="Calibri"/>
+              </a:rPr>
+              <a:t>Bayesian-Net </a:t>
+            </a:r>
+            <a:r>
+              <a:rPr lang="en-US" altLang="zh-CN" sz="1600" b="1" i="1" dirty="0">
+                <a:solidFill>
+                  <a:srgbClr val="7030A0"/>
+                </a:solidFill>
+                <a:latin typeface="Calibri"/>
+                <a:cs typeface="Calibri"/>
+              </a:rPr>
+              <a:t>B</a:t>
+            </a:r>
+            <a:r>
+              <a:rPr lang="en-US" altLang="zh-CN" sz="1600" dirty="0" smtClean="0">
+                <a:latin typeface="Calibri"/>
+                <a:cs typeface="Calibri"/>
+              </a:rPr>
+              <a:t>.</a:t>
+            </a:r>
+          </a:p>
+          <a:p>
+            <a:pPr marL="342900" indent="-342900">
+              <a:buAutoNum type="arabicPeriod"/>
+            </a:pPr>
+            <a:r>
+              <a:rPr lang="en-US" altLang="zh-CN" sz="1600" dirty="0">
+                <a:latin typeface="Calibri"/>
+                <a:cs typeface="Calibri"/>
+              </a:rPr>
+              <a:t>For each unprocessed node </a:t>
+            </a:r>
+            <a:r>
+              <a:rPr lang="en-US" altLang="zh-CN" sz="1600" b="1" i="1" dirty="0">
+                <a:solidFill>
+                  <a:srgbClr val="7030A0"/>
+                </a:solidFill>
+                <a:latin typeface="Calibri"/>
+                <a:cs typeface="Calibri"/>
+              </a:rPr>
+              <a:t>n</a:t>
+            </a:r>
+            <a:r>
+              <a:rPr lang="en-US" altLang="zh-CN" sz="1600" dirty="0">
+                <a:latin typeface="Calibri"/>
+                <a:cs typeface="Calibri"/>
+              </a:rPr>
+              <a:t> in </a:t>
+            </a:r>
+            <a:r>
+              <a:rPr lang="en-US" altLang="zh-CN" sz="1600" b="1" i="1" dirty="0">
+                <a:solidFill>
+                  <a:srgbClr val="7030A0"/>
+                </a:solidFill>
+                <a:latin typeface="Calibri"/>
+                <a:cs typeface="Calibri"/>
+              </a:rPr>
+              <a:t>B</a:t>
+            </a:r>
+            <a:r>
+              <a:rPr lang="en-US" altLang="zh-CN" sz="1600" dirty="0">
+                <a:latin typeface="Calibri"/>
+                <a:cs typeface="Calibri"/>
+              </a:rPr>
+              <a:t>, if it has the fact (evidence) that occurred, it is marked as having been processed; otherwise continue with the following steps</a:t>
+            </a:r>
+            <a:r>
+              <a:rPr lang="en-US" altLang="zh-CN" sz="1600" dirty="0" smtClean="0">
+                <a:latin typeface="Calibri"/>
+                <a:cs typeface="Calibri"/>
+              </a:rPr>
+              <a:t>.</a:t>
+            </a:r>
+          </a:p>
+          <a:p>
+            <a:pPr marL="342900" indent="-342900">
+              <a:buAutoNum type="arabicPeriod"/>
+            </a:pPr>
+            <a:r>
+              <a:rPr lang="en-US" altLang="zh-CN" sz="1600" dirty="0">
+                <a:latin typeface="Calibri"/>
+                <a:cs typeface="Calibri"/>
+              </a:rPr>
+              <a:t>If </a:t>
+            </a:r>
+            <a:r>
+              <a:rPr lang="en-US" altLang="zh-CN" sz="1600" dirty="0">
+                <a:solidFill>
+                  <a:srgbClr val="FF0000"/>
+                </a:solidFill>
+                <a:latin typeface="Calibri"/>
+                <a:cs typeface="Calibri"/>
+              </a:rPr>
+              <a:t>one of its parent nodes</a:t>
+            </a:r>
+            <a:r>
+              <a:rPr lang="en-US" altLang="zh-CN" sz="1600" dirty="0">
+                <a:latin typeface="Calibri"/>
+                <a:cs typeface="Calibri"/>
+              </a:rPr>
+              <a:t> has not been processed, this node is not processed; otherwise, continue with the following steps</a:t>
+            </a:r>
+            <a:r>
+              <a:rPr lang="en-US" altLang="zh-CN" sz="1600" dirty="0" smtClean="0">
+                <a:latin typeface="Calibri"/>
+                <a:cs typeface="Calibri"/>
+              </a:rPr>
+              <a:t>.</a:t>
+            </a:r>
+          </a:p>
+          <a:p>
+            <a:pPr marL="342900" indent="-342900">
+              <a:buAutoNum type="arabicPeriod"/>
+            </a:pPr>
+            <a:r>
+              <a:rPr lang="en-US" altLang="zh-CN" sz="1600" dirty="0">
+                <a:latin typeface="Calibri"/>
+                <a:cs typeface="Calibri"/>
+              </a:rPr>
+              <a:t>Calculate the probability </a:t>
+            </a:r>
+            <a:r>
+              <a:rPr lang="en-US" altLang="zh-CN" sz="1600" dirty="0" smtClean="0">
+                <a:latin typeface="Calibri"/>
+                <a:cs typeface="Calibri"/>
+              </a:rPr>
+              <a:t>distribution </a:t>
+            </a:r>
+            <a:r>
+              <a:rPr lang="en-US" altLang="zh-CN" sz="1600" dirty="0">
+                <a:latin typeface="Calibri"/>
+                <a:cs typeface="Calibri"/>
+              </a:rPr>
+              <a:t>of node</a:t>
+            </a:r>
+            <a:r>
+              <a:rPr lang="en-US" altLang="zh-CN" sz="1600" dirty="0">
+                <a:solidFill>
+                  <a:srgbClr val="7030A0"/>
+                </a:solidFill>
+                <a:latin typeface="Calibri"/>
+                <a:cs typeface="Calibri"/>
+              </a:rPr>
+              <a:t> </a:t>
+            </a:r>
+            <a:r>
+              <a:rPr lang="en-US" altLang="zh-CN" sz="1600" b="1" i="1" dirty="0">
+                <a:solidFill>
+                  <a:srgbClr val="7030A0"/>
+                </a:solidFill>
+                <a:latin typeface="Calibri"/>
+                <a:cs typeface="Calibri"/>
+              </a:rPr>
+              <a:t>n</a:t>
+            </a:r>
+            <a:r>
+              <a:rPr lang="en-US" altLang="zh-CN" sz="1600" dirty="0">
+                <a:latin typeface="Calibri"/>
+                <a:cs typeface="Calibri"/>
+              </a:rPr>
+              <a:t> based on the probabilities of </a:t>
+            </a:r>
+            <a:r>
+              <a:rPr lang="en-US" altLang="zh-CN" sz="1600" dirty="0">
+                <a:solidFill>
+                  <a:srgbClr val="FF0000"/>
+                </a:solidFill>
+                <a:latin typeface="Calibri"/>
+                <a:cs typeface="Calibri"/>
+              </a:rPr>
+              <a:t>all parent nodes </a:t>
+            </a:r>
+            <a:r>
+              <a:rPr lang="en-US" altLang="zh-CN" sz="1600" dirty="0">
+                <a:latin typeface="Calibri"/>
+                <a:cs typeface="Calibri"/>
+              </a:rPr>
+              <a:t>of node </a:t>
+            </a:r>
+            <a:r>
+              <a:rPr lang="en-US" altLang="zh-CN" sz="1600" b="1" i="1" dirty="0">
+                <a:solidFill>
+                  <a:srgbClr val="7030A0"/>
+                </a:solidFill>
+                <a:latin typeface="Calibri"/>
+                <a:cs typeface="Calibri"/>
+              </a:rPr>
+              <a:t>n</a:t>
+            </a:r>
+            <a:r>
+              <a:rPr lang="en-US" altLang="zh-CN" sz="1600" dirty="0">
+                <a:latin typeface="Calibri"/>
+                <a:cs typeface="Calibri"/>
+              </a:rPr>
+              <a:t> and the conditional or joint conditional probabilities, and mark node </a:t>
+            </a:r>
+            <a:r>
+              <a:rPr lang="en-US" altLang="zh-CN" sz="1600" b="1" i="1" dirty="0">
+                <a:solidFill>
+                  <a:srgbClr val="7030A0"/>
+                </a:solidFill>
+                <a:latin typeface="Calibri"/>
+                <a:cs typeface="Calibri"/>
+              </a:rPr>
+              <a:t>n</a:t>
+            </a:r>
+            <a:r>
+              <a:rPr lang="en-US" altLang="zh-CN" sz="1600" dirty="0">
+                <a:latin typeface="Calibri"/>
+                <a:cs typeface="Calibri"/>
+              </a:rPr>
+              <a:t> as processed</a:t>
+            </a:r>
+            <a:r>
+              <a:rPr lang="en-US" altLang="zh-CN" sz="1600" dirty="0" smtClean="0">
+                <a:latin typeface="Calibri"/>
+                <a:cs typeface="Calibri"/>
+              </a:rPr>
+              <a:t>.</a:t>
+            </a:r>
+          </a:p>
+          <a:p>
+            <a:pPr marL="342900" indent="-342900">
+              <a:buAutoNum type="arabicPeriod"/>
+            </a:pPr>
+            <a:r>
+              <a:rPr lang="en-US" altLang="zh-CN" sz="1600" dirty="0">
+                <a:latin typeface="Calibri"/>
+                <a:cs typeface="Calibri"/>
+              </a:rPr>
+              <a:t>Repeat steps (2) to (4) for a total of </a:t>
+            </a:r>
+            <a:r>
+              <a:rPr lang="en-US" altLang="zh-CN" sz="1600" b="1" i="1" dirty="0" smtClean="0">
+                <a:solidFill>
+                  <a:srgbClr val="7030A0"/>
+                </a:solidFill>
+                <a:latin typeface="Calibri"/>
+                <a:cs typeface="Calibri"/>
+              </a:rPr>
+              <a:t>T</a:t>
+            </a:r>
+            <a:r>
+              <a:rPr lang="en-US" altLang="zh-CN" sz="1600" b="1" i="1" dirty="0" smtClean="0">
+                <a:latin typeface="Calibri"/>
+                <a:cs typeface="Calibri"/>
+              </a:rPr>
+              <a:t> </a:t>
+            </a:r>
+            <a:r>
+              <a:rPr lang="en-US" altLang="zh-CN" sz="1600" dirty="0" smtClean="0">
+                <a:latin typeface="Calibri"/>
+                <a:cs typeface="Calibri"/>
+              </a:rPr>
+              <a:t>times</a:t>
+            </a:r>
+            <a:r>
+              <a:rPr lang="en-US" altLang="zh-CN" sz="1600" dirty="0">
+                <a:latin typeface="Calibri"/>
+                <a:cs typeface="Calibri"/>
+              </a:rPr>
+              <a:t>. At this point, the probability distribution of node </a:t>
+            </a:r>
+            <a:r>
+              <a:rPr lang="en-US" altLang="zh-CN" sz="1600" b="1" i="1" dirty="0">
+                <a:solidFill>
+                  <a:srgbClr val="7030A0"/>
+                </a:solidFill>
+                <a:latin typeface="Calibri"/>
+                <a:cs typeface="Calibri"/>
+              </a:rPr>
+              <a:t>n</a:t>
+            </a:r>
+            <a:r>
+              <a:rPr lang="en-US" altLang="zh-CN" sz="1600" dirty="0">
+                <a:latin typeface="Calibri"/>
+                <a:cs typeface="Calibri"/>
+              </a:rPr>
+              <a:t> is the probability of its occurrence/non-occurrence. The algorithm ends. It should be noted that the effect of step (5) is to make each node have the opportunity to calculate the probability distribution.</a:t>
+            </a:r>
+            <a:endParaRPr lang="zh-CN" altLang="en-US" sz="1600" dirty="0" err="1" smtClean="0">
+              <a:latin typeface="Calibri"/>
+              <a:cs typeface="Calibri"/>
+            </a:endParaRPr>
+          </a:p>
+        </p:txBody>
+      </p:sp>
     </p:spTree>
     <p:extLst>
       <p:ext uri="{BB962C8B-B14F-4D97-AF65-F5344CB8AC3E}">
@@ -12338,6 +16369,983 @@
           </a:p>
         </p:txBody>
       </p:sp>
+      <p:sp>
+        <p:nvSpPr>
+          <p:cNvPr id="4" name="矩形 3"/>
+          <p:cNvSpPr/>
+          <p:nvPr/>
+        </p:nvSpPr>
+        <p:spPr>
+          <a:xfrm>
+            <a:off x="76200" y="590550"/>
+            <a:ext cx="6988708" cy="584775"/>
+          </a:xfrm>
+          <a:prstGeom prst="rect">
+            <a:avLst/>
+          </a:prstGeom>
+        </p:spPr>
+        <p:txBody>
+          <a:bodyPr wrap="none">
+            <a:spAutoFit/>
+          </a:bodyPr>
+          <a:lstStyle/>
+          <a:p>
+            <a:r>
+              <a:rPr lang="en-US" altLang="zh-CN" sz="1600" dirty="0">
+                <a:solidFill>
+                  <a:srgbClr val="FF0000"/>
+                </a:solidFill>
+                <a:latin typeface="Calibri" panose="020F0502020204030204" pitchFamily="34" charset="0"/>
+                <a:cs typeface="Calibri" panose="020F0502020204030204" pitchFamily="34" charset="0"/>
+              </a:rPr>
+              <a:t>Bayesian Net </a:t>
+            </a:r>
+            <a:r>
+              <a:rPr lang="en-US" altLang="zh-CN" sz="1600" dirty="0">
+                <a:solidFill>
+                  <a:srgbClr val="FF0000"/>
+                </a:solidFill>
+                <a:latin typeface="Calibri" panose="020F0502020204030204" pitchFamily="34" charset="0"/>
+                <a:cs typeface="Calibri" panose="020F0502020204030204" pitchFamily="34" charset="0"/>
+              </a:rPr>
+              <a:t>diagnosis: </a:t>
+            </a:r>
+            <a:r>
+              <a:rPr lang="en-US" altLang="zh-CN" sz="1600" dirty="0">
+                <a:latin typeface="Calibri" panose="020F0502020204030204" pitchFamily="34" charset="0"/>
+                <a:cs typeface="Calibri" panose="020F0502020204030204" pitchFamily="34" charset="0"/>
+              </a:rPr>
+              <a:t>The probability of occurrence of a conditional </a:t>
+            </a:r>
+            <a:r>
+              <a:rPr lang="en-US" altLang="zh-CN" sz="1600" dirty="0" smtClean="0">
+                <a:latin typeface="Calibri" panose="020F0502020204030204" pitchFamily="34" charset="0"/>
+                <a:cs typeface="Calibri" panose="020F0502020204030204" pitchFamily="34" charset="0"/>
+              </a:rPr>
+              <a:t>node which</a:t>
+            </a:r>
+          </a:p>
+          <a:p>
+            <a:r>
+              <a:rPr lang="en-US" altLang="zh-CN" sz="1600" dirty="0" smtClean="0">
+                <a:latin typeface="Calibri" panose="020F0502020204030204" pitchFamily="34" charset="0"/>
+                <a:cs typeface="Calibri" panose="020F0502020204030204" pitchFamily="34" charset="0"/>
+              </a:rPr>
+              <a:t>is </a:t>
+            </a:r>
+            <a:r>
+              <a:rPr lang="en-US" altLang="zh-CN" sz="1600" dirty="0">
+                <a:latin typeface="Calibri" panose="020F0502020204030204" pitchFamily="34" charset="0"/>
+                <a:cs typeface="Calibri" panose="020F0502020204030204" pitchFamily="34" charset="0"/>
+              </a:rPr>
+              <a:t>inferred based on whether the resulting node occurs or not</a:t>
+            </a:r>
+            <a:r>
+              <a:rPr lang="en-US" altLang="zh-CN" sz="1600" dirty="0" smtClean="0">
+                <a:latin typeface="Calibri" panose="020F0502020204030204" pitchFamily="34" charset="0"/>
+                <a:cs typeface="Calibri" panose="020F0502020204030204" pitchFamily="34" charset="0"/>
+              </a:rPr>
+              <a:t>.</a:t>
+            </a:r>
+            <a:endParaRPr lang="en-US" altLang="zh-CN" sz="1600" dirty="0">
+              <a:latin typeface="Calibri" panose="020F0502020204030204" pitchFamily="34" charset="0"/>
+              <a:cs typeface="Calibri" panose="020F0502020204030204" pitchFamily="34" charset="0"/>
+            </a:endParaRPr>
+          </a:p>
+        </p:txBody>
+      </p:sp>
+      <p:sp>
+        <p:nvSpPr>
+          <p:cNvPr id="5" name="文本框 4"/>
+          <p:cNvSpPr txBox="1"/>
+          <p:nvPr/>
+        </p:nvSpPr>
+        <p:spPr>
+          <a:xfrm>
+            <a:off x="3229356" y="1085617"/>
+            <a:ext cx="6067044" cy="338554"/>
+          </a:xfrm>
+          <a:prstGeom prst="rect">
+            <a:avLst/>
+          </a:prstGeom>
+          <a:noFill/>
+        </p:spPr>
+        <p:txBody>
+          <a:bodyPr wrap="square" rtlCol="0">
+            <a:spAutoFit/>
+          </a:bodyPr>
+          <a:lstStyle/>
+          <a:p>
+            <a:r>
+              <a:rPr lang="en-US" altLang="zh-CN" sz="1600" dirty="0" smtClean="0">
+                <a:solidFill>
+                  <a:srgbClr val="0070C0"/>
+                </a:solidFill>
+                <a:latin typeface="Calibri"/>
+                <a:cs typeface="Calibri"/>
+              </a:rPr>
+              <a:t>Example </a:t>
+            </a:r>
+            <a:r>
+              <a:rPr lang="en-US" altLang="zh-CN" sz="1600" dirty="0" smtClean="0">
+                <a:solidFill>
+                  <a:srgbClr val="0070C0"/>
+                </a:solidFill>
+                <a:latin typeface="Calibri"/>
+                <a:cs typeface="Calibri"/>
+              </a:rPr>
+              <a:t>4</a:t>
+            </a:r>
+            <a:r>
+              <a:rPr lang="zh-CN" altLang="en-US" sz="1600" dirty="0" smtClean="0">
+                <a:solidFill>
+                  <a:srgbClr val="0070C0"/>
+                </a:solidFill>
+                <a:latin typeface="Calibri"/>
+                <a:cs typeface="Calibri"/>
+              </a:rPr>
+              <a:t>：</a:t>
+            </a:r>
+            <a:r>
+              <a:rPr lang="en-US" altLang="zh-CN" sz="1600" dirty="0">
+                <a:solidFill>
+                  <a:srgbClr val="0070C0"/>
+                </a:solidFill>
+                <a:latin typeface="Calibri"/>
+                <a:cs typeface="Calibri"/>
+              </a:rPr>
+              <a:t> Calculate </a:t>
+            </a:r>
+            <a:r>
+              <a:rPr lang="en-US" altLang="zh-CN" sz="1600" dirty="0" smtClean="0">
+                <a:solidFill>
+                  <a:srgbClr val="0070C0"/>
+                </a:solidFill>
+                <a:latin typeface="Calibri"/>
+                <a:cs typeface="Calibri"/>
+              </a:rPr>
+              <a:t>the Conditional </a:t>
+            </a:r>
+            <a:r>
+              <a:rPr lang="en-US" altLang="zh-CN" sz="1600" dirty="0">
+                <a:solidFill>
+                  <a:srgbClr val="0070C0"/>
+                </a:solidFill>
+                <a:latin typeface="Calibri"/>
+                <a:cs typeface="Calibri"/>
+              </a:rPr>
+              <a:t>probability of </a:t>
+            </a:r>
+            <a:r>
+              <a:rPr lang="en-US" altLang="zh-CN" sz="1600" dirty="0" smtClean="0">
+                <a:solidFill>
+                  <a:srgbClr val="0070C0"/>
+                </a:solidFill>
+                <a:latin typeface="Calibri"/>
+                <a:cs typeface="Calibri"/>
+              </a:rPr>
+              <a:t>BT </a:t>
+            </a:r>
+            <a:r>
+              <a:rPr lang="en-US" altLang="zh-CN" sz="1600" dirty="0">
+                <a:solidFill>
+                  <a:srgbClr val="0070C0"/>
+                </a:solidFill>
+                <a:latin typeface="Calibri"/>
+                <a:cs typeface="Calibri"/>
+              </a:rPr>
+              <a:t>at known </a:t>
+            </a:r>
+            <a:r>
+              <a:rPr lang="en-US" altLang="zh-CN" sz="1600" dirty="0" smtClean="0">
+                <a:solidFill>
+                  <a:srgbClr val="0070C0"/>
+                </a:solidFill>
+                <a:latin typeface="Calibri"/>
+                <a:cs typeface="Calibri"/>
+              </a:rPr>
+              <a:t>PX</a:t>
+            </a:r>
+            <a:r>
+              <a:rPr lang="zh-CN" altLang="en-US" sz="1600" dirty="0" smtClean="0">
+                <a:solidFill>
+                  <a:srgbClr val="0070C0"/>
+                </a:solidFill>
+                <a:latin typeface="Calibri"/>
+                <a:cs typeface="Calibri"/>
+              </a:rPr>
+              <a:t>：</a:t>
+            </a:r>
+            <a:endParaRPr lang="en-US" altLang="zh-CN" sz="1600" dirty="0" smtClean="0">
+              <a:solidFill>
+                <a:srgbClr val="0070C0"/>
+              </a:solidFill>
+              <a:latin typeface="Calibri"/>
+              <a:cs typeface="Calibri"/>
+            </a:endParaRPr>
+          </a:p>
+        </p:txBody>
+      </p:sp>
+      <p:pic>
+        <p:nvPicPr>
+          <p:cNvPr id="6" name="图片 5"/>
+          <p:cNvPicPr>
+            <a:picLocks noChangeAspect="1"/>
+          </p:cNvPicPr>
+          <p:nvPr/>
+        </p:nvPicPr>
+        <p:blipFill>
+          <a:blip r:embed="rId3"/>
+          <a:stretch>
+            <a:fillRect/>
+          </a:stretch>
+        </p:blipFill>
+        <p:spPr>
+          <a:xfrm>
+            <a:off x="263652" y="1251525"/>
+            <a:ext cx="2971800" cy="2326168"/>
+          </a:xfrm>
+          <a:prstGeom prst="rect">
+            <a:avLst/>
+          </a:prstGeom>
+        </p:spPr>
+      </p:pic>
+      <mc:AlternateContent xmlns:mc="http://schemas.openxmlformats.org/markup-compatibility/2006">
+        <mc:Choice xmlns:a14="http://schemas.microsoft.com/office/drawing/2010/main" Requires="a14">
+          <p:sp>
+            <p:nvSpPr>
+              <p:cNvPr id="2" name="文本框 1"/>
+              <p:cNvSpPr txBox="1"/>
+              <p:nvPr/>
+            </p:nvSpPr>
+            <p:spPr>
+              <a:xfrm>
+                <a:off x="3229356" y="1517657"/>
+                <a:ext cx="5562600" cy="2730876"/>
+              </a:xfrm>
+              <a:prstGeom prst="rect">
+                <a:avLst/>
+              </a:prstGeom>
+              <a:noFill/>
+            </p:spPr>
+            <p:txBody>
+              <a:bodyPr wrap="square" rtlCol="0">
+                <a:spAutoFit/>
+              </a:bodyPr>
+              <a:lstStyle/>
+              <a:p>
+                <a:r>
+                  <a:rPr lang="en-US" altLang="zh-CN" sz="1600" dirty="0" smtClean="0">
+                    <a:latin typeface="Calibri" panose="020F0502020204030204" pitchFamily="34" charset="0"/>
+                    <a:cs typeface="Calibri" panose="020F0502020204030204" pitchFamily="34" charset="0"/>
+                  </a:rPr>
+                  <a:t>According to the conditional probability formula:</a:t>
+                </a:r>
+              </a:p>
+              <a:p>
+                <a:endParaRPr lang="en-US" altLang="zh-CN" sz="1600" dirty="0" smtClean="0">
+                  <a:latin typeface="Calibri" panose="020F0502020204030204" pitchFamily="34" charset="0"/>
+                  <a:cs typeface="Calibri" panose="020F0502020204030204" pitchFamily="34" charset="0"/>
+                </a:endParaRPr>
+              </a:p>
+              <a:p>
+                <a:pPr algn="ctr"/>
+                <a14:m>
+                  <m:oMathPara xmlns:m="http://schemas.openxmlformats.org/officeDocument/2006/math">
+                    <m:oMathParaPr>
+                      <m:jc m:val="centerGroup"/>
+                    </m:oMathParaPr>
+                    <m:oMath xmlns:m="http://schemas.openxmlformats.org/officeDocument/2006/math">
+                      <m:r>
+                        <a:rPr lang="en-US" altLang="zh-CN" sz="1600" b="0" i="1" smtClean="0">
+                          <a:latin typeface="Cambria Math" panose="02040503050406030204" pitchFamily="18" charset="0"/>
+                          <a:cs typeface="Calibri" panose="020F0502020204030204" pitchFamily="34" charset="0"/>
+                        </a:rPr>
+                        <m:t>𝑃</m:t>
+                      </m:r>
+                      <m:d>
+                        <m:dPr>
+                          <m:ctrlPr>
+                            <a:rPr lang="en-US" altLang="zh-CN" sz="1600" b="0" i="1" smtClean="0">
+                              <a:latin typeface="Cambria Math" panose="02040503050406030204" pitchFamily="18" charset="0"/>
+                              <a:cs typeface="Calibri" panose="020F0502020204030204" pitchFamily="34" charset="0"/>
+                            </a:rPr>
+                          </m:ctrlPr>
+                        </m:dPr>
+                        <m:e>
+                          <m:r>
+                            <a:rPr lang="en-US" altLang="zh-CN" sz="1600" b="0" i="1" smtClean="0">
+                              <a:latin typeface="Cambria Math" panose="02040503050406030204" pitchFamily="18" charset="0"/>
+                              <a:cs typeface="Calibri" panose="020F0502020204030204" pitchFamily="34" charset="0"/>
+                            </a:rPr>
+                            <m:t>+</m:t>
+                          </m:r>
+                          <m:r>
+                            <a:rPr lang="en-US" altLang="zh-CN" sz="1600" b="0" i="1" smtClean="0">
+                              <a:latin typeface="Cambria Math" panose="02040503050406030204" pitchFamily="18" charset="0"/>
+                              <a:cs typeface="Calibri" panose="020F0502020204030204" pitchFamily="34" charset="0"/>
+                            </a:rPr>
+                            <m:t>𝐵𝑇</m:t>
+                          </m:r>
+                        </m:e>
+                        <m:e>
+                          <m:r>
+                            <a:rPr lang="en-US" altLang="zh-CN" sz="1600" b="0" i="1" smtClean="0">
+                              <a:latin typeface="Cambria Math" panose="02040503050406030204" pitchFamily="18" charset="0"/>
+                              <a:cs typeface="Calibri" panose="020F0502020204030204" pitchFamily="34" charset="0"/>
+                            </a:rPr>
+                            <m:t>+</m:t>
+                          </m:r>
+                          <m:r>
+                            <a:rPr lang="en-US" altLang="zh-CN" sz="1600" b="0" i="1" smtClean="0">
+                              <a:latin typeface="Cambria Math" panose="02040503050406030204" pitchFamily="18" charset="0"/>
+                              <a:cs typeface="Calibri" panose="020F0502020204030204" pitchFamily="34" charset="0"/>
+                            </a:rPr>
+                            <m:t>𝑃𝑋</m:t>
+                          </m:r>
+                        </m:e>
+                      </m:d>
+                      <m:r>
+                        <a:rPr lang="en-US" altLang="zh-CN" sz="1600" b="0" i="1" smtClean="0">
+                          <a:latin typeface="Cambria Math" panose="02040503050406030204" pitchFamily="18" charset="0"/>
+                          <a:cs typeface="Calibri" panose="020F0502020204030204" pitchFamily="34" charset="0"/>
+                        </a:rPr>
+                        <m:t>=</m:t>
+                      </m:r>
+                      <m:f>
+                        <m:fPr>
+                          <m:ctrlPr>
+                            <a:rPr lang="en-US" altLang="zh-CN" sz="1600" b="0" i="1" smtClean="0">
+                              <a:latin typeface="Cambria Math" panose="02040503050406030204" pitchFamily="18" charset="0"/>
+                              <a:cs typeface="Calibri" panose="020F0502020204030204" pitchFamily="34" charset="0"/>
+                            </a:rPr>
+                          </m:ctrlPr>
+                        </m:fPr>
+                        <m:num>
+                          <m:r>
+                            <a:rPr lang="en-US" altLang="zh-CN" sz="1600" b="0" i="1" smtClean="0">
+                              <a:latin typeface="Cambria Math" panose="02040503050406030204" pitchFamily="18" charset="0"/>
+                              <a:cs typeface="Calibri" panose="020F0502020204030204" pitchFamily="34" charset="0"/>
+                            </a:rPr>
+                            <m:t>𝑃</m:t>
+                          </m:r>
+                          <m:d>
+                            <m:dPr>
+                              <m:ctrlPr>
+                                <a:rPr lang="en-US" altLang="zh-CN" sz="1600" b="0" i="1" smtClean="0">
+                                  <a:latin typeface="Cambria Math" panose="02040503050406030204" pitchFamily="18" charset="0"/>
+                                  <a:cs typeface="Calibri" panose="020F0502020204030204" pitchFamily="34" charset="0"/>
+                                </a:rPr>
+                              </m:ctrlPr>
+                            </m:dPr>
+                            <m:e>
+                              <m:r>
+                                <a:rPr lang="en-US" altLang="zh-CN" sz="1600" b="0" i="1" smtClean="0">
+                                  <a:latin typeface="Cambria Math" panose="02040503050406030204" pitchFamily="18" charset="0"/>
+                                  <a:cs typeface="Calibri" panose="020F0502020204030204" pitchFamily="34" charset="0"/>
+                                </a:rPr>
+                                <m:t>+</m:t>
+                              </m:r>
+                              <m:r>
+                                <a:rPr lang="en-US" altLang="zh-CN" sz="1600" b="0" i="1" smtClean="0">
+                                  <a:latin typeface="Cambria Math" panose="02040503050406030204" pitchFamily="18" charset="0"/>
+                                  <a:cs typeface="Calibri" panose="020F0502020204030204" pitchFamily="34" charset="0"/>
+                                </a:rPr>
+                                <m:t>𝑃𝑋</m:t>
+                              </m:r>
+                            </m:e>
+                            <m:e>
+                              <m:r>
+                                <a:rPr lang="en-US" altLang="zh-CN" sz="1600" b="0" i="1" smtClean="0">
+                                  <a:latin typeface="Cambria Math" panose="02040503050406030204" pitchFamily="18" charset="0"/>
+                                  <a:cs typeface="Calibri" panose="020F0502020204030204" pitchFamily="34" charset="0"/>
+                                </a:rPr>
+                                <m:t>+</m:t>
+                              </m:r>
+                              <m:r>
+                                <a:rPr lang="en-US" altLang="zh-CN" sz="1600" b="0" i="1" smtClean="0">
+                                  <a:latin typeface="Cambria Math" panose="02040503050406030204" pitchFamily="18" charset="0"/>
+                                  <a:cs typeface="Calibri" panose="020F0502020204030204" pitchFamily="34" charset="0"/>
+                                </a:rPr>
+                                <m:t>𝐵𝑇</m:t>
+                              </m:r>
+                            </m:e>
+                          </m:d>
+                          <m:r>
+                            <a:rPr lang="en-US" altLang="zh-CN" sz="1600" b="0" i="1" smtClean="0">
+                              <a:latin typeface="Cambria Math" panose="02040503050406030204" pitchFamily="18" charset="0"/>
+                              <a:cs typeface="Calibri" panose="020F0502020204030204" pitchFamily="34" charset="0"/>
+                            </a:rPr>
+                            <m:t>𝑃</m:t>
+                          </m:r>
+                          <m:d>
+                            <m:dPr>
+                              <m:ctrlPr>
+                                <a:rPr lang="en-US" altLang="zh-CN" sz="1600" b="0" i="1" smtClean="0">
+                                  <a:latin typeface="Cambria Math" panose="02040503050406030204" pitchFamily="18" charset="0"/>
+                                  <a:cs typeface="Calibri" panose="020F0502020204030204" pitchFamily="34" charset="0"/>
+                                </a:rPr>
+                              </m:ctrlPr>
+                            </m:dPr>
+                            <m:e>
+                              <m:r>
+                                <a:rPr lang="en-US" altLang="zh-CN" sz="1600" b="0" i="1" smtClean="0">
+                                  <a:latin typeface="Cambria Math" panose="02040503050406030204" pitchFamily="18" charset="0"/>
+                                  <a:cs typeface="Calibri" panose="020F0502020204030204" pitchFamily="34" charset="0"/>
+                                </a:rPr>
+                                <m:t>+</m:t>
+                              </m:r>
+                              <m:r>
+                                <a:rPr lang="en-US" altLang="zh-CN" sz="1600" b="0" i="1" smtClean="0">
+                                  <a:latin typeface="Cambria Math" panose="02040503050406030204" pitchFamily="18" charset="0"/>
+                                  <a:cs typeface="Calibri" panose="020F0502020204030204" pitchFamily="34" charset="0"/>
+                                </a:rPr>
+                                <m:t>𝐵𝑇</m:t>
+                              </m:r>
+                            </m:e>
+                          </m:d>
+                        </m:num>
+                        <m:den>
+                          <m:r>
+                            <a:rPr lang="en-US" altLang="zh-CN" sz="1600" b="0" i="1" smtClean="0">
+                              <a:latin typeface="Cambria Math" panose="02040503050406030204" pitchFamily="18" charset="0"/>
+                              <a:cs typeface="Calibri" panose="020F0502020204030204" pitchFamily="34" charset="0"/>
+                            </a:rPr>
+                            <m:t>𝑃</m:t>
+                          </m:r>
+                          <m:r>
+                            <a:rPr lang="en-US" altLang="zh-CN" sz="1600" b="0" i="1" smtClean="0">
+                              <a:latin typeface="Cambria Math" panose="02040503050406030204" pitchFamily="18" charset="0"/>
+                              <a:cs typeface="Calibri" panose="020F0502020204030204" pitchFamily="34" charset="0"/>
+                            </a:rPr>
+                            <m:t>(+</m:t>
+                          </m:r>
+                          <m:r>
+                            <a:rPr lang="en-US" altLang="zh-CN" sz="1600" b="0" i="1" smtClean="0">
+                              <a:latin typeface="Cambria Math" panose="02040503050406030204" pitchFamily="18" charset="0"/>
+                              <a:cs typeface="Calibri" panose="020F0502020204030204" pitchFamily="34" charset="0"/>
+                            </a:rPr>
+                            <m:t>𝑃𝑋</m:t>
+                          </m:r>
+                          <m:r>
+                            <a:rPr lang="en-US" altLang="zh-CN" sz="1600" b="0" i="1" smtClean="0">
+                              <a:latin typeface="Cambria Math" panose="02040503050406030204" pitchFamily="18" charset="0"/>
+                              <a:cs typeface="Calibri" panose="020F0502020204030204" pitchFamily="34" charset="0"/>
+                            </a:rPr>
+                            <m:t>)</m:t>
+                          </m:r>
+                        </m:den>
+                      </m:f>
+                    </m:oMath>
+                  </m:oMathPara>
+                </a14:m>
+                <a:endParaRPr lang="en-US" altLang="zh-CN" sz="1600" b="0" dirty="0" smtClean="0">
+                  <a:latin typeface="Calibri" panose="020F0502020204030204" pitchFamily="34" charset="0"/>
+                  <a:cs typeface="Calibri" panose="020F0502020204030204" pitchFamily="34" charset="0"/>
+                </a:endParaRPr>
+              </a:p>
+              <a:p>
+                <a:r>
+                  <a:rPr lang="en-US" altLang="zh-CN" sz="1600" dirty="0" smtClean="0">
+                    <a:latin typeface="Calibri" panose="020F0502020204030204" pitchFamily="34" charset="0"/>
+                    <a:cs typeface="Calibri" panose="020F0502020204030204" pitchFamily="34" charset="0"/>
+                  </a:rPr>
+                  <a:t>		          </a:t>
+                </a:r>
+                <a14:m>
+                  <m:oMath xmlns:m="http://schemas.openxmlformats.org/officeDocument/2006/math">
+                    <m:r>
+                      <a:rPr lang="en-US" altLang="zh-CN" b="0" i="1" smtClean="0">
+                        <a:latin typeface="Cambria Math" panose="02040503050406030204" pitchFamily="18" charset="0"/>
+                        <a:cs typeface="Calibri" panose="020F0502020204030204" pitchFamily="34" charset="0"/>
+                      </a:rPr>
+                      <m:t>=</m:t>
+                    </m:r>
+                    <m:f>
+                      <m:fPr>
+                        <m:ctrlPr>
+                          <a:rPr lang="en-US" altLang="zh-CN" b="0" i="1" smtClean="0">
+                            <a:latin typeface="Cambria Math" panose="02040503050406030204" pitchFamily="18" charset="0"/>
+                            <a:cs typeface="Calibri" panose="020F0502020204030204" pitchFamily="34" charset="0"/>
+                          </a:rPr>
+                        </m:ctrlPr>
+                      </m:fPr>
+                      <m:num>
+                        <m:r>
+                          <a:rPr lang="en-US" altLang="zh-CN" b="0" i="1" smtClean="0">
+                            <a:latin typeface="Cambria Math" panose="02040503050406030204" pitchFamily="18" charset="0"/>
+                            <a:cs typeface="Calibri" panose="020F0502020204030204" pitchFamily="34" charset="0"/>
+                          </a:rPr>
+                          <m:t>0.98</m:t>
+                        </m:r>
+                        <m:r>
+                          <a:rPr lang="en-US" altLang="zh-CN" b="0" i="1" smtClean="0">
+                            <a:latin typeface="Cambria Math" panose="02040503050406030204" pitchFamily="18" charset="0"/>
+                            <a:cs typeface="Calibri" panose="020F0502020204030204" pitchFamily="34" charset="0"/>
+                          </a:rPr>
+                          <m:t>×0.001</m:t>
+                        </m:r>
+                      </m:num>
+                      <m:den>
+                        <m:r>
+                          <a:rPr lang="en-US" altLang="zh-CN" b="0" i="1" smtClean="0">
+                            <a:latin typeface="Cambria Math" panose="02040503050406030204" pitchFamily="18" charset="0"/>
+                            <a:cs typeface="Calibri" panose="020F0502020204030204" pitchFamily="34" charset="0"/>
+                          </a:rPr>
+                          <m:t>0.011</m:t>
+                        </m:r>
+                      </m:den>
+                    </m:f>
+                    <m:r>
+                      <a:rPr lang="en-US" altLang="zh-CN" b="0" i="1" smtClean="0">
+                        <a:latin typeface="Cambria Math" panose="02040503050406030204" pitchFamily="18" charset="0"/>
+                        <a:cs typeface="Calibri" panose="020F0502020204030204" pitchFamily="34" charset="0"/>
+                      </a:rPr>
+                      <m:t>=0.089</m:t>
+                    </m:r>
+                  </m:oMath>
+                </a14:m>
+                <a:endParaRPr lang="en-US" altLang="zh-CN" sz="1600" dirty="0" smtClean="0">
+                  <a:latin typeface="Calibri" panose="020F0502020204030204" pitchFamily="34" charset="0"/>
+                  <a:cs typeface="Calibri" panose="020F0502020204030204" pitchFamily="34" charset="0"/>
+                </a:endParaRPr>
+              </a:p>
+              <a:p>
+                <a:r>
+                  <a:rPr lang="en-US" altLang="zh-CN" sz="1600" dirty="0" smtClean="0">
+                    <a:latin typeface="Calibri" panose="020F0502020204030204" pitchFamily="34" charset="0"/>
+                    <a:cs typeface="Calibri" panose="020F0502020204030204" pitchFamily="34" charset="0"/>
+                  </a:rPr>
+                  <a:t>The </a:t>
+                </a:r>
+                <a14:m>
+                  <m:oMath xmlns:m="http://schemas.openxmlformats.org/officeDocument/2006/math">
+                    <m:r>
+                      <a:rPr lang="en-US" altLang="zh-CN" sz="1600" b="0" i="1" smtClean="0">
+                        <a:latin typeface="Cambria Math" panose="02040503050406030204" pitchFamily="18" charset="0"/>
+                        <a:cs typeface="Calibri" panose="020F0502020204030204" pitchFamily="34" charset="0"/>
+                      </a:rPr>
+                      <m:t>𝑃</m:t>
+                    </m:r>
+                    <m:r>
+                      <a:rPr lang="en-US" altLang="zh-CN" sz="1600" b="0" i="1" smtClean="0">
+                        <a:latin typeface="Cambria Math" panose="02040503050406030204" pitchFamily="18" charset="0"/>
+                        <a:cs typeface="Calibri" panose="020F0502020204030204" pitchFamily="34" charset="0"/>
+                      </a:rPr>
+                      <m:t>(+</m:t>
+                    </m:r>
+                    <m:r>
+                      <a:rPr lang="en-US" altLang="zh-CN" sz="1600" b="0" i="1" smtClean="0">
+                        <a:latin typeface="Cambria Math" panose="02040503050406030204" pitchFamily="18" charset="0"/>
+                        <a:cs typeface="Calibri" panose="020F0502020204030204" pitchFamily="34" charset="0"/>
+                      </a:rPr>
+                      <m:t>𝑃𝑋</m:t>
+                    </m:r>
+                    <m:r>
+                      <a:rPr lang="en-US" altLang="zh-CN" sz="1600" b="0" i="1" smtClean="0">
+                        <a:latin typeface="Cambria Math" panose="02040503050406030204" pitchFamily="18" charset="0"/>
+                        <a:cs typeface="Calibri" panose="020F0502020204030204" pitchFamily="34" charset="0"/>
+                      </a:rPr>
+                      <m:t>)</m:t>
+                    </m:r>
+                  </m:oMath>
+                </a14:m>
+                <a:r>
+                  <a:rPr lang="en-US" altLang="zh-CN" sz="1600" dirty="0" smtClean="0">
+                    <a:latin typeface="Calibri" panose="020F0502020204030204" pitchFamily="34" charset="0"/>
+                    <a:cs typeface="Calibri" panose="020F0502020204030204" pitchFamily="34" charset="0"/>
+                  </a:rPr>
+                  <a:t> in the equation:</a:t>
+                </a:r>
+              </a:p>
+              <a:p>
+                <a:endParaRPr lang="en-US" altLang="zh-CN" sz="1600" dirty="0" smtClean="0">
+                  <a:latin typeface="Calibri" panose="020F0502020204030204" pitchFamily="34" charset="0"/>
+                  <a:cs typeface="Calibri" panose="020F0502020204030204" pitchFamily="34" charset="0"/>
+                </a:endParaRPr>
+              </a:p>
+              <a:p>
+                <a:pPr algn="ctr"/>
+                <a14:m>
+                  <m:oMathPara xmlns:m="http://schemas.openxmlformats.org/officeDocument/2006/math">
+                    <m:oMathParaPr>
+                      <m:jc m:val="centerGroup"/>
+                    </m:oMathParaPr>
+                    <m:oMath xmlns:m="http://schemas.openxmlformats.org/officeDocument/2006/math">
+                      <m:r>
+                        <a:rPr lang="en-US" altLang="zh-CN" sz="1600" b="0" i="1" smtClean="0">
+                          <a:latin typeface="Cambria Math" panose="02040503050406030204" pitchFamily="18" charset="0"/>
+                          <a:cs typeface="Calibri" panose="020F0502020204030204" pitchFamily="34" charset="0"/>
+                        </a:rPr>
+                        <m:t>𝑃</m:t>
+                      </m:r>
+                      <m:d>
+                        <m:dPr>
+                          <m:ctrlPr>
+                            <a:rPr lang="en-US" altLang="zh-CN" sz="1600" b="0" i="1" smtClean="0">
+                              <a:latin typeface="Cambria Math" panose="02040503050406030204" pitchFamily="18" charset="0"/>
+                              <a:cs typeface="Calibri" panose="020F0502020204030204" pitchFamily="34" charset="0"/>
+                            </a:rPr>
+                          </m:ctrlPr>
+                        </m:dPr>
+                        <m:e>
+                          <m:r>
+                            <a:rPr lang="en-US" altLang="zh-CN" sz="1600" b="0" i="1" smtClean="0">
+                              <a:latin typeface="Cambria Math" panose="02040503050406030204" pitchFamily="18" charset="0"/>
+                              <a:cs typeface="Calibri" panose="020F0502020204030204" pitchFamily="34" charset="0"/>
+                            </a:rPr>
+                            <m:t>+</m:t>
+                          </m:r>
+                          <m:r>
+                            <a:rPr lang="en-US" altLang="zh-CN" sz="1600" b="0" i="1" smtClean="0">
+                              <a:latin typeface="Cambria Math" panose="02040503050406030204" pitchFamily="18" charset="0"/>
+                              <a:cs typeface="Calibri" panose="020F0502020204030204" pitchFamily="34" charset="0"/>
+                            </a:rPr>
+                            <m:t>𝑃𝑋</m:t>
+                          </m:r>
+                        </m:e>
+                      </m:d>
+                      <m:r>
+                        <a:rPr lang="en-US" altLang="zh-CN" sz="1600" b="0" i="1" smtClean="0">
+                          <a:latin typeface="Cambria Math" panose="02040503050406030204" pitchFamily="18" charset="0"/>
+                          <a:cs typeface="Calibri" panose="020F0502020204030204" pitchFamily="34" charset="0"/>
+                        </a:rPr>
+                        <m:t>=</m:t>
+                      </m:r>
+                      <m:r>
+                        <a:rPr lang="en-US" altLang="zh-CN" sz="1600" b="0" i="1" smtClean="0">
+                          <a:latin typeface="Cambria Math" panose="02040503050406030204" pitchFamily="18" charset="0"/>
+                          <a:cs typeface="Calibri" panose="020F0502020204030204" pitchFamily="34" charset="0"/>
+                        </a:rPr>
+                        <m:t>𝑃</m:t>
+                      </m:r>
+                      <m:d>
+                        <m:dPr>
+                          <m:ctrlPr>
+                            <a:rPr lang="en-US" altLang="zh-CN" sz="1600" b="0" i="1" smtClean="0">
+                              <a:latin typeface="Cambria Math" panose="02040503050406030204" pitchFamily="18" charset="0"/>
+                              <a:cs typeface="Calibri" panose="020F0502020204030204" pitchFamily="34" charset="0"/>
+                            </a:rPr>
+                          </m:ctrlPr>
+                        </m:dPr>
+                        <m:e>
+                          <m:r>
+                            <a:rPr lang="en-US" altLang="zh-CN" sz="1600" b="0" i="1" smtClean="0">
+                              <a:latin typeface="Cambria Math" panose="02040503050406030204" pitchFamily="18" charset="0"/>
+                              <a:cs typeface="Calibri" panose="020F0502020204030204" pitchFamily="34" charset="0"/>
+                            </a:rPr>
+                            <m:t>+</m:t>
+                          </m:r>
+                          <m:r>
+                            <a:rPr lang="en-US" altLang="zh-CN" sz="1600" b="0" i="1" smtClean="0">
+                              <a:latin typeface="Cambria Math" panose="02040503050406030204" pitchFamily="18" charset="0"/>
+                              <a:cs typeface="Calibri" panose="020F0502020204030204" pitchFamily="34" charset="0"/>
+                            </a:rPr>
+                            <m:t>𝑃𝑋</m:t>
+                          </m:r>
+                        </m:e>
+                        <m:e>
+                          <m:r>
+                            <a:rPr lang="en-US" altLang="zh-CN" sz="1600" b="0" i="1" smtClean="0">
+                              <a:latin typeface="Cambria Math" panose="02040503050406030204" pitchFamily="18" charset="0"/>
+                              <a:cs typeface="Calibri" panose="020F0502020204030204" pitchFamily="34" charset="0"/>
+                            </a:rPr>
+                            <m:t>+</m:t>
+                          </m:r>
+                          <m:r>
+                            <a:rPr lang="en-US" altLang="zh-CN" sz="1600" b="0" i="1" smtClean="0">
+                              <a:latin typeface="Cambria Math" panose="02040503050406030204" pitchFamily="18" charset="0"/>
+                              <a:cs typeface="Calibri" panose="020F0502020204030204" pitchFamily="34" charset="0"/>
+                            </a:rPr>
+                            <m:t>𝐵𝑇</m:t>
+                          </m:r>
+                        </m:e>
+                      </m:d>
+                      <m:r>
+                        <a:rPr lang="en-US" altLang="zh-CN" sz="1600" b="0" i="1" smtClean="0">
+                          <a:latin typeface="Cambria Math" panose="02040503050406030204" pitchFamily="18" charset="0"/>
+                          <a:cs typeface="Calibri" panose="020F0502020204030204" pitchFamily="34" charset="0"/>
+                        </a:rPr>
+                        <m:t>𝑃</m:t>
+                      </m:r>
+                      <m:d>
+                        <m:dPr>
+                          <m:ctrlPr>
+                            <a:rPr lang="en-US" altLang="zh-CN" sz="1600" b="0" i="1" smtClean="0">
+                              <a:latin typeface="Cambria Math" panose="02040503050406030204" pitchFamily="18" charset="0"/>
+                              <a:cs typeface="Calibri" panose="020F0502020204030204" pitchFamily="34" charset="0"/>
+                            </a:rPr>
+                          </m:ctrlPr>
+                        </m:dPr>
+                        <m:e>
+                          <m:r>
+                            <a:rPr lang="en-US" altLang="zh-CN" sz="1600" b="0" i="1" smtClean="0">
+                              <a:latin typeface="Cambria Math" panose="02040503050406030204" pitchFamily="18" charset="0"/>
+                              <a:cs typeface="Calibri" panose="020F0502020204030204" pitchFamily="34" charset="0"/>
+                            </a:rPr>
+                            <m:t>+</m:t>
+                          </m:r>
+                          <m:r>
+                            <a:rPr lang="en-US" altLang="zh-CN" sz="1600" b="0" i="1" smtClean="0">
+                              <a:latin typeface="Cambria Math" panose="02040503050406030204" pitchFamily="18" charset="0"/>
+                              <a:cs typeface="Calibri" panose="020F0502020204030204" pitchFamily="34" charset="0"/>
+                            </a:rPr>
+                            <m:t>𝐵𝑇</m:t>
+                          </m:r>
+                        </m:e>
+                      </m:d>
+                      <m:r>
+                        <a:rPr lang="en-US" altLang="zh-CN" sz="1600" b="0" i="1" smtClean="0">
+                          <a:latin typeface="Cambria Math" panose="02040503050406030204" pitchFamily="18" charset="0"/>
+                          <a:cs typeface="Calibri" panose="020F0502020204030204" pitchFamily="34" charset="0"/>
+                        </a:rPr>
+                        <m:t>+</m:t>
+                      </m:r>
+                      <m:r>
+                        <a:rPr lang="en-US" altLang="zh-CN" sz="1600" b="0" i="1" smtClean="0">
+                          <a:latin typeface="Cambria Math" panose="02040503050406030204" pitchFamily="18" charset="0"/>
+                          <a:cs typeface="Calibri" panose="020F0502020204030204" pitchFamily="34" charset="0"/>
+                        </a:rPr>
+                        <m:t>𝑃</m:t>
+                      </m:r>
+                      <m:d>
+                        <m:dPr>
+                          <m:ctrlPr>
+                            <a:rPr lang="en-US" altLang="zh-CN" sz="1600" b="0" i="1" smtClean="0">
+                              <a:latin typeface="Cambria Math" panose="02040503050406030204" pitchFamily="18" charset="0"/>
+                              <a:cs typeface="Calibri" panose="020F0502020204030204" pitchFamily="34" charset="0"/>
+                            </a:rPr>
+                          </m:ctrlPr>
+                        </m:dPr>
+                        <m:e>
+                          <m:r>
+                            <a:rPr lang="en-US" altLang="zh-CN" sz="1600" b="0" i="1" smtClean="0">
+                              <a:latin typeface="Cambria Math" panose="02040503050406030204" pitchFamily="18" charset="0"/>
+                              <a:cs typeface="Calibri" panose="020F0502020204030204" pitchFamily="34" charset="0"/>
+                            </a:rPr>
+                            <m:t>+</m:t>
+                          </m:r>
+                          <m:r>
+                            <a:rPr lang="en-US" altLang="zh-CN" sz="1600" b="0" i="1" smtClean="0">
+                              <a:latin typeface="Cambria Math" panose="02040503050406030204" pitchFamily="18" charset="0"/>
+                              <a:cs typeface="Calibri" panose="020F0502020204030204" pitchFamily="34" charset="0"/>
+                            </a:rPr>
+                            <m:t>𝑃𝑋</m:t>
+                          </m:r>
+                        </m:e>
+                        <m:e>
+                          <m:r>
+                            <a:rPr lang="en-US" altLang="zh-CN" sz="1600" b="0" i="1" smtClean="0">
+                              <a:latin typeface="Cambria Math" panose="02040503050406030204" pitchFamily="18" charset="0"/>
+                              <a:cs typeface="Calibri" panose="020F0502020204030204" pitchFamily="34" charset="0"/>
+                            </a:rPr>
+                            <m:t>−</m:t>
+                          </m:r>
+                          <m:r>
+                            <a:rPr lang="en-US" altLang="zh-CN" sz="1600" b="0" i="1" smtClean="0">
+                              <a:latin typeface="Cambria Math" panose="02040503050406030204" pitchFamily="18" charset="0"/>
+                              <a:cs typeface="Calibri" panose="020F0502020204030204" pitchFamily="34" charset="0"/>
+                            </a:rPr>
+                            <m:t>𝐵𝑇</m:t>
+                          </m:r>
+                        </m:e>
+                      </m:d>
+                      <m:r>
+                        <a:rPr lang="en-US" altLang="zh-CN" sz="1600" b="0" i="1" smtClean="0">
+                          <a:latin typeface="Cambria Math" panose="02040503050406030204" pitchFamily="18" charset="0"/>
+                          <a:cs typeface="Calibri" panose="020F0502020204030204" pitchFamily="34" charset="0"/>
+                        </a:rPr>
+                        <m:t>𝑃</m:t>
+                      </m:r>
+                      <m:r>
+                        <a:rPr lang="en-US" altLang="zh-CN" sz="1600" b="0" i="1" smtClean="0">
+                          <a:latin typeface="Cambria Math" panose="02040503050406030204" pitchFamily="18" charset="0"/>
+                          <a:cs typeface="Calibri" panose="020F0502020204030204" pitchFamily="34" charset="0"/>
+                        </a:rPr>
+                        <m:t>(−</m:t>
+                      </m:r>
+                      <m:r>
+                        <a:rPr lang="en-US" altLang="zh-CN" sz="1600" b="0" i="1" smtClean="0">
+                          <a:latin typeface="Cambria Math" panose="02040503050406030204" pitchFamily="18" charset="0"/>
+                          <a:cs typeface="Calibri" panose="020F0502020204030204" pitchFamily="34" charset="0"/>
+                        </a:rPr>
+                        <m:t>𝐵𝑇</m:t>
+                      </m:r>
+                      <m:r>
+                        <a:rPr lang="en-US" altLang="zh-CN" sz="1600" b="0" i="1" smtClean="0">
+                          <a:latin typeface="Cambria Math" panose="02040503050406030204" pitchFamily="18" charset="0"/>
+                          <a:cs typeface="Calibri" panose="020F0502020204030204" pitchFamily="34" charset="0"/>
+                        </a:rPr>
+                        <m:t>)</m:t>
+                      </m:r>
+                    </m:oMath>
+                  </m:oMathPara>
+                </a14:m>
+                <a:endParaRPr lang="en-US" altLang="zh-CN" sz="1600" dirty="0" smtClean="0">
+                  <a:latin typeface="Calibri" panose="020F0502020204030204" pitchFamily="34" charset="0"/>
+                  <a:cs typeface="Calibri" panose="020F0502020204030204" pitchFamily="34" charset="0"/>
+                </a:endParaRPr>
+              </a:p>
+              <a:p>
+                <a:r>
+                  <a:rPr lang="en-US" altLang="zh-CN" sz="1600" dirty="0">
+                    <a:latin typeface="Calibri" panose="020F0502020204030204" pitchFamily="34" charset="0"/>
+                    <a:cs typeface="Calibri" panose="020F0502020204030204" pitchFamily="34" charset="0"/>
+                  </a:rPr>
+                  <a:t>	</a:t>
+                </a:r>
+                <a:r>
+                  <a:rPr lang="en-US" altLang="zh-CN" sz="1600" dirty="0" smtClean="0">
+                    <a:latin typeface="Calibri" panose="020F0502020204030204" pitchFamily="34" charset="0"/>
+                    <a:cs typeface="Calibri" panose="020F0502020204030204" pitchFamily="34" charset="0"/>
+                  </a:rPr>
+                  <a:t> </a:t>
+                </a:r>
+                <a14:m>
+                  <m:oMath xmlns:m="http://schemas.openxmlformats.org/officeDocument/2006/math">
+                    <m:r>
+                      <a:rPr lang="en-US" altLang="zh-CN" sz="1600" b="0" i="1" smtClean="0">
+                        <a:latin typeface="Cambria Math" panose="02040503050406030204" pitchFamily="18" charset="0"/>
+                        <a:cs typeface="Calibri" panose="020F0502020204030204" pitchFamily="34" charset="0"/>
+                      </a:rPr>
+                      <m:t>=0.980×0.001+0.010×0.999≈0.011</m:t>
+                    </m:r>
+                  </m:oMath>
+                </a14:m>
+                <a:endParaRPr lang="en-US" altLang="zh-CN" sz="1600" dirty="0" smtClean="0">
+                  <a:latin typeface="Calibri" panose="020F0502020204030204" pitchFamily="34" charset="0"/>
+                  <a:cs typeface="Calibri" panose="020F0502020204030204" pitchFamily="34" charset="0"/>
+                </a:endParaRPr>
+              </a:p>
+              <a:p>
+                <a:endParaRPr lang="en-US" altLang="zh-CN" sz="1600" dirty="0" smtClean="0">
+                  <a:latin typeface="Calibri" panose="020F0502020204030204" pitchFamily="34" charset="0"/>
+                  <a:cs typeface="Calibri" panose="020F0502020204030204" pitchFamily="34" charset="0"/>
+                </a:endParaRPr>
+              </a:p>
+            </p:txBody>
+          </p:sp>
+        </mc:Choice>
+        <mc:Fallback>
+          <p:sp>
+            <p:nvSpPr>
+              <p:cNvPr id="2" name="文本框 1"/>
+              <p:cNvSpPr txBox="1">
+                <a:spLocks noRot="1" noChangeAspect="1" noMove="1" noResize="1" noEditPoints="1" noAdjustHandles="1" noChangeArrowheads="1" noChangeShapeType="1" noTextEdit="1"/>
+              </p:cNvSpPr>
+              <p:nvPr/>
+            </p:nvSpPr>
+            <p:spPr>
+              <a:xfrm>
+                <a:off x="3229356" y="1517657"/>
+                <a:ext cx="5562600" cy="2730876"/>
+              </a:xfrm>
+              <a:prstGeom prst="rect">
+                <a:avLst/>
+              </a:prstGeom>
+              <a:blipFill>
+                <a:blip r:embed="rId4"/>
+                <a:stretch>
+                  <a:fillRect l="-658" t="-670"/>
+                </a:stretch>
+              </a:blipFill>
+            </p:spPr>
+            <p:txBody>
+              <a:bodyPr/>
+              <a:lstStyle/>
+              <a:p>
+                <a:r>
+                  <a:rPr lang="zh-CN" altLang="en-US">
+                    <a:noFill/>
+                  </a:rPr>
+                  <a:t> </a:t>
+                </a:r>
+              </a:p>
+            </p:txBody>
+          </p:sp>
+        </mc:Fallback>
+      </mc:AlternateContent>
+      <p:sp>
+        <p:nvSpPr>
+          <p:cNvPr id="3" name="文本框 2"/>
+          <p:cNvSpPr txBox="1"/>
+          <p:nvPr/>
+        </p:nvSpPr>
+        <p:spPr>
+          <a:xfrm>
+            <a:off x="838200" y="4248533"/>
+            <a:ext cx="7848600" cy="698717"/>
+          </a:xfrm>
+          <a:prstGeom prst="rect">
+            <a:avLst/>
+          </a:prstGeom>
+          <a:noFill/>
+        </p:spPr>
+        <p:txBody>
+          <a:bodyPr wrap="square" rtlCol="0">
+            <a:spAutoFit/>
+          </a:bodyPr>
+          <a:lstStyle/>
+          <a:p>
+            <a:pPr>
+              <a:lnSpc>
+                <a:spcPct val="150000"/>
+              </a:lnSpc>
+            </a:pPr>
+            <a:r>
+              <a:rPr lang="en-US" altLang="zh-CN" sz="1400" dirty="0">
+                <a:solidFill>
+                  <a:srgbClr val="0070C0"/>
+                </a:solidFill>
+                <a:latin typeface="+mn-ea"/>
+              </a:rPr>
+              <a:t>This result shows that when the X-ray examination is positive, the probability of having a brain tumor is </a:t>
+            </a:r>
+            <a:r>
+              <a:rPr lang="en-US" altLang="zh-CN" sz="1400" dirty="0">
+                <a:solidFill>
+                  <a:srgbClr val="0070C0"/>
+                </a:solidFill>
+                <a:latin typeface="+mn-ea"/>
+              </a:rPr>
+              <a:t>0.089</a:t>
+            </a:r>
+            <a:r>
+              <a:rPr lang="en-US" altLang="zh-CN" sz="1400" dirty="0">
+                <a:solidFill>
+                  <a:srgbClr val="0070C0"/>
+                </a:solidFill>
+                <a:latin typeface="+mn-ea"/>
+              </a:rPr>
+              <a:t>, and the probability of not having a brain tumor is </a:t>
+            </a:r>
+            <a:r>
+              <a:rPr lang="en-US" altLang="zh-CN" sz="1400" dirty="0">
+                <a:solidFill>
+                  <a:srgbClr val="0070C0"/>
+                </a:solidFill>
+                <a:latin typeface="+mn-ea"/>
+              </a:rPr>
+              <a:t>0.911</a:t>
+            </a:r>
+            <a:r>
+              <a:rPr lang="en-US" altLang="zh-CN" sz="1400" dirty="0">
+                <a:solidFill>
+                  <a:srgbClr val="0070C0"/>
+                </a:solidFill>
+                <a:latin typeface="+mn-ea"/>
+              </a:rPr>
+              <a:t>.</a:t>
+            </a:r>
+            <a:endParaRPr lang="zh-CN" altLang="en-US" sz="1400" dirty="0" err="1">
+              <a:solidFill>
+                <a:srgbClr val="0070C0"/>
+              </a:solidFill>
+              <a:latin typeface="+mn-ea"/>
+            </a:endParaRPr>
+          </a:p>
+        </p:txBody>
+      </p:sp>
     </p:spTree>
     <p:extLst>
       <p:ext uri="{BB962C8B-B14F-4D97-AF65-F5344CB8AC3E}">
@@ -12351,9 +17359,126 @@
   <p:timing>
     <p:tnLst>
       <p:par>
-        <p:cTn id="1" dur="indefinite" restart="never" nodeType="tmRoot"/>
+        <p:cTn id="1" dur="indefinite" restart="never" nodeType="tmRoot">
+          <p:childTnLst>
+            <p:seq concurrent="1" nextAc="seek">
+              <p:cTn id="2" dur="indefinite" nodeType="mainSeq">
+                <p:childTnLst>
+                  <p:par>
+                    <p:cTn id="3" fill="hold">
+                      <p:stCondLst>
+                        <p:cond delay="indefinite"/>
+                      </p:stCondLst>
+                      <p:childTnLst>
+                        <p:par>
+                          <p:cTn id="4" fill="hold">
+                            <p:stCondLst>
+                              <p:cond delay="0"/>
+                            </p:stCondLst>
+                            <p:childTnLst>
+                              <p:par>
+                                <p:cTn id="5" presetID="1" presetClass="entr" presetSubtype="0" fill="hold" grpId="0" nodeType="clickEffect">
+                                  <p:stCondLst>
+                                    <p:cond delay="0"/>
+                                  </p:stCondLst>
+                                  <p:childTnLst>
+                                    <p:set>
+                                      <p:cBhvr>
+                                        <p:cTn id="6" dur="1" fill="hold">
+                                          <p:stCondLst>
+                                            <p:cond delay="0"/>
+                                          </p:stCondLst>
+                                        </p:cTn>
+                                        <p:tgtEl>
+                                          <p:spTgt spid="2"/>
+                                        </p:tgtEl>
+                                        <p:attrNameLst>
+                                          <p:attrName>style.visibility</p:attrName>
+                                        </p:attrNameLst>
+                                      </p:cBhvr>
+                                      <p:to>
+                                        <p:strVal val="visible"/>
+                                      </p:to>
+                                    </p:set>
+                                  </p:childTnLst>
+                                </p:cTn>
+                              </p:par>
+                            </p:childTnLst>
+                          </p:cTn>
+                        </p:par>
+                      </p:childTnLst>
+                    </p:cTn>
+                  </p:par>
+                  <p:par>
+                    <p:cTn id="7" fill="hold">
+                      <p:stCondLst>
+                        <p:cond delay="indefinite"/>
+                      </p:stCondLst>
+                      <p:childTnLst>
+                        <p:par>
+                          <p:cTn id="8" fill="hold">
+                            <p:stCondLst>
+                              <p:cond delay="0"/>
+                            </p:stCondLst>
+                            <p:childTnLst>
+                              <p:par>
+                                <p:cTn id="9" presetID="1" presetClass="entr" presetSubtype="0" fill="hold" grpId="0" nodeType="clickEffect">
+                                  <p:stCondLst>
+                                    <p:cond delay="0"/>
+                                  </p:stCondLst>
+                                  <p:childTnLst>
+                                    <p:set>
+                                      <p:cBhvr>
+                                        <p:cTn id="10" dur="1" fill="hold">
+                                          <p:stCondLst>
+                                            <p:cond delay="0"/>
+                                          </p:stCondLst>
+                                        </p:cTn>
+                                        <p:tgtEl>
+                                          <p:spTgt spid="3"/>
+                                        </p:tgtEl>
+                                        <p:attrNameLst>
+                                          <p:attrName>style.visibility</p:attrName>
+                                        </p:attrNameLst>
+                                      </p:cBhvr>
+                                      <p:to>
+                                        <p:strVal val="visible"/>
+                                      </p:to>
+                                    </p:set>
+                                  </p:childTnLst>
+                                </p:cTn>
+                              </p:par>
+                            </p:childTnLst>
+                          </p:cTn>
+                        </p:par>
+                      </p:childTnLst>
+                    </p:cTn>
+                  </p:par>
+                </p:childTnLst>
+              </p:cTn>
+              <p:prevCondLst>
+                <p:cond evt="onPrev" delay="0">
+                  <p:tgtEl>
+                    <p:sldTgt/>
+                  </p:tgtEl>
+                </p:cond>
+              </p:prevCondLst>
+              <p:nextCondLst>
+                <p:cond evt="onNext" delay="0">
+                  <p:tgtEl>
+                    <p:sldTgt/>
+                  </p:tgtEl>
+                </p:cond>
+              </p:nextCondLst>
+            </p:seq>
+          </p:childTnLst>
+        </p:cTn>
       </p:par>
     </p:tnLst>
+    <p:bldLst>
+      <p:bldP spid="2" grpId="0"/>
+      <p:bldP spid="3" grpId="0"/>
+    </p:bldLst>
   </p:timing>
 </p:sld>
 </file>

--- a/ref/BayesNet.pptx
+++ b/ref/BayesNet.pptx
@@ -5,10 +5,10 @@
     <p:sldMasterId id="2147483649" r:id="rId1"/>
   </p:sldMasterIdLst>
   <p:notesMasterIdLst>
-    <p:notesMasterId r:id="rId24"/>
+    <p:notesMasterId r:id="rId26"/>
   </p:notesMasterIdLst>
   <p:handoutMasterIdLst>
-    <p:handoutMasterId r:id="rId25"/>
+    <p:handoutMasterId r:id="rId27"/>
   </p:handoutMasterIdLst>
   <p:sldIdLst>
     <p:sldId id="342" r:id="rId2"/>
@@ -23,21 +23,23 @@
     <p:sldId id="364" r:id="rId11"/>
     <p:sldId id="365" r:id="rId12"/>
     <p:sldId id="366" r:id="rId13"/>
-    <p:sldId id="346" r:id="rId14"/>
-    <p:sldId id="347" r:id="rId15"/>
-    <p:sldId id="350" r:id="rId16"/>
-    <p:sldId id="351" r:id="rId17"/>
-    <p:sldId id="352" r:id="rId18"/>
-    <p:sldId id="353" r:id="rId19"/>
-    <p:sldId id="354" r:id="rId20"/>
-    <p:sldId id="355" r:id="rId21"/>
-    <p:sldId id="356" r:id="rId22"/>
-    <p:sldId id="349" r:id="rId23"/>
+    <p:sldId id="367" r:id="rId14"/>
+    <p:sldId id="368" r:id="rId15"/>
+    <p:sldId id="346" r:id="rId16"/>
+    <p:sldId id="347" r:id="rId17"/>
+    <p:sldId id="350" r:id="rId18"/>
+    <p:sldId id="351" r:id="rId19"/>
+    <p:sldId id="352" r:id="rId20"/>
+    <p:sldId id="353" r:id="rId21"/>
+    <p:sldId id="354" r:id="rId22"/>
+    <p:sldId id="355" r:id="rId23"/>
+    <p:sldId id="356" r:id="rId24"/>
+    <p:sldId id="349" r:id="rId25"/>
   </p:sldIdLst>
   <p:sldSz cx="9144000" cy="5143500" type="screen16x9"/>
   <p:notesSz cx="7099300" cy="10234613"/>
   <p:custDataLst>
-    <p:tags r:id="rId26"/>
+    <p:tags r:id="rId28"/>
   </p:custDataLst>
   <p:defaultTextStyle>
     <a:defPPr>
@@ -1415,7 +1417,7 @@
     </p:spTree>
     <p:extLst>
       <p:ext uri="{BB962C8B-B14F-4D97-AF65-F5344CB8AC3E}">
-        <p14:creationId xmlns:p14="http://schemas.microsoft.com/office/powerpoint/2010/main" val="1736226598"/>
+        <p14:creationId xmlns:p14="http://schemas.microsoft.com/office/powerpoint/2010/main" val="390193778"/>
       </p:ext>
     </p:extLst>
   </p:cSld>
@@ -1525,7 +1527,7 @@
     </p:spTree>
     <p:extLst>
       <p:ext uri="{BB962C8B-B14F-4D97-AF65-F5344CB8AC3E}">
-        <p14:creationId xmlns:p14="http://schemas.microsoft.com/office/powerpoint/2010/main" val="522380169"/>
+        <p14:creationId xmlns:p14="http://schemas.microsoft.com/office/powerpoint/2010/main" val="1689148811"/>
       </p:ext>
     </p:extLst>
   </p:cSld>
@@ -1635,7 +1637,7 @@
     </p:spTree>
     <p:extLst>
       <p:ext uri="{BB962C8B-B14F-4D97-AF65-F5344CB8AC3E}">
-        <p14:creationId xmlns:p14="http://schemas.microsoft.com/office/powerpoint/2010/main" val="2158280871"/>
+        <p14:creationId xmlns:p14="http://schemas.microsoft.com/office/powerpoint/2010/main" val="1736226598"/>
       </p:ext>
     </p:extLst>
   </p:cSld>
@@ -1745,7 +1747,7 @@
     </p:spTree>
     <p:extLst>
       <p:ext uri="{BB962C8B-B14F-4D97-AF65-F5344CB8AC3E}">
-        <p14:creationId xmlns:p14="http://schemas.microsoft.com/office/powerpoint/2010/main" val="1488287621"/>
+        <p14:creationId xmlns:p14="http://schemas.microsoft.com/office/powerpoint/2010/main" val="522380169"/>
       </p:ext>
     </p:extLst>
   </p:cSld>
@@ -1855,7 +1857,7 @@
     </p:spTree>
     <p:extLst>
       <p:ext uri="{BB962C8B-B14F-4D97-AF65-F5344CB8AC3E}">
-        <p14:creationId xmlns:p14="http://schemas.microsoft.com/office/powerpoint/2010/main" val="2281629434"/>
+        <p14:creationId xmlns:p14="http://schemas.microsoft.com/office/powerpoint/2010/main" val="2158280871"/>
       </p:ext>
     </p:extLst>
   </p:cSld>
@@ -1965,7 +1967,7 @@
     </p:spTree>
     <p:extLst>
       <p:ext uri="{BB962C8B-B14F-4D97-AF65-F5344CB8AC3E}">
-        <p14:creationId xmlns:p14="http://schemas.microsoft.com/office/powerpoint/2010/main" val="1341571451"/>
+        <p14:creationId xmlns:p14="http://schemas.microsoft.com/office/powerpoint/2010/main" val="1488287621"/>
       </p:ext>
     </p:extLst>
   </p:cSld>
@@ -2075,7 +2077,7 @@
     </p:spTree>
     <p:extLst>
       <p:ext uri="{BB962C8B-B14F-4D97-AF65-F5344CB8AC3E}">
-        <p14:creationId xmlns:p14="http://schemas.microsoft.com/office/powerpoint/2010/main" val="3187465555"/>
+        <p14:creationId xmlns:p14="http://schemas.microsoft.com/office/powerpoint/2010/main" val="2281629434"/>
       </p:ext>
     </p:extLst>
   </p:cSld>
@@ -2295,7 +2297,7 @@
     </p:spTree>
     <p:extLst>
       <p:ext uri="{BB962C8B-B14F-4D97-AF65-F5344CB8AC3E}">
-        <p14:creationId xmlns:p14="http://schemas.microsoft.com/office/powerpoint/2010/main" val="955323490"/>
+        <p14:creationId xmlns:p14="http://schemas.microsoft.com/office/powerpoint/2010/main" val="1341571451"/>
       </p:ext>
     </p:extLst>
   </p:cSld>
@@ -2405,7 +2407,7 @@
     </p:spTree>
     <p:extLst>
       <p:ext uri="{BB962C8B-B14F-4D97-AF65-F5344CB8AC3E}">
-        <p14:creationId xmlns:p14="http://schemas.microsoft.com/office/powerpoint/2010/main" val="2752345118"/>
+        <p14:creationId xmlns:p14="http://schemas.microsoft.com/office/powerpoint/2010/main" val="3187465555"/>
       </p:ext>
     </p:extLst>
   </p:cSld>
@@ -2507,6 +2509,226 @@
                 <a:defRPr/>
               </a:pPr>
               <a:t>22</a:t>
+            </a:fld>
+            <a:endParaRPr lang="en-US"/>
+          </a:p>
+        </p:txBody>
+      </p:sp>
+    </p:spTree>
+    <p:extLst>
+      <p:ext uri="{BB962C8B-B14F-4D97-AF65-F5344CB8AC3E}">
+        <p14:creationId xmlns:p14="http://schemas.microsoft.com/office/powerpoint/2010/main" val="955323490"/>
+      </p:ext>
+    </p:extLst>
+  </p:cSld>
+  <p:clrMapOvr>
+    <a:masterClrMapping/>
+  </p:clrMapOvr>
+</p:notes>
+</file>
+
+<file path=ppt/notesSlides/notesSlide23.xml><?xml version="1.0" encoding="utf-8"?>
+<p:notes xmlns:a="http://schemas.openxmlformats.org/drawingml/2006/main" xmlns:r="http://schemas.openxmlformats.org/officeDocument/2006/relationships" xmlns:p="http://schemas.openxmlformats.org/presentationml/2006/main">
+  <p:cSld>
+    <p:spTree>
+      <p:nvGrpSpPr>
+        <p:cNvPr id="1" name=""/>
+        <p:cNvGrpSpPr/>
+        <p:nvPr/>
+      </p:nvGrpSpPr>
+      <p:grpSpPr>
+        <a:xfrm>
+          <a:off x="0" y="0"/>
+          <a:ext cx="0" cy="0"/>
+          <a:chOff x="0" y="0"/>
+          <a:chExt cx="0" cy="0"/>
+        </a:xfrm>
+      </p:grpSpPr>
+      <p:sp>
+        <p:nvSpPr>
+          <p:cNvPr id="2" name="Slide Image Placeholder 1"/>
+          <p:cNvSpPr>
+            <a:spLocks noGrp="1" noRot="1" noChangeAspect="1"/>
+          </p:cNvSpPr>
+          <p:nvPr>
+            <p:ph type="sldImg"/>
+          </p:nvPr>
+        </p:nvSpPr>
+        <p:spPr/>
+      </p:sp>
+      <p:sp>
+        <p:nvSpPr>
+          <p:cNvPr id="3" name="Notes Placeholder 2"/>
+          <p:cNvSpPr>
+            <a:spLocks noGrp="1"/>
+          </p:cNvSpPr>
+          <p:nvPr>
+            <p:ph type="body" idx="1"/>
+          </p:nvPr>
+        </p:nvSpPr>
+        <p:spPr/>
+        <p:txBody>
+          <a:bodyPr/>
+          <a:lstStyle/>
+          <a:p>
+            <a:pPr marL="0" marR="0" indent="0" algn="l" defTabSz="914400" rtl="0" eaLnBrk="0" fontAlgn="base" latinLnBrk="0" hangingPunct="0">
+              <a:lnSpc>
+                <a:spcPct val="100000"/>
+              </a:lnSpc>
+              <a:spcBef>
+                <a:spcPct val="30000"/>
+              </a:spcBef>
+              <a:spcAft>
+                <a:spcPct val="0"/>
+              </a:spcAft>
+              <a:buClrTx/>
+              <a:buSzTx/>
+              <a:buFontTx/>
+              <a:buNone/>
+              <a:tabLst/>
+              <a:defRPr/>
+            </a:pPr>
+            <a:endParaRPr lang="en-US" sz="900" dirty="0" smtClean="0">
+              <a:latin typeface="Calibri"/>
+              <a:cs typeface="Calibri"/>
+            </a:endParaRPr>
+          </a:p>
+        </p:txBody>
+      </p:sp>
+      <p:sp>
+        <p:nvSpPr>
+          <p:cNvPr id="4" name="Slide Number Placeholder 3"/>
+          <p:cNvSpPr>
+            <a:spLocks noGrp="1"/>
+          </p:cNvSpPr>
+          <p:nvPr>
+            <p:ph type="sldNum" sz="quarter" idx="10"/>
+          </p:nvPr>
+        </p:nvSpPr>
+        <p:spPr/>
+        <p:txBody>
+          <a:bodyPr/>
+          <a:lstStyle/>
+          <a:p>
+            <a:pPr>
+              <a:defRPr/>
+            </a:pPr>
+            <a:fld id="{951F94F5-58D1-42ED-AB38-DD97D2E49478}" type="slidenum">
+              <a:rPr lang="en-US" smtClean="0"/>
+              <a:pPr>
+                <a:defRPr/>
+              </a:pPr>
+              <a:t>23</a:t>
+            </a:fld>
+            <a:endParaRPr lang="en-US"/>
+          </a:p>
+        </p:txBody>
+      </p:sp>
+    </p:spTree>
+    <p:extLst>
+      <p:ext uri="{BB962C8B-B14F-4D97-AF65-F5344CB8AC3E}">
+        <p14:creationId xmlns:p14="http://schemas.microsoft.com/office/powerpoint/2010/main" val="2752345118"/>
+      </p:ext>
+    </p:extLst>
+  </p:cSld>
+  <p:clrMapOvr>
+    <a:masterClrMapping/>
+  </p:clrMapOvr>
+</p:notes>
+</file>
+
+<file path=ppt/notesSlides/notesSlide24.xml><?xml version="1.0" encoding="utf-8"?>
+<p:notes xmlns:a="http://schemas.openxmlformats.org/drawingml/2006/main" xmlns:r="http://schemas.openxmlformats.org/officeDocument/2006/relationships" xmlns:p="http://schemas.openxmlformats.org/presentationml/2006/main">
+  <p:cSld>
+    <p:spTree>
+      <p:nvGrpSpPr>
+        <p:cNvPr id="1" name=""/>
+        <p:cNvGrpSpPr/>
+        <p:nvPr/>
+      </p:nvGrpSpPr>
+      <p:grpSpPr>
+        <a:xfrm>
+          <a:off x="0" y="0"/>
+          <a:ext cx="0" cy="0"/>
+          <a:chOff x="0" y="0"/>
+          <a:chExt cx="0" cy="0"/>
+        </a:xfrm>
+      </p:grpSpPr>
+      <p:sp>
+        <p:nvSpPr>
+          <p:cNvPr id="2" name="Slide Image Placeholder 1"/>
+          <p:cNvSpPr>
+            <a:spLocks noGrp="1" noRot="1" noChangeAspect="1"/>
+          </p:cNvSpPr>
+          <p:nvPr>
+            <p:ph type="sldImg"/>
+          </p:nvPr>
+        </p:nvSpPr>
+        <p:spPr/>
+      </p:sp>
+      <p:sp>
+        <p:nvSpPr>
+          <p:cNvPr id="3" name="Notes Placeholder 2"/>
+          <p:cNvSpPr>
+            <a:spLocks noGrp="1"/>
+          </p:cNvSpPr>
+          <p:nvPr>
+            <p:ph type="body" idx="1"/>
+          </p:nvPr>
+        </p:nvSpPr>
+        <p:spPr/>
+        <p:txBody>
+          <a:bodyPr/>
+          <a:lstStyle/>
+          <a:p>
+            <a:pPr marL="0" marR="0" indent="0" algn="l" defTabSz="914400" rtl="0" eaLnBrk="0" fontAlgn="base" latinLnBrk="0" hangingPunct="0">
+              <a:lnSpc>
+                <a:spcPct val="100000"/>
+              </a:lnSpc>
+              <a:spcBef>
+                <a:spcPct val="30000"/>
+              </a:spcBef>
+              <a:spcAft>
+                <a:spcPct val="0"/>
+              </a:spcAft>
+              <a:buClrTx/>
+              <a:buSzTx/>
+              <a:buFontTx/>
+              <a:buNone/>
+              <a:tabLst/>
+              <a:defRPr/>
+            </a:pPr>
+            <a:endParaRPr lang="en-US" sz="900" dirty="0" smtClean="0">
+              <a:latin typeface="Calibri"/>
+              <a:cs typeface="Calibri"/>
+            </a:endParaRPr>
+          </a:p>
+        </p:txBody>
+      </p:sp>
+      <p:sp>
+        <p:nvSpPr>
+          <p:cNvPr id="4" name="Slide Number Placeholder 3"/>
+          <p:cNvSpPr>
+            <a:spLocks noGrp="1"/>
+          </p:cNvSpPr>
+          <p:nvPr>
+            <p:ph type="sldNum" sz="quarter" idx="10"/>
+          </p:nvPr>
+        </p:nvSpPr>
+        <p:spPr/>
+        <p:txBody>
+          <a:bodyPr/>
+          <a:lstStyle/>
+          <a:p>
+            <a:pPr>
+              <a:defRPr/>
+            </a:pPr>
+            <a:fld id="{951F94F5-58D1-42ED-AB38-DD97D2E49478}" type="slidenum">
+              <a:rPr lang="en-US" smtClean="0"/>
+              <a:pPr>
+                <a:defRPr/>
+              </a:pPr>
+              <a:t>24</a:t>
             </a:fld>
             <a:endParaRPr lang="en-US"/>
           </a:p>
@@ -7050,8 +7272,8 @@
           </a:lstStyle>
           <a:p>
             <a:r>
-              <a:rPr lang="en-US" altLang="zh-CN" sz="3600" b="1" kern="0" dirty="0" smtClean="0"/>
-              <a:t>Course Textbook</a:t>
+              <a:rPr lang="en-US" altLang="zh-CN" sz="3600" b="1" kern="0" dirty="0"/>
+              <a:t>Learning</a:t>
             </a:r>
             <a:endParaRPr lang="zh-CN" altLang="en-US" sz="3600" b="1" kern="0" dirty="0"/>
           </a:p>
@@ -7274,8 +7496,8 @@
           </a:lstStyle>
           <a:p>
             <a:r>
-              <a:rPr lang="en-US" altLang="zh-CN" sz="3600" b="1" kern="0" dirty="0" smtClean="0"/>
-              <a:t>Course Textbook</a:t>
+              <a:rPr lang="en-US" altLang="zh-CN" sz="3600" b="1" kern="0" dirty="0"/>
+              <a:t>Learning</a:t>
             </a:r>
             <a:endParaRPr lang="zh-CN" altLang="en-US" sz="3600" b="1" kern="0" dirty="0"/>
           </a:p>
@@ -7498,8 +7720,8 @@
           </a:lstStyle>
           <a:p>
             <a:r>
-              <a:rPr lang="en-US" altLang="zh-CN" sz="3600" b="1" kern="0" dirty="0" smtClean="0"/>
-              <a:t>Course Textbook</a:t>
+              <a:rPr lang="en-US" altLang="zh-CN" sz="3600" b="1" kern="0" dirty="0"/>
+              <a:t>Learning</a:t>
             </a:r>
             <a:endParaRPr lang="zh-CN" altLang="en-US" sz="3600" b="1" kern="0" dirty="0"/>
           </a:p>
@@ -7526,6 +7748,454 @@
 </file>
 
 <file path=ppt/slides/slide13.xml><?xml version="1.0" encoding="utf-8"?>
+<p:sld xmlns:a="http://schemas.openxmlformats.org/drawingml/2006/main" xmlns:r="http://schemas.openxmlformats.org/officeDocument/2006/relationships" xmlns:p="http://schemas.openxmlformats.org/presentationml/2006/main">
+  <p:cSld>
+    <p:spTree>
+      <p:nvGrpSpPr>
+        <p:cNvPr id="1" name=""/>
+        <p:cNvGrpSpPr/>
+        <p:nvPr/>
+      </p:nvGrpSpPr>
+      <p:grpSpPr>
+        <a:xfrm>
+          <a:off x="0" y="0"/>
+          <a:ext cx="0" cy="0"/>
+          <a:chOff x="0" y="0"/>
+          <a:chExt cx="0" cy="0"/>
+        </a:xfrm>
+      </p:grpSpPr>
+      <p:sp>
+        <p:nvSpPr>
+          <p:cNvPr id="12" name="Title 4"/>
+          <p:cNvSpPr txBox="1">
+            <a:spLocks/>
+          </p:cNvSpPr>
+          <p:nvPr/>
+        </p:nvSpPr>
+        <p:spPr bwMode="auto">
+          <a:xfrm>
+            <a:off x="0" y="-19050"/>
+            <a:ext cx="9144000" cy="533400"/>
+          </a:xfrm>
+          <a:prstGeom prst="rect">
+            <a:avLst/>
+          </a:prstGeom>
+          <a:gradFill flip="none" rotWithShape="1">
+            <a:gsLst>
+              <a:gs pos="4000">
+                <a:srgbClr val="5E9EFF"/>
+              </a:gs>
+              <a:gs pos="39999">
+                <a:srgbClr val="85C2FF"/>
+              </a:gs>
+              <a:gs pos="70000">
+                <a:srgbClr val="C4D6EB"/>
+              </a:gs>
+              <a:gs pos="100000">
+                <a:srgbClr val="FFEBFA"/>
+              </a:gs>
+            </a:gsLst>
+            <a:lin ang="4200000" scaled="0"/>
+            <a:tileRect/>
+          </a:gradFill>
+          <a:ln w="9525">
+            <a:noFill/>
+            <a:miter lim="800000"/>
+            <a:headEnd/>
+            <a:tailEnd/>
+          </a:ln>
+        </p:spPr>
+        <p:txBody>
+          <a:bodyPr vert="horz" wrap="square" lIns="68579" tIns="34289" rIns="68579" bIns="34289" numCol="1" anchor="ctr" anchorCtr="0" compatLnSpc="1">
+            <a:prstTxWarp prst="textNoShape">
+              <a:avLst/>
+            </a:prstTxWarp>
+            <a:noAutofit/>
+          </a:bodyPr>
+          <a:lstStyle>
+            <a:lvl1pPr algn="ctr" rtl="0" eaLnBrk="0" fontAlgn="base" hangingPunct="0">
+              <a:spcBef>
+                <a:spcPct val="0"/>
+              </a:spcBef>
+              <a:spcAft>
+                <a:spcPct val="0"/>
+              </a:spcAft>
+              <a:defRPr sz="3300">
+                <a:solidFill>
+                  <a:schemeClr val="accent2"/>
+                </a:solidFill>
+                <a:latin typeface="Calibri" pitchFamily="34" charset="0"/>
+                <a:ea typeface="+mj-ea"/>
+                <a:cs typeface="+mj-cs"/>
+              </a:defRPr>
+            </a:lvl1pPr>
+            <a:lvl2pPr algn="ctr" rtl="0" eaLnBrk="0" fontAlgn="base" hangingPunct="0">
+              <a:spcBef>
+                <a:spcPct val="0"/>
+              </a:spcBef>
+              <a:spcAft>
+                <a:spcPct val="0"/>
+              </a:spcAft>
+              <a:defRPr sz="3300">
+                <a:solidFill>
+                  <a:schemeClr val="tx2"/>
+                </a:solidFill>
+                <a:latin typeface="Arial" charset="0"/>
+              </a:defRPr>
+            </a:lvl2pPr>
+            <a:lvl3pPr algn="ctr" rtl="0" eaLnBrk="0" fontAlgn="base" hangingPunct="0">
+              <a:spcBef>
+                <a:spcPct val="0"/>
+              </a:spcBef>
+              <a:spcAft>
+                <a:spcPct val="0"/>
+              </a:spcAft>
+              <a:defRPr sz="3300">
+                <a:solidFill>
+                  <a:schemeClr val="tx2"/>
+                </a:solidFill>
+                <a:latin typeface="Arial" charset="0"/>
+              </a:defRPr>
+            </a:lvl3pPr>
+            <a:lvl4pPr algn="ctr" rtl="0" eaLnBrk="0" fontAlgn="base" hangingPunct="0">
+              <a:spcBef>
+                <a:spcPct val="0"/>
+              </a:spcBef>
+              <a:spcAft>
+                <a:spcPct val="0"/>
+              </a:spcAft>
+              <a:defRPr sz="3300">
+                <a:solidFill>
+                  <a:schemeClr val="tx2"/>
+                </a:solidFill>
+                <a:latin typeface="Arial" charset="0"/>
+              </a:defRPr>
+            </a:lvl4pPr>
+            <a:lvl5pPr algn="ctr" rtl="0" eaLnBrk="0" fontAlgn="base" hangingPunct="0">
+              <a:spcBef>
+                <a:spcPct val="0"/>
+              </a:spcBef>
+              <a:spcAft>
+                <a:spcPct val="0"/>
+              </a:spcAft>
+              <a:defRPr sz="3300">
+                <a:solidFill>
+                  <a:schemeClr val="tx2"/>
+                </a:solidFill>
+                <a:latin typeface="Arial" charset="0"/>
+              </a:defRPr>
+            </a:lvl5pPr>
+            <a:lvl6pPr marL="342892" algn="ctr" rtl="0" fontAlgn="base">
+              <a:spcBef>
+                <a:spcPct val="0"/>
+              </a:spcBef>
+              <a:spcAft>
+                <a:spcPct val="0"/>
+              </a:spcAft>
+              <a:defRPr sz="3300">
+                <a:solidFill>
+                  <a:schemeClr val="tx2"/>
+                </a:solidFill>
+                <a:latin typeface="Arial" charset="0"/>
+              </a:defRPr>
+            </a:lvl6pPr>
+            <a:lvl7pPr marL="685783" algn="ctr" rtl="0" fontAlgn="base">
+              <a:spcBef>
+                <a:spcPct val="0"/>
+              </a:spcBef>
+              <a:spcAft>
+                <a:spcPct val="0"/>
+              </a:spcAft>
+              <a:defRPr sz="3300">
+                <a:solidFill>
+                  <a:schemeClr val="tx2"/>
+                </a:solidFill>
+                <a:latin typeface="Arial" charset="0"/>
+              </a:defRPr>
+            </a:lvl7pPr>
+            <a:lvl8pPr marL="1028675" algn="ctr" rtl="0" fontAlgn="base">
+              <a:spcBef>
+                <a:spcPct val="0"/>
+              </a:spcBef>
+              <a:spcAft>
+                <a:spcPct val="0"/>
+              </a:spcAft>
+              <a:defRPr sz="3300">
+                <a:solidFill>
+                  <a:schemeClr val="tx2"/>
+                </a:solidFill>
+                <a:latin typeface="Arial" charset="0"/>
+              </a:defRPr>
+            </a:lvl8pPr>
+            <a:lvl9pPr marL="1371566" algn="ctr" rtl="0" fontAlgn="base">
+              <a:spcBef>
+                <a:spcPct val="0"/>
+              </a:spcBef>
+              <a:spcAft>
+                <a:spcPct val="0"/>
+              </a:spcAft>
+              <a:defRPr sz="3300">
+                <a:solidFill>
+                  <a:schemeClr val="tx2"/>
+                </a:solidFill>
+                <a:latin typeface="Arial" charset="0"/>
+              </a:defRPr>
+            </a:lvl9pPr>
+          </a:lstStyle>
+          <a:p>
+            <a:r>
+              <a:rPr lang="en-US" altLang="zh-CN" sz="3600" b="1" kern="0" dirty="0"/>
+              <a:t>Learning</a:t>
+            </a:r>
+            <a:endParaRPr lang="zh-CN" altLang="en-US" sz="3600" b="1" kern="0" dirty="0"/>
+          </a:p>
+        </p:txBody>
+      </p:sp>
+    </p:spTree>
+    <p:extLst>
+      <p:ext uri="{BB962C8B-B14F-4D97-AF65-F5344CB8AC3E}">
+        <p14:creationId xmlns:p14="http://schemas.microsoft.com/office/powerpoint/2010/main" val="855004996"/>
+      </p:ext>
+    </p:extLst>
+  </p:cSld>
+  <p:clrMapOvr>
+    <a:masterClrMapping/>
+  </p:clrMapOvr>
+  <p:timing>
+    <p:tnLst>
+      <p:par>
+        <p:cTn id="1" dur="indefinite" restart="never" nodeType="tmRoot"/>
+      </p:par>
+    </p:tnLst>
+  </p:timing>
+</p:sld>
+</file>
+
+<file path=ppt/slides/slide14.xml><?xml version="1.0" encoding="utf-8"?>
+<p:sld xmlns:a="http://schemas.openxmlformats.org/drawingml/2006/main" xmlns:r="http://schemas.openxmlformats.org/officeDocument/2006/relationships" xmlns:p="http://schemas.openxmlformats.org/presentationml/2006/main">
+  <p:cSld>
+    <p:spTree>
+      <p:nvGrpSpPr>
+        <p:cNvPr id="1" name=""/>
+        <p:cNvGrpSpPr/>
+        <p:nvPr/>
+      </p:nvGrpSpPr>
+      <p:grpSpPr>
+        <a:xfrm>
+          <a:off x="0" y="0"/>
+          <a:ext cx="0" cy="0"/>
+          <a:chOff x="0" y="0"/>
+          <a:chExt cx="0" cy="0"/>
+        </a:xfrm>
+      </p:grpSpPr>
+      <p:sp>
+        <p:nvSpPr>
+          <p:cNvPr id="12" name="Title 4"/>
+          <p:cNvSpPr txBox="1">
+            <a:spLocks/>
+          </p:cNvSpPr>
+          <p:nvPr/>
+        </p:nvSpPr>
+        <p:spPr bwMode="auto">
+          <a:xfrm>
+            <a:off x="0" y="-19050"/>
+            <a:ext cx="9144000" cy="533400"/>
+          </a:xfrm>
+          <a:prstGeom prst="rect">
+            <a:avLst/>
+          </a:prstGeom>
+          <a:gradFill flip="none" rotWithShape="1">
+            <a:gsLst>
+              <a:gs pos="4000">
+                <a:srgbClr val="5E9EFF"/>
+              </a:gs>
+              <a:gs pos="39999">
+                <a:srgbClr val="85C2FF"/>
+              </a:gs>
+              <a:gs pos="70000">
+                <a:srgbClr val="C4D6EB"/>
+              </a:gs>
+              <a:gs pos="100000">
+                <a:srgbClr val="FFEBFA"/>
+              </a:gs>
+            </a:gsLst>
+            <a:lin ang="4200000" scaled="0"/>
+            <a:tileRect/>
+          </a:gradFill>
+          <a:ln w="9525">
+            <a:noFill/>
+            <a:miter lim="800000"/>
+            <a:headEnd/>
+            <a:tailEnd/>
+          </a:ln>
+        </p:spPr>
+        <p:txBody>
+          <a:bodyPr vert="horz" wrap="square" lIns="68579" tIns="34289" rIns="68579" bIns="34289" numCol="1" anchor="ctr" anchorCtr="0" compatLnSpc="1">
+            <a:prstTxWarp prst="textNoShape">
+              <a:avLst/>
+            </a:prstTxWarp>
+            <a:noAutofit/>
+          </a:bodyPr>
+          <a:lstStyle>
+            <a:lvl1pPr algn="ctr" rtl="0" eaLnBrk="0" fontAlgn="base" hangingPunct="0">
+              <a:spcBef>
+                <a:spcPct val="0"/>
+              </a:spcBef>
+              <a:spcAft>
+                <a:spcPct val="0"/>
+              </a:spcAft>
+              <a:defRPr sz="3300">
+                <a:solidFill>
+                  <a:schemeClr val="accent2"/>
+                </a:solidFill>
+                <a:latin typeface="Calibri" pitchFamily="34" charset="0"/>
+                <a:ea typeface="+mj-ea"/>
+                <a:cs typeface="+mj-cs"/>
+              </a:defRPr>
+            </a:lvl1pPr>
+            <a:lvl2pPr algn="ctr" rtl="0" eaLnBrk="0" fontAlgn="base" hangingPunct="0">
+              <a:spcBef>
+                <a:spcPct val="0"/>
+              </a:spcBef>
+              <a:spcAft>
+                <a:spcPct val="0"/>
+              </a:spcAft>
+              <a:defRPr sz="3300">
+                <a:solidFill>
+                  <a:schemeClr val="tx2"/>
+                </a:solidFill>
+                <a:latin typeface="Arial" charset="0"/>
+              </a:defRPr>
+            </a:lvl2pPr>
+            <a:lvl3pPr algn="ctr" rtl="0" eaLnBrk="0" fontAlgn="base" hangingPunct="0">
+              <a:spcBef>
+                <a:spcPct val="0"/>
+              </a:spcBef>
+              <a:spcAft>
+                <a:spcPct val="0"/>
+              </a:spcAft>
+              <a:defRPr sz="3300">
+                <a:solidFill>
+                  <a:schemeClr val="tx2"/>
+                </a:solidFill>
+                <a:latin typeface="Arial" charset="0"/>
+              </a:defRPr>
+            </a:lvl3pPr>
+            <a:lvl4pPr algn="ctr" rtl="0" eaLnBrk="0" fontAlgn="base" hangingPunct="0">
+              <a:spcBef>
+                <a:spcPct val="0"/>
+              </a:spcBef>
+              <a:spcAft>
+                <a:spcPct val="0"/>
+              </a:spcAft>
+              <a:defRPr sz="3300">
+                <a:solidFill>
+                  <a:schemeClr val="tx2"/>
+                </a:solidFill>
+                <a:latin typeface="Arial" charset="0"/>
+              </a:defRPr>
+            </a:lvl4pPr>
+            <a:lvl5pPr algn="ctr" rtl="0" eaLnBrk="0" fontAlgn="base" hangingPunct="0">
+              <a:spcBef>
+                <a:spcPct val="0"/>
+              </a:spcBef>
+              <a:spcAft>
+                <a:spcPct val="0"/>
+              </a:spcAft>
+              <a:defRPr sz="3300">
+                <a:solidFill>
+                  <a:schemeClr val="tx2"/>
+                </a:solidFill>
+                <a:latin typeface="Arial" charset="0"/>
+              </a:defRPr>
+            </a:lvl5pPr>
+            <a:lvl6pPr marL="342892" algn="ctr" rtl="0" fontAlgn="base">
+              <a:spcBef>
+                <a:spcPct val="0"/>
+              </a:spcBef>
+              <a:spcAft>
+                <a:spcPct val="0"/>
+              </a:spcAft>
+              <a:defRPr sz="3300">
+                <a:solidFill>
+                  <a:schemeClr val="tx2"/>
+                </a:solidFill>
+                <a:latin typeface="Arial" charset="0"/>
+              </a:defRPr>
+            </a:lvl6pPr>
+            <a:lvl7pPr marL="685783" algn="ctr" rtl="0" fontAlgn="base">
+              <a:spcBef>
+                <a:spcPct val="0"/>
+              </a:spcBef>
+              <a:spcAft>
+                <a:spcPct val="0"/>
+              </a:spcAft>
+              <a:defRPr sz="3300">
+                <a:solidFill>
+                  <a:schemeClr val="tx2"/>
+                </a:solidFill>
+                <a:latin typeface="Arial" charset="0"/>
+              </a:defRPr>
+            </a:lvl7pPr>
+            <a:lvl8pPr marL="1028675" algn="ctr" rtl="0" fontAlgn="base">
+              <a:spcBef>
+                <a:spcPct val="0"/>
+              </a:spcBef>
+              <a:spcAft>
+                <a:spcPct val="0"/>
+              </a:spcAft>
+              <a:defRPr sz="3300">
+                <a:solidFill>
+                  <a:schemeClr val="tx2"/>
+                </a:solidFill>
+                <a:latin typeface="Arial" charset="0"/>
+              </a:defRPr>
+            </a:lvl8pPr>
+            <a:lvl9pPr marL="1371566" algn="ctr" rtl="0" fontAlgn="base">
+              <a:spcBef>
+                <a:spcPct val="0"/>
+              </a:spcBef>
+              <a:spcAft>
+                <a:spcPct val="0"/>
+              </a:spcAft>
+              <a:defRPr sz="3300">
+                <a:solidFill>
+                  <a:schemeClr val="tx2"/>
+                </a:solidFill>
+                <a:latin typeface="Arial" charset="0"/>
+              </a:defRPr>
+            </a:lvl9pPr>
+          </a:lstStyle>
+          <a:p>
+            <a:r>
+              <a:rPr lang="en-US" altLang="zh-CN" sz="3600" b="1" kern="0" dirty="0"/>
+              <a:t>Learning</a:t>
+            </a:r>
+            <a:endParaRPr lang="zh-CN" altLang="en-US" sz="3600" b="1" kern="0" dirty="0"/>
+          </a:p>
+        </p:txBody>
+      </p:sp>
+    </p:spTree>
+    <p:extLst>
+      <p:ext uri="{BB962C8B-B14F-4D97-AF65-F5344CB8AC3E}">
+        <p14:creationId xmlns:p14="http://schemas.microsoft.com/office/powerpoint/2010/main" val="3112295606"/>
+      </p:ext>
+    </p:extLst>
+  </p:cSld>
+  <p:clrMapOvr>
+    <a:masterClrMapping/>
+  </p:clrMapOvr>
+  <p:timing>
+    <p:tnLst>
+      <p:par>
+        <p:cTn id="1" dur="indefinite" restart="never" nodeType="tmRoot"/>
+      </p:par>
+    </p:tnLst>
+  </p:timing>
+</p:sld>
+</file>
+
+<file path=ppt/slides/slide15.xml><?xml version="1.0" encoding="utf-8"?>
 <p:sld xmlns:a="http://schemas.openxmlformats.org/drawingml/2006/main" xmlns:r="http://schemas.openxmlformats.org/officeDocument/2006/relationships" xmlns:p="http://schemas.openxmlformats.org/presentationml/2006/main">
   <p:cSld>
     <p:spTree>
@@ -8038,7 +8708,7 @@
 </p:sld>
 </file>
 
-<file path=ppt/slides/slide14.xml><?xml version="1.0" encoding="utf-8"?>
+<file path=ppt/slides/slide16.xml><?xml version="1.0" encoding="utf-8"?>
 <p:sld xmlns:a="http://schemas.openxmlformats.org/drawingml/2006/main" xmlns:r="http://schemas.openxmlformats.org/officeDocument/2006/relationships" xmlns:p="http://schemas.openxmlformats.org/presentationml/2006/main">
   <p:cSld>
     <p:spTree>
@@ -8951,7 +9621,7 @@
 </p:sld>
 </file>
 
-<file path=ppt/slides/slide15.xml><?xml version="1.0" encoding="utf-8"?>
+<file path=ppt/slides/slide17.xml><?xml version="1.0" encoding="utf-8"?>
 <p:sld xmlns:a="http://schemas.openxmlformats.org/drawingml/2006/main" xmlns:r="http://schemas.openxmlformats.org/officeDocument/2006/relationships" xmlns:p="http://schemas.openxmlformats.org/presentationml/2006/main">
   <p:cSld>
     <p:spTree>
@@ -10424,7 +11094,7 @@
 </p:sld>
 </file>
 
-<file path=ppt/slides/slide16.xml><?xml version="1.0" encoding="utf-8"?>
+<file path=ppt/slides/slide18.xml><?xml version="1.0" encoding="utf-8"?>
 <p:sld xmlns:a="http://schemas.openxmlformats.org/drawingml/2006/main" xmlns:r="http://schemas.openxmlformats.org/officeDocument/2006/relationships" xmlns:p="http://schemas.openxmlformats.org/presentationml/2006/main">
   <p:cSld>
     <p:spTree>
@@ -11661,7 +12331,7 @@
 </p:sld>
 </file>
 
-<file path=ppt/slides/slide17.xml><?xml version="1.0" encoding="utf-8"?>
+<file path=ppt/slides/slide19.xml><?xml version="1.0" encoding="utf-8"?>
 <p:sld xmlns:a="http://schemas.openxmlformats.org/drawingml/2006/main" xmlns:r="http://schemas.openxmlformats.org/officeDocument/2006/relationships" xmlns:p="http://schemas.openxmlformats.org/presentationml/2006/main">
   <p:cSld>
     <p:spTree>
@@ -12964,7 +13634,7 @@
 </p:sld>
 </file>
 
-<file path=ppt/slides/slide18.xml><?xml version="1.0" encoding="utf-8"?>
+<file path=ppt/slides/slide2.xml><?xml version="1.0" encoding="utf-8"?>
 <p:sld xmlns:a="http://schemas.openxmlformats.org/drawingml/2006/main" xmlns:r="http://schemas.openxmlformats.org/officeDocument/2006/relationships" xmlns:p="http://schemas.openxmlformats.org/presentationml/2006/main">
   <p:cSld>
     <p:spTree>
@@ -13201,6 +13871,692 @@
           <a:p>
             <a:r>
               <a:rPr lang="en-US" altLang="zh-CN" sz="3600" b="1" kern="0" dirty="0" smtClean="0"/>
+              <a:t>Course Outline</a:t>
+            </a:r>
+            <a:endParaRPr lang="zh-CN" altLang="en-US" sz="3600" b="1" kern="0" dirty="0"/>
+          </a:p>
+        </p:txBody>
+      </p:sp>
+      <p:sp>
+        <p:nvSpPr>
+          <p:cNvPr id="2" name="文本框 1"/>
+          <p:cNvSpPr txBox="1"/>
+          <p:nvPr/>
+        </p:nvSpPr>
+        <p:spPr>
+          <a:xfrm>
+            <a:off x="464820" y="514350"/>
+            <a:ext cx="5478780" cy="4247317"/>
+          </a:xfrm>
+          <a:prstGeom prst="rect">
+            <a:avLst/>
+          </a:prstGeom>
+          <a:noFill/>
+        </p:spPr>
+        <p:txBody>
+          <a:bodyPr wrap="square" rtlCol="0">
+            <a:spAutoFit/>
+          </a:bodyPr>
+          <a:lstStyle/>
+          <a:p>
+            <a:endParaRPr lang="en-US" altLang="zh-CN" b="1" dirty="0" smtClean="0">
+              <a:latin typeface="Calibri"/>
+              <a:cs typeface="Calibri"/>
+            </a:endParaRPr>
+          </a:p>
+          <a:p>
+            <a:pPr marL="400050" indent="-400050">
+              <a:buAutoNum type="romanUcPeriod"/>
+            </a:pPr>
+            <a:r>
+              <a:rPr lang="en-US" altLang="zh-CN" b="1" dirty="0" smtClean="0">
+                <a:latin typeface="Calibri"/>
+                <a:cs typeface="Calibri"/>
+              </a:rPr>
+              <a:t>Introduction (2 units)</a:t>
+            </a:r>
+          </a:p>
+          <a:p>
+            <a:pPr marL="400050" indent="-400050">
+              <a:buAutoNum type="romanUcPeriod"/>
+            </a:pPr>
+            <a:r>
+              <a:rPr lang="en-US" altLang="zh-CN" b="1" dirty="0" smtClean="0">
+                <a:latin typeface="Calibri"/>
+                <a:cs typeface="Calibri"/>
+              </a:rPr>
+              <a:t>Searching</a:t>
+            </a:r>
+          </a:p>
+          <a:p>
+            <a:pPr marL="742942" lvl="1" indent="-400050">
+              <a:buAutoNum type="arabicPeriod"/>
+            </a:pPr>
+            <a:r>
+              <a:rPr lang="en-US" altLang="zh-CN" b="1" dirty="0" smtClean="0">
+                <a:latin typeface="Calibri"/>
+                <a:cs typeface="Calibri"/>
+              </a:rPr>
+              <a:t>Uninformed Search (2 units)</a:t>
+            </a:r>
+          </a:p>
+          <a:p>
+            <a:pPr marL="742942" lvl="1" indent="-400050">
+              <a:buAutoNum type="arabicPeriod"/>
+            </a:pPr>
+            <a:r>
+              <a:rPr lang="en-US" altLang="zh-CN" b="1" dirty="0" smtClean="0">
+                <a:latin typeface="Calibri"/>
+                <a:cs typeface="Calibri"/>
+              </a:rPr>
+              <a:t>Informed Search (2 units)</a:t>
+            </a:r>
+          </a:p>
+          <a:p>
+            <a:pPr marL="742942" lvl="1" indent="-400050">
+              <a:buFont typeface="+mj-lt"/>
+              <a:buAutoNum type="arabicPeriod"/>
+            </a:pPr>
+            <a:r>
+              <a:rPr lang="en-US" altLang="zh-CN" b="1" dirty="0" smtClean="0">
+                <a:latin typeface="Calibri"/>
+                <a:cs typeface="Calibri"/>
+              </a:rPr>
+              <a:t>Constraint Satisfaction Problem (4 units)</a:t>
+            </a:r>
+          </a:p>
+          <a:p>
+            <a:pPr marL="400050" indent="-400050">
+              <a:buAutoNum type="romanUcPeriod"/>
+            </a:pPr>
+            <a:r>
+              <a:rPr lang="en-US" altLang="zh-CN" b="1" dirty="0" smtClean="0">
+                <a:latin typeface="Calibri"/>
+                <a:cs typeface="Calibri"/>
+              </a:rPr>
+              <a:t>Learning</a:t>
+            </a:r>
+          </a:p>
+          <a:p>
+            <a:pPr marL="742942" lvl="1" indent="-400050">
+              <a:buFont typeface="+mj-lt"/>
+              <a:buAutoNum type="arabicPeriod"/>
+            </a:pPr>
+            <a:r>
+              <a:rPr lang="en-US" altLang="zh-CN" b="1" dirty="0" smtClean="0">
+                <a:latin typeface="Calibri"/>
+                <a:cs typeface="Calibri"/>
+              </a:rPr>
+              <a:t>Machine Learning Introduction (2 units)</a:t>
+            </a:r>
+          </a:p>
+          <a:p>
+            <a:pPr marL="742942" lvl="1" indent="-400050">
+              <a:buFont typeface="+mj-lt"/>
+              <a:buAutoNum type="arabicPeriod"/>
+            </a:pPr>
+            <a:r>
+              <a:rPr lang="en-US" altLang="zh-CN" b="1" dirty="0" smtClean="0">
+                <a:latin typeface="Calibri"/>
+                <a:cs typeface="Calibri"/>
+              </a:rPr>
+              <a:t>Supervised Learning (4 units)</a:t>
+            </a:r>
+          </a:p>
+          <a:p>
+            <a:pPr marL="742942" lvl="1" indent="-400050">
+              <a:buFont typeface="+mj-lt"/>
+              <a:buAutoNum type="arabicPeriod"/>
+            </a:pPr>
+            <a:r>
+              <a:rPr lang="en-US" altLang="zh-CN" b="1" dirty="0" smtClean="0">
+                <a:latin typeface="Calibri"/>
+                <a:cs typeface="Calibri"/>
+              </a:rPr>
+              <a:t>Unsupervised Learning (2 units)</a:t>
+            </a:r>
+          </a:p>
+          <a:p>
+            <a:pPr marL="400050" indent="-400050">
+              <a:buAutoNum type="romanUcPeriod"/>
+            </a:pPr>
+            <a:r>
+              <a:rPr lang="en-US" altLang="zh-CN" b="1" dirty="0" smtClean="0">
+                <a:latin typeface="Calibri"/>
+                <a:cs typeface="Calibri"/>
+              </a:rPr>
+              <a:t>Reasoning</a:t>
+            </a:r>
+          </a:p>
+          <a:p>
+            <a:pPr marL="742942" lvl="1" indent="-400050">
+              <a:buFont typeface="+mj-lt"/>
+              <a:buAutoNum type="arabicPeriod"/>
+            </a:pPr>
+            <a:r>
+              <a:rPr lang="en-US" altLang="zh-CN" b="1" dirty="0" smtClean="0">
+                <a:latin typeface="Calibri"/>
+                <a:cs typeface="Calibri"/>
+              </a:rPr>
+              <a:t>Markov Decision Process (4 units)</a:t>
+            </a:r>
+          </a:p>
+          <a:p>
+            <a:pPr marL="742942" lvl="1" indent="-400050">
+              <a:buFont typeface="+mj-lt"/>
+              <a:buAutoNum type="arabicPeriod"/>
+            </a:pPr>
+            <a:r>
+              <a:rPr lang="en-US" altLang="zh-CN" b="1" dirty="0" smtClean="0">
+                <a:latin typeface="Calibri"/>
+                <a:cs typeface="Calibri"/>
+              </a:rPr>
+              <a:t>Reinforcement Learning (4 units)</a:t>
+            </a:r>
+          </a:p>
+          <a:p>
+            <a:pPr marL="742942" lvl="1" indent="-400050">
+              <a:buFont typeface="+mj-lt"/>
+              <a:buAutoNum type="arabicPeriod"/>
+            </a:pPr>
+            <a:r>
+              <a:rPr lang="en-US" altLang="zh-CN" b="1" dirty="0" smtClean="0">
+                <a:latin typeface="Calibri"/>
+                <a:cs typeface="Calibri"/>
+              </a:rPr>
+              <a:t>Bayesian Network (4 units)</a:t>
+            </a:r>
+          </a:p>
+          <a:p>
+            <a:pPr marL="400050" indent="-400050">
+              <a:buAutoNum type="romanUcPeriod"/>
+            </a:pPr>
+            <a:r>
+              <a:rPr lang="en-US" altLang="zh-CN" b="1" dirty="0" smtClean="0">
+                <a:latin typeface="Calibri"/>
+                <a:cs typeface="Calibri"/>
+              </a:rPr>
+              <a:t>Discussion (2 units)</a:t>
+            </a:r>
+            <a:endParaRPr lang="zh-CN" altLang="en-US" b="1" dirty="0" err="1" smtClean="0">
+              <a:latin typeface="Calibri"/>
+              <a:cs typeface="Calibri"/>
+            </a:endParaRPr>
+          </a:p>
+        </p:txBody>
+      </p:sp>
+      <p:sp>
+        <p:nvSpPr>
+          <p:cNvPr id="5" name="圆角矩形 4"/>
+          <p:cNvSpPr/>
+          <p:nvPr/>
+        </p:nvSpPr>
+        <p:spPr>
+          <a:xfrm>
+            <a:off x="5943600" y="819150"/>
+            <a:ext cx="3200400" cy="762000"/>
+          </a:xfrm>
+          <a:prstGeom prst="roundRect">
+            <a:avLst/>
+          </a:prstGeom>
+          <a:solidFill>
+            <a:schemeClr val="accent2">
+              <a:lumMod val="20000"/>
+              <a:lumOff val="80000"/>
+            </a:schemeClr>
+          </a:solidFill>
+          <a:ln w="6350">
+            <a:solidFill>
+              <a:schemeClr val="accent2">
+                <a:lumMod val="40000"/>
+                <a:lumOff val="60000"/>
+              </a:schemeClr>
+            </a:solidFill>
+          </a:ln>
+        </p:spPr>
+        <p:style>
+          <a:lnRef idx="2">
+            <a:schemeClr val="accent1">
+              <a:shade val="50000"/>
+            </a:schemeClr>
+          </a:lnRef>
+          <a:fillRef idx="1">
+            <a:schemeClr val="accent1"/>
+          </a:fillRef>
+          <a:effectRef idx="0">
+            <a:schemeClr val="accent1"/>
+          </a:effectRef>
+          <a:fontRef idx="minor">
+            <a:schemeClr val="lt1"/>
+          </a:fontRef>
+        </p:style>
+        <p:txBody>
+          <a:bodyPr rtlCol="0" anchor="ctr"/>
+          <a:lstStyle/>
+          <a:p>
+            <a:pPr marL="285750" indent="-285750">
+              <a:buFont typeface="Arial" panose="020B0604020202020204" pitchFamily="34" charset="0"/>
+              <a:buChar char="•"/>
+            </a:pPr>
+            <a:r>
+              <a:rPr lang="en-US" altLang="zh-CN" dirty="0">
+                <a:solidFill>
+                  <a:srgbClr val="0070C0"/>
+                </a:solidFill>
+                <a:latin typeface="Calibri"/>
+                <a:cs typeface="Calibri"/>
+              </a:rPr>
+              <a:t>32 Lecturing Units</a:t>
+            </a:r>
+          </a:p>
+          <a:p>
+            <a:pPr marL="285750" indent="-285750">
+              <a:buFont typeface="Arial" panose="020B0604020202020204" pitchFamily="34" charset="0"/>
+              <a:buChar char="•"/>
+            </a:pPr>
+            <a:r>
+              <a:rPr lang="en-US" altLang="zh-CN" dirty="0">
+                <a:solidFill>
+                  <a:srgbClr val="0070C0"/>
+                </a:solidFill>
+                <a:latin typeface="Calibri"/>
+                <a:cs typeface="Calibri"/>
+              </a:rPr>
+              <a:t>2 </a:t>
+            </a:r>
+            <a:r>
+              <a:rPr lang="en-US" altLang="zh-CN" dirty="0" smtClean="0">
+                <a:solidFill>
+                  <a:srgbClr val="0070C0"/>
+                </a:solidFill>
+                <a:latin typeface="Calibri"/>
+                <a:cs typeface="Calibri"/>
+              </a:rPr>
+              <a:t>Credits</a:t>
+            </a:r>
+            <a:endParaRPr lang="zh-CN" altLang="en-US" dirty="0"/>
+          </a:p>
+        </p:txBody>
+      </p:sp>
+      <p:sp>
+        <p:nvSpPr>
+          <p:cNvPr id="8" name="圆角矩形 7"/>
+          <p:cNvSpPr/>
+          <p:nvPr/>
+        </p:nvSpPr>
+        <p:spPr>
+          <a:xfrm>
+            <a:off x="5943600" y="2193387"/>
+            <a:ext cx="3200400" cy="2557697"/>
+          </a:xfrm>
+          <a:prstGeom prst="roundRect">
+            <a:avLst/>
+          </a:prstGeom>
+          <a:solidFill>
+            <a:schemeClr val="accent2">
+              <a:lumMod val="20000"/>
+              <a:lumOff val="80000"/>
+            </a:schemeClr>
+          </a:solidFill>
+          <a:ln w="6350">
+            <a:solidFill>
+              <a:schemeClr val="accent2">
+                <a:lumMod val="40000"/>
+                <a:lumOff val="60000"/>
+              </a:schemeClr>
+            </a:solidFill>
+          </a:ln>
+        </p:spPr>
+        <p:style>
+          <a:lnRef idx="2">
+            <a:schemeClr val="accent1">
+              <a:shade val="50000"/>
+            </a:schemeClr>
+          </a:lnRef>
+          <a:fillRef idx="1">
+            <a:schemeClr val="accent1"/>
+          </a:fillRef>
+          <a:effectRef idx="0">
+            <a:schemeClr val="accent1"/>
+          </a:effectRef>
+          <a:fontRef idx="minor">
+            <a:schemeClr val="lt1"/>
+          </a:fontRef>
+        </p:style>
+        <p:txBody>
+          <a:bodyPr rtlCol="0" anchor="ctr"/>
+          <a:lstStyle/>
+          <a:p>
+            <a:r>
+              <a:rPr lang="en-US" altLang="zh-CN" dirty="0" smtClean="0">
+                <a:solidFill>
+                  <a:srgbClr val="0070C0"/>
+                </a:solidFill>
+                <a:latin typeface="Calibri"/>
+              </a:rPr>
+              <a:t>Grading System:</a:t>
+            </a:r>
+          </a:p>
+          <a:p>
+            <a:pPr marL="285750" indent="-285750">
+              <a:buFont typeface="Arial" panose="020B0604020202020204" pitchFamily="34" charset="0"/>
+              <a:buChar char="•"/>
+            </a:pPr>
+            <a:r>
+              <a:rPr lang="en-US" altLang="zh-CN" sz="1600" b="1" dirty="0" smtClean="0">
+                <a:solidFill>
+                  <a:srgbClr val="0070C0"/>
+                </a:solidFill>
+                <a:latin typeface="Calibri"/>
+              </a:rPr>
+              <a:t>10 Class Attendance</a:t>
+            </a:r>
+          </a:p>
+          <a:p>
+            <a:pPr marL="285750" indent="-285750">
+              <a:buFont typeface="Arial" panose="020B0604020202020204" pitchFamily="34" charset="0"/>
+              <a:buChar char="•"/>
+            </a:pPr>
+            <a:r>
+              <a:rPr lang="en-US" altLang="zh-CN" sz="1600" b="1" dirty="0" smtClean="0">
+                <a:solidFill>
+                  <a:srgbClr val="0070C0"/>
+                </a:solidFill>
+                <a:latin typeface="Calibri"/>
+              </a:rPr>
+              <a:t>40 Python Programming  Projects</a:t>
+            </a:r>
+            <a:endParaRPr lang="en-US" altLang="zh-CN" sz="1600" b="1" dirty="0" smtClean="0"/>
+          </a:p>
+          <a:p>
+            <a:pPr marL="285750" indent="-285750">
+              <a:buFont typeface="Arial" panose="020B0604020202020204" pitchFamily="34" charset="0"/>
+              <a:buChar char="•"/>
+            </a:pPr>
+            <a:r>
+              <a:rPr lang="en-US" altLang="zh-CN" sz="1600" b="1" dirty="0" smtClean="0">
+                <a:solidFill>
+                  <a:srgbClr val="0070C0"/>
+                </a:solidFill>
+                <a:latin typeface="Calibri"/>
+              </a:rPr>
+              <a:t>20 Class Presentation and Panel Discussion</a:t>
+            </a:r>
+          </a:p>
+          <a:p>
+            <a:pPr marL="285750" indent="-285750">
+              <a:buFont typeface="Arial" panose="020B0604020202020204" pitchFamily="34" charset="0"/>
+              <a:buChar char="•"/>
+            </a:pPr>
+            <a:r>
+              <a:rPr lang="en-US" altLang="zh-CN" sz="1600" b="1" dirty="0" smtClean="0">
+                <a:solidFill>
+                  <a:srgbClr val="0070C0"/>
+                </a:solidFill>
+                <a:latin typeface="Calibri"/>
+              </a:rPr>
+              <a:t>40 Final Project with Report on Selected Topics</a:t>
+            </a:r>
+          </a:p>
+        </p:txBody>
+      </p:sp>
+    </p:spTree>
+    <p:extLst>
+      <p:ext uri="{BB962C8B-B14F-4D97-AF65-F5344CB8AC3E}">
+        <p14:creationId xmlns:p14="http://schemas.microsoft.com/office/powerpoint/2010/main" val="1437358613"/>
+      </p:ext>
+    </p:extLst>
+  </p:cSld>
+  <p:clrMapOvr>
+    <a:masterClrMapping/>
+  </p:clrMapOvr>
+  <p:timing>
+    <p:tnLst>
+      <p:par>
+        <p:cTn id="1" dur="indefinite" restart="never" nodeType="tmRoot"/>
+      </p:par>
+    </p:tnLst>
+  </p:timing>
+</p:sld>
+</file>
+
+<file path=ppt/slides/slide20.xml><?xml version="1.0" encoding="utf-8"?>
+<p:sld xmlns:a="http://schemas.openxmlformats.org/drawingml/2006/main" xmlns:r="http://schemas.openxmlformats.org/officeDocument/2006/relationships" xmlns:p="http://schemas.openxmlformats.org/presentationml/2006/main">
+  <p:cSld>
+    <p:spTree>
+      <p:nvGrpSpPr>
+        <p:cNvPr id="1" name=""/>
+        <p:cNvGrpSpPr/>
+        <p:nvPr/>
+      </p:nvGrpSpPr>
+      <p:grpSpPr>
+        <a:xfrm>
+          <a:off x="0" y="0"/>
+          <a:ext cx="0" cy="0"/>
+          <a:chOff x="0" y="0"/>
+          <a:chExt cx="0" cy="0"/>
+        </a:xfrm>
+      </p:grpSpPr>
+      <p:sp>
+        <p:nvSpPr>
+          <p:cNvPr id="5124" name="Text Box 7"/>
+          <p:cNvSpPr txBox="1">
+            <a:spLocks noChangeArrowheads="1"/>
+          </p:cNvSpPr>
+          <p:nvPr/>
+        </p:nvSpPr>
+        <p:spPr bwMode="auto">
+          <a:xfrm>
+            <a:off x="1143000" y="4686301"/>
+            <a:ext cx="4400550" cy="346247"/>
+          </a:xfrm>
+          <a:prstGeom prst="rect">
+            <a:avLst/>
+          </a:prstGeom>
+          <a:noFill/>
+          <a:ln w="9525">
+            <a:noFill/>
+            <a:miter lim="800000"/>
+            <a:headEnd/>
+            <a:tailEnd/>
+          </a:ln>
+        </p:spPr>
+        <p:txBody>
+          <a:bodyPr lIns="68579" tIns="34289" rIns="68579" bIns="34289">
+            <a:spAutoFit/>
+          </a:bodyPr>
+          <a:lstStyle/>
+          <a:p>
+            <a:pPr>
+              <a:spcBef>
+                <a:spcPct val="50000"/>
+              </a:spcBef>
+            </a:pPr>
+            <a:endParaRPr lang="en-US"/>
+          </a:p>
+        </p:txBody>
+      </p:sp>
+      <p:sp>
+        <p:nvSpPr>
+          <p:cNvPr id="12" name="Title 4"/>
+          <p:cNvSpPr txBox="1">
+            <a:spLocks/>
+          </p:cNvSpPr>
+          <p:nvPr/>
+        </p:nvSpPr>
+        <p:spPr bwMode="auto">
+          <a:xfrm>
+            <a:off x="0" y="-19050"/>
+            <a:ext cx="9144000" cy="533400"/>
+          </a:xfrm>
+          <a:prstGeom prst="rect">
+            <a:avLst/>
+          </a:prstGeom>
+          <a:gradFill flip="none" rotWithShape="1">
+            <a:gsLst>
+              <a:gs pos="4000">
+                <a:srgbClr val="5E9EFF"/>
+              </a:gs>
+              <a:gs pos="39999">
+                <a:srgbClr val="85C2FF"/>
+              </a:gs>
+              <a:gs pos="70000">
+                <a:srgbClr val="C4D6EB"/>
+              </a:gs>
+              <a:gs pos="100000">
+                <a:srgbClr val="FFEBFA"/>
+              </a:gs>
+            </a:gsLst>
+            <a:lin ang="4200000" scaled="0"/>
+            <a:tileRect/>
+          </a:gradFill>
+          <a:ln w="9525">
+            <a:noFill/>
+            <a:miter lim="800000"/>
+            <a:headEnd/>
+            <a:tailEnd/>
+          </a:ln>
+        </p:spPr>
+        <p:txBody>
+          <a:bodyPr vert="horz" wrap="square" lIns="68579" tIns="34289" rIns="68579" bIns="34289" numCol="1" anchor="ctr" anchorCtr="0" compatLnSpc="1">
+            <a:prstTxWarp prst="textNoShape">
+              <a:avLst/>
+            </a:prstTxWarp>
+            <a:noAutofit/>
+          </a:bodyPr>
+          <a:lstStyle>
+            <a:lvl1pPr algn="ctr" rtl="0" eaLnBrk="0" fontAlgn="base" hangingPunct="0">
+              <a:spcBef>
+                <a:spcPct val="0"/>
+              </a:spcBef>
+              <a:spcAft>
+                <a:spcPct val="0"/>
+              </a:spcAft>
+              <a:defRPr sz="3300">
+                <a:solidFill>
+                  <a:schemeClr val="accent2"/>
+                </a:solidFill>
+                <a:latin typeface="Calibri" pitchFamily="34" charset="0"/>
+                <a:ea typeface="+mj-ea"/>
+                <a:cs typeface="+mj-cs"/>
+              </a:defRPr>
+            </a:lvl1pPr>
+            <a:lvl2pPr algn="ctr" rtl="0" eaLnBrk="0" fontAlgn="base" hangingPunct="0">
+              <a:spcBef>
+                <a:spcPct val="0"/>
+              </a:spcBef>
+              <a:spcAft>
+                <a:spcPct val="0"/>
+              </a:spcAft>
+              <a:defRPr sz="3300">
+                <a:solidFill>
+                  <a:schemeClr val="tx2"/>
+                </a:solidFill>
+                <a:latin typeface="Arial" charset="0"/>
+              </a:defRPr>
+            </a:lvl2pPr>
+            <a:lvl3pPr algn="ctr" rtl="0" eaLnBrk="0" fontAlgn="base" hangingPunct="0">
+              <a:spcBef>
+                <a:spcPct val="0"/>
+              </a:spcBef>
+              <a:spcAft>
+                <a:spcPct val="0"/>
+              </a:spcAft>
+              <a:defRPr sz="3300">
+                <a:solidFill>
+                  <a:schemeClr val="tx2"/>
+                </a:solidFill>
+                <a:latin typeface="Arial" charset="0"/>
+              </a:defRPr>
+            </a:lvl3pPr>
+            <a:lvl4pPr algn="ctr" rtl="0" eaLnBrk="0" fontAlgn="base" hangingPunct="0">
+              <a:spcBef>
+                <a:spcPct val="0"/>
+              </a:spcBef>
+              <a:spcAft>
+                <a:spcPct val="0"/>
+              </a:spcAft>
+              <a:defRPr sz="3300">
+                <a:solidFill>
+                  <a:schemeClr val="tx2"/>
+                </a:solidFill>
+                <a:latin typeface="Arial" charset="0"/>
+              </a:defRPr>
+            </a:lvl4pPr>
+            <a:lvl5pPr algn="ctr" rtl="0" eaLnBrk="0" fontAlgn="base" hangingPunct="0">
+              <a:spcBef>
+                <a:spcPct val="0"/>
+              </a:spcBef>
+              <a:spcAft>
+                <a:spcPct val="0"/>
+              </a:spcAft>
+              <a:defRPr sz="3300">
+                <a:solidFill>
+                  <a:schemeClr val="tx2"/>
+                </a:solidFill>
+                <a:latin typeface="Arial" charset="0"/>
+              </a:defRPr>
+            </a:lvl5pPr>
+            <a:lvl6pPr marL="342892" algn="ctr" rtl="0" fontAlgn="base">
+              <a:spcBef>
+                <a:spcPct val="0"/>
+              </a:spcBef>
+              <a:spcAft>
+                <a:spcPct val="0"/>
+              </a:spcAft>
+              <a:defRPr sz="3300">
+                <a:solidFill>
+                  <a:schemeClr val="tx2"/>
+                </a:solidFill>
+                <a:latin typeface="Arial" charset="0"/>
+              </a:defRPr>
+            </a:lvl6pPr>
+            <a:lvl7pPr marL="685783" algn="ctr" rtl="0" fontAlgn="base">
+              <a:spcBef>
+                <a:spcPct val="0"/>
+              </a:spcBef>
+              <a:spcAft>
+                <a:spcPct val="0"/>
+              </a:spcAft>
+              <a:defRPr sz="3300">
+                <a:solidFill>
+                  <a:schemeClr val="tx2"/>
+                </a:solidFill>
+                <a:latin typeface="Arial" charset="0"/>
+              </a:defRPr>
+            </a:lvl7pPr>
+            <a:lvl8pPr marL="1028675" algn="ctr" rtl="0" fontAlgn="base">
+              <a:spcBef>
+                <a:spcPct val="0"/>
+              </a:spcBef>
+              <a:spcAft>
+                <a:spcPct val="0"/>
+              </a:spcAft>
+              <a:defRPr sz="3300">
+                <a:solidFill>
+                  <a:schemeClr val="tx2"/>
+                </a:solidFill>
+                <a:latin typeface="Arial" charset="0"/>
+              </a:defRPr>
+            </a:lvl8pPr>
+            <a:lvl9pPr marL="1371566" algn="ctr" rtl="0" fontAlgn="base">
+              <a:spcBef>
+                <a:spcPct val="0"/>
+              </a:spcBef>
+              <a:spcAft>
+                <a:spcPct val="0"/>
+              </a:spcAft>
+              <a:defRPr sz="3300">
+                <a:solidFill>
+                  <a:schemeClr val="tx2"/>
+                </a:solidFill>
+                <a:latin typeface="Arial" charset="0"/>
+              </a:defRPr>
+            </a:lvl9pPr>
+          </a:lstStyle>
+          <a:p>
+            <a:r>
+              <a:rPr lang="en-US" altLang="zh-CN" sz="3600" b="1" kern="0" dirty="0" smtClean="0"/>
               <a:t>Course Textbook</a:t>
             </a:r>
             <a:endParaRPr lang="zh-CN" altLang="en-US" sz="3600" b="1" kern="0" dirty="0"/>
@@ -13819,7 +15175,7 @@
 </p:sld>
 </file>
 
-<file path=ppt/slides/slide19.xml><?xml version="1.0" encoding="utf-8"?>
+<file path=ppt/slides/slide21.xml><?xml version="1.0" encoding="utf-8"?>
 <p:sld xmlns:a="http://schemas.openxmlformats.org/drawingml/2006/main" xmlns:r="http://schemas.openxmlformats.org/officeDocument/2006/relationships" xmlns:p="http://schemas.openxmlformats.org/presentationml/2006/main">
   <p:cSld>
     <p:spTree>
@@ -15113,693 +16469,7 @@
 </p:sld>
 </file>
 
-<file path=ppt/slides/slide2.xml><?xml version="1.0" encoding="utf-8"?>
-<p:sld xmlns:a="http://schemas.openxmlformats.org/drawingml/2006/main" xmlns:r="http://schemas.openxmlformats.org/officeDocument/2006/relationships" xmlns:p="http://schemas.openxmlformats.org/presentationml/2006/main">
-  <p:cSld>
-    <p:spTree>
-      <p:nvGrpSpPr>
-        <p:cNvPr id="1" name=""/>
-        <p:cNvGrpSpPr/>
-        <p:nvPr/>
-      </p:nvGrpSpPr>
-      <p:grpSpPr>
-        <a:xfrm>
-          <a:off x="0" y="0"/>
-          <a:ext cx="0" cy="0"/>
-          <a:chOff x="0" y="0"/>
-          <a:chExt cx="0" cy="0"/>
-        </a:xfrm>
-      </p:grpSpPr>
-      <p:sp>
-        <p:nvSpPr>
-          <p:cNvPr id="5124" name="Text Box 7"/>
-          <p:cNvSpPr txBox="1">
-            <a:spLocks noChangeArrowheads="1"/>
-          </p:cNvSpPr>
-          <p:nvPr/>
-        </p:nvSpPr>
-        <p:spPr bwMode="auto">
-          <a:xfrm>
-            <a:off x="1143000" y="4686301"/>
-            <a:ext cx="4400550" cy="346247"/>
-          </a:xfrm>
-          <a:prstGeom prst="rect">
-            <a:avLst/>
-          </a:prstGeom>
-          <a:noFill/>
-          <a:ln w="9525">
-            <a:noFill/>
-            <a:miter lim="800000"/>
-            <a:headEnd/>
-            <a:tailEnd/>
-          </a:ln>
-        </p:spPr>
-        <p:txBody>
-          <a:bodyPr lIns="68579" tIns="34289" rIns="68579" bIns="34289">
-            <a:spAutoFit/>
-          </a:bodyPr>
-          <a:lstStyle/>
-          <a:p>
-            <a:pPr>
-              <a:spcBef>
-                <a:spcPct val="50000"/>
-              </a:spcBef>
-            </a:pPr>
-            <a:endParaRPr lang="en-US"/>
-          </a:p>
-        </p:txBody>
-      </p:sp>
-      <p:sp>
-        <p:nvSpPr>
-          <p:cNvPr id="12" name="Title 4"/>
-          <p:cNvSpPr txBox="1">
-            <a:spLocks/>
-          </p:cNvSpPr>
-          <p:nvPr/>
-        </p:nvSpPr>
-        <p:spPr bwMode="auto">
-          <a:xfrm>
-            <a:off x="0" y="-19050"/>
-            <a:ext cx="9144000" cy="533400"/>
-          </a:xfrm>
-          <a:prstGeom prst="rect">
-            <a:avLst/>
-          </a:prstGeom>
-          <a:gradFill flip="none" rotWithShape="1">
-            <a:gsLst>
-              <a:gs pos="4000">
-                <a:srgbClr val="5E9EFF"/>
-              </a:gs>
-              <a:gs pos="39999">
-                <a:srgbClr val="85C2FF"/>
-              </a:gs>
-              <a:gs pos="70000">
-                <a:srgbClr val="C4D6EB"/>
-              </a:gs>
-              <a:gs pos="100000">
-                <a:srgbClr val="FFEBFA"/>
-              </a:gs>
-            </a:gsLst>
-            <a:lin ang="4200000" scaled="0"/>
-            <a:tileRect/>
-          </a:gradFill>
-          <a:ln w="9525">
-            <a:noFill/>
-            <a:miter lim="800000"/>
-            <a:headEnd/>
-            <a:tailEnd/>
-          </a:ln>
-        </p:spPr>
-        <p:txBody>
-          <a:bodyPr vert="horz" wrap="square" lIns="68579" tIns="34289" rIns="68579" bIns="34289" numCol="1" anchor="ctr" anchorCtr="0" compatLnSpc="1">
-            <a:prstTxWarp prst="textNoShape">
-              <a:avLst/>
-            </a:prstTxWarp>
-            <a:noAutofit/>
-          </a:bodyPr>
-          <a:lstStyle>
-            <a:lvl1pPr algn="ctr" rtl="0" eaLnBrk="0" fontAlgn="base" hangingPunct="0">
-              <a:spcBef>
-                <a:spcPct val="0"/>
-              </a:spcBef>
-              <a:spcAft>
-                <a:spcPct val="0"/>
-              </a:spcAft>
-              <a:defRPr sz="3300">
-                <a:solidFill>
-                  <a:schemeClr val="accent2"/>
-                </a:solidFill>
-                <a:latin typeface="Calibri" pitchFamily="34" charset="0"/>
-                <a:ea typeface="+mj-ea"/>
-                <a:cs typeface="+mj-cs"/>
-              </a:defRPr>
-            </a:lvl1pPr>
-            <a:lvl2pPr algn="ctr" rtl="0" eaLnBrk="0" fontAlgn="base" hangingPunct="0">
-              <a:spcBef>
-                <a:spcPct val="0"/>
-              </a:spcBef>
-              <a:spcAft>
-                <a:spcPct val="0"/>
-              </a:spcAft>
-              <a:defRPr sz="3300">
-                <a:solidFill>
-                  <a:schemeClr val="tx2"/>
-                </a:solidFill>
-                <a:latin typeface="Arial" charset="0"/>
-              </a:defRPr>
-            </a:lvl2pPr>
-            <a:lvl3pPr algn="ctr" rtl="0" eaLnBrk="0" fontAlgn="base" hangingPunct="0">
-              <a:spcBef>
-                <a:spcPct val="0"/>
-              </a:spcBef>
-              <a:spcAft>
-                <a:spcPct val="0"/>
-              </a:spcAft>
-              <a:defRPr sz="3300">
-                <a:solidFill>
-                  <a:schemeClr val="tx2"/>
-                </a:solidFill>
-                <a:latin typeface="Arial" charset="0"/>
-              </a:defRPr>
-            </a:lvl3pPr>
-            <a:lvl4pPr algn="ctr" rtl="0" eaLnBrk="0" fontAlgn="base" hangingPunct="0">
-              <a:spcBef>
-                <a:spcPct val="0"/>
-              </a:spcBef>
-              <a:spcAft>
-                <a:spcPct val="0"/>
-              </a:spcAft>
-              <a:defRPr sz="3300">
-                <a:solidFill>
-                  <a:schemeClr val="tx2"/>
-                </a:solidFill>
-                <a:latin typeface="Arial" charset="0"/>
-              </a:defRPr>
-            </a:lvl4pPr>
-            <a:lvl5pPr algn="ctr" rtl="0" eaLnBrk="0" fontAlgn="base" hangingPunct="0">
-              <a:spcBef>
-                <a:spcPct val="0"/>
-              </a:spcBef>
-              <a:spcAft>
-                <a:spcPct val="0"/>
-              </a:spcAft>
-              <a:defRPr sz="3300">
-                <a:solidFill>
-                  <a:schemeClr val="tx2"/>
-                </a:solidFill>
-                <a:latin typeface="Arial" charset="0"/>
-              </a:defRPr>
-            </a:lvl5pPr>
-            <a:lvl6pPr marL="342892" algn="ctr" rtl="0" fontAlgn="base">
-              <a:spcBef>
-                <a:spcPct val="0"/>
-              </a:spcBef>
-              <a:spcAft>
-                <a:spcPct val="0"/>
-              </a:spcAft>
-              <a:defRPr sz="3300">
-                <a:solidFill>
-                  <a:schemeClr val="tx2"/>
-                </a:solidFill>
-                <a:latin typeface="Arial" charset="0"/>
-              </a:defRPr>
-            </a:lvl6pPr>
-            <a:lvl7pPr marL="685783" algn="ctr" rtl="0" fontAlgn="base">
-              <a:spcBef>
-                <a:spcPct val="0"/>
-              </a:spcBef>
-              <a:spcAft>
-                <a:spcPct val="0"/>
-              </a:spcAft>
-              <a:defRPr sz="3300">
-                <a:solidFill>
-                  <a:schemeClr val="tx2"/>
-                </a:solidFill>
-                <a:latin typeface="Arial" charset="0"/>
-              </a:defRPr>
-            </a:lvl7pPr>
-            <a:lvl8pPr marL="1028675" algn="ctr" rtl="0" fontAlgn="base">
-              <a:spcBef>
-                <a:spcPct val="0"/>
-              </a:spcBef>
-              <a:spcAft>
-                <a:spcPct val="0"/>
-              </a:spcAft>
-              <a:defRPr sz="3300">
-                <a:solidFill>
-                  <a:schemeClr val="tx2"/>
-                </a:solidFill>
-                <a:latin typeface="Arial" charset="0"/>
-              </a:defRPr>
-            </a:lvl8pPr>
-            <a:lvl9pPr marL="1371566" algn="ctr" rtl="0" fontAlgn="base">
-              <a:spcBef>
-                <a:spcPct val="0"/>
-              </a:spcBef>
-              <a:spcAft>
-                <a:spcPct val="0"/>
-              </a:spcAft>
-              <a:defRPr sz="3300">
-                <a:solidFill>
-                  <a:schemeClr val="tx2"/>
-                </a:solidFill>
-                <a:latin typeface="Arial" charset="0"/>
-              </a:defRPr>
-            </a:lvl9pPr>
-          </a:lstStyle>
-          <a:p>
-            <a:r>
-              <a:rPr lang="en-US" altLang="zh-CN" sz="3600" b="1" kern="0" dirty="0" smtClean="0"/>
-              <a:t>Course Outline</a:t>
-            </a:r>
-            <a:endParaRPr lang="zh-CN" altLang="en-US" sz="3600" b="1" kern="0" dirty="0"/>
-          </a:p>
-        </p:txBody>
-      </p:sp>
-      <p:sp>
-        <p:nvSpPr>
-          <p:cNvPr id="2" name="文本框 1"/>
-          <p:cNvSpPr txBox="1"/>
-          <p:nvPr/>
-        </p:nvSpPr>
-        <p:spPr>
-          <a:xfrm>
-            <a:off x="464820" y="514350"/>
-            <a:ext cx="5478780" cy="4247317"/>
-          </a:xfrm>
-          <a:prstGeom prst="rect">
-            <a:avLst/>
-          </a:prstGeom>
-          <a:noFill/>
-        </p:spPr>
-        <p:txBody>
-          <a:bodyPr wrap="square" rtlCol="0">
-            <a:spAutoFit/>
-          </a:bodyPr>
-          <a:lstStyle/>
-          <a:p>
-            <a:endParaRPr lang="en-US" altLang="zh-CN" b="1" dirty="0" smtClean="0">
-              <a:latin typeface="Calibri"/>
-              <a:cs typeface="Calibri"/>
-            </a:endParaRPr>
-          </a:p>
-          <a:p>
-            <a:pPr marL="400050" indent="-400050">
-              <a:buAutoNum type="romanUcPeriod"/>
-            </a:pPr>
-            <a:r>
-              <a:rPr lang="en-US" altLang="zh-CN" b="1" dirty="0" smtClean="0">
-                <a:latin typeface="Calibri"/>
-                <a:cs typeface="Calibri"/>
-              </a:rPr>
-              <a:t>Introduction (2 units)</a:t>
-            </a:r>
-          </a:p>
-          <a:p>
-            <a:pPr marL="400050" indent="-400050">
-              <a:buAutoNum type="romanUcPeriod"/>
-            </a:pPr>
-            <a:r>
-              <a:rPr lang="en-US" altLang="zh-CN" b="1" dirty="0" smtClean="0">
-                <a:latin typeface="Calibri"/>
-                <a:cs typeface="Calibri"/>
-              </a:rPr>
-              <a:t>Searching</a:t>
-            </a:r>
-          </a:p>
-          <a:p>
-            <a:pPr marL="742942" lvl="1" indent="-400050">
-              <a:buAutoNum type="arabicPeriod"/>
-            </a:pPr>
-            <a:r>
-              <a:rPr lang="en-US" altLang="zh-CN" b="1" dirty="0" smtClean="0">
-                <a:latin typeface="Calibri"/>
-                <a:cs typeface="Calibri"/>
-              </a:rPr>
-              <a:t>Uninformed Search (2 units)</a:t>
-            </a:r>
-          </a:p>
-          <a:p>
-            <a:pPr marL="742942" lvl="1" indent="-400050">
-              <a:buAutoNum type="arabicPeriod"/>
-            </a:pPr>
-            <a:r>
-              <a:rPr lang="en-US" altLang="zh-CN" b="1" dirty="0" smtClean="0">
-                <a:latin typeface="Calibri"/>
-                <a:cs typeface="Calibri"/>
-              </a:rPr>
-              <a:t>Informed Search (2 units)</a:t>
-            </a:r>
-          </a:p>
-          <a:p>
-            <a:pPr marL="742942" lvl="1" indent="-400050">
-              <a:buFont typeface="+mj-lt"/>
-              <a:buAutoNum type="arabicPeriod"/>
-            </a:pPr>
-            <a:r>
-              <a:rPr lang="en-US" altLang="zh-CN" b="1" dirty="0" smtClean="0">
-                <a:latin typeface="Calibri"/>
-                <a:cs typeface="Calibri"/>
-              </a:rPr>
-              <a:t>Constraint Satisfaction Problem (4 units)</a:t>
-            </a:r>
-          </a:p>
-          <a:p>
-            <a:pPr marL="400050" indent="-400050">
-              <a:buAutoNum type="romanUcPeriod"/>
-            </a:pPr>
-            <a:r>
-              <a:rPr lang="en-US" altLang="zh-CN" b="1" dirty="0" smtClean="0">
-                <a:latin typeface="Calibri"/>
-                <a:cs typeface="Calibri"/>
-              </a:rPr>
-              <a:t>Learning</a:t>
-            </a:r>
-          </a:p>
-          <a:p>
-            <a:pPr marL="742942" lvl="1" indent="-400050">
-              <a:buFont typeface="+mj-lt"/>
-              <a:buAutoNum type="arabicPeriod"/>
-            </a:pPr>
-            <a:r>
-              <a:rPr lang="en-US" altLang="zh-CN" b="1" dirty="0" smtClean="0">
-                <a:latin typeface="Calibri"/>
-                <a:cs typeface="Calibri"/>
-              </a:rPr>
-              <a:t>Machine Learning Introduction (2 units)</a:t>
-            </a:r>
-          </a:p>
-          <a:p>
-            <a:pPr marL="742942" lvl="1" indent="-400050">
-              <a:buFont typeface="+mj-lt"/>
-              <a:buAutoNum type="arabicPeriod"/>
-            </a:pPr>
-            <a:r>
-              <a:rPr lang="en-US" altLang="zh-CN" b="1" dirty="0" smtClean="0">
-                <a:latin typeface="Calibri"/>
-                <a:cs typeface="Calibri"/>
-              </a:rPr>
-              <a:t>Supervised Learning (4 units)</a:t>
-            </a:r>
-          </a:p>
-          <a:p>
-            <a:pPr marL="742942" lvl="1" indent="-400050">
-              <a:buFont typeface="+mj-lt"/>
-              <a:buAutoNum type="arabicPeriod"/>
-            </a:pPr>
-            <a:r>
-              <a:rPr lang="en-US" altLang="zh-CN" b="1" dirty="0" smtClean="0">
-                <a:latin typeface="Calibri"/>
-                <a:cs typeface="Calibri"/>
-              </a:rPr>
-              <a:t>Unsupervised Learning (2 units)</a:t>
-            </a:r>
-          </a:p>
-          <a:p>
-            <a:pPr marL="400050" indent="-400050">
-              <a:buAutoNum type="romanUcPeriod"/>
-            </a:pPr>
-            <a:r>
-              <a:rPr lang="en-US" altLang="zh-CN" b="1" dirty="0" smtClean="0">
-                <a:latin typeface="Calibri"/>
-                <a:cs typeface="Calibri"/>
-              </a:rPr>
-              <a:t>Reasoning</a:t>
-            </a:r>
-          </a:p>
-          <a:p>
-            <a:pPr marL="742942" lvl="1" indent="-400050">
-              <a:buFont typeface="+mj-lt"/>
-              <a:buAutoNum type="arabicPeriod"/>
-            </a:pPr>
-            <a:r>
-              <a:rPr lang="en-US" altLang="zh-CN" b="1" dirty="0" smtClean="0">
-                <a:latin typeface="Calibri"/>
-                <a:cs typeface="Calibri"/>
-              </a:rPr>
-              <a:t>Markov Decision Process (4 units)</a:t>
-            </a:r>
-          </a:p>
-          <a:p>
-            <a:pPr marL="742942" lvl="1" indent="-400050">
-              <a:buFont typeface="+mj-lt"/>
-              <a:buAutoNum type="arabicPeriod"/>
-            </a:pPr>
-            <a:r>
-              <a:rPr lang="en-US" altLang="zh-CN" b="1" dirty="0" smtClean="0">
-                <a:latin typeface="Calibri"/>
-                <a:cs typeface="Calibri"/>
-              </a:rPr>
-              <a:t>Reinforcement Learning (4 units)</a:t>
-            </a:r>
-          </a:p>
-          <a:p>
-            <a:pPr marL="742942" lvl="1" indent="-400050">
-              <a:buFont typeface="+mj-lt"/>
-              <a:buAutoNum type="arabicPeriod"/>
-            </a:pPr>
-            <a:r>
-              <a:rPr lang="en-US" altLang="zh-CN" b="1" dirty="0" smtClean="0">
-                <a:latin typeface="Calibri"/>
-                <a:cs typeface="Calibri"/>
-              </a:rPr>
-              <a:t>Bayesian Network (4 units)</a:t>
-            </a:r>
-          </a:p>
-          <a:p>
-            <a:pPr marL="400050" indent="-400050">
-              <a:buAutoNum type="romanUcPeriod"/>
-            </a:pPr>
-            <a:r>
-              <a:rPr lang="en-US" altLang="zh-CN" b="1" dirty="0" smtClean="0">
-                <a:latin typeface="Calibri"/>
-                <a:cs typeface="Calibri"/>
-              </a:rPr>
-              <a:t>Discussion (2 units)</a:t>
-            </a:r>
-            <a:endParaRPr lang="zh-CN" altLang="en-US" b="1" dirty="0" err="1" smtClean="0">
-              <a:latin typeface="Calibri"/>
-              <a:cs typeface="Calibri"/>
-            </a:endParaRPr>
-          </a:p>
-        </p:txBody>
-      </p:sp>
-      <p:sp>
-        <p:nvSpPr>
-          <p:cNvPr id="5" name="圆角矩形 4"/>
-          <p:cNvSpPr/>
-          <p:nvPr/>
-        </p:nvSpPr>
-        <p:spPr>
-          <a:xfrm>
-            <a:off x="5943600" y="819150"/>
-            <a:ext cx="3200400" cy="762000"/>
-          </a:xfrm>
-          <a:prstGeom prst="roundRect">
-            <a:avLst/>
-          </a:prstGeom>
-          <a:solidFill>
-            <a:schemeClr val="accent2">
-              <a:lumMod val="20000"/>
-              <a:lumOff val="80000"/>
-            </a:schemeClr>
-          </a:solidFill>
-          <a:ln w="6350">
-            <a:solidFill>
-              <a:schemeClr val="accent2">
-                <a:lumMod val="40000"/>
-                <a:lumOff val="60000"/>
-              </a:schemeClr>
-            </a:solidFill>
-          </a:ln>
-        </p:spPr>
-        <p:style>
-          <a:lnRef idx="2">
-            <a:schemeClr val="accent1">
-              <a:shade val="50000"/>
-            </a:schemeClr>
-          </a:lnRef>
-          <a:fillRef idx="1">
-            <a:schemeClr val="accent1"/>
-          </a:fillRef>
-          <a:effectRef idx="0">
-            <a:schemeClr val="accent1"/>
-          </a:effectRef>
-          <a:fontRef idx="minor">
-            <a:schemeClr val="lt1"/>
-          </a:fontRef>
-        </p:style>
-        <p:txBody>
-          <a:bodyPr rtlCol="0" anchor="ctr"/>
-          <a:lstStyle/>
-          <a:p>
-            <a:pPr marL="285750" indent="-285750">
-              <a:buFont typeface="Arial" panose="020B0604020202020204" pitchFamily="34" charset="0"/>
-              <a:buChar char="•"/>
-            </a:pPr>
-            <a:r>
-              <a:rPr lang="en-US" altLang="zh-CN" dirty="0">
-                <a:solidFill>
-                  <a:srgbClr val="0070C0"/>
-                </a:solidFill>
-                <a:latin typeface="Calibri"/>
-                <a:cs typeface="Calibri"/>
-              </a:rPr>
-              <a:t>32 Lecturing Units</a:t>
-            </a:r>
-          </a:p>
-          <a:p>
-            <a:pPr marL="285750" indent="-285750">
-              <a:buFont typeface="Arial" panose="020B0604020202020204" pitchFamily="34" charset="0"/>
-              <a:buChar char="•"/>
-            </a:pPr>
-            <a:r>
-              <a:rPr lang="en-US" altLang="zh-CN" dirty="0">
-                <a:solidFill>
-                  <a:srgbClr val="0070C0"/>
-                </a:solidFill>
-                <a:latin typeface="Calibri"/>
-                <a:cs typeface="Calibri"/>
-              </a:rPr>
-              <a:t>2 </a:t>
-            </a:r>
-            <a:r>
-              <a:rPr lang="en-US" altLang="zh-CN" dirty="0" smtClean="0">
-                <a:solidFill>
-                  <a:srgbClr val="0070C0"/>
-                </a:solidFill>
-                <a:latin typeface="Calibri"/>
-                <a:cs typeface="Calibri"/>
-              </a:rPr>
-              <a:t>Credits</a:t>
-            </a:r>
-            <a:endParaRPr lang="zh-CN" altLang="en-US" dirty="0"/>
-          </a:p>
-        </p:txBody>
-      </p:sp>
-      <p:sp>
-        <p:nvSpPr>
-          <p:cNvPr id="8" name="圆角矩形 7"/>
-          <p:cNvSpPr/>
-          <p:nvPr/>
-        </p:nvSpPr>
-        <p:spPr>
-          <a:xfrm>
-            <a:off x="5943600" y="2193387"/>
-            <a:ext cx="3200400" cy="2557697"/>
-          </a:xfrm>
-          <a:prstGeom prst="roundRect">
-            <a:avLst/>
-          </a:prstGeom>
-          <a:solidFill>
-            <a:schemeClr val="accent2">
-              <a:lumMod val="20000"/>
-              <a:lumOff val="80000"/>
-            </a:schemeClr>
-          </a:solidFill>
-          <a:ln w="6350">
-            <a:solidFill>
-              <a:schemeClr val="accent2">
-                <a:lumMod val="40000"/>
-                <a:lumOff val="60000"/>
-              </a:schemeClr>
-            </a:solidFill>
-          </a:ln>
-        </p:spPr>
-        <p:style>
-          <a:lnRef idx="2">
-            <a:schemeClr val="accent1">
-              <a:shade val="50000"/>
-            </a:schemeClr>
-          </a:lnRef>
-          <a:fillRef idx="1">
-            <a:schemeClr val="accent1"/>
-          </a:fillRef>
-          <a:effectRef idx="0">
-            <a:schemeClr val="accent1"/>
-          </a:effectRef>
-          <a:fontRef idx="minor">
-            <a:schemeClr val="lt1"/>
-          </a:fontRef>
-        </p:style>
-        <p:txBody>
-          <a:bodyPr rtlCol="0" anchor="ctr"/>
-          <a:lstStyle/>
-          <a:p>
-            <a:r>
-              <a:rPr lang="en-US" altLang="zh-CN" dirty="0" smtClean="0">
-                <a:solidFill>
-                  <a:srgbClr val="0070C0"/>
-                </a:solidFill>
-                <a:latin typeface="Calibri"/>
-              </a:rPr>
-              <a:t>Grading System:</a:t>
-            </a:r>
-          </a:p>
-          <a:p>
-            <a:pPr marL="285750" indent="-285750">
-              <a:buFont typeface="Arial" panose="020B0604020202020204" pitchFamily="34" charset="0"/>
-              <a:buChar char="•"/>
-            </a:pPr>
-            <a:r>
-              <a:rPr lang="en-US" altLang="zh-CN" sz="1600" b="1" dirty="0" smtClean="0">
-                <a:solidFill>
-                  <a:srgbClr val="0070C0"/>
-                </a:solidFill>
-                <a:latin typeface="Calibri"/>
-              </a:rPr>
-              <a:t>10 Class Attendance</a:t>
-            </a:r>
-          </a:p>
-          <a:p>
-            <a:pPr marL="285750" indent="-285750">
-              <a:buFont typeface="Arial" panose="020B0604020202020204" pitchFamily="34" charset="0"/>
-              <a:buChar char="•"/>
-            </a:pPr>
-            <a:r>
-              <a:rPr lang="en-US" altLang="zh-CN" sz="1600" b="1" dirty="0" smtClean="0">
-                <a:solidFill>
-                  <a:srgbClr val="0070C0"/>
-                </a:solidFill>
-                <a:latin typeface="Calibri"/>
-              </a:rPr>
-              <a:t>40 Python Programming  Projects</a:t>
-            </a:r>
-            <a:endParaRPr lang="en-US" altLang="zh-CN" sz="1600" b="1" dirty="0" smtClean="0"/>
-          </a:p>
-          <a:p>
-            <a:pPr marL="285750" indent="-285750">
-              <a:buFont typeface="Arial" panose="020B0604020202020204" pitchFamily="34" charset="0"/>
-              <a:buChar char="•"/>
-            </a:pPr>
-            <a:r>
-              <a:rPr lang="en-US" altLang="zh-CN" sz="1600" b="1" dirty="0" smtClean="0">
-                <a:solidFill>
-                  <a:srgbClr val="0070C0"/>
-                </a:solidFill>
-                <a:latin typeface="Calibri"/>
-              </a:rPr>
-              <a:t>20 Class Presentation and Panel Discussion</a:t>
-            </a:r>
-          </a:p>
-          <a:p>
-            <a:pPr marL="285750" indent="-285750">
-              <a:buFont typeface="Arial" panose="020B0604020202020204" pitchFamily="34" charset="0"/>
-              <a:buChar char="•"/>
-            </a:pPr>
-            <a:r>
-              <a:rPr lang="en-US" altLang="zh-CN" sz="1600" b="1" dirty="0" smtClean="0">
-                <a:solidFill>
-                  <a:srgbClr val="0070C0"/>
-                </a:solidFill>
-                <a:latin typeface="Calibri"/>
-              </a:rPr>
-              <a:t>40 Final Project with Report on Selected Topics</a:t>
-            </a:r>
-          </a:p>
-        </p:txBody>
-      </p:sp>
-    </p:spTree>
-    <p:extLst>
-      <p:ext uri="{BB962C8B-B14F-4D97-AF65-F5344CB8AC3E}">
-        <p14:creationId xmlns:p14="http://schemas.microsoft.com/office/powerpoint/2010/main" val="1437358613"/>
-      </p:ext>
-    </p:extLst>
-  </p:cSld>
-  <p:clrMapOvr>
-    <a:masterClrMapping/>
-  </p:clrMapOvr>
-  <p:timing>
-    <p:tnLst>
-      <p:par>
-        <p:cTn id="1" dur="indefinite" restart="never" nodeType="tmRoot"/>
-      </p:par>
-    </p:tnLst>
-  </p:timing>
-</p:sld>
-</file>
-
-<file path=ppt/slides/slide20.xml><?xml version="1.0" encoding="utf-8"?>
+<file path=ppt/slides/slide22.xml><?xml version="1.0" encoding="utf-8"?>
 <p:sld xmlns:a="http://schemas.openxmlformats.org/drawingml/2006/main" xmlns:r="http://schemas.openxmlformats.org/officeDocument/2006/relationships" xmlns:p="http://schemas.openxmlformats.org/presentationml/2006/main">
   <p:cSld>
     <p:spTree>
@@ -18063,7 +18733,7 @@
 </p:sld>
 </file>
 
-<file path=ppt/slides/slide21.xml><?xml version="1.0" encoding="utf-8"?>
+<file path=ppt/slides/slide23.xml><?xml version="1.0" encoding="utf-8"?>
 <p:sld xmlns:a="http://schemas.openxmlformats.org/drawingml/2006/main" xmlns:r="http://schemas.openxmlformats.org/officeDocument/2006/relationships" xmlns:p="http://schemas.openxmlformats.org/presentationml/2006/main">
   <p:cSld>
     <p:spTree>
@@ -18970,7 +19640,7 @@
 </p:sld>
 </file>
 
-<file path=ppt/slides/slide22.xml><?xml version="1.0" encoding="utf-8"?>
+<file path=ppt/slides/slide24.xml><?xml version="1.0" encoding="utf-8"?>
 <p:sld xmlns:a="http://schemas.openxmlformats.org/drawingml/2006/main" xmlns:r="http://schemas.openxmlformats.org/officeDocument/2006/relationships" xmlns:p="http://schemas.openxmlformats.org/presentationml/2006/main">
   <p:cSld>
     <p:spTree>
@@ -19402,8 +20072,8 @@
           </a:p>
         </p:txBody>
       </p:sp>
-      <mc:AlternateContent xmlns:mc="http://schemas.openxmlformats.org/markup-compatibility/2006">
-        <mc:Choice xmlns:a14="http://schemas.microsoft.com/office/drawing/2010/main" Requires="a14">
+      <mc:AlternateContent xmlns:mc="http://schemas.openxmlformats.org/markup-compatibility/2006" xmlns:a14="http://schemas.microsoft.com/office/drawing/2010/main">
+        <mc:Choice Requires="a14">
           <p:sp>
             <p:nvSpPr>
               <p:cNvPr id="11" name="矩形 10"/>
@@ -19632,7 +20302,7 @@
             </p:txBody>
           </p:sp>
         </mc:Choice>
-        <mc:Fallback>
+        <mc:Fallback xmlns="">
           <p:sp>
             <p:nvSpPr>
               <p:cNvPr id="11" name="矩形 10"/>
@@ -20936,6 +21606,2482 @@
           </a:p>
         </p:txBody>
       </p:sp>
+      <mc:AlternateContent xmlns:mc="http://schemas.openxmlformats.org/markup-compatibility/2006">
+        <mc:Choice xmlns:a14="http://schemas.microsoft.com/office/drawing/2010/main" Requires="a14">
+          <p:sp>
+            <p:nvSpPr>
+              <p:cNvPr id="3" name="矩形 2"/>
+              <p:cNvSpPr/>
+              <p:nvPr/>
+            </p:nvSpPr>
+            <p:spPr>
+              <a:xfrm>
+                <a:off x="-21336" y="1861898"/>
+                <a:ext cx="9125712" cy="1774525"/>
+              </a:xfrm>
+              <a:prstGeom prst="rect">
+                <a:avLst/>
+              </a:prstGeom>
+            </p:spPr>
+            <p:txBody>
+              <a:bodyPr wrap="square">
+                <a:spAutoFit/>
+              </a:bodyPr>
+              <a:lstStyle/>
+              <a:p>
+                <a:r>
+                  <a:rPr lang="en-US" altLang="zh-CN" sz="1600" dirty="0" smtClean="0">
+                    <a:latin typeface="Calibri" panose="020F0502020204030204" pitchFamily="34" charset="0"/>
+                    <a:cs typeface="Calibri" panose="020F0502020204030204" pitchFamily="34" charset="0"/>
+                  </a:rPr>
+                  <a:t>The Bayesian network structure effectively expresses conditional independence between attributes. Given a set of parent nodes, Bayesian network assumes that each attribute is independent of its non-descendant attributes, so the </a:t>
+                </a:r>
+                <a:r>
+                  <a:rPr lang="en-US" altLang="zh-CN" sz="1600" dirty="0">
+                    <a:latin typeface="Calibri" panose="020F0502020204030204" pitchFamily="34" charset="0"/>
+                    <a:cs typeface="Calibri" panose="020F0502020204030204" pitchFamily="34" charset="0"/>
+                  </a:rPr>
+                  <a:t>joint probability distribution of </a:t>
+                </a:r>
+                <a14:m>
+                  <m:oMath xmlns:m="http://schemas.openxmlformats.org/officeDocument/2006/math">
+                    <m:sSub>
+                      <m:sSubPr>
+                        <m:ctrlPr>
+                          <a:rPr lang="en-US" altLang="zh-CN" sz="1600" b="0" i="1" smtClean="0">
+                            <a:latin typeface="Cambria Math" panose="02040503050406030204" pitchFamily="18" charset="0"/>
+                            <a:cs typeface="Calibri" panose="020F0502020204030204" pitchFamily="34" charset="0"/>
+                          </a:rPr>
+                        </m:ctrlPr>
+                      </m:sSubPr>
+                      <m:e>
+                        <m:r>
+                          <a:rPr lang="en-US" altLang="zh-CN" sz="1600" b="0" i="1" smtClean="0">
+                            <a:latin typeface="Cambria Math" panose="02040503050406030204" pitchFamily="18" charset="0"/>
+                            <a:cs typeface="Calibri" panose="020F0502020204030204" pitchFamily="34" charset="0"/>
+                          </a:rPr>
+                          <m:t>𝑥</m:t>
+                        </m:r>
+                      </m:e>
+                      <m:sub>
+                        <m:r>
+                          <a:rPr lang="en-US" altLang="zh-CN" sz="1600" b="0" i="1" smtClean="0">
+                            <a:latin typeface="Cambria Math" panose="02040503050406030204" pitchFamily="18" charset="0"/>
+                            <a:cs typeface="Calibri" panose="020F0502020204030204" pitchFamily="34" charset="0"/>
+                          </a:rPr>
+                          <m:t>1</m:t>
+                        </m:r>
+                      </m:sub>
+                    </m:sSub>
+                    <m:r>
+                      <a:rPr lang="en-US" altLang="zh-CN" sz="1600" b="0" i="1" smtClean="0">
+                        <a:latin typeface="Cambria Math" panose="02040503050406030204" pitchFamily="18" charset="0"/>
+                        <a:cs typeface="Calibri" panose="020F0502020204030204" pitchFamily="34" charset="0"/>
+                      </a:rPr>
+                      <m:t>,…</m:t>
+                    </m:r>
+                    <m:sSub>
+                      <m:sSubPr>
+                        <m:ctrlPr>
+                          <a:rPr lang="en-US" altLang="zh-CN" sz="1600" b="0" i="1" smtClean="0">
+                            <a:latin typeface="Cambria Math" panose="02040503050406030204" pitchFamily="18" charset="0"/>
+                            <a:cs typeface="Calibri" panose="020F0502020204030204" pitchFamily="34" charset="0"/>
+                          </a:rPr>
+                        </m:ctrlPr>
+                      </m:sSubPr>
+                      <m:e>
+                        <m:r>
+                          <a:rPr lang="en-US" altLang="zh-CN" sz="1600" b="0" i="1" smtClean="0">
+                            <a:latin typeface="Cambria Math" panose="02040503050406030204" pitchFamily="18" charset="0"/>
+                            <a:cs typeface="Calibri" panose="020F0502020204030204" pitchFamily="34" charset="0"/>
+                          </a:rPr>
+                          <m:t>𝑥</m:t>
+                        </m:r>
+                      </m:e>
+                      <m:sub>
+                        <m:r>
+                          <a:rPr lang="en-US" altLang="zh-CN" sz="1600" b="0" i="1" smtClean="0">
+                            <a:latin typeface="Cambria Math" panose="02040503050406030204" pitchFamily="18" charset="0"/>
+                            <a:cs typeface="Calibri" panose="020F0502020204030204" pitchFamily="34" charset="0"/>
+                          </a:rPr>
+                          <m:t>𝑑</m:t>
+                        </m:r>
+                      </m:sub>
+                    </m:sSub>
+                  </m:oMath>
+                </a14:m>
+                <a:r>
+                  <a:rPr lang="en-US" altLang="zh-CN" sz="1600" dirty="0" smtClean="0">
+                    <a:latin typeface="Calibri" panose="020F0502020204030204" pitchFamily="34" charset="0"/>
+                    <a:cs typeface="Calibri" panose="020F0502020204030204" pitchFamily="34" charset="0"/>
+                  </a:rPr>
+                  <a:t> </a:t>
+                </a:r>
+                <a:r>
+                  <a:rPr lang="en-US" altLang="zh-CN" sz="1600" dirty="0">
+                    <a:latin typeface="Calibri" panose="020F0502020204030204" pitchFamily="34" charset="0"/>
+                    <a:cs typeface="Calibri" panose="020F0502020204030204" pitchFamily="34" charset="0"/>
+                  </a:rPr>
+                  <a:t>is defined </a:t>
+                </a:r>
+                <a:r>
+                  <a:rPr lang="en-US" altLang="zh-CN" sz="1600" dirty="0" smtClean="0">
+                    <a:latin typeface="Calibri" panose="020F0502020204030204" pitchFamily="34" charset="0"/>
+                    <a:cs typeface="Calibri" panose="020F0502020204030204" pitchFamily="34" charset="0"/>
+                  </a:rPr>
+                  <a:t>as</a:t>
+                </a:r>
+              </a:p>
+              <a:p>
+                <a:pPr algn="ctr"/>
+                <a14:m>
+                  <m:oMathPara xmlns:m="http://schemas.openxmlformats.org/officeDocument/2006/math">
+                    <m:oMathParaPr>
+                      <m:jc m:val="centerGroup"/>
+                    </m:oMathParaPr>
+                    <m:oMath xmlns:m="http://schemas.openxmlformats.org/officeDocument/2006/math">
+                      <m:sSub>
+                        <m:sSubPr>
+                          <m:ctrlPr>
+                            <a:rPr lang="en-US" altLang="zh-CN" sz="1600" b="0" i="1" smtClean="0">
+                              <a:latin typeface="Cambria Math" panose="02040503050406030204" pitchFamily="18" charset="0"/>
+                              <a:cs typeface="Calibri" panose="020F0502020204030204" pitchFamily="34" charset="0"/>
+                            </a:rPr>
+                          </m:ctrlPr>
+                        </m:sSubPr>
+                        <m:e>
+                          <m:r>
+                            <a:rPr lang="en-US" altLang="zh-CN" sz="1600" b="0" i="1" smtClean="0">
+                              <a:latin typeface="Cambria Math" panose="02040503050406030204" pitchFamily="18" charset="0"/>
+                              <a:cs typeface="Calibri" panose="020F0502020204030204" pitchFamily="34" charset="0"/>
+                            </a:rPr>
+                            <m:t>𝑃</m:t>
+                          </m:r>
+                        </m:e>
+                        <m:sub>
+                          <m:r>
+                            <a:rPr lang="en-US" altLang="zh-CN" sz="1600" b="0" i="1" smtClean="0">
+                              <a:latin typeface="Cambria Math" panose="02040503050406030204" pitchFamily="18" charset="0"/>
+                              <a:cs typeface="Calibri" panose="020F0502020204030204" pitchFamily="34" charset="0"/>
+                            </a:rPr>
+                            <m:t>𝐵</m:t>
+                          </m:r>
+                        </m:sub>
+                      </m:sSub>
+                      <m:d>
+                        <m:dPr>
+                          <m:ctrlPr>
+                            <a:rPr lang="en-US" altLang="zh-CN" sz="1600" b="0" i="1" smtClean="0">
+                              <a:latin typeface="Cambria Math" panose="02040503050406030204" pitchFamily="18" charset="0"/>
+                              <a:cs typeface="Calibri" panose="020F0502020204030204" pitchFamily="34" charset="0"/>
+                            </a:rPr>
+                          </m:ctrlPr>
+                        </m:dPr>
+                        <m:e>
+                          <m:sSub>
+                            <m:sSubPr>
+                              <m:ctrlPr>
+                                <a:rPr lang="en-US" altLang="zh-CN" sz="1600" b="0" i="1" smtClean="0">
+                                  <a:latin typeface="Cambria Math" panose="02040503050406030204" pitchFamily="18" charset="0"/>
+                                  <a:cs typeface="Calibri" panose="020F0502020204030204" pitchFamily="34" charset="0"/>
+                                </a:rPr>
+                              </m:ctrlPr>
+                            </m:sSubPr>
+                            <m:e>
+                              <m:r>
+                                <a:rPr lang="en-US" altLang="zh-CN" sz="1600" b="0" i="1" smtClean="0">
+                                  <a:latin typeface="Cambria Math" panose="02040503050406030204" pitchFamily="18" charset="0"/>
+                                  <a:cs typeface="Calibri" panose="020F0502020204030204" pitchFamily="34" charset="0"/>
+                                </a:rPr>
+                                <m:t>𝑥</m:t>
+                              </m:r>
+                            </m:e>
+                            <m:sub>
+                              <m:r>
+                                <a:rPr lang="en-US" altLang="zh-CN" sz="1600" b="0" i="1" smtClean="0">
+                                  <a:latin typeface="Cambria Math" panose="02040503050406030204" pitchFamily="18" charset="0"/>
+                                  <a:cs typeface="Calibri" panose="020F0502020204030204" pitchFamily="34" charset="0"/>
+                                </a:rPr>
+                                <m:t>1</m:t>
+                              </m:r>
+                            </m:sub>
+                          </m:sSub>
+                          <m:r>
+                            <a:rPr lang="en-US" altLang="zh-CN" sz="1600" b="0" i="1" smtClean="0">
+                              <a:latin typeface="Cambria Math" panose="02040503050406030204" pitchFamily="18" charset="0"/>
+                              <a:cs typeface="Calibri" panose="020F0502020204030204" pitchFamily="34" charset="0"/>
+                            </a:rPr>
+                            <m:t>,</m:t>
+                          </m:r>
+                          <m:sSub>
+                            <m:sSubPr>
+                              <m:ctrlPr>
+                                <a:rPr lang="en-US" altLang="zh-CN" sz="1600" b="0" i="1" smtClean="0">
+                                  <a:latin typeface="Cambria Math" panose="02040503050406030204" pitchFamily="18" charset="0"/>
+                                  <a:cs typeface="Calibri" panose="020F0502020204030204" pitchFamily="34" charset="0"/>
+                                </a:rPr>
+                              </m:ctrlPr>
+                            </m:sSubPr>
+                            <m:e>
+                              <m:r>
+                                <a:rPr lang="en-US" altLang="zh-CN" sz="1600" b="0" i="1" smtClean="0">
+                                  <a:latin typeface="Cambria Math" panose="02040503050406030204" pitchFamily="18" charset="0"/>
+                                  <a:cs typeface="Calibri" panose="020F0502020204030204" pitchFamily="34" charset="0"/>
+                                </a:rPr>
+                                <m:t>𝑥</m:t>
+                              </m:r>
+                            </m:e>
+                            <m:sub>
+                              <m:r>
+                                <a:rPr lang="en-US" altLang="zh-CN" sz="1600" b="0" i="1" smtClean="0">
+                                  <a:latin typeface="Cambria Math" panose="02040503050406030204" pitchFamily="18" charset="0"/>
+                                  <a:cs typeface="Calibri" panose="020F0502020204030204" pitchFamily="34" charset="0"/>
+                                </a:rPr>
+                                <m:t>2</m:t>
+                              </m:r>
+                            </m:sub>
+                          </m:sSub>
+                          <m:r>
+                            <a:rPr lang="en-US" altLang="zh-CN" sz="1600" b="0" i="1" smtClean="0">
+                              <a:latin typeface="Cambria Math" panose="02040503050406030204" pitchFamily="18" charset="0"/>
+                              <a:cs typeface="Calibri" panose="020F0502020204030204" pitchFamily="34" charset="0"/>
+                            </a:rPr>
+                            <m:t>,…</m:t>
+                          </m:r>
+                          <m:sSub>
+                            <m:sSubPr>
+                              <m:ctrlPr>
+                                <a:rPr lang="en-US" altLang="zh-CN" sz="1600" b="0" i="1" smtClean="0">
+                                  <a:latin typeface="Cambria Math" panose="02040503050406030204" pitchFamily="18" charset="0"/>
+                                  <a:cs typeface="Calibri" panose="020F0502020204030204" pitchFamily="34" charset="0"/>
+                                </a:rPr>
+                              </m:ctrlPr>
+                            </m:sSubPr>
+                            <m:e>
+                              <m:r>
+                                <a:rPr lang="en-US" altLang="zh-CN" sz="1600" b="0" i="1" smtClean="0">
+                                  <a:latin typeface="Cambria Math" panose="02040503050406030204" pitchFamily="18" charset="0"/>
+                                  <a:cs typeface="Calibri" panose="020F0502020204030204" pitchFamily="34" charset="0"/>
+                                </a:rPr>
+                                <m:t>𝑥</m:t>
+                              </m:r>
+                            </m:e>
+                            <m:sub>
+                              <m:r>
+                                <a:rPr lang="en-US" altLang="zh-CN" sz="1600" b="0" i="1" smtClean="0">
+                                  <a:latin typeface="Cambria Math" panose="02040503050406030204" pitchFamily="18" charset="0"/>
+                                  <a:cs typeface="Calibri" panose="020F0502020204030204" pitchFamily="34" charset="0"/>
+                                </a:rPr>
+                                <m:t>𝑑</m:t>
+                              </m:r>
+                            </m:sub>
+                          </m:sSub>
+                        </m:e>
+                      </m:d>
+                      <m:r>
+                        <a:rPr lang="en-US" altLang="zh-CN" sz="1600" b="0" i="1" smtClean="0">
+                          <a:latin typeface="Cambria Math" panose="02040503050406030204" pitchFamily="18" charset="0"/>
+                          <a:cs typeface="Calibri" panose="020F0502020204030204" pitchFamily="34" charset="0"/>
+                        </a:rPr>
+                        <m:t>=</m:t>
+                      </m:r>
+                      <m:nary>
+                        <m:naryPr>
+                          <m:chr m:val="∏"/>
+                          <m:ctrlPr>
+                            <a:rPr lang="en-US" altLang="zh-CN" sz="1600" b="0" i="1" smtClean="0">
+                              <a:latin typeface="Cambria Math" panose="02040503050406030204" pitchFamily="18" charset="0"/>
+                              <a:cs typeface="Calibri" panose="020F0502020204030204" pitchFamily="34" charset="0"/>
+                            </a:rPr>
+                          </m:ctrlPr>
+                        </m:naryPr>
+                        <m:sub>
+                          <m:r>
+                            <m:rPr>
+                              <m:brk m:alnAt="23"/>
+                            </m:rPr>
+                            <a:rPr lang="en-US" altLang="zh-CN" sz="1600" b="0" i="1" smtClean="0">
+                              <a:latin typeface="Cambria Math" panose="02040503050406030204" pitchFamily="18" charset="0"/>
+                              <a:cs typeface="Calibri" panose="020F0502020204030204" pitchFamily="34" charset="0"/>
+                            </a:rPr>
+                            <m:t>𝑖</m:t>
+                          </m:r>
+                          <m:r>
+                            <a:rPr lang="en-US" altLang="zh-CN" sz="1600" b="0" i="1" smtClean="0">
+                              <a:latin typeface="Cambria Math" panose="02040503050406030204" pitchFamily="18" charset="0"/>
+                              <a:cs typeface="Calibri" panose="020F0502020204030204" pitchFamily="34" charset="0"/>
+                            </a:rPr>
+                            <m:t>=1</m:t>
+                          </m:r>
+                        </m:sub>
+                        <m:sup>
+                          <m:r>
+                            <a:rPr lang="en-US" altLang="zh-CN" sz="1600" b="0" i="1" smtClean="0">
+                              <a:latin typeface="Cambria Math" panose="02040503050406030204" pitchFamily="18" charset="0"/>
+                              <a:cs typeface="Calibri" panose="020F0502020204030204" pitchFamily="34" charset="0"/>
+                            </a:rPr>
+                            <m:t>1</m:t>
+                          </m:r>
+                        </m:sup>
+                        <m:e>
+                          <m:sSub>
+                            <m:sSubPr>
+                              <m:ctrlPr>
+                                <a:rPr lang="en-US" altLang="zh-CN" sz="1600" i="1">
+                                  <a:latin typeface="Cambria Math" panose="02040503050406030204" pitchFamily="18" charset="0"/>
+                                  <a:cs typeface="Calibri" panose="020F0502020204030204" pitchFamily="34" charset="0"/>
+                                </a:rPr>
+                              </m:ctrlPr>
+                            </m:sSubPr>
+                            <m:e>
+                              <m:r>
+                                <a:rPr lang="en-US" altLang="zh-CN" sz="1600" i="1">
+                                  <a:latin typeface="Cambria Math" panose="02040503050406030204" pitchFamily="18" charset="0"/>
+                                  <a:cs typeface="Calibri" panose="020F0502020204030204" pitchFamily="34" charset="0"/>
+                                </a:rPr>
+                                <m:t>𝑃</m:t>
+                              </m:r>
+                            </m:e>
+                            <m:sub>
+                              <m:r>
+                                <a:rPr lang="en-US" altLang="zh-CN" sz="1600" i="1">
+                                  <a:latin typeface="Cambria Math" panose="02040503050406030204" pitchFamily="18" charset="0"/>
+                                  <a:cs typeface="Calibri" panose="020F0502020204030204" pitchFamily="34" charset="0"/>
+                                </a:rPr>
+                                <m:t>𝐵</m:t>
+                              </m:r>
+                            </m:sub>
+                          </m:sSub>
+                          <m:d>
+                            <m:dPr>
+                              <m:ctrlPr>
+                                <a:rPr lang="en-US" altLang="zh-CN" sz="1600" i="1">
+                                  <a:latin typeface="Cambria Math" panose="02040503050406030204" pitchFamily="18" charset="0"/>
+                                  <a:cs typeface="Calibri" panose="020F0502020204030204" pitchFamily="34" charset="0"/>
+                                </a:rPr>
+                              </m:ctrlPr>
+                            </m:dPr>
+                            <m:e>
+                              <m:sSub>
+                                <m:sSubPr>
+                                  <m:ctrlPr>
+                                    <a:rPr lang="en-US" altLang="zh-CN" sz="1600" i="1">
+                                      <a:latin typeface="Cambria Math" panose="02040503050406030204" pitchFamily="18" charset="0"/>
+                                      <a:cs typeface="Calibri" panose="020F0502020204030204" pitchFamily="34" charset="0"/>
+                                    </a:rPr>
+                                  </m:ctrlPr>
+                                </m:sSubPr>
+                                <m:e>
+                                  <m:r>
+                                    <a:rPr lang="en-US" altLang="zh-CN" sz="1600" i="1">
+                                      <a:latin typeface="Cambria Math" panose="02040503050406030204" pitchFamily="18" charset="0"/>
+                                      <a:cs typeface="Calibri" panose="020F0502020204030204" pitchFamily="34" charset="0"/>
+                                    </a:rPr>
+                                    <m:t>𝑥</m:t>
+                                  </m:r>
+                                </m:e>
+                                <m:sub>
+                                  <m:r>
+                                    <a:rPr lang="en-US" altLang="zh-CN" sz="1600" i="1">
+                                      <a:latin typeface="Cambria Math" panose="02040503050406030204" pitchFamily="18" charset="0"/>
+                                      <a:cs typeface="Calibri" panose="020F0502020204030204" pitchFamily="34" charset="0"/>
+                                    </a:rPr>
+                                    <m:t>𝑖</m:t>
+                                  </m:r>
+                                </m:sub>
+                              </m:sSub>
+                            </m:e>
+                            <m:e>
+                              <m:sSub>
+                                <m:sSubPr>
+                                  <m:ctrlPr>
+                                    <a:rPr lang="en-US" altLang="zh-CN" sz="1600" i="1">
+                                      <a:latin typeface="Cambria Math" panose="02040503050406030204" pitchFamily="18" charset="0"/>
+                                      <a:cs typeface="Calibri" panose="020F0502020204030204" pitchFamily="34" charset="0"/>
+                                    </a:rPr>
+                                  </m:ctrlPr>
+                                </m:sSubPr>
+                                <m:e>
+                                  <m:r>
+                                    <a:rPr lang="en-US" altLang="zh-CN" sz="1600" i="1">
+                                      <a:latin typeface="Cambria Math" panose="02040503050406030204" pitchFamily="18" charset="0"/>
+                                      <a:cs typeface="Calibri" panose="020F0502020204030204" pitchFamily="34" charset="0"/>
+                                    </a:rPr>
+                                    <m:t>𝜋</m:t>
+                                  </m:r>
+                                </m:e>
+                                <m:sub>
+                                  <m:r>
+                                    <a:rPr lang="en-US" altLang="zh-CN" sz="1600" i="1">
+                                      <a:latin typeface="Cambria Math" panose="02040503050406030204" pitchFamily="18" charset="0"/>
+                                      <a:cs typeface="Calibri" panose="020F0502020204030204" pitchFamily="34" charset="0"/>
+                                    </a:rPr>
+                                    <m:t>𝑖</m:t>
+                                  </m:r>
+                                </m:sub>
+                              </m:sSub>
+                            </m:e>
+                          </m:d>
+                          <m:r>
+                            <a:rPr lang="en-US" altLang="zh-CN" sz="1600" b="0" i="1" smtClean="0">
+                              <a:latin typeface="Cambria Math" panose="02040503050406030204" pitchFamily="18" charset="0"/>
+                              <a:cs typeface="Calibri" panose="020F0502020204030204" pitchFamily="34" charset="0"/>
+                            </a:rPr>
+                            <m:t>=</m:t>
+                          </m:r>
+                          <m:nary>
+                            <m:naryPr>
+                              <m:chr m:val="∏"/>
+                              <m:ctrlPr>
+                                <a:rPr lang="en-US" altLang="zh-CN" sz="1600" b="0" i="1" smtClean="0">
+                                  <a:latin typeface="Cambria Math" panose="02040503050406030204" pitchFamily="18" charset="0"/>
+                                  <a:cs typeface="Calibri" panose="020F0502020204030204" pitchFamily="34" charset="0"/>
+                                </a:rPr>
+                              </m:ctrlPr>
+                            </m:naryPr>
+                            <m:sub>
+                              <m:r>
+                                <a:rPr lang="en-US" altLang="zh-CN" sz="1600" b="0" i="1" smtClean="0">
+                                  <a:latin typeface="Cambria Math" panose="02040503050406030204" pitchFamily="18" charset="0"/>
+                                  <a:cs typeface="Calibri" panose="020F0502020204030204" pitchFamily="34" charset="0"/>
+                                </a:rPr>
+                                <m:t>𝑖</m:t>
+                              </m:r>
+                              <m:r>
+                                <a:rPr lang="en-US" altLang="zh-CN" sz="1600" b="0" i="1" smtClean="0">
+                                  <a:latin typeface="Cambria Math" panose="02040503050406030204" pitchFamily="18" charset="0"/>
+                                  <a:cs typeface="Calibri" panose="020F0502020204030204" pitchFamily="34" charset="0"/>
+                                </a:rPr>
+                                <m:t>=1</m:t>
+                              </m:r>
+                            </m:sub>
+                            <m:sup>
+                              <m:r>
+                                <a:rPr lang="en-US" altLang="zh-CN" sz="1600" b="0" i="1" smtClean="0">
+                                  <a:latin typeface="Cambria Math" panose="02040503050406030204" pitchFamily="18" charset="0"/>
+                                  <a:cs typeface="Calibri" panose="020F0502020204030204" pitchFamily="34" charset="0"/>
+                                </a:rPr>
+                                <m:t>𝑑</m:t>
+                              </m:r>
+                            </m:sup>
+                            <m:e>
+                              <m:sSub>
+                                <m:sSubPr>
+                                  <m:ctrlPr>
+                                    <a:rPr lang="en-US" altLang="zh-CN" sz="1600" b="0" i="1" smtClean="0">
+                                      <a:latin typeface="Cambria Math" panose="02040503050406030204" pitchFamily="18" charset="0"/>
+                                      <a:cs typeface="Calibri" panose="020F0502020204030204" pitchFamily="34" charset="0"/>
+                                    </a:rPr>
+                                  </m:ctrlPr>
+                                </m:sSubPr>
+                                <m:e>
+                                  <m:r>
+                                    <a:rPr lang="en-US" altLang="zh-CN" sz="1600" b="0" i="1" smtClean="0">
+                                      <a:latin typeface="Cambria Math" panose="02040503050406030204" pitchFamily="18" charset="0"/>
+                                      <a:cs typeface="Calibri" panose="020F0502020204030204" pitchFamily="34" charset="0"/>
+                                    </a:rPr>
+                                    <m:t>𝜃</m:t>
+                                  </m:r>
+                                </m:e>
+                                <m:sub>
+                                  <m:sSub>
+                                    <m:sSubPr>
+                                      <m:ctrlPr>
+                                        <a:rPr lang="en-US" altLang="zh-CN" sz="1600" b="0" i="1" smtClean="0">
+                                          <a:latin typeface="Cambria Math" panose="02040503050406030204" pitchFamily="18" charset="0"/>
+                                          <a:cs typeface="Calibri" panose="020F0502020204030204" pitchFamily="34" charset="0"/>
+                                        </a:rPr>
+                                      </m:ctrlPr>
+                                    </m:sSubPr>
+                                    <m:e>
+                                      <m:r>
+                                        <a:rPr lang="en-US" altLang="zh-CN" sz="1600" b="0" i="1" smtClean="0">
+                                          <a:latin typeface="Cambria Math" panose="02040503050406030204" pitchFamily="18" charset="0"/>
+                                          <a:cs typeface="Calibri" panose="020F0502020204030204" pitchFamily="34" charset="0"/>
+                                        </a:rPr>
+                                        <m:t>𝑥</m:t>
+                                      </m:r>
+                                    </m:e>
+                                    <m:sub>
+                                      <m:r>
+                                        <a:rPr lang="en-US" altLang="zh-CN" sz="1600" b="0" i="1" smtClean="0">
+                                          <a:latin typeface="Cambria Math" panose="02040503050406030204" pitchFamily="18" charset="0"/>
+                                          <a:cs typeface="Calibri" panose="020F0502020204030204" pitchFamily="34" charset="0"/>
+                                        </a:rPr>
+                                        <m:t>𝑖</m:t>
+                                      </m:r>
+                                    </m:sub>
+                                  </m:sSub>
+                                </m:sub>
+                              </m:sSub>
+                              <m:r>
+                                <a:rPr lang="en-US" altLang="zh-CN" sz="1600" b="0" i="1" smtClean="0">
+                                  <a:latin typeface="Cambria Math" panose="02040503050406030204" pitchFamily="18" charset="0"/>
+                                  <a:cs typeface="Calibri" panose="020F0502020204030204" pitchFamily="34" charset="0"/>
+                                </a:rPr>
+                                <m:t>|</m:t>
+                              </m:r>
+                              <m:sSub>
+                                <m:sSubPr>
+                                  <m:ctrlPr>
+                                    <a:rPr lang="en-US" altLang="zh-CN" sz="1600" b="0" i="1" smtClean="0">
+                                      <a:latin typeface="Cambria Math" panose="02040503050406030204" pitchFamily="18" charset="0"/>
+                                      <a:cs typeface="Calibri" panose="020F0502020204030204" pitchFamily="34" charset="0"/>
+                                    </a:rPr>
+                                  </m:ctrlPr>
+                                </m:sSubPr>
+                                <m:e>
+                                  <m:r>
+                                    <a:rPr lang="en-US" altLang="zh-CN" sz="1600" b="0" i="1" smtClean="0">
+                                      <a:latin typeface="Cambria Math" panose="02040503050406030204" pitchFamily="18" charset="0"/>
+                                      <a:cs typeface="Calibri" panose="020F0502020204030204" pitchFamily="34" charset="0"/>
+                                    </a:rPr>
+                                    <m:t>𝜋</m:t>
+                                  </m:r>
+                                </m:e>
+                                <m:sub>
+                                  <m:r>
+                                    <a:rPr lang="en-US" altLang="zh-CN" sz="1600" b="0" i="1" smtClean="0">
+                                      <a:latin typeface="Cambria Math" panose="02040503050406030204" pitchFamily="18" charset="0"/>
+                                      <a:cs typeface="Calibri" panose="020F0502020204030204" pitchFamily="34" charset="0"/>
+                                    </a:rPr>
+                                    <m:t>𝑖</m:t>
+                                  </m:r>
+                                </m:sub>
+                              </m:sSub>
+                            </m:e>
+                          </m:nary>
+                        </m:e>
+                      </m:nary>
+                    </m:oMath>
+                  </m:oMathPara>
+                </a14:m>
+                <a:endParaRPr lang="en-US" altLang="zh-CN" sz="1600" dirty="0" smtClean="0">
+                  <a:latin typeface="Calibri" panose="020F0502020204030204" pitchFamily="34" charset="0"/>
+                  <a:cs typeface="Calibri" panose="020F0502020204030204" pitchFamily="34" charset="0"/>
+                </a:endParaRPr>
+              </a:p>
+              <a:p>
+                <a:endParaRPr lang="zh-CN" altLang="en-US" sz="1600" dirty="0">
+                  <a:latin typeface="Calibri" panose="020F0502020204030204" pitchFamily="34" charset="0"/>
+                  <a:cs typeface="Calibri" panose="020F0502020204030204" pitchFamily="34" charset="0"/>
+                </a:endParaRPr>
+              </a:p>
+            </p:txBody>
+          </p:sp>
+        </mc:Choice>
+        <mc:Fallback>
+          <p:sp>
+            <p:nvSpPr>
+              <p:cNvPr id="3" name="矩形 2"/>
+              <p:cNvSpPr>
+                <a:spLocks noRot="1" noChangeAspect="1" noMove="1" noResize="1" noEditPoints="1" noAdjustHandles="1" noChangeArrowheads="1" noChangeShapeType="1" noTextEdit="1"/>
+              </p:cNvSpPr>
+              <p:nvPr/>
+            </p:nvSpPr>
+            <p:spPr>
+              <a:xfrm>
+                <a:off x="-21336" y="1861898"/>
+                <a:ext cx="9125712" cy="1774525"/>
+              </a:xfrm>
+              <a:prstGeom prst="rect">
+                <a:avLst/>
+              </a:prstGeom>
+              <a:blipFill>
+                <a:blip r:embed="rId3"/>
+                <a:stretch>
+                  <a:fillRect l="-334" t="-1027" r="-200"/>
+                </a:stretch>
+              </a:blipFill>
+            </p:spPr>
+            <p:txBody>
+              <a:bodyPr/>
+              <a:lstStyle/>
+              <a:p>
+                <a:r>
+                  <a:rPr lang="zh-CN" altLang="en-US">
+                    <a:noFill/>
+                  </a:rPr>
+                  <a:t> </a:t>
+                </a:r>
+              </a:p>
+            </p:txBody>
+          </p:sp>
+        </mc:Fallback>
+      </mc:AlternateContent>
+      <mc:AlternateContent xmlns:mc="http://schemas.openxmlformats.org/markup-compatibility/2006">
+        <mc:Choice xmlns:a14="http://schemas.microsoft.com/office/drawing/2010/main" Requires="a14">
+          <p:sp>
+            <p:nvSpPr>
+              <p:cNvPr id="4" name="矩形 3"/>
+              <p:cNvSpPr/>
+              <p:nvPr/>
+            </p:nvSpPr>
+            <p:spPr>
+              <a:xfrm>
+                <a:off x="0" y="514350"/>
+                <a:ext cx="9144000" cy="1347548"/>
+              </a:xfrm>
+              <a:prstGeom prst="rect">
+                <a:avLst/>
+              </a:prstGeom>
+            </p:spPr>
+            <p:txBody>
+              <a:bodyPr wrap="square">
+                <a:spAutoFit/>
+              </a:bodyPr>
+              <a:lstStyle/>
+              <a:p>
+                <a:r>
+                  <a:rPr lang="en-US" altLang="zh-CN" sz="1600" b="1" dirty="0" smtClean="0">
+                    <a:solidFill>
+                      <a:srgbClr val="00B050"/>
+                    </a:solidFill>
+                    <a:latin typeface="Calibri" panose="020F0502020204030204" pitchFamily="34" charset="0"/>
+                    <a:cs typeface="Calibri" panose="020F0502020204030204" pitchFamily="34" charset="0"/>
+                  </a:rPr>
+                  <a:t>Convention</a:t>
+                </a:r>
+                <a:r>
+                  <a:rPr lang="en-US" altLang="zh-CN" sz="1600" b="1" dirty="0" smtClean="0">
+                    <a:latin typeface="Calibri" panose="020F0502020204030204" pitchFamily="34" charset="0"/>
+                    <a:cs typeface="Calibri" panose="020F0502020204030204" pitchFamily="34" charset="0"/>
+                  </a:rPr>
+                  <a:t>: </a:t>
+                </a:r>
+                <a:r>
+                  <a:rPr lang="en-US" altLang="zh-CN" sz="1600" dirty="0" smtClean="0">
+                    <a:latin typeface="Calibri" panose="020F0502020204030204" pitchFamily="34" charset="0"/>
+                    <a:cs typeface="Calibri" panose="020F0502020204030204" pitchFamily="34" charset="0"/>
+                  </a:rPr>
+                  <a:t>A Bayesian-Net </a:t>
+                </a:r>
+                <a14:m>
+                  <m:oMath xmlns:m="http://schemas.openxmlformats.org/officeDocument/2006/math">
+                    <m:r>
+                      <a:rPr lang="en-US" altLang="zh-CN" sz="1600" b="0" i="1" smtClean="0">
+                        <a:solidFill>
+                          <a:srgbClr val="FF0000"/>
+                        </a:solidFill>
+                        <a:latin typeface="Cambria Math" panose="02040503050406030204" pitchFamily="18" charset="0"/>
+                        <a:cs typeface="Calibri" panose="020F0502020204030204" pitchFamily="34" charset="0"/>
+                      </a:rPr>
+                      <m:t>𝐵</m:t>
+                    </m:r>
+                    <m:r>
+                      <a:rPr lang="en-US" altLang="zh-CN" sz="1600" b="0" i="1" smtClean="0">
+                        <a:solidFill>
+                          <a:srgbClr val="FF0000"/>
+                        </a:solidFill>
+                        <a:latin typeface="Cambria Math" panose="02040503050406030204" pitchFamily="18" charset="0"/>
+                        <a:cs typeface="Calibri" panose="020F0502020204030204" pitchFamily="34" charset="0"/>
+                      </a:rPr>
+                      <m:t>=&lt;</m:t>
+                    </m:r>
+                    <m:r>
+                      <a:rPr lang="en-US" altLang="zh-CN" sz="1600" b="0" i="1" smtClean="0">
+                        <a:solidFill>
+                          <a:srgbClr val="FF0000"/>
+                        </a:solidFill>
+                        <a:latin typeface="Cambria Math" panose="02040503050406030204" pitchFamily="18" charset="0"/>
+                        <a:cs typeface="Calibri" panose="020F0502020204030204" pitchFamily="34" charset="0"/>
+                      </a:rPr>
+                      <m:t>𝐺</m:t>
+                    </m:r>
+                    <m:r>
+                      <a:rPr lang="en-US" altLang="zh-CN" sz="1600" b="0" i="1" smtClean="0">
+                        <a:solidFill>
+                          <a:srgbClr val="FF0000"/>
+                        </a:solidFill>
+                        <a:latin typeface="Cambria Math" panose="02040503050406030204" pitchFamily="18" charset="0"/>
+                        <a:cs typeface="Calibri" panose="020F0502020204030204" pitchFamily="34" charset="0"/>
+                      </a:rPr>
+                      <m:t>,</m:t>
+                    </m:r>
+                    <m:r>
+                      <m:rPr>
+                        <m:sty m:val="p"/>
+                      </m:rPr>
+                      <a:rPr lang="en-US" altLang="zh-CN" sz="1600" b="0" i="0" smtClean="0">
+                        <a:solidFill>
+                          <a:srgbClr val="FF0000"/>
+                        </a:solidFill>
+                        <a:latin typeface="Cambria Math" panose="02040503050406030204" pitchFamily="18" charset="0"/>
+                        <a:cs typeface="Calibri" panose="020F0502020204030204" pitchFamily="34" charset="0"/>
+                      </a:rPr>
+                      <m:t>Θ</m:t>
+                    </m:r>
+                    <m:r>
+                      <a:rPr lang="en-US" altLang="zh-CN" sz="1600" b="0" i="1" smtClean="0">
+                        <a:solidFill>
+                          <a:srgbClr val="FF0000"/>
+                        </a:solidFill>
+                        <a:latin typeface="Cambria Math" panose="02040503050406030204" pitchFamily="18" charset="0"/>
+                        <a:cs typeface="Calibri" panose="020F0502020204030204" pitchFamily="34" charset="0"/>
+                      </a:rPr>
+                      <m:t>&gt;</m:t>
+                    </m:r>
+                  </m:oMath>
+                </a14:m>
+                <a:r>
+                  <a:rPr lang="en-US" altLang="zh-CN" sz="1600" dirty="0" smtClean="0">
+                    <a:solidFill>
+                      <a:srgbClr val="FF0000"/>
+                    </a:solidFill>
+                    <a:latin typeface="Calibri" panose="020F0502020204030204" pitchFamily="34" charset="0"/>
+                    <a:cs typeface="Calibri" panose="020F0502020204030204" pitchFamily="34" charset="0"/>
+                  </a:rPr>
+                  <a:t> </a:t>
+                </a:r>
+                <a:r>
+                  <a:rPr lang="en-US" altLang="zh-CN" sz="1600" dirty="0" smtClean="0">
+                    <a:latin typeface="Calibri" panose="020F0502020204030204" pitchFamily="34" charset="0"/>
+                    <a:cs typeface="Calibri" panose="020F0502020204030204" pitchFamily="34" charset="0"/>
+                  </a:rPr>
+                  <a:t>consist of structure </a:t>
+                </a:r>
+                <a:r>
+                  <a:rPr lang="en-US" altLang="zh-CN" sz="1600" i="1" dirty="0" smtClean="0">
+                    <a:solidFill>
+                      <a:srgbClr val="FF0000"/>
+                    </a:solidFill>
+                    <a:latin typeface="Calibri" panose="020F0502020204030204" pitchFamily="34" charset="0"/>
+                    <a:cs typeface="Calibri" panose="020F0502020204030204" pitchFamily="34" charset="0"/>
+                  </a:rPr>
+                  <a:t>G</a:t>
+                </a:r>
+                <a:r>
+                  <a:rPr lang="en-US" altLang="zh-CN" sz="1600" i="1" dirty="0" smtClean="0">
+                    <a:latin typeface="Calibri" panose="020F0502020204030204" pitchFamily="34" charset="0"/>
+                    <a:cs typeface="Calibri" panose="020F0502020204030204" pitchFamily="34" charset="0"/>
+                  </a:rPr>
+                  <a:t> </a:t>
+                </a:r>
+                <a:r>
+                  <a:rPr lang="en-US" altLang="zh-CN" sz="1600" dirty="0" smtClean="0">
+                    <a:latin typeface="Calibri" panose="020F0502020204030204" pitchFamily="34" charset="0"/>
+                    <a:cs typeface="Calibri" panose="020F0502020204030204" pitchFamily="34" charset="0"/>
+                  </a:rPr>
+                  <a:t>and parameter </a:t>
+                </a:r>
+                <a14:m>
+                  <m:oMath xmlns:m="http://schemas.openxmlformats.org/officeDocument/2006/math">
+                    <m:r>
+                      <a:rPr lang="en-US" altLang="zh-CN" sz="1600" b="0" i="1" smtClean="0">
+                        <a:solidFill>
+                          <a:srgbClr val="FF0000"/>
+                        </a:solidFill>
+                        <a:latin typeface="Cambria Math" panose="02040503050406030204" pitchFamily="18" charset="0"/>
+                        <a:cs typeface="Calibri" panose="020F0502020204030204" pitchFamily="34" charset="0"/>
+                      </a:rPr>
+                      <m:t>𝛩</m:t>
+                    </m:r>
+                  </m:oMath>
+                </a14:m>
+                <a:r>
+                  <a:rPr lang="en-US" altLang="zh-CN" sz="1600" i="1" dirty="0" smtClean="0">
+                    <a:latin typeface="Calibri" panose="020F0502020204030204" pitchFamily="34" charset="0"/>
+                    <a:cs typeface="Calibri" panose="020F0502020204030204" pitchFamily="34" charset="0"/>
+                  </a:rPr>
+                  <a:t>.</a:t>
+                </a:r>
+              </a:p>
+              <a:p>
+                <a:pPr marL="285750" indent="-285750">
+                  <a:buFont typeface="Arial" panose="020B0604020202020204" pitchFamily="34" charset="0"/>
+                  <a:buChar char="•"/>
+                </a:pPr>
+                <a:r>
+                  <a:rPr lang="en-US" altLang="zh-CN" sz="1600" dirty="0">
+                    <a:latin typeface="Calibri" panose="020F0502020204030204" pitchFamily="34" charset="0"/>
+                    <a:cs typeface="Calibri" panose="020F0502020204030204" pitchFamily="34" charset="0"/>
+                  </a:rPr>
+                  <a:t>Structure </a:t>
+                </a:r>
+                <a:r>
+                  <a:rPr lang="en-US" altLang="zh-CN" sz="1600" dirty="0">
+                    <a:solidFill>
+                      <a:srgbClr val="FF0000"/>
+                    </a:solidFill>
+                    <a:latin typeface="Calibri" panose="020F0502020204030204" pitchFamily="34" charset="0"/>
+                    <a:cs typeface="Calibri" panose="020F0502020204030204" pitchFamily="34" charset="0"/>
+                  </a:rPr>
+                  <a:t>G</a:t>
+                </a:r>
+                <a:r>
+                  <a:rPr lang="en-US" altLang="zh-CN" sz="1600" dirty="0">
+                    <a:latin typeface="Calibri" panose="020F0502020204030204" pitchFamily="34" charset="0"/>
+                    <a:cs typeface="Calibri" panose="020F0502020204030204" pitchFamily="34" charset="0"/>
+                  </a:rPr>
+                  <a:t> is a Directed Acyclic Graph(DAG), Each node corresponds to an attribute. </a:t>
+                </a:r>
+                <a:r>
+                  <a:rPr lang="en-US" altLang="zh-CN" sz="1600" dirty="0" smtClean="0">
+                    <a:latin typeface="Calibri" panose="020F0502020204030204" pitchFamily="34" charset="0"/>
+                    <a:cs typeface="Calibri" panose="020F0502020204030204" pitchFamily="34" charset="0"/>
+                  </a:rPr>
+                  <a:t>If </a:t>
+                </a:r>
+                <a:r>
+                  <a:rPr lang="en-US" altLang="zh-CN" sz="1600" dirty="0">
+                    <a:latin typeface="Calibri" panose="020F0502020204030204" pitchFamily="34" charset="0"/>
+                    <a:cs typeface="Calibri" panose="020F0502020204030204" pitchFamily="34" charset="0"/>
+                  </a:rPr>
+                  <a:t>two attributes have direct dependencies, they are connected by one edge</a:t>
+                </a:r>
+                <a:r>
+                  <a:rPr lang="en-US" altLang="zh-CN" sz="1600" dirty="0" smtClean="0">
+                    <a:latin typeface="Calibri" panose="020F0502020204030204" pitchFamily="34" charset="0"/>
+                    <a:cs typeface="Calibri" panose="020F0502020204030204" pitchFamily="34" charset="0"/>
+                  </a:rPr>
+                  <a:t>.</a:t>
+                </a:r>
+              </a:p>
+              <a:p>
+                <a:pPr marL="285750" indent="-285750">
+                  <a:buFont typeface="Arial" panose="020B0604020202020204" pitchFamily="34" charset="0"/>
+                  <a:buChar char="•"/>
+                </a:pPr>
+                <a:r>
+                  <a:rPr lang="en-US" altLang="zh-CN" sz="1600" dirty="0" smtClean="0">
+                    <a:latin typeface="Calibri" panose="020F0502020204030204" pitchFamily="34" charset="0"/>
+                    <a:cs typeface="Calibri" panose="020F0502020204030204" pitchFamily="34" charset="0"/>
+                  </a:rPr>
+                  <a:t>Parameter </a:t>
+                </a:r>
+                <a:r>
+                  <a:rPr lang="zh-CN" altLang="en-US" sz="1600" dirty="0" smtClean="0">
+                    <a:solidFill>
+                      <a:srgbClr val="FF0000"/>
+                    </a:solidFill>
+                    <a:latin typeface="Calibri" panose="020F0502020204030204" pitchFamily="34" charset="0"/>
+                    <a:cs typeface="Calibri" panose="020F0502020204030204" pitchFamily="34" charset="0"/>
+                  </a:rPr>
+                  <a:t>𝛩 </a:t>
+                </a:r>
+                <a:r>
+                  <a:rPr lang="en-US" altLang="zh-CN" sz="1600" dirty="0" smtClean="0">
+                    <a:latin typeface="Calibri" panose="020F0502020204030204" pitchFamily="34" charset="0"/>
+                    <a:cs typeface="Calibri" panose="020F0502020204030204" pitchFamily="34" charset="0"/>
+                  </a:rPr>
+                  <a:t>quantitatively </a:t>
+                </a:r>
+                <a:r>
+                  <a:rPr lang="en-US" altLang="zh-CN" sz="1600" dirty="0">
+                    <a:latin typeface="Calibri" panose="020F0502020204030204" pitchFamily="34" charset="0"/>
+                    <a:cs typeface="Calibri" panose="020F0502020204030204" pitchFamily="34" charset="0"/>
+                  </a:rPr>
+                  <a:t>describes this dependency. Assuming that the parent node set of attribute </a:t>
+                </a:r>
+                <a14:m>
+                  <m:oMath xmlns:m="http://schemas.openxmlformats.org/officeDocument/2006/math">
+                    <m:sSub>
+                      <m:sSubPr>
+                        <m:ctrlPr>
+                          <a:rPr lang="en-US" altLang="zh-CN" sz="1600" b="0" i="1" dirty="0" smtClean="0">
+                            <a:solidFill>
+                              <a:srgbClr val="FF0000"/>
+                            </a:solidFill>
+                            <a:latin typeface="Cambria Math" panose="02040503050406030204" pitchFamily="18" charset="0"/>
+                            <a:cs typeface="Calibri" panose="020F0502020204030204" pitchFamily="34" charset="0"/>
+                          </a:rPr>
+                        </m:ctrlPr>
+                      </m:sSubPr>
+                      <m:e>
+                        <m:r>
+                          <a:rPr lang="en-US" altLang="zh-CN" sz="1600" i="1" dirty="0" smtClean="0">
+                            <a:solidFill>
+                              <a:srgbClr val="FF0000"/>
+                            </a:solidFill>
+                            <a:latin typeface="Cambria Math" panose="02040503050406030204" pitchFamily="18" charset="0"/>
+                            <a:cs typeface="Calibri" panose="020F0502020204030204" pitchFamily="34" charset="0"/>
+                          </a:rPr>
+                          <m:t>𝑥</m:t>
+                        </m:r>
+                      </m:e>
+                      <m:sub>
+                        <m:r>
+                          <a:rPr lang="en-US" altLang="zh-CN" sz="1600" b="0" i="1" dirty="0" smtClean="0">
+                            <a:solidFill>
+                              <a:srgbClr val="FF0000"/>
+                            </a:solidFill>
+                            <a:latin typeface="Cambria Math" panose="02040503050406030204" pitchFamily="18" charset="0"/>
+                            <a:cs typeface="Calibri" panose="020F0502020204030204" pitchFamily="34" charset="0"/>
+                          </a:rPr>
+                          <m:t>𝑖</m:t>
+                        </m:r>
+                      </m:sub>
+                    </m:sSub>
+                  </m:oMath>
+                </a14:m>
+                <a:r>
+                  <a:rPr lang="en-US" altLang="zh-CN" sz="1600" dirty="0">
+                    <a:latin typeface="Calibri" panose="020F0502020204030204" pitchFamily="34" charset="0"/>
+                    <a:cs typeface="Calibri" panose="020F0502020204030204" pitchFamily="34" charset="0"/>
+                  </a:rPr>
+                  <a:t> in </a:t>
+                </a:r>
+                <a:r>
+                  <a:rPr lang="en-US" altLang="zh-CN" sz="1600" dirty="0">
+                    <a:solidFill>
+                      <a:srgbClr val="FF0000"/>
+                    </a:solidFill>
+                    <a:latin typeface="Calibri" panose="020F0502020204030204" pitchFamily="34" charset="0"/>
+                    <a:cs typeface="Calibri" panose="020F0502020204030204" pitchFamily="34" charset="0"/>
+                  </a:rPr>
+                  <a:t>G</a:t>
+                </a:r>
+                <a:r>
+                  <a:rPr lang="en-US" altLang="zh-CN" sz="1600" dirty="0">
+                    <a:latin typeface="Calibri" panose="020F0502020204030204" pitchFamily="34" charset="0"/>
+                    <a:cs typeface="Calibri" panose="020F0502020204030204" pitchFamily="34" charset="0"/>
+                  </a:rPr>
+                  <a:t> is </a:t>
+                </a:r>
+                <a14:m>
+                  <m:oMath xmlns:m="http://schemas.openxmlformats.org/officeDocument/2006/math">
+                    <m:sSub>
+                      <m:sSubPr>
+                        <m:ctrlPr>
+                          <a:rPr lang="en-US" altLang="zh-CN" sz="1600" b="0" i="1" dirty="0" smtClean="0">
+                            <a:solidFill>
+                              <a:srgbClr val="FF0000"/>
+                            </a:solidFill>
+                            <a:latin typeface="Cambria Math" panose="02040503050406030204" pitchFamily="18" charset="0"/>
+                            <a:cs typeface="Calibri" panose="020F0502020204030204" pitchFamily="34" charset="0"/>
+                          </a:rPr>
+                        </m:ctrlPr>
+                      </m:sSubPr>
+                      <m:e>
+                        <m:r>
+                          <a:rPr lang="en-US" altLang="zh-CN" sz="1600" b="0" i="1" dirty="0" smtClean="0">
+                            <a:solidFill>
+                              <a:srgbClr val="FF0000"/>
+                            </a:solidFill>
+                            <a:latin typeface="Cambria Math" panose="02040503050406030204" pitchFamily="18" charset="0"/>
+                            <a:cs typeface="Calibri" panose="020F0502020204030204" pitchFamily="34" charset="0"/>
+                          </a:rPr>
+                          <m:t>𝜋</m:t>
+                        </m:r>
+                      </m:e>
+                      <m:sub>
+                        <m:r>
+                          <a:rPr lang="en-US" altLang="zh-CN" sz="1600" b="0" i="1" dirty="0" smtClean="0">
+                            <a:solidFill>
+                              <a:srgbClr val="FF0000"/>
+                            </a:solidFill>
+                            <a:latin typeface="Cambria Math" panose="02040503050406030204" pitchFamily="18" charset="0"/>
+                            <a:cs typeface="Calibri" panose="020F0502020204030204" pitchFamily="34" charset="0"/>
+                          </a:rPr>
+                          <m:t>𝑖</m:t>
+                        </m:r>
+                      </m:sub>
+                    </m:sSub>
+                  </m:oMath>
+                </a14:m>
+                <a:r>
+                  <a:rPr lang="en-US" altLang="zh-CN" sz="1600" dirty="0" smtClean="0">
+                    <a:latin typeface="Calibri" panose="020F0502020204030204" pitchFamily="34" charset="0"/>
+                    <a:cs typeface="Calibri" panose="020F0502020204030204" pitchFamily="34" charset="0"/>
+                  </a:rPr>
+                  <a:t>,</a:t>
+                </a:r>
+                <a:r>
+                  <a:rPr lang="zh-CN" altLang="en-US" sz="1600" dirty="0" smtClean="0">
+                    <a:solidFill>
+                      <a:srgbClr val="FF0000"/>
+                    </a:solidFill>
+                    <a:latin typeface="Calibri" panose="020F0502020204030204" pitchFamily="34" charset="0"/>
+                    <a:cs typeface="Calibri" panose="020F0502020204030204" pitchFamily="34" charset="0"/>
+                  </a:rPr>
+                  <a:t>𝛩 </a:t>
+                </a:r>
+                <a:r>
+                  <a:rPr lang="en-US" altLang="zh-CN" sz="1600" dirty="0" smtClean="0">
+                    <a:latin typeface="Calibri" panose="020F0502020204030204" pitchFamily="34" charset="0"/>
+                    <a:cs typeface="Calibri" panose="020F0502020204030204" pitchFamily="34" charset="0"/>
+                  </a:rPr>
+                  <a:t>contains </a:t>
+                </a:r>
+                <a:r>
+                  <a:rPr lang="en-US" altLang="zh-CN" sz="1600" dirty="0">
+                    <a:latin typeface="Calibri" panose="020F0502020204030204" pitchFamily="34" charset="0"/>
+                    <a:cs typeface="Calibri" panose="020F0502020204030204" pitchFamily="34" charset="0"/>
+                  </a:rPr>
+                  <a:t>the condition dependency table for each </a:t>
+                </a:r>
+                <a:r>
+                  <a:rPr lang="en-US" altLang="zh-CN" sz="1600" dirty="0" smtClean="0">
+                    <a:latin typeface="Calibri" panose="020F0502020204030204" pitchFamily="34" charset="0"/>
+                    <a:cs typeface="Calibri" panose="020F0502020204030204" pitchFamily="34" charset="0"/>
+                  </a:rPr>
+                  <a:t>attribute </a:t>
+                </a:r>
+                <a14:m>
+                  <m:oMath xmlns:m="http://schemas.openxmlformats.org/officeDocument/2006/math">
+                    <m:sSub>
+                      <m:sSubPr>
+                        <m:ctrlPr>
+                          <a:rPr lang="en-US" altLang="zh-CN" sz="1600" b="0" i="1" smtClean="0">
+                            <a:solidFill>
+                              <a:srgbClr val="FF0000"/>
+                            </a:solidFill>
+                            <a:latin typeface="Cambria Math" panose="02040503050406030204" pitchFamily="18" charset="0"/>
+                            <a:cs typeface="Calibri" panose="020F0502020204030204" pitchFamily="34" charset="0"/>
+                          </a:rPr>
+                        </m:ctrlPr>
+                      </m:sSubPr>
+                      <m:e>
+                        <m:r>
+                          <a:rPr lang="en-US" altLang="zh-CN" sz="1600" b="0" i="1" smtClean="0">
+                            <a:solidFill>
+                              <a:srgbClr val="FF0000"/>
+                            </a:solidFill>
+                            <a:latin typeface="Cambria Math" panose="02040503050406030204" pitchFamily="18" charset="0"/>
+                            <a:cs typeface="Calibri" panose="020F0502020204030204" pitchFamily="34" charset="0"/>
+                          </a:rPr>
+                          <m:t>𝜃</m:t>
+                        </m:r>
+                      </m:e>
+                      <m:sub>
+                        <m:sSub>
+                          <m:sSubPr>
+                            <m:ctrlPr>
+                              <a:rPr lang="en-US" altLang="zh-CN" sz="1600" b="0" i="1" smtClean="0">
+                                <a:solidFill>
+                                  <a:srgbClr val="FF0000"/>
+                                </a:solidFill>
+                                <a:latin typeface="Cambria Math" panose="02040503050406030204" pitchFamily="18" charset="0"/>
+                                <a:cs typeface="Calibri" panose="020F0502020204030204" pitchFamily="34" charset="0"/>
+                              </a:rPr>
+                            </m:ctrlPr>
+                          </m:sSubPr>
+                          <m:e>
+                            <m:r>
+                              <a:rPr lang="en-US" altLang="zh-CN" sz="1600" b="0" i="1" smtClean="0">
+                                <a:solidFill>
+                                  <a:srgbClr val="FF0000"/>
+                                </a:solidFill>
+                                <a:latin typeface="Cambria Math" panose="02040503050406030204" pitchFamily="18" charset="0"/>
+                                <a:cs typeface="Calibri" panose="020F0502020204030204" pitchFamily="34" charset="0"/>
+                              </a:rPr>
+                              <m:t>𝑥</m:t>
+                            </m:r>
+                          </m:e>
+                          <m:sub>
+                            <m:r>
+                              <a:rPr lang="en-US" altLang="zh-CN" sz="1600" b="0" i="1" smtClean="0">
+                                <a:solidFill>
+                                  <a:srgbClr val="FF0000"/>
+                                </a:solidFill>
+                                <a:latin typeface="Cambria Math" panose="02040503050406030204" pitchFamily="18" charset="0"/>
+                                <a:cs typeface="Calibri" panose="020F0502020204030204" pitchFamily="34" charset="0"/>
+                              </a:rPr>
+                              <m:t>𝑖</m:t>
+                            </m:r>
+                          </m:sub>
+                        </m:sSub>
+                        <m:r>
+                          <a:rPr lang="en-US" altLang="zh-CN" sz="1600" b="0" i="1" smtClean="0">
+                            <a:solidFill>
+                              <a:srgbClr val="FF0000"/>
+                            </a:solidFill>
+                            <a:latin typeface="Cambria Math" panose="02040503050406030204" pitchFamily="18" charset="0"/>
+                            <a:cs typeface="Calibri" panose="020F0502020204030204" pitchFamily="34" charset="0"/>
+                          </a:rPr>
+                          <m:t>|</m:t>
+                        </m:r>
+                        <m:sSub>
+                          <m:sSubPr>
+                            <m:ctrlPr>
+                              <a:rPr lang="en-US" altLang="zh-CN" sz="1600" b="0" i="1" smtClean="0">
+                                <a:solidFill>
+                                  <a:srgbClr val="FF0000"/>
+                                </a:solidFill>
+                                <a:latin typeface="Cambria Math" panose="02040503050406030204" pitchFamily="18" charset="0"/>
+                                <a:cs typeface="Calibri" panose="020F0502020204030204" pitchFamily="34" charset="0"/>
+                              </a:rPr>
+                            </m:ctrlPr>
+                          </m:sSubPr>
+                          <m:e>
+                            <m:r>
+                              <a:rPr lang="en-US" altLang="zh-CN" sz="1600" b="0" i="1" smtClean="0">
+                                <a:solidFill>
+                                  <a:srgbClr val="FF0000"/>
+                                </a:solidFill>
+                                <a:latin typeface="Cambria Math" panose="02040503050406030204" pitchFamily="18" charset="0"/>
+                                <a:cs typeface="Calibri" panose="020F0502020204030204" pitchFamily="34" charset="0"/>
+                              </a:rPr>
+                              <m:t>𝜋</m:t>
+                            </m:r>
+                          </m:e>
+                          <m:sub>
+                            <m:r>
+                              <a:rPr lang="en-US" altLang="zh-CN" sz="1600" b="0" i="1" smtClean="0">
+                                <a:solidFill>
+                                  <a:srgbClr val="FF0000"/>
+                                </a:solidFill>
+                                <a:latin typeface="Cambria Math" panose="02040503050406030204" pitchFamily="18" charset="0"/>
+                                <a:cs typeface="Calibri" panose="020F0502020204030204" pitchFamily="34" charset="0"/>
+                              </a:rPr>
+                              <m:t>𝑖</m:t>
+                            </m:r>
+                          </m:sub>
+                        </m:sSub>
+                      </m:sub>
+                    </m:sSub>
+                    <m:r>
+                      <a:rPr lang="en-US" altLang="zh-CN" sz="1600" b="0" i="1" smtClean="0">
+                        <a:solidFill>
+                          <a:srgbClr val="FF0000"/>
+                        </a:solidFill>
+                        <a:latin typeface="Cambria Math" panose="02040503050406030204" pitchFamily="18" charset="0"/>
+                        <a:cs typeface="Calibri" panose="020F0502020204030204" pitchFamily="34" charset="0"/>
+                      </a:rPr>
+                      <m:t>=</m:t>
+                    </m:r>
+                    <m:sSub>
+                      <m:sSubPr>
+                        <m:ctrlPr>
+                          <a:rPr lang="en-US" altLang="zh-CN" sz="1600" b="0" i="1" smtClean="0">
+                            <a:solidFill>
+                              <a:srgbClr val="FF0000"/>
+                            </a:solidFill>
+                            <a:latin typeface="Cambria Math" panose="02040503050406030204" pitchFamily="18" charset="0"/>
+                            <a:cs typeface="Calibri" panose="020F0502020204030204" pitchFamily="34" charset="0"/>
+                          </a:rPr>
+                        </m:ctrlPr>
+                      </m:sSubPr>
+                      <m:e>
+                        <m:r>
+                          <a:rPr lang="en-US" altLang="zh-CN" sz="1600" b="0" i="1" smtClean="0">
+                            <a:solidFill>
+                              <a:srgbClr val="FF0000"/>
+                            </a:solidFill>
+                            <a:latin typeface="Cambria Math" panose="02040503050406030204" pitchFamily="18" charset="0"/>
+                            <a:cs typeface="Calibri" panose="020F0502020204030204" pitchFamily="34" charset="0"/>
+                          </a:rPr>
+                          <m:t>𝑃</m:t>
+                        </m:r>
+                      </m:e>
+                      <m:sub>
+                        <m:r>
+                          <a:rPr lang="en-US" altLang="zh-CN" sz="1600" b="0" i="1" smtClean="0">
+                            <a:solidFill>
+                              <a:srgbClr val="FF0000"/>
+                            </a:solidFill>
+                            <a:latin typeface="Cambria Math" panose="02040503050406030204" pitchFamily="18" charset="0"/>
+                            <a:cs typeface="Calibri" panose="020F0502020204030204" pitchFamily="34" charset="0"/>
+                          </a:rPr>
+                          <m:t>𝐵</m:t>
+                        </m:r>
+                      </m:sub>
+                    </m:sSub>
+                    <m:r>
+                      <a:rPr lang="en-US" altLang="zh-CN" sz="1600" b="0" i="1" smtClean="0">
+                        <a:solidFill>
+                          <a:srgbClr val="FF0000"/>
+                        </a:solidFill>
+                        <a:latin typeface="Cambria Math" panose="02040503050406030204" pitchFamily="18" charset="0"/>
+                        <a:cs typeface="Calibri" panose="020F0502020204030204" pitchFamily="34" charset="0"/>
+                      </a:rPr>
+                      <m:t>(</m:t>
+                    </m:r>
+                    <m:sSub>
+                      <m:sSubPr>
+                        <m:ctrlPr>
+                          <a:rPr lang="en-US" altLang="zh-CN" sz="1600" b="0" i="1" smtClean="0">
+                            <a:solidFill>
+                              <a:srgbClr val="FF0000"/>
+                            </a:solidFill>
+                            <a:latin typeface="Cambria Math" panose="02040503050406030204" pitchFamily="18" charset="0"/>
+                            <a:cs typeface="Calibri" panose="020F0502020204030204" pitchFamily="34" charset="0"/>
+                          </a:rPr>
+                        </m:ctrlPr>
+                      </m:sSubPr>
+                      <m:e>
+                        <m:r>
+                          <a:rPr lang="en-US" altLang="zh-CN" sz="1600" b="0" i="1" smtClean="0">
+                            <a:solidFill>
+                              <a:srgbClr val="FF0000"/>
+                            </a:solidFill>
+                            <a:latin typeface="Cambria Math" panose="02040503050406030204" pitchFamily="18" charset="0"/>
+                            <a:cs typeface="Calibri" panose="020F0502020204030204" pitchFamily="34" charset="0"/>
+                          </a:rPr>
+                          <m:t>𝑥</m:t>
+                        </m:r>
+                      </m:e>
+                      <m:sub>
+                        <m:r>
+                          <a:rPr lang="en-US" altLang="zh-CN" sz="1600" b="0" i="1" smtClean="0">
+                            <a:solidFill>
+                              <a:srgbClr val="FF0000"/>
+                            </a:solidFill>
+                            <a:latin typeface="Cambria Math" panose="02040503050406030204" pitchFamily="18" charset="0"/>
+                            <a:cs typeface="Calibri" panose="020F0502020204030204" pitchFamily="34" charset="0"/>
+                          </a:rPr>
+                          <m:t>𝑖</m:t>
+                        </m:r>
+                      </m:sub>
+                    </m:sSub>
+                    <m:r>
+                      <a:rPr lang="en-US" altLang="zh-CN" sz="1600" b="0" i="1" smtClean="0">
+                        <a:solidFill>
+                          <a:srgbClr val="FF0000"/>
+                        </a:solidFill>
+                        <a:latin typeface="Cambria Math" panose="02040503050406030204" pitchFamily="18" charset="0"/>
+                        <a:cs typeface="Calibri" panose="020F0502020204030204" pitchFamily="34" charset="0"/>
+                      </a:rPr>
+                      <m:t>|</m:t>
+                    </m:r>
+                    <m:sSub>
+                      <m:sSubPr>
+                        <m:ctrlPr>
+                          <a:rPr lang="en-US" altLang="zh-CN" sz="1600" b="0" i="1" smtClean="0">
+                            <a:solidFill>
+                              <a:srgbClr val="FF0000"/>
+                            </a:solidFill>
+                            <a:latin typeface="Cambria Math" panose="02040503050406030204" pitchFamily="18" charset="0"/>
+                            <a:cs typeface="Calibri" panose="020F0502020204030204" pitchFamily="34" charset="0"/>
+                          </a:rPr>
+                        </m:ctrlPr>
+                      </m:sSubPr>
+                      <m:e>
+                        <m:r>
+                          <a:rPr lang="en-US" altLang="zh-CN" sz="1600" b="0" i="1" smtClean="0">
+                            <a:solidFill>
+                              <a:srgbClr val="FF0000"/>
+                            </a:solidFill>
+                            <a:latin typeface="Cambria Math" panose="02040503050406030204" pitchFamily="18" charset="0"/>
+                            <a:cs typeface="Calibri" panose="020F0502020204030204" pitchFamily="34" charset="0"/>
+                          </a:rPr>
+                          <m:t>𝜋</m:t>
+                        </m:r>
+                      </m:e>
+                      <m:sub>
+                        <m:r>
+                          <a:rPr lang="en-US" altLang="zh-CN" sz="1600" b="0" i="1" smtClean="0">
+                            <a:solidFill>
+                              <a:srgbClr val="FF0000"/>
+                            </a:solidFill>
+                            <a:latin typeface="Cambria Math" panose="02040503050406030204" pitchFamily="18" charset="0"/>
+                            <a:cs typeface="Calibri" panose="020F0502020204030204" pitchFamily="34" charset="0"/>
+                          </a:rPr>
+                          <m:t>𝑖</m:t>
+                        </m:r>
+                      </m:sub>
+                    </m:sSub>
+                    <m:r>
+                      <a:rPr lang="en-US" altLang="zh-CN" sz="1600" b="0" i="1" smtClean="0">
+                        <a:solidFill>
+                          <a:srgbClr val="FF0000"/>
+                        </a:solidFill>
+                        <a:latin typeface="Cambria Math" panose="02040503050406030204" pitchFamily="18" charset="0"/>
+                        <a:cs typeface="Calibri" panose="020F0502020204030204" pitchFamily="34" charset="0"/>
+                      </a:rPr>
+                      <m:t>)</m:t>
+                    </m:r>
+                  </m:oMath>
+                </a14:m>
+                <a:endParaRPr lang="en-US" altLang="zh-CN" sz="1600" dirty="0" smtClean="0">
+                  <a:solidFill>
+                    <a:srgbClr val="FF0000"/>
+                  </a:solidFill>
+                  <a:latin typeface="Calibri" panose="020F0502020204030204" pitchFamily="34" charset="0"/>
+                  <a:cs typeface="Calibri" panose="020F0502020204030204" pitchFamily="34" charset="0"/>
+                </a:endParaRPr>
+              </a:p>
+            </p:txBody>
+          </p:sp>
+        </mc:Choice>
+        <mc:Fallback>
+          <p:sp>
+            <p:nvSpPr>
+              <p:cNvPr id="4" name="矩形 3"/>
+              <p:cNvSpPr>
+                <a:spLocks noRot="1" noChangeAspect="1" noMove="1" noResize="1" noEditPoints="1" noAdjustHandles="1" noChangeArrowheads="1" noChangeShapeType="1" noTextEdit="1"/>
+              </p:cNvSpPr>
+              <p:nvPr/>
+            </p:nvSpPr>
+            <p:spPr>
+              <a:xfrm>
+                <a:off x="0" y="514350"/>
+                <a:ext cx="9144000" cy="1347548"/>
+              </a:xfrm>
+              <a:prstGeom prst="rect">
+                <a:avLst/>
+              </a:prstGeom>
+              <a:blipFill>
+                <a:blip r:embed="rId4"/>
+                <a:stretch>
+                  <a:fillRect l="-333" t="-1357" b="-3620"/>
+                </a:stretch>
+              </a:blipFill>
+            </p:spPr>
+            <p:txBody>
+              <a:bodyPr/>
+              <a:lstStyle/>
+              <a:p>
+                <a:r>
+                  <a:rPr lang="zh-CN" altLang="en-US">
+                    <a:noFill/>
+                  </a:rPr>
+                  <a:t> </a:t>
+                </a:r>
+              </a:p>
+            </p:txBody>
+          </p:sp>
+        </mc:Fallback>
+      </mc:AlternateContent>
+      <p:grpSp>
+        <p:nvGrpSpPr>
+          <p:cNvPr id="19" name="组合 18"/>
+          <p:cNvGrpSpPr/>
+          <p:nvPr/>
+        </p:nvGrpSpPr>
+        <p:grpSpPr>
+          <a:xfrm>
+            <a:off x="5916168" y="3821089"/>
+            <a:ext cx="3188208" cy="914400"/>
+            <a:chOff x="1054608" y="3790950"/>
+            <a:chExt cx="3188208" cy="914400"/>
+          </a:xfrm>
+        </p:grpSpPr>
+        <p:sp>
+          <p:nvSpPr>
+            <p:cNvPr id="5" name="椭圆 4"/>
+            <p:cNvSpPr/>
+            <p:nvPr/>
+          </p:nvSpPr>
+          <p:spPr>
+            <a:xfrm>
+              <a:off x="1740408" y="3790950"/>
+              <a:ext cx="685800" cy="304800"/>
+            </a:xfrm>
+            <a:prstGeom prst="ellipse">
+              <a:avLst/>
+            </a:prstGeom>
+          </p:spPr>
+          <p:style>
+            <a:lnRef idx="2">
+              <a:schemeClr val="accent1">
+                <a:shade val="50000"/>
+              </a:schemeClr>
+            </a:lnRef>
+            <a:fillRef idx="1">
+              <a:schemeClr val="accent1"/>
+            </a:fillRef>
+            <a:effectRef idx="0">
+              <a:schemeClr val="accent1"/>
+            </a:effectRef>
+            <a:fontRef idx="minor">
+              <a:schemeClr val="lt1"/>
+            </a:fontRef>
+          </p:style>
+          <p:txBody>
+            <a:bodyPr rtlCol="0" anchor="ctr"/>
+            <a:lstStyle/>
+            <a:p>
+              <a:pPr algn="ctr"/>
+              <a:r>
+                <a:rPr lang="en-US" altLang="zh-CN" dirty="0" smtClean="0">
+                  <a:solidFill>
+                    <a:sysClr val="windowText" lastClr="000000"/>
+                  </a:solidFill>
+                </a:rPr>
+                <a:t>X1</a:t>
+              </a:r>
+              <a:endParaRPr lang="zh-CN" altLang="en-US" dirty="0">
+                <a:solidFill>
+                  <a:sysClr val="windowText" lastClr="000000"/>
+                </a:solidFill>
+              </a:endParaRPr>
+            </a:p>
+          </p:txBody>
+        </p:sp>
+        <p:sp>
+          <p:nvSpPr>
+            <p:cNvPr id="7" name="椭圆 6"/>
+            <p:cNvSpPr/>
+            <p:nvPr/>
+          </p:nvSpPr>
+          <p:spPr>
+            <a:xfrm>
+              <a:off x="1054608" y="4372356"/>
+              <a:ext cx="685800" cy="304800"/>
+            </a:xfrm>
+            <a:prstGeom prst="ellipse">
+              <a:avLst/>
+            </a:prstGeom>
+          </p:spPr>
+          <p:style>
+            <a:lnRef idx="2">
+              <a:schemeClr val="accent1">
+                <a:shade val="50000"/>
+              </a:schemeClr>
+            </a:lnRef>
+            <a:fillRef idx="1">
+              <a:schemeClr val="accent1"/>
+            </a:fillRef>
+            <a:effectRef idx="0">
+              <a:schemeClr val="accent1"/>
+            </a:effectRef>
+            <a:fontRef idx="minor">
+              <a:schemeClr val="lt1"/>
+            </a:fontRef>
+          </p:style>
+          <p:txBody>
+            <a:bodyPr rtlCol="0" anchor="ctr"/>
+            <a:lstStyle/>
+            <a:p>
+              <a:pPr algn="ctr"/>
+              <a:r>
+                <a:rPr lang="en-US" altLang="zh-CN" dirty="0" smtClean="0">
+                  <a:solidFill>
+                    <a:sysClr val="windowText" lastClr="000000"/>
+                  </a:solidFill>
+                </a:rPr>
+                <a:t>X3</a:t>
+              </a:r>
+              <a:endParaRPr lang="zh-CN" altLang="en-US" dirty="0">
+                <a:solidFill>
+                  <a:sysClr val="windowText" lastClr="000000"/>
+                </a:solidFill>
+              </a:endParaRPr>
+            </a:p>
+          </p:txBody>
+        </p:sp>
+        <p:sp>
+          <p:nvSpPr>
+            <p:cNvPr id="8" name="椭圆 7"/>
+            <p:cNvSpPr/>
+            <p:nvPr/>
+          </p:nvSpPr>
+          <p:spPr>
+            <a:xfrm>
+              <a:off x="2991612" y="3790950"/>
+              <a:ext cx="685800" cy="304800"/>
+            </a:xfrm>
+            <a:prstGeom prst="ellipse">
+              <a:avLst/>
+            </a:prstGeom>
+          </p:spPr>
+          <p:style>
+            <a:lnRef idx="2">
+              <a:schemeClr val="accent1">
+                <a:shade val="50000"/>
+              </a:schemeClr>
+            </a:lnRef>
+            <a:fillRef idx="1">
+              <a:schemeClr val="accent1"/>
+            </a:fillRef>
+            <a:effectRef idx="0">
+              <a:schemeClr val="accent1"/>
+            </a:effectRef>
+            <a:fontRef idx="minor">
+              <a:schemeClr val="lt1"/>
+            </a:fontRef>
+          </p:style>
+          <p:txBody>
+            <a:bodyPr rtlCol="0" anchor="ctr"/>
+            <a:lstStyle/>
+            <a:p>
+              <a:pPr algn="ctr"/>
+              <a:r>
+                <a:rPr lang="en-US" altLang="zh-CN" dirty="0" smtClean="0">
+                  <a:solidFill>
+                    <a:sysClr val="windowText" lastClr="000000"/>
+                  </a:solidFill>
+                </a:rPr>
+                <a:t>X2</a:t>
+              </a:r>
+              <a:endParaRPr lang="zh-CN" altLang="en-US" dirty="0">
+                <a:solidFill>
+                  <a:sysClr val="windowText" lastClr="000000"/>
+                </a:solidFill>
+              </a:endParaRPr>
+            </a:p>
+          </p:txBody>
+        </p:sp>
+        <p:sp>
+          <p:nvSpPr>
+            <p:cNvPr id="9" name="椭圆 8"/>
+            <p:cNvSpPr/>
+            <p:nvPr/>
+          </p:nvSpPr>
+          <p:spPr>
+            <a:xfrm>
+              <a:off x="2305812" y="4400550"/>
+              <a:ext cx="685800" cy="304800"/>
+            </a:xfrm>
+            <a:prstGeom prst="ellipse">
+              <a:avLst/>
+            </a:prstGeom>
+          </p:spPr>
+          <p:style>
+            <a:lnRef idx="2">
+              <a:schemeClr val="accent1">
+                <a:shade val="50000"/>
+              </a:schemeClr>
+            </a:lnRef>
+            <a:fillRef idx="1">
+              <a:schemeClr val="accent1"/>
+            </a:fillRef>
+            <a:effectRef idx="0">
+              <a:schemeClr val="accent1"/>
+            </a:effectRef>
+            <a:fontRef idx="minor">
+              <a:schemeClr val="lt1"/>
+            </a:fontRef>
+          </p:style>
+          <p:txBody>
+            <a:bodyPr rtlCol="0" anchor="ctr"/>
+            <a:lstStyle/>
+            <a:p>
+              <a:pPr algn="ctr"/>
+              <a:r>
+                <a:rPr lang="en-US" altLang="zh-CN" dirty="0" smtClean="0">
+                  <a:solidFill>
+                    <a:sysClr val="windowText" lastClr="000000"/>
+                  </a:solidFill>
+                </a:rPr>
+                <a:t>X4</a:t>
+              </a:r>
+              <a:endParaRPr lang="zh-CN" altLang="en-US" dirty="0">
+                <a:solidFill>
+                  <a:sysClr val="windowText" lastClr="000000"/>
+                </a:solidFill>
+              </a:endParaRPr>
+            </a:p>
+          </p:txBody>
+        </p:sp>
+        <p:sp>
+          <p:nvSpPr>
+            <p:cNvPr id="10" name="椭圆 9"/>
+            <p:cNvSpPr/>
+            <p:nvPr/>
+          </p:nvSpPr>
+          <p:spPr>
+            <a:xfrm>
+              <a:off x="3557016" y="4372356"/>
+              <a:ext cx="685800" cy="304800"/>
+            </a:xfrm>
+            <a:prstGeom prst="ellipse">
+              <a:avLst/>
+            </a:prstGeom>
+          </p:spPr>
+          <p:style>
+            <a:lnRef idx="2">
+              <a:schemeClr val="accent1">
+                <a:shade val="50000"/>
+              </a:schemeClr>
+            </a:lnRef>
+            <a:fillRef idx="1">
+              <a:schemeClr val="accent1"/>
+            </a:fillRef>
+            <a:effectRef idx="0">
+              <a:schemeClr val="accent1"/>
+            </a:effectRef>
+            <a:fontRef idx="minor">
+              <a:schemeClr val="lt1"/>
+            </a:fontRef>
+          </p:style>
+          <p:txBody>
+            <a:bodyPr rtlCol="0" anchor="ctr"/>
+            <a:lstStyle/>
+            <a:p>
+              <a:pPr algn="ctr"/>
+              <a:r>
+                <a:rPr lang="en-US" altLang="zh-CN" dirty="0" smtClean="0">
+                  <a:solidFill>
+                    <a:sysClr val="windowText" lastClr="000000"/>
+                  </a:solidFill>
+                </a:rPr>
+                <a:t>X4</a:t>
+              </a:r>
+              <a:endParaRPr lang="zh-CN" altLang="en-US" dirty="0">
+                <a:solidFill>
+                  <a:sysClr val="windowText" lastClr="000000"/>
+                </a:solidFill>
+              </a:endParaRPr>
+            </a:p>
+          </p:txBody>
+        </p:sp>
+        <p:cxnSp>
+          <p:nvCxnSpPr>
+            <p:cNvPr id="11" name="直接箭头连接符 10"/>
+            <p:cNvCxnSpPr>
+              <a:stCxn id="5" idx="3"/>
+              <a:endCxn id="7" idx="0"/>
+            </p:cNvCxnSpPr>
+            <p:nvPr/>
+          </p:nvCxnSpPr>
+          <p:spPr>
+            <a:xfrm flipH="1">
+              <a:off x="1397508" y="4051113"/>
+              <a:ext cx="443333" cy="321243"/>
+            </a:xfrm>
+            <a:prstGeom prst="straightConnector1">
+              <a:avLst/>
+            </a:prstGeom>
+            <a:ln>
+              <a:solidFill>
+                <a:schemeClr val="tx1">
+                  <a:lumMod val="95000"/>
+                  <a:lumOff val="5000"/>
+                </a:schemeClr>
+              </a:solidFill>
+              <a:tailEnd type="triangle"/>
+            </a:ln>
+          </p:spPr>
+          <p:style>
+            <a:lnRef idx="1">
+              <a:schemeClr val="accent1"/>
+            </a:lnRef>
+            <a:fillRef idx="0">
+              <a:schemeClr val="accent1"/>
+            </a:fillRef>
+            <a:effectRef idx="0">
+              <a:schemeClr val="accent1"/>
+            </a:effectRef>
+            <a:fontRef idx="minor">
+              <a:schemeClr val="tx1"/>
+            </a:fontRef>
+          </p:style>
+        </p:cxnSp>
+        <p:cxnSp>
+          <p:nvCxnSpPr>
+            <p:cNvPr id="14" name="直接箭头连接符 13"/>
+            <p:cNvCxnSpPr>
+              <a:stCxn id="5" idx="5"/>
+              <a:endCxn id="9" idx="0"/>
+            </p:cNvCxnSpPr>
+            <p:nvPr/>
+          </p:nvCxnSpPr>
+          <p:spPr>
+            <a:xfrm>
+              <a:off x="2325775" y="4051113"/>
+              <a:ext cx="322937" cy="349437"/>
+            </a:xfrm>
+            <a:prstGeom prst="straightConnector1">
+              <a:avLst/>
+            </a:prstGeom>
+            <a:ln>
+              <a:solidFill>
+                <a:schemeClr val="tx1">
+                  <a:lumMod val="95000"/>
+                  <a:lumOff val="5000"/>
+                </a:schemeClr>
+              </a:solidFill>
+              <a:tailEnd type="triangle"/>
+            </a:ln>
+          </p:spPr>
+          <p:style>
+            <a:lnRef idx="1">
+              <a:schemeClr val="accent1"/>
+            </a:lnRef>
+            <a:fillRef idx="0">
+              <a:schemeClr val="accent1"/>
+            </a:fillRef>
+            <a:effectRef idx="0">
+              <a:schemeClr val="accent1"/>
+            </a:effectRef>
+            <a:fontRef idx="minor">
+              <a:schemeClr val="tx1"/>
+            </a:fontRef>
+          </p:style>
+        </p:cxnSp>
+        <p:cxnSp>
+          <p:nvCxnSpPr>
+            <p:cNvPr id="16" name="直接箭头连接符 15"/>
+            <p:cNvCxnSpPr>
+              <a:stCxn id="8" idx="3"/>
+              <a:endCxn id="9" idx="0"/>
+            </p:cNvCxnSpPr>
+            <p:nvPr/>
+          </p:nvCxnSpPr>
+          <p:spPr>
+            <a:xfrm flipH="1">
+              <a:off x="2648712" y="4051113"/>
+              <a:ext cx="443333" cy="349437"/>
+            </a:xfrm>
+            <a:prstGeom prst="straightConnector1">
+              <a:avLst/>
+            </a:prstGeom>
+            <a:ln>
+              <a:solidFill>
+                <a:schemeClr val="tx1">
+                  <a:lumMod val="95000"/>
+                  <a:lumOff val="5000"/>
+                </a:schemeClr>
+              </a:solidFill>
+              <a:tailEnd type="triangle"/>
+            </a:ln>
+          </p:spPr>
+          <p:style>
+            <a:lnRef idx="1">
+              <a:schemeClr val="accent1"/>
+            </a:lnRef>
+            <a:fillRef idx="0">
+              <a:schemeClr val="accent1"/>
+            </a:fillRef>
+            <a:effectRef idx="0">
+              <a:schemeClr val="accent1"/>
+            </a:effectRef>
+            <a:fontRef idx="minor">
+              <a:schemeClr val="tx1"/>
+            </a:fontRef>
+          </p:style>
+        </p:cxnSp>
+        <p:cxnSp>
+          <p:nvCxnSpPr>
+            <p:cNvPr id="18" name="直接箭头连接符 17"/>
+            <p:cNvCxnSpPr>
+              <a:stCxn id="8" idx="5"/>
+              <a:endCxn id="10" idx="0"/>
+            </p:cNvCxnSpPr>
+            <p:nvPr/>
+          </p:nvCxnSpPr>
+          <p:spPr>
+            <a:xfrm>
+              <a:off x="3576979" y="4051113"/>
+              <a:ext cx="322937" cy="321243"/>
+            </a:xfrm>
+            <a:prstGeom prst="straightConnector1">
+              <a:avLst/>
+            </a:prstGeom>
+            <a:ln>
+              <a:solidFill>
+                <a:schemeClr val="tx1">
+                  <a:lumMod val="95000"/>
+                  <a:lumOff val="5000"/>
+                </a:schemeClr>
+              </a:solidFill>
+              <a:tailEnd type="triangle"/>
+            </a:ln>
+          </p:spPr>
+          <p:style>
+            <a:lnRef idx="1">
+              <a:schemeClr val="accent1"/>
+            </a:lnRef>
+            <a:fillRef idx="0">
+              <a:schemeClr val="accent1"/>
+            </a:fillRef>
+            <a:effectRef idx="0">
+              <a:schemeClr val="accent1"/>
+            </a:effectRef>
+            <a:fontRef idx="minor">
+              <a:schemeClr val="tx1"/>
+            </a:fontRef>
+          </p:style>
+        </p:cxnSp>
+      </p:grpSp>
+      <mc:AlternateContent xmlns:mc="http://schemas.openxmlformats.org/markup-compatibility/2006">
+        <mc:Choice xmlns:a14="http://schemas.microsoft.com/office/drawing/2010/main" Requires="a14">
+          <p:sp>
+            <p:nvSpPr>
+              <p:cNvPr id="20" name="文本框 19"/>
+              <p:cNvSpPr txBox="1"/>
+              <p:nvPr/>
+            </p:nvSpPr>
+            <p:spPr>
+              <a:xfrm>
+                <a:off x="57686" y="3580153"/>
+                <a:ext cx="5815735" cy="1323439"/>
+              </a:xfrm>
+              <a:prstGeom prst="rect">
+                <a:avLst/>
+              </a:prstGeom>
+              <a:noFill/>
+            </p:spPr>
+            <p:txBody>
+              <a:bodyPr wrap="square" rtlCol="0">
+                <a:spAutoFit/>
+              </a:bodyPr>
+              <a:lstStyle/>
+              <a:p>
+                <a:r>
+                  <a:rPr lang="en-US" altLang="zh-CN" sz="1600" dirty="0" smtClean="0">
+                    <a:latin typeface="Calibri"/>
+                    <a:cs typeface="Calibri"/>
+                  </a:rPr>
+                  <a:t>So  the joint probability of the left diagram is define as:</a:t>
+                </a:r>
+              </a:p>
+              <a:p>
+                <a:pPr algn="ctr"/>
+                <a14:m>
+                  <m:oMathPara xmlns:m="http://schemas.openxmlformats.org/officeDocument/2006/math">
+                    <m:oMathParaPr>
+                      <m:jc m:val="centerGroup"/>
+                    </m:oMathParaPr>
+                    <m:oMath xmlns:m="http://schemas.openxmlformats.org/officeDocument/2006/math">
+                      <m:r>
+                        <a:rPr lang="en-US" altLang="zh-CN" sz="1600" b="0" i="1" smtClean="0">
+                          <a:latin typeface="Cambria Math" panose="02040503050406030204" pitchFamily="18" charset="0"/>
+                          <a:cs typeface="Calibri"/>
+                        </a:rPr>
+                        <m:t>𝑃</m:t>
+                      </m:r>
+                      <m:d>
+                        <m:dPr>
+                          <m:ctrlPr>
+                            <a:rPr lang="en-US" altLang="zh-CN" sz="1600" b="0" i="1" smtClean="0">
+                              <a:latin typeface="Cambria Math" panose="02040503050406030204" pitchFamily="18" charset="0"/>
+                              <a:cs typeface="Calibri"/>
+                            </a:rPr>
+                          </m:ctrlPr>
+                        </m:dPr>
+                        <m:e>
+                          <m:sSub>
+                            <m:sSubPr>
+                              <m:ctrlPr>
+                                <a:rPr lang="en-US" altLang="zh-CN" sz="1600" b="0" i="1" smtClean="0">
+                                  <a:latin typeface="Cambria Math" panose="02040503050406030204" pitchFamily="18" charset="0"/>
+                                  <a:cs typeface="Calibri"/>
+                                </a:rPr>
+                              </m:ctrlPr>
+                            </m:sSubPr>
+                            <m:e>
+                              <m:r>
+                                <a:rPr lang="en-US" altLang="zh-CN" sz="1600" b="0" i="1" smtClean="0">
+                                  <a:latin typeface="Cambria Math" panose="02040503050406030204" pitchFamily="18" charset="0"/>
+                                  <a:cs typeface="Calibri"/>
+                                </a:rPr>
+                                <m:t>𝑥</m:t>
+                              </m:r>
+                            </m:e>
+                            <m:sub>
+                              <m:r>
+                                <a:rPr lang="en-US" altLang="zh-CN" sz="1600" b="0" i="1" smtClean="0">
+                                  <a:latin typeface="Cambria Math" panose="02040503050406030204" pitchFamily="18" charset="0"/>
+                                  <a:cs typeface="Calibri"/>
+                                </a:rPr>
+                                <m:t>1</m:t>
+                              </m:r>
+                            </m:sub>
+                          </m:sSub>
+                          <m:r>
+                            <a:rPr lang="en-US" altLang="zh-CN" sz="1600" b="0" i="1" smtClean="0">
+                              <a:latin typeface="Cambria Math" panose="02040503050406030204" pitchFamily="18" charset="0"/>
+                              <a:cs typeface="Calibri"/>
+                            </a:rPr>
+                            <m:t>,</m:t>
+                          </m:r>
+                          <m:sSub>
+                            <m:sSubPr>
+                              <m:ctrlPr>
+                                <a:rPr lang="en-US" altLang="zh-CN" sz="1600" b="0" i="1" smtClean="0">
+                                  <a:latin typeface="Cambria Math" panose="02040503050406030204" pitchFamily="18" charset="0"/>
+                                  <a:cs typeface="Calibri"/>
+                                </a:rPr>
+                              </m:ctrlPr>
+                            </m:sSubPr>
+                            <m:e>
+                              <m:r>
+                                <a:rPr lang="en-US" altLang="zh-CN" sz="1600" b="0" i="1" smtClean="0">
+                                  <a:latin typeface="Cambria Math" panose="02040503050406030204" pitchFamily="18" charset="0"/>
+                                  <a:cs typeface="Calibri"/>
+                                </a:rPr>
+                                <m:t>𝑥</m:t>
+                              </m:r>
+                            </m:e>
+                            <m:sub>
+                              <m:r>
+                                <a:rPr lang="en-US" altLang="zh-CN" sz="1600" b="0" i="1" smtClean="0">
+                                  <a:latin typeface="Cambria Math" panose="02040503050406030204" pitchFamily="18" charset="0"/>
+                                  <a:cs typeface="Calibri"/>
+                                </a:rPr>
+                                <m:t>2</m:t>
+                              </m:r>
+                            </m:sub>
+                          </m:sSub>
+                          <m:r>
+                            <a:rPr lang="en-US" altLang="zh-CN" sz="1600" b="0" i="1" smtClean="0">
+                              <a:latin typeface="Cambria Math" panose="02040503050406030204" pitchFamily="18" charset="0"/>
+                              <a:cs typeface="Calibri"/>
+                            </a:rPr>
+                            <m:t>,</m:t>
+                          </m:r>
+                          <m:sSub>
+                            <m:sSubPr>
+                              <m:ctrlPr>
+                                <a:rPr lang="en-US" altLang="zh-CN" sz="1600" b="0" i="1" smtClean="0">
+                                  <a:latin typeface="Cambria Math" panose="02040503050406030204" pitchFamily="18" charset="0"/>
+                                  <a:cs typeface="Calibri"/>
+                                </a:rPr>
+                              </m:ctrlPr>
+                            </m:sSubPr>
+                            <m:e>
+                              <m:r>
+                                <a:rPr lang="en-US" altLang="zh-CN" sz="1600" b="0" i="1" smtClean="0">
+                                  <a:latin typeface="Cambria Math" panose="02040503050406030204" pitchFamily="18" charset="0"/>
+                                  <a:cs typeface="Calibri"/>
+                                </a:rPr>
+                                <m:t>𝑥</m:t>
+                              </m:r>
+                            </m:e>
+                            <m:sub>
+                              <m:r>
+                                <a:rPr lang="en-US" altLang="zh-CN" sz="1600" b="0" i="1" smtClean="0">
+                                  <a:latin typeface="Cambria Math" panose="02040503050406030204" pitchFamily="18" charset="0"/>
+                                  <a:cs typeface="Calibri"/>
+                                </a:rPr>
+                                <m:t>3</m:t>
+                              </m:r>
+                            </m:sub>
+                          </m:sSub>
+                          <m:r>
+                            <a:rPr lang="en-US" altLang="zh-CN" sz="1600" b="0" i="1" smtClean="0">
+                              <a:latin typeface="Cambria Math" panose="02040503050406030204" pitchFamily="18" charset="0"/>
+                              <a:cs typeface="Calibri"/>
+                            </a:rPr>
+                            <m:t>,</m:t>
+                          </m:r>
+                          <m:sSub>
+                            <m:sSubPr>
+                              <m:ctrlPr>
+                                <a:rPr lang="en-US" altLang="zh-CN" sz="1600" b="0" i="1" smtClean="0">
+                                  <a:latin typeface="Cambria Math" panose="02040503050406030204" pitchFamily="18" charset="0"/>
+                                  <a:cs typeface="Calibri"/>
+                                </a:rPr>
+                              </m:ctrlPr>
+                            </m:sSubPr>
+                            <m:e>
+                              <m:r>
+                                <a:rPr lang="en-US" altLang="zh-CN" sz="1600" b="0" i="1" smtClean="0">
+                                  <a:latin typeface="Cambria Math" panose="02040503050406030204" pitchFamily="18" charset="0"/>
+                                  <a:cs typeface="Calibri"/>
+                                </a:rPr>
+                                <m:t>𝑥</m:t>
+                              </m:r>
+                            </m:e>
+                            <m:sub>
+                              <m:r>
+                                <a:rPr lang="en-US" altLang="zh-CN" sz="1600" b="0" i="1" smtClean="0">
+                                  <a:latin typeface="Cambria Math" panose="02040503050406030204" pitchFamily="18" charset="0"/>
+                                  <a:cs typeface="Calibri"/>
+                                </a:rPr>
+                                <m:t>4</m:t>
+                              </m:r>
+                            </m:sub>
+                          </m:sSub>
+                          <m:r>
+                            <a:rPr lang="en-US" altLang="zh-CN" sz="1600" b="0" i="1" smtClean="0">
+                              <a:latin typeface="Cambria Math" panose="02040503050406030204" pitchFamily="18" charset="0"/>
+                              <a:cs typeface="Calibri"/>
+                            </a:rPr>
+                            <m:t>,</m:t>
+                          </m:r>
+                          <m:sSub>
+                            <m:sSubPr>
+                              <m:ctrlPr>
+                                <a:rPr lang="en-US" altLang="zh-CN" sz="1600" b="0" i="1" smtClean="0">
+                                  <a:latin typeface="Cambria Math" panose="02040503050406030204" pitchFamily="18" charset="0"/>
+                                  <a:cs typeface="Calibri"/>
+                                </a:rPr>
+                              </m:ctrlPr>
+                            </m:sSubPr>
+                            <m:e>
+                              <m:r>
+                                <a:rPr lang="en-US" altLang="zh-CN" sz="1600" b="0" i="1" smtClean="0">
+                                  <a:latin typeface="Cambria Math" panose="02040503050406030204" pitchFamily="18" charset="0"/>
+                                  <a:cs typeface="Calibri"/>
+                                </a:rPr>
+                                <m:t>𝑥</m:t>
+                              </m:r>
+                            </m:e>
+                            <m:sub>
+                              <m:r>
+                                <a:rPr lang="en-US" altLang="zh-CN" sz="1600" b="0" i="1" smtClean="0">
+                                  <a:latin typeface="Cambria Math" panose="02040503050406030204" pitchFamily="18" charset="0"/>
+                                  <a:cs typeface="Calibri"/>
+                                </a:rPr>
+                                <m:t>5</m:t>
+                              </m:r>
+                            </m:sub>
+                          </m:sSub>
+                        </m:e>
+                      </m:d>
+                      <m:r>
+                        <a:rPr lang="en-US" altLang="zh-CN" sz="1600" b="0" i="1" smtClean="0">
+                          <a:latin typeface="Cambria Math" panose="02040503050406030204" pitchFamily="18" charset="0"/>
+                          <a:cs typeface="Calibri"/>
+                        </a:rPr>
+                        <m:t>=</m:t>
+                      </m:r>
+                      <m:r>
+                        <a:rPr lang="en-US" altLang="zh-CN" sz="1600" b="0" i="1" smtClean="0">
+                          <a:latin typeface="Cambria Math" panose="02040503050406030204" pitchFamily="18" charset="0"/>
+                          <a:cs typeface="Calibri"/>
+                        </a:rPr>
+                        <m:t>𝑃</m:t>
+                      </m:r>
+                      <m:d>
+                        <m:dPr>
+                          <m:ctrlPr>
+                            <a:rPr lang="en-US" altLang="zh-CN" sz="1600" b="0" i="1" smtClean="0">
+                              <a:latin typeface="Cambria Math" panose="02040503050406030204" pitchFamily="18" charset="0"/>
+                              <a:cs typeface="Calibri"/>
+                            </a:rPr>
+                          </m:ctrlPr>
+                        </m:dPr>
+                        <m:e>
+                          <m:sSub>
+                            <m:sSubPr>
+                              <m:ctrlPr>
+                                <a:rPr lang="en-US" altLang="zh-CN" sz="1600" b="0" i="1" smtClean="0">
+                                  <a:latin typeface="Cambria Math" panose="02040503050406030204" pitchFamily="18" charset="0"/>
+                                  <a:cs typeface="Calibri"/>
+                                </a:rPr>
+                              </m:ctrlPr>
+                            </m:sSubPr>
+                            <m:e>
+                              <m:r>
+                                <a:rPr lang="en-US" altLang="zh-CN" sz="1600" b="0" i="1" smtClean="0">
+                                  <a:latin typeface="Cambria Math" panose="02040503050406030204" pitchFamily="18" charset="0"/>
+                                  <a:cs typeface="Calibri"/>
+                                </a:rPr>
+                                <m:t>𝑥</m:t>
+                              </m:r>
+                            </m:e>
+                            <m:sub>
+                              <m:r>
+                                <a:rPr lang="en-US" altLang="zh-CN" sz="1600" b="0" i="1" smtClean="0">
+                                  <a:latin typeface="Cambria Math" panose="02040503050406030204" pitchFamily="18" charset="0"/>
+                                  <a:cs typeface="Calibri"/>
+                                </a:rPr>
+                                <m:t>1</m:t>
+                              </m:r>
+                            </m:sub>
+                          </m:sSub>
+                        </m:e>
+                      </m:d>
+                      <m:r>
+                        <a:rPr lang="en-US" altLang="zh-CN" sz="1600" b="0" i="1" smtClean="0">
+                          <a:latin typeface="Cambria Math" panose="02040503050406030204" pitchFamily="18" charset="0"/>
+                          <a:cs typeface="Calibri"/>
+                        </a:rPr>
+                        <m:t>𝑃</m:t>
+                      </m:r>
+                      <m:d>
+                        <m:dPr>
+                          <m:ctrlPr>
+                            <a:rPr lang="en-US" altLang="zh-CN" sz="1600" b="0" i="1" smtClean="0">
+                              <a:latin typeface="Cambria Math" panose="02040503050406030204" pitchFamily="18" charset="0"/>
+                              <a:cs typeface="Calibri"/>
+                            </a:rPr>
+                          </m:ctrlPr>
+                        </m:dPr>
+                        <m:e>
+                          <m:sSub>
+                            <m:sSubPr>
+                              <m:ctrlPr>
+                                <a:rPr lang="en-US" altLang="zh-CN" sz="1600" b="0" i="1" smtClean="0">
+                                  <a:latin typeface="Cambria Math" panose="02040503050406030204" pitchFamily="18" charset="0"/>
+                                  <a:cs typeface="Calibri"/>
+                                </a:rPr>
+                              </m:ctrlPr>
+                            </m:sSubPr>
+                            <m:e>
+                              <m:r>
+                                <a:rPr lang="en-US" altLang="zh-CN" sz="1600" b="0" i="1" smtClean="0">
+                                  <a:latin typeface="Cambria Math" panose="02040503050406030204" pitchFamily="18" charset="0"/>
+                                  <a:cs typeface="Calibri"/>
+                                </a:rPr>
+                                <m:t>𝑥</m:t>
+                              </m:r>
+                            </m:e>
+                            <m:sub>
+                              <m:r>
+                                <a:rPr lang="en-US" altLang="zh-CN" sz="1600" b="0" i="1" smtClean="0">
+                                  <a:latin typeface="Cambria Math" panose="02040503050406030204" pitchFamily="18" charset="0"/>
+                                  <a:cs typeface="Calibri"/>
+                                </a:rPr>
+                                <m:t>2</m:t>
+                              </m:r>
+                            </m:sub>
+                          </m:sSub>
+                        </m:e>
+                      </m:d>
+                      <m:r>
+                        <a:rPr lang="en-US" altLang="zh-CN" sz="1600" b="0" i="1" smtClean="0">
+                          <a:latin typeface="Cambria Math" panose="02040503050406030204" pitchFamily="18" charset="0"/>
+                          <a:cs typeface="Calibri"/>
+                        </a:rPr>
+                        <m:t>𝑃</m:t>
+                      </m:r>
+                      <m:d>
+                        <m:dPr>
+                          <m:ctrlPr>
+                            <a:rPr lang="en-US" altLang="zh-CN" sz="1600" b="0" i="1" smtClean="0">
+                              <a:latin typeface="Cambria Math" panose="02040503050406030204" pitchFamily="18" charset="0"/>
+                              <a:cs typeface="Calibri"/>
+                            </a:rPr>
+                          </m:ctrlPr>
+                        </m:dPr>
+                        <m:e>
+                          <m:sSub>
+                            <m:sSubPr>
+                              <m:ctrlPr>
+                                <a:rPr lang="en-US" altLang="zh-CN" sz="1600" b="0" i="1" smtClean="0">
+                                  <a:latin typeface="Cambria Math" panose="02040503050406030204" pitchFamily="18" charset="0"/>
+                                  <a:cs typeface="Calibri"/>
+                                </a:rPr>
+                              </m:ctrlPr>
+                            </m:sSubPr>
+                            <m:e>
+                              <m:r>
+                                <a:rPr lang="en-US" altLang="zh-CN" sz="1600" b="0" i="1" smtClean="0">
+                                  <a:latin typeface="Cambria Math" panose="02040503050406030204" pitchFamily="18" charset="0"/>
+                                  <a:cs typeface="Calibri"/>
+                                </a:rPr>
+                                <m:t>𝑥</m:t>
+                              </m:r>
+                            </m:e>
+                            <m:sub>
+                              <m:r>
+                                <a:rPr lang="en-US" altLang="zh-CN" sz="1600" b="0" i="1" smtClean="0">
+                                  <a:latin typeface="Cambria Math" panose="02040503050406030204" pitchFamily="18" charset="0"/>
+                                  <a:cs typeface="Calibri"/>
+                                </a:rPr>
+                                <m:t>3</m:t>
+                              </m:r>
+                            </m:sub>
+                          </m:sSub>
+                        </m:e>
+                        <m:e>
+                          <m:sSub>
+                            <m:sSubPr>
+                              <m:ctrlPr>
+                                <a:rPr lang="en-US" altLang="zh-CN" sz="1600" b="0" i="1" smtClean="0">
+                                  <a:latin typeface="Cambria Math" panose="02040503050406030204" pitchFamily="18" charset="0"/>
+                                  <a:cs typeface="Calibri"/>
+                                </a:rPr>
+                              </m:ctrlPr>
+                            </m:sSubPr>
+                            <m:e>
+                              <m:r>
+                                <a:rPr lang="en-US" altLang="zh-CN" sz="1600" b="0" i="1" smtClean="0">
+                                  <a:latin typeface="Cambria Math" panose="02040503050406030204" pitchFamily="18" charset="0"/>
+                                  <a:cs typeface="Calibri"/>
+                                </a:rPr>
+                                <m:t>𝑥</m:t>
+                              </m:r>
+                            </m:e>
+                            <m:sub>
+                              <m:r>
+                                <a:rPr lang="en-US" altLang="zh-CN" sz="1600" b="0" i="1" smtClean="0">
+                                  <a:latin typeface="Cambria Math" panose="02040503050406030204" pitchFamily="18" charset="0"/>
+                                  <a:cs typeface="Calibri"/>
+                                </a:rPr>
+                                <m:t>1</m:t>
+                              </m:r>
+                            </m:sub>
+                          </m:sSub>
+                        </m:e>
+                      </m:d>
+                      <m:r>
+                        <a:rPr lang="en-US" altLang="zh-CN" sz="1600" b="0" i="1" smtClean="0">
+                          <a:latin typeface="Cambria Math" panose="02040503050406030204" pitchFamily="18" charset="0"/>
+                          <a:cs typeface="Calibri"/>
+                        </a:rPr>
+                        <m:t>𝑃</m:t>
+                      </m:r>
+                      <m:d>
+                        <m:dPr>
+                          <m:ctrlPr>
+                            <a:rPr lang="en-US" altLang="zh-CN" sz="1600" b="0" i="1" smtClean="0">
+                              <a:latin typeface="Cambria Math" panose="02040503050406030204" pitchFamily="18" charset="0"/>
+                              <a:cs typeface="Calibri"/>
+                            </a:rPr>
+                          </m:ctrlPr>
+                        </m:dPr>
+                        <m:e>
+                          <m:sSub>
+                            <m:sSubPr>
+                              <m:ctrlPr>
+                                <a:rPr lang="en-US" altLang="zh-CN" sz="1600" b="0" i="1" smtClean="0">
+                                  <a:latin typeface="Cambria Math" panose="02040503050406030204" pitchFamily="18" charset="0"/>
+                                  <a:cs typeface="Calibri"/>
+                                </a:rPr>
+                              </m:ctrlPr>
+                            </m:sSubPr>
+                            <m:e>
+                              <m:r>
+                                <a:rPr lang="en-US" altLang="zh-CN" sz="1600" b="0" i="1" smtClean="0">
+                                  <a:latin typeface="Cambria Math" panose="02040503050406030204" pitchFamily="18" charset="0"/>
+                                  <a:cs typeface="Calibri"/>
+                                </a:rPr>
+                                <m:t>𝑥</m:t>
+                              </m:r>
+                            </m:e>
+                            <m:sub>
+                              <m:r>
+                                <a:rPr lang="en-US" altLang="zh-CN" sz="1600" b="0" i="1" smtClean="0">
+                                  <a:latin typeface="Cambria Math" panose="02040503050406030204" pitchFamily="18" charset="0"/>
+                                  <a:cs typeface="Calibri"/>
+                                </a:rPr>
+                                <m:t>4</m:t>
+                              </m:r>
+                            </m:sub>
+                          </m:sSub>
+                        </m:e>
+                        <m:e>
+                          <m:sSub>
+                            <m:sSubPr>
+                              <m:ctrlPr>
+                                <a:rPr lang="en-US" altLang="zh-CN" sz="1600" b="0" i="1" smtClean="0">
+                                  <a:latin typeface="Cambria Math" panose="02040503050406030204" pitchFamily="18" charset="0"/>
+                                  <a:cs typeface="Calibri"/>
+                                </a:rPr>
+                              </m:ctrlPr>
+                            </m:sSubPr>
+                            <m:e>
+                              <m:r>
+                                <a:rPr lang="en-US" altLang="zh-CN" sz="1600" b="0" i="1" smtClean="0">
+                                  <a:latin typeface="Cambria Math" panose="02040503050406030204" pitchFamily="18" charset="0"/>
+                                  <a:cs typeface="Calibri"/>
+                                </a:rPr>
+                                <m:t>𝑥</m:t>
+                              </m:r>
+                            </m:e>
+                            <m:sub>
+                              <m:r>
+                                <a:rPr lang="en-US" altLang="zh-CN" sz="1600" b="0" i="1" smtClean="0">
+                                  <a:latin typeface="Cambria Math" panose="02040503050406030204" pitchFamily="18" charset="0"/>
+                                  <a:cs typeface="Calibri"/>
+                                </a:rPr>
+                                <m:t>1</m:t>
+                              </m:r>
+                            </m:sub>
+                          </m:sSub>
+                          <m:r>
+                            <a:rPr lang="en-US" altLang="zh-CN" sz="1600" b="0" i="1" smtClean="0">
+                              <a:latin typeface="Cambria Math" panose="02040503050406030204" pitchFamily="18" charset="0"/>
+                              <a:cs typeface="Calibri"/>
+                            </a:rPr>
+                            <m:t>,</m:t>
+                          </m:r>
+                          <m:sSub>
+                            <m:sSubPr>
+                              <m:ctrlPr>
+                                <a:rPr lang="en-US" altLang="zh-CN" sz="1600" b="0" i="1" smtClean="0">
+                                  <a:latin typeface="Cambria Math" panose="02040503050406030204" pitchFamily="18" charset="0"/>
+                                  <a:cs typeface="Calibri"/>
+                                </a:rPr>
+                              </m:ctrlPr>
+                            </m:sSubPr>
+                            <m:e>
+                              <m:r>
+                                <a:rPr lang="en-US" altLang="zh-CN" sz="1600" b="0" i="1" smtClean="0">
+                                  <a:latin typeface="Cambria Math" panose="02040503050406030204" pitchFamily="18" charset="0"/>
+                                  <a:cs typeface="Calibri"/>
+                                </a:rPr>
+                                <m:t>𝑥</m:t>
+                              </m:r>
+                            </m:e>
+                            <m:sub>
+                              <m:r>
+                                <a:rPr lang="en-US" altLang="zh-CN" sz="1600" b="0" i="1" smtClean="0">
+                                  <a:latin typeface="Cambria Math" panose="02040503050406030204" pitchFamily="18" charset="0"/>
+                                  <a:cs typeface="Calibri"/>
+                                </a:rPr>
+                                <m:t>2</m:t>
+                              </m:r>
+                            </m:sub>
+                          </m:sSub>
+                        </m:e>
+                      </m:d>
+                      <m:r>
+                        <a:rPr lang="en-US" altLang="zh-CN" sz="1600" b="0" i="1" smtClean="0">
+                          <a:latin typeface="Cambria Math" panose="02040503050406030204" pitchFamily="18" charset="0"/>
+                          <a:cs typeface="Calibri"/>
+                        </a:rPr>
+                        <m:t>𝑃</m:t>
+                      </m:r>
+                      <m:r>
+                        <a:rPr lang="en-US" altLang="zh-CN" sz="1600" b="0" i="1" smtClean="0">
+                          <a:latin typeface="Cambria Math" panose="02040503050406030204" pitchFamily="18" charset="0"/>
+                          <a:cs typeface="Calibri"/>
+                        </a:rPr>
+                        <m:t>(</m:t>
+                      </m:r>
+                      <m:sSub>
+                        <m:sSubPr>
+                          <m:ctrlPr>
+                            <a:rPr lang="en-US" altLang="zh-CN" sz="1600" b="0" i="1" smtClean="0">
+                              <a:latin typeface="Cambria Math" panose="02040503050406030204" pitchFamily="18" charset="0"/>
+                              <a:cs typeface="Calibri"/>
+                            </a:rPr>
+                          </m:ctrlPr>
+                        </m:sSubPr>
+                        <m:e>
+                          <m:r>
+                            <a:rPr lang="en-US" altLang="zh-CN" sz="1600" b="0" i="1" smtClean="0">
+                              <a:latin typeface="Cambria Math" panose="02040503050406030204" pitchFamily="18" charset="0"/>
+                              <a:cs typeface="Calibri"/>
+                            </a:rPr>
+                            <m:t>𝑥</m:t>
+                          </m:r>
+                        </m:e>
+                        <m:sub>
+                          <m:r>
+                            <a:rPr lang="en-US" altLang="zh-CN" sz="1600" b="0" i="1" smtClean="0">
+                              <a:latin typeface="Cambria Math" panose="02040503050406030204" pitchFamily="18" charset="0"/>
+                              <a:cs typeface="Calibri"/>
+                            </a:rPr>
+                            <m:t>5</m:t>
+                          </m:r>
+                        </m:sub>
+                      </m:sSub>
+                      <m:r>
+                        <a:rPr lang="en-US" altLang="zh-CN" sz="1600" b="0" i="1" smtClean="0">
+                          <a:latin typeface="Cambria Math" panose="02040503050406030204" pitchFamily="18" charset="0"/>
+                          <a:cs typeface="Calibri"/>
+                        </a:rPr>
+                        <m:t>|</m:t>
+                      </m:r>
+                      <m:sSub>
+                        <m:sSubPr>
+                          <m:ctrlPr>
+                            <a:rPr lang="en-US" altLang="zh-CN" sz="1600" b="0" i="1" smtClean="0">
+                              <a:latin typeface="Cambria Math" panose="02040503050406030204" pitchFamily="18" charset="0"/>
+                              <a:cs typeface="Calibri"/>
+                            </a:rPr>
+                          </m:ctrlPr>
+                        </m:sSubPr>
+                        <m:e>
+                          <m:r>
+                            <a:rPr lang="en-US" altLang="zh-CN" sz="1600" b="0" i="1" smtClean="0">
+                              <a:latin typeface="Cambria Math" panose="02040503050406030204" pitchFamily="18" charset="0"/>
+                              <a:cs typeface="Calibri"/>
+                            </a:rPr>
+                            <m:t>𝑥</m:t>
+                          </m:r>
+                        </m:e>
+                        <m:sub>
+                          <m:r>
+                            <a:rPr lang="en-US" altLang="zh-CN" sz="1600" b="0" i="1" smtClean="0">
+                              <a:latin typeface="Cambria Math" panose="02040503050406030204" pitchFamily="18" charset="0"/>
+                              <a:cs typeface="Calibri"/>
+                            </a:rPr>
+                            <m:t>2</m:t>
+                          </m:r>
+                        </m:sub>
+                      </m:sSub>
+                      <m:r>
+                        <a:rPr lang="en-US" altLang="zh-CN" sz="1600" b="0" i="1" smtClean="0">
+                          <a:latin typeface="Cambria Math" panose="02040503050406030204" pitchFamily="18" charset="0"/>
+                          <a:cs typeface="Calibri"/>
+                        </a:rPr>
+                        <m:t>)</m:t>
+                      </m:r>
+                    </m:oMath>
+                  </m:oMathPara>
+                </a14:m>
+                <a:endParaRPr lang="en-US" altLang="zh-CN" sz="1600" dirty="0" smtClean="0">
+                  <a:latin typeface="Calibri"/>
+                  <a:cs typeface="Calibri"/>
+                </a:endParaRPr>
+              </a:p>
+              <a:p>
+                <a:r>
+                  <a:rPr lang="en-US" altLang="zh-CN" sz="1600" dirty="0">
+                    <a:latin typeface="Calibri"/>
+                    <a:cs typeface="Calibri"/>
+                  </a:rPr>
+                  <a:t>In the </a:t>
+                </a:r>
+                <a:r>
+                  <a:rPr lang="en-US" altLang="zh-CN" sz="1600" dirty="0" smtClean="0">
+                    <a:latin typeface="Calibri"/>
+                    <a:cs typeface="Calibri"/>
+                  </a:rPr>
+                  <a:t>diagram </a:t>
+                </a:r>
+                <a:r>
+                  <a:rPr lang="en-US" altLang="zh-CN" sz="1600" dirty="0">
+                    <a:latin typeface="Calibri"/>
+                    <a:cs typeface="Calibri"/>
+                  </a:rPr>
+                  <a:t>on the right, x3 and x4 are independent when x1 is given. x4 and x5 are independent when x2 is given. They are denoted as </a:t>
+                </a:r>
+                <a:r>
+                  <a:rPr lang="en-US" altLang="zh-CN" sz="1600" dirty="0" smtClean="0">
+                    <a:latin typeface="Calibri"/>
+                    <a:cs typeface="Calibri"/>
+                  </a:rPr>
+                  <a:t>X3⊥X4|X1 </a:t>
+                </a:r>
+                <a:r>
+                  <a:rPr lang="en-US" altLang="zh-CN" sz="1600" dirty="0">
+                    <a:latin typeface="Calibri"/>
+                    <a:cs typeface="Calibri"/>
+                  </a:rPr>
+                  <a:t>and </a:t>
+                </a:r>
+                <a:r>
+                  <a:rPr lang="en-US" altLang="zh-CN" sz="1600" dirty="0" smtClean="0">
+                    <a:latin typeface="Calibri"/>
+                    <a:cs typeface="Calibri"/>
+                  </a:rPr>
+                  <a:t>X4⊥X5|X2</a:t>
+                </a:r>
+                <a:r>
+                  <a:rPr lang="en-US" altLang="zh-CN" sz="1600" dirty="0">
+                    <a:latin typeface="Calibri"/>
+                    <a:cs typeface="Calibri"/>
+                  </a:rPr>
+                  <a:t>, respectively.</a:t>
+                </a:r>
+                <a:endParaRPr lang="zh-CN" altLang="en-US" sz="1600" dirty="0" err="1" smtClean="0">
+                  <a:latin typeface="Calibri"/>
+                  <a:cs typeface="Calibri"/>
+                </a:endParaRPr>
+              </a:p>
+            </p:txBody>
+          </p:sp>
+        </mc:Choice>
+        <mc:Fallback>
+          <p:sp>
+            <p:nvSpPr>
+              <p:cNvPr id="20" name="文本框 19"/>
+              <p:cNvSpPr txBox="1">
+                <a:spLocks noRot="1" noChangeAspect="1" noMove="1" noResize="1" noEditPoints="1" noAdjustHandles="1" noChangeArrowheads="1" noChangeShapeType="1" noTextEdit="1"/>
+              </p:cNvSpPr>
+              <p:nvPr/>
+            </p:nvSpPr>
+            <p:spPr>
+              <a:xfrm>
+                <a:off x="57686" y="3580153"/>
+                <a:ext cx="5815735" cy="1323439"/>
+              </a:xfrm>
+              <a:prstGeom prst="rect">
+                <a:avLst/>
+              </a:prstGeom>
+              <a:blipFill>
+                <a:blip r:embed="rId5"/>
+                <a:stretch>
+                  <a:fillRect l="-524" t="-1382" b="-5069"/>
+                </a:stretch>
+              </a:blipFill>
+            </p:spPr>
+            <p:txBody>
+              <a:bodyPr/>
+              <a:lstStyle/>
+              <a:p>
+                <a:r>
+                  <a:rPr lang="zh-CN" altLang="en-US">
+                    <a:noFill/>
+                  </a:rPr>
+                  <a:t> </a:t>
+                </a:r>
+              </a:p>
+            </p:txBody>
+          </p:sp>
+        </mc:Fallback>
+      </mc:AlternateContent>
     </p:spTree>
     <p:extLst>
       <p:ext uri="{BB962C8B-B14F-4D97-AF65-F5344CB8AC3E}">
@@ -21154,12 +24300,1490 @@
           <a:p>
             <a:r>
               <a:rPr lang="en-US" altLang="zh-CN" sz="3600" b="1" kern="0" dirty="0" smtClean="0"/>
-              <a:t>Course Textbook</a:t>
+              <a:t>Structure</a:t>
             </a:r>
             <a:endParaRPr lang="zh-CN" altLang="en-US" sz="3600" b="1" kern="0" dirty="0"/>
           </a:p>
         </p:txBody>
       </p:sp>
+      <p:sp>
+        <p:nvSpPr>
+          <p:cNvPr id="2" name="矩形 1"/>
+          <p:cNvSpPr/>
+          <p:nvPr/>
+        </p:nvSpPr>
+        <p:spPr>
+          <a:xfrm>
+            <a:off x="0" y="590550"/>
+            <a:ext cx="6477000" cy="369332"/>
+          </a:xfrm>
+          <a:prstGeom prst="rect">
+            <a:avLst/>
+          </a:prstGeom>
+        </p:spPr>
+        <p:txBody>
+          <a:bodyPr wrap="square">
+            <a:spAutoFit/>
+          </a:bodyPr>
+          <a:lstStyle/>
+          <a:p>
+            <a:r>
+              <a:rPr lang="zh-CN" altLang="en-US" dirty="0">
+                <a:solidFill>
+                  <a:srgbClr val="0070C0"/>
+                </a:solidFill>
+                <a:latin typeface="Calibri" panose="020F0502020204030204" pitchFamily="34" charset="0"/>
+                <a:cs typeface="Calibri" panose="020F0502020204030204" pitchFamily="34" charset="0"/>
+              </a:rPr>
+              <a:t>Three Typical Relationships among Variables in Bayesian Networks</a:t>
+            </a:r>
+          </a:p>
+        </p:txBody>
+      </p:sp>
+      <p:grpSp>
+        <p:nvGrpSpPr>
+          <p:cNvPr id="4" name="组合 3"/>
+          <p:cNvGrpSpPr/>
+          <p:nvPr/>
+        </p:nvGrpSpPr>
+        <p:grpSpPr>
+          <a:xfrm>
+            <a:off x="152400" y="1352550"/>
+            <a:ext cx="1937004" cy="914400"/>
+            <a:chOff x="1054608" y="3790950"/>
+            <a:chExt cx="1937004" cy="914400"/>
+          </a:xfrm>
+        </p:grpSpPr>
+        <p:sp>
+          <p:nvSpPr>
+            <p:cNvPr id="5" name="椭圆 4"/>
+            <p:cNvSpPr/>
+            <p:nvPr/>
+          </p:nvSpPr>
+          <p:spPr>
+            <a:xfrm>
+              <a:off x="1740408" y="3790950"/>
+              <a:ext cx="685800" cy="304800"/>
+            </a:xfrm>
+            <a:prstGeom prst="ellipse">
+              <a:avLst/>
+            </a:prstGeom>
+          </p:spPr>
+          <p:style>
+            <a:lnRef idx="2">
+              <a:schemeClr val="accent1">
+                <a:shade val="50000"/>
+              </a:schemeClr>
+            </a:lnRef>
+            <a:fillRef idx="1">
+              <a:schemeClr val="accent1"/>
+            </a:fillRef>
+            <a:effectRef idx="0">
+              <a:schemeClr val="accent1"/>
+            </a:effectRef>
+            <a:fontRef idx="minor">
+              <a:schemeClr val="lt1"/>
+            </a:fontRef>
+          </p:style>
+          <p:txBody>
+            <a:bodyPr rtlCol="0" anchor="ctr"/>
+            <a:lstStyle/>
+            <a:p>
+              <a:pPr algn="ctr"/>
+              <a:r>
+                <a:rPr lang="en-US" altLang="zh-CN" dirty="0" smtClean="0">
+                  <a:solidFill>
+                    <a:sysClr val="windowText" lastClr="000000"/>
+                  </a:solidFill>
+                </a:rPr>
+                <a:t>X1</a:t>
+              </a:r>
+              <a:endParaRPr lang="zh-CN" altLang="en-US" dirty="0">
+                <a:solidFill>
+                  <a:sysClr val="windowText" lastClr="000000"/>
+                </a:solidFill>
+              </a:endParaRPr>
+            </a:p>
+          </p:txBody>
+        </p:sp>
+        <p:sp>
+          <p:nvSpPr>
+            <p:cNvPr id="6" name="椭圆 5"/>
+            <p:cNvSpPr/>
+            <p:nvPr/>
+          </p:nvSpPr>
+          <p:spPr>
+            <a:xfrm>
+              <a:off x="1054608" y="4372356"/>
+              <a:ext cx="685800" cy="304800"/>
+            </a:xfrm>
+            <a:prstGeom prst="ellipse">
+              <a:avLst/>
+            </a:prstGeom>
+          </p:spPr>
+          <p:style>
+            <a:lnRef idx="2">
+              <a:schemeClr val="accent1">
+                <a:shade val="50000"/>
+              </a:schemeClr>
+            </a:lnRef>
+            <a:fillRef idx="1">
+              <a:schemeClr val="accent1"/>
+            </a:fillRef>
+            <a:effectRef idx="0">
+              <a:schemeClr val="accent1"/>
+            </a:effectRef>
+            <a:fontRef idx="minor">
+              <a:schemeClr val="lt1"/>
+            </a:fontRef>
+          </p:style>
+          <p:txBody>
+            <a:bodyPr rtlCol="0" anchor="ctr"/>
+            <a:lstStyle/>
+            <a:p>
+              <a:pPr algn="ctr"/>
+              <a:r>
+                <a:rPr lang="en-US" altLang="zh-CN" dirty="0" smtClean="0">
+                  <a:solidFill>
+                    <a:sysClr val="windowText" lastClr="000000"/>
+                  </a:solidFill>
+                </a:rPr>
+                <a:t>X3</a:t>
+              </a:r>
+              <a:endParaRPr lang="zh-CN" altLang="en-US" dirty="0">
+                <a:solidFill>
+                  <a:sysClr val="windowText" lastClr="000000"/>
+                </a:solidFill>
+              </a:endParaRPr>
+            </a:p>
+          </p:txBody>
+        </p:sp>
+        <p:sp>
+          <p:nvSpPr>
+            <p:cNvPr id="8" name="椭圆 7"/>
+            <p:cNvSpPr/>
+            <p:nvPr/>
+          </p:nvSpPr>
+          <p:spPr>
+            <a:xfrm>
+              <a:off x="2305812" y="4400550"/>
+              <a:ext cx="685800" cy="304800"/>
+            </a:xfrm>
+            <a:prstGeom prst="ellipse">
+              <a:avLst/>
+            </a:prstGeom>
+          </p:spPr>
+          <p:style>
+            <a:lnRef idx="2">
+              <a:schemeClr val="accent1">
+                <a:shade val="50000"/>
+              </a:schemeClr>
+            </a:lnRef>
+            <a:fillRef idx="1">
+              <a:schemeClr val="accent1"/>
+            </a:fillRef>
+            <a:effectRef idx="0">
+              <a:schemeClr val="accent1"/>
+            </a:effectRef>
+            <a:fontRef idx="minor">
+              <a:schemeClr val="lt1"/>
+            </a:fontRef>
+          </p:style>
+          <p:txBody>
+            <a:bodyPr rtlCol="0" anchor="ctr"/>
+            <a:lstStyle/>
+            <a:p>
+              <a:pPr algn="ctr"/>
+              <a:r>
+                <a:rPr lang="en-US" altLang="zh-CN" dirty="0" smtClean="0">
+                  <a:solidFill>
+                    <a:sysClr val="windowText" lastClr="000000"/>
+                  </a:solidFill>
+                </a:rPr>
+                <a:t>X4</a:t>
+              </a:r>
+              <a:endParaRPr lang="zh-CN" altLang="en-US" dirty="0">
+                <a:solidFill>
+                  <a:sysClr val="windowText" lastClr="000000"/>
+                </a:solidFill>
+              </a:endParaRPr>
+            </a:p>
+          </p:txBody>
+        </p:sp>
+        <p:cxnSp>
+          <p:nvCxnSpPr>
+            <p:cNvPr id="10" name="直接箭头连接符 9"/>
+            <p:cNvCxnSpPr>
+              <a:stCxn id="5" idx="3"/>
+              <a:endCxn id="6" idx="0"/>
+            </p:cNvCxnSpPr>
+            <p:nvPr/>
+          </p:nvCxnSpPr>
+          <p:spPr>
+            <a:xfrm flipH="1">
+              <a:off x="1397508" y="4051113"/>
+              <a:ext cx="443333" cy="321243"/>
+            </a:xfrm>
+            <a:prstGeom prst="straightConnector1">
+              <a:avLst/>
+            </a:prstGeom>
+            <a:ln>
+              <a:solidFill>
+                <a:schemeClr val="tx1">
+                  <a:lumMod val="95000"/>
+                  <a:lumOff val="5000"/>
+                </a:schemeClr>
+              </a:solidFill>
+              <a:tailEnd type="triangle"/>
+            </a:ln>
+          </p:spPr>
+          <p:style>
+            <a:lnRef idx="1">
+              <a:schemeClr val="accent1"/>
+            </a:lnRef>
+            <a:fillRef idx="0">
+              <a:schemeClr val="accent1"/>
+            </a:fillRef>
+            <a:effectRef idx="0">
+              <a:schemeClr val="accent1"/>
+            </a:effectRef>
+            <a:fontRef idx="minor">
+              <a:schemeClr val="tx1"/>
+            </a:fontRef>
+          </p:style>
+        </p:cxnSp>
+        <p:cxnSp>
+          <p:nvCxnSpPr>
+            <p:cNvPr id="11" name="直接箭头连接符 10"/>
+            <p:cNvCxnSpPr>
+              <a:stCxn id="5" idx="5"/>
+              <a:endCxn id="8" idx="0"/>
+            </p:cNvCxnSpPr>
+            <p:nvPr/>
+          </p:nvCxnSpPr>
+          <p:spPr>
+            <a:xfrm>
+              <a:off x="2325775" y="4051113"/>
+              <a:ext cx="322937" cy="349437"/>
+            </a:xfrm>
+            <a:prstGeom prst="straightConnector1">
+              <a:avLst/>
+            </a:prstGeom>
+            <a:ln>
+              <a:solidFill>
+                <a:schemeClr val="tx1">
+                  <a:lumMod val="95000"/>
+                  <a:lumOff val="5000"/>
+                </a:schemeClr>
+              </a:solidFill>
+              <a:tailEnd type="triangle"/>
+            </a:ln>
+          </p:spPr>
+          <p:style>
+            <a:lnRef idx="1">
+              <a:schemeClr val="accent1"/>
+            </a:lnRef>
+            <a:fillRef idx="0">
+              <a:schemeClr val="accent1"/>
+            </a:fillRef>
+            <a:effectRef idx="0">
+              <a:schemeClr val="accent1"/>
+            </a:effectRef>
+            <a:fontRef idx="minor">
+              <a:schemeClr val="tx1"/>
+            </a:fontRef>
+          </p:style>
+        </p:cxnSp>
+      </p:grpSp>
+      <p:grpSp>
+        <p:nvGrpSpPr>
+          <p:cNvPr id="23" name="组合 22"/>
+          <p:cNvGrpSpPr/>
+          <p:nvPr/>
+        </p:nvGrpSpPr>
+        <p:grpSpPr>
+          <a:xfrm>
+            <a:off x="2895600" y="1352550"/>
+            <a:ext cx="1937004" cy="914400"/>
+            <a:chOff x="1740408" y="3790950"/>
+            <a:chExt cx="1937004" cy="914400"/>
+          </a:xfrm>
+        </p:grpSpPr>
+        <p:sp>
+          <p:nvSpPr>
+            <p:cNvPr id="24" name="椭圆 23"/>
+            <p:cNvSpPr/>
+            <p:nvPr/>
+          </p:nvSpPr>
+          <p:spPr>
+            <a:xfrm>
+              <a:off x="1740408" y="3790950"/>
+              <a:ext cx="685800" cy="304800"/>
+            </a:xfrm>
+            <a:prstGeom prst="ellipse">
+              <a:avLst/>
+            </a:prstGeom>
+          </p:spPr>
+          <p:style>
+            <a:lnRef idx="2">
+              <a:schemeClr val="accent1">
+                <a:shade val="50000"/>
+              </a:schemeClr>
+            </a:lnRef>
+            <a:fillRef idx="1">
+              <a:schemeClr val="accent1"/>
+            </a:fillRef>
+            <a:effectRef idx="0">
+              <a:schemeClr val="accent1"/>
+            </a:effectRef>
+            <a:fontRef idx="minor">
+              <a:schemeClr val="lt1"/>
+            </a:fontRef>
+          </p:style>
+          <p:txBody>
+            <a:bodyPr rtlCol="0" anchor="ctr"/>
+            <a:lstStyle/>
+            <a:p>
+              <a:pPr algn="ctr"/>
+              <a:r>
+                <a:rPr lang="en-US" altLang="zh-CN" dirty="0" smtClean="0">
+                  <a:solidFill>
+                    <a:sysClr val="windowText" lastClr="000000"/>
+                  </a:solidFill>
+                </a:rPr>
+                <a:t>X1</a:t>
+              </a:r>
+              <a:endParaRPr lang="zh-CN" altLang="en-US" dirty="0">
+                <a:solidFill>
+                  <a:sysClr val="windowText" lastClr="000000"/>
+                </a:solidFill>
+              </a:endParaRPr>
+            </a:p>
+          </p:txBody>
+        </p:sp>
+        <p:sp>
+          <p:nvSpPr>
+            <p:cNvPr id="26" name="椭圆 25"/>
+            <p:cNvSpPr/>
+            <p:nvPr/>
+          </p:nvSpPr>
+          <p:spPr>
+            <a:xfrm>
+              <a:off x="2991612" y="3790950"/>
+              <a:ext cx="685800" cy="304800"/>
+            </a:xfrm>
+            <a:prstGeom prst="ellipse">
+              <a:avLst/>
+            </a:prstGeom>
+          </p:spPr>
+          <p:style>
+            <a:lnRef idx="2">
+              <a:schemeClr val="accent1">
+                <a:shade val="50000"/>
+              </a:schemeClr>
+            </a:lnRef>
+            <a:fillRef idx="1">
+              <a:schemeClr val="accent1"/>
+            </a:fillRef>
+            <a:effectRef idx="0">
+              <a:schemeClr val="accent1"/>
+            </a:effectRef>
+            <a:fontRef idx="minor">
+              <a:schemeClr val="lt1"/>
+            </a:fontRef>
+          </p:style>
+          <p:txBody>
+            <a:bodyPr rtlCol="0" anchor="ctr"/>
+            <a:lstStyle/>
+            <a:p>
+              <a:pPr algn="ctr"/>
+              <a:r>
+                <a:rPr lang="en-US" altLang="zh-CN" dirty="0" smtClean="0">
+                  <a:solidFill>
+                    <a:sysClr val="windowText" lastClr="000000"/>
+                  </a:solidFill>
+                </a:rPr>
+                <a:t>X2</a:t>
+              </a:r>
+              <a:endParaRPr lang="zh-CN" altLang="en-US" dirty="0">
+                <a:solidFill>
+                  <a:sysClr val="windowText" lastClr="000000"/>
+                </a:solidFill>
+              </a:endParaRPr>
+            </a:p>
+          </p:txBody>
+        </p:sp>
+        <p:sp>
+          <p:nvSpPr>
+            <p:cNvPr id="27" name="椭圆 26"/>
+            <p:cNvSpPr/>
+            <p:nvPr/>
+          </p:nvSpPr>
+          <p:spPr>
+            <a:xfrm>
+              <a:off x="2305812" y="4400550"/>
+              <a:ext cx="685800" cy="304800"/>
+            </a:xfrm>
+            <a:prstGeom prst="ellipse">
+              <a:avLst/>
+            </a:prstGeom>
+          </p:spPr>
+          <p:style>
+            <a:lnRef idx="2">
+              <a:schemeClr val="accent1">
+                <a:shade val="50000"/>
+              </a:schemeClr>
+            </a:lnRef>
+            <a:fillRef idx="1">
+              <a:schemeClr val="accent1"/>
+            </a:fillRef>
+            <a:effectRef idx="0">
+              <a:schemeClr val="accent1"/>
+            </a:effectRef>
+            <a:fontRef idx="minor">
+              <a:schemeClr val="lt1"/>
+            </a:fontRef>
+          </p:style>
+          <p:txBody>
+            <a:bodyPr rtlCol="0" anchor="ctr"/>
+            <a:lstStyle/>
+            <a:p>
+              <a:pPr algn="ctr"/>
+              <a:r>
+                <a:rPr lang="en-US" altLang="zh-CN" dirty="0" smtClean="0">
+                  <a:solidFill>
+                    <a:sysClr val="windowText" lastClr="000000"/>
+                  </a:solidFill>
+                </a:rPr>
+                <a:t>X4</a:t>
+              </a:r>
+              <a:endParaRPr lang="zh-CN" altLang="en-US" dirty="0">
+                <a:solidFill>
+                  <a:sysClr val="windowText" lastClr="000000"/>
+                </a:solidFill>
+              </a:endParaRPr>
+            </a:p>
+          </p:txBody>
+        </p:sp>
+        <p:cxnSp>
+          <p:nvCxnSpPr>
+            <p:cNvPr id="30" name="直接箭头连接符 29"/>
+            <p:cNvCxnSpPr>
+              <a:stCxn id="24" idx="5"/>
+              <a:endCxn id="27" idx="0"/>
+            </p:cNvCxnSpPr>
+            <p:nvPr/>
+          </p:nvCxnSpPr>
+          <p:spPr>
+            <a:xfrm>
+              <a:off x="2325775" y="4051113"/>
+              <a:ext cx="322937" cy="349437"/>
+            </a:xfrm>
+            <a:prstGeom prst="straightConnector1">
+              <a:avLst/>
+            </a:prstGeom>
+            <a:ln>
+              <a:solidFill>
+                <a:schemeClr val="tx1">
+                  <a:lumMod val="95000"/>
+                  <a:lumOff val="5000"/>
+                </a:schemeClr>
+              </a:solidFill>
+              <a:tailEnd type="triangle"/>
+            </a:ln>
+          </p:spPr>
+          <p:style>
+            <a:lnRef idx="1">
+              <a:schemeClr val="accent1"/>
+            </a:lnRef>
+            <a:fillRef idx="0">
+              <a:schemeClr val="accent1"/>
+            </a:fillRef>
+            <a:effectRef idx="0">
+              <a:schemeClr val="accent1"/>
+            </a:effectRef>
+            <a:fontRef idx="minor">
+              <a:schemeClr val="tx1"/>
+            </a:fontRef>
+          </p:style>
+        </p:cxnSp>
+        <p:cxnSp>
+          <p:nvCxnSpPr>
+            <p:cNvPr id="31" name="直接箭头连接符 30"/>
+            <p:cNvCxnSpPr>
+              <a:stCxn id="26" idx="3"/>
+              <a:endCxn id="27" idx="0"/>
+            </p:cNvCxnSpPr>
+            <p:nvPr/>
+          </p:nvCxnSpPr>
+          <p:spPr>
+            <a:xfrm flipH="1">
+              <a:off x="2648712" y="4051113"/>
+              <a:ext cx="443333" cy="349437"/>
+            </a:xfrm>
+            <a:prstGeom prst="straightConnector1">
+              <a:avLst/>
+            </a:prstGeom>
+            <a:ln>
+              <a:solidFill>
+                <a:schemeClr val="tx1">
+                  <a:lumMod val="95000"/>
+                  <a:lumOff val="5000"/>
+                </a:schemeClr>
+              </a:solidFill>
+              <a:tailEnd type="triangle"/>
+            </a:ln>
+          </p:spPr>
+          <p:style>
+            <a:lnRef idx="1">
+              <a:schemeClr val="accent1"/>
+            </a:lnRef>
+            <a:fillRef idx="0">
+              <a:schemeClr val="accent1"/>
+            </a:fillRef>
+            <a:effectRef idx="0">
+              <a:schemeClr val="accent1"/>
+            </a:effectRef>
+            <a:fontRef idx="minor">
+              <a:schemeClr val="tx1"/>
+            </a:fontRef>
+          </p:style>
+        </p:cxnSp>
+      </p:grpSp>
+      <p:grpSp>
+        <p:nvGrpSpPr>
+          <p:cNvPr id="33" name="组合 32"/>
+          <p:cNvGrpSpPr/>
+          <p:nvPr/>
+        </p:nvGrpSpPr>
+        <p:grpSpPr>
+          <a:xfrm>
+            <a:off x="5881267" y="1352550"/>
+            <a:ext cx="1937004" cy="914400"/>
+            <a:chOff x="1054608" y="3790950"/>
+            <a:chExt cx="1937004" cy="914400"/>
+          </a:xfrm>
+        </p:grpSpPr>
+        <p:sp>
+          <p:nvSpPr>
+            <p:cNvPr id="34" name="椭圆 33"/>
+            <p:cNvSpPr/>
+            <p:nvPr/>
+          </p:nvSpPr>
+          <p:spPr>
+            <a:xfrm>
+              <a:off x="1740408" y="3790950"/>
+              <a:ext cx="685800" cy="304800"/>
+            </a:xfrm>
+            <a:prstGeom prst="ellipse">
+              <a:avLst/>
+            </a:prstGeom>
+          </p:spPr>
+          <p:style>
+            <a:lnRef idx="2">
+              <a:schemeClr val="accent1">
+                <a:shade val="50000"/>
+              </a:schemeClr>
+            </a:lnRef>
+            <a:fillRef idx="1">
+              <a:schemeClr val="accent1"/>
+            </a:fillRef>
+            <a:effectRef idx="0">
+              <a:schemeClr val="accent1"/>
+            </a:effectRef>
+            <a:fontRef idx="minor">
+              <a:schemeClr val="lt1"/>
+            </a:fontRef>
+          </p:style>
+          <p:txBody>
+            <a:bodyPr rtlCol="0" anchor="ctr"/>
+            <a:lstStyle/>
+            <a:p>
+              <a:pPr algn="ctr"/>
+              <a:r>
+                <a:rPr lang="en-US" altLang="zh-CN" dirty="0" smtClean="0">
+                  <a:solidFill>
+                    <a:sysClr val="windowText" lastClr="000000"/>
+                  </a:solidFill>
+                </a:rPr>
+                <a:t>X</a:t>
+              </a:r>
+              <a:endParaRPr lang="zh-CN" altLang="en-US" dirty="0">
+                <a:solidFill>
+                  <a:sysClr val="windowText" lastClr="000000"/>
+                </a:solidFill>
+              </a:endParaRPr>
+            </a:p>
+          </p:txBody>
+        </p:sp>
+        <p:sp>
+          <p:nvSpPr>
+            <p:cNvPr id="35" name="椭圆 34"/>
+            <p:cNvSpPr/>
+            <p:nvPr/>
+          </p:nvSpPr>
+          <p:spPr>
+            <a:xfrm>
+              <a:off x="1054608" y="4372356"/>
+              <a:ext cx="685800" cy="304800"/>
+            </a:xfrm>
+            <a:prstGeom prst="ellipse">
+              <a:avLst/>
+            </a:prstGeom>
+          </p:spPr>
+          <p:style>
+            <a:lnRef idx="2">
+              <a:schemeClr val="accent1">
+                <a:shade val="50000"/>
+              </a:schemeClr>
+            </a:lnRef>
+            <a:fillRef idx="1">
+              <a:schemeClr val="accent1"/>
+            </a:fillRef>
+            <a:effectRef idx="0">
+              <a:schemeClr val="accent1"/>
+            </a:effectRef>
+            <a:fontRef idx="minor">
+              <a:schemeClr val="lt1"/>
+            </a:fontRef>
+          </p:style>
+          <p:txBody>
+            <a:bodyPr rtlCol="0" anchor="ctr"/>
+            <a:lstStyle/>
+            <a:p>
+              <a:pPr algn="ctr"/>
+              <a:r>
+                <a:rPr lang="en-US" altLang="zh-CN" dirty="0" smtClean="0">
+                  <a:solidFill>
+                    <a:sysClr val="windowText" lastClr="000000"/>
+                  </a:solidFill>
+                </a:rPr>
+                <a:t>Z</a:t>
+              </a:r>
+              <a:endParaRPr lang="zh-CN" altLang="en-US" dirty="0">
+                <a:solidFill>
+                  <a:sysClr val="windowText" lastClr="000000"/>
+                </a:solidFill>
+              </a:endParaRPr>
+            </a:p>
+          </p:txBody>
+        </p:sp>
+        <p:sp>
+          <p:nvSpPr>
+            <p:cNvPr id="37" name="椭圆 36"/>
+            <p:cNvSpPr/>
+            <p:nvPr/>
+          </p:nvSpPr>
+          <p:spPr>
+            <a:xfrm>
+              <a:off x="2305812" y="4400550"/>
+              <a:ext cx="685800" cy="304800"/>
+            </a:xfrm>
+            <a:prstGeom prst="ellipse">
+              <a:avLst/>
+            </a:prstGeom>
+          </p:spPr>
+          <p:style>
+            <a:lnRef idx="2">
+              <a:schemeClr val="accent1">
+                <a:shade val="50000"/>
+              </a:schemeClr>
+            </a:lnRef>
+            <a:fillRef idx="1">
+              <a:schemeClr val="accent1"/>
+            </a:fillRef>
+            <a:effectRef idx="0">
+              <a:schemeClr val="accent1"/>
+            </a:effectRef>
+            <a:fontRef idx="minor">
+              <a:schemeClr val="lt1"/>
+            </a:fontRef>
+          </p:style>
+          <p:txBody>
+            <a:bodyPr rtlCol="0" anchor="ctr"/>
+            <a:lstStyle/>
+            <a:p>
+              <a:pPr algn="ctr"/>
+              <a:r>
+                <a:rPr lang="en-US" altLang="zh-CN" dirty="0" smtClean="0">
+                  <a:solidFill>
+                    <a:sysClr val="windowText" lastClr="000000"/>
+                  </a:solidFill>
+                </a:rPr>
+                <a:t>Y</a:t>
+              </a:r>
+              <a:endParaRPr lang="zh-CN" altLang="en-US" dirty="0">
+                <a:solidFill>
+                  <a:sysClr val="windowText" lastClr="000000"/>
+                </a:solidFill>
+              </a:endParaRPr>
+            </a:p>
+          </p:txBody>
+        </p:sp>
+        <p:cxnSp>
+          <p:nvCxnSpPr>
+            <p:cNvPr id="39" name="直接箭头连接符 38"/>
+            <p:cNvCxnSpPr>
+              <a:stCxn id="34" idx="3"/>
+              <a:endCxn id="35" idx="0"/>
+            </p:cNvCxnSpPr>
+            <p:nvPr/>
+          </p:nvCxnSpPr>
+          <p:spPr>
+            <a:xfrm flipH="1">
+              <a:off x="1397508" y="4051113"/>
+              <a:ext cx="443333" cy="321243"/>
+            </a:xfrm>
+            <a:prstGeom prst="straightConnector1">
+              <a:avLst/>
+            </a:prstGeom>
+            <a:ln>
+              <a:solidFill>
+                <a:schemeClr val="tx1">
+                  <a:lumMod val="95000"/>
+                  <a:lumOff val="5000"/>
+                </a:schemeClr>
+              </a:solidFill>
+              <a:tailEnd type="triangle"/>
+            </a:ln>
+          </p:spPr>
+          <p:style>
+            <a:lnRef idx="1">
+              <a:schemeClr val="accent1"/>
+            </a:lnRef>
+            <a:fillRef idx="0">
+              <a:schemeClr val="accent1"/>
+            </a:fillRef>
+            <a:effectRef idx="0">
+              <a:schemeClr val="accent1"/>
+            </a:effectRef>
+            <a:fontRef idx="minor">
+              <a:schemeClr val="tx1"/>
+            </a:fontRef>
+          </p:style>
+        </p:cxnSp>
+        <p:cxnSp>
+          <p:nvCxnSpPr>
+            <p:cNvPr id="40" name="直接箭头连接符 39"/>
+            <p:cNvCxnSpPr>
+              <a:stCxn id="34" idx="5"/>
+              <a:endCxn id="37" idx="0"/>
+            </p:cNvCxnSpPr>
+            <p:nvPr/>
+          </p:nvCxnSpPr>
+          <p:spPr>
+            <a:xfrm>
+              <a:off x="2325775" y="4051113"/>
+              <a:ext cx="322937" cy="349437"/>
+            </a:xfrm>
+            <a:prstGeom prst="straightConnector1">
+              <a:avLst/>
+            </a:prstGeom>
+            <a:ln>
+              <a:solidFill>
+                <a:schemeClr val="tx1">
+                  <a:lumMod val="95000"/>
+                  <a:lumOff val="5000"/>
+                </a:schemeClr>
+              </a:solidFill>
+              <a:headEnd type="triangle" w="med" len="med"/>
+              <a:tailEnd type="none" w="med" len="med"/>
+            </a:ln>
+          </p:spPr>
+          <p:style>
+            <a:lnRef idx="1">
+              <a:schemeClr val="accent1"/>
+            </a:lnRef>
+            <a:fillRef idx="0">
+              <a:schemeClr val="accent1"/>
+            </a:fillRef>
+            <a:effectRef idx="0">
+              <a:schemeClr val="accent1"/>
+            </a:effectRef>
+            <a:fontRef idx="minor">
+              <a:schemeClr val="tx1"/>
+            </a:fontRef>
+          </p:style>
+        </p:cxnSp>
+      </p:grpSp>
+      <p:sp>
+        <p:nvSpPr>
+          <p:cNvPr id="3" name="文本框 2"/>
+          <p:cNvSpPr txBox="1"/>
+          <p:nvPr/>
+        </p:nvSpPr>
+        <p:spPr>
+          <a:xfrm>
+            <a:off x="384048" y="2402121"/>
+            <a:ext cx="1594104" cy="369332"/>
+          </a:xfrm>
+          <a:prstGeom prst="rect">
+            <a:avLst/>
+          </a:prstGeom>
+          <a:noFill/>
+        </p:spPr>
+        <p:txBody>
+          <a:bodyPr wrap="square" rtlCol="0">
+            <a:spAutoFit/>
+          </a:bodyPr>
+          <a:lstStyle/>
+          <a:p>
+            <a:pPr algn="ctr"/>
+            <a:r>
+              <a:rPr lang="en-US" altLang="zh-CN" dirty="0" smtClean="0">
+                <a:latin typeface="+mj-lt"/>
+                <a:cs typeface="Calibri"/>
+              </a:rPr>
+              <a:t>Tail to Tail</a:t>
+            </a:r>
+            <a:endParaRPr lang="zh-CN" altLang="en-US" dirty="0" err="1" smtClean="0">
+              <a:latin typeface="+mj-lt"/>
+              <a:cs typeface="Calibri"/>
+            </a:endParaRPr>
+          </a:p>
+        </p:txBody>
+      </p:sp>
+      <p:sp>
+        <p:nvSpPr>
+          <p:cNvPr id="43" name="文本框 42"/>
+          <p:cNvSpPr txBox="1"/>
+          <p:nvPr/>
+        </p:nvSpPr>
+        <p:spPr>
+          <a:xfrm>
+            <a:off x="3006852" y="2399290"/>
+            <a:ext cx="1594104" cy="369332"/>
+          </a:xfrm>
+          <a:prstGeom prst="rect">
+            <a:avLst/>
+          </a:prstGeom>
+          <a:noFill/>
+        </p:spPr>
+        <p:txBody>
+          <a:bodyPr wrap="square" rtlCol="0">
+            <a:spAutoFit/>
+          </a:bodyPr>
+          <a:lstStyle/>
+          <a:p>
+            <a:pPr algn="ctr"/>
+            <a:r>
+              <a:rPr lang="en-US" altLang="zh-CN" dirty="0" smtClean="0">
+                <a:latin typeface="+mj-lt"/>
+                <a:cs typeface="Calibri"/>
+              </a:rPr>
+              <a:t>Head to Head</a:t>
+            </a:r>
+            <a:endParaRPr lang="zh-CN" altLang="en-US" dirty="0" err="1" smtClean="0">
+              <a:latin typeface="+mj-lt"/>
+              <a:cs typeface="Calibri"/>
+            </a:endParaRPr>
+          </a:p>
+        </p:txBody>
+      </p:sp>
+      <p:sp>
+        <p:nvSpPr>
+          <p:cNvPr id="44" name="文本框 43"/>
+          <p:cNvSpPr txBox="1"/>
+          <p:nvPr/>
+        </p:nvSpPr>
+        <p:spPr>
+          <a:xfrm>
+            <a:off x="6112915" y="2399290"/>
+            <a:ext cx="1594104" cy="369332"/>
+          </a:xfrm>
+          <a:prstGeom prst="rect">
+            <a:avLst/>
+          </a:prstGeom>
+          <a:noFill/>
+        </p:spPr>
+        <p:txBody>
+          <a:bodyPr wrap="square" rtlCol="0">
+            <a:spAutoFit/>
+          </a:bodyPr>
+          <a:lstStyle/>
+          <a:p>
+            <a:pPr algn="ctr"/>
+            <a:r>
+              <a:rPr lang="en-US" altLang="zh-CN" dirty="0" smtClean="0">
+                <a:latin typeface="+mj-lt"/>
+                <a:cs typeface="Calibri"/>
+              </a:rPr>
+              <a:t>Head to Tail</a:t>
+            </a:r>
+            <a:endParaRPr lang="zh-CN" altLang="en-US" dirty="0" err="1" smtClean="0">
+              <a:latin typeface="+mj-lt"/>
+              <a:cs typeface="Calibri"/>
+            </a:endParaRPr>
+          </a:p>
+        </p:txBody>
+      </p:sp>
+      <mc:AlternateContent xmlns:mc="http://schemas.openxmlformats.org/markup-compatibility/2006">
+        <mc:Choice xmlns:a14="http://schemas.microsoft.com/office/drawing/2010/main" Requires="a14">
+          <p:sp>
+            <p:nvSpPr>
+              <p:cNvPr id="45" name="文本框 44"/>
+              <p:cNvSpPr txBox="1"/>
+              <p:nvPr/>
+            </p:nvSpPr>
+            <p:spPr>
+              <a:xfrm>
+                <a:off x="148936" y="2982735"/>
+                <a:ext cx="8763000" cy="2031325"/>
+              </a:xfrm>
+              <a:prstGeom prst="rect">
+                <a:avLst/>
+              </a:prstGeom>
+              <a:noFill/>
+            </p:spPr>
+            <p:txBody>
+              <a:bodyPr wrap="square" rtlCol="0">
+                <a:spAutoFit/>
+              </a:bodyPr>
+              <a:lstStyle/>
+              <a:p>
+                <a:pPr marL="285750" indent="-285750">
+                  <a:buFont typeface="Arial" panose="020B0604020202020204" pitchFamily="34" charset="0"/>
+                  <a:buChar char="•"/>
+                </a:pPr>
+                <a:r>
+                  <a:rPr lang="en-US" altLang="zh-CN" b="1" dirty="0" smtClean="0">
+                    <a:latin typeface="Calibri"/>
+                    <a:cs typeface="Calibri"/>
+                  </a:rPr>
+                  <a:t>Tail to Tail</a:t>
+                </a:r>
+                <a:r>
+                  <a:rPr lang="en-US" altLang="zh-CN" dirty="0" smtClean="0">
+                    <a:latin typeface="Calibri"/>
+                    <a:cs typeface="Calibri"/>
+                  </a:rPr>
+                  <a:t>: Given the value of the parent node </a:t>
+                </a:r>
+                <a14:m>
+                  <m:oMath xmlns:m="http://schemas.openxmlformats.org/officeDocument/2006/math">
+                    <m:sSub>
+                      <m:sSubPr>
+                        <m:ctrlPr>
+                          <a:rPr lang="en-US" altLang="zh-CN" b="0" i="1" smtClean="0">
+                            <a:latin typeface="Cambria Math" panose="02040503050406030204" pitchFamily="18" charset="0"/>
+                            <a:cs typeface="Calibri"/>
+                          </a:rPr>
+                        </m:ctrlPr>
+                      </m:sSubPr>
+                      <m:e>
+                        <m:r>
+                          <a:rPr lang="en-US" altLang="zh-CN" b="0" i="1" smtClean="0">
+                            <a:latin typeface="Cambria Math" panose="02040503050406030204" pitchFamily="18" charset="0"/>
+                            <a:cs typeface="Calibri"/>
+                          </a:rPr>
+                          <m:t>𝑥</m:t>
+                        </m:r>
+                      </m:e>
+                      <m:sub>
+                        <m:r>
+                          <a:rPr lang="en-US" altLang="zh-CN" b="0" i="1" smtClean="0">
+                            <a:latin typeface="Cambria Math" panose="02040503050406030204" pitchFamily="18" charset="0"/>
+                            <a:cs typeface="Calibri"/>
+                          </a:rPr>
+                          <m:t>1</m:t>
+                        </m:r>
+                      </m:sub>
+                    </m:sSub>
+                  </m:oMath>
+                </a14:m>
+                <a:r>
+                  <a:rPr lang="en-US" altLang="zh-CN" dirty="0" smtClean="0">
+                    <a:latin typeface="Calibri"/>
+                    <a:cs typeface="Calibri"/>
+                  </a:rPr>
+                  <a:t>, </a:t>
+                </a:r>
+                <a14:m>
+                  <m:oMath xmlns:m="http://schemas.openxmlformats.org/officeDocument/2006/math">
+                    <m:sSub>
+                      <m:sSubPr>
+                        <m:ctrlPr>
+                          <a:rPr lang="en-US" altLang="zh-CN" i="1">
+                            <a:latin typeface="Cambria Math" panose="02040503050406030204" pitchFamily="18" charset="0"/>
+                            <a:cs typeface="Calibri"/>
+                          </a:rPr>
+                        </m:ctrlPr>
+                      </m:sSubPr>
+                      <m:e>
+                        <m:r>
+                          <a:rPr lang="en-US" altLang="zh-CN" i="1">
+                            <a:latin typeface="Cambria Math" panose="02040503050406030204" pitchFamily="18" charset="0"/>
+                            <a:cs typeface="Calibri"/>
+                          </a:rPr>
+                          <m:t>𝑥</m:t>
+                        </m:r>
+                      </m:e>
+                      <m:sub>
+                        <m:r>
+                          <a:rPr lang="en-US" altLang="zh-CN" b="0" i="1" smtClean="0">
+                            <a:latin typeface="Cambria Math" panose="02040503050406030204" pitchFamily="18" charset="0"/>
+                            <a:cs typeface="Calibri"/>
+                          </a:rPr>
+                          <m:t>3</m:t>
+                        </m:r>
+                      </m:sub>
+                    </m:sSub>
+                  </m:oMath>
+                </a14:m>
+                <a:r>
+                  <a:rPr lang="en-US" altLang="zh-CN" dirty="0" smtClean="0">
+                    <a:latin typeface="Calibri"/>
+                    <a:cs typeface="Calibri"/>
+                  </a:rPr>
+                  <a:t> and </a:t>
+                </a:r>
+                <a14:m>
+                  <m:oMath xmlns:m="http://schemas.openxmlformats.org/officeDocument/2006/math">
+                    <m:sSub>
+                      <m:sSubPr>
+                        <m:ctrlPr>
+                          <a:rPr lang="en-US" altLang="zh-CN" i="1">
+                            <a:latin typeface="Cambria Math" panose="02040503050406030204" pitchFamily="18" charset="0"/>
+                            <a:cs typeface="Calibri"/>
+                          </a:rPr>
+                        </m:ctrlPr>
+                      </m:sSubPr>
+                      <m:e>
+                        <m:r>
+                          <a:rPr lang="en-US" altLang="zh-CN" i="1">
+                            <a:latin typeface="Cambria Math" panose="02040503050406030204" pitchFamily="18" charset="0"/>
+                            <a:cs typeface="Calibri"/>
+                          </a:rPr>
+                          <m:t>𝑥</m:t>
+                        </m:r>
+                      </m:e>
+                      <m:sub>
+                        <m:r>
+                          <a:rPr lang="en-US" altLang="zh-CN" b="0" i="1" smtClean="0">
+                            <a:latin typeface="Cambria Math" panose="02040503050406030204" pitchFamily="18" charset="0"/>
+                            <a:cs typeface="Calibri"/>
+                          </a:rPr>
+                          <m:t>4</m:t>
+                        </m:r>
+                      </m:sub>
+                    </m:sSub>
+                  </m:oMath>
+                </a14:m>
+                <a:r>
+                  <a:rPr lang="en-US" altLang="zh-CN" dirty="0" smtClean="0">
+                    <a:latin typeface="Calibri"/>
+                    <a:cs typeface="Calibri"/>
+                  </a:rPr>
+                  <a:t> </a:t>
+                </a:r>
+                <a:r>
+                  <a:rPr lang="en-US" altLang="zh-CN" dirty="0">
+                    <a:latin typeface="Calibri" panose="020F0502020204030204" pitchFamily="34" charset="0"/>
+                    <a:cs typeface="Calibri" panose="020F0502020204030204" pitchFamily="34" charset="0"/>
+                  </a:rPr>
+                  <a:t>are </a:t>
+                </a:r>
+                <a:r>
+                  <a:rPr lang="en-US" altLang="zh-CN" dirty="0" smtClean="0">
+                    <a:latin typeface="Calibri" panose="020F0502020204030204" pitchFamily="34" charset="0"/>
+                    <a:cs typeface="Calibri" panose="020F0502020204030204" pitchFamily="34" charset="0"/>
+                  </a:rPr>
+                  <a:t>conditionally independent.</a:t>
+                </a:r>
+              </a:p>
+              <a:p>
+                <a:pPr marL="285750" indent="-285750">
+                  <a:buFont typeface="Arial" panose="020B0604020202020204" pitchFamily="34" charset="0"/>
+                  <a:buChar char="•"/>
+                </a:pPr>
+                <a:r>
+                  <a:rPr lang="en-US" altLang="zh-CN" b="1" dirty="0" smtClean="0">
+                    <a:latin typeface="Calibri" panose="020F0502020204030204" pitchFamily="34" charset="0"/>
+                    <a:cs typeface="Calibri" panose="020F0502020204030204" pitchFamily="34" charset="0"/>
+                  </a:rPr>
+                  <a:t>Head to </a:t>
+                </a:r>
+                <a:r>
+                  <a:rPr lang="en-US" altLang="zh-CN" b="1" dirty="0">
+                    <a:latin typeface="Calibri" panose="020F0502020204030204" pitchFamily="34" charset="0"/>
+                    <a:cs typeface="Calibri" panose="020F0502020204030204" pitchFamily="34" charset="0"/>
+                  </a:rPr>
+                  <a:t>Head: </a:t>
+                </a:r>
+                <a:r>
+                  <a:rPr lang="en-US" altLang="zh-CN" dirty="0">
+                    <a:latin typeface="Calibri" panose="020F0502020204030204" pitchFamily="34" charset="0"/>
+                    <a:cs typeface="Calibri" panose="020F0502020204030204" pitchFamily="34" charset="0"/>
+                  </a:rPr>
+                  <a:t>Given the value of child node </a:t>
+                </a:r>
+                <a14:m>
+                  <m:oMath xmlns:m="http://schemas.openxmlformats.org/officeDocument/2006/math">
+                    <m:sSub>
+                      <m:sSubPr>
+                        <m:ctrlPr>
+                          <a:rPr lang="en-US" altLang="zh-CN" i="1" dirty="0" smtClean="0">
+                            <a:latin typeface="Cambria Math" panose="02040503050406030204" pitchFamily="18" charset="0"/>
+                            <a:cs typeface="Calibri" panose="020F0502020204030204" pitchFamily="34" charset="0"/>
+                          </a:rPr>
+                        </m:ctrlPr>
+                      </m:sSubPr>
+                      <m:e>
+                        <m:r>
+                          <a:rPr lang="en-US" altLang="zh-CN" i="1" dirty="0" smtClean="0">
+                            <a:latin typeface="Cambria Math" panose="02040503050406030204" pitchFamily="18" charset="0"/>
+                            <a:cs typeface="Calibri" panose="020F0502020204030204" pitchFamily="34" charset="0"/>
+                          </a:rPr>
+                          <m:t>𝑥</m:t>
+                        </m:r>
+                      </m:e>
+                      <m:sub>
+                        <m:r>
+                          <a:rPr lang="en-US" altLang="zh-CN" i="1" dirty="0" smtClean="0">
+                            <a:latin typeface="Cambria Math" panose="02040503050406030204" pitchFamily="18" charset="0"/>
+                            <a:cs typeface="Calibri" panose="020F0502020204030204" pitchFamily="34" charset="0"/>
+                          </a:rPr>
+                          <m:t>4</m:t>
+                        </m:r>
+                      </m:sub>
+                    </m:sSub>
+                  </m:oMath>
+                </a14:m>
+                <a:r>
+                  <a:rPr lang="en-US" altLang="zh-CN" dirty="0">
+                    <a:latin typeface="Calibri" panose="020F0502020204030204" pitchFamily="34" charset="0"/>
+                    <a:cs typeface="Calibri" panose="020F0502020204030204" pitchFamily="34" charset="0"/>
+                  </a:rPr>
+                  <a:t>, </a:t>
+                </a:r>
+                <a14:m>
+                  <m:oMath xmlns:m="http://schemas.openxmlformats.org/officeDocument/2006/math">
+                    <m:sSub>
+                      <m:sSubPr>
+                        <m:ctrlPr>
+                          <a:rPr lang="en-US" altLang="zh-CN" i="1" dirty="0" smtClean="0">
+                            <a:latin typeface="Cambria Math" panose="02040503050406030204" pitchFamily="18" charset="0"/>
+                            <a:cs typeface="Calibri" panose="020F0502020204030204" pitchFamily="34" charset="0"/>
+                          </a:rPr>
+                        </m:ctrlPr>
+                      </m:sSubPr>
+                      <m:e>
+                        <m:r>
+                          <a:rPr lang="en-US" altLang="zh-CN" i="1" dirty="0" smtClean="0">
+                            <a:latin typeface="Cambria Math" panose="02040503050406030204" pitchFamily="18" charset="0"/>
+                            <a:cs typeface="Calibri" panose="020F0502020204030204" pitchFamily="34" charset="0"/>
+                          </a:rPr>
+                          <m:t>𝑥</m:t>
+                        </m:r>
+                      </m:e>
+                      <m:sub>
+                        <m:r>
+                          <a:rPr lang="en-US" altLang="zh-CN" i="1" dirty="0" smtClean="0">
+                            <a:latin typeface="Cambria Math" panose="02040503050406030204" pitchFamily="18" charset="0"/>
+                            <a:cs typeface="Calibri" panose="020F0502020204030204" pitchFamily="34" charset="0"/>
+                          </a:rPr>
+                          <m:t>1</m:t>
+                        </m:r>
+                      </m:sub>
+                    </m:sSub>
+                  </m:oMath>
+                </a14:m>
+                <a:r>
+                  <a:rPr lang="en-US" altLang="zh-CN" dirty="0" smtClean="0">
+                    <a:latin typeface="Calibri" panose="020F0502020204030204" pitchFamily="34" charset="0"/>
+                    <a:cs typeface="Calibri" panose="020F0502020204030204" pitchFamily="34" charset="0"/>
+                  </a:rPr>
+                  <a:t> </a:t>
+                </a:r>
+                <a:r>
+                  <a:rPr lang="en-US" altLang="zh-CN" dirty="0">
+                    <a:latin typeface="Calibri" panose="020F0502020204030204" pitchFamily="34" charset="0"/>
+                    <a:cs typeface="Calibri" panose="020F0502020204030204" pitchFamily="34" charset="0"/>
+                  </a:rPr>
+                  <a:t>and </a:t>
+                </a:r>
+                <a14:m>
+                  <m:oMath xmlns:m="http://schemas.openxmlformats.org/officeDocument/2006/math">
+                    <m:sSub>
+                      <m:sSubPr>
+                        <m:ctrlPr>
+                          <a:rPr lang="en-US" altLang="zh-CN" i="1" dirty="0" smtClean="0">
+                            <a:latin typeface="Cambria Math" panose="02040503050406030204" pitchFamily="18" charset="0"/>
+                            <a:cs typeface="Calibri" panose="020F0502020204030204" pitchFamily="34" charset="0"/>
+                          </a:rPr>
+                        </m:ctrlPr>
+                      </m:sSubPr>
+                      <m:e>
+                        <m:r>
+                          <a:rPr lang="en-US" altLang="zh-CN" i="1" dirty="0" smtClean="0">
+                            <a:latin typeface="Cambria Math" panose="02040503050406030204" pitchFamily="18" charset="0"/>
+                            <a:cs typeface="Calibri" panose="020F0502020204030204" pitchFamily="34" charset="0"/>
+                          </a:rPr>
+                          <m:t>𝑥</m:t>
+                        </m:r>
+                      </m:e>
+                      <m:sub>
+                        <m:r>
+                          <a:rPr lang="en-US" altLang="zh-CN" i="1" dirty="0" smtClean="0">
+                            <a:latin typeface="Cambria Math" panose="02040503050406030204" pitchFamily="18" charset="0"/>
+                            <a:cs typeface="Calibri" panose="020F0502020204030204" pitchFamily="34" charset="0"/>
+                          </a:rPr>
+                          <m:t>4</m:t>
+                        </m:r>
+                      </m:sub>
+                    </m:sSub>
+                  </m:oMath>
+                </a14:m>
+                <a:r>
+                  <a:rPr lang="en-US" altLang="zh-CN" dirty="0" smtClean="0">
+                    <a:latin typeface="Calibri" panose="020F0502020204030204" pitchFamily="34" charset="0"/>
+                    <a:cs typeface="Calibri" panose="020F0502020204030204" pitchFamily="34" charset="0"/>
+                  </a:rPr>
+                  <a:t> </a:t>
+                </a:r>
+                <a:r>
+                  <a:rPr lang="en-US" altLang="zh-CN" dirty="0">
+                    <a:latin typeface="Calibri" panose="020F0502020204030204" pitchFamily="34" charset="0"/>
+                    <a:cs typeface="Calibri" panose="020F0502020204030204" pitchFamily="34" charset="0"/>
+                  </a:rPr>
+                  <a:t>must not be independent. However, if the value of </a:t>
+                </a:r>
+                <a14:m>
+                  <m:oMath xmlns:m="http://schemas.openxmlformats.org/officeDocument/2006/math">
+                    <m:sSub>
+                      <m:sSubPr>
+                        <m:ctrlPr>
+                          <a:rPr lang="en-US" altLang="zh-CN" b="0" i="1" dirty="0" smtClean="0">
+                            <a:latin typeface="Cambria Math" panose="02040503050406030204" pitchFamily="18" charset="0"/>
+                            <a:cs typeface="Calibri" panose="020F0502020204030204" pitchFamily="34" charset="0"/>
+                          </a:rPr>
+                        </m:ctrlPr>
+                      </m:sSubPr>
+                      <m:e>
+                        <m:r>
+                          <a:rPr lang="en-US" altLang="zh-CN" i="1" dirty="0" smtClean="0">
+                            <a:latin typeface="Cambria Math" panose="02040503050406030204" pitchFamily="18" charset="0"/>
+                            <a:cs typeface="Calibri" panose="020F0502020204030204" pitchFamily="34" charset="0"/>
+                          </a:rPr>
+                          <m:t>𝑥</m:t>
+                        </m:r>
+                      </m:e>
+                      <m:sub>
+                        <m:r>
+                          <a:rPr lang="en-US" altLang="zh-CN" i="1" dirty="0" smtClean="0">
+                            <a:latin typeface="Cambria Math" panose="02040503050406030204" pitchFamily="18" charset="0"/>
+                            <a:cs typeface="Calibri" panose="020F0502020204030204" pitchFamily="34" charset="0"/>
+                          </a:rPr>
+                          <m:t>4</m:t>
+                        </m:r>
+                      </m:sub>
+                    </m:sSub>
+                  </m:oMath>
+                </a14:m>
+                <a:r>
+                  <a:rPr lang="en-US" altLang="zh-CN" dirty="0">
+                    <a:latin typeface="Calibri" panose="020F0502020204030204" pitchFamily="34" charset="0"/>
+                    <a:cs typeface="Calibri" panose="020F0502020204030204" pitchFamily="34" charset="0"/>
+                  </a:rPr>
+                  <a:t> is completely unknown, </a:t>
+                </a:r>
+                <a14:m>
+                  <m:oMath xmlns:m="http://schemas.openxmlformats.org/officeDocument/2006/math">
+                    <m:sSub>
+                      <m:sSubPr>
+                        <m:ctrlPr>
+                          <a:rPr lang="en-US" altLang="zh-CN" i="1" dirty="0" smtClean="0">
+                            <a:latin typeface="Cambria Math" panose="02040503050406030204" pitchFamily="18" charset="0"/>
+                            <a:cs typeface="Calibri" panose="020F0502020204030204" pitchFamily="34" charset="0"/>
+                          </a:rPr>
+                        </m:ctrlPr>
+                      </m:sSubPr>
+                      <m:e>
+                        <m:r>
+                          <a:rPr lang="en-US" altLang="zh-CN" i="1" dirty="0" smtClean="0">
+                            <a:latin typeface="Cambria Math" panose="02040503050406030204" pitchFamily="18" charset="0"/>
+                            <a:cs typeface="Calibri" panose="020F0502020204030204" pitchFamily="34" charset="0"/>
+                          </a:rPr>
+                          <m:t>𝑥</m:t>
+                        </m:r>
+                      </m:e>
+                      <m:sub>
+                        <m:r>
+                          <a:rPr lang="en-US" altLang="zh-CN" i="1" dirty="0" smtClean="0">
+                            <a:latin typeface="Cambria Math" panose="02040503050406030204" pitchFamily="18" charset="0"/>
+                            <a:cs typeface="Calibri" panose="020F0502020204030204" pitchFamily="34" charset="0"/>
+                          </a:rPr>
+                          <m:t>1</m:t>
+                        </m:r>
+                      </m:sub>
+                    </m:sSub>
+                  </m:oMath>
+                </a14:m>
+                <a:r>
+                  <a:rPr lang="en-US" altLang="zh-CN" dirty="0" smtClean="0">
+                    <a:latin typeface="Calibri" panose="020F0502020204030204" pitchFamily="34" charset="0"/>
+                    <a:cs typeface="Calibri" panose="020F0502020204030204" pitchFamily="34" charset="0"/>
+                  </a:rPr>
+                  <a:t> </a:t>
+                </a:r>
+                <a:r>
+                  <a:rPr lang="en-US" altLang="zh-CN" dirty="0">
+                    <a:latin typeface="Calibri" panose="020F0502020204030204" pitchFamily="34" charset="0"/>
+                    <a:cs typeface="Calibri" panose="020F0502020204030204" pitchFamily="34" charset="0"/>
+                  </a:rPr>
+                  <a:t>and </a:t>
+                </a:r>
+                <a14:m>
+                  <m:oMath xmlns:m="http://schemas.openxmlformats.org/officeDocument/2006/math">
+                    <m:sSub>
+                      <m:sSubPr>
+                        <m:ctrlPr>
+                          <a:rPr lang="en-US" altLang="zh-CN" i="1" dirty="0" smtClean="0">
+                            <a:latin typeface="Cambria Math" panose="02040503050406030204" pitchFamily="18" charset="0"/>
+                            <a:cs typeface="Calibri" panose="020F0502020204030204" pitchFamily="34" charset="0"/>
+                          </a:rPr>
+                        </m:ctrlPr>
+                      </m:sSubPr>
+                      <m:e>
+                        <m:r>
+                          <a:rPr lang="en-US" altLang="zh-CN" i="1" dirty="0" smtClean="0">
+                            <a:latin typeface="Cambria Math" panose="02040503050406030204" pitchFamily="18" charset="0"/>
+                            <a:cs typeface="Calibri" panose="020F0502020204030204" pitchFamily="34" charset="0"/>
+                          </a:rPr>
+                          <m:t>𝑥</m:t>
+                        </m:r>
+                      </m:e>
+                      <m:sub>
+                        <m:r>
+                          <a:rPr lang="en-US" altLang="zh-CN" i="1" dirty="0" smtClean="0">
+                            <a:latin typeface="Cambria Math" panose="02040503050406030204" pitchFamily="18" charset="0"/>
+                            <a:cs typeface="Calibri" panose="020F0502020204030204" pitchFamily="34" charset="0"/>
+                          </a:rPr>
+                          <m:t>2</m:t>
+                        </m:r>
+                      </m:sub>
+                    </m:sSub>
+                  </m:oMath>
+                </a14:m>
+                <a:r>
+                  <a:rPr lang="en-US" altLang="zh-CN" dirty="0" smtClean="0">
+                    <a:latin typeface="Calibri" panose="020F0502020204030204" pitchFamily="34" charset="0"/>
+                    <a:cs typeface="Calibri" panose="020F0502020204030204" pitchFamily="34" charset="0"/>
+                  </a:rPr>
+                  <a:t> </a:t>
+                </a:r>
+                <a:r>
+                  <a:rPr lang="en-US" altLang="zh-CN" dirty="0">
+                    <a:latin typeface="Calibri" panose="020F0502020204030204" pitchFamily="34" charset="0"/>
+                    <a:cs typeface="Calibri" panose="020F0502020204030204" pitchFamily="34" charset="0"/>
+                  </a:rPr>
+                  <a:t>are independent of each other in the </a:t>
+                </a:r>
+                <a:r>
+                  <a:rPr lang="en-US" altLang="zh-CN" dirty="0" smtClean="0">
+                    <a:latin typeface="Calibri" panose="020F0502020204030204" pitchFamily="34" charset="0"/>
+                    <a:cs typeface="Calibri" panose="020F0502020204030204" pitchFamily="34" charset="0"/>
+                  </a:rPr>
+                  <a:t>Head to Head </a:t>
+                </a:r>
+                <a:r>
+                  <a:rPr lang="en-US" altLang="zh-CN" dirty="0">
+                    <a:latin typeface="Calibri" panose="020F0502020204030204" pitchFamily="34" charset="0"/>
+                    <a:cs typeface="Calibri" panose="020F0502020204030204" pitchFamily="34" charset="0"/>
+                  </a:rPr>
+                  <a:t>structure. This independence is called "</a:t>
+                </a:r>
+                <a:r>
+                  <a:rPr lang="en-US" altLang="zh-CN" dirty="0">
+                    <a:solidFill>
+                      <a:srgbClr val="008000"/>
+                    </a:solidFill>
+                    <a:latin typeface="Calibri" panose="020F0502020204030204" pitchFamily="34" charset="0"/>
+                    <a:cs typeface="Calibri" panose="020F0502020204030204" pitchFamily="34" charset="0"/>
+                  </a:rPr>
+                  <a:t>marginal independence</a:t>
+                </a:r>
+                <a:r>
+                  <a:rPr lang="en-US" altLang="zh-CN" dirty="0">
+                    <a:latin typeface="Calibri" panose="020F0502020204030204" pitchFamily="34" charset="0"/>
+                    <a:cs typeface="Calibri" panose="020F0502020204030204" pitchFamily="34" charset="0"/>
+                  </a:rPr>
+                  <a:t>."</a:t>
+                </a:r>
+                <a:r>
+                  <a:rPr lang="en-US" altLang="zh-CN" dirty="0" smtClean="0">
+                    <a:latin typeface="Calibri"/>
+                    <a:cs typeface="Calibri"/>
+                  </a:rPr>
+                  <a:t>  </a:t>
+                </a:r>
+              </a:p>
+              <a:p>
+                <a:pPr marL="285750" indent="-285750">
+                  <a:buFont typeface="Arial" panose="020B0604020202020204" pitchFamily="34" charset="0"/>
+                  <a:buChar char="•"/>
+                </a:pPr>
+                <a:r>
+                  <a:rPr lang="en-US" altLang="zh-CN" b="1" dirty="0" smtClean="0">
+                    <a:latin typeface="Calibri"/>
+                    <a:cs typeface="Calibri"/>
+                  </a:rPr>
+                  <a:t>Head to Tail:</a:t>
+                </a:r>
+                <a:r>
+                  <a:rPr lang="en-US" altLang="zh-CN" dirty="0" smtClean="0">
+                    <a:latin typeface="Calibri"/>
+                    <a:cs typeface="Calibri"/>
+                  </a:rPr>
+                  <a:t> Given the value of X, Z and Y are conditionally independent.</a:t>
+                </a:r>
+                <a:endParaRPr lang="zh-CN" altLang="en-US" b="1" dirty="0" err="1" smtClean="0">
+                  <a:latin typeface="Calibri"/>
+                  <a:cs typeface="Calibri"/>
+                </a:endParaRPr>
+              </a:p>
+            </p:txBody>
+          </p:sp>
+        </mc:Choice>
+        <mc:Fallback>
+          <p:sp>
+            <p:nvSpPr>
+              <p:cNvPr id="45" name="文本框 44"/>
+              <p:cNvSpPr txBox="1">
+                <a:spLocks noRot="1" noChangeAspect="1" noMove="1" noResize="1" noEditPoints="1" noAdjustHandles="1" noChangeArrowheads="1" noChangeShapeType="1" noTextEdit="1"/>
+              </p:cNvSpPr>
+              <p:nvPr/>
+            </p:nvSpPr>
+            <p:spPr>
+              <a:xfrm>
+                <a:off x="148936" y="2982735"/>
+                <a:ext cx="8763000" cy="2031325"/>
+              </a:xfrm>
+              <a:prstGeom prst="rect">
+                <a:avLst/>
+              </a:prstGeom>
+              <a:blipFill>
+                <a:blip r:embed="rId3"/>
+                <a:stretch>
+                  <a:fillRect l="-417" t="-1497" b="-3593"/>
+                </a:stretch>
+              </a:blipFill>
+            </p:spPr>
+            <p:txBody>
+              <a:bodyPr/>
+              <a:lstStyle/>
+              <a:p>
+                <a:r>
+                  <a:rPr lang="zh-CN" altLang="en-US">
+                    <a:noFill/>
+                  </a:rPr>
+                  <a:t> </a:t>
+                </a:r>
+              </a:p>
+            </p:txBody>
+          </p:sp>
+        </mc:Fallback>
+      </mc:AlternateContent>
     </p:spTree>
     <p:extLst>
       <p:ext uri="{BB962C8B-B14F-4D97-AF65-F5344CB8AC3E}">
@@ -21378,12 +26002,1986 @@
           <a:p>
             <a:r>
               <a:rPr lang="en-US" altLang="zh-CN" sz="3600" b="1" kern="0" dirty="0" smtClean="0"/>
-              <a:t>Course Textbook</a:t>
+              <a:t>Structure</a:t>
             </a:r>
             <a:endParaRPr lang="zh-CN" altLang="en-US" sz="3600" b="1" kern="0" dirty="0"/>
           </a:p>
         </p:txBody>
       </p:sp>
+      <p:sp>
+        <p:nvSpPr>
+          <p:cNvPr id="2" name="矩形 1"/>
+          <p:cNvSpPr/>
+          <p:nvPr/>
+        </p:nvSpPr>
+        <p:spPr>
+          <a:xfrm>
+            <a:off x="12192" y="528828"/>
+            <a:ext cx="9055608" cy="830997"/>
+          </a:xfrm>
+          <a:prstGeom prst="rect">
+            <a:avLst/>
+          </a:prstGeom>
+        </p:spPr>
+        <p:txBody>
+          <a:bodyPr wrap="square">
+            <a:spAutoFit/>
+          </a:bodyPr>
+          <a:lstStyle/>
+          <a:p>
+            <a:r>
+              <a:rPr lang="zh-CN" altLang="en-US" sz="1600" dirty="0">
+                <a:latin typeface="Calibri" panose="020F0502020204030204" pitchFamily="34" charset="0"/>
+                <a:cs typeface="Calibri" panose="020F0502020204030204" pitchFamily="34" charset="0"/>
+              </a:rPr>
+              <a:t>In order to analyze the conditional independence among variables in a directed graph, </a:t>
+            </a:r>
+            <a:endParaRPr lang="en-US" altLang="zh-CN" sz="1600" dirty="0" smtClean="0">
+              <a:latin typeface="Calibri" panose="020F0502020204030204" pitchFamily="34" charset="0"/>
+              <a:cs typeface="Calibri" panose="020F0502020204030204" pitchFamily="34" charset="0"/>
+            </a:endParaRPr>
+          </a:p>
+          <a:p>
+            <a:r>
+              <a:rPr lang="zh-CN" altLang="en-US" sz="1600" b="1" dirty="0" smtClean="0">
+                <a:solidFill>
+                  <a:srgbClr val="00B050"/>
+                </a:solidFill>
+                <a:latin typeface="Calibri" panose="020F0502020204030204" pitchFamily="34" charset="0"/>
+                <a:cs typeface="Calibri" panose="020F0502020204030204" pitchFamily="34" charset="0"/>
+              </a:rPr>
+              <a:t>D</a:t>
+            </a:r>
+            <a:r>
+              <a:rPr lang="zh-CN" altLang="en-US" sz="1600" b="1" dirty="0">
+                <a:solidFill>
+                  <a:srgbClr val="00B050"/>
+                </a:solidFill>
+                <a:latin typeface="Calibri" panose="020F0502020204030204" pitchFamily="34" charset="0"/>
+                <a:cs typeface="Calibri" panose="020F0502020204030204" pitchFamily="34" charset="0"/>
+              </a:rPr>
+              <a:t>-separation </a:t>
+            </a:r>
+            <a:r>
+              <a:rPr lang="zh-CN" altLang="en-US" sz="1600" dirty="0">
+                <a:latin typeface="Calibri" panose="020F0502020204030204" pitchFamily="34" charset="0"/>
+                <a:cs typeface="Calibri" panose="020F0502020204030204" pitchFamily="34" charset="0"/>
+              </a:rPr>
+              <a:t>can be used to convert a directed graph into an undirected graph. The resulting undirected graph is also known as the </a:t>
+            </a:r>
+            <a:r>
+              <a:rPr lang="zh-CN" altLang="en-US" sz="1600" dirty="0">
+                <a:solidFill>
+                  <a:srgbClr val="00B050"/>
+                </a:solidFill>
+                <a:latin typeface="Calibri" panose="020F0502020204030204" pitchFamily="34" charset="0"/>
+                <a:cs typeface="Calibri" panose="020F0502020204030204" pitchFamily="34" charset="0"/>
+              </a:rPr>
+              <a:t>moral graph</a:t>
+            </a:r>
+            <a:r>
+              <a:rPr lang="zh-CN" altLang="en-US" sz="1600" dirty="0">
+                <a:latin typeface="Calibri" panose="020F0502020204030204" pitchFamily="34" charset="0"/>
+                <a:cs typeface="Calibri" panose="020F0502020204030204" pitchFamily="34" charset="0"/>
+              </a:rPr>
+              <a:t>. The process of linking the parent nodes is called </a:t>
+            </a:r>
+            <a:r>
+              <a:rPr lang="zh-CN" altLang="en-US" sz="1600" dirty="0">
+                <a:solidFill>
+                  <a:srgbClr val="00B050"/>
+                </a:solidFill>
+                <a:latin typeface="Calibri" panose="020F0502020204030204" pitchFamily="34" charset="0"/>
+                <a:cs typeface="Calibri" panose="020F0502020204030204" pitchFamily="34" charset="0"/>
+              </a:rPr>
+              <a:t>moralization</a:t>
+            </a:r>
+            <a:r>
+              <a:rPr lang="zh-CN" altLang="en-US" sz="1600" dirty="0">
+                <a:latin typeface="Calibri" panose="020F0502020204030204" pitchFamily="34" charset="0"/>
+                <a:cs typeface="Calibri" panose="020F0502020204030204" pitchFamily="34" charset="0"/>
+              </a:rPr>
+              <a:t>.</a:t>
+            </a:r>
+          </a:p>
+        </p:txBody>
+      </p:sp>
+      <p:grpSp>
+        <p:nvGrpSpPr>
+          <p:cNvPr id="31" name="组合 30"/>
+          <p:cNvGrpSpPr/>
+          <p:nvPr/>
+        </p:nvGrpSpPr>
+        <p:grpSpPr>
+          <a:xfrm>
+            <a:off x="3892296" y="1885950"/>
+            <a:ext cx="5175504" cy="984786"/>
+            <a:chOff x="3892296" y="1939770"/>
+            <a:chExt cx="5175504" cy="984786"/>
+          </a:xfrm>
+        </p:grpSpPr>
+        <p:grpSp>
+          <p:nvGrpSpPr>
+            <p:cNvPr id="4" name="组合 3"/>
+            <p:cNvGrpSpPr/>
+            <p:nvPr/>
+          </p:nvGrpSpPr>
+          <p:grpSpPr>
+            <a:xfrm>
+              <a:off x="3892296" y="2038350"/>
+              <a:ext cx="2432304" cy="886206"/>
+              <a:chOff x="1054608" y="3790950"/>
+              <a:chExt cx="3188208" cy="914400"/>
+            </a:xfrm>
+          </p:grpSpPr>
+          <p:sp>
+            <p:nvSpPr>
+              <p:cNvPr id="5" name="椭圆 4"/>
+              <p:cNvSpPr/>
+              <p:nvPr/>
+            </p:nvSpPr>
+            <p:spPr>
+              <a:xfrm>
+                <a:off x="1740408" y="3790950"/>
+                <a:ext cx="685800" cy="304800"/>
+              </a:xfrm>
+              <a:prstGeom prst="ellipse">
+                <a:avLst/>
+              </a:prstGeom>
+            </p:spPr>
+            <p:style>
+              <a:lnRef idx="2">
+                <a:schemeClr val="accent1">
+                  <a:shade val="50000"/>
+                </a:schemeClr>
+              </a:lnRef>
+              <a:fillRef idx="1">
+                <a:schemeClr val="accent1"/>
+              </a:fillRef>
+              <a:effectRef idx="0">
+                <a:schemeClr val="accent1"/>
+              </a:effectRef>
+              <a:fontRef idx="minor">
+                <a:schemeClr val="lt1"/>
+              </a:fontRef>
+            </p:style>
+            <p:txBody>
+              <a:bodyPr rtlCol="0" anchor="ctr"/>
+              <a:lstStyle/>
+              <a:p>
+                <a:pPr algn="ctr"/>
+                <a:r>
+                  <a:rPr lang="en-US" altLang="zh-CN" sz="1200" dirty="0" smtClean="0">
+                    <a:solidFill>
+                      <a:sysClr val="windowText" lastClr="000000"/>
+                    </a:solidFill>
+                  </a:rPr>
+                  <a:t>X1</a:t>
+                </a:r>
+                <a:endParaRPr lang="zh-CN" altLang="en-US" sz="1200" dirty="0">
+                  <a:solidFill>
+                    <a:sysClr val="windowText" lastClr="000000"/>
+                  </a:solidFill>
+                </a:endParaRPr>
+              </a:p>
+            </p:txBody>
+          </p:sp>
+          <p:sp>
+            <p:nvSpPr>
+              <p:cNvPr id="6" name="椭圆 5"/>
+              <p:cNvSpPr/>
+              <p:nvPr/>
+            </p:nvSpPr>
+            <p:spPr>
+              <a:xfrm>
+                <a:off x="1054608" y="4372356"/>
+                <a:ext cx="685800" cy="304800"/>
+              </a:xfrm>
+              <a:prstGeom prst="ellipse">
+                <a:avLst/>
+              </a:prstGeom>
+            </p:spPr>
+            <p:style>
+              <a:lnRef idx="2">
+                <a:schemeClr val="accent1">
+                  <a:shade val="50000"/>
+                </a:schemeClr>
+              </a:lnRef>
+              <a:fillRef idx="1">
+                <a:schemeClr val="accent1"/>
+              </a:fillRef>
+              <a:effectRef idx="0">
+                <a:schemeClr val="accent1"/>
+              </a:effectRef>
+              <a:fontRef idx="minor">
+                <a:schemeClr val="lt1"/>
+              </a:fontRef>
+            </p:style>
+            <p:txBody>
+              <a:bodyPr rtlCol="0" anchor="ctr"/>
+              <a:lstStyle/>
+              <a:p>
+                <a:pPr algn="ctr"/>
+                <a:r>
+                  <a:rPr lang="en-US" altLang="zh-CN" sz="1200" dirty="0" smtClean="0">
+                    <a:solidFill>
+                      <a:sysClr val="windowText" lastClr="000000"/>
+                    </a:solidFill>
+                  </a:rPr>
+                  <a:t>X3</a:t>
+                </a:r>
+                <a:endParaRPr lang="zh-CN" altLang="en-US" sz="1200" dirty="0">
+                  <a:solidFill>
+                    <a:sysClr val="windowText" lastClr="000000"/>
+                  </a:solidFill>
+                </a:endParaRPr>
+              </a:p>
+            </p:txBody>
+          </p:sp>
+          <p:sp>
+            <p:nvSpPr>
+              <p:cNvPr id="7" name="椭圆 6"/>
+              <p:cNvSpPr/>
+              <p:nvPr/>
+            </p:nvSpPr>
+            <p:spPr>
+              <a:xfrm>
+                <a:off x="2991612" y="3790950"/>
+                <a:ext cx="685800" cy="304800"/>
+              </a:xfrm>
+              <a:prstGeom prst="ellipse">
+                <a:avLst/>
+              </a:prstGeom>
+            </p:spPr>
+            <p:style>
+              <a:lnRef idx="2">
+                <a:schemeClr val="accent1">
+                  <a:shade val="50000"/>
+                </a:schemeClr>
+              </a:lnRef>
+              <a:fillRef idx="1">
+                <a:schemeClr val="accent1"/>
+              </a:fillRef>
+              <a:effectRef idx="0">
+                <a:schemeClr val="accent1"/>
+              </a:effectRef>
+              <a:fontRef idx="minor">
+                <a:schemeClr val="lt1"/>
+              </a:fontRef>
+            </p:style>
+            <p:txBody>
+              <a:bodyPr rtlCol="0" anchor="ctr"/>
+              <a:lstStyle/>
+              <a:p>
+                <a:pPr algn="ctr"/>
+                <a:r>
+                  <a:rPr lang="en-US" altLang="zh-CN" sz="1200" dirty="0" smtClean="0">
+                    <a:solidFill>
+                      <a:sysClr val="windowText" lastClr="000000"/>
+                    </a:solidFill>
+                  </a:rPr>
+                  <a:t>X2</a:t>
+                </a:r>
+                <a:endParaRPr lang="zh-CN" altLang="en-US" sz="1200" dirty="0">
+                  <a:solidFill>
+                    <a:sysClr val="windowText" lastClr="000000"/>
+                  </a:solidFill>
+                </a:endParaRPr>
+              </a:p>
+            </p:txBody>
+          </p:sp>
+          <p:sp>
+            <p:nvSpPr>
+              <p:cNvPr id="8" name="椭圆 7"/>
+              <p:cNvSpPr/>
+              <p:nvPr/>
+            </p:nvSpPr>
+            <p:spPr>
+              <a:xfrm>
+                <a:off x="2305812" y="4400550"/>
+                <a:ext cx="685800" cy="304800"/>
+              </a:xfrm>
+              <a:prstGeom prst="ellipse">
+                <a:avLst/>
+              </a:prstGeom>
+            </p:spPr>
+            <p:style>
+              <a:lnRef idx="2">
+                <a:schemeClr val="accent1">
+                  <a:shade val="50000"/>
+                </a:schemeClr>
+              </a:lnRef>
+              <a:fillRef idx="1">
+                <a:schemeClr val="accent1"/>
+              </a:fillRef>
+              <a:effectRef idx="0">
+                <a:schemeClr val="accent1"/>
+              </a:effectRef>
+              <a:fontRef idx="minor">
+                <a:schemeClr val="lt1"/>
+              </a:fontRef>
+            </p:style>
+            <p:txBody>
+              <a:bodyPr rtlCol="0" anchor="ctr"/>
+              <a:lstStyle/>
+              <a:p>
+                <a:pPr algn="ctr"/>
+                <a:r>
+                  <a:rPr lang="en-US" altLang="zh-CN" sz="1200" dirty="0" smtClean="0">
+                    <a:solidFill>
+                      <a:sysClr val="windowText" lastClr="000000"/>
+                    </a:solidFill>
+                  </a:rPr>
+                  <a:t>X4</a:t>
+                </a:r>
+                <a:endParaRPr lang="zh-CN" altLang="en-US" sz="1200" dirty="0">
+                  <a:solidFill>
+                    <a:sysClr val="windowText" lastClr="000000"/>
+                  </a:solidFill>
+                </a:endParaRPr>
+              </a:p>
+            </p:txBody>
+          </p:sp>
+          <p:sp>
+            <p:nvSpPr>
+              <p:cNvPr id="9" name="椭圆 8"/>
+              <p:cNvSpPr/>
+              <p:nvPr/>
+            </p:nvSpPr>
+            <p:spPr>
+              <a:xfrm>
+                <a:off x="3557016" y="4372356"/>
+                <a:ext cx="685800" cy="304800"/>
+              </a:xfrm>
+              <a:prstGeom prst="ellipse">
+                <a:avLst/>
+              </a:prstGeom>
+            </p:spPr>
+            <p:style>
+              <a:lnRef idx="2">
+                <a:schemeClr val="accent1">
+                  <a:shade val="50000"/>
+                </a:schemeClr>
+              </a:lnRef>
+              <a:fillRef idx="1">
+                <a:schemeClr val="accent1"/>
+              </a:fillRef>
+              <a:effectRef idx="0">
+                <a:schemeClr val="accent1"/>
+              </a:effectRef>
+              <a:fontRef idx="minor">
+                <a:schemeClr val="lt1"/>
+              </a:fontRef>
+            </p:style>
+            <p:txBody>
+              <a:bodyPr rtlCol="0" anchor="ctr"/>
+              <a:lstStyle/>
+              <a:p>
+                <a:pPr algn="ctr"/>
+                <a:r>
+                  <a:rPr lang="en-US" altLang="zh-CN" sz="1200" dirty="0" smtClean="0">
+                    <a:solidFill>
+                      <a:sysClr val="windowText" lastClr="000000"/>
+                    </a:solidFill>
+                  </a:rPr>
+                  <a:t>X4</a:t>
+                </a:r>
+                <a:endParaRPr lang="zh-CN" altLang="en-US" sz="1200" dirty="0">
+                  <a:solidFill>
+                    <a:sysClr val="windowText" lastClr="000000"/>
+                  </a:solidFill>
+                </a:endParaRPr>
+              </a:p>
+            </p:txBody>
+          </p:sp>
+          <p:cxnSp>
+            <p:nvCxnSpPr>
+              <p:cNvPr id="10" name="直接箭头连接符 9"/>
+              <p:cNvCxnSpPr>
+                <a:stCxn id="5" idx="3"/>
+                <a:endCxn id="6" idx="0"/>
+              </p:cNvCxnSpPr>
+              <p:nvPr/>
+            </p:nvCxnSpPr>
+            <p:spPr>
+              <a:xfrm flipH="1">
+                <a:off x="1397508" y="4051113"/>
+                <a:ext cx="443333" cy="321243"/>
+              </a:xfrm>
+              <a:prstGeom prst="straightConnector1">
+                <a:avLst/>
+              </a:prstGeom>
+              <a:ln>
+                <a:solidFill>
+                  <a:schemeClr val="tx1">
+                    <a:lumMod val="95000"/>
+                    <a:lumOff val="5000"/>
+                  </a:schemeClr>
+                </a:solidFill>
+                <a:tailEnd type="triangle"/>
+              </a:ln>
+            </p:spPr>
+            <p:style>
+              <a:lnRef idx="1">
+                <a:schemeClr val="accent1"/>
+              </a:lnRef>
+              <a:fillRef idx="0">
+                <a:schemeClr val="accent1"/>
+              </a:fillRef>
+              <a:effectRef idx="0">
+                <a:schemeClr val="accent1"/>
+              </a:effectRef>
+              <a:fontRef idx="minor">
+                <a:schemeClr val="tx1"/>
+              </a:fontRef>
+            </p:style>
+          </p:cxnSp>
+          <p:cxnSp>
+            <p:nvCxnSpPr>
+              <p:cNvPr id="11" name="直接箭头连接符 10"/>
+              <p:cNvCxnSpPr>
+                <a:stCxn id="5" idx="5"/>
+                <a:endCxn id="8" idx="0"/>
+              </p:cNvCxnSpPr>
+              <p:nvPr/>
+            </p:nvCxnSpPr>
+            <p:spPr>
+              <a:xfrm>
+                <a:off x="2325775" y="4051113"/>
+                <a:ext cx="322937" cy="349437"/>
+              </a:xfrm>
+              <a:prstGeom prst="straightConnector1">
+                <a:avLst/>
+              </a:prstGeom>
+              <a:ln>
+                <a:solidFill>
+                  <a:schemeClr val="tx1">
+                    <a:lumMod val="95000"/>
+                    <a:lumOff val="5000"/>
+                  </a:schemeClr>
+                </a:solidFill>
+                <a:tailEnd type="triangle"/>
+              </a:ln>
+            </p:spPr>
+            <p:style>
+              <a:lnRef idx="1">
+                <a:schemeClr val="accent1"/>
+              </a:lnRef>
+              <a:fillRef idx="0">
+                <a:schemeClr val="accent1"/>
+              </a:fillRef>
+              <a:effectRef idx="0">
+                <a:schemeClr val="accent1"/>
+              </a:effectRef>
+              <a:fontRef idx="minor">
+                <a:schemeClr val="tx1"/>
+              </a:fontRef>
+            </p:style>
+          </p:cxnSp>
+          <p:cxnSp>
+            <p:nvCxnSpPr>
+              <p:cNvPr id="13" name="直接箭头连接符 12"/>
+              <p:cNvCxnSpPr>
+                <a:stCxn id="7" idx="3"/>
+                <a:endCxn id="8" idx="0"/>
+              </p:cNvCxnSpPr>
+              <p:nvPr/>
+            </p:nvCxnSpPr>
+            <p:spPr>
+              <a:xfrm flipH="1">
+                <a:off x="2648712" y="4051113"/>
+                <a:ext cx="443333" cy="349437"/>
+              </a:xfrm>
+              <a:prstGeom prst="straightConnector1">
+                <a:avLst/>
+              </a:prstGeom>
+              <a:ln>
+                <a:solidFill>
+                  <a:schemeClr val="tx1">
+                    <a:lumMod val="95000"/>
+                    <a:lumOff val="5000"/>
+                  </a:schemeClr>
+                </a:solidFill>
+                <a:tailEnd type="triangle"/>
+              </a:ln>
+            </p:spPr>
+            <p:style>
+              <a:lnRef idx="1">
+                <a:schemeClr val="accent1"/>
+              </a:lnRef>
+              <a:fillRef idx="0">
+                <a:schemeClr val="accent1"/>
+              </a:fillRef>
+              <a:effectRef idx="0">
+                <a:schemeClr val="accent1"/>
+              </a:effectRef>
+              <a:fontRef idx="minor">
+                <a:schemeClr val="tx1"/>
+              </a:fontRef>
+            </p:style>
+          </p:cxnSp>
+          <p:cxnSp>
+            <p:nvCxnSpPr>
+              <p:cNvPr id="14" name="直接箭头连接符 13"/>
+              <p:cNvCxnSpPr>
+                <a:stCxn id="7" idx="5"/>
+                <a:endCxn id="9" idx="0"/>
+              </p:cNvCxnSpPr>
+              <p:nvPr/>
+            </p:nvCxnSpPr>
+            <p:spPr>
+              <a:xfrm>
+                <a:off x="3576979" y="4051113"/>
+                <a:ext cx="322937" cy="321243"/>
+              </a:xfrm>
+              <a:prstGeom prst="straightConnector1">
+                <a:avLst/>
+              </a:prstGeom>
+              <a:ln>
+                <a:solidFill>
+                  <a:schemeClr val="tx1">
+                    <a:lumMod val="95000"/>
+                    <a:lumOff val="5000"/>
+                  </a:schemeClr>
+                </a:solidFill>
+                <a:tailEnd type="triangle"/>
+              </a:ln>
+            </p:spPr>
+            <p:style>
+              <a:lnRef idx="1">
+                <a:schemeClr val="accent1"/>
+              </a:lnRef>
+              <a:fillRef idx="0">
+                <a:schemeClr val="accent1"/>
+              </a:fillRef>
+              <a:effectRef idx="0">
+                <a:schemeClr val="accent1"/>
+              </a:effectRef>
+              <a:fontRef idx="minor">
+                <a:schemeClr val="tx1"/>
+              </a:fontRef>
+            </p:style>
+          </p:cxnSp>
+        </p:grpSp>
+        <p:grpSp>
+          <p:nvGrpSpPr>
+            <p:cNvPr id="15" name="组合 14"/>
+            <p:cNvGrpSpPr/>
+            <p:nvPr/>
+          </p:nvGrpSpPr>
+          <p:grpSpPr>
+            <a:xfrm>
+              <a:off x="6635496" y="2038350"/>
+              <a:ext cx="2432304" cy="886206"/>
+              <a:chOff x="1054608" y="3790950"/>
+              <a:chExt cx="3188208" cy="914400"/>
+            </a:xfrm>
+          </p:grpSpPr>
+          <p:sp>
+            <p:nvSpPr>
+              <p:cNvPr id="16" name="椭圆 15"/>
+              <p:cNvSpPr/>
+              <p:nvPr/>
+            </p:nvSpPr>
+            <p:spPr>
+              <a:xfrm>
+                <a:off x="1740408" y="3790950"/>
+                <a:ext cx="685800" cy="304800"/>
+              </a:xfrm>
+              <a:prstGeom prst="ellipse">
+                <a:avLst/>
+              </a:prstGeom>
+            </p:spPr>
+            <p:style>
+              <a:lnRef idx="2">
+                <a:schemeClr val="accent1">
+                  <a:shade val="50000"/>
+                </a:schemeClr>
+              </a:lnRef>
+              <a:fillRef idx="1">
+                <a:schemeClr val="accent1"/>
+              </a:fillRef>
+              <a:effectRef idx="0">
+                <a:schemeClr val="accent1"/>
+              </a:effectRef>
+              <a:fontRef idx="minor">
+                <a:schemeClr val="lt1"/>
+              </a:fontRef>
+            </p:style>
+            <p:txBody>
+              <a:bodyPr rtlCol="0" anchor="ctr"/>
+              <a:lstStyle/>
+              <a:p>
+                <a:pPr algn="ctr"/>
+                <a:r>
+                  <a:rPr lang="en-US" altLang="zh-CN" sz="1200" dirty="0" smtClean="0">
+                    <a:solidFill>
+                      <a:sysClr val="windowText" lastClr="000000"/>
+                    </a:solidFill>
+                  </a:rPr>
+                  <a:t>X1</a:t>
+                </a:r>
+                <a:endParaRPr lang="zh-CN" altLang="en-US" sz="1200" dirty="0">
+                  <a:solidFill>
+                    <a:sysClr val="windowText" lastClr="000000"/>
+                  </a:solidFill>
+                </a:endParaRPr>
+              </a:p>
+            </p:txBody>
+          </p:sp>
+          <p:sp>
+            <p:nvSpPr>
+              <p:cNvPr id="17" name="椭圆 16"/>
+              <p:cNvSpPr/>
+              <p:nvPr/>
+            </p:nvSpPr>
+            <p:spPr>
+              <a:xfrm>
+                <a:off x="1054608" y="4372356"/>
+                <a:ext cx="685800" cy="304800"/>
+              </a:xfrm>
+              <a:prstGeom prst="ellipse">
+                <a:avLst/>
+              </a:prstGeom>
+            </p:spPr>
+            <p:style>
+              <a:lnRef idx="2">
+                <a:schemeClr val="accent1">
+                  <a:shade val="50000"/>
+                </a:schemeClr>
+              </a:lnRef>
+              <a:fillRef idx="1">
+                <a:schemeClr val="accent1"/>
+              </a:fillRef>
+              <a:effectRef idx="0">
+                <a:schemeClr val="accent1"/>
+              </a:effectRef>
+              <a:fontRef idx="minor">
+                <a:schemeClr val="lt1"/>
+              </a:fontRef>
+            </p:style>
+            <p:txBody>
+              <a:bodyPr rtlCol="0" anchor="ctr"/>
+              <a:lstStyle/>
+              <a:p>
+                <a:pPr algn="ctr"/>
+                <a:r>
+                  <a:rPr lang="en-US" altLang="zh-CN" sz="1200" dirty="0" smtClean="0">
+                    <a:solidFill>
+                      <a:sysClr val="windowText" lastClr="000000"/>
+                    </a:solidFill>
+                  </a:rPr>
+                  <a:t>X3</a:t>
+                </a:r>
+                <a:endParaRPr lang="zh-CN" altLang="en-US" sz="1200" dirty="0">
+                  <a:solidFill>
+                    <a:sysClr val="windowText" lastClr="000000"/>
+                  </a:solidFill>
+                </a:endParaRPr>
+              </a:p>
+            </p:txBody>
+          </p:sp>
+          <p:sp>
+            <p:nvSpPr>
+              <p:cNvPr id="18" name="椭圆 17"/>
+              <p:cNvSpPr/>
+              <p:nvPr/>
+            </p:nvSpPr>
+            <p:spPr>
+              <a:xfrm>
+                <a:off x="2991612" y="3790950"/>
+                <a:ext cx="685800" cy="304800"/>
+              </a:xfrm>
+              <a:prstGeom prst="ellipse">
+                <a:avLst/>
+              </a:prstGeom>
+            </p:spPr>
+            <p:style>
+              <a:lnRef idx="2">
+                <a:schemeClr val="accent1">
+                  <a:shade val="50000"/>
+                </a:schemeClr>
+              </a:lnRef>
+              <a:fillRef idx="1">
+                <a:schemeClr val="accent1"/>
+              </a:fillRef>
+              <a:effectRef idx="0">
+                <a:schemeClr val="accent1"/>
+              </a:effectRef>
+              <a:fontRef idx="minor">
+                <a:schemeClr val="lt1"/>
+              </a:fontRef>
+            </p:style>
+            <p:txBody>
+              <a:bodyPr rtlCol="0" anchor="ctr"/>
+              <a:lstStyle/>
+              <a:p>
+                <a:pPr algn="ctr"/>
+                <a:r>
+                  <a:rPr lang="en-US" altLang="zh-CN" sz="1200" dirty="0" smtClean="0">
+                    <a:solidFill>
+                      <a:sysClr val="windowText" lastClr="000000"/>
+                    </a:solidFill>
+                  </a:rPr>
+                  <a:t>X2</a:t>
+                </a:r>
+                <a:endParaRPr lang="zh-CN" altLang="en-US" sz="1200" dirty="0">
+                  <a:solidFill>
+                    <a:sysClr val="windowText" lastClr="000000"/>
+                  </a:solidFill>
+                </a:endParaRPr>
+              </a:p>
+            </p:txBody>
+          </p:sp>
+          <p:sp>
+            <p:nvSpPr>
+              <p:cNvPr id="19" name="椭圆 18"/>
+              <p:cNvSpPr/>
+              <p:nvPr/>
+            </p:nvSpPr>
+            <p:spPr>
+              <a:xfrm>
+                <a:off x="2305812" y="4400550"/>
+                <a:ext cx="685800" cy="304800"/>
+              </a:xfrm>
+              <a:prstGeom prst="ellipse">
+                <a:avLst/>
+              </a:prstGeom>
+            </p:spPr>
+            <p:style>
+              <a:lnRef idx="2">
+                <a:schemeClr val="accent1">
+                  <a:shade val="50000"/>
+                </a:schemeClr>
+              </a:lnRef>
+              <a:fillRef idx="1">
+                <a:schemeClr val="accent1"/>
+              </a:fillRef>
+              <a:effectRef idx="0">
+                <a:schemeClr val="accent1"/>
+              </a:effectRef>
+              <a:fontRef idx="minor">
+                <a:schemeClr val="lt1"/>
+              </a:fontRef>
+            </p:style>
+            <p:txBody>
+              <a:bodyPr rtlCol="0" anchor="ctr"/>
+              <a:lstStyle/>
+              <a:p>
+                <a:pPr algn="ctr"/>
+                <a:r>
+                  <a:rPr lang="en-US" altLang="zh-CN" sz="1200" dirty="0" smtClean="0">
+                    <a:solidFill>
+                      <a:sysClr val="windowText" lastClr="000000"/>
+                    </a:solidFill>
+                  </a:rPr>
+                  <a:t>X4</a:t>
+                </a:r>
+                <a:endParaRPr lang="zh-CN" altLang="en-US" sz="1200" dirty="0">
+                  <a:solidFill>
+                    <a:sysClr val="windowText" lastClr="000000"/>
+                  </a:solidFill>
+                </a:endParaRPr>
+              </a:p>
+            </p:txBody>
+          </p:sp>
+          <p:sp>
+            <p:nvSpPr>
+              <p:cNvPr id="20" name="椭圆 19"/>
+              <p:cNvSpPr/>
+              <p:nvPr/>
+            </p:nvSpPr>
+            <p:spPr>
+              <a:xfrm>
+                <a:off x="3557016" y="4372356"/>
+                <a:ext cx="685800" cy="304800"/>
+              </a:xfrm>
+              <a:prstGeom prst="ellipse">
+                <a:avLst/>
+              </a:prstGeom>
+            </p:spPr>
+            <p:style>
+              <a:lnRef idx="2">
+                <a:schemeClr val="accent1">
+                  <a:shade val="50000"/>
+                </a:schemeClr>
+              </a:lnRef>
+              <a:fillRef idx="1">
+                <a:schemeClr val="accent1"/>
+              </a:fillRef>
+              <a:effectRef idx="0">
+                <a:schemeClr val="accent1"/>
+              </a:effectRef>
+              <a:fontRef idx="minor">
+                <a:schemeClr val="lt1"/>
+              </a:fontRef>
+            </p:style>
+            <p:txBody>
+              <a:bodyPr rtlCol="0" anchor="ctr"/>
+              <a:lstStyle/>
+              <a:p>
+                <a:pPr algn="ctr"/>
+                <a:r>
+                  <a:rPr lang="en-US" altLang="zh-CN" sz="1200" dirty="0" smtClean="0">
+                    <a:solidFill>
+                      <a:sysClr val="windowText" lastClr="000000"/>
+                    </a:solidFill>
+                  </a:rPr>
+                  <a:t>X4</a:t>
+                </a:r>
+                <a:endParaRPr lang="zh-CN" altLang="en-US" sz="1200" dirty="0">
+                  <a:solidFill>
+                    <a:sysClr val="windowText" lastClr="000000"/>
+                  </a:solidFill>
+                </a:endParaRPr>
+              </a:p>
+            </p:txBody>
+          </p:sp>
+          <p:cxnSp>
+            <p:nvCxnSpPr>
+              <p:cNvPr id="21" name="直接箭头连接符 20"/>
+              <p:cNvCxnSpPr>
+                <a:stCxn id="16" idx="3"/>
+                <a:endCxn id="17" idx="0"/>
+              </p:cNvCxnSpPr>
+              <p:nvPr/>
+            </p:nvCxnSpPr>
+            <p:spPr>
+              <a:xfrm flipH="1">
+                <a:off x="1397508" y="4051113"/>
+                <a:ext cx="443333" cy="321243"/>
+              </a:xfrm>
+              <a:prstGeom prst="straightConnector1">
+                <a:avLst/>
+              </a:prstGeom>
+              <a:ln>
+                <a:solidFill>
+                  <a:schemeClr val="tx1">
+                    <a:lumMod val="95000"/>
+                    <a:lumOff val="5000"/>
+                  </a:schemeClr>
+                </a:solidFill>
+                <a:headEnd type="none" w="med" len="med"/>
+                <a:tailEnd type="none" w="med" len="med"/>
+              </a:ln>
+            </p:spPr>
+            <p:style>
+              <a:lnRef idx="1">
+                <a:schemeClr val="accent1"/>
+              </a:lnRef>
+              <a:fillRef idx="0">
+                <a:schemeClr val="accent1"/>
+              </a:fillRef>
+              <a:effectRef idx="0">
+                <a:schemeClr val="accent1"/>
+              </a:effectRef>
+              <a:fontRef idx="minor">
+                <a:schemeClr val="tx1"/>
+              </a:fontRef>
+            </p:style>
+          </p:cxnSp>
+          <p:cxnSp>
+            <p:nvCxnSpPr>
+              <p:cNvPr id="22" name="直接箭头连接符 21"/>
+              <p:cNvCxnSpPr>
+                <a:stCxn id="16" idx="5"/>
+                <a:endCxn id="19" idx="0"/>
+              </p:cNvCxnSpPr>
+              <p:nvPr/>
+            </p:nvCxnSpPr>
+            <p:spPr>
+              <a:xfrm>
+                <a:off x="2325775" y="4051113"/>
+                <a:ext cx="322937" cy="349437"/>
+              </a:xfrm>
+              <a:prstGeom prst="straightConnector1">
+                <a:avLst/>
+              </a:prstGeom>
+              <a:ln>
+                <a:solidFill>
+                  <a:schemeClr val="tx1">
+                    <a:lumMod val="95000"/>
+                    <a:lumOff val="5000"/>
+                  </a:schemeClr>
+                </a:solidFill>
+                <a:headEnd type="none" w="med" len="med"/>
+                <a:tailEnd type="none" w="med" len="med"/>
+              </a:ln>
+            </p:spPr>
+            <p:style>
+              <a:lnRef idx="1">
+                <a:schemeClr val="accent1"/>
+              </a:lnRef>
+              <a:fillRef idx="0">
+                <a:schemeClr val="accent1"/>
+              </a:fillRef>
+              <a:effectRef idx="0">
+                <a:schemeClr val="accent1"/>
+              </a:effectRef>
+              <a:fontRef idx="minor">
+                <a:schemeClr val="tx1"/>
+              </a:fontRef>
+            </p:style>
+          </p:cxnSp>
+          <p:cxnSp>
+            <p:nvCxnSpPr>
+              <p:cNvPr id="23" name="直接箭头连接符 22"/>
+              <p:cNvCxnSpPr>
+                <a:stCxn id="18" idx="3"/>
+                <a:endCxn id="19" idx="0"/>
+              </p:cNvCxnSpPr>
+              <p:nvPr/>
+            </p:nvCxnSpPr>
+            <p:spPr>
+              <a:xfrm flipH="1">
+                <a:off x="2648712" y="4051113"/>
+                <a:ext cx="443333" cy="349437"/>
+              </a:xfrm>
+              <a:prstGeom prst="straightConnector1">
+                <a:avLst/>
+              </a:prstGeom>
+              <a:ln>
+                <a:solidFill>
+                  <a:schemeClr val="tx1">
+                    <a:lumMod val="95000"/>
+                    <a:lumOff val="5000"/>
+                  </a:schemeClr>
+                </a:solidFill>
+                <a:headEnd type="none" w="med" len="med"/>
+                <a:tailEnd type="none" w="med" len="med"/>
+              </a:ln>
+            </p:spPr>
+            <p:style>
+              <a:lnRef idx="1">
+                <a:schemeClr val="accent1"/>
+              </a:lnRef>
+              <a:fillRef idx="0">
+                <a:schemeClr val="accent1"/>
+              </a:fillRef>
+              <a:effectRef idx="0">
+                <a:schemeClr val="accent1"/>
+              </a:effectRef>
+              <a:fontRef idx="minor">
+                <a:schemeClr val="tx1"/>
+              </a:fontRef>
+            </p:style>
+          </p:cxnSp>
+          <p:cxnSp>
+            <p:nvCxnSpPr>
+              <p:cNvPr id="24" name="直接箭头连接符 23"/>
+              <p:cNvCxnSpPr>
+                <a:stCxn id="18" idx="5"/>
+                <a:endCxn id="20" idx="0"/>
+              </p:cNvCxnSpPr>
+              <p:nvPr/>
+            </p:nvCxnSpPr>
+            <p:spPr>
+              <a:xfrm>
+                <a:off x="3576979" y="4051113"/>
+                <a:ext cx="322937" cy="321243"/>
+              </a:xfrm>
+              <a:prstGeom prst="straightConnector1">
+                <a:avLst/>
+              </a:prstGeom>
+              <a:ln>
+                <a:solidFill>
+                  <a:schemeClr val="tx1">
+                    <a:lumMod val="95000"/>
+                    <a:lumOff val="5000"/>
+                  </a:schemeClr>
+                </a:solidFill>
+                <a:headEnd type="none" w="med" len="med"/>
+                <a:tailEnd type="none" w="med" len="med"/>
+              </a:ln>
+            </p:spPr>
+            <p:style>
+              <a:lnRef idx="1">
+                <a:schemeClr val="accent1"/>
+              </a:lnRef>
+              <a:fillRef idx="0">
+                <a:schemeClr val="accent1"/>
+              </a:fillRef>
+              <a:effectRef idx="0">
+                <a:schemeClr val="accent1"/>
+              </a:effectRef>
+              <a:fontRef idx="minor">
+                <a:schemeClr val="tx1"/>
+              </a:fontRef>
+            </p:style>
+          </p:cxnSp>
+          <p:cxnSp>
+            <p:nvCxnSpPr>
+              <p:cNvPr id="27" name="直接箭头连接符 26"/>
+              <p:cNvCxnSpPr>
+                <a:stCxn id="16" idx="6"/>
+                <a:endCxn id="18" idx="2"/>
+              </p:cNvCxnSpPr>
+              <p:nvPr/>
+            </p:nvCxnSpPr>
+            <p:spPr>
+              <a:xfrm>
+                <a:off x="2426208" y="3943350"/>
+                <a:ext cx="565405" cy="0"/>
+              </a:xfrm>
+              <a:prstGeom prst="straightConnector1">
+                <a:avLst/>
+              </a:prstGeom>
+              <a:ln>
+                <a:solidFill>
+                  <a:schemeClr val="tx1">
+                    <a:lumMod val="95000"/>
+                    <a:lumOff val="5000"/>
+                  </a:schemeClr>
+                </a:solidFill>
+                <a:headEnd type="none" w="med" len="med"/>
+                <a:tailEnd type="none" w="med" len="med"/>
+              </a:ln>
+            </p:spPr>
+            <p:style>
+              <a:lnRef idx="1">
+                <a:schemeClr val="accent1"/>
+              </a:lnRef>
+              <a:fillRef idx="0">
+                <a:schemeClr val="accent1"/>
+              </a:fillRef>
+              <a:effectRef idx="0">
+                <a:schemeClr val="accent1"/>
+              </a:effectRef>
+              <a:fontRef idx="minor">
+                <a:schemeClr val="tx1"/>
+              </a:fontRef>
+            </p:style>
+          </p:cxnSp>
+        </p:grpSp>
+        <p:sp>
+          <p:nvSpPr>
+            <p:cNvPr id="3" name="燕尾形箭头 2"/>
+            <p:cNvSpPr/>
+            <p:nvPr/>
+          </p:nvSpPr>
+          <p:spPr>
+            <a:xfrm>
+              <a:off x="6200169" y="2266950"/>
+              <a:ext cx="533400" cy="304800"/>
+            </a:xfrm>
+            <a:prstGeom prst="notchedRightArrow">
+              <a:avLst/>
+            </a:prstGeom>
+            <a:solidFill>
+              <a:schemeClr val="accent2"/>
+            </a:solidFill>
+          </p:spPr>
+          <p:style>
+            <a:lnRef idx="2">
+              <a:schemeClr val="accent1">
+                <a:shade val="50000"/>
+              </a:schemeClr>
+            </a:lnRef>
+            <a:fillRef idx="1">
+              <a:schemeClr val="accent1"/>
+            </a:fillRef>
+            <a:effectRef idx="0">
+              <a:schemeClr val="accent1"/>
+            </a:effectRef>
+            <a:fontRef idx="minor">
+              <a:schemeClr val="lt1"/>
+            </a:fontRef>
+          </p:style>
+          <p:txBody>
+            <a:bodyPr rtlCol="0" anchor="ctr"/>
+            <a:lstStyle/>
+            <a:p>
+              <a:pPr algn="ctr"/>
+              <a:endParaRPr lang="zh-CN" altLang="en-US"/>
+            </a:p>
+          </p:txBody>
+        </p:sp>
+        <p:sp>
+          <p:nvSpPr>
+            <p:cNvPr id="26" name="文本框 25"/>
+            <p:cNvSpPr txBox="1"/>
+            <p:nvPr/>
+          </p:nvSpPr>
+          <p:spPr>
+            <a:xfrm>
+              <a:off x="5943600" y="1939770"/>
+              <a:ext cx="1066800" cy="276999"/>
+            </a:xfrm>
+            <a:prstGeom prst="rect">
+              <a:avLst/>
+            </a:prstGeom>
+            <a:noFill/>
+          </p:spPr>
+          <p:txBody>
+            <a:bodyPr wrap="square" rtlCol="0">
+              <a:spAutoFit/>
+            </a:bodyPr>
+            <a:lstStyle/>
+            <a:p>
+              <a:r>
+                <a:rPr lang="en-US" altLang="zh-CN" sz="1200" dirty="0" smtClean="0">
+                  <a:latin typeface="Calibri"/>
+                  <a:cs typeface="Calibri"/>
+                </a:rPr>
+                <a:t>D-separation</a:t>
+              </a:r>
+              <a:endParaRPr lang="zh-CN" altLang="en-US" sz="1200" dirty="0" err="1" smtClean="0">
+                <a:latin typeface="Calibri"/>
+                <a:cs typeface="Calibri"/>
+              </a:endParaRPr>
+            </a:p>
+          </p:txBody>
+        </p:sp>
+      </p:grpSp>
+      <p:sp>
+        <p:nvSpPr>
+          <p:cNvPr id="30" name="文本框 29"/>
+          <p:cNvSpPr txBox="1"/>
+          <p:nvPr/>
+        </p:nvSpPr>
+        <p:spPr>
+          <a:xfrm>
+            <a:off x="-51152" y="1899688"/>
+            <a:ext cx="4130611" cy="1077218"/>
+          </a:xfrm>
+          <a:prstGeom prst="rect">
+            <a:avLst/>
+          </a:prstGeom>
+          <a:noFill/>
+        </p:spPr>
+        <p:txBody>
+          <a:bodyPr wrap="square" rtlCol="0">
+            <a:spAutoFit/>
+          </a:bodyPr>
+          <a:lstStyle/>
+          <a:p>
+            <a:pPr marL="285750" indent="-285750">
+              <a:buFont typeface="Arial" panose="020B0604020202020204" pitchFamily="34" charset="0"/>
+              <a:buChar char="•"/>
+            </a:pPr>
+            <a:r>
+              <a:rPr lang="en-US" altLang="zh-CN" sz="1600" dirty="0">
+                <a:latin typeface="Calibri"/>
+                <a:cs typeface="Calibri"/>
+              </a:rPr>
+              <a:t>Find all the </a:t>
+            </a:r>
+            <a:r>
+              <a:rPr lang="en-US" altLang="zh-CN" sz="1600" dirty="0" smtClean="0">
+                <a:latin typeface="Calibri"/>
+                <a:cs typeface="Calibri"/>
+              </a:rPr>
+              <a:t>Head to Head </a:t>
+            </a:r>
+            <a:r>
+              <a:rPr lang="en-US" altLang="zh-CN" sz="1600" dirty="0">
+                <a:latin typeface="Calibri"/>
+                <a:cs typeface="Calibri"/>
+              </a:rPr>
+              <a:t>structures in the directed graph and add an undirected edge between the two parent </a:t>
+            </a:r>
+            <a:r>
+              <a:rPr lang="en-US" altLang="zh-CN" sz="1600" dirty="0" smtClean="0">
+                <a:latin typeface="Calibri"/>
+                <a:cs typeface="Calibri"/>
+              </a:rPr>
+              <a:t>nodes.</a:t>
+            </a:r>
+          </a:p>
+          <a:p>
+            <a:pPr marL="285750" indent="-285750">
+              <a:buFont typeface="Arial" panose="020B0604020202020204" pitchFamily="34" charset="0"/>
+              <a:buChar char="•"/>
+            </a:pPr>
+            <a:r>
+              <a:rPr lang="en-US" altLang="zh-CN" sz="1600" dirty="0" smtClean="0">
+                <a:latin typeface="Calibri"/>
+                <a:cs typeface="Calibri"/>
+              </a:rPr>
+              <a:t>Turn all the directed edge into undirected.</a:t>
+            </a:r>
+            <a:endParaRPr lang="zh-CN" altLang="en-US" sz="1600" dirty="0" err="1" smtClean="0">
+              <a:latin typeface="Calibri"/>
+              <a:cs typeface="Calibri"/>
+            </a:endParaRPr>
+          </a:p>
+        </p:txBody>
+      </p:sp>
+      <mc:AlternateContent xmlns:mc="http://schemas.openxmlformats.org/markup-compatibility/2006">
+        <mc:Choice xmlns:a14="http://schemas.microsoft.com/office/drawing/2010/main" Requires="a14">
+          <p:sp>
+            <p:nvSpPr>
+              <p:cNvPr id="32" name="文本框 31"/>
+              <p:cNvSpPr txBox="1"/>
+              <p:nvPr/>
+            </p:nvSpPr>
+            <p:spPr>
+              <a:xfrm>
+                <a:off x="203319" y="3595920"/>
+                <a:ext cx="8577599" cy="1200329"/>
+              </a:xfrm>
+              <a:prstGeom prst="rect">
+                <a:avLst/>
+              </a:prstGeom>
+              <a:noFill/>
+            </p:spPr>
+            <p:txBody>
+              <a:bodyPr wrap="square" rtlCol="0">
+                <a:spAutoFit/>
+              </a:bodyPr>
+              <a:lstStyle/>
+              <a:p>
+                <a:r>
+                  <a:rPr lang="en-US" altLang="zh-CN" dirty="0" smtClean="0">
+                    <a:latin typeface="Calibri"/>
+                    <a:cs typeface="Calibri"/>
+                  </a:rPr>
+                  <a:t>Assuming that there are variables x , y </a:t>
+                </a:r>
+                <a:r>
+                  <a:rPr lang="en-US" altLang="zh-CN" dirty="0">
+                    <a:latin typeface="Calibri"/>
+                    <a:cs typeface="Calibri"/>
+                  </a:rPr>
+                  <a:t>and the set of variables </a:t>
+                </a:r>
+                <a14:m>
+                  <m:oMath xmlns:m="http://schemas.openxmlformats.org/officeDocument/2006/math">
+                    <m:r>
+                      <a:rPr lang="en-US" altLang="zh-CN" b="0" i="1" smtClean="0">
+                        <a:latin typeface="Cambria Math" panose="02040503050406030204" pitchFamily="18" charset="0"/>
+                        <a:cs typeface="Calibri"/>
+                      </a:rPr>
+                      <m:t>𝑧</m:t>
+                    </m:r>
+                    <m:r>
+                      <a:rPr lang="en-US" altLang="zh-CN" b="0" i="1" smtClean="0">
+                        <a:latin typeface="Cambria Math" panose="02040503050406030204" pitchFamily="18" charset="0"/>
+                        <a:cs typeface="Calibri"/>
+                      </a:rPr>
+                      <m:t>={</m:t>
+                    </m:r>
+                    <m:sSub>
+                      <m:sSubPr>
+                        <m:ctrlPr>
+                          <a:rPr lang="en-US" altLang="zh-CN" b="0" i="1" smtClean="0">
+                            <a:latin typeface="Cambria Math" panose="02040503050406030204" pitchFamily="18" charset="0"/>
+                            <a:cs typeface="Calibri"/>
+                          </a:rPr>
+                        </m:ctrlPr>
+                      </m:sSubPr>
+                      <m:e>
+                        <m:r>
+                          <a:rPr lang="en-US" altLang="zh-CN" b="0" i="1" smtClean="0">
+                            <a:latin typeface="Cambria Math" panose="02040503050406030204" pitchFamily="18" charset="0"/>
+                            <a:cs typeface="Calibri"/>
+                          </a:rPr>
+                          <m:t>𝑧</m:t>
+                        </m:r>
+                      </m:e>
+                      <m:sub>
+                        <m:r>
+                          <a:rPr lang="en-US" altLang="zh-CN" b="0" i="1" smtClean="0">
+                            <a:latin typeface="Cambria Math" panose="02040503050406030204" pitchFamily="18" charset="0"/>
+                            <a:cs typeface="Calibri"/>
+                          </a:rPr>
+                          <m:t>𝑖</m:t>
+                        </m:r>
+                      </m:sub>
+                    </m:sSub>
+                    <m:r>
+                      <a:rPr lang="en-US" altLang="zh-CN" b="0" i="1" smtClean="0">
+                        <a:latin typeface="Cambria Math" panose="02040503050406030204" pitchFamily="18" charset="0"/>
+                        <a:cs typeface="Calibri"/>
+                      </a:rPr>
+                      <m:t>}</m:t>
+                    </m:r>
+                  </m:oMath>
+                </a14:m>
+                <a:r>
+                  <a:rPr lang="en-US" altLang="zh-CN" dirty="0" smtClean="0">
+                    <a:latin typeface="Calibri"/>
+                    <a:cs typeface="Calibri"/>
+                  </a:rPr>
+                  <a:t> </a:t>
+                </a:r>
+                <a:r>
+                  <a:rPr lang="en-US" altLang="zh-CN" dirty="0">
+                    <a:latin typeface="Calibri"/>
+                    <a:cs typeface="Calibri"/>
+                  </a:rPr>
+                  <a:t>in the moral graph, if the variables x and y can be separated by z on the graph, </a:t>
+                </a:r>
+                <a:r>
+                  <a:rPr lang="en-US" altLang="zh-CN" dirty="0" smtClean="0">
+                    <a:latin typeface="Calibri"/>
+                    <a:cs typeface="Calibri"/>
+                  </a:rPr>
+                  <a:t>It </a:t>
+                </a:r>
+                <a:r>
+                  <a:rPr lang="en-US" altLang="zh-CN" dirty="0">
+                    <a:latin typeface="Calibri"/>
+                    <a:cs typeface="Calibri"/>
+                  </a:rPr>
+                  <a:t>is said that the variables x and y are </a:t>
+                </a:r>
+                <a:r>
+                  <a:rPr lang="en-US" altLang="zh-CN" dirty="0" smtClean="0">
+                    <a:latin typeface="Calibri"/>
+                    <a:cs typeface="Calibri"/>
+                  </a:rPr>
+                  <a:t>D-separated </a:t>
+                </a:r>
+                <a:r>
+                  <a:rPr lang="en-US" altLang="zh-CN" dirty="0">
+                    <a:latin typeface="Calibri"/>
+                    <a:cs typeface="Calibri"/>
+                  </a:rPr>
+                  <a:t>by z, and </a:t>
+                </a:r>
+                <a14:m>
+                  <m:oMath xmlns:m="http://schemas.openxmlformats.org/officeDocument/2006/math">
+                    <m:r>
+                      <a:rPr lang="en-US" altLang="zh-CN" i="1" dirty="0" smtClean="0">
+                        <a:latin typeface="Cambria Math" panose="02040503050406030204" pitchFamily="18" charset="0"/>
+                        <a:cs typeface="Calibri"/>
+                      </a:rPr>
+                      <m:t>𝑥</m:t>
+                    </m:r>
+                    <m:r>
+                      <a:rPr lang="en-US" altLang="zh-CN" i="1" dirty="0" smtClean="0">
+                        <a:latin typeface="Cambria Math" panose="02040503050406030204" pitchFamily="18" charset="0"/>
+                        <a:cs typeface="Calibri"/>
+                      </a:rPr>
+                      <m:t>⊥</m:t>
+                    </m:r>
+                    <m:r>
+                      <a:rPr lang="en-US" altLang="zh-CN" i="1" dirty="0" smtClean="0">
+                        <a:latin typeface="Cambria Math" panose="02040503050406030204" pitchFamily="18" charset="0"/>
+                        <a:cs typeface="Calibri"/>
+                      </a:rPr>
+                      <m:t>𝑦</m:t>
+                    </m:r>
+                    <m:r>
+                      <a:rPr lang="en-US" altLang="zh-CN" i="1" dirty="0" smtClean="0">
+                        <a:latin typeface="Cambria Math" panose="02040503050406030204" pitchFamily="18" charset="0"/>
+                        <a:cs typeface="Calibri"/>
+                      </a:rPr>
+                      <m:t>|</m:t>
+                    </m:r>
+                    <m:r>
+                      <a:rPr lang="en-US" altLang="zh-CN" i="1" dirty="0" smtClean="0">
+                        <a:latin typeface="Cambria Math" panose="02040503050406030204" pitchFamily="18" charset="0"/>
+                        <a:cs typeface="Calibri"/>
+                      </a:rPr>
+                      <m:t>𝑧</m:t>
+                    </m:r>
+                    <m:r>
+                      <a:rPr lang="en-US" altLang="zh-CN" i="1" dirty="0" smtClean="0">
+                        <a:latin typeface="Cambria Math" panose="02040503050406030204" pitchFamily="18" charset="0"/>
+                        <a:cs typeface="Calibri"/>
+                      </a:rPr>
+                      <m:t> </m:t>
+                    </m:r>
+                  </m:oMath>
+                </a14:m>
+                <a:r>
+                  <a:rPr lang="en-US" altLang="zh-CN" dirty="0">
+                    <a:latin typeface="Calibri"/>
+                    <a:cs typeface="Calibri"/>
+                  </a:rPr>
+                  <a:t>holds. From the above converted moral graph, </a:t>
+                </a:r>
+                <a:endParaRPr lang="en-US" altLang="zh-CN" dirty="0" smtClean="0">
+                  <a:latin typeface="Calibri"/>
+                  <a:cs typeface="Calibri"/>
+                </a:endParaRPr>
+              </a:p>
+              <a:p>
+                <a:r>
+                  <a:rPr lang="en-US" altLang="zh-CN" dirty="0" smtClean="0">
+                    <a:latin typeface="Calibri"/>
+                    <a:cs typeface="Calibri"/>
+                  </a:rPr>
+                  <a:t>there are: </a:t>
+                </a:r>
+                <a14:m>
+                  <m:oMath xmlns:m="http://schemas.openxmlformats.org/officeDocument/2006/math">
+                    <m:sSub>
+                      <m:sSubPr>
+                        <m:ctrlPr>
+                          <a:rPr lang="en-US" altLang="zh-CN" b="0" i="1" smtClean="0">
+                            <a:latin typeface="Cambria Math" panose="02040503050406030204" pitchFamily="18" charset="0"/>
+                            <a:cs typeface="Calibri"/>
+                          </a:rPr>
+                        </m:ctrlPr>
+                      </m:sSubPr>
+                      <m:e>
+                        <m:r>
+                          <a:rPr lang="en-US" altLang="zh-CN" b="0" i="1" smtClean="0">
+                            <a:latin typeface="Cambria Math" panose="02040503050406030204" pitchFamily="18" charset="0"/>
+                            <a:cs typeface="Calibri"/>
+                          </a:rPr>
+                          <m:t>𝑥</m:t>
+                        </m:r>
+                      </m:e>
+                      <m:sub>
+                        <m:r>
+                          <a:rPr lang="en-US" altLang="zh-CN" b="0" i="1" smtClean="0">
+                            <a:latin typeface="Cambria Math" panose="02040503050406030204" pitchFamily="18" charset="0"/>
+                            <a:cs typeface="Calibri"/>
+                          </a:rPr>
+                          <m:t>3</m:t>
+                        </m:r>
+                      </m:sub>
+                    </m:sSub>
+                    <m:r>
+                      <a:rPr lang="en-US" altLang="zh-CN" b="0" i="1" smtClean="0">
+                        <a:latin typeface="Cambria Math" panose="02040503050406030204" pitchFamily="18" charset="0"/>
+                        <a:cs typeface="Calibri"/>
+                      </a:rPr>
+                      <m:t>⊥</m:t>
+                    </m:r>
+                    <m:sSub>
+                      <m:sSubPr>
+                        <m:ctrlPr>
+                          <a:rPr lang="en-US" altLang="zh-CN" b="0" i="1" smtClean="0">
+                            <a:latin typeface="Cambria Math" panose="02040503050406030204" pitchFamily="18" charset="0"/>
+                            <a:cs typeface="Calibri"/>
+                          </a:rPr>
+                        </m:ctrlPr>
+                      </m:sSubPr>
+                      <m:e>
+                        <m:r>
+                          <a:rPr lang="en-US" altLang="zh-CN" b="0" i="1" smtClean="0">
+                            <a:latin typeface="Cambria Math" panose="02040503050406030204" pitchFamily="18" charset="0"/>
+                            <a:cs typeface="Calibri"/>
+                          </a:rPr>
+                          <m:t>𝑥</m:t>
+                        </m:r>
+                      </m:e>
+                      <m:sub>
+                        <m:r>
+                          <a:rPr lang="en-US" altLang="zh-CN" b="0" i="1" smtClean="0">
+                            <a:latin typeface="Cambria Math" panose="02040503050406030204" pitchFamily="18" charset="0"/>
+                            <a:cs typeface="Calibri"/>
+                          </a:rPr>
+                          <m:t>4</m:t>
+                        </m:r>
+                      </m:sub>
+                    </m:sSub>
+                    <m:d>
+                      <m:dPr>
+                        <m:begChr m:val="|"/>
+                        <m:endChr m:val="|"/>
+                        <m:ctrlPr>
+                          <a:rPr lang="en-US" altLang="zh-CN" b="0" i="1" smtClean="0">
+                            <a:latin typeface="Cambria Math" panose="02040503050406030204" pitchFamily="18" charset="0"/>
+                            <a:cs typeface="Calibri"/>
+                          </a:rPr>
+                        </m:ctrlPr>
+                      </m:dPr>
+                      <m:e>
+                        <m:sSub>
+                          <m:sSubPr>
+                            <m:ctrlPr>
+                              <a:rPr lang="en-US" altLang="zh-CN" b="0" i="1" smtClean="0">
+                                <a:latin typeface="Cambria Math" panose="02040503050406030204" pitchFamily="18" charset="0"/>
+                                <a:cs typeface="Calibri"/>
+                              </a:rPr>
+                            </m:ctrlPr>
+                          </m:sSubPr>
+                          <m:e>
+                            <m:r>
+                              <a:rPr lang="en-US" altLang="zh-CN" b="0" i="1" smtClean="0">
+                                <a:latin typeface="Cambria Math" panose="02040503050406030204" pitchFamily="18" charset="0"/>
+                                <a:cs typeface="Calibri"/>
+                              </a:rPr>
+                              <m:t>𝑥</m:t>
+                            </m:r>
+                          </m:e>
+                          <m:sub>
+                            <m:r>
+                              <a:rPr lang="en-US" altLang="zh-CN" b="0" i="1" smtClean="0">
+                                <a:latin typeface="Cambria Math" panose="02040503050406030204" pitchFamily="18" charset="0"/>
+                                <a:cs typeface="Calibri"/>
+                              </a:rPr>
+                              <m:t>1</m:t>
+                            </m:r>
+                          </m:sub>
+                        </m:sSub>
+                        <m:r>
+                          <a:rPr lang="en-US" altLang="zh-CN" b="0" i="1" smtClean="0">
+                            <a:latin typeface="Cambria Math" panose="02040503050406030204" pitchFamily="18" charset="0"/>
+                            <a:cs typeface="Calibri"/>
+                          </a:rPr>
+                          <m:t>, </m:t>
+                        </m:r>
+                        <m:sSub>
+                          <m:sSubPr>
+                            <m:ctrlPr>
+                              <a:rPr lang="en-US" altLang="zh-CN" b="0" i="1" smtClean="0">
+                                <a:latin typeface="Cambria Math" panose="02040503050406030204" pitchFamily="18" charset="0"/>
+                                <a:cs typeface="Calibri"/>
+                              </a:rPr>
+                            </m:ctrlPr>
+                          </m:sSubPr>
+                          <m:e>
+                            <m:r>
+                              <a:rPr lang="en-US" altLang="zh-CN" b="0" i="1" smtClean="0">
+                                <a:latin typeface="Cambria Math" panose="02040503050406030204" pitchFamily="18" charset="0"/>
+                                <a:cs typeface="Calibri"/>
+                              </a:rPr>
+                              <m:t>𝑥</m:t>
+                            </m:r>
+                          </m:e>
+                          <m:sub>
+                            <m:r>
+                              <a:rPr lang="en-US" altLang="zh-CN" b="0" i="1" smtClean="0">
+                                <a:latin typeface="Cambria Math" panose="02040503050406030204" pitchFamily="18" charset="0"/>
+                                <a:cs typeface="Calibri"/>
+                              </a:rPr>
+                              <m:t>3</m:t>
+                            </m:r>
+                          </m:sub>
+                        </m:sSub>
+                        <m:r>
+                          <a:rPr lang="en-US" altLang="zh-CN" b="0" i="1" smtClean="0">
+                            <a:latin typeface="Cambria Math" panose="02040503050406030204" pitchFamily="18" charset="0"/>
+                            <a:cs typeface="Calibri"/>
+                          </a:rPr>
+                          <m:t>⊥</m:t>
+                        </m:r>
+                        <m:sSub>
+                          <m:sSubPr>
+                            <m:ctrlPr>
+                              <a:rPr lang="en-US" altLang="zh-CN" b="0" i="1" smtClean="0">
+                                <a:latin typeface="Cambria Math" panose="02040503050406030204" pitchFamily="18" charset="0"/>
+                                <a:cs typeface="Calibri"/>
+                              </a:rPr>
+                            </m:ctrlPr>
+                          </m:sSubPr>
+                          <m:e>
+                            <m:r>
+                              <a:rPr lang="en-US" altLang="zh-CN" b="0" i="1" smtClean="0">
+                                <a:latin typeface="Cambria Math" panose="02040503050406030204" pitchFamily="18" charset="0"/>
+                                <a:cs typeface="Calibri"/>
+                              </a:rPr>
+                              <m:t>𝑥</m:t>
+                            </m:r>
+                          </m:e>
+                          <m:sub>
+                            <m:r>
+                              <a:rPr lang="en-US" altLang="zh-CN" b="0" i="1" smtClean="0">
+                                <a:latin typeface="Cambria Math" panose="02040503050406030204" pitchFamily="18" charset="0"/>
+                                <a:cs typeface="Calibri"/>
+                              </a:rPr>
+                              <m:t>2</m:t>
+                            </m:r>
+                          </m:sub>
+                        </m:sSub>
+                      </m:e>
+                    </m:d>
+                    <m:sSub>
+                      <m:sSubPr>
+                        <m:ctrlPr>
+                          <a:rPr lang="en-US" altLang="zh-CN" b="0" i="1" smtClean="0">
+                            <a:latin typeface="Cambria Math" panose="02040503050406030204" pitchFamily="18" charset="0"/>
+                            <a:cs typeface="Calibri"/>
+                          </a:rPr>
+                        </m:ctrlPr>
+                      </m:sSubPr>
+                      <m:e>
+                        <m:r>
+                          <a:rPr lang="en-US" altLang="zh-CN" b="0" i="1" smtClean="0">
+                            <a:latin typeface="Cambria Math" panose="02040503050406030204" pitchFamily="18" charset="0"/>
+                            <a:cs typeface="Calibri"/>
+                          </a:rPr>
+                          <m:t>𝑥</m:t>
+                        </m:r>
+                      </m:e>
+                      <m:sub>
+                        <m:r>
+                          <a:rPr lang="en-US" altLang="zh-CN" b="0" i="1" smtClean="0">
+                            <a:latin typeface="Cambria Math" panose="02040503050406030204" pitchFamily="18" charset="0"/>
+                            <a:cs typeface="Calibri"/>
+                          </a:rPr>
+                          <m:t>1</m:t>
+                        </m:r>
+                      </m:sub>
+                    </m:sSub>
+                    <m:r>
+                      <a:rPr lang="en-US" altLang="zh-CN" b="0" i="1" smtClean="0">
+                        <a:latin typeface="Cambria Math" panose="02040503050406030204" pitchFamily="18" charset="0"/>
+                        <a:cs typeface="Calibri"/>
+                      </a:rPr>
+                      <m:t>,</m:t>
+                    </m:r>
+                    <m:sSub>
+                      <m:sSubPr>
+                        <m:ctrlPr>
+                          <a:rPr lang="en-US" altLang="zh-CN" b="0" i="1" smtClean="0">
+                            <a:latin typeface="Cambria Math" panose="02040503050406030204" pitchFamily="18" charset="0"/>
+                            <a:cs typeface="Calibri"/>
+                          </a:rPr>
+                        </m:ctrlPr>
+                      </m:sSubPr>
+                      <m:e>
+                        <m:r>
+                          <a:rPr lang="en-US" altLang="zh-CN" b="0" i="1" smtClean="0">
+                            <a:latin typeface="Cambria Math" panose="02040503050406030204" pitchFamily="18" charset="0"/>
+                            <a:cs typeface="Calibri"/>
+                          </a:rPr>
+                          <m:t>𝑥</m:t>
+                        </m:r>
+                      </m:e>
+                      <m:sub>
+                        <m:r>
+                          <a:rPr lang="en-US" altLang="zh-CN" b="0" i="1" smtClean="0">
+                            <a:latin typeface="Cambria Math" panose="02040503050406030204" pitchFamily="18" charset="0"/>
+                            <a:cs typeface="Calibri"/>
+                          </a:rPr>
+                          <m:t>3</m:t>
+                        </m:r>
+                      </m:sub>
+                    </m:sSub>
+                    <m:r>
+                      <a:rPr lang="en-US" altLang="zh-CN" b="0" i="1" smtClean="0">
+                        <a:latin typeface="Cambria Math" panose="02040503050406030204" pitchFamily="18" charset="0"/>
+                        <a:cs typeface="Calibri"/>
+                      </a:rPr>
+                      <m:t>⊥</m:t>
+                    </m:r>
+                    <m:sSub>
+                      <m:sSubPr>
+                        <m:ctrlPr>
+                          <a:rPr lang="en-US" altLang="zh-CN" b="0" i="1" smtClean="0">
+                            <a:latin typeface="Cambria Math" panose="02040503050406030204" pitchFamily="18" charset="0"/>
+                            <a:cs typeface="Calibri"/>
+                          </a:rPr>
+                        </m:ctrlPr>
+                      </m:sSubPr>
+                      <m:e>
+                        <m:r>
+                          <a:rPr lang="en-US" altLang="zh-CN" b="0" i="1" smtClean="0">
+                            <a:latin typeface="Cambria Math" panose="02040503050406030204" pitchFamily="18" charset="0"/>
+                            <a:cs typeface="Calibri"/>
+                          </a:rPr>
+                          <m:t>𝑥</m:t>
+                        </m:r>
+                      </m:e>
+                      <m:sub>
+                        <m:r>
+                          <a:rPr lang="en-US" altLang="zh-CN" b="0" i="1" smtClean="0">
+                            <a:latin typeface="Cambria Math" panose="02040503050406030204" pitchFamily="18" charset="0"/>
+                            <a:cs typeface="Calibri"/>
+                          </a:rPr>
+                          <m:t>5</m:t>
+                        </m:r>
+                      </m:sub>
+                    </m:sSub>
+                    <m:d>
+                      <m:dPr>
+                        <m:begChr m:val="|"/>
+                        <m:endChr m:val="|"/>
+                        <m:ctrlPr>
+                          <a:rPr lang="en-US" altLang="zh-CN" b="0" i="1" smtClean="0">
+                            <a:latin typeface="Cambria Math" panose="02040503050406030204" pitchFamily="18" charset="0"/>
+                            <a:cs typeface="Calibri"/>
+                          </a:rPr>
+                        </m:ctrlPr>
+                      </m:dPr>
+                      <m:e>
+                        <m:sSub>
+                          <m:sSubPr>
+                            <m:ctrlPr>
+                              <a:rPr lang="en-US" altLang="zh-CN" b="0" i="1" smtClean="0">
+                                <a:latin typeface="Cambria Math" panose="02040503050406030204" pitchFamily="18" charset="0"/>
+                                <a:cs typeface="Calibri"/>
+                              </a:rPr>
+                            </m:ctrlPr>
+                          </m:sSubPr>
+                          <m:e>
+                            <m:r>
+                              <a:rPr lang="en-US" altLang="zh-CN" b="0" i="1" smtClean="0">
+                                <a:latin typeface="Cambria Math" panose="02040503050406030204" pitchFamily="18" charset="0"/>
+                                <a:cs typeface="Calibri"/>
+                              </a:rPr>
+                              <m:t>𝑥</m:t>
+                            </m:r>
+                          </m:e>
+                          <m:sub>
+                            <m:r>
+                              <a:rPr lang="en-US" altLang="zh-CN" b="0" i="1" smtClean="0">
+                                <a:latin typeface="Cambria Math" panose="02040503050406030204" pitchFamily="18" charset="0"/>
+                                <a:cs typeface="Calibri"/>
+                              </a:rPr>
+                              <m:t>1</m:t>
+                            </m:r>
+                          </m:sub>
+                        </m:sSub>
+                        <m:r>
+                          <a:rPr lang="en-US" altLang="zh-CN" b="0" i="1" smtClean="0">
+                            <a:latin typeface="Cambria Math" panose="02040503050406030204" pitchFamily="18" charset="0"/>
+                            <a:cs typeface="Calibri"/>
+                          </a:rPr>
+                          <m:t>,</m:t>
+                        </m:r>
+                        <m:sSub>
+                          <m:sSubPr>
+                            <m:ctrlPr>
+                              <a:rPr lang="en-US" altLang="zh-CN" b="0" i="1" smtClean="0">
+                                <a:latin typeface="Cambria Math" panose="02040503050406030204" pitchFamily="18" charset="0"/>
+                                <a:cs typeface="Calibri"/>
+                              </a:rPr>
+                            </m:ctrlPr>
+                          </m:sSubPr>
+                          <m:e>
+                            <m:r>
+                              <a:rPr lang="en-US" altLang="zh-CN" b="0" i="1" smtClean="0">
+                                <a:latin typeface="Cambria Math" panose="02040503050406030204" pitchFamily="18" charset="0"/>
+                                <a:cs typeface="Calibri"/>
+                              </a:rPr>
+                              <m:t>𝑥</m:t>
+                            </m:r>
+                          </m:e>
+                          <m:sub>
+                            <m:r>
+                              <a:rPr lang="en-US" altLang="zh-CN" b="0" i="1" smtClean="0">
+                                <a:latin typeface="Cambria Math" panose="02040503050406030204" pitchFamily="18" charset="0"/>
+                                <a:cs typeface="Calibri"/>
+                              </a:rPr>
+                              <m:t>4</m:t>
+                            </m:r>
+                          </m:sub>
+                        </m:sSub>
+                        <m:r>
+                          <a:rPr lang="en-US" altLang="zh-CN" b="0" i="1" smtClean="0">
+                            <a:latin typeface="Cambria Math" panose="02040503050406030204" pitchFamily="18" charset="0"/>
+                            <a:cs typeface="Calibri"/>
+                          </a:rPr>
+                          <m:t>⊥</m:t>
+                        </m:r>
+                        <m:sSub>
+                          <m:sSubPr>
+                            <m:ctrlPr>
+                              <a:rPr lang="en-US" altLang="zh-CN" b="0" i="1" smtClean="0">
+                                <a:latin typeface="Cambria Math" panose="02040503050406030204" pitchFamily="18" charset="0"/>
+                                <a:cs typeface="Calibri"/>
+                              </a:rPr>
+                            </m:ctrlPr>
+                          </m:sSubPr>
+                          <m:e>
+                            <m:r>
+                              <a:rPr lang="en-US" altLang="zh-CN" b="0" i="1" smtClean="0">
+                                <a:latin typeface="Cambria Math" panose="02040503050406030204" pitchFamily="18" charset="0"/>
+                                <a:cs typeface="Calibri"/>
+                              </a:rPr>
+                              <m:t>𝑥</m:t>
+                            </m:r>
+                          </m:e>
+                          <m:sub>
+                            <m:r>
+                              <a:rPr lang="en-US" altLang="zh-CN" b="0" i="1" smtClean="0">
+                                <a:latin typeface="Cambria Math" panose="02040503050406030204" pitchFamily="18" charset="0"/>
+                                <a:cs typeface="Calibri"/>
+                              </a:rPr>
+                              <m:t>5</m:t>
+                            </m:r>
+                          </m:sub>
+                        </m:sSub>
+                      </m:e>
+                    </m:d>
+                    <m:sSub>
+                      <m:sSubPr>
+                        <m:ctrlPr>
+                          <a:rPr lang="en-US" altLang="zh-CN" b="0" i="1" smtClean="0">
+                            <a:latin typeface="Cambria Math" panose="02040503050406030204" pitchFamily="18" charset="0"/>
+                            <a:cs typeface="Calibri"/>
+                          </a:rPr>
+                        </m:ctrlPr>
+                      </m:sSubPr>
+                      <m:e>
+                        <m:r>
+                          <a:rPr lang="en-US" altLang="zh-CN" b="0" i="1" smtClean="0">
+                            <a:latin typeface="Cambria Math" panose="02040503050406030204" pitchFamily="18" charset="0"/>
+                            <a:cs typeface="Calibri"/>
+                          </a:rPr>
+                          <m:t>𝑥</m:t>
+                        </m:r>
+                      </m:e>
+                      <m:sub>
+                        <m:r>
+                          <a:rPr lang="en-US" altLang="zh-CN" b="0" i="1" smtClean="0">
+                            <a:latin typeface="Cambria Math" panose="02040503050406030204" pitchFamily="18" charset="0"/>
+                            <a:cs typeface="Calibri"/>
+                          </a:rPr>
+                          <m:t>2</m:t>
+                        </m:r>
+                      </m:sub>
+                    </m:sSub>
+                    <m:r>
+                      <a:rPr lang="en-US" altLang="zh-CN" b="0" i="1" smtClean="0">
+                        <a:latin typeface="Cambria Math" panose="02040503050406030204" pitchFamily="18" charset="0"/>
+                        <a:cs typeface="Calibri"/>
+                      </a:rPr>
+                      <m:t>,</m:t>
+                    </m:r>
+                    <m:sSub>
+                      <m:sSubPr>
+                        <m:ctrlPr>
+                          <a:rPr lang="en-US" altLang="zh-CN" b="0" i="1" smtClean="0">
+                            <a:latin typeface="Cambria Math" panose="02040503050406030204" pitchFamily="18" charset="0"/>
+                            <a:cs typeface="Calibri"/>
+                          </a:rPr>
+                        </m:ctrlPr>
+                      </m:sSubPr>
+                      <m:e>
+                        <m:r>
+                          <a:rPr lang="en-US" altLang="zh-CN" b="0" i="1" smtClean="0">
+                            <a:latin typeface="Cambria Math" panose="02040503050406030204" pitchFamily="18" charset="0"/>
+                            <a:cs typeface="Calibri"/>
+                          </a:rPr>
+                          <m:t>𝑥</m:t>
+                        </m:r>
+                      </m:e>
+                      <m:sub>
+                        <m:r>
+                          <a:rPr lang="en-US" altLang="zh-CN" b="0" i="1" smtClean="0">
+                            <a:latin typeface="Cambria Math" panose="02040503050406030204" pitchFamily="18" charset="0"/>
+                            <a:cs typeface="Calibri"/>
+                          </a:rPr>
+                          <m:t>3</m:t>
+                        </m:r>
+                      </m:sub>
+                    </m:sSub>
+                    <m:r>
+                      <a:rPr lang="en-US" altLang="zh-CN" b="0" i="1" smtClean="0">
+                        <a:latin typeface="Cambria Math" panose="02040503050406030204" pitchFamily="18" charset="0"/>
+                        <a:cs typeface="Calibri"/>
+                      </a:rPr>
+                      <m:t>⊥</m:t>
+                    </m:r>
+                    <m:sSub>
+                      <m:sSubPr>
+                        <m:ctrlPr>
+                          <a:rPr lang="en-US" altLang="zh-CN" b="0" i="1" smtClean="0">
+                            <a:latin typeface="Cambria Math" panose="02040503050406030204" pitchFamily="18" charset="0"/>
+                            <a:cs typeface="Calibri"/>
+                          </a:rPr>
+                        </m:ctrlPr>
+                      </m:sSubPr>
+                      <m:e>
+                        <m:r>
+                          <a:rPr lang="en-US" altLang="zh-CN" b="0" i="1" smtClean="0">
+                            <a:latin typeface="Cambria Math" panose="02040503050406030204" pitchFamily="18" charset="0"/>
+                            <a:cs typeface="Calibri"/>
+                          </a:rPr>
+                          <m:t>𝑥</m:t>
+                        </m:r>
+                      </m:e>
+                      <m:sub>
+                        <m:r>
+                          <a:rPr lang="en-US" altLang="zh-CN" b="0" i="1" smtClean="0">
+                            <a:latin typeface="Cambria Math" panose="02040503050406030204" pitchFamily="18" charset="0"/>
+                            <a:cs typeface="Calibri"/>
+                          </a:rPr>
+                          <m:t>5</m:t>
+                        </m:r>
+                      </m:sub>
+                    </m:sSub>
+                    <m:r>
+                      <a:rPr lang="en-US" altLang="zh-CN" b="0" i="1" smtClean="0">
+                        <a:latin typeface="Cambria Math" panose="02040503050406030204" pitchFamily="18" charset="0"/>
+                        <a:cs typeface="Calibri"/>
+                      </a:rPr>
+                      <m:t>|</m:t>
+                    </m:r>
+                    <m:sSub>
+                      <m:sSubPr>
+                        <m:ctrlPr>
+                          <a:rPr lang="en-US" altLang="zh-CN" b="0" i="1" smtClean="0">
+                            <a:latin typeface="Cambria Math" panose="02040503050406030204" pitchFamily="18" charset="0"/>
+                            <a:cs typeface="Calibri"/>
+                          </a:rPr>
+                        </m:ctrlPr>
+                      </m:sSubPr>
+                      <m:e>
+                        <m:r>
+                          <a:rPr lang="en-US" altLang="zh-CN" b="0" i="1" smtClean="0">
+                            <a:latin typeface="Cambria Math" panose="02040503050406030204" pitchFamily="18" charset="0"/>
+                            <a:cs typeface="Calibri"/>
+                          </a:rPr>
+                          <m:t>𝑥</m:t>
+                        </m:r>
+                      </m:e>
+                      <m:sub>
+                        <m:r>
+                          <a:rPr lang="en-US" altLang="zh-CN" b="0" i="1" smtClean="0">
+                            <a:latin typeface="Cambria Math" panose="02040503050406030204" pitchFamily="18" charset="0"/>
+                            <a:cs typeface="Calibri"/>
+                          </a:rPr>
+                          <m:t>2</m:t>
+                        </m:r>
+                      </m:sub>
+                    </m:sSub>
+                  </m:oMath>
+                </a14:m>
+                <a:r>
+                  <a:rPr lang="en-US" altLang="zh-CN" dirty="0" smtClean="0">
+                    <a:latin typeface="Calibri"/>
+                    <a:cs typeface="Calibri"/>
+                  </a:rPr>
+                  <a:t>.</a:t>
+                </a:r>
+                <a:endParaRPr lang="zh-CN" altLang="en-US" dirty="0" err="1" smtClean="0">
+                  <a:latin typeface="Calibri"/>
+                  <a:cs typeface="Calibri"/>
+                </a:endParaRPr>
+              </a:p>
+            </p:txBody>
+          </p:sp>
+        </mc:Choice>
+        <mc:Fallback>
+          <p:sp>
+            <p:nvSpPr>
+              <p:cNvPr id="32" name="文本框 31"/>
+              <p:cNvSpPr txBox="1">
+                <a:spLocks noRot="1" noChangeAspect="1" noMove="1" noResize="1" noEditPoints="1" noAdjustHandles="1" noChangeArrowheads="1" noChangeShapeType="1" noTextEdit="1"/>
+              </p:cNvSpPr>
+              <p:nvPr/>
+            </p:nvSpPr>
+            <p:spPr>
+              <a:xfrm>
+                <a:off x="203319" y="3595920"/>
+                <a:ext cx="8577599" cy="1200329"/>
+              </a:xfrm>
+              <a:prstGeom prst="rect">
+                <a:avLst/>
+              </a:prstGeom>
+              <a:blipFill>
+                <a:blip r:embed="rId3"/>
+                <a:stretch>
+                  <a:fillRect l="-569" t="-3046" r="-1848" b="-7107"/>
+                </a:stretch>
+              </a:blipFill>
+            </p:spPr>
+            <p:txBody>
+              <a:bodyPr/>
+              <a:lstStyle/>
+              <a:p>
+                <a:r>
+                  <a:rPr lang="zh-CN" altLang="en-US">
+                    <a:noFill/>
+                  </a:rPr>
+                  <a:t> </a:t>
+                </a:r>
+              </a:p>
+            </p:txBody>
+          </p:sp>
+        </mc:Fallback>
+      </mc:AlternateContent>
     </p:spTree>
     <p:extLst>
       <p:ext uri="{BB962C8B-B14F-4D97-AF65-F5344CB8AC3E}">
@@ -21602,7 +28200,7 @@
           <a:p>
             <a:r>
               <a:rPr lang="en-US" altLang="zh-CN" sz="3600" b="1" kern="0" dirty="0" smtClean="0"/>
-              <a:t>Course Textbook</a:t>
+              <a:t>Learning</a:t>
             </a:r>
             <a:endParaRPr lang="zh-CN" altLang="en-US" sz="3600" b="1" kern="0" dirty="0"/>
           </a:p>
@@ -21825,8 +28423,8 @@
           </a:lstStyle>
           <a:p>
             <a:r>
-              <a:rPr lang="en-US" altLang="zh-CN" sz="3600" b="1" kern="0" dirty="0" smtClean="0"/>
-              <a:t>Course Textbook</a:t>
+              <a:rPr lang="en-US" altLang="zh-CN" sz="3600" b="1" kern="0" dirty="0"/>
+              <a:t>Learning</a:t>
             </a:r>
             <a:endParaRPr lang="zh-CN" altLang="en-US" sz="3600" b="1" kern="0" dirty="0"/>
           </a:p>

--- a/ref/BayesNet.pptx
+++ b/ref/BayesNet.pptx
@@ -7279,6 +7279,684 @@
           </a:p>
         </p:txBody>
       </p:sp>
+      <mc:AlternateContent xmlns:mc="http://schemas.openxmlformats.org/markup-compatibility/2006">
+        <mc:Choice xmlns:a14="http://schemas.microsoft.com/office/drawing/2010/main" Requires="a14">
+          <p:sp>
+            <p:nvSpPr>
+              <p:cNvPr id="2" name="文本框 1"/>
+              <p:cNvSpPr txBox="1"/>
+              <p:nvPr/>
+            </p:nvSpPr>
+            <p:spPr>
+              <a:xfrm>
+                <a:off x="152400" y="1276350"/>
+                <a:ext cx="8839200" cy="2941062"/>
+              </a:xfrm>
+              <a:prstGeom prst="rect">
+                <a:avLst/>
+              </a:prstGeom>
+              <a:noFill/>
+            </p:spPr>
+            <p:txBody>
+              <a:bodyPr wrap="square" rtlCol="0">
+                <a:spAutoFit/>
+              </a:bodyPr>
+              <a:lstStyle/>
+              <a:p>
+                <a:pPr marL="285750" indent="-285750">
+                  <a:buFont typeface="Arial" panose="020B0604020202020204" pitchFamily="34" charset="0"/>
+                  <a:buChar char="•"/>
+                </a:pPr>
+                <a:r>
+                  <a:rPr lang="en-US" altLang="zh-CN" dirty="0" smtClean="0">
+                    <a:latin typeface="Calibri"/>
+                    <a:cs typeface="Calibri"/>
+                  </a:rPr>
+                  <a:t>If </a:t>
+                </a:r>
+                <a14:m>
+                  <m:oMath xmlns:m="http://schemas.openxmlformats.org/officeDocument/2006/math">
+                    <m:r>
+                      <a:rPr lang="en-US" altLang="zh-CN" b="0" i="1" smtClean="0">
+                        <a:latin typeface="Cambria Math" panose="02040503050406030204" pitchFamily="18" charset="0"/>
+                        <a:cs typeface="Calibri"/>
+                      </a:rPr>
+                      <m:t>𝑓</m:t>
+                    </m:r>
+                    <m:d>
+                      <m:dPr>
+                        <m:ctrlPr>
+                          <a:rPr lang="en-US" altLang="zh-CN" b="0" i="1" smtClean="0">
+                            <a:latin typeface="Cambria Math" panose="02040503050406030204" pitchFamily="18" charset="0"/>
+                            <a:cs typeface="Calibri"/>
+                          </a:rPr>
+                        </m:ctrlPr>
+                      </m:dPr>
+                      <m:e>
+                        <m:r>
+                          <a:rPr lang="en-US" altLang="zh-CN" b="0" i="1" smtClean="0">
+                            <a:latin typeface="Cambria Math" panose="02040503050406030204" pitchFamily="18" charset="0"/>
+                            <a:cs typeface="Calibri"/>
+                          </a:rPr>
+                          <m:t>𝜃</m:t>
+                        </m:r>
+                      </m:e>
+                    </m:d>
+                    <m:r>
+                      <a:rPr lang="en-US" altLang="zh-CN" b="0" i="1" smtClean="0">
+                        <a:latin typeface="Cambria Math" panose="02040503050406030204" pitchFamily="18" charset="0"/>
+                        <a:cs typeface="Calibri"/>
+                      </a:rPr>
+                      <m:t>=1</m:t>
+                    </m:r>
+                  </m:oMath>
+                </a14:m>
+                <a:r>
+                  <a:rPr lang="en-US" altLang="zh-CN" dirty="0" smtClean="0">
+                    <a:latin typeface="Calibri"/>
+                    <a:cs typeface="Calibri"/>
+                  </a:rPr>
+                  <a:t>, </a:t>
+                </a:r>
+                <a:r>
+                  <a:rPr lang="en-US" altLang="zh-CN" dirty="0">
+                    <a:latin typeface="Calibri"/>
+                    <a:cs typeface="Calibri"/>
+                  </a:rPr>
+                  <a:t>that is, </a:t>
+                </a:r>
+                <a:r>
+                  <a:rPr lang="en-US" altLang="zh-CN" dirty="0" smtClean="0">
+                    <a:latin typeface="Calibri"/>
+                    <a:cs typeface="Calibri"/>
+                  </a:rPr>
+                  <a:t>each </a:t>
+                </a:r>
+                <a:r>
+                  <a:rPr lang="en-US" altLang="zh-CN" dirty="0">
+                    <a:latin typeface="Calibri"/>
+                    <a:cs typeface="Calibri"/>
+                  </a:rPr>
+                  <a:t>parameter is described by 1 byte, then the </a:t>
+                </a:r>
+                <a:r>
+                  <a:rPr lang="en-US" altLang="zh-CN" dirty="0" smtClean="0">
+                    <a:latin typeface="Calibri"/>
+                    <a:cs typeface="Calibri"/>
+                  </a:rPr>
+                  <a:t>AIC( </a:t>
+                </a:r>
+                <a:r>
+                  <a:rPr lang="en-US" altLang="zh-CN" dirty="0" err="1" smtClean="0">
+                    <a:latin typeface="Calibri"/>
+                    <a:cs typeface="Calibri"/>
+                  </a:rPr>
+                  <a:t>Akaike</a:t>
+                </a:r>
+                <a:r>
+                  <a:rPr lang="en-US" altLang="zh-CN" dirty="0" smtClean="0">
+                    <a:latin typeface="Calibri"/>
+                    <a:cs typeface="Calibri"/>
+                  </a:rPr>
+                  <a:t> Information </a:t>
+                </a:r>
+                <a:r>
+                  <a:rPr lang="en-US" altLang="zh-CN" dirty="0">
+                    <a:latin typeface="Calibri"/>
+                    <a:cs typeface="Calibri"/>
+                  </a:rPr>
+                  <a:t>Criterion) score function is </a:t>
+                </a:r>
+                <a:r>
+                  <a:rPr lang="en-US" altLang="zh-CN" dirty="0" smtClean="0">
+                    <a:latin typeface="Calibri"/>
+                    <a:cs typeface="Calibri"/>
+                  </a:rPr>
+                  <a:t>obtained as :</a:t>
+                </a:r>
+              </a:p>
+              <a:p>
+                <a:pPr algn="ctr"/>
+                <a14:m>
+                  <m:oMathPara xmlns:m="http://schemas.openxmlformats.org/officeDocument/2006/math">
+                    <m:oMathParaPr>
+                      <m:jc m:val="centerGroup"/>
+                    </m:oMathParaPr>
+                    <m:oMath xmlns:m="http://schemas.openxmlformats.org/officeDocument/2006/math">
+                      <m:r>
+                        <a:rPr lang="en-US" altLang="zh-CN" b="0" i="1" smtClean="0">
+                          <a:latin typeface="Cambria Math" panose="02040503050406030204" pitchFamily="18" charset="0"/>
+                          <a:cs typeface="Calibri"/>
+                        </a:rPr>
+                        <m:t>𝐴𝐼𝐶</m:t>
+                      </m:r>
+                      <m:d>
+                        <m:dPr>
+                          <m:ctrlPr>
+                            <a:rPr lang="en-US" altLang="zh-CN" b="0" i="1" smtClean="0">
+                              <a:latin typeface="Cambria Math" panose="02040503050406030204" pitchFamily="18" charset="0"/>
+                              <a:cs typeface="Calibri"/>
+                            </a:rPr>
+                          </m:ctrlPr>
+                        </m:dPr>
+                        <m:e>
+                          <m:r>
+                            <a:rPr lang="en-US" altLang="zh-CN" b="0" i="1" smtClean="0">
+                              <a:latin typeface="Cambria Math" panose="02040503050406030204" pitchFamily="18" charset="0"/>
+                              <a:cs typeface="Calibri"/>
+                            </a:rPr>
+                            <m:t>𝐵</m:t>
+                          </m:r>
+                        </m:e>
+                        <m:e>
+                          <m:r>
+                            <a:rPr lang="en-US" altLang="zh-CN" b="0" i="1" smtClean="0">
+                              <a:latin typeface="Cambria Math" panose="02040503050406030204" pitchFamily="18" charset="0"/>
+                              <a:cs typeface="Calibri"/>
+                            </a:rPr>
+                            <m:t>𝐷</m:t>
+                          </m:r>
+                        </m:e>
+                      </m:d>
+                      <m:r>
+                        <a:rPr lang="en-US" altLang="zh-CN" b="0" i="1" smtClean="0">
+                          <a:latin typeface="Cambria Math" panose="02040503050406030204" pitchFamily="18" charset="0"/>
+                          <a:cs typeface="Calibri"/>
+                        </a:rPr>
+                        <m:t>=</m:t>
+                      </m:r>
+                      <m:d>
+                        <m:dPr>
+                          <m:begChr m:val="|"/>
+                          <m:endChr m:val="|"/>
+                          <m:ctrlPr>
+                            <a:rPr lang="en-US" altLang="zh-CN" b="0" i="1" smtClean="0">
+                              <a:latin typeface="Cambria Math" panose="02040503050406030204" pitchFamily="18" charset="0"/>
+                              <a:cs typeface="Calibri"/>
+                            </a:rPr>
+                          </m:ctrlPr>
+                        </m:dPr>
+                        <m:e>
+                          <m:r>
+                            <a:rPr lang="en-US" altLang="zh-CN" b="0" i="1" smtClean="0">
+                              <a:latin typeface="Cambria Math" panose="02040503050406030204" pitchFamily="18" charset="0"/>
+                              <a:cs typeface="Calibri"/>
+                            </a:rPr>
+                            <m:t>𝐵</m:t>
+                          </m:r>
+                        </m:e>
+                      </m:d>
+                      <m:r>
+                        <a:rPr lang="en-US" altLang="zh-CN" b="0" i="1" smtClean="0">
+                          <a:latin typeface="Cambria Math" panose="02040503050406030204" pitchFamily="18" charset="0"/>
+                          <a:cs typeface="Calibri"/>
+                        </a:rPr>
+                        <m:t>−</m:t>
+                      </m:r>
+                      <m:r>
+                        <a:rPr lang="en-US" altLang="zh-CN" b="0" i="1" smtClean="0">
+                          <a:latin typeface="Cambria Math" panose="02040503050406030204" pitchFamily="18" charset="0"/>
+                          <a:cs typeface="Calibri"/>
+                        </a:rPr>
+                        <m:t>𝐿𝐿</m:t>
+                      </m:r>
+                      <m:r>
+                        <a:rPr lang="en-US" altLang="zh-CN" b="0" i="1" smtClean="0">
+                          <a:latin typeface="Cambria Math" panose="02040503050406030204" pitchFamily="18" charset="0"/>
+                          <a:cs typeface="Calibri"/>
+                        </a:rPr>
+                        <m:t>(</m:t>
+                      </m:r>
+                      <m:r>
+                        <a:rPr lang="en-US" altLang="zh-CN" b="0" i="1" smtClean="0">
+                          <a:latin typeface="Cambria Math" panose="02040503050406030204" pitchFamily="18" charset="0"/>
+                          <a:cs typeface="Calibri"/>
+                        </a:rPr>
+                        <m:t>𝐵</m:t>
+                      </m:r>
+                      <m:r>
+                        <a:rPr lang="en-US" altLang="zh-CN" b="0" i="1" smtClean="0">
+                          <a:latin typeface="Cambria Math" panose="02040503050406030204" pitchFamily="18" charset="0"/>
+                          <a:cs typeface="Calibri"/>
+                        </a:rPr>
+                        <m:t>|</m:t>
+                      </m:r>
+                      <m:r>
+                        <a:rPr lang="en-US" altLang="zh-CN" b="0" i="1" smtClean="0">
+                          <a:latin typeface="Cambria Math" panose="02040503050406030204" pitchFamily="18" charset="0"/>
+                          <a:cs typeface="Calibri"/>
+                        </a:rPr>
+                        <m:t>𝐷</m:t>
+                      </m:r>
+                      <m:r>
+                        <a:rPr lang="en-US" altLang="zh-CN" b="0" i="1" smtClean="0">
+                          <a:latin typeface="Cambria Math" panose="02040503050406030204" pitchFamily="18" charset="0"/>
+                          <a:cs typeface="Calibri"/>
+                        </a:rPr>
+                        <m:t>)</m:t>
+                      </m:r>
+                    </m:oMath>
+                  </m:oMathPara>
+                </a14:m>
+                <a:endParaRPr lang="en-US" altLang="zh-CN" dirty="0" smtClean="0">
+                  <a:latin typeface="Calibri"/>
+                  <a:cs typeface="Calibri"/>
+                </a:endParaRPr>
+              </a:p>
+              <a:p>
+                <a:pPr marL="285750" indent="-285750">
+                  <a:buFont typeface="Arial" panose="020B0604020202020204" pitchFamily="34" charset="0"/>
+                  <a:buChar char="•"/>
+                </a:pPr>
+                <a:r>
+                  <a:rPr lang="en-US" altLang="zh-CN" dirty="0" smtClean="0">
+                    <a:latin typeface="Calibri"/>
+                    <a:cs typeface="Calibri"/>
+                  </a:rPr>
+                  <a:t>If </a:t>
+                </a:r>
+                <a14:m>
+                  <m:oMath xmlns:m="http://schemas.openxmlformats.org/officeDocument/2006/math">
+                    <m:r>
+                      <a:rPr lang="en-US" altLang="zh-CN" b="0" i="1" smtClean="0">
+                        <a:latin typeface="Cambria Math" panose="02040503050406030204" pitchFamily="18" charset="0"/>
+                        <a:cs typeface="Calibri"/>
+                      </a:rPr>
+                      <m:t>𝑓</m:t>
+                    </m:r>
+                    <m:d>
+                      <m:dPr>
+                        <m:ctrlPr>
+                          <a:rPr lang="en-US" altLang="zh-CN" b="0" i="1" smtClean="0">
+                            <a:latin typeface="Cambria Math" panose="02040503050406030204" pitchFamily="18" charset="0"/>
+                            <a:cs typeface="Calibri"/>
+                          </a:rPr>
+                        </m:ctrlPr>
+                      </m:dPr>
+                      <m:e>
+                        <m:r>
+                          <a:rPr lang="en-US" altLang="zh-CN" b="0" i="1" smtClean="0">
+                            <a:latin typeface="Cambria Math" panose="02040503050406030204" pitchFamily="18" charset="0"/>
+                            <a:cs typeface="Calibri"/>
+                          </a:rPr>
+                          <m:t>𝜃</m:t>
+                        </m:r>
+                      </m:e>
+                    </m:d>
+                    <m:r>
+                      <a:rPr lang="en-US" altLang="zh-CN" b="0" i="1" smtClean="0">
+                        <a:latin typeface="Cambria Math" panose="02040503050406030204" pitchFamily="18" charset="0"/>
+                        <a:cs typeface="Calibri"/>
+                      </a:rPr>
+                      <m:t>=</m:t>
+                    </m:r>
+                    <m:f>
+                      <m:fPr>
+                        <m:ctrlPr>
+                          <a:rPr lang="en-US" altLang="zh-CN" b="0" i="1" smtClean="0">
+                            <a:latin typeface="Cambria Math" panose="02040503050406030204" pitchFamily="18" charset="0"/>
+                            <a:cs typeface="Calibri"/>
+                          </a:rPr>
+                        </m:ctrlPr>
+                      </m:fPr>
+                      <m:num>
+                        <m:r>
+                          <a:rPr lang="en-US" altLang="zh-CN" b="0" i="1" smtClean="0">
+                            <a:latin typeface="Cambria Math" panose="02040503050406030204" pitchFamily="18" charset="0"/>
+                            <a:cs typeface="Calibri"/>
+                          </a:rPr>
+                          <m:t>1</m:t>
+                        </m:r>
+                      </m:num>
+                      <m:den>
+                        <m:r>
+                          <a:rPr lang="en-US" altLang="zh-CN" b="0" i="1" smtClean="0">
+                            <a:latin typeface="Cambria Math" panose="02040503050406030204" pitchFamily="18" charset="0"/>
+                            <a:cs typeface="Calibri"/>
+                          </a:rPr>
+                          <m:t>2</m:t>
+                        </m:r>
+                      </m:den>
+                    </m:f>
+                    <m:r>
+                      <a:rPr lang="en-US" altLang="zh-CN" b="0" i="1" smtClean="0">
+                        <a:latin typeface="Cambria Math" panose="02040503050406030204" pitchFamily="18" charset="0"/>
+                        <a:cs typeface="Calibri"/>
+                      </a:rPr>
+                      <m:t>𝑙𝑜𝑔𝑚</m:t>
+                    </m:r>
+                  </m:oMath>
+                </a14:m>
+                <a:r>
+                  <a:rPr lang="en-US" altLang="zh-CN" dirty="0" smtClean="0">
+                    <a:latin typeface="Calibri"/>
+                    <a:cs typeface="Calibri"/>
+                  </a:rPr>
+                  <a:t>, that is</a:t>
+                </a:r>
+                <a:r>
+                  <a:rPr lang="en-US" altLang="zh-CN" dirty="0">
+                    <a:latin typeface="Calibri"/>
+                    <a:cs typeface="Calibri"/>
+                  </a:rPr>
+                  <a:t>, each parameter is described by </a:t>
+                </a:r>
+                <a14:m>
+                  <m:oMath xmlns:m="http://schemas.openxmlformats.org/officeDocument/2006/math">
+                    <m:f>
+                      <m:fPr>
+                        <m:ctrlPr>
+                          <a:rPr lang="en-US" altLang="zh-CN" i="1">
+                            <a:latin typeface="Cambria Math" panose="02040503050406030204" pitchFamily="18" charset="0"/>
+                            <a:cs typeface="Calibri"/>
+                          </a:rPr>
+                        </m:ctrlPr>
+                      </m:fPr>
+                      <m:num>
+                        <m:r>
+                          <a:rPr lang="en-US" altLang="zh-CN" i="1">
+                            <a:latin typeface="Cambria Math" panose="02040503050406030204" pitchFamily="18" charset="0"/>
+                            <a:cs typeface="Calibri"/>
+                          </a:rPr>
+                          <m:t>1</m:t>
+                        </m:r>
+                      </m:num>
+                      <m:den>
+                        <m:r>
+                          <a:rPr lang="en-US" altLang="zh-CN" i="1">
+                            <a:latin typeface="Cambria Math" panose="02040503050406030204" pitchFamily="18" charset="0"/>
+                            <a:cs typeface="Calibri"/>
+                          </a:rPr>
+                          <m:t>2</m:t>
+                        </m:r>
+                      </m:den>
+                    </m:f>
+                    <m:r>
+                      <a:rPr lang="en-US" altLang="zh-CN" i="1">
+                        <a:latin typeface="Cambria Math" panose="02040503050406030204" pitchFamily="18" charset="0"/>
+                        <a:cs typeface="Calibri"/>
+                      </a:rPr>
+                      <m:t>𝑙𝑜𝑔𝑚</m:t>
+                    </m:r>
+                  </m:oMath>
+                </a14:m>
+                <a:r>
+                  <a:rPr lang="en-US" altLang="zh-CN" dirty="0">
+                    <a:latin typeface="Calibri"/>
+                    <a:cs typeface="Calibri"/>
+                  </a:rPr>
+                  <a:t> </a:t>
+                </a:r>
+                <a:r>
+                  <a:rPr lang="en-US" altLang="zh-CN" dirty="0" smtClean="0">
+                    <a:latin typeface="Calibri"/>
+                    <a:cs typeface="Calibri"/>
+                  </a:rPr>
+                  <a:t>byte, then the BIC (Bayesian Information Criterion) score function is obtained as :</a:t>
+                </a:r>
+              </a:p>
+              <a:p>
+                <a:pPr algn="ctr"/>
+                <a14:m>
+                  <m:oMathPara xmlns:m="http://schemas.openxmlformats.org/officeDocument/2006/math">
+                    <m:oMathParaPr>
+                      <m:jc m:val="centerGroup"/>
+                    </m:oMathParaPr>
+                    <m:oMath xmlns:m="http://schemas.openxmlformats.org/officeDocument/2006/math">
+                      <m:r>
+                        <a:rPr lang="en-US" altLang="zh-CN" b="0" i="1" smtClean="0">
+                          <a:latin typeface="Cambria Math" panose="02040503050406030204" pitchFamily="18" charset="0"/>
+                          <a:cs typeface="Calibri"/>
+                        </a:rPr>
+                        <m:t>𝐵𝐼𝐶</m:t>
+                      </m:r>
+                      <m:d>
+                        <m:dPr>
+                          <m:ctrlPr>
+                            <a:rPr lang="en-US" altLang="zh-CN" b="0" i="1" smtClean="0">
+                              <a:latin typeface="Cambria Math" panose="02040503050406030204" pitchFamily="18" charset="0"/>
+                              <a:cs typeface="Calibri"/>
+                            </a:rPr>
+                          </m:ctrlPr>
+                        </m:dPr>
+                        <m:e>
+                          <m:r>
+                            <a:rPr lang="en-US" altLang="zh-CN" b="0" i="1" smtClean="0">
+                              <a:latin typeface="Cambria Math" panose="02040503050406030204" pitchFamily="18" charset="0"/>
+                              <a:cs typeface="Calibri"/>
+                            </a:rPr>
+                            <m:t>𝐵</m:t>
+                          </m:r>
+                        </m:e>
+                        <m:e>
+                          <m:r>
+                            <a:rPr lang="en-US" altLang="zh-CN" b="0" i="1" smtClean="0">
+                              <a:latin typeface="Cambria Math" panose="02040503050406030204" pitchFamily="18" charset="0"/>
+                              <a:cs typeface="Calibri"/>
+                            </a:rPr>
+                            <m:t>𝐷</m:t>
+                          </m:r>
+                        </m:e>
+                      </m:d>
+                      <m:r>
+                        <a:rPr lang="en-US" altLang="zh-CN" b="0" i="1" smtClean="0">
+                          <a:latin typeface="Cambria Math" panose="02040503050406030204" pitchFamily="18" charset="0"/>
+                          <a:cs typeface="Calibri"/>
+                        </a:rPr>
+                        <m:t>=</m:t>
+                      </m:r>
+                      <m:f>
+                        <m:fPr>
+                          <m:ctrlPr>
+                            <a:rPr lang="en-US" altLang="zh-CN" b="0" i="1" smtClean="0">
+                              <a:latin typeface="Cambria Math" panose="02040503050406030204" pitchFamily="18" charset="0"/>
+                              <a:cs typeface="Calibri"/>
+                            </a:rPr>
+                          </m:ctrlPr>
+                        </m:fPr>
+                        <m:num>
+                          <m:r>
+                            <a:rPr lang="en-US" altLang="zh-CN" b="0" i="1" smtClean="0">
+                              <a:latin typeface="Cambria Math" panose="02040503050406030204" pitchFamily="18" charset="0"/>
+                              <a:cs typeface="Calibri"/>
+                            </a:rPr>
+                            <m:t>1</m:t>
+                          </m:r>
+                        </m:num>
+                        <m:den>
+                          <m:r>
+                            <a:rPr lang="en-US" altLang="zh-CN" b="0" i="1" smtClean="0">
+                              <a:latin typeface="Cambria Math" panose="02040503050406030204" pitchFamily="18" charset="0"/>
+                              <a:cs typeface="Calibri"/>
+                            </a:rPr>
+                            <m:t>2</m:t>
+                          </m:r>
+                        </m:den>
+                      </m:f>
+                      <m:r>
+                        <a:rPr lang="en-US" altLang="zh-CN" b="0" i="1" smtClean="0">
+                          <a:latin typeface="Cambria Math" panose="02040503050406030204" pitchFamily="18" charset="0"/>
+                          <a:cs typeface="Calibri"/>
+                        </a:rPr>
+                        <m:t>𝑙𝑜𝑔𝑚</m:t>
+                      </m:r>
+                      <m:d>
+                        <m:dPr>
+                          <m:begChr m:val="|"/>
+                          <m:endChr m:val="|"/>
+                          <m:ctrlPr>
+                            <a:rPr lang="en-US" altLang="zh-CN" b="0" i="1" smtClean="0">
+                              <a:latin typeface="Cambria Math" panose="02040503050406030204" pitchFamily="18" charset="0"/>
+                              <a:cs typeface="Calibri"/>
+                            </a:rPr>
+                          </m:ctrlPr>
+                        </m:dPr>
+                        <m:e>
+                          <m:r>
+                            <a:rPr lang="en-US" altLang="zh-CN" b="0" i="1" smtClean="0">
+                              <a:latin typeface="Cambria Math" panose="02040503050406030204" pitchFamily="18" charset="0"/>
+                              <a:cs typeface="Calibri"/>
+                            </a:rPr>
+                            <m:t>𝐵</m:t>
+                          </m:r>
+                        </m:e>
+                      </m:d>
+                      <m:r>
+                        <a:rPr lang="en-US" altLang="zh-CN" b="0" i="1" smtClean="0">
+                          <a:latin typeface="Cambria Math" panose="02040503050406030204" pitchFamily="18" charset="0"/>
+                          <a:cs typeface="Calibri"/>
+                        </a:rPr>
+                        <m:t>−</m:t>
+                      </m:r>
+                      <m:r>
+                        <a:rPr lang="en-US" altLang="zh-CN" b="0" i="1" smtClean="0">
+                          <a:latin typeface="Cambria Math" panose="02040503050406030204" pitchFamily="18" charset="0"/>
+                          <a:cs typeface="Calibri"/>
+                        </a:rPr>
+                        <m:t>𝐿𝐿</m:t>
+                      </m:r>
+                      <m:r>
+                        <a:rPr lang="en-US" altLang="zh-CN" b="0" i="1" smtClean="0">
+                          <a:latin typeface="Cambria Math" panose="02040503050406030204" pitchFamily="18" charset="0"/>
+                          <a:cs typeface="Calibri"/>
+                        </a:rPr>
+                        <m:t>(</m:t>
+                      </m:r>
+                      <m:r>
+                        <a:rPr lang="en-US" altLang="zh-CN" b="0" i="1" smtClean="0">
+                          <a:latin typeface="Cambria Math" panose="02040503050406030204" pitchFamily="18" charset="0"/>
+                          <a:cs typeface="Calibri"/>
+                        </a:rPr>
+                        <m:t>𝐵</m:t>
+                      </m:r>
+                      <m:r>
+                        <a:rPr lang="en-US" altLang="zh-CN" b="0" i="1" smtClean="0">
+                          <a:latin typeface="Cambria Math" panose="02040503050406030204" pitchFamily="18" charset="0"/>
+                          <a:cs typeface="Calibri"/>
+                        </a:rPr>
+                        <m:t>|</m:t>
+                      </m:r>
+                      <m:r>
+                        <a:rPr lang="en-US" altLang="zh-CN" b="0" i="1" smtClean="0">
+                          <a:latin typeface="Cambria Math" panose="02040503050406030204" pitchFamily="18" charset="0"/>
+                          <a:cs typeface="Calibri"/>
+                        </a:rPr>
+                        <m:t>𝐷</m:t>
+                      </m:r>
+                      <m:r>
+                        <a:rPr lang="en-US" altLang="zh-CN" b="0" i="1" smtClean="0">
+                          <a:latin typeface="Cambria Math" panose="02040503050406030204" pitchFamily="18" charset="0"/>
+                          <a:cs typeface="Calibri"/>
+                        </a:rPr>
+                        <m:t>)</m:t>
+                      </m:r>
+                    </m:oMath>
+                  </m:oMathPara>
+                </a14:m>
+                <a:endParaRPr lang="en-US" altLang="zh-CN" dirty="0" smtClean="0">
+                  <a:latin typeface="Calibri"/>
+                  <a:cs typeface="Calibri"/>
+                </a:endParaRPr>
+              </a:p>
+              <a:p>
+                <a:pPr marL="285750" indent="-285750">
+                  <a:buFont typeface="Arial" panose="020B0604020202020204" pitchFamily="34" charset="0"/>
+                  <a:buChar char="•"/>
+                </a:pPr>
+                <a:r>
+                  <a:rPr lang="en-US" altLang="zh-CN" dirty="0" smtClean="0">
+                    <a:latin typeface="Calibri"/>
+                    <a:cs typeface="Calibri"/>
+                  </a:rPr>
+                  <a:t>If </a:t>
+                </a:r>
+                <a14:m>
+                  <m:oMath xmlns:m="http://schemas.openxmlformats.org/officeDocument/2006/math">
+                    <m:r>
+                      <a:rPr lang="en-US" altLang="zh-CN" b="0" i="1" smtClean="0">
+                        <a:latin typeface="Cambria Math" panose="02040503050406030204" pitchFamily="18" charset="0"/>
+                        <a:cs typeface="Calibri"/>
+                      </a:rPr>
+                      <m:t>𝑓</m:t>
+                    </m:r>
+                    <m:d>
+                      <m:dPr>
+                        <m:ctrlPr>
+                          <a:rPr lang="en-US" altLang="zh-CN" b="0" i="1" smtClean="0">
+                            <a:latin typeface="Cambria Math" panose="02040503050406030204" pitchFamily="18" charset="0"/>
+                            <a:cs typeface="Calibri"/>
+                          </a:rPr>
+                        </m:ctrlPr>
+                      </m:dPr>
+                      <m:e>
+                        <m:r>
+                          <a:rPr lang="en-US" altLang="zh-CN" b="0" i="1" smtClean="0">
+                            <a:latin typeface="Cambria Math" panose="02040503050406030204" pitchFamily="18" charset="0"/>
+                            <a:cs typeface="Calibri"/>
+                          </a:rPr>
+                          <m:t>𝜃</m:t>
+                        </m:r>
+                      </m:e>
+                    </m:d>
+                    <m:r>
+                      <a:rPr lang="en-US" altLang="zh-CN" b="0" i="1" smtClean="0">
+                        <a:latin typeface="Cambria Math" panose="02040503050406030204" pitchFamily="18" charset="0"/>
+                        <a:cs typeface="Calibri"/>
+                      </a:rPr>
+                      <m:t>=0</m:t>
+                    </m:r>
+                  </m:oMath>
+                </a14:m>
+                <a:r>
+                  <a:rPr lang="en-US" altLang="zh-CN" dirty="0">
+                    <a:latin typeface="Calibri"/>
+                    <a:cs typeface="Calibri"/>
+                  </a:rPr>
+                  <a:t>, That is, without calculating the length of the network coding, the scoring function degenerates into a negative log-likelihood; accordingly, the learning task degenerates into a maximum likelihood estimation.</a:t>
+                </a:r>
+              </a:p>
+            </p:txBody>
+          </p:sp>
+        </mc:Choice>
+        <mc:Fallback>
+          <p:sp>
+            <p:nvSpPr>
+              <p:cNvPr id="2" name="文本框 1"/>
+              <p:cNvSpPr txBox="1">
+                <a:spLocks noRot="1" noChangeAspect="1" noMove="1" noResize="1" noEditPoints="1" noAdjustHandles="1" noChangeArrowheads="1" noChangeShapeType="1" noTextEdit="1"/>
+              </p:cNvSpPr>
+              <p:nvPr/>
+            </p:nvSpPr>
+            <p:spPr>
+              <a:xfrm>
+                <a:off x="152400" y="1276350"/>
+                <a:ext cx="8839200" cy="2941062"/>
+              </a:xfrm>
+              <a:prstGeom prst="rect">
+                <a:avLst/>
+              </a:prstGeom>
+              <a:blipFill>
+                <a:blip r:embed="rId3"/>
+                <a:stretch>
+                  <a:fillRect l="-414" t="-1035" b="-2277"/>
+                </a:stretch>
+              </a:blipFill>
+            </p:spPr>
+            <p:txBody>
+              <a:bodyPr/>
+              <a:lstStyle/>
+              <a:p>
+                <a:r>
+                  <a:rPr lang="zh-CN" altLang="en-US">
+                    <a:noFill/>
+                  </a:rPr>
+                  <a:t> </a:t>
+                </a:r>
+              </a:p>
+            </p:txBody>
+          </p:sp>
+        </mc:Fallback>
+      </mc:AlternateContent>
     </p:spTree>
     <p:extLst>
       <p:ext uri="{BB962C8B-B14F-4D97-AF65-F5344CB8AC3E}">
@@ -21606,8 +22284,8 @@
           </a:p>
         </p:txBody>
       </p:sp>
-      <mc:AlternateContent xmlns:mc="http://schemas.openxmlformats.org/markup-compatibility/2006">
-        <mc:Choice xmlns:a14="http://schemas.microsoft.com/office/drawing/2010/main" Requires="a14">
+      <mc:AlternateContent xmlns:mc="http://schemas.openxmlformats.org/markup-compatibility/2006" xmlns:a14="http://schemas.microsoft.com/office/drawing/2010/main">
+        <mc:Choice Requires="a14">
           <p:sp>
             <p:nvSpPr>
               <p:cNvPr id="3" name="矩形 2"/>
@@ -22170,7 +22848,7 @@
             </p:txBody>
           </p:sp>
         </mc:Choice>
-        <mc:Fallback>
+        <mc:Fallback xmlns="">
           <p:sp>
             <p:nvSpPr>
               <p:cNvPr id="3" name="矩形 2"/>
@@ -22209,8 +22887,8 @@
           </p:sp>
         </mc:Fallback>
       </mc:AlternateContent>
-      <mc:AlternateContent xmlns:mc="http://schemas.openxmlformats.org/markup-compatibility/2006">
-        <mc:Choice xmlns:a14="http://schemas.microsoft.com/office/drawing/2010/main" Requires="a14">
+      <mc:AlternateContent xmlns:mc="http://schemas.openxmlformats.org/markup-compatibility/2006" xmlns:a14="http://schemas.microsoft.com/office/drawing/2010/main">
+        <mc:Choice Requires="a14">
           <p:sp>
             <p:nvSpPr>
               <p:cNvPr id="4" name="矩形 3"/>
@@ -22894,7 +23572,7 @@
             </p:txBody>
           </p:sp>
         </mc:Choice>
-        <mc:Fallback>
+        <mc:Fallback xmlns="">
           <p:sp>
             <p:nvSpPr>
               <p:cNvPr id="4" name="矩形 3"/>
@@ -23376,8 +24054,8 @@
           </p:style>
         </p:cxnSp>
       </p:grpSp>
-      <mc:AlternateContent xmlns:mc="http://schemas.openxmlformats.org/markup-compatibility/2006">
-        <mc:Choice xmlns:a14="http://schemas.microsoft.com/office/drawing/2010/main" Requires="a14">
+      <mc:AlternateContent xmlns:mc="http://schemas.openxmlformats.org/markup-compatibility/2006" xmlns:a14="http://schemas.microsoft.com/office/drawing/2010/main">
+        <mc:Choice Requires="a14">
           <p:sp>
             <p:nvSpPr>
               <p:cNvPr id="20" name="文本框 19"/>
@@ -24043,7 +24721,7 @@
             </p:txBody>
           </p:sp>
         </mc:Choice>
-        <mc:Fallback>
+        <mc:Fallback xmlns="">
           <p:sp>
             <p:nvSpPr>
               <p:cNvPr id="20" name="文本框 19"/>
@@ -25217,8 +25895,8 @@
           </a:p>
         </p:txBody>
       </p:sp>
-      <mc:AlternateContent xmlns:mc="http://schemas.openxmlformats.org/markup-compatibility/2006">
-        <mc:Choice xmlns:a14="http://schemas.microsoft.com/office/drawing/2010/main" Requires="a14">
+      <mc:AlternateContent xmlns:mc="http://schemas.openxmlformats.org/markup-compatibility/2006" xmlns:a14="http://schemas.microsoft.com/office/drawing/2010/main">
+        <mc:Choice Requires="a14">
           <p:sp>
             <p:nvSpPr>
               <p:cNvPr id="45" name="文本框 44"/>
@@ -25745,7 +26423,7 @@
             </p:txBody>
           </p:sp>
         </mc:Choice>
-        <mc:Fallback>
+        <mc:Fallback xmlns="">
           <p:sp>
             <p:nvSpPr>
               <p:cNvPr id="45" name="文本框 44"/>
@@ -27207,8 +27885,8 @@
           </a:p>
         </p:txBody>
       </p:sp>
-      <mc:AlternateContent xmlns:mc="http://schemas.openxmlformats.org/markup-compatibility/2006">
-        <mc:Choice xmlns:a14="http://schemas.microsoft.com/office/drawing/2010/main" Requires="a14">
+      <mc:AlternateContent xmlns:mc="http://schemas.openxmlformats.org/markup-compatibility/2006" xmlns:a14="http://schemas.microsoft.com/office/drawing/2010/main">
+        <mc:Choice Requires="a14">
           <p:sp>
             <p:nvSpPr>
               <p:cNvPr id="32" name="文本框 31"/>
@@ -27943,7 +28621,7 @@
             </p:txBody>
           </p:sp>
         </mc:Choice>
-        <mc:Fallback>
+        <mc:Fallback xmlns="">
           <p:sp>
             <p:nvSpPr>
               <p:cNvPr id="32" name="文本框 31"/>
@@ -28206,6 +28884,412 @@
           </a:p>
         </p:txBody>
       </p:sp>
+      <p:sp>
+        <p:nvSpPr>
+          <p:cNvPr id="2" name="文本框 1"/>
+          <p:cNvSpPr txBox="1"/>
+          <p:nvPr/>
+        </p:nvSpPr>
+        <p:spPr>
+          <a:xfrm>
+            <a:off x="0" y="666750"/>
+            <a:ext cx="9144000" cy="1754326"/>
+          </a:xfrm>
+          <a:prstGeom prst="rect">
+            <a:avLst/>
+          </a:prstGeom>
+          <a:noFill/>
+        </p:spPr>
+        <p:txBody>
+          <a:bodyPr wrap="square" rtlCol="0">
+            <a:spAutoFit/>
+          </a:bodyPr>
+          <a:lstStyle/>
+          <a:p>
+            <a:pPr marL="285750" indent="-285750">
+              <a:buFont typeface="Arial" panose="020B0604020202020204" pitchFamily="34" charset="0"/>
+              <a:buChar char="•"/>
+            </a:pPr>
+            <a:r>
+              <a:rPr lang="en-US" altLang="zh-CN" dirty="0" smtClean="0">
+                <a:latin typeface="Calibri"/>
+                <a:cs typeface="Calibri"/>
+              </a:rPr>
+              <a:t>If the structure is known </a:t>
+            </a:r>
+            <a:r>
+              <a:rPr lang="en-US" altLang="zh-CN" dirty="0" smtClean="0">
+                <a:latin typeface="Calibri"/>
+                <a:cs typeface="Calibri"/>
+                <a:sym typeface="Wingdings" panose="05000000000000000000" pitchFamily="2" charset="2"/>
+              </a:rPr>
+              <a:t> Counting the training samples to estimate the probability table.</a:t>
+            </a:r>
+            <a:r>
+              <a:rPr lang="en-US" altLang="zh-CN" dirty="0" smtClean="0">
+                <a:latin typeface="Calibri"/>
+                <a:cs typeface="Calibri"/>
+              </a:rPr>
+              <a:t> </a:t>
+            </a:r>
+          </a:p>
+          <a:p>
+            <a:pPr marL="285750" indent="-285750">
+              <a:buFont typeface="Arial" panose="020B0604020202020204" pitchFamily="34" charset="0"/>
+              <a:buChar char="•"/>
+            </a:pPr>
+            <a:r>
+              <a:rPr lang="en-US" altLang="zh-CN" dirty="0" smtClean="0">
+                <a:latin typeface="Calibri"/>
+                <a:cs typeface="Calibri"/>
+              </a:rPr>
+              <a:t>If the structure is unknown(in most instances) </a:t>
+            </a:r>
+            <a:r>
+              <a:rPr lang="en-US" altLang="zh-CN" dirty="0" smtClean="0">
+                <a:latin typeface="Calibri"/>
+                <a:cs typeface="Calibri"/>
+                <a:sym typeface="Wingdings" panose="05000000000000000000" pitchFamily="2" charset="2"/>
+              </a:rPr>
+              <a:t> To </a:t>
+            </a:r>
+            <a:r>
+              <a:rPr lang="en-US" altLang="zh-CN" dirty="0">
+                <a:latin typeface="Calibri"/>
+                <a:cs typeface="Calibri"/>
+                <a:sym typeface="Wingdings" panose="05000000000000000000" pitchFamily="2" charset="2"/>
+              </a:rPr>
+              <a:t>find </a:t>
+            </a:r>
+            <a:r>
+              <a:rPr lang="en-US" altLang="zh-CN" dirty="0" smtClean="0">
+                <a:latin typeface="Calibri"/>
+                <a:cs typeface="Calibri"/>
+                <a:sym typeface="Wingdings" panose="05000000000000000000" pitchFamily="2" charset="2"/>
+              </a:rPr>
+              <a:t>the most appropriate Bayesian network . "</a:t>
+            </a:r>
+            <a:r>
+              <a:rPr lang="en-US" altLang="zh-CN" dirty="0" smtClean="0">
+                <a:solidFill>
+                  <a:srgbClr val="FF0000"/>
+                </a:solidFill>
+                <a:latin typeface="Calibri"/>
+                <a:cs typeface="Calibri"/>
+                <a:sym typeface="Wingdings" panose="05000000000000000000" pitchFamily="2" charset="2"/>
+              </a:rPr>
+              <a:t>Score </a:t>
+            </a:r>
+            <a:r>
+              <a:rPr lang="en-US" altLang="zh-CN" dirty="0">
+                <a:solidFill>
+                  <a:srgbClr val="FF0000"/>
+                </a:solidFill>
+                <a:latin typeface="Calibri"/>
+                <a:cs typeface="Calibri"/>
+                <a:sym typeface="Wingdings" panose="05000000000000000000" pitchFamily="2" charset="2"/>
+              </a:rPr>
+              <a:t>search</a:t>
+            </a:r>
+            <a:r>
+              <a:rPr lang="en-US" altLang="zh-CN" dirty="0">
+                <a:latin typeface="Calibri"/>
+                <a:cs typeface="Calibri"/>
+                <a:sym typeface="Wingdings" panose="05000000000000000000" pitchFamily="2" charset="2"/>
+              </a:rPr>
+              <a:t>" is a common way to solve this problem. </a:t>
+            </a:r>
+            <a:endParaRPr lang="en-US" altLang="zh-CN" dirty="0" smtClean="0">
+              <a:latin typeface="Calibri"/>
+              <a:cs typeface="Calibri"/>
+              <a:sym typeface="Wingdings" panose="05000000000000000000" pitchFamily="2" charset="2"/>
+            </a:endParaRPr>
+          </a:p>
+          <a:p>
+            <a:r>
+              <a:rPr lang="en-US" altLang="zh-CN" dirty="0" smtClean="0">
+                <a:latin typeface="Calibri"/>
+                <a:cs typeface="Calibri"/>
+                <a:sym typeface="Wingdings" panose="05000000000000000000" pitchFamily="2" charset="2"/>
+              </a:rPr>
+              <a:t>	1.  Define </a:t>
+            </a:r>
+            <a:r>
+              <a:rPr lang="en-US" altLang="zh-CN" dirty="0">
+                <a:latin typeface="Calibri"/>
+                <a:cs typeface="Calibri"/>
+                <a:sym typeface="Wingdings" panose="05000000000000000000" pitchFamily="2" charset="2"/>
+              </a:rPr>
+              <a:t>a </a:t>
+            </a:r>
+            <a:r>
+              <a:rPr lang="en-US" altLang="zh-CN" dirty="0">
+                <a:solidFill>
+                  <a:srgbClr val="FF0000"/>
+                </a:solidFill>
+                <a:latin typeface="Calibri"/>
+                <a:cs typeface="Calibri"/>
+                <a:sym typeface="Wingdings" panose="05000000000000000000" pitchFamily="2" charset="2"/>
+              </a:rPr>
+              <a:t>score function </a:t>
+            </a:r>
+            <a:r>
+              <a:rPr lang="en-US" altLang="zh-CN" dirty="0">
+                <a:latin typeface="Calibri"/>
+                <a:cs typeface="Calibri"/>
+                <a:sym typeface="Wingdings" panose="05000000000000000000" pitchFamily="2" charset="2"/>
+              </a:rPr>
+              <a:t>to evaluate the degree of fit of the Bayesian network with training </a:t>
+            </a:r>
+            <a:r>
+              <a:rPr lang="en-US" altLang="zh-CN" dirty="0" smtClean="0">
+                <a:latin typeface="Calibri"/>
+                <a:cs typeface="Calibri"/>
+                <a:sym typeface="Wingdings" panose="05000000000000000000" pitchFamily="2" charset="2"/>
+              </a:rPr>
+              <a:t>data</a:t>
+            </a:r>
+          </a:p>
+          <a:p>
+            <a:r>
+              <a:rPr lang="en-US" altLang="zh-CN" dirty="0" smtClean="0">
+                <a:latin typeface="Calibri"/>
+                <a:cs typeface="Calibri"/>
+                <a:sym typeface="Wingdings" panose="05000000000000000000" pitchFamily="2" charset="2"/>
+              </a:rPr>
+              <a:t>	2.  Use </a:t>
+            </a:r>
+            <a:r>
+              <a:rPr lang="en-US" altLang="zh-CN" dirty="0">
+                <a:latin typeface="Calibri"/>
+                <a:cs typeface="Calibri"/>
+                <a:sym typeface="Wingdings" panose="05000000000000000000" pitchFamily="2" charset="2"/>
+              </a:rPr>
+              <a:t>this score function to find optimal Bayesian network structure</a:t>
+            </a:r>
+            <a:r>
+              <a:rPr lang="en-US" altLang="zh-CN" dirty="0" smtClean="0">
+                <a:latin typeface="Calibri"/>
+                <a:cs typeface="Calibri"/>
+                <a:sym typeface="Wingdings" panose="05000000000000000000" pitchFamily="2" charset="2"/>
+              </a:rPr>
+              <a:t>.</a:t>
+            </a:r>
+          </a:p>
+        </p:txBody>
+      </p:sp>
+      <p:sp>
+        <p:nvSpPr>
+          <p:cNvPr id="3" name="文本框 2"/>
+          <p:cNvSpPr txBox="1"/>
+          <p:nvPr/>
+        </p:nvSpPr>
+        <p:spPr>
+          <a:xfrm>
+            <a:off x="0" y="2582048"/>
+            <a:ext cx="9144000" cy="1200329"/>
+          </a:xfrm>
+          <a:prstGeom prst="rect">
+            <a:avLst/>
+          </a:prstGeom>
+          <a:noFill/>
+        </p:spPr>
+        <p:txBody>
+          <a:bodyPr wrap="square" rtlCol="0">
+            <a:spAutoFit/>
+          </a:bodyPr>
+          <a:lstStyle/>
+          <a:p>
+            <a:pPr marL="285750" indent="-285750">
+              <a:buFont typeface="Arial" panose="020B0604020202020204" pitchFamily="34" charset="0"/>
+              <a:buChar char="•"/>
+            </a:pPr>
+            <a:r>
+              <a:rPr lang="en-US" altLang="zh-CN" dirty="0">
+                <a:latin typeface="Calibri"/>
+                <a:cs typeface="Calibri"/>
+              </a:rPr>
+              <a:t> The commonly used </a:t>
+            </a:r>
+            <a:r>
+              <a:rPr lang="en-US" altLang="zh-CN" dirty="0" smtClean="0">
+                <a:latin typeface="Calibri"/>
+                <a:cs typeface="Calibri"/>
+              </a:rPr>
+              <a:t>score </a:t>
+            </a:r>
+            <a:r>
+              <a:rPr lang="en-US" altLang="zh-CN" dirty="0">
+                <a:latin typeface="Calibri"/>
+                <a:cs typeface="Calibri"/>
+              </a:rPr>
+              <a:t>function is usually based on the information theory criterion. The learning problem is regarded as a </a:t>
+            </a:r>
+            <a:r>
+              <a:rPr lang="en-US" altLang="zh-CN" dirty="0">
+                <a:solidFill>
+                  <a:srgbClr val="FF0000"/>
+                </a:solidFill>
+                <a:latin typeface="Calibri"/>
+                <a:cs typeface="Calibri"/>
+              </a:rPr>
+              <a:t>data compression task</a:t>
+            </a:r>
+            <a:r>
+              <a:rPr lang="en-US" altLang="zh-CN" dirty="0">
+                <a:latin typeface="Calibri"/>
+                <a:cs typeface="Calibri"/>
+              </a:rPr>
+              <a:t>. The goal of the learning is to find a model that can </a:t>
+            </a:r>
+            <a:r>
+              <a:rPr lang="en-US" altLang="zh-CN" dirty="0">
+                <a:solidFill>
+                  <a:srgbClr val="FF0000"/>
+                </a:solidFill>
+                <a:latin typeface="Calibri"/>
+                <a:cs typeface="Calibri"/>
+              </a:rPr>
+              <a:t>describe the training data with the shortest code length</a:t>
+            </a:r>
+            <a:r>
+              <a:rPr lang="en-US" altLang="zh-CN" dirty="0">
+                <a:latin typeface="Calibri"/>
+                <a:cs typeface="Calibri"/>
+              </a:rPr>
+              <a:t>. The code length includes the bytes needed to </a:t>
+            </a:r>
+            <a:r>
+              <a:rPr lang="en-US" altLang="zh-CN" dirty="0">
+                <a:solidFill>
+                  <a:srgbClr val="FF0000"/>
+                </a:solidFill>
+                <a:latin typeface="Calibri"/>
+                <a:cs typeface="Calibri"/>
+              </a:rPr>
+              <a:t>describe the model itself, </a:t>
+            </a:r>
+            <a:r>
+              <a:rPr lang="en-US" altLang="zh-CN" dirty="0" smtClean="0">
+                <a:solidFill>
+                  <a:srgbClr val="FF0000"/>
+                </a:solidFill>
+                <a:latin typeface="Calibri"/>
+                <a:cs typeface="Calibri"/>
+              </a:rPr>
+              <a:t>as well as the training </a:t>
+            </a:r>
+            <a:r>
+              <a:rPr lang="en-US" altLang="zh-CN" dirty="0">
+                <a:solidFill>
+                  <a:srgbClr val="FF0000"/>
+                </a:solidFill>
+                <a:latin typeface="Calibri"/>
+                <a:cs typeface="Calibri"/>
+              </a:rPr>
+              <a:t>data.</a:t>
+            </a:r>
+            <a:endParaRPr lang="zh-CN" altLang="en-US" dirty="0" err="1" smtClean="0">
+              <a:solidFill>
+                <a:srgbClr val="FF0000"/>
+              </a:solidFill>
+              <a:latin typeface="Calibri"/>
+              <a:cs typeface="Calibri"/>
+            </a:endParaRPr>
+          </a:p>
+        </p:txBody>
+      </p:sp>
+      <p:sp>
+        <p:nvSpPr>
+          <p:cNvPr id="5" name="文本框 4"/>
+          <p:cNvSpPr txBox="1"/>
+          <p:nvPr/>
+        </p:nvSpPr>
+        <p:spPr>
+          <a:xfrm>
+            <a:off x="0" y="4095750"/>
+            <a:ext cx="9144000" cy="646331"/>
+          </a:xfrm>
+          <a:prstGeom prst="rect">
+            <a:avLst/>
+          </a:prstGeom>
+          <a:noFill/>
+        </p:spPr>
+        <p:txBody>
+          <a:bodyPr wrap="square" rtlCol="0">
+            <a:spAutoFit/>
+          </a:bodyPr>
+          <a:lstStyle/>
+          <a:p>
+            <a:pPr marL="285750" indent="-285750">
+              <a:buFont typeface="Arial" panose="020B0604020202020204" pitchFamily="34" charset="0"/>
+              <a:buChar char="•"/>
+            </a:pPr>
+            <a:r>
+              <a:rPr lang="en-US" altLang="zh-CN" dirty="0">
+                <a:latin typeface="Calibri"/>
+                <a:cs typeface="Calibri"/>
+              </a:rPr>
+              <a:t> </a:t>
+            </a:r>
+            <a:r>
+              <a:rPr lang="en-US" altLang="zh-CN" dirty="0">
+                <a:solidFill>
+                  <a:srgbClr val="FF0000"/>
+                </a:solidFill>
+                <a:latin typeface="Calibri"/>
+                <a:cs typeface="Calibri"/>
+              </a:rPr>
+              <a:t>Minimal Description Length </a:t>
+            </a:r>
+            <a:r>
+              <a:rPr lang="en-US" altLang="zh-CN" dirty="0" smtClean="0">
+                <a:solidFill>
+                  <a:srgbClr val="FF0000"/>
+                </a:solidFill>
+                <a:latin typeface="Calibri"/>
+                <a:cs typeface="Calibri"/>
+              </a:rPr>
+              <a:t>criterion(MDL) : </a:t>
+            </a:r>
+            <a:r>
+              <a:rPr lang="en-US" altLang="zh-CN" dirty="0" smtClean="0">
+                <a:latin typeface="Calibri"/>
+                <a:cs typeface="Calibri"/>
+              </a:rPr>
+              <a:t>Choose </a:t>
+            </a:r>
+            <a:r>
+              <a:rPr lang="en-US" altLang="zh-CN" dirty="0">
+                <a:latin typeface="Calibri"/>
+                <a:cs typeface="Calibri"/>
+              </a:rPr>
+              <a:t>the Bayesian network with the shortest overall coding length (including network and </a:t>
+            </a:r>
+            <a:r>
+              <a:rPr lang="en-US" altLang="zh-CN" dirty="0" smtClean="0">
+                <a:latin typeface="Calibri"/>
+                <a:cs typeface="Calibri"/>
+              </a:rPr>
+              <a:t>data</a:t>
+            </a:r>
+            <a:r>
+              <a:rPr lang="en-US" altLang="zh-CN" dirty="0">
+                <a:latin typeface="Calibri"/>
+                <a:cs typeface="Calibri"/>
+              </a:rPr>
+              <a:t>).</a:t>
+            </a:r>
+            <a:endParaRPr lang="zh-CN" altLang="en-US" dirty="0" err="1" smtClean="0">
+              <a:solidFill>
+                <a:srgbClr val="FF0000"/>
+              </a:solidFill>
+              <a:latin typeface="Calibri"/>
+              <a:cs typeface="Calibri"/>
+            </a:endParaRPr>
+          </a:p>
+        </p:txBody>
+      </p:sp>
     </p:spTree>
     <p:extLst>
       <p:ext uri="{BB962C8B-B14F-4D97-AF65-F5344CB8AC3E}">
@@ -28430,6 +29514,867 @@
           </a:p>
         </p:txBody>
       </p:sp>
+      <mc:AlternateContent xmlns:mc="http://schemas.openxmlformats.org/markup-compatibility/2006">
+        <mc:Choice xmlns:a14="http://schemas.microsoft.com/office/drawing/2010/main" Requires="a14">
+          <p:sp>
+            <p:nvSpPr>
+              <p:cNvPr id="2" name="文本框 1"/>
+              <p:cNvSpPr txBox="1"/>
+              <p:nvPr/>
+            </p:nvSpPr>
+            <p:spPr>
+              <a:xfrm>
+                <a:off x="0" y="666750"/>
+                <a:ext cx="9144000" cy="3405163"/>
+              </a:xfrm>
+              <a:prstGeom prst="rect">
+                <a:avLst/>
+              </a:prstGeom>
+              <a:noFill/>
+            </p:spPr>
+            <p:txBody>
+              <a:bodyPr wrap="square" rtlCol="0">
+                <a:spAutoFit/>
+              </a:bodyPr>
+              <a:lstStyle/>
+              <a:p>
+                <a:r>
+                  <a:rPr lang="en-US" altLang="zh-CN" dirty="0" smtClean="0">
+                    <a:latin typeface="Calibri"/>
+                    <a:cs typeface="Calibri"/>
+                  </a:rPr>
+                  <a:t>For a given training set </a:t>
+                </a:r>
+                <a14:m>
+                  <m:oMath xmlns:m="http://schemas.openxmlformats.org/officeDocument/2006/math">
+                    <m:r>
+                      <a:rPr lang="en-US" altLang="zh-CN" b="0" i="1" smtClean="0">
+                        <a:latin typeface="Cambria Math" panose="02040503050406030204" pitchFamily="18" charset="0"/>
+                        <a:cs typeface="Calibri"/>
+                      </a:rPr>
+                      <m:t>𝐷</m:t>
+                    </m:r>
+                    <m:r>
+                      <a:rPr lang="en-US" altLang="zh-CN" b="0" i="1" smtClean="0">
+                        <a:latin typeface="Cambria Math" panose="02040503050406030204" pitchFamily="18" charset="0"/>
+                        <a:cs typeface="Calibri"/>
+                      </a:rPr>
+                      <m:t>=</m:t>
+                    </m:r>
+                    <m:sSubSup>
+                      <m:sSubSupPr>
+                        <m:ctrlPr>
+                          <a:rPr lang="en-US" altLang="zh-CN" b="0" i="1" smtClean="0">
+                            <a:latin typeface="Cambria Math" panose="02040503050406030204" pitchFamily="18" charset="0"/>
+                            <a:cs typeface="Calibri"/>
+                          </a:rPr>
+                        </m:ctrlPr>
+                      </m:sSubSupPr>
+                      <m:e>
+                        <m:d>
+                          <m:dPr>
+                            <m:begChr m:val="{"/>
+                            <m:endChr m:val="}"/>
+                            <m:ctrlPr>
+                              <a:rPr lang="en-US" altLang="zh-CN" b="0" i="1" smtClean="0">
+                                <a:latin typeface="Cambria Math" panose="02040503050406030204" pitchFamily="18" charset="0"/>
+                                <a:cs typeface="Calibri"/>
+                              </a:rPr>
+                            </m:ctrlPr>
+                          </m:dPr>
+                          <m:e>
+                            <m:r>
+                              <a:rPr lang="en-US" altLang="zh-CN" b="0" i="1" smtClean="0">
+                                <a:latin typeface="Cambria Math" panose="02040503050406030204" pitchFamily="18" charset="0"/>
+                                <a:cs typeface="Calibri"/>
+                              </a:rPr>
+                              <m:t>𝑥</m:t>
+                            </m:r>
+                          </m:e>
+                        </m:d>
+                      </m:e>
+                      <m:sub>
+                        <m:r>
+                          <a:rPr lang="en-US" altLang="zh-CN" b="0" i="1" smtClean="0">
+                            <a:latin typeface="Cambria Math" panose="02040503050406030204" pitchFamily="18" charset="0"/>
+                            <a:cs typeface="Calibri"/>
+                          </a:rPr>
+                          <m:t>𝑗</m:t>
+                        </m:r>
+                        <m:r>
+                          <a:rPr lang="en-US" altLang="zh-CN" b="0" i="1" smtClean="0">
+                            <a:latin typeface="Cambria Math" panose="02040503050406030204" pitchFamily="18" charset="0"/>
+                            <a:cs typeface="Calibri"/>
+                          </a:rPr>
+                          <m:t>=1</m:t>
+                        </m:r>
+                      </m:sub>
+                      <m:sup>
+                        <m:r>
+                          <a:rPr lang="en-US" altLang="zh-CN" b="0" i="1" smtClean="0">
+                            <a:latin typeface="Cambria Math" panose="02040503050406030204" pitchFamily="18" charset="0"/>
+                            <a:cs typeface="Calibri"/>
+                          </a:rPr>
+                          <m:t>𝑚</m:t>
+                        </m:r>
+                      </m:sup>
+                    </m:sSubSup>
+                  </m:oMath>
+                </a14:m>
+                <a:r>
+                  <a:rPr lang="en-US" altLang="zh-CN" dirty="0">
+                    <a:latin typeface="Calibri"/>
+                    <a:cs typeface="Calibri"/>
+                  </a:rPr>
+                  <a:t>, </a:t>
+                </a:r>
+                <a:r>
+                  <a:rPr lang="en-US" altLang="zh-CN" dirty="0" smtClean="0">
+                    <a:latin typeface="Calibri"/>
+                    <a:cs typeface="Calibri"/>
+                  </a:rPr>
+                  <a:t>define </a:t>
+                </a:r>
+                <a:r>
+                  <a:rPr lang="en-US" altLang="zh-CN" dirty="0">
+                    <a:latin typeface="Calibri"/>
+                    <a:cs typeface="Calibri"/>
+                  </a:rPr>
+                  <a:t>the log likelihood of </a:t>
+                </a:r>
+                <a:r>
+                  <a:rPr lang="en-US" altLang="zh-CN" dirty="0" smtClean="0">
+                    <a:latin typeface="Calibri"/>
+                    <a:cs typeface="Calibri"/>
+                  </a:rPr>
+                  <a:t>a </a:t>
+                </a:r>
+                <a:r>
+                  <a:rPr lang="en-US" altLang="zh-CN" dirty="0">
+                    <a:latin typeface="Calibri"/>
+                    <a:cs typeface="Calibri"/>
+                  </a:rPr>
+                  <a:t>Bayesian network </a:t>
+                </a:r>
+                <a:r>
+                  <a:rPr lang="en-US" altLang="zh-CN" dirty="0" smtClean="0">
+                    <a:latin typeface="Calibri"/>
+                    <a:cs typeface="Calibri"/>
+                  </a:rPr>
+                  <a:t>as</a:t>
+                </a:r>
+              </a:p>
+              <a:p>
+                <a:pPr algn="ctr"/>
+                <a14:m>
+                  <m:oMathPara xmlns:m="http://schemas.openxmlformats.org/officeDocument/2006/math">
+                    <m:oMathParaPr>
+                      <m:jc m:val="centerGroup"/>
+                    </m:oMathParaPr>
+                    <m:oMath xmlns:m="http://schemas.openxmlformats.org/officeDocument/2006/math">
+                      <m:r>
+                        <a:rPr lang="en-US" altLang="zh-CN" b="0" i="1" smtClean="0">
+                          <a:latin typeface="Cambria Math" panose="02040503050406030204" pitchFamily="18" charset="0"/>
+                          <a:cs typeface="Calibri"/>
+                        </a:rPr>
+                        <m:t>𝐿𝐿</m:t>
+                      </m:r>
+                      <m:d>
+                        <m:dPr>
+                          <m:ctrlPr>
+                            <a:rPr lang="en-US" altLang="zh-CN" b="0" i="1" smtClean="0">
+                              <a:latin typeface="Cambria Math" panose="02040503050406030204" pitchFamily="18" charset="0"/>
+                              <a:cs typeface="Calibri"/>
+                            </a:rPr>
+                          </m:ctrlPr>
+                        </m:dPr>
+                        <m:e>
+                          <m:r>
+                            <a:rPr lang="en-US" altLang="zh-CN" b="0" i="1" smtClean="0">
+                              <a:latin typeface="Cambria Math" panose="02040503050406030204" pitchFamily="18" charset="0"/>
+                              <a:cs typeface="Calibri"/>
+                            </a:rPr>
+                            <m:t>𝐵</m:t>
+                          </m:r>
+                        </m:e>
+                        <m:e>
+                          <m:r>
+                            <a:rPr lang="en-US" altLang="zh-CN" b="0" i="1" smtClean="0">
+                              <a:latin typeface="Cambria Math" panose="02040503050406030204" pitchFamily="18" charset="0"/>
+                              <a:cs typeface="Calibri"/>
+                            </a:rPr>
+                            <m:t>𝐷</m:t>
+                          </m:r>
+                        </m:e>
+                      </m:d>
+                      <m:r>
+                        <a:rPr lang="en-US" altLang="zh-CN" b="0" i="1" smtClean="0">
+                          <a:latin typeface="Cambria Math" panose="02040503050406030204" pitchFamily="18" charset="0"/>
+                          <a:cs typeface="Calibri"/>
+                        </a:rPr>
+                        <m:t>=</m:t>
+                      </m:r>
+                      <m:nary>
+                        <m:naryPr>
+                          <m:chr m:val="∑"/>
+                          <m:ctrlPr>
+                            <a:rPr lang="en-US" altLang="zh-CN" b="0" i="1" smtClean="0">
+                              <a:latin typeface="Cambria Math" panose="02040503050406030204" pitchFamily="18" charset="0"/>
+                              <a:cs typeface="Calibri"/>
+                            </a:rPr>
+                          </m:ctrlPr>
+                        </m:naryPr>
+                        <m:sub>
+                          <m:r>
+                            <a:rPr lang="en-US" altLang="zh-CN" b="0" i="1" smtClean="0">
+                              <a:latin typeface="Cambria Math" panose="02040503050406030204" pitchFamily="18" charset="0"/>
+                              <a:cs typeface="Calibri"/>
+                            </a:rPr>
+                            <m:t>𝑗</m:t>
+                          </m:r>
+                          <m:r>
+                            <a:rPr lang="en-US" altLang="zh-CN" b="0" i="1" smtClean="0">
+                              <a:latin typeface="Cambria Math" panose="02040503050406030204" pitchFamily="18" charset="0"/>
+                              <a:cs typeface="Calibri"/>
+                            </a:rPr>
+                            <m:t>=1</m:t>
+                          </m:r>
+                        </m:sub>
+                        <m:sup>
+                          <m:r>
+                            <a:rPr lang="en-US" altLang="zh-CN" b="0" i="1" smtClean="0">
+                              <a:latin typeface="Cambria Math" panose="02040503050406030204" pitchFamily="18" charset="0"/>
+                              <a:cs typeface="Calibri"/>
+                            </a:rPr>
+                            <m:t>𝑚</m:t>
+                          </m:r>
+                        </m:sup>
+                        <m:e>
+                          <m:r>
+                            <a:rPr lang="en-US" altLang="zh-CN" b="0" i="1" smtClean="0">
+                              <a:latin typeface="Cambria Math" panose="02040503050406030204" pitchFamily="18" charset="0"/>
+                              <a:cs typeface="Calibri"/>
+                            </a:rPr>
+                            <m:t>𝑙𝑜𝑔</m:t>
+                          </m:r>
+                          <m:sSub>
+                            <m:sSubPr>
+                              <m:ctrlPr>
+                                <a:rPr lang="en-US" altLang="zh-CN" b="0" i="1" smtClean="0">
+                                  <a:latin typeface="Cambria Math" panose="02040503050406030204" pitchFamily="18" charset="0"/>
+                                  <a:cs typeface="Calibri"/>
+                                </a:rPr>
+                              </m:ctrlPr>
+                            </m:sSubPr>
+                            <m:e>
+                              <m:r>
+                                <a:rPr lang="en-US" altLang="zh-CN" b="0" i="1" smtClean="0">
+                                  <a:latin typeface="Cambria Math" panose="02040503050406030204" pitchFamily="18" charset="0"/>
+                                  <a:cs typeface="Calibri"/>
+                                </a:rPr>
+                                <m:t>𝑃</m:t>
+                              </m:r>
+                            </m:e>
+                            <m:sub>
+                              <m:r>
+                                <a:rPr lang="en-US" altLang="zh-CN" b="0" i="1" smtClean="0">
+                                  <a:latin typeface="Cambria Math" panose="02040503050406030204" pitchFamily="18" charset="0"/>
+                                  <a:cs typeface="Calibri"/>
+                                </a:rPr>
+                                <m:t>𝐵</m:t>
+                              </m:r>
+                            </m:sub>
+                          </m:sSub>
+                          <m:r>
+                            <a:rPr lang="en-US" altLang="zh-CN" b="0" i="1" smtClean="0">
+                              <a:latin typeface="Cambria Math" panose="02040503050406030204" pitchFamily="18" charset="0"/>
+                              <a:cs typeface="Calibri"/>
+                            </a:rPr>
+                            <m:t>(</m:t>
+                          </m:r>
+                          <m:sSub>
+                            <m:sSubPr>
+                              <m:ctrlPr>
+                                <a:rPr lang="en-US" altLang="zh-CN" b="0" i="1" smtClean="0">
+                                  <a:latin typeface="Cambria Math" panose="02040503050406030204" pitchFamily="18" charset="0"/>
+                                  <a:cs typeface="Calibri"/>
+                                </a:rPr>
+                              </m:ctrlPr>
+                            </m:sSubPr>
+                            <m:e>
+                              <m:r>
+                                <a:rPr lang="en-US" altLang="zh-CN" b="0" i="1" smtClean="0">
+                                  <a:latin typeface="Cambria Math" panose="02040503050406030204" pitchFamily="18" charset="0"/>
+                                  <a:cs typeface="Calibri"/>
+                                </a:rPr>
+                                <m:t>𝑥</m:t>
+                              </m:r>
+                            </m:e>
+                            <m:sub>
+                              <m:r>
+                                <a:rPr lang="en-US" altLang="zh-CN" b="0" i="1" smtClean="0">
+                                  <a:latin typeface="Cambria Math" panose="02040503050406030204" pitchFamily="18" charset="0"/>
+                                  <a:cs typeface="Calibri"/>
+                                </a:rPr>
+                                <m:t>𝑗</m:t>
+                              </m:r>
+                            </m:sub>
+                          </m:sSub>
+                          <m:r>
+                            <a:rPr lang="en-US" altLang="zh-CN" b="0" i="1" smtClean="0">
+                              <a:latin typeface="Cambria Math" panose="02040503050406030204" pitchFamily="18" charset="0"/>
+                              <a:cs typeface="Calibri"/>
+                            </a:rPr>
+                            <m:t>)</m:t>
+                          </m:r>
+                        </m:e>
+                      </m:nary>
+                    </m:oMath>
+                  </m:oMathPara>
+                </a14:m>
+                <a:endParaRPr lang="en-US" altLang="zh-CN" dirty="0" smtClean="0">
+                  <a:latin typeface="Calibri"/>
+                  <a:cs typeface="Calibri"/>
+                </a:endParaRPr>
+              </a:p>
+              <a:p>
+                <a:r>
+                  <a:rPr lang="en-US" altLang="zh-CN" dirty="0" smtClean="0">
+                    <a:latin typeface="Calibri"/>
+                    <a:cs typeface="Calibri"/>
+                  </a:rPr>
+                  <a:t>Define the score function of Bayesian-Net B over the data set D as :</a:t>
+                </a:r>
+              </a:p>
+              <a:p>
+                <a:pPr algn="ctr"/>
+                <a14:m>
+                  <m:oMathPara xmlns:m="http://schemas.openxmlformats.org/officeDocument/2006/math">
+                    <m:oMathParaPr>
+                      <m:jc m:val="centerGroup"/>
+                    </m:oMathParaPr>
+                    <m:oMath xmlns:m="http://schemas.openxmlformats.org/officeDocument/2006/math">
+                      <m:r>
+                        <a:rPr lang="en-US" altLang="zh-CN" b="0" i="1" smtClean="0">
+                          <a:latin typeface="Cambria Math" panose="02040503050406030204" pitchFamily="18" charset="0"/>
+                          <a:cs typeface="Calibri"/>
+                        </a:rPr>
+                        <m:t>𝑠</m:t>
+                      </m:r>
+                      <m:d>
+                        <m:dPr>
+                          <m:ctrlPr>
+                            <a:rPr lang="en-US" altLang="zh-CN" b="0" i="1" smtClean="0">
+                              <a:latin typeface="Cambria Math" panose="02040503050406030204" pitchFamily="18" charset="0"/>
+                              <a:cs typeface="Calibri"/>
+                            </a:rPr>
+                          </m:ctrlPr>
+                        </m:dPr>
+                        <m:e>
+                          <m:r>
+                            <a:rPr lang="en-US" altLang="zh-CN" b="0" i="1" smtClean="0">
+                              <a:latin typeface="Cambria Math" panose="02040503050406030204" pitchFamily="18" charset="0"/>
+                              <a:cs typeface="Calibri"/>
+                            </a:rPr>
+                            <m:t>𝐵</m:t>
+                          </m:r>
+                        </m:e>
+                        <m:e>
+                          <m:r>
+                            <a:rPr lang="en-US" altLang="zh-CN" b="0" i="1" smtClean="0">
+                              <a:latin typeface="Cambria Math" panose="02040503050406030204" pitchFamily="18" charset="0"/>
+                              <a:cs typeface="Calibri"/>
+                            </a:rPr>
+                            <m:t>𝐷</m:t>
+                          </m:r>
+                        </m:e>
+                      </m:d>
+                      <m:r>
+                        <a:rPr lang="en-US" altLang="zh-CN" b="0" i="1" smtClean="0">
+                          <a:latin typeface="Cambria Math" panose="02040503050406030204" pitchFamily="18" charset="0"/>
+                          <a:cs typeface="Calibri"/>
+                        </a:rPr>
+                        <m:t>=</m:t>
+                      </m:r>
+                      <m:r>
+                        <a:rPr lang="en-US" altLang="zh-CN" b="0" i="1" smtClean="0">
+                          <a:latin typeface="Cambria Math" panose="02040503050406030204" pitchFamily="18" charset="0"/>
+                          <a:cs typeface="Calibri"/>
+                        </a:rPr>
+                        <m:t>𝑓</m:t>
+                      </m:r>
+                      <m:d>
+                        <m:dPr>
+                          <m:ctrlPr>
+                            <a:rPr lang="en-US" altLang="zh-CN" b="0" i="1" smtClean="0">
+                              <a:latin typeface="Cambria Math" panose="02040503050406030204" pitchFamily="18" charset="0"/>
+                              <a:cs typeface="Calibri"/>
+                            </a:rPr>
+                          </m:ctrlPr>
+                        </m:dPr>
+                        <m:e>
+                          <m:r>
+                            <a:rPr lang="en-US" altLang="zh-CN" b="0" i="1" smtClean="0">
+                              <a:latin typeface="Cambria Math" panose="02040503050406030204" pitchFamily="18" charset="0"/>
+                              <a:cs typeface="Calibri"/>
+                            </a:rPr>
+                            <m:t>𝜃</m:t>
+                          </m:r>
+                        </m:e>
+                      </m:d>
+                      <m:d>
+                        <m:dPr>
+                          <m:begChr m:val="|"/>
+                          <m:endChr m:val="|"/>
+                          <m:ctrlPr>
+                            <a:rPr lang="en-US" altLang="zh-CN" b="0" i="1" smtClean="0">
+                              <a:latin typeface="Cambria Math" panose="02040503050406030204" pitchFamily="18" charset="0"/>
+                              <a:cs typeface="Calibri"/>
+                            </a:rPr>
+                          </m:ctrlPr>
+                        </m:dPr>
+                        <m:e>
+                          <m:r>
+                            <a:rPr lang="en-US" altLang="zh-CN" b="0" i="1" smtClean="0">
+                              <a:latin typeface="Cambria Math" panose="02040503050406030204" pitchFamily="18" charset="0"/>
+                              <a:cs typeface="Calibri"/>
+                            </a:rPr>
+                            <m:t>𝐵</m:t>
+                          </m:r>
+                        </m:e>
+                      </m:d>
+                      <m:r>
+                        <a:rPr lang="en-US" altLang="zh-CN" b="0" i="1" smtClean="0">
+                          <a:latin typeface="Cambria Math" panose="02040503050406030204" pitchFamily="18" charset="0"/>
+                          <a:cs typeface="Calibri"/>
+                        </a:rPr>
+                        <m:t>−</m:t>
+                      </m:r>
+                      <m:r>
+                        <a:rPr lang="en-US" altLang="zh-CN" b="0" i="1" smtClean="0">
+                          <a:latin typeface="Cambria Math" panose="02040503050406030204" pitchFamily="18" charset="0"/>
+                          <a:cs typeface="Calibri"/>
+                        </a:rPr>
+                        <m:t>𝐿𝐿</m:t>
+                      </m:r>
+                      <m:r>
+                        <a:rPr lang="en-US" altLang="zh-CN" b="0" i="1" smtClean="0">
+                          <a:latin typeface="Cambria Math" panose="02040503050406030204" pitchFamily="18" charset="0"/>
+                          <a:cs typeface="Calibri"/>
+                        </a:rPr>
+                        <m:t>(</m:t>
+                      </m:r>
+                      <m:r>
+                        <a:rPr lang="en-US" altLang="zh-CN" b="0" i="1" smtClean="0">
+                          <a:latin typeface="Cambria Math" panose="02040503050406030204" pitchFamily="18" charset="0"/>
+                          <a:cs typeface="Calibri"/>
+                        </a:rPr>
+                        <m:t>𝐵</m:t>
+                      </m:r>
+                      <m:r>
+                        <a:rPr lang="en-US" altLang="zh-CN" b="0" i="1" smtClean="0">
+                          <a:latin typeface="Cambria Math" panose="02040503050406030204" pitchFamily="18" charset="0"/>
+                          <a:cs typeface="Calibri"/>
+                        </a:rPr>
+                        <m:t>|</m:t>
+                      </m:r>
+                      <m:r>
+                        <a:rPr lang="en-US" altLang="zh-CN" b="0" i="1" smtClean="0">
+                          <a:latin typeface="Cambria Math" panose="02040503050406030204" pitchFamily="18" charset="0"/>
+                          <a:cs typeface="Calibri"/>
+                        </a:rPr>
+                        <m:t>𝐷</m:t>
+                      </m:r>
+                      <m:r>
+                        <a:rPr lang="en-US" altLang="zh-CN" b="0" i="1" smtClean="0">
+                          <a:latin typeface="Cambria Math" panose="02040503050406030204" pitchFamily="18" charset="0"/>
+                          <a:cs typeface="Calibri"/>
+                        </a:rPr>
+                        <m:t>)</m:t>
+                      </m:r>
+                    </m:oMath>
+                  </m:oMathPara>
+                </a14:m>
+                <a:endParaRPr lang="en-US" altLang="zh-CN" dirty="0" smtClean="0">
+                  <a:latin typeface="Calibri"/>
+                  <a:cs typeface="Calibri"/>
+                </a:endParaRPr>
+              </a:p>
+              <a:p>
+                <a:r>
+                  <a:rPr lang="en-US" altLang="zh-CN" dirty="0">
+                    <a:latin typeface="Calibri"/>
+                    <a:cs typeface="Calibri"/>
+                  </a:rPr>
+                  <a:t>In the above formula</a:t>
+                </a:r>
+                <a:r>
+                  <a:rPr lang="en-US" altLang="zh-CN" dirty="0" smtClean="0">
+                    <a:latin typeface="Calibri"/>
+                    <a:cs typeface="Calibri"/>
+                  </a:rPr>
+                  <a:t>, |B| represent the number of parameters in the Bayesian-Net, </a:t>
+                </a:r>
+                <a14:m>
+                  <m:oMath xmlns:m="http://schemas.openxmlformats.org/officeDocument/2006/math">
+                    <m:r>
+                      <a:rPr lang="en-US" altLang="zh-CN" b="0" i="1" smtClean="0">
+                        <a:latin typeface="Cambria Math" panose="02040503050406030204" pitchFamily="18" charset="0"/>
+                        <a:cs typeface="Calibri"/>
+                      </a:rPr>
+                      <m:t>𝑓</m:t>
+                    </m:r>
+                    <m:d>
+                      <m:dPr>
+                        <m:ctrlPr>
+                          <a:rPr lang="en-US" altLang="zh-CN" b="0" i="1" smtClean="0">
+                            <a:latin typeface="Cambria Math" panose="02040503050406030204" pitchFamily="18" charset="0"/>
+                            <a:cs typeface="Calibri"/>
+                          </a:rPr>
+                        </m:ctrlPr>
+                      </m:dPr>
+                      <m:e>
+                        <m:r>
+                          <a:rPr lang="en-US" altLang="zh-CN" b="0" i="1" smtClean="0">
+                            <a:latin typeface="Cambria Math" panose="02040503050406030204" pitchFamily="18" charset="0"/>
+                            <a:cs typeface="Calibri"/>
+                          </a:rPr>
+                          <m:t>𝜃</m:t>
+                        </m:r>
+                      </m:e>
+                    </m:d>
+                  </m:oMath>
+                </a14:m>
+                <a:r>
+                  <a:rPr lang="en-US" altLang="zh-CN" dirty="0" smtClean="0">
+                    <a:latin typeface="Calibri"/>
+                    <a:cs typeface="Calibri"/>
+                  </a:rPr>
+                  <a:t> represents </a:t>
+                </a:r>
+                <a:r>
+                  <a:rPr lang="en-US" altLang="zh-CN" dirty="0">
+                    <a:latin typeface="Calibri"/>
+                    <a:cs typeface="Calibri"/>
+                  </a:rPr>
+                  <a:t>the number of bytes required to describe each </a:t>
+                </a:r>
+                <a:r>
+                  <a:rPr lang="en-US" altLang="zh-CN" dirty="0" smtClean="0">
+                    <a:latin typeface="Calibri"/>
+                    <a:cs typeface="Calibri"/>
+                  </a:rPr>
+                  <a:t>parameter </a:t>
+                </a:r>
+                <a14:m>
+                  <m:oMath xmlns:m="http://schemas.openxmlformats.org/officeDocument/2006/math">
+                    <m:r>
+                      <a:rPr lang="en-US" altLang="zh-CN" b="0" i="1" smtClean="0">
+                        <a:latin typeface="Cambria Math" panose="02040503050406030204" pitchFamily="18" charset="0"/>
+                        <a:cs typeface="Calibri"/>
+                      </a:rPr>
+                      <m:t>𝜃</m:t>
+                    </m:r>
+                  </m:oMath>
+                </a14:m>
+                <a:r>
+                  <a:rPr lang="en-US" altLang="zh-CN" dirty="0">
+                    <a:latin typeface="Calibri"/>
+                    <a:cs typeface="Calibri"/>
+                  </a:rPr>
+                  <a:t>. The first term calculates the bytes required to encode Bayesian network B, and the second term calculates how many bytes are needed to describe D for the probability distribution </a:t>
+                </a:r>
+                <a14:m>
+                  <m:oMath xmlns:m="http://schemas.openxmlformats.org/officeDocument/2006/math">
+                    <m:sSub>
+                      <m:sSubPr>
+                        <m:ctrlPr>
+                          <a:rPr lang="en-US" altLang="zh-CN" i="1" dirty="0" smtClean="0">
+                            <a:latin typeface="Cambria Math" panose="02040503050406030204" pitchFamily="18" charset="0"/>
+                            <a:cs typeface="Calibri"/>
+                          </a:rPr>
+                        </m:ctrlPr>
+                      </m:sSubPr>
+                      <m:e>
+                        <m:r>
+                          <a:rPr lang="en-US" altLang="zh-CN" i="1" dirty="0" smtClean="0">
+                            <a:latin typeface="Cambria Math" panose="02040503050406030204" pitchFamily="18" charset="0"/>
+                            <a:cs typeface="Calibri"/>
+                          </a:rPr>
+                          <m:t>𝑃</m:t>
+                        </m:r>
+                      </m:e>
+                      <m:sub>
+                        <m:r>
+                          <a:rPr lang="en-US" altLang="zh-CN" i="1" dirty="0" smtClean="0">
+                            <a:latin typeface="Cambria Math" panose="02040503050406030204" pitchFamily="18" charset="0"/>
+                            <a:cs typeface="Calibri"/>
+                          </a:rPr>
+                          <m:t>𝐵</m:t>
+                        </m:r>
+                      </m:sub>
+                    </m:sSub>
+                  </m:oMath>
+                </a14:m>
+                <a:r>
+                  <a:rPr lang="en-US" altLang="zh-CN" dirty="0" smtClean="0">
+                    <a:latin typeface="Calibri"/>
+                    <a:cs typeface="Calibri"/>
+                  </a:rPr>
+                  <a:t>. </a:t>
+                </a:r>
+              </a:p>
+              <a:p>
+                <a:endParaRPr lang="en-US" altLang="zh-CN" dirty="0">
+                  <a:latin typeface="Calibri"/>
+                  <a:cs typeface="Calibri"/>
+                </a:endParaRPr>
+              </a:p>
+              <a:p>
+                <a:r>
+                  <a:rPr lang="en-US" altLang="zh-CN" dirty="0" smtClean="0">
+                    <a:latin typeface="Calibri"/>
+                    <a:cs typeface="Calibri"/>
+                  </a:rPr>
+                  <a:t>Transform </a:t>
+                </a:r>
+                <a:r>
+                  <a:rPr lang="en-US" altLang="zh-CN" dirty="0">
+                    <a:latin typeface="Calibri"/>
+                    <a:cs typeface="Calibri"/>
+                  </a:rPr>
+                  <a:t>the learning task into an optimization task:</a:t>
+                </a:r>
+                <a:endParaRPr lang="zh-CN" altLang="en-US" dirty="0" err="1" smtClean="0">
+                  <a:latin typeface="Calibri"/>
+                  <a:cs typeface="Calibri"/>
+                </a:endParaRPr>
+              </a:p>
+            </p:txBody>
+          </p:sp>
+        </mc:Choice>
+        <mc:Fallback>
+          <p:sp>
+            <p:nvSpPr>
+              <p:cNvPr id="2" name="文本框 1"/>
+              <p:cNvSpPr txBox="1">
+                <a:spLocks noRot="1" noChangeAspect="1" noMove="1" noResize="1" noEditPoints="1" noAdjustHandles="1" noChangeArrowheads="1" noChangeShapeType="1" noTextEdit="1"/>
+              </p:cNvSpPr>
+              <p:nvPr/>
+            </p:nvSpPr>
+            <p:spPr>
+              <a:xfrm>
+                <a:off x="0" y="666750"/>
+                <a:ext cx="9144000" cy="3405163"/>
+              </a:xfrm>
+              <a:prstGeom prst="rect">
+                <a:avLst/>
+              </a:prstGeom>
+              <a:blipFill>
+                <a:blip r:embed="rId3"/>
+                <a:stretch>
+                  <a:fillRect l="-533" t="-716" r="-667" b="-1789"/>
+                </a:stretch>
+              </a:blipFill>
+            </p:spPr>
+            <p:txBody>
+              <a:bodyPr/>
+              <a:lstStyle/>
+              <a:p>
+                <a:r>
+                  <a:rPr lang="zh-CN" altLang="en-US">
+                    <a:noFill/>
+                  </a:rPr>
+                  <a:t> </a:t>
+                </a:r>
+              </a:p>
+            </p:txBody>
+          </p:sp>
+        </mc:Fallback>
+      </mc:AlternateContent>
+      <mc:AlternateContent xmlns:mc="http://schemas.openxmlformats.org/markup-compatibility/2006">
+        <mc:Choice xmlns:a14="http://schemas.microsoft.com/office/drawing/2010/main" Requires="a14">
+          <p:sp>
+            <p:nvSpPr>
+              <p:cNvPr id="3" name="文本框 2"/>
+              <p:cNvSpPr txBox="1"/>
+              <p:nvPr/>
+            </p:nvSpPr>
+            <p:spPr>
+              <a:xfrm>
+                <a:off x="1028700" y="4226599"/>
+                <a:ext cx="7086600" cy="369332"/>
+              </a:xfrm>
+              <a:prstGeom prst="rect">
+                <a:avLst/>
+              </a:prstGeom>
+              <a:ln>
+                <a:noFill/>
+              </a:ln>
+              <a:effectLst>
+                <a:outerShdw blurRad="149987" dist="250190" dir="8460000" algn="ctr">
+                  <a:srgbClr val="000000">
+                    <a:alpha val="28000"/>
+                  </a:srgbClr>
+                </a:outerShdw>
+              </a:effectLst>
+              <a:scene3d>
+                <a:camera prst="orthographicFront">
+                  <a:rot lat="0" lon="0" rev="0"/>
+                </a:camera>
+                <a:lightRig rig="contrasting" dir="t">
+                  <a:rot lat="0" lon="0" rev="1500000"/>
+                </a:lightRig>
+              </a:scene3d>
+              <a:sp3d prstMaterial="metal">
+                <a:bevelT w="88900" h="88900"/>
+              </a:sp3d>
+            </p:spPr>
+            <p:style>
+              <a:lnRef idx="3">
+                <a:schemeClr val="lt1"/>
+              </a:lnRef>
+              <a:fillRef idx="1">
+                <a:schemeClr val="accent6"/>
+              </a:fillRef>
+              <a:effectRef idx="1">
+                <a:schemeClr val="accent6"/>
+              </a:effectRef>
+              <a:fontRef idx="minor">
+                <a:schemeClr val="lt1"/>
+              </a:fontRef>
+            </p:style>
+            <p:txBody>
+              <a:bodyPr wrap="square" rtlCol="0">
+                <a:spAutoFit/>
+              </a:bodyPr>
+              <a:lstStyle/>
+              <a:p>
+                <a:pPr algn="ctr"/>
+                <a:r>
+                  <a:rPr lang="en-US" altLang="zh-CN" dirty="0" smtClean="0">
+                    <a:latin typeface="Calibri"/>
+                    <a:cs typeface="Calibri"/>
+                  </a:rPr>
+                  <a:t>Finding a Bayesian Network B </a:t>
+                </a:r>
+                <a:r>
+                  <a:rPr lang="en-US" altLang="zh-CN" dirty="0">
+                    <a:latin typeface="Calibri"/>
+                    <a:cs typeface="Calibri"/>
+                  </a:rPr>
+                  <a:t>to Minimize the Score </a:t>
+                </a:r>
+                <a:r>
+                  <a:rPr lang="en-US" altLang="zh-CN" dirty="0" smtClean="0">
+                    <a:latin typeface="Calibri"/>
+                    <a:cs typeface="Calibri"/>
+                  </a:rPr>
+                  <a:t>Function </a:t>
+                </a:r>
+                <a14:m>
+                  <m:oMath xmlns:m="http://schemas.openxmlformats.org/officeDocument/2006/math">
+                    <m:r>
+                      <a:rPr lang="en-US" altLang="zh-CN" b="0" i="1" smtClean="0">
+                        <a:latin typeface="Cambria Math" panose="02040503050406030204" pitchFamily="18" charset="0"/>
+                        <a:cs typeface="Calibri"/>
+                      </a:rPr>
+                      <m:t>𝑠</m:t>
+                    </m:r>
+                    <m:r>
+                      <a:rPr lang="en-US" altLang="zh-CN" b="0" i="1" smtClean="0">
+                        <a:latin typeface="Cambria Math" panose="02040503050406030204" pitchFamily="18" charset="0"/>
+                        <a:cs typeface="Calibri"/>
+                      </a:rPr>
+                      <m:t>(</m:t>
+                    </m:r>
+                    <m:r>
+                      <a:rPr lang="en-US" altLang="zh-CN" b="0" i="1" smtClean="0">
+                        <a:latin typeface="Cambria Math" panose="02040503050406030204" pitchFamily="18" charset="0"/>
+                        <a:cs typeface="Calibri"/>
+                      </a:rPr>
+                      <m:t>𝐵</m:t>
+                    </m:r>
+                    <m:r>
+                      <a:rPr lang="en-US" altLang="zh-CN" b="0" i="1" smtClean="0">
+                        <a:latin typeface="Cambria Math" panose="02040503050406030204" pitchFamily="18" charset="0"/>
+                        <a:cs typeface="Calibri"/>
+                      </a:rPr>
+                      <m:t>|</m:t>
+                    </m:r>
+                    <m:r>
+                      <a:rPr lang="en-US" altLang="zh-CN" b="0" i="1" smtClean="0">
+                        <a:latin typeface="Cambria Math" panose="02040503050406030204" pitchFamily="18" charset="0"/>
+                        <a:cs typeface="Calibri"/>
+                      </a:rPr>
+                      <m:t>𝐷</m:t>
+                    </m:r>
+                    <m:r>
+                      <a:rPr lang="en-US" altLang="zh-CN" b="0" i="1" smtClean="0">
+                        <a:latin typeface="Cambria Math" panose="02040503050406030204" pitchFamily="18" charset="0"/>
+                        <a:cs typeface="Calibri"/>
+                      </a:rPr>
+                      <m:t>)</m:t>
+                    </m:r>
+                  </m:oMath>
+                </a14:m>
+                <a:endParaRPr lang="zh-CN" altLang="en-US" dirty="0" err="1" smtClean="0">
+                  <a:latin typeface="Calibri"/>
+                  <a:cs typeface="Calibri"/>
+                </a:endParaRPr>
+              </a:p>
+            </p:txBody>
+          </p:sp>
+        </mc:Choice>
+        <mc:Fallback>
+          <p:sp>
+            <p:nvSpPr>
+              <p:cNvPr id="3" name="文本框 2"/>
+              <p:cNvSpPr txBox="1">
+                <a:spLocks noRot="1" noChangeAspect="1" noMove="1" noResize="1" noEditPoints="1" noAdjustHandles="1" noChangeArrowheads="1" noChangeShapeType="1" noTextEdit="1"/>
+              </p:cNvSpPr>
+              <p:nvPr/>
+            </p:nvSpPr>
+            <p:spPr>
+              <a:xfrm>
+                <a:off x="1028700" y="4226599"/>
+                <a:ext cx="7086600" cy="369332"/>
+              </a:xfrm>
+              <a:prstGeom prst="rect">
+                <a:avLst/>
+              </a:prstGeom>
+              <a:blipFill>
+                <a:blip r:embed="rId4"/>
+                <a:stretch>
+                  <a:fillRect/>
+                </a:stretch>
+              </a:blipFill>
+              <a:ln>
+                <a:noFill/>
+              </a:ln>
+              <a:effectLst>
+                <a:outerShdw blurRad="149987" dist="250190" dir="8460000" algn="ctr">
+                  <a:srgbClr val="000000">
+                    <a:alpha val="28000"/>
+                  </a:srgbClr>
+                </a:outerShdw>
+              </a:effectLst>
+            </p:spPr>
+            <p:txBody>
+              <a:bodyPr/>
+              <a:lstStyle/>
+              <a:p>
+                <a:r>
+                  <a:rPr lang="zh-CN" altLang="en-US">
+                    <a:noFill/>
+                  </a:rPr>
+                  <a:t> </a:t>
+                </a:r>
+              </a:p>
+            </p:txBody>
+          </p:sp>
+        </mc:Fallback>
+      </mc:AlternateContent>
     </p:spTree>
     <p:extLst>
       <p:ext uri="{BB962C8B-B14F-4D97-AF65-F5344CB8AC3E}">

--- a/ref/BayesNet.pptx
+++ b/ref/BayesNet.pptx
@@ -7289,8 +7289,8 @@
             </p:nvSpPr>
             <p:spPr>
               <a:xfrm>
-                <a:off x="152400" y="1276350"/>
-                <a:ext cx="8839200" cy="2941062"/>
+                <a:off x="152400" y="895350"/>
+                <a:ext cx="8839200" cy="4049057"/>
               </a:xfrm>
               <a:prstGeom prst="rect">
                 <a:avLst/>
@@ -7412,8 +7412,25 @@
                     <a:latin typeface="Calibri"/>
                     <a:cs typeface="Calibri"/>
                   </a:rPr>
-                  <a:t>obtained as :</a:t>
+                  <a:t>obtained as </a:t>
                 </a:r>
+                <a:r>
+                  <a:rPr lang="en-US" altLang="zh-CN" dirty="0" smtClean="0">
+                    <a:latin typeface="Calibri"/>
+                    <a:cs typeface="Calibri"/>
+                  </a:rPr>
+                  <a:t>:</a:t>
+                </a:r>
+              </a:p>
+              <a:p>
+                <a:pPr marL="285750" indent="-285750">
+                  <a:buFont typeface="Arial" panose="020B0604020202020204" pitchFamily="34" charset="0"/>
+                  <a:buChar char="•"/>
+                </a:pPr>
+                <a:endParaRPr lang="en-US" altLang="zh-CN" dirty="0" smtClean="0">
+                  <a:latin typeface="Calibri"/>
+                  <a:cs typeface="Calibri"/>
+                </a:endParaRPr>
               </a:p>
               <a:p>
                 <a:pPr algn="ctr"/>
@@ -7538,6 +7555,13 @@
                     </m:oMath>
                   </m:oMathPara>
                 </a14:m>
+                <a:endParaRPr lang="en-US" altLang="zh-CN" dirty="0" smtClean="0">
+                  <a:latin typeface="Calibri"/>
+                  <a:cs typeface="Calibri"/>
+                </a:endParaRPr>
+              </a:p>
+              <a:p>
+                <a:pPr algn="ctr"/>
                 <a:endParaRPr lang="en-US" altLang="zh-CN" dirty="0" smtClean="0">
                   <a:latin typeface="Calibri"/>
                   <a:cs typeface="Calibri"/>
@@ -7692,8 +7716,25 @@
                     <a:latin typeface="Calibri"/>
                     <a:cs typeface="Calibri"/>
                   </a:rPr>
-                  <a:t>byte, then the BIC (Bayesian Information Criterion) score function is obtained as :</a:t>
+                  <a:t>byte, then the BIC (Bayesian Information Criterion) score function is obtained as </a:t>
                 </a:r>
+                <a:r>
+                  <a:rPr lang="en-US" altLang="zh-CN" dirty="0" smtClean="0">
+                    <a:latin typeface="Calibri"/>
+                    <a:cs typeface="Calibri"/>
+                  </a:rPr>
+                  <a:t>:</a:t>
+                </a:r>
+              </a:p>
+              <a:p>
+                <a:pPr marL="285750" indent="-285750">
+                  <a:buFont typeface="Arial" panose="020B0604020202020204" pitchFamily="34" charset="0"/>
+                  <a:buChar char="•"/>
+                </a:pPr>
+                <a:endParaRPr lang="en-US" altLang="zh-CN" dirty="0" smtClean="0">
+                  <a:latin typeface="Calibri"/>
+                  <a:cs typeface="Calibri"/>
+                </a:endParaRPr>
               </a:p>
               <a:p>
                 <a:pPr algn="ctr"/>
@@ -7859,6 +7900,13 @@
                 </a:endParaRPr>
               </a:p>
               <a:p>
+                <a:pPr algn="ctr"/>
+                <a:endParaRPr lang="en-US" altLang="zh-CN" dirty="0" smtClean="0">
+                  <a:latin typeface="Calibri"/>
+                  <a:cs typeface="Calibri"/>
+                </a:endParaRPr>
+              </a:p>
+              <a:p>
                 <a:pPr marL="285750" indent="-285750">
                   <a:buFont typeface="Arial" panose="020B0604020202020204" pitchFamily="34" charset="0"/>
                   <a:buChar char="•"/>
@@ -7929,8 +7977,8 @@
             </p:nvSpPr>
             <p:spPr>
               <a:xfrm>
-                <a:off x="152400" y="1276350"/>
-                <a:ext cx="8839200" cy="2941062"/>
+                <a:off x="152400" y="895350"/>
+                <a:ext cx="8839200" cy="4049057"/>
               </a:xfrm>
               <a:prstGeom prst="rect">
                 <a:avLst/>
@@ -7938,7 +7986,7 @@
               <a:blipFill>
                 <a:blip r:embed="rId3"/>
                 <a:stretch>
-                  <a:fillRect l="-414" t="-1035" b="-2277"/>
+                  <a:fillRect l="-414" t="-904" b="-1506"/>
                 </a:stretch>
               </a:blipFill>
             </p:spPr>
@@ -8181,6 +8229,847 @@
           </a:p>
         </p:txBody>
       </p:sp>
+      <mc:AlternateContent xmlns:mc="http://schemas.openxmlformats.org/markup-compatibility/2006">
+        <mc:Choice xmlns:a14="http://schemas.microsoft.com/office/drawing/2010/main" Requires="a14">
+          <p:sp>
+            <p:nvSpPr>
+              <p:cNvPr id="2" name="矩形 1"/>
+              <p:cNvSpPr/>
+              <p:nvPr/>
+            </p:nvSpPr>
+            <p:spPr>
+              <a:xfrm>
+                <a:off x="-33528" y="514350"/>
+                <a:ext cx="9067800" cy="4380173"/>
+              </a:xfrm>
+              <a:prstGeom prst="rect">
+                <a:avLst/>
+              </a:prstGeom>
+            </p:spPr>
+            <p:txBody>
+              <a:bodyPr wrap="square">
+                <a:spAutoFit/>
+              </a:bodyPr>
+              <a:lstStyle/>
+              <a:p>
+                <a:r>
+                  <a:rPr lang="zh-CN" altLang="en-US" sz="1600" dirty="0" smtClean="0">
+                    <a:latin typeface="Calibri" panose="020F0502020204030204" pitchFamily="34" charset="0"/>
+                    <a:cs typeface="Calibri" panose="020F0502020204030204" pitchFamily="34" charset="0"/>
+                  </a:rPr>
+                  <a:t>If the network structure G of Bayesian network </a:t>
+                </a:r>
+                <a14:m>
+                  <m:oMath xmlns:m="http://schemas.openxmlformats.org/officeDocument/2006/math">
+                    <m:r>
+                      <a:rPr lang="en-US" altLang="zh-CN" sz="1600" b="0" i="1" smtClean="0">
+                        <a:latin typeface="Cambria Math" panose="02040503050406030204" pitchFamily="18" charset="0"/>
+                        <a:cs typeface="Calibri" panose="020F0502020204030204" pitchFamily="34" charset="0"/>
+                      </a:rPr>
+                      <m:t>𝐵</m:t>
+                    </m:r>
+                    <m:r>
+                      <a:rPr lang="en-US" altLang="zh-CN" sz="1600" b="0" i="1" smtClean="0">
+                        <a:latin typeface="Cambria Math" panose="02040503050406030204" pitchFamily="18" charset="0"/>
+                        <a:cs typeface="Calibri" panose="020F0502020204030204" pitchFamily="34" charset="0"/>
+                      </a:rPr>
+                      <m:t>=&lt;</m:t>
+                    </m:r>
+                    <m:r>
+                      <a:rPr lang="en-US" altLang="zh-CN" sz="1600" b="0" i="1" smtClean="0">
+                        <a:latin typeface="Cambria Math" panose="02040503050406030204" pitchFamily="18" charset="0"/>
+                        <a:cs typeface="Calibri" panose="020F0502020204030204" pitchFamily="34" charset="0"/>
+                      </a:rPr>
+                      <m:t>𝐺</m:t>
+                    </m:r>
+                    <m:r>
+                      <a:rPr lang="en-US" altLang="zh-CN" sz="1600" b="0" i="1" smtClean="0">
+                        <a:latin typeface="Cambria Math" panose="02040503050406030204" pitchFamily="18" charset="0"/>
+                        <a:cs typeface="Calibri" panose="020F0502020204030204" pitchFamily="34" charset="0"/>
+                      </a:rPr>
+                      <m:t>,</m:t>
+                    </m:r>
+                    <m:r>
+                      <m:rPr>
+                        <m:sty m:val="p"/>
+                      </m:rPr>
+                      <a:rPr lang="en-US" altLang="zh-CN" sz="1600" b="0" i="0" smtClean="0">
+                        <a:latin typeface="Cambria Math" panose="02040503050406030204" pitchFamily="18" charset="0"/>
+                        <a:cs typeface="Calibri" panose="020F0502020204030204" pitchFamily="34" charset="0"/>
+                      </a:rPr>
+                      <m:t>Θ</m:t>
+                    </m:r>
+                    <m:r>
+                      <a:rPr lang="en-US" altLang="zh-CN" sz="1600" b="0" i="1" smtClean="0">
+                        <a:latin typeface="Cambria Math" panose="02040503050406030204" pitchFamily="18" charset="0"/>
+                        <a:cs typeface="Calibri" panose="020F0502020204030204" pitchFamily="34" charset="0"/>
+                      </a:rPr>
+                      <m:t>&gt;</m:t>
+                    </m:r>
+                  </m:oMath>
+                </a14:m>
+                <a:r>
+                  <a:rPr lang="zh-CN" altLang="en-US" sz="1600" dirty="0" smtClean="0">
+                    <a:latin typeface="Calibri" panose="020F0502020204030204" pitchFamily="34" charset="0"/>
+                    <a:cs typeface="Calibri" panose="020F0502020204030204" pitchFamily="34" charset="0"/>
+                  </a:rPr>
+                  <a:t>is </a:t>
+                </a:r>
+                <a:r>
+                  <a:rPr lang="zh-CN" altLang="en-US" sz="1600" dirty="0">
+                    <a:latin typeface="Calibri" panose="020F0502020204030204" pitchFamily="34" charset="0"/>
+                    <a:cs typeface="Calibri" panose="020F0502020204030204" pitchFamily="34" charset="0"/>
+                  </a:rPr>
+                  <a:t>fixed, the first term of the scoring function </a:t>
+                </a:r>
+                <a14:m>
+                  <m:oMath xmlns:m="http://schemas.openxmlformats.org/officeDocument/2006/math">
+                    <m:r>
+                      <a:rPr lang="zh-CN" altLang="en-US" sz="1600" i="1" dirty="0" smtClean="0">
+                        <a:latin typeface="Cambria Math" panose="02040503050406030204" pitchFamily="18" charset="0"/>
+                        <a:cs typeface="Calibri" panose="020F0502020204030204" pitchFamily="34" charset="0"/>
+                      </a:rPr>
+                      <m:t>𝑠</m:t>
+                    </m:r>
+                    <m:r>
+                      <a:rPr lang="zh-CN" altLang="en-US" sz="1600" i="1" dirty="0" smtClean="0">
+                        <a:latin typeface="Cambria Math" panose="02040503050406030204" pitchFamily="18" charset="0"/>
+                        <a:cs typeface="Calibri" panose="020F0502020204030204" pitchFamily="34" charset="0"/>
+                      </a:rPr>
+                      <m:t>(</m:t>
+                    </m:r>
+                    <m:r>
+                      <a:rPr lang="zh-CN" altLang="en-US" sz="1600" i="1" dirty="0" smtClean="0">
+                        <a:latin typeface="Cambria Math" panose="02040503050406030204" pitchFamily="18" charset="0"/>
+                        <a:cs typeface="Calibri" panose="020F0502020204030204" pitchFamily="34" charset="0"/>
+                      </a:rPr>
+                      <m:t>𝐵</m:t>
+                    </m:r>
+                    <m:r>
+                      <a:rPr lang="zh-CN" altLang="en-US" sz="1600" i="1" dirty="0" smtClean="0">
+                        <a:latin typeface="Cambria Math" panose="02040503050406030204" pitchFamily="18" charset="0"/>
+                        <a:cs typeface="Calibri" panose="020F0502020204030204" pitchFamily="34" charset="0"/>
+                      </a:rPr>
+                      <m:t>|</m:t>
+                    </m:r>
+                    <m:r>
+                      <a:rPr lang="zh-CN" altLang="en-US" sz="1600" i="1" dirty="0" smtClean="0">
+                        <a:latin typeface="Cambria Math" panose="02040503050406030204" pitchFamily="18" charset="0"/>
+                        <a:cs typeface="Calibri" panose="020F0502020204030204" pitchFamily="34" charset="0"/>
+                      </a:rPr>
+                      <m:t>𝐷</m:t>
+                    </m:r>
+                    <m:r>
+                      <a:rPr lang="zh-CN" altLang="en-US" sz="1600" i="1" dirty="0" smtClean="0">
+                        <a:latin typeface="Cambria Math" panose="02040503050406030204" pitchFamily="18" charset="0"/>
+                        <a:cs typeface="Calibri" panose="020F0502020204030204" pitchFamily="34" charset="0"/>
+                      </a:rPr>
+                      <m:t>)</m:t>
+                    </m:r>
+                  </m:oMath>
+                </a14:m>
+                <a:r>
+                  <a:rPr lang="zh-CN" altLang="en-US" sz="1600" dirty="0">
+                    <a:latin typeface="Calibri" panose="020F0502020204030204" pitchFamily="34" charset="0"/>
+                    <a:cs typeface="Calibri" panose="020F0502020204030204" pitchFamily="34" charset="0"/>
+                  </a:rPr>
+                  <a:t> is a constant. At this point, minimizing </a:t>
+                </a:r>
+                <a14:m>
+                  <m:oMath xmlns:m="http://schemas.openxmlformats.org/officeDocument/2006/math">
+                    <m:r>
+                      <a:rPr lang="zh-CN" altLang="en-US" sz="1600" i="1" dirty="0" smtClean="0">
+                        <a:latin typeface="Cambria Math" panose="02040503050406030204" pitchFamily="18" charset="0"/>
+                        <a:cs typeface="Calibri" panose="020F0502020204030204" pitchFamily="34" charset="0"/>
+                      </a:rPr>
+                      <m:t>𝑠</m:t>
+                    </m:r>
+                    <m:r>
+                      <a:rPr lang="zh-CN" altLang="en-US" sz="1600" i="1" dirty="0" smtClean="0">
+                        <a:latin typeface="Cambria Math" panose="02040503050406030204" pitchFamily="18" charset="0"/>
+                        <a:cs typeface="Calibri" panose="020F0502020204030204" pitchFamily="34" charset="0"/>
+                      </a:rPr>
+                      <m:t>(</m:t>
+                    </m:r>
+                    <m:r>
+                      <a:rPr lang="zh-CN" altLang="en-US" sz="1600" i="1" dirty="0" smtClean="0">
+                        <a:latin typeface="Cambria Math" panose="02040503050406030204" pitchFamily="18" charset="0"/>
+                        <a:cs typeface="Calibri" panose="020F0502020204030204" pitchFamily="34" charset="0"/>
+                      </a:rPr>
+                      <m:t>𝐵</m:t>
+                    </m:r>
+                    <m:r>
+                      <a:rPr lang="zh-CN" altLang="en-US" sz="1600" i="1" dirty="0" smtClean="0">
+                        <a:latin typeface="Cambria Math" panose="02040503050406030204" pitchFamily="18" charset="0"/>
+                        <a:cs typeface="Calibri" panose="020F0502020204030204" pitchFamily="34" charset="0"/>
+                      </a:rPr>
+                      <m:t>|</m:t>
+                    </m:r>
+                    <m:r>
+                      <a:rPr lang="zh-CN" altLang="en-US" sz="1600" i="1" dirty="0" smtClean="0">
+                        <a:latin typeface="Cambria Math" panose="02040503050406030204" pitchFamily="18" charset="0"/>
+                        <a:cs typeface="Calibri" panose="020F0502020204030204" pitchFamily="34" charset="0"/>
+                      </a:rPr>
+                      <m:t>𝐷</m:t>
+                    </m:r>
+                    <m:r>
+                      <a:rPr lang="zh-CN" altLang="en-US" sz="1600" i="1" dirty="0" smtClean="0">
+                        <a:latin typeface="Cambria Math" panose="02040503050406030204" pitchFamily="18" charset="0"/>
+                        <a:cs typeface="Calibri" panose="020F0502020204030204" pitchFamily="34" charset="0"/>
+                      </a:rPr>
+                      <m:t>)</m:t>
+                    </m:r>
+                  </m:oMath>
+                </a14:m>
+                <a:r>
+                  <a:rPr lang="zh-CN" altLang="en-US" sz="1600" dirty="0">
+                    <a:latin typeface="Calibri" panose="020F0502020204030204" pitchFamily="34" charset="0"/>
+                    <a:cs typeface="Calibri" panose="020F0502020204030204" pitchFamily="34" charset="0"/>
+                  </a:rPr>
+                  <a:t> is equivalent to the maximum likelihood estimation of the parameter </a:t>
+                </a:r>
+                <a14:m>
+                  <m:oMath xmlns:m="http://schemas.openxmlformats.org/officeDocument/2006/math">
+                    <m:r>
+                      <m:rPr>
+                        <m:sty m:val="p"/>
+                      </m:rPr>
+                      <a:rPr lang="en-US" altLang="zh-CN" sz="1600" b="0" i="0" smtClean="0">
+                        <a:latin typeface="Cambria Math" panose="02040503050406030204" pitchFamily="18" charset="0"/>
+                        <a:cs typeface="Calibri" panose="020F0502020204030204" pitchFamily="34" charset="0"/>
+                      </a:rPr>
+                      <m:t>Θ</m:t>
+                    </m:r>
+                  </m:oMath>
+                </a14:m>
+                <a:r>
+                  <a:rPr lang="zh-CN" altLang="en-US" sz="1600" dirty="0" smtClean="0">
+                    <a:latin typeface="Calibri" panose="020F0502020204030204" pitchFamily="34" charset="0"/>
+                    <a:cs typeface="Calibri" panose="020F0502020204030204" pitchFamily="34" charset="0"/>
+                  </a:rPr>
+                  <a:t>. </a:t>
+                </a:r>
+                <a:r>
+                  <a:rPr lang="zh-CN" altLang="en-US" sz="1600" dirty="0">
+                    <a:latin typeface="Calibri" panose="020F0502020204030204" pitchFamily="34" charset="0"/>
+                    <a:cs typeface="Calibri" panose="020F0502020204030204" pitchFamily="34" charset="0"/>
+                  </a:rPr>
+                  <a:t>At the same time, the parameter </a:t>
+                </a:r>
+                <a14:m>
+                  <m:oMath xmlns:m="http://schemas.openxmlformats.org/officeDocument/2006/math">
+                    <m:sSub>
+                      <m:sSubPr>
+                        <m:ctrlPr>
+                          <a:rPr lang="en-US" altLang="zh-CN" sz="1600" b="0" i="1" smtClean="0">
+                            <a:latin typeface="Cambria Math" panose="02040503050406030204" pitchFamily="18" charset="0"/>
+                            <a:cs typeface="Calibri" panose="020F0502020204030204" pitchFamily="34" charset="0"/>
+                          </a:rPr>
+                        </m:ctrlPr>
+                      </m:sSubPr>
+                      <m:e>
+                        <m:r>
+                          <a:rPr lang="en-US" altLang="zh-CN" sz="1600" b="0" i="1" smtClean="0">
+                            <a:latin typeface="Cambria Math" panose="02040503050406030204" pitchFamily="18" charset="0"/>
+                            <a:cs typeface="Calibri" panose="020F0502020204030204" pitchFamily="34" charset="0"/>
+                          </a:rPr>
+                          <m:t>𝜃</m:t>
+                        </m:r>
+                      </m:e>
+                      <m:sub>
+                        <m:sSub>
+                          <m:sSubPr>
+                            <m:ctrlPr>
+                              <a:rPr lang="en-US" altLang="zh-CN" sz="1600" b="0" i="1" smtClean="0">
+                                <a:latin typeface="Cambria Math" panose="02040503050406030204" pitchFamily="18" charset="0"/>
+                                <a:cs typeface="Calibri" panose="020F0502020204030204" pitchFamily="34" charset="0"/>
+                              </a:rPr>
+                            </m:ctrlPr>
+                          </m:sSubPr>
+                          <m:e>
+                            <m:r>
+                              <a:rPr lang="en-US" altLang="zh-CN" sz="1600" b="0" i="1" smtClean="0">
+                                <a:latin typeface="Cambria Math" panose="02040503050406030204" pitchFamily="18" charset="0"/>
+                                <a:cs typeface="Calibri" panose="020F0502020204030204" pitchFamily="34" charset="0"/>
+                              </a:rPr>
+                              <m:t>𝑥</m:t>
+                            </m:r>
+                          </m:e>
+                          <m:sub>
+                            <m:r>
+                              <a:rPr lang="en-US" altLang="zh-CN" sz="1600" b="0" i="1" smtClean="0">
+                                <a:latin typeface="Cambria Math" panose="02040503050406030204" pitchFamily="18" charset="0"/>
+                                <a:cs typeface="Calibri" panose="020F0502020204030204" pitchFamily="34" charset="0"/>
+                              </a:rPr>
+                              <m:t>𝑖</m:t>
+                            </m:r>
+                          </m:sub>
+                        </m:sSub>
+                        <m:r>
+                          <a:rPr lang="en-US" altLang="zh-CN" sz="1600" b="0" i="1" smtClean="0">
+                            <a:latin typeface="Cambria Math" panose="02040503050406030204" pitchFamily="18" charset="0"/>
+                            <a:cs typeface="Calibri" panose="020F0502020204030204" pitchFamily="34" charset="0"/>
+                          </a:rPr>
+                          <m:t>|</m:t>
+                        </m:r>
+                        <m:sSub>
+                          <m:sSubPr>
+                            <m:ctrlPr>
+                              <a:rPr lang="en-US" altLang="zh-CN" sz="1600" b="0" i="1" smtClean="0">
+                                <a:latin typeface="Cambria Math" panose="02040503050406030204" pitchFamily="18" charset="0"/>
+                                <a:cs typeface="Calibri" panose="020F0502020204030204" pitchFamily="34" charset="0"/>
+                              </a:rPr>
+                            </m:ctrlPr>
+                          </m:sSubPr>
+                          <m:e>
+                            <m:r>
+                              <a:rPr lang="en-US" altLang="zh-CN" sz="1600" b="0" i="1" smtClean="0">
+                                <a:latin typeface="Cambria Math" panose="02040503050406030204" pitchFamily="18" charset="0"/>
+                                <a:cs typeface="Calibri" panose="020F0502020204030204" pitchFamily="34" charset="0"/>
+                              </a:rPr>
+                              <m:t>𝜋</m:t>
+                            </m:r>
+                          </m:e>
+                          <m:sub>
+                            <m:r>
+                              <a:rPr lang="en-US" altLang="zh-CN" sz="1600" b="0" i="1" smtClean="0">
+                                <a:latin typeface="Cambria Math" panose="02040503050406030204" pitchFamily="18" charset="0"/>
+                                <a:cs typeface="Calibri" panose="020F0502020204030204" pitchFamily="34" charset="0"/>
+                              </a:rPr>
+                              <m:t>𝑖</m:t>
+                            </m:r>
+                          </m:sub>
+                        </m:sSub>
+                      </m:sub>
+                    </m:sSub>
+                  </m:oMath>
+                </a14:m>
+                <a:r>
+                  <a:rPr lang="zh-CN" altLang="en-US" sz="1600" dirty="0" smtClean="0">
+                    <a:latin typeface="Calibri" panose="020F0502020204030204" pitchFamily="34" charset="0"/>
+                    <a:cs typeface="Calibri" panose="020F0502020204030204" pitchFamily="34" charset="0"/>
+                  </a:rPr>
+                  <a:t> </a:t>
+                </a:r>
+                <a:r>
+                  <a:rPr lang="zh-CN" altLang="en-US" sz="1600" dirty="0">
+                    <a:latin typeface="Calibri" panose="020F0502020204030204" pitchFamily="34" charset="0"/>
+                    <a:cs typeface="Calibri" panose="020F0502020204030204" pitchFamily="34" charset="0"/>
+                  </a:rPr>
+                  <a:t>can be obtained directly on the training data set </a:t>
+                </a:r>
+                <a:r>
+                  <a:rPr lang="zh-CN" altLang="en-US" sz="1600" b="1" dirty="0">
+                    <a:latin typeface="Calibri" panose="020F0502020204030204" pitchFamily="34" charset="0"/>
+                    <a:cs typeface="Calibri" panose="020F0502020204030204" pitchFamily="34" charset="0"/>
+                  </a:rPr>
+                  <a:t>D</a:t>
+                </a:r>
+                <a:r>
+                  <a:rPr lang="zh-CN" altLang="en-US" sz="1600" dirty="0">
+                    <a:latin typeface="Calibri" panose="020F0502020204030204" pitchFamily="34" charset="0"/>
+                    <a:cs typeface="Calibri" panose="020F0502020204030204" pitchFamily="34" charset="0"/>
+                  </a:rPr>
+                  <a:t> through empirical estimation, </a:t>
+                </a:r>
+                <a:endParaRPr lang="en-US" altLang="zh-CN" dirty="0" smtClean="0">
+                  <a:latin typeface="Calibri" panose="020F0502020204030204" pitchFamily="34" charset="0"/>
+                  <a:cs typeface="Calibri" panose="020F0502020204030204" pitchFamily="34" charset="0"/>
+                </a:endParaRPr>
+              </a:p>
+              <a:p>
+                <a:pPr algn="ctr"/>
+                <a:r>
+                  <a:rPr lang="en-US" altLang="zh-CN" dirty="0" smtClean="0">
+                    <a:latin typeface="Calibri" panose="020F0502020204030204" pitchFamily="34" charset="0"/>
+                    <a:cs typeface="Calibri" panose="020F0502020204030204" pitchFamily="34" charset="0"/>
+                  </a:rPr>
+                  <a:t>I</a:t>
+                </a:r>
+                <a:r>
+                  <a:rPr lang="zh-CN" altLang="en-US" dirty="0" smtClean="0">
+                    <a:latin typeface="Calibri" panose="020F0502020204030204" pitchFamily="34" charset="0"/>
+                    <a:cs typeface="Calibri" panose="020F0502020204030204" pitchFamily="34" charset="0"/>
+                  </a:rPr>
+                  <a:t>e</a:t>
+                </a:r>
+                <a:r>
+                  <a:rPr lang="en-US" altLang="zh-CN" dirty="0" smtClean="0">
+                    <a:latin typeface="Calibri" panose="020F0502020204030204" pitchFamily="34" charset="0"/>
+                    <a:cs typeface="Calibri" panose="020F0502020204030204" pitchFamily="34" charset="0"/>
+                  </a:rPr>
+                  <a:t>. </a:t>
+                </a:r>
+                <a14:m>
+                  <m:oMath xmlns:m="http://schemas.openxmlformats.org/officeDocument/2006/math">
+                    <m:sSub>
+                      <m:sSubPr>
+                        <m:ctrlPr>
+                          <a:rPr lang="en-US" altLang="zh-CN" b="0" i="1" smtClean="0">
+                            <a:latin typeface="Cambria Math" panose="02040503050406030204" pitchFamily="18" charset="0"/>
+                            <a:cs typeface="Calibri" panose="020F0502020204030204" pitchFamily="34" charset="0"/>
+                          </a:rPr>
+                        </m:ctrlPr>
+                      </m:sSubPr>
+                      <m:e>
+                        <m:r>
+                          <a:rPr lang="en-US" altLang="zh-CN" b="0" i="1" smtClean="0">
+                            <a:latin typeface="Cambria Math" panose="02040503050406030204" pitchFamily="18" charset="0"/>
+                            <a:cs typeface="Calibri" panose="020F0502020204030204" pitchFamily="34" charset="0"/>
+                          </a:rPr>
+                          <m:t>𝜃</m:t>
+                        </m:r>
+                      </m:e>
+                      <m:sub>
+                        <m:sSub>
+                          <m:sSubPr>
+                            <m:ctrlPr>
+                              <a:rPr lang="en-US" altLang="zh-CN" b="0" i="1" smtClean="0">
+                                <a:latin typeface="Cambria Math" panose="02040503050406030204" pitchFamily="18" charset="0"/>
+                                <a:cs typeface="Calibri" panose="020F0502020204030204" pitchFamily="34" charset="0"/>
+                              </a:rPr>
+                            </m:ctrlPr>
+                          </m:sSubPr>
+                          <m:e>
+                            <m:r>
+                              <a:rPr lang="en-US" altLang="zh-CN" b="0" i="1" smtClean="0">
+                                <a:latin typeface="Cambria Math" panose="02040503050406030204" pitchFamily="18" charset="0"/>
+                                <a:cs typeface="Calibri" panose="020F0502020204030204" pitchFamily="34" charset="0"/>
+                              </a:rPr>
+                              <m:t>𝑥</m:t>
+                            </m:r>
+                          </m:e>
+                          <m:sub>
+                            <m:r>
+                              <a:rPr lang="en-US" altLang="zh-CN" b="0" i="1" smtClean="0">
+                                <a:latin typeface="Cambria Math" panose="02040503050406030204" pitchFamily="18" charset="0"/>
+                                <a:cs typeface="Calibri" panose="020F0502020204030204" pitchFamily="34" charset="0"/>
+                              </a:rPr>
+                              <m:t>𝑖</m:t>
+                            </m:r>
+                          </m:sub>
+                        </m:sSub>
+                        <m:r>
+                          <a:rPr lang="en-US" altLang="zh-CN" b="0" i="1" smtClean="0">
+                            <a:latin typeface="Cambria Math" panose="02040503050406030204" pitchFamily="18" charset="0"/>
+                            <a:cs typeface="Calibri" panose="020F0502020204030204" pitchFamily="34" charset="0"/>
+                          </a:rPr>
+                          <m:t>|</m:t>
+                        </m:r>
+                        <m:sSub>
+                          <m:sSubPr>
+                            <m:ctrlPr>
+                              <a:rPr lang="en-US" altLang="zh-CN" b="0" i="1" smtClean="0">
+                                <a:latin typeface="Cambria Math" panose="02040503050406030204" pitchFamily="18" charset="0"/>
+                                <a:cs typeface="Calibri" panose="020F0502020204030204" pitchFamily="34" charset="0"/>
+                              </a:rPr>
+                            </m:ctrlPr>
+                          </m:sSubPr>
+                          <m:e>
+                            <m:r>
+                              <a:rPr lang="en-US" altLang="zh-CN" b="0" i="1" smtClean="0">
+                                <a:latin typeface="Cambria Math" panose="02040503050406030204" pitchFamily="18" charset="0"/>
+                                <a:cs typeface="Calibri" panose="020F0502020204030204" pitchFamily="34" charset="0"/>
+                              </a:rPr>
+                              <m:t>𝜋</m:t>
+                            </m:r>
+                          </m:e>
+                          <m:sub>
+                            <m:r>
+                              <a:rPr lang="en-US" altLang="zh-CN" b="0" i="1" smtClean="0">
+                                <a:latin typeface="Cambria Math" panose="02040503050406030204" pitchFamily="18" charset="0"/>
+                                <a:cs typeface="Calibri" panose="020F0502020204030204" pitchFamily="34" charset="0"/>
+                              </a:rPr>
+                              <m:t>𝑖</m:t>
+                            </m:r>
+                          </m:sub>
+                        </m:sSub>
+                      </m:sub>
+                    </m:sSub>
+                    <m:r>
+                      <a:rPr lang="en-US" altLang="zh-CN" b="0" i="1" smtClean="0">
+                        <a:latin typeface="Cambria Math" panose="02040503050406030204" pitchFamily="18" charset="0"/>
+                        <a:cs typeface="Calibri" panose="020F0502020204030204" pitchFamily="34" charset="0"/>
+                      </a:rPr>
+                      <m:t>= </m:t>
+                    </m:r>
+                    <m:acc>
+                      <m:accPr>
+                        <m:chr m:val="̂"/>
+                        <m:ctrlPr>
+                          <a:rPr lang="en-US" altLang="zh-CN" b="0" i="1" smtClean="0">
+                            <a:latin typeface="Cambria Math" panose="02040503050406030204" pitchFamily="18" charset="0"/>
+                            <a:cs typeface="Calibri" panose="020F0502020204030204" pitchFamily="34" charset="0"/>
+                          </a:rPr>
+                        </m:ctrlPr>
+                      </m:accPr>
+                      <m:e>
+                        <m:sSub>
+                          <m:sSubPr>
+                            <m:ctrlPr>
+                              <a:rPr lang="en-US" altLang="zh-CN" b="0" i="1" smtClean="0">
+                                <a:latin typeface="Cambria Math" panose="02040503050406030204" pitchFamily="18" charset="0"/>
+                                <a:cs typeface="Calibri" panose="020F0502020204030204" pitchFamily="34" charset="0"/>
+                              </a:rPr>
+                            </m:ctrlPr>
+                          </m:sSubPr>
+                          <m:e>
+                            <m:r>
+                              <a:rPr lang="en-US" altLang="zh-CN" b="0" i="1" smtClean="0">
+                                <a:latin typeface="Cambria Math" panose="02040503050406030204" pitchFamily="18" charset="0"/>
+                                <a:cs typeface="Calibri" panose="020F0502020204030204" pitchFamily="34" charset="0"/>
+                              </a:rPr>
+                              <m:t>𝑃</m:t>
+                            </m:r>
+                          </m:e>
+                          <m:sub>
+                            <m:r>
+                              <a:rPr lang="en-US" altLang="zh-CN" b="0" i="1" smtClean="0">
+                                <a:latin typeface="Cambria Math" panose="02040503050406030204" pitchFamily="18" charset="0"/>
+                                <a:cs typeface="Calibri" panose="020F0502020204030204" pitchFamily="34" charset="0"/>
+                              </a:rPr>
+                              <m:t>𝐷</m:t>
+                            </m:r>
+                          </m:sub>
+                        </m:sSub>
+                      </m:e>
+                    </m:acc>
+                    <m:d>
+                      <m:dPr>
+                        <m:ctrlPr>
+                          <a:rPr lang="en-US" altLang="zh-CN" b="0" i="1" smtClean="0">
+                            <a:latin typeface="Cambria Math" panose="02040503050406030204" pitchFamily="18" charset="0"/>
+                            <a:cs typeface="Calibri" panose="020F0502020204030204" pitchFamily="34" charset="0"/>
+                          </a:rPr>
+                        </m:ctrlPr>
+                      </m:dPr>
+                      <m:e>
+                        <m:sSub>
+                          <m:sSubPr>
+                            <m:ctrlPr>
+                              <a:rPr lang="en-US" altLang="zh-CN" b="0" i="1" smtClean="0">
+                                <a:latin typeface="Cambria Math" panose="02040503050406030204" pitchFamily="18" charset="0"/>
+                                <a:cs typeface="Calibri" panose="020F0502020204030204" pitchFamily="34" charset="0"/>
+                              </a:rPr>
+                            </m:ctrlPr>
+                          </m:sSubPr>
+                          <m:e>
+                            <m:r>
+                              <a:rPr lang="en-US" altLang="zh-CN" b="0" i="1" smtClean="0">
+                                <a:latin typeface="Cambria Math" panose="02040503050406030204" pitchFamily="18" charset="0"/>
+                                <a:cs typeface="Calibri" panose="020F0502020204030204" pitchFamily="34" charset="0"/>
+                              </a:rPr>
+                              <m:t>𝑥</m:t>
+                            </m:r>
+                          </m:e>
+                          <m:sub>
+                            <m:r>
+                              <a:rPr lang="en-US" altLang="zh-CN" b="0" i="1" smtClean="0">
+                                <a:latin typeface="Cambria Math" panose="02040503050406030204" pitchFamily="18" charset="0"/>
+                                <a:cs typeface="Calibri" panose="020F0502020204030204" pitchFamily="34" charset="0"/>
+                              </a:rPr>
+                              <m:t>𝑖</m:t>
+                            </m:r>
+                          </m:sub>
+                        </m:sSub>
+                      </m:e>
+                      <m:e>
+                        <m:sSub>
+                          <m:sSubPr>
+                            <m:ctrlPr>
+                              <a:rPr lang="en-US" altLang="zh-CN" b="0" i="1" smtClean="0">
+                                <a:latin typeface="Cambria Math" panose="02040503050406030204" pitchFamily="18" charset="0"/>
+                                <a:cs typeface="Calibri" panose="020F0502020204030204" pitchFamily="34" charset="0"/>
+                              </a:rPr>
+                            </m:ctrlPr>
+                          </m:sSubPr>
+                          <m:e>
+                            <m:r>
+                              <a:rPr lang="en-US" altLang="zh-CN" b="0" i="1" smtClean="0">
+                                <a:latin typeface="Cambria Math" panose="02040503050406030204" pitchFamily="18" charset="0"/>
+                                <a:cs typeface="Calibri" panose="020F0502020204030204" pitchFamily="34" charset="0"/>
+                              </a:rPr>
+                              <m:t>𝜋</m:t>
+                            </m:r>
+                          </m:e>
+                          <m:sub>
+                            <m:r>
+                              <a:rPr lang="en-US" altLang="zh-CN" b="0" i="1" smtClean="0">
+                                <a:latin typeface="Cambria Math" panose="02040503050406030204" pitchFamily="18" charset="0"/>
+                                <a:cs typeface="Calibri" panose="020F0502020204030204" pitchFamily="34" charset="0"/>
+                              </a:rPr>
+                              <m:t>𝑖</m:t>
+                            </m:r>
+                          </m:sub>
+                        </m:sSub>
+                      </m:e>
+                    </m:d>
+                  </m:oMath>
+                </a14:m>
+                <a:endParaRPr lang="en-US" altLang="zh-CN" b="0" dirty="0" smtClean="0">
+                  <a:latin typeface="Calibri" panose="020F0502020204030204" pitchFamily="34" charset="0"/>
+                  <a:cs typeface="Calibri" panose="020F0502020204030204" pitchFamily="34" charset="0"/>
+                </a:endParaRPr>
+              </a:p>
+              <a:p>
+                <a:r>
+                  <a:rPr lang="en-US" altLang="zh-CN" sz="1600" dirty="0">
+                    <a:latin typeface="Calibri" panose="020F0502020204030204" pitchFamily="34" charset="0"/>
+                    <a:cs typeface="Calibri" panose="020F0502020204030204" pitchFamily="34" charset="0"/>
+                  </a:rPr>
+                  <a:t>Where </a:t>
+                </a:r>
+                <a14:m>
+                  <m:oMath xmlns:m="http://schemas.openxmlformats.org/officeDocument/2006/math">
+                    <m:acc>
+                      <m:accPr>
+                        <m:chr m:val="̂"/>
+                        <m:ctrlPr>
+                          <a:rPr lang="en-US" altLang="zh-CN" sz="1600" i="1">
+                            <a:latin typeface="Cambria Math" panose="02040503050406030204" pitchFamily="18" charset="0"/>
+                            <a:cs typeface="Calibri" panose="020F0502020204030204" pitchFamily="34" charset="0"/>
+                          </a:rPr>
+                        </m:ctrlPr>
+                      </m:accPr>
+                      <m:e>
+                        <m:sSub>
+                          <m:sSubPr>
+                            <m:ctrlPr>
+                              <a:rPr lang="en-US" altLang="zh-CN" sz="1600" i="1">
+                                <a:latin typeface="Cambria Math" panose="02040503050406030204" pitchFamily="18" charset="0"/>
+                                <a:cs typeface="Calibri" panose="020F0502020204030204" pitchFamily="34" charset="0"/>
+                              </a:rPr>
+                            </m:ctrlPr>
+                          </m:sSubPr>
+                          <m:e>
+                            <m:r>
+                              <a:rPr lang="en-US" altLang="zh-CN" sz="1600" i="1">
+                                <a:latin typeface="Cambria Math" panose="02040503050406030204" pitchFamily="18" charset="0"/>
+                                <a:cs typeface="Calibri" panose="020F0502020204030204" pitchFamily="34" charset="0"/>
+                              </a:rPr>
+                              <m:t>𝑃</m:t>
+                            </m:r>
+                          </m:e>
+                          <m:sub>
+                            <m:r>
+                              <a:rPr lang="en-US" altLang="zh-CN" sz="1600" i="1">
+                                <a:latin typeface="Cambria Math" panose="02040503050406030204" pitchFamily="18" charset="0"/>
+                                <a:cs typeface="Calibri" panose="020F0502020204030204" pitchFamily="34" charset="0"/>
+                              </a:rPr>
+                              <m:t>𝐷</m:t>
+                            </m:r>
+                          </m:sub>
+                        </m:sSub>
+                      </m:e>
+                    </m:acc>
+                    <m:r>
+                      <a:rPr lang="en-US" altLang="zh-CN" sz="1600" b="0" i="1" smtClean="0">
+                        <a:latin typeface="Cambria Math" panose="02040503050406030204" pitchFamily="18" charset="0"/>
+                        <a:cs typeface="Calibri" panose="020F0502020204030204" pitchFamily="34" charset="0"/>
+                      </a:rPr>
+                      <m:t>(⋅)</m:t>
+                    </m:r>
+                  </m:oMath>
+                </a14:m>
+                <a:r>
+                  <a:rPr lang="en-US" altLang="zh-CN" sz="1600" dirty="0" smtClean="0">
+                    <a:latin typeface="Calibri" panose="020F0502020204030204" pitchFamily="34" charset="0"/>
+                    <a:cs typeface="Calibri" panose="020F0502020204030204" pitchFamily="34" charset="0"/>
+                  </a:rPr>
+                  <a:t> is </a:t>
+                </a:r>
+                <a:r>
+                  <a:rPr lang="en-US" altLang="zh-CN" sz="1600" dirty="0">
+                    <a:latin typeface="Calibri" panose="020F0502020204030204" pitchFamily="34" charset="0"/>
+                    <a:cs typeface="Calibri" panose="020F0502020204030204" pitchFamily="34" charset="0"/>
+                  </a:rPr>
+                  <a:t>the empirical distribution over D. In order to minimize the scoring function </a:t>
+                </a:r>
+                <a14:m>
+                  <m:oMath xmlns:m="http://schemas.openxmlformats.org/officeDocument/2006/math">
+                    <m:r>
+                      <a:rPr lang="en-US" altLang="zh-CN" sz="1600" i="1" dirty="0" smtClean="0">
+                        <a:latin typeface="Cambria Math" panose="02040503050406030204" pitchFamily="18" charset="0"/>
+                        <a:cs typeface="Calibri" panose="020F0502020204030204" pitchFamily="34" charset="0"/>
+                      </a:rPr>
+                      <m:t>𝑠</m:t>
+                    </m:r>
+                    <m:r>
+                      <a:rPr lang="en-US" altLang="zh-CN" sz="1600" i="1" dirty="0" smtClean="0">
+                        <a:latin typeface="Cambria Math" panose="02040503050406030204" pitchFamily="18" charset="0"/>
+                        <a:cs typeface="Calibri" panose="020F0502020204030204" pitchFamily="34" charset="0"/>
+                      </a:rPr>
+                      <m:t>(</m:t>
+                    </m:r>
+                    <m:r>
+                      <a:rPr lang="en-US" altLang="zh-CN" sz="1600" i="1" dirty="0" smtClean="0">
+                        <a:latin typeface="Cambria Math" panose="02040503050406030204" pitchFamily="18" charset="0"/>
+                        <a:cs typeface="Calibri" panose="020F0502020204030204" pitchFamily="34" charset="0"/>
+                      </a:rPr>
+                      <m:t>𝐵</m:t>
+                    </m:r>
+                    <m:r>
+                      <a:rPr lang="en-US" altLang="zh-CN" sz="1600" i="1" dirty="0" smtClean="0">
+                        <a:latin typeface="Cambria Math" panose="02040503050406030204" pitchFamily="18" charset="0"/>
+                        <a:cs typeface="Calibri" panose="020F0502020204030204" pitchFamily="34" charset="0"/>
+                      </a:rPr>
+                      <m:t>|</m:t>
+                    </m:r>
+                    <m:r>
+                      <a:rPr lang="en-US" altLang="zh-CN" sz="1600" i="1" dirty="0" smtClean="0">
+                        <a:latin typeface="Cambria Math" panose="02040503050406030204" pitchFamily="18" charset="0"/>
+                        <a:cs typeface="Calibri" panose="020F0502020204030204" pitchFamily="34" charset="0"/>
+                      </a:rPr>
+                      <m:t>𝐷</m:t>
+                    </m:r>
+                    <m:r>
+                      <a:rPr lang="en-US" altLang="zh-CN" sz="1600" i="1" dirty="0" smtClean="0">
+                        <a:latin typeface="Cambria Math" panose="02040503050406030204" pitchFamily="18" charset="0"/>
+                        <a:cs typeface="Calibri" panose="020F0502020204030204" pitchFamily="34" charset="0"/>
+                      </a:rPr>
+                      <m:t>)</m:t>
+                    </m:r>
+                  </m:oMath>
+                </a14:m>
+                <a:r>
+                  <a:rPr lang="en-US" altLang="zh-CN" sz="1600" dirty="0">
+                    <a:latin typeface="Calibri" panose="020F0502020204030204" pitchFamily="34" charset="0"/>
+                    <a:cs typeface="Calibri" panose="020F0502020204030204" pitchFamily="34" charset="0"/>
+                  </a:rPr>
+                  <a:t>, only the network structure needs to be searched, and the optimal parameters of the candidate structure can be calculated directly on the training set</a:t>
+                </a:r>
+                <a:r>
+                  <a:rPr lang="en-US" altLang="zh-CN" sz="1600" dirty="0" smtClean="0">
+                    <a:latin typeface="Calibri" panose="020F0502020204030204" pitchFamily="34" charset="0"/>
+                    <a:cs typeface="Calibri" panose="020F0502020204030204" pitchFamily="34" charset="0"/>
+                  </a:rPr>
+                  <a:t>.</a:t>
+                </a:r>
+              </a:p>
+              <a:p>
+                <a:endParaRPr lang="en-US" altLang="zh-CN" sz="1600" dirty="0">
+                  <a:latin typeface="Calibri" panose="020F0502020204030204" pitchFamily="34" charset="0"/>
+                  <a:cs typeface="Calibri" panose="020F0502020204030204" pitchFamily="34" charset="0"/>
+                </a:endParaRPr>
+              </a:p>
+              <a:p>
+                <a:r>
+                  <a:rPr lang="en-US" altLang="zh-CN" sz="1600" dirty="0">
+                    <a:latin typeface="Calibri" panose="020F0502020204030204" pitchFamily="34" charset="0"/>
+                    <a:cs typeface="Calibri" panose="020F0502020204030204" pitchFamily="34" charset="0"/>
+                  </a:rPr>
+                  <a:t>However, searching for an optimal Bayesian network structure from all possible network structure spaces is an </a:t>
+                </a:r>
+                <a:r>
+                  <a:rPr lang="en-US" altLang="zh-CN" sz="1600" dirty="0">
+                    <a:solidFill>
+                      <a:srgbClr val="FF0000"/>
+                    </a:solidFill>
+                    <a:latin typeface="Calibri" panose="020F0502020204030204" pitchFamily="34" charset="0"/>
+                    <a:cs typeface="Calibri" panose="020F0502020204030204" pitchFamily="34" charset="0"/>
+                  </a:rPr>
+                  <a:t>NP-hard problem </a:t>
+                </a:r>
+                <a:r>
+                  <a:rPr lang="en-US" altLang="zh-CN" sz="1600" dirty="0">
+                    <a:latin typeface="Calibri" panose="020F0502020204030204" pitchFamily="34" charset="0"/>
+                    <a:cs typeface="Calibri" panose="020F0502020204030204" pitchFamily="34" charset="0"/>
+                  </a:rPr>
+                  <a:t>that is difficult to solve quickly. Two common strategies can find approximate solutions in a limited time</a:t>
+                </a:r>
+                <a:r>
+                  <a:rPr lang="en-US" altLang="zh-CN" sz="1600" dirty="0" smtClean="0">
+                    <a:latin typeface="Calibri" panose="020F0502020204030204" pitchFamily="34" charset="0"/>
+                    <a:cs typeface="Calibri" panose="020F0502020204030204" pitchFamily="34" charset="0"/>
+                  </a:rPr>
+                  <a:t>:</a:t>
+                </a:r>
+              </a:p>
+              <a:p>
+                <a:endParaRPr lang="en-US" altLang="zh-CN" sz="1600" dirty="0">
+                  <a:latin typeface="Calibri" panose="020F0502020204030204" pitchFamily="34" charset="0"/>
+                  <a:cs typeface="Calibri" panose="020F0502020204030204" pitchFamily="34" charset="0"/>
+                </a:endParaRPr>
+              </a:p>
+              <a:p>
+                <a:pPr marL="285750" indent="-285750">
+                  <a:buFont typeface="Arial" panose="020B0604020202020204" pitchFamily="34" charset="0"/>
+                  <a:buChar char="•"/>
+                </a:pPr>
+                <a:r>
+                  <a:rPr lang="en-US" altLang="zh-CN" sz="1600" dirty="0">
+                    <a:latin typeface="Calibri" panose="020F0502020204030204" pitchFamily="34" charset="0"/>
+                    <a:cs typeface="Calibri" panose="020F0502020204030204" pitchFamily="34" charset="0"/>
+                  </a:rPr>
+                  <a:t>Greedy method: For example, starting from a network structure, adjust one edge at a time (add, delete or adjust direction) until the value of the scoring function can no longer be reduced</a:t>
+                </a:r>
+                <a:r>
+                  <a:rPr lang="en-US" altLang="zh-CN" sz="1600" dirty="0" smtClean="0">
+                    <a:latin typeface="Calibri" panose="020F0502020204030204" pitchFamily="34" charset="0"/>
+                    <a:cs typeface="Calibri" panose="020F0502020204030204" pitchFamily="34" charset="0"/>
+                  </a:rPr>
+                  <a:t>.</a:t>
+                </a:r>
+              </a:p>
+              <a:p>
+                <a:pPr marL="285750" indent="-285750">
+                  <a:buFont typeface="Arial" panose="020B0604020202020204" pitchFamily="34" charset="0"/>
+                  <a:buChar char="•"/>
+                </a:pPr>
+                <a:r>
+                  <a:rPr lang="en-US" altLang="zh-CN" sz="1600" dirty="0">
+                    <a:latin typeface="Calibri" panose="020F0502020204030204" pitchFamily="34" charset="0"/>
+                    <a:cs typeface="Calibri" panose="020F0502020204030204" pitchFamily="34" charset="0"/>
+                  </a:rPr>
+                  <a:t>Increase constraints on the network structure to reduce the search space, such as limiting the network structure to a tree structure.</a:t>
+                </a:r>
+                <a:endParaRPr lang="zh-CN" altLang="en-US" sz="1600" dirty="0">
+                  <a:latin typeface="Calibri" panose="020F0502020204030204" pitchFamily="34" charset="0"/>
+                  <a:cs typeface="Calibri" panose="020F0502020204030204" pitchFamily="34" charset="0"/>
+                </a:endParaRPr>
+              </a:p>
+            </p:txBody>
+          </p:sp>
+        </mc:Choice>
+        <mc:Fallback>
+          <p:sp>
+            <p:nvSpPr>
+              <p:cNvPr id="2" name="矩形 1"/>
+              <p:cNvSpPr>
+                <a:spLocks noRot="1" noChangeAspect="1" noMove="1" noResize="1" noEditPoints="1" noAdjustHandles="1" noChangeArrowheads="1" noChangeShapeType="1" noTextEdit="1"/>
+              </p:cNvSpPr>
+              <p:nvPr/>
+            </p:nvSpPr>
+            <p:spPr>
+              <a:xfrm>
+                <a:off x="-33528" y="514350"/>
+                <a:ext cx="9067800" cy="4380173"/>
+              </a:xfrm>
+              <a:prstGeom prst="rect">
+                <a:avLst/>
+              </a:prstGeom>
+              <a:blipFill>
+                <a:blip r:embed="rId3"/>
+                <a:stretch>
+                  <a:fillRect l="-336" t="-417" r="-806" b="-834"/>
+                </a:stretch>
+              </a:blipFill>
+            </p:spPr>
+            <p:txBody>
+              <a:bodyPr/>
+              <a:lstStyle/>
+              <a:p>
+                <a:r>
+                  <a:rPr lang="zh-CN" altLang="en-US">
+                    <a:noFill/>
+                  </a:rPr>
+                  <a:t> </a:t>
+                </a:r>
+              </a:p>
+            </p:txBody>
+          </p:sp>
+        </mc:Fallback>
+      </mc:AlternateContent>
     </p:spTree>
     <p:extLst>
       <p:ext uri="{BB962C8B-B14F-4D97-AF65-F5344CB8AC3E}">
@@ -8402,6 +9291,605 @@
               <a:t>Learning</a:t>
             </a:r>
             <a:endParaRPr lang="zh-CN" altLang="en-US" sz="3600" b="1" kern="0" dirty="0"/>
+          </a:p>
+        </p:txBody>
+      </p:sp>
+      <p:sp>
+        <p:nvSpPr>
+          <p:cNvPr id="3" name="文本框 2"/>
+          <p:cNvSpPr txBox="1"/>
+          <p:nvPr/>
+        </p:nvSpPr>
+        <p:spPr>
+          <a:xfrm>
+            <a:off x="152400" y="590550"/>
+            <a:ext cx="8839200" cy="338554"/>
+          </a:xfrm>
+          <a:prstGeom prst="rect">
+            <a:avLst/>
+          </a:prstGeom>
+          <a:noFill/>
+        </p:spPr>
+        <p:txBody>
+          <a:bodyPr wrap="square" rtlCol="0">
+            <a:spAutoFit/>
+          </a:bodyPr>
+          <a:lstStyle/>
+          <a:p>
+            <a:r>
+              <a:rPr lang="en-US" altLang="zh-CN" sz="1600" b="1" dirty="0">
+                <a:solidFill>
+                  <a:srgbClr val="008000"/>
+                </a:solidFill>
+                <a:latin typeface="Calibri"/>
+                <a:cs typeface="Calibri"/>
+              </a:rPr>
+              <a:t>E</a:t>
+            </a:r>
+            <a:r>
+              <a:rPr lang="en-US" altLang="zh-CN" sz="1600" b="1" dirty="0" smtClean="0">
+                <a:solidFill>
+                  <a:srgbClr val="008000"/>
+                </a:solidFill>
+                <a:latin typeface="Calibri"/>
+                <a:cs typeface="Calibri"/>
+              </a:rPr>
+              <a:t>xample </a:t>
+            </a:r>
+            <a:r>
+              <a:rPr lang="en-US" altLang="zh-CN" sz="1600" b="1" dirty="0">
+                <a:solidFill>
+                  <a:srgbClr val="008000"/>
+                </a:solidFill>
+                <a:latin typeface="Calibri"/>
+                <a:cs typeface="Calibri"/>
+              </a:rPr>
+              <a:t>review: </a:t>
+            </a:r>
+            <a:r>
+              <a:rPr lang="en-US" altLang="zh-CN" sz="1600" dirty="0">
+                <a:latin typeface="Calibri"/>
+                <a:cs typeface="Calibri"/>
+              </a:rPr>
+              <a:t>Assume that the six nodes of the Bayesian network </a:t>
+            </a:r>
+            <a:r>
+              <a:rPr lang="en-US" altLang="zh-CN" sz="1600" dirty="0" smtClean="0">
+                <a:latin typeface="Calibri"/>
+                <a:cs typeface="Calibri"/>
+              </a:rPr>
+              <a:t>are:</a:t>
+            </a:r>
+            <a:endParaRPr lang="en-US" altLang="zh-CN" sz="1600" dirty="0" smtClean="0">
+              <a:latin typeface="Calibri"/>
+              <a:cs typeface="Calibri"/>
+            </a:endParaRPr>
+          </a:p>
+        </p:txBody>
+      </p:sp>
+      <p:graphicFrame>
+        <p:nvGraphicFramePr>
+          <p:cNvPr id="5" name="表格 4"/>
+          <p:cNvGraphicFramePr>
+            <a:graphicFrameLocks noGrp="1"/>
+          </p:cNvGraphicFramePr>
+          <p:nvPr>
+            <p:extLst>
+              <p:ext uri="{D42A27DB-BD31-4B8C-83A1-F6EECF244321}">
+                <p14:modId xmlns:p14="http://schemas.microsoft.com/office/powerpoint/2010/main" val="3918620678"/>
+              </p:ext>
+            </p:extLst>
+          </p:nvPr>
+        </p:nvGraphicFramePr>
+        <p:xfrm>
+          <a:off x="381000" y="1036082"/>
+          <a:ext cx="7924800" cy="741680"/>
+        </p:xfrm>
+        <a:graphic>
+          <a:graphicData uri="http://schemas.openxmlformats.org/drawingml/2006/table">
+            <a:tbl>
+              <a:tblPr firstRow="1" bandRow="1">
+                <a:tableStyleId>{5C22544A-7EE6-4342-B048-85BDC9FD1C3A}</a:tableStyleId>
+              </a:tblPr>
+              <a:tblGrid>
+                <a:gridCol w="2641600">
+                  <a:extLst>
+                    <a:ext uri="{9D8B030D-6E8A-4147-A177-3AD203B41FA5}">
+                      <a16:colId xmlns:a16="http://schemas.microsoft.com/office/drawing/2014/main" val="3101501765"/>
+                    </a:ext>
+                  </a:extLst>
+                </a:gridCol>
+                <a:gridCol w="2641600">
+                  <a:extLst>
+                    <a:ext uri="{9D8B030D-6E8A-4147-A177-3AD203B41FA5}">
+                      <a16:colId xmlns:a16="http://schemas.microsoft.com/office/drawing/2014/main" val="729274173"/>
+                    </a:ext>
+                  </a:extLst>
+                </a:gridCol>
+                <a:gridCol w="2641600">
+                  <a:extLst>
+                    <a:ext uri="{9D8B030D-6E8A-4147-A177-3AD203B41FA5}">
+                      <a16:colId xmlns:a16="http://schemas.microsoft.com/office/drawing/2014/main" val="4055990813"/>
+                    </a:ext>
+                  </a:extLst>
+                </a:gridCol>
+              </a:tblGrid>
+              <a:tr h="370840">
+                <a:tc>
+                  <a:txBody>
+                    <a:bodyPr/>
+                    <a:lstStyle/>
+                    <a:p>
+                      <a:pPr algn="ctr"/>
+                      <a:r>
+                        <a:rPr lang="en-US" altLang="zh-CN" sz="1400" b="1" dirty="0" smtClean="0">
+                          <a:solidFill>
+                            <a:schemeClr val="tx1"/>
+                          </a:solidFill>
+                        </a:rPr>
+                        <a:t>PT</a:t>
+                      </a:r>
+                      <a:r>
+                        <a:rPr lang="en-US" altLang="zh-CN" sz="1400" b="0" dirty="0" smtClean="0">
+                          <a:solidFill>
+                            <a:schemeClr val="tx1"/>
+                          </a:solidFill>
+                        </a:rPr>
+                        <a:t> (party)</a:t>
+                      </a:r>
+                      <a:endParaRPr lang="zh-CN" altLang="en-US" sz="1400" b="0" dirty="0">
+                        <a:solidFill>
+                          <a:schemeClr val="tx1"/>
+                        </a:solidFill>
+                      </a:endParaRPr>
+                    </a:p>
+                  </a:txBody>
+                  <a:tcPr/>
+                </a:tc>
+                <a:tc>
+                  <a:txBody>
+                    <a:bodyPr/>
+                    <a:lstStyle/>
+                    <a:p>
+                      <a:pPr marL="0" algn="ctr" defTabSz="685783" rtl="0" eaLnBrk="1" latinLnBrk="0" hangingPunct="1"/>
+                      <a:r>
+                        <a:rPr lang="en-US" altLang="zh-CN" sz="1400" b="1" kern="1200" dirty="0" smtClean="0">
+                          <a:solidFill>
+                            <a:schemeClr val="dk1"/>
+                          </a:solidFill>
+                          <a:latin typeface="+mn-lt"/>
+                          <a:ea typeface="+mn-ea"/>
+                          <a:cs typeface="+mn-cs"/>
+                        </a:rPr>
+                        <a:t>HO</a:t>
+                      </a:r>
+                      <a:r>
+                        <a:rPr lang="en-US" altLang="zh-CN" sz="1400" b="0" kern="1200" dirty="0" smtClean="0">
+                          <a:solidFill>
+                            <a:schemeClr val="dk1"/>
+                          </a:solidFill>
+                          <a:latin typeface="+mn-lt"/>
+                          <a:ea typeface="+mn-ea"/>
+                          <a:cs typeface="+mn-cs"/>
+                        </a:rPr>
+                        <a:t> (hangover)</a:t>
+                      </a:r>
+                      <a:endParaRPr lang="zh-CN" altLang="en-US" sz="1400" b="0" kern="1200" dirty="0">
+                        <a:solidFill>
+                          <a:schemeClr val="dk1"/>
+                        </a:solidFill>
+                        <a:latin typeface="+mn-lt"/>
+                        <a:ea typeface="+mn-ea"/>
+                        <a:cs typeface="+mn-cs"/>
+                      </a:endParaRPr>
+                    </a:p>
+                  </a:txBody>
+                  <a:tcPr/>
+                </a:tc>
+                <a:tc>
+                  <a:txBody>
+                    <a:bodyPr/>
+                    <a:lstStyle/>
+                    <a:p>
+                      <a:pPr marL="0" algn="ctr" defTabSz="685783" rtl="0" eaLnBrk="1" latinLnBrk="0" hangingPunct="1"/>
+                      <a:r>
+                        <a:rPr lang="en-US" altLang="zh-CN" sz="1400" b="1" kern="1200" dirty="0" smtClean="0">
+                          <a:solidFill>
+                            <a:schemeClr val="dk1"/>
+                          </a:solidFill>
+                          <a:latin typeface="+mn-lt"/>
+                          <a:ea typeface="+mn-ea"/>
+                          <a:cs typeface="+mn-cs"/>
+                        </a:rPr>
+                        <a:t>BT</a:t>
+                      </a:r>
+                      <a:r>
+                        <a:rPr lang="en-US" altLang="zh-CN" sz="1400" b="0" kern="1200" dirty="0" smtClean="0">
+                          <a:solidFill>
+                            <a:schemeClr val="dk1"/>
+                          </a:solidFill>
+                          <a:latin typeface="+mn-lt"/>
+                          <a:ea typeface="+mn-ea"/>
+                          <a:cs typeface="+mn-cs"/>
+                        </a:rPr>
+                        <a:t> (brain tumor)</a:t>
+                      </a:r>
+                      <a:endParaRPr lang="zh-CN" altLang="en-US" sz="1400" b="0" kern="1200" dirty="0">
+                        <a:solidFill>
+                          <a:schemeClr val="dk1"/>
+                        </a:solidFill>
+                        <a:latin typeface="+mn-lt"/>
+                        <a:ea typeface="+mn-ea"/>
+                        <a:cs typeface="+mn-cs"/>
+                      </a:endParaRPr>
+                    </a:p>
+                  </a:txBody>
+                  <a:tcPr/>
+                </a:tc>
+                <a:extLst>
+                  <a:ext uri="{0D108BD9-81ED-4DB2-BD59-A6C34878D82A}">
+                    <a16:rowId xmlns:a16="http://schemas.microsoft.com/office/drawing/2014/main" val="3459664947"/>
+                  </a:ext>
+                </a:extLst>
+              </a:tr>
+              <a:tr h="370840">
+                <a:tc>
+                  <a:txBody>
+                    <a:bodyPr/>
+                    <a:lstStyle/>
+                    <a:p>
+                      <a:pPr algn="ctr"/>
+                      <a:r>
+                        <a:rPr lang="en-US" altLang="zh-CN" sz="1400" b="1" dirty="0" smtClean="0"/>
+                        <a:t>HA</a:t>
+                      </a:r>
+                      <a:r>
+                        <a:rPr lang="en-US" altLang="zh-CN" sz="1400" dirty="0" smtClean="0"/>
+                        <a:t> (headache)</a:t>
+                      </a:r>
+                      <a:endParaRPr lang="zh-CN" altLang="en-US" sz="1400" dirty="0"/>
+                    </a:p>
+                  </a:txBody>
+                  <a:tcPr/>
+                </a:tc>
+                <a:tc>
+                  <a:txBody>
+                    <a:bodyPr/>
+                    <a:lstStyle/>
+                    <a:p>
+                      <a:pPr algn="ctr"/>
+                      <a:r>
+                        <a:rPr lang="en-US" altLang="zh-CN" sz="1400" b="1" dirty="0" smtClean="0"/>
+                        <a:t>SA</a:t>
+                      </a:r>
+                      <a:r>
+                        <a:rPr lang="en-US" altLang="zh-CN" sz="1400" dirty="0" smtClean="0"/>
+                        <a:t> (smell</a:t>
+                      </a:r>
+                      <a:r>
+                        <a:rPr lang="en-US" altLang="zh-CN" sz="1400" baseline="0" dirty="0" smtClean="0"/>
+                        <a:t> alcohol</a:t>
+                      </a:r>
+                      <a:r>
+                        <a:rPr lang="en-US" altLang="zh-CN" sz="1400" dirty="0" smtClean="0"/>
+                        <a:t>)</a:t>
+                      </a:r>
+                      <a:endParaRPr lang="zh-CN" altLang="en-US" sz="1400" dirty="0"/>
+                    </a:p>
+                  </a:txBody>
+                  <a:tcPr/>
+                </a:tc>
+                <a:tc>
+                  <a:txBody>
+                    <a:bodyPr/>
+                    <a:lstStyle/>
+                    <a:p>
+                      <a:pPr algn="ctr"/>
+                      <a:r>
+                        <a:rPr lang="en-US" altLang="zh-CN" sz="1400" b="1" dirty="0" smtClean="0"/>
+                        <a:t>PX</a:t>
+                      </a:r>
+                      <a:r>
+                        <a:rPr lang="en-US" altLang="zh-CN" sz="1400" dirty="0" smtClean="0"/>
+                        <a:t> (positive x-ray)</a:t>
+                      </a:r>
+                      <a:endParaRPr lang="zh-CN" altLang="en-US" sz="1400" dirty="0"/>
+                    </a:p>
+                  </a:txBody>
+                  <a:tcPr/>
+                </a:tc>
+                <a:extLst>
+                  <a:ext uri="{0D108BD9-81ED-4DB2-BD59-A6C34878D82A}">
+                    <a16:rowId xmlns:a16="http://schemas.microsoft.com/office/drawing/2014/main" val="3575592248"/>
+                  </a:ext>
+                </a:extLst>
+              </a:tr>
+            </a:tbl>
+          </a:graphicData>
+        </a:graphic>
+      </p:graphicFrame>
+      <p:sp>
+        <p:nvSpPr>
+          <p:cNvPr id="2" name="矩形 1"/>
+          <p:cNvSpPr/>
+          <p:nvPr/>
+        </p:nvSpPr>
+        <p:spPr>
+          <a:xfrm>
+            <a:off x="143256" y="1795288"/>
+            <a:ext cx="3222357" cy="338554"/>
+          </a:xfrm>
+          <a:prstGeom prst="rect">
+            <a:avLst/>
+          </a:prstGeom>
+        </p:spPr>
+        <p:txBody>
+          <a:bodyPr wrap="none">
+            <a:spAutoFit/>
+          </a:bodyPr>
+          <a:lstStyle/>
+          <a:p>
+            <a:r>
+              <a:rPr lang="zh-CN" altLang="en-US" sz="1600" dirty="0" smtClean="0">
+                <a:solidFill>
+                  <a:srgbClr val="FF0000"/>
+                </a:solidFill>
+                <a:latin typeface="Calibri" panose="020F0502020204030204" pitchFamily="34" charset="0"/>
+                <a:cs typeface="Calibri" panose="020F0502020204030204" pitchFamily="34" charset="0"/>
+              </a:rPr>
+              <a:t>Establishment </a:t>
+            </a:r>
+            <a:r>
+              <a:rPr lang="en-US" altLang="zh-CN" sz="1600" dirty="0" smtClean="0">
+                <a:solidFill>
+                  <a:srgbClr val="FF0000"/>
+                </a:solidFill>
+                <a:latin typeface="Calibri" panose="020F0502020204030204" pitchFamily="34" charset="0"/>
+                <a:cs typeface="Calibri" panose="020F0502020204030204" pitchFamily="34" charset="0"/>
+              </a:rPr>
+              <a:t>of </a:t>
+            </a:r>
+            <a:r>
+              <a:rPr lang="zh-CN" altLang="en-US" sz="1600" dirty="0">
+                <a:solidFill>
+                  <a:srgbClr val="FF0000"/>
+                </a:solidFill>
+                <a:latin typeface="Calibri" panose="020F0502020204030204" pitchFamily="34" charset="0"/>
+                <a:cs typeface="Calibri" panose="020F0502020204030204" pitchFamily="34" charset="0"/>
+              </a:rPr>
+              <a:t>Bayesian </a:t>
+            </a:r>
+            <a:r>
+              <a:rPr lang="zh-CN" altLang="en-US" sz="1600" dirty="0" smtClean="0">
+                <a:solidFill>
+                  <a:srgbClr val="FF0000"/>
+                </a:solidFill>
+                <a:latin typeface="Calibri" panose="020F0502020204030204" pitchFamily="34" charset="0"/>
+                <a:cs typeface="Calibri" panose="020F0502020204030204" pitchFamily="34" charset="0"/>
+              </a:rPr>
+              <a:t>Network</a:t>
+            </a:r>
+            <a:r>
+              <a:rPr lang="en-US" altLang="zh-CN" sz="1600" dirty="0" smtClean="0">
+                <a:solidFill>
+                  <a:srgbClr val="FF0000"/>
+                </a:solidFill>
+                <a:latin typeface="Calibri" panose="020F0502020204030204" pitchFamily="34" charset="0"/>
+                <a:cs typeface="Calibri" panose="020F0502020204030204" pitchFamily="34" charset="0"/>
+              </a:rPr>
+              <a:t>:</a:t>
+            </a:r>
+            <a:r>
+              <a:rPr lang="zh-CN" altLang="en-US" sz="1600" b="1" dirty="0" smtClean="0">
+                <a:solidFill>
+                  <a:srgbClr val="FF0000"/>
+                </a:solidFill>
+                <a:latin typeface="Calibri" panose="020F0502020204030204" pitchFamily="34" charset="0"/>
+                <a:cs typeface="Calibri" panose="020F0502020204030204" pitchFamily="34" charset="0"/>
+              </a:rPr>
+              <a:t> </a:t>
+            </a:r>
+            <a:endParaRPr lang="zh-CN" altLang="en-US" sz="1600" b="1" dirty="0">
+              <a:solidFill>
+                <a:srgbClr val="FF0000"/>
+              </a:solidFill>
+              <a:latin typeface="Calibri" panose="020F0502020204030204" pitchFamily="34" charset="0"/>
+              <a:cs typeface="Calibri" panose="020F0502020204030204" pitchFamily="34" charset="0"/>
+            </a:endParaRPr>
+          </a:p>
+        </p:txBody>
+      </p:sp>
+      <p:pic>
+        <p:nvPicPr>
+          <p:cNvPr id="6" name="图片 5"/>
+          <p:cNvPicPr>
+            <a:picLocks noChangeAspect="1"/>
+          </p:cNvPicPr>
+          <p:nvPr/>
+        </p:nvPicPr>
+        <p:blipFill>
+          <a:blip r:embed="rId3"/>
+          <a:stretch>
+            <a:fillRect/>
+          </a:stretch>
+        </p:blipFill>
+        <p:spPr>
+          <a:xfrm>
+            <a:off x="4953001" y="2052344"/>
+            <a:ext cx="3581400" cy="2799141"/>
+          </a:xfrm>
+          <a:prstGeom prst="rect">
+            <a:avLst/>
+          </a:prstGeom>
+        </p:spPr>
+      </p:pic>
+      <p:sp>
+        <p:nvSpPr>
+          <p:cNvPr id="7" name="文本框 6"/>
+          <p:cNvSpPr txBox="1"/>
+          <p:nvPr/>
+        </p:nvSpPr>
+        <p:spPr>
+          <a:xfrm>
+            <a:off x="143256" y="2052344"/>
+            <a:ext cx="4800601" cy="3108543"/>
+          </a:xfrm>
+          <a:prstGeom prst="rect">
+            <a:avLst/>
+          </a:prstGeom>
+          <a:noFill/>
+        </p:spPr>
+        <p:txBody>
+          <a:bodyPr wrap="square" rtlCol="0">
+            <a:spAutoFit/>
+          </a:bodyPr>
+          <a:lstStyle/>
+          <a:p>
+            <a:pPr marL="285750" indent="-285750">
+              <a:buFont typeface="Arial" panose="020B0604020202020204" pitchFamily="34" charset="0"/>
+              <a:buChar char="•"/>
+            </a:pPr>
+            <a:r>
+              <a:rPr lang="en-US" altLang="zh-CN" sz="1400" dirty="0">
+                <a:solidFill>
+                  <a:srgbClr val="0070C0"/>
+                </a:solidFill>
+                <a:latin typeface="Calibri"/>
+                <a:cs typeface="Calibri"/>
+              </a:rPr>
+              <a:t>First of all</a:t>
+            </a:r>
+            <a:r>
+              <a:rPr lang="en-US" altLang="zh-CN" sz="1400" dirty="0">
+                <a:latin typeface="Calibri"/>
+                <a:cs typeface="Calibri"/>
+              </a:rPr>
+              <a:t>, we must abstract the events in the actual problem as nodes in the network; each node must have a clear meaning, at least yes, no two states, or multiple states, and these states are complete in a probabilistic </a:t>
+            </a:r>
+            <a:r>
+              <a:rPr lang="en-US" altLang="zh-CN" sz="1400" dirty="0" smtClean="0">
+                <a:latin typeface="Calibri"/>
+                <a:cs typeface="Calibri"/>
+              </a:rPr>
+              <a:t>sense and </a:t>
+            </a:r>
+            <a:r>
+              <a:rPr lang="en-US" altLang="zh-CN" sz="1400" dirty="0">
+                <a:latin typeface="Calibri"/>
+                <a:cs typeface="Calibri"/>
+              </a:rPr>
+              <a:t>mutually exclusive. That is, all states can only occur one at a time, and the sum of the probabilities of these states is 1</a:t>
+            </a:r>
+            <a:r>
+              <a:rPr lang="en-US" altLang="zh-CN" sz="1400" dirty="0" smtClean="0">
+                <a:latin typeface="Calibri"/>
+                <a:cs typeface="Calibri"/>
+              </a:rPr>
+              <a:t>.</a:t>
+            </a:r>
+          </a:p>
+          <a:p>
+            <a:pPr marL="285750" indent="-285750">
+              <a:buFont typeface="Arial" panose="020B0604020202020204" pitchFamily="34" charset="0"/>
+              <a:buChar char="•"/>
+            </a:pPr>
+            <a:r>
+              <a:rPr lang="en-US" altLang="zh-CN" sz="1400" dirty="0">
+                <a:solidFill>
+                  <a:srgbClr val="0070C0"/>
+                </a:solidFill>
+                <a:latin typeface="Calibri"/>
+                <a:cs typeface="Calibri"/>
+              </a:rPr>
+              <a:t>Second</a:t>
+            </a:r>
+            <a:r>
+              <a:rPr lang="en-US" altLang="zh-CN" sz="1400" dirty="0">
+                <a:latin typeface="Calibri"/>
+                <a:cs typeface="Calibri"/>
+              </a:rPr>
+              <a:t>, establish a connection between two or more nodes. </a:t>
+            </a:r>
+            <a:r>
+              <a:rPr lang="en-US" altLang="zh-CN" sz="1400" dirty="0">
+                <a:solidFill>
+                  <a:srgbClr val="00B050"/>
+                </a:solidFill>
+                <a:latin typeface="Calibri"/>
+                <a:cs typeface="Calibri"/>
+              </a:rPr>
+              <a:t>Basic principles</a:t>
+            </a:r>
+            <a:r>
+              <a:rPr lang="en-US" altLang="zh-CN" sz="1400" dirty="0">
+                <a:latin typeface="Calibri"/>
+                <a:cs typeface="Calibri"/>
+              </a:rPr>
+              <a:t>: Connections should be </a:t>
+            </a:r>
+            <a:r>
+              <a:rPr lang="en-US" altLang="zh-CN" sz="1400" dirty="0" smtClean="0">
+                <a:latin typeface="Calibri"/>
+                <a:cs typeface="Calibri"/>
+              </a:rPr>
+              <a:t>established between </a:t>
+            </a:r>
+            <a:r>
+              <a:rPr lang="en-US" altLang="zh-CN" sz="1400" dirty="0">
+                <a:latin typeface="Calibri"/>
+                <a:cs typeface="Calibri"/>
+              </a:rPr>
+              <a:t>nodes that have a </a:t>
+            </a:r>
+            <a:r>
+              <a:rPr lang="en-US" altLang="zh-CN" sz="1400" b="1" dirty="0">
+                <a:solidFill>
+                  <a:srgbClr val="FF0000"/>
+                </a:solidFill>
+                <a:latin typeface="Calibri"/>
+                <a:cs typeface="Calibri"/>
+              </a:rPr>
+              <a:t>clear</a:t>
+            </a:r>
+            <a:r>
+              <a:rPr lang="en-US" altLang="zh-CN" sz="1400" dirty="0">
+                <a:latin typeface="Calibri"/>
+                <a:cs typeface="Calibri"/>
+              </a:rPr>
+              <a:t> causal relationship. S</a:t>
+            </a:r>
+            <a:r>
+              <a:rPr lang="en-US" altLang="zh-CN" sz="1400" dirty="0" smtClean="0">
+                <a:latin typeface="Calibri"/>
+                <a:cs typeface="Calibri"/>
+              </a:rPr>
+              <a:t>o </a:t>
+            </a:r>
+            <a:r>
+              <a:rPr lang="en-US" altLang="zh-CN" sz="1400" dirty="0">
+                <a:latin typeface="Calibri"/>
+                <a:cs typeface="Calibri"/>
+              </a:rPr>
+              <a:t>as to prevent the network from being too complex to grasp the essence of the problem. </a:t>
+            </a:r>
+            <a:r>
+              <a:rPr lang="en-US" altLang="zh-CN" sz="1400" b="1" dirty="0">
+                <a:latin typeface="Calibri"/>
+                <a:cs typeface="Calibri"/>
+              </a:rPr>
+              <a:t>Note: When establishing a connection between two nodes, the ring must be prevented because the Bayesian network is an acyclic graph</a:t>
+            </a:r>
+            <a:r>
+              <a:rPr lang="en-US" altLang="zh-CN" sz="1400" dirty="0">
+                <a:latin typeface="Calibri"/>
+                <a:cs typeface="Calibri"/>
+              </a:rPr>
+              <a:t>.</a:t>
+            </a:r>
+            <a:endParaRPr lang="zh-CN" altLang="en-US" sz="1400" dirty="0" err="1" smtClean="0">
+              <a:latin typeface="Calibri"/>
+              <a:cs typeface="Calibri"/>
+            </a:endParaRPr>
           </a:p>
         </p:txBody>
       </p:sp>
@@ -8629,6 +10117,767 @@
           </a:p>
         </p:txBody>
       </p:sp>
+      <p:sp>
+        <p:nvSpPr>
+          <p:cNvPr id="3" name="矩形 2"/>
+          <p:cNvSpPr/>
+          <p:nvPr/>
+        </p:nvSpPr>
+        <p:spPr>
+          <a:xfrm>
+            <a:off x="0" y="514350"/>
+            <a:ext cx="3388363" cy="338554"/>
+          </a:xfrm>
+          <a:prstGeom prst="rect">
+            <a:avLst/>
+          </a:prstGeom>
+        </p:spPr>
+        <p:txBody>
+          <a:bodyPr wrap="none">
+            <a:spAutoFit/>
+          </a:bodyPr>
+          <a:lstStyle/>
+          <a:p>
+            <a:r>
+              <a:rPr lang="en-US" altLang="zh-CN" sz="1600" dirty="0">
+                <a:solidFill>
+                  <a:srgbClr val="FF0000"/>
+                </a:solidFill>
+                <a:latin typeface="Calibri" panose="020F0502020204030204" pitchFamily="34" charset="0"/>
+                <a:cs typeface="Calibri" panose="020F0502020204030204" pitchFamily="34" charset="0"/>
+              </a:rPr>
+              <a:t>Training process</a:t>
+            </a:r>
+            <a:r>
+              <a:rPr lang="zh-CN" altLang="en-US" sz="1600" dirty="0" smtClean="0">
+                <a:solidFill>
+                  <a:srgbClr val="FF0000"/>
+                </a:solidFill>
+                <a:latin typeface="Calibri" panose="020F0502020204030204" pitchFamily="34" charset="0"/>
+                <a:cs typeface="Calibri" panose="020F0502020204030204" pitchFamily="34" charset="0"/>
+              </a:rPr>
+              <a:t> </a:t>
+            </a:r>
+            <a:r>
+              <a:rPr lang="en-US" altLang="zh-CN" sz="1600" dirty="0" smtClean="0">
+                <a:solidFill>
+                  <a:srgbClr val="FF0000"/>
+                </a:solidFill>
+                <a:latin typeface="Calibri" panose="020F0502020204030204" pitchFamily="34" charset="0"/>
+                <a:cs typeface="Calibri" panose="020F0502020204030204" pitchFamily="34" charset="0"/>
+              </a:rPr>
+              <a:t>of </a:t>
+            </a:r>
+            <a:r>
+              <a:rPr lang="zh-CN" altLang="en-US" sz="1600" dirty="0">
+                <a:solidFill>
+                  <a:srgbClr val="FF0000"/>
+                </a:solidFill>
+                <a:latin typeface="Calibri" panose="020F0502020204030204" pitchFamily="34" charset="0"/>
+                <a:cs typeface="Calibri" panose="020F0502020204030204" pitchFamily="34" charset="0"/>
+              </a:rPr>
+              <a:t>Bayesian </a:t>
+            </a:r>
+            <a:r>
+              <a:rPr lang="zh-CN" altLang="en-US" sz="1600" dirty="0" smtClean="0">
+                <a:solidFill>
+                  <a:srgbClr val="FF0000"/>
+                </a:solidFill>
+                <a:latin typeface="Calibri" panose="020F0502020204030204" pitchFamily="34" charset="0"/>
+                <a:cs typeface="Calibri" panose="020F0502020204030204" pitchFamily="34" charset="0"/>
+              </a:rPr>
+              <a:t>Network</a:t>
+            </a:r>
+            <a:r>
+              <a:rPr lang="en-US" altLang="zh-CN" sz="1600" dirty="0" smtClean="0">
+                <a:solidFill>
+                  <a:srgbClr val="FF0000"/>
+                </a:solidFill>
+                <a:latin typeface="Calibri" panose="020F0502020204030204" pitchFamily="34" charset="0"/>
+                <a:cs typeface="Calibri" panose="020F0502020204030204" pitchFamily="34" charset="0"/>
+              </a:rPr>
+              <a:t>:</a:t>
+            </a:r>
+            <a:r>
+              <a:rPr lang="zh-CN" altLang="en-US" sz="1600" b="1" dirty="0" smtClean="0">
+                <a:solidFill>
+                  <a:srgbClr val="FF0000"/>
+                </a:solidFill>
+                <a:latin typeface="Calibri" panose="020F0502020204030204" pitchFamily="34" charset="0"/>
+                <a:cs typeface="Calibri" panose="020F0502020204030204" pitchFamily="34" charset="0"/>
+              </a:rPr>
+              <a:t> </a:t>
+            </a:r>
+            <a:endParaRPr lang="zh-CN" altLang="en-US" sz="1600" b="1" dirty="0">
+              <a:solidFill>
+                <a:srgbClr val="FF0000"/>
+              </a:solidFill>
+              <a:latin typeface="Calibri" panose="020F0502020204030204" pitchFamily="34" charset="0"/>
+              <a:cs typeface="Calibri" panose="020F0502020204030204" pitchFamily="34" charset="0"/>
+            </a:endParaRPr>
+          </a:p>
+        </p:txBody>
+      </p:sp>
+      <p:sp>
+        <p:nvSpPr>
+          <p:cNvPr id="2" name="文本框 1"/>
+          <p:cNvSpPr txBox="1"/>
+          <p:nvPr/>
+        </p:nvSpPr>
+        <p:spPr>
+          <a:xfrm>
+            <a:off x="0" y="766976"/>
+            <a:ext cx="9144000" cy="830997"/>
+          </a:xfrm>
+          <a:prstGeom prst="rect">
+            <a:avLst/>
+          </a:prstGeom>
+          <a:noFill/>
+        </p:spPr>
+        <p:txBody>
+          <a:bodyPr wrap="square" rtlCol="0">
+            <a:spAutoFit/>
+          </a:bodyPr>
+          <a:lstStyle/>
+          <a:p>
+            <a:r>
+              <a:rPr lang="en-US" altLang="zh-CN" sz="1600" dirty="0">
+                <a:latin typeface="Calibri"/>
+                <a:cs typeface="Calibri"/>
+              </a:rPr>
+              <a:t>Refers to the distribution of the probability of learning the nodes and the conditional probability distribution between the nodes. Can be filled in by expert experience, but using more methods is obtained through historical data training.</a:t>
+            </a:r>
+            <a:endParaRPr lang="zh-CN" altLang="en-US" sz="1600" dirty="0" err="1" smtClean="0">
+              <a:latin typeface="Calibri"/>
+              <a:cs typeface="Calibri"/>
+            </a:endParaRPr>
+          </a:p>
+        </p:txBody>
+      </p:sp>
+      <p:pic>
+        <p:nvPicPr>
+          <p:cNvPr id="4" name="图片 3"/>
+          <p:cNvPicPr>
+            <a:picLocks noChangeAspect="1"/>
+          </p:cNvPicPr>
+          <p:nvPr/>
+        </p:nvPicPr>
+        <p:blipFill>
+          <a:blip r:embed="rId3"/>
+          <a:stretch>
+            <a:fillRect/>
+          </a:stretch>
+        </p:blipFill>
+        <p:spPr>
+          <a:xfrm>
+            <a:off x="2590800" y="1337477"/>
+            <a:ext cx="3585346" cy="2362200"/>
+          </a:xfrm>
+          <a:prstGeom prst="rect">
+            <a:avLst/>
+          </a:prstGeom>
+        </p:spPr>
+      </p:pic>
+      <mc:AlternateContent xmlns:mc="http://schemas.openxmlformats.org/markup-compatibility/2006">
+        <mc:Choice xmlns:a14="http://schemas.microsoft.com/office/drawing/2010/main" Requires="a14">
+          <p:sp>
+            <p:nvSpPr>
+              <p:cNvPr id="5" name="文本框 4"/>
+              <p:cNvSpPr txBox="1"/>
+              <p:nvPr/>
+            </p:nvSpPr>
+            <p:spPr>
+              <a:xfrm>
+                <a:off x="0" y="3638550"/>
+                <a:ext cx="9144000" cy="1587742"/>
+              </a:xfrm>
+              <a:prstGeom prst="rect">
+                <a:avLst/>
+              </a:prstGeom>
+              <a:noFill/>
+            </p:spPr>
+            <p:txBody>
+              <a:bodyPr wrap="square" rtlCol="0">
+                <a:spAutoFit/>
+              </a:bodyPr>
+              <a:lstStyle/>
+              <a:p>
+                <a:r>
+                  <a:rPr lang="en-US" altLang="zh-CN" sz="1600" dirty="0" smtClean="0">
+                    <a:latin typeface="Calibri"/>
+                    <a:cs typeface="Calibri"/>
+                  </a:rPr>
+                  <a:t>Statistics can be used to get the probability distribution of any node. Suppose that node </a:t>
+                </a:r>
+                <a14:m>
+                  <m:oMath xmlns:m="http://schemas.openxmlformats.org/officeDocument/2006/math">
+                    <m:r>
+                      <a:rPr lang="en-US" altLang="zh-CN" sz="1600" i="1" dirty="0" smtClean="0">
+                        <a:latin typeface="Cambria Math" panose="02040503050406030204" pitchFamily="18" charset="0"/>
+                        <a:cs typeface="Calibri"/>
+                      </a:rPr>
+                      <m:t>𝑉</m:t>
+                    </m:r>
+                  </m:oMath>
+                </a14:m>
+                <a:r>
+                  <a:rPr lang="en-US" altLang="zh-CN" sz="1600" dirty="0">
+                    <a:latin typeface="Calibri"/>
+                    <a:cs typeface="Calibri"/>
+                  </a:rPr>
+                  <a:t> has </a:t>
+                </a:r>
+                <a14:m>
+                  <m:oMath xmlns:m="http://schemas.openxmlformats.org/officeDocument/2006/math">
+                    <m:r>
+                      <a:rPr lang="en-US" altLang="zh-CN" sz="1600" i="1" dirty="0" smtClean="0">
+                        <a:latin typeface="Cambria Math" panose="02040503050406030204" pitchFamily="18" charset="0"/>
+                        <a:cs typeface="Calibri"/>
+                      </a:rPr>
+                      <m:t>𝑑</m:t>
+                    </m:r>
+                  </m:oMath>
+                </a14:m>
+                <a:r>
+                  <a:rPr lang="en-US" altLang="zh-CN" sz="1600" dirty="0">
+                    <a:latin typeface="Calibri"/>
+                    <a:cs typeface="Calibri"/>
+                  </a:rPr>
+                  <a:t> states </a:t>
+                </a:r>
+                <a14:m>
+                  <m:oMath xmlns:m="http://schemas.openxmlformats.org/officeDocument/2006/math">
+                    <m:sSub>
+                      <m:sSubPr>
+                        <m:ctrlPr>
+                          <a:rPr lang="en-US" altLang="zh-CN" sz="1600" b="0" i="1" dirty="0" smtClean="0">
+                            <a:latin typeface="Cambria Math" panose="02040503050406030204" pitchFamily="18" charset="0"/>
+                            <a:cs typeface="Calibri"/>
+                          </a:rPr>
+                        </m:ctrlPr>
+                      </m:sSubPr>
+                      <m:e>
+                        <m:r>
+                          <a:rPr lang="en-US" altLang="zh-CN" sz="1600" i="1" dirty="0" smtClean="0">
+                            <a:latin typeface="Cambria Math" panose="02040503050406030204" pitchFamily="18" charset="0"/>
+                            <a:cs typeface="Calibri"/>
+                          </a:rPr>
+                          <m:t>𝑉</m:t>
+                        </m:r>
+                      </m:e>
+                      <m:sub>
+                        <m:r>
+                          <a:rPr lang="en-US" altLang="zh-CN" sz="1600" i="1" dirty="0" smtClean="0">
+                            <a:latin typeface="Cambria Math" panose="02040503050406030204" pitchFamily="18" charset="0"/>
+                            <a:cs typeface="Calibri"/>
+                          </a:rPr>
+                          <m:t>1</m:t>
+                        </m:r>
+                      </m:sub>
+                    </m:sSub>
+                    <m:r>
+                      <a:rPr lang="en-US" altLang="zh-CN" sz="1600" i="1" dirty="0" smtClean="0">
+                        <a:latin typeface="Cambria Math" panose="02040503050406030204" pitchFamily="18" charset="0"/>
+                        <a:cs typeface="Calibri"/>
+                      </a:rPr>
+                      <m:t>; </m:t>
+                    </m:r>
+                    <m:sSub>
+                      <m:sSubPr>
+                        <m:ctrlPr>
+                          <a:rPr lang="en-US" altLang="zh-CN" sz="1600" b="0" i="1" dirty="0" smtClean="0">
+                            <a:latin typeface="Cambria Math" panose="02040503050406030204" pitchFamily="18" charset="0"/>
+                            <a:cs typeface="Calibri"/>
+                          </a:rPr>
+                        </m:ctrlPr>
+                      </m:sSubPr>
+                      <m:e>
+                        <m:r>
+                          <a:rPr lang="en-US" altLang="zh-CN" sz="1600" i="1" dirty="0" smtClean="0">
+                            <a:latin typeface="Cambria Math" panose="02040503050406030204" pitchFamily="18" charset="0"/>
+                            <a:cs typeface="Calibri"/>
+                          </a:rPr>
+                          <m:t>𝑉</m:t>
+                        </m:r>
+                      </m:e>
+                      <m:sub>
+                        <m:r>
+                          <a:rPr lang="en-US" altLang="zh-CN" sz="1600" i="1" dirty="0" smtClean="0">
+                            <a:latin typeface="Cambria Math" panose="02040503050406030204" pitchFamily="18" charset="0"/>
+                            <a:cs typeface="Calibri"/>
+                          </a:rPr>
+                          <m:t>2</m:t>
+                        </m:r>
+                      </m:sub>
+                    </m:sSub>
+                    <m:r>
+                      <a:rPr lang="en-US" altLang="zh-CN" sz="1600" i="1" dirty="0" smtClean="0">
+                        <a:latin typeface="Cambria Math" panose="02040503050406030204" pitchFamily="18" charset="0"/>
+                        <a:cs typeface="Calibri"/>
+                      </a:rPr>
+                      <m:t>; …; </m:t>
+                    </m:r>
+                    <m:sSub>
+                      <m:sSubPr>
+                        <m:ctrlPr>
+                          <a:rPr lang="en-US" altLang="zh-CN" sz="1600" b="0" i="1" dirty="0" smtClean="0">
+                            <a:latin typeface="Cambria Math" panose="02040503050406030204" pitchFamily="18" charset="0"/>
+                            <a:cs typeface="Calibri"/>
+                          </a:rPr>
+                        </m:ctrlPr>
+                      </m:sSubPr>
+                      <m:e>
+                        <m:r>
+                          <a:rPr lang="en-US" altLang="zh-CN" sz="1600" i="1" dirty="0" err="1">
+                            <a:latin typeface="Cambria Math" panose="02040503050406030204" pitchFamily="18" charset="0"/>
+                            <a:cs typeface="Calibri"/>
+                          </a:rPr>
+                          <m:t>𝑉</m:t>
+                        </m:r>
+                      </m:e>
+                      <m:sub>
+                        <m:r>
+                          <a:rPr lang="en-US" altLang="zh-CN" sz="1600" i="1" dirty="0" err="1">
+                            <a:latin typeface="Cambria Math" panose="02040503050406030204" pitchFamily="18" charset="0"/>
+                            <a:cs typeface="Calibri"/>
+                          </a:rPr>
+                          <m:t>𝑑</m:t>
+                        </m:r>
+                      </m:sub>
+                    </m:sSub>
+                  </m:oMath>
+                </a14:m>
+                <a:r>
+                  <a:rPr lang="en-US" altLang="zh-CN" sz="1600" dirty="0">
+                    <a:latin typeface="Calibri"/>
+                    <a:cs typeface="Calibri"/>
+                  </a:rPr>
+                  <a:t>, there </a:t>
+                </a:r>
+                <a:r>
+                  <a:rPr lang="en-US" altLang="zh-CN" sz="1600" dirty="0" smtClean="0">
+                    <a:latin typeface="Calibri"/>
+                    <a:cs typeface="Calibri"/>
+                  </a:rPr>
+                  <a:t>are</a:t>
+                </a:r>
+              </a:p>
+              <a:p>
+                <a:pPr algn="ctr"/>
+                <a14:m>
+                  <m:oMathPara xmlns:m="http://schemas.openxmlformats.org/officeDocument/2006/math">
+                    <m:oMathParaPr>
+                      <m:jc m:val="centerGroup"/>
+                    </m:oMathParaPr>
+                    <m:oMath xmlns:m="http://schemas.openxmlformats.org/officeDocument/2006/math">
+                      <m:r>
+                        <a:rPr lang="en-US" altLang="zh-CN" sz="1600" b="0" i="1" smtClean="0">
+                          <a:latin typeface="Cambria Math" panose="02040503050406030204" pitchFamily="18" charset="0"/>
+                          <a:cs typeface="Calibri"/>
+                        </a:rPr>
+                        <m:t>𝑃</m:t>
+                      </m:r>
+                      <m:d>
+                        <m:dPr>
+                          <m:ctrlPr>
+                            <a:rPr lang="en-US" altLang="zh-CN" sz="1600" b="0" i="1" smtClean="0">
+                              <a:latin typeface="Cambria Math" panose="02040503050406030204" pitchFamily="18" charset="0"/>
+                              <a:cs typeface="Calibri"/>
+                            </a:rPr>
+                          </m:ctrlPr>
+                        </m:dPr>
+                        <m:e>
+                          <m:sSub>
+                            <m:sSubPr>
+                              <m:ctrlPr>
+                                <a:rPr lang="en-US" altLang="zh-CN" sz="1600" b="0" i="1" smtClean="0">
+                                  <a:latin typeface="Cambria Math" panose="02040503050406030204" pitchFamily="18" charset="0"/>
+                                  <a:cs typeface="Calibri"/>
+                                </a:rPr>
+                              </m:ctrlPr>
+                            </m:sSubPr>
+                            <m:e>
+                              <m:r>
+                                <a:rPr lang="en-US" altLang="zh-CN" sz="1600" b="0" i="1" smtClean="0">
+                                  <a:latin typeface="Cambria Math" panose="02040503050406030204" pitchFamily="18" charset="0"/>
+                                  <a:cs typeface="Calibri"/>
+                                </a:rPr>
+                                <m:t>𝑉</m:t>
+                              </m:r>
+                            </m:e>
+                            <m:sub>
+                              <m:r>
+                                <a:rPr lang="en-US" altLang="zh-CN" sz="1600" b="0" i="1" smtClean="0">
+                                  <a:latin typeface="Cambria Math" panose="02040503050406030204" pitchFamily="18" charset="0"/>
+                                  <a:cs typeface="Calibri"/>
+                                </a:rPr>
+                                <m:t>𝑑</m:t>
+                              </m:r>
+                            </m:sub>
+                          </m:sSub>
+                        </m:e>
+                      </m:d>
+                      <m:r>
+                        <a:rPr lang="en-US" altLang="zh-CN" sz="1600" b="0" i="1" smtClean="0">
+                          <a:latin typeface="Cambria Math" panose="02040503050406030204" pitchFamily="18" charset="0"/>
+                          <a:cs typeface="Calibri"/>
+                        </a:rPr>
+                        <m:t>=</m:t>
+                      </m:r>
+                      <m:f>
+                        <m:fPr>
+                          <m:ctrlPr>
+                            <a:rPr lang="en-US" altLang="zh-CN" sz="1600" b="0" i="1" smtClean="0">
+                              <a:latin typeface="Cambria Math" panose="02040503050406030204" pitchFamily="18" charset="0"/>
+                              <a:cs typeface="Calibri"/>
+                            </a:rPr>
+                          </m:ctrlPr>
+                        </m:fPr>
+                        <m:num>
+                          <m:r>
+                            <a:rPr lang="en-US" altLang="zh-CN" sz="1600" b="0" i="1" smtClean="0">
+                              <a:latin typeface="Cambria Math" panose="02040503050406030204" pitchFamily="18" charset="0"/>
+                              <a:cs typeface="Calibri"/>
+                            </a:rPr>
+                            <m:t>#</m:t>
+                          </m:r>
+                          <m:r>
+                            <a:rPr lang="en-US" altLang="zh-CN" sz="1600" b="0" i="1" smtClean="0">
+                              <a:latin typeface="Cambria Math" panose="02040503050406030204" pitchFamily="18" charset="0"/>
+                              <a:cs typeface="Calibri"/>
+                            </a:rPr>
+                            <m:t>𝑆𝑎𝑚𝑝𝑙𝑒</m:t>
+                          </m:r>
+                          <m:r>
+                            <a:rPr lang="en-US" altLang="zh-CN" sz="1600" b="0" i="1" smtClean="0">
+                              <a:latin typeface="Cambria Math" panose="02040503050406030204" pitchFamily="18" charset="0"/>
+                              <a:cs typeface="Calibri"/>
+                            </a:rPr>
+                            <m:t>(</m:t>
+                          </m:r>
+                          <m:sSub>
+                            <m:sSubPr>
+                              <m:ctrlPr>
+                                <a:rPr lang="en-US" altLang="zh-CN" sz="1600" b="0" i="1" smtClean="0">
+                                  <a:latin typeface="Cambria Math" panose="02040503050406030204" pitchFamily="18" charset="0"/>
+                                  <a:cs typeface="Calibri"/>
+                                </a:rPr>
+                              </m:ctrlPr>
+                            </m:sSubPr>
+                            <m:e>
+                              <m:r>
+                                <a:rPr lang="en-US" altLang="zh-CN" sz="1600" b="0" i="1" smtClean="0">
+                                  <a:latin typeface="Cambria Math" panose="02040503050406030204" pitchFamily="18" charset="0"/>
+                                  <a:cs typeface="Calibri"/>
+                                </a:rPr>
+                                <m:t>𝑉</m:t>
+                              </m:r>
+                            </m:e>
+                            <m:sub>
+                              <m:r>
+                                <a:rPr lang="en-US" altLang="zh-CN" sz="1600" b="0" i="1" smtClean="0">
+                                  <a:latin typeface="Cambria Math" panose="02040503050406030204" pitchFamily="18" charset="0"/>
+                                  <a:cs typeface="Calibri"/>
+                                </a:rPr>
+                                <m:t>𝑑</m:t>
+                              </m:r>
+                            </m:sub>
+                          </m:sSub>
+                          <m:r>
+                            <a:rPr lang="en-US" altLang="zh-CN" sz="1600" b="0" i="1" smtClean="0">
+                              <a:latin typeface="Cambria Math" panose="02040503050406030204" pitchFamily="18" charset="0"/>
+                              <a:cs typeface="Calibri"/>
+                            </a:rPr>
+                            <m:t>)</m:t>
+                          </m:r>
+                        </m:num>
+                        <m:den>
+                          <m:r>
+                            <a:rPr lang="en-US" altLang="zh-CN" sz="1600" b="0" i="1" smtClean="0">
+                              <a:latin typeface="Cambria Math" panose="02040503050406030204" pitchFamily="18" charset="0"/>
+                              <a:cs typeface="Calibri"/>
+                            </a:rPr>
+                            <m:t>#</m:t>
+                          </m:r>
+                          <m:r>
+                            <a:rPr lang="en-US" altLang="zh-CN" sz="1600" b="0" i="1" smtClean="0">
+                              <a:latin typeface="Cambria Math" panose="02040503050406030204" pitchFamily="18" charset="0"/>
+                              <a:cs typeface="Calibri"/>
+                            </a:rPr>
+                            <m:t>𝑆𝑎𝑚𝑝𝑙𝑒𝐴𝑙𝑙</m:t>
+                          </m:r>
+                        </m:den>
+                      </m:f>
+                    </m:oMath>
+                  </m:oMathPara>
+                </a14:m>
+                <a:endParaRPr lang="en-US" altLang="zh-CN" sz="1600" dirty="0" smtClean="0">
+                  <a:latin typeface="Calibri"/>
+                  <a:cs typeface="Calibri"/>
+                </a:endParaRPr>
+              </a:p>
+              <a:p>
+                <a:pPr/>
+                <a14:m>
+                  <m:oMath xmlns:m="http://schemas.openxmlformats.org/officeDocument/2006/math">
+                    <m:r>
+                      <a:rPr lang="en-US" altLang="zh-CN" sz="1600" b="0" i="1" smtClean="0">
+                        <a:latin typeface="Cambria Math" panose="02040503050406030204" pitchFamily="18" charset="0"/>
+                        <a:cs typeface="Calibri"/>
+                      </a:rPr>
+                      <m:t>#</m:t>
+                    </m:r>
+                    <m:r>
+                      <a:rPr lang="en-US" altLang="zh-CN" sz="1600" b="0" i="1" smtClean="0">
+                        <a:latin typeface="Cambria Math" panose="02040503050406030204" pitchFamily="18" charset="0"/>
+                        <a:cs typeface="Calibri"/>
+                      </a:rPr>
+                      <m:t>𝑆𝑎𝑚𝑝𝑙𝑒</m:t>
+                    </m:r>
+                    <m:r>
+                      <a:rPr lang="en-US" altLang="zh-CN" sz="1600" b="0" i="1" smtClean="0">
+                        <a:latin typeface="Cambria Math" panose="02040503050406030204" pitchFamily="18" charset="0"/>
+                        <a:cs typeface="Calibri"/>
+                      </a:rPr>
+                      <m:t>(</m:t>
+                    </m:r>
+                    <m:sSub>
+                      <m:sSubPr>
+                        <m:ctrlPr>
+                          <a:rPr lang="en-US" altLang="zh-CN" sz="1600" b="0" i="1" smtClean="0">
+                            <a:latin typeface="Cambria Math" panose="02040503050406030204" pitchFamily="18" charset="0"/>
+                            <a:cs typeface="Calibri"/>
+                          </a:rPr>
+                        </m:ctrlPr>
+                      </m:sSubPr>
+                      <m:e>
+                        <m:r>
+                          <a:rPr lang="en-US" altLang="zh-CN" sz="1600" b="0" i="1" smtClean="0">
+                            <a:latin typeface="Cambria Math" panose="02040503050406030204" pitchFamily="18" charset="0"/>
+                            <a:cs typeface="Calibri"/>
+                          </a:rPr>
+                          <m:t>𝑉</m:t>
+                        </m:r>
+                      </m:e>
+                      <m:sub>
+                        <m:r>
+                          <a:rPr lang="en-US" altLang="zh-CN" sz="1600" b="0" i="1" smtClean="0">
+                            <a:latin typeface="Cambria Math" panose="02040503050406030204" pitchFamily="18" charset="0"/>
+                            <a:cs typeface="Calibri"/>
+                          </a:rPr>
+                          <m:t>𝑑</m:t>
+                        </m:r>
+                      </m:sub>
+                    </m:sSub>
+                    <m:r>
+                      <a:rPr lang="en-US" altLang="zh-CN" sz="1600" b="0" i="1" smtClean="0">
+                        <a:latin typeface="Cambria Math" panose="02040503050406030204" pitchFamily="18" charset="0"/>
+                        <a:cs typeface="Calibri"/>
+                      </a:rPr>
+                      <m:t>)</m:t>
+                    </m:r>
+                  </m:oMath>
+                </a14:m>
+                <a:r>
+                  <a:rPr lang="zh-CN" altLang="en-US" sz="1600" dirty="0" smtClean="0">
+                    <a:latin typeface="Calibri"/>
+                    <a:cs typeface="Calibri"/>
+                  </a:rPr>
+                  <a:t> </a:t>
+                </a:r>
+                <a:r>
+                  <a:rPr lang="en-US" altLang="zh-CN" sz="1600" dirty="0" smtClean="0">
+                    <a:latin typeface="Calibri"/>
+                    <a:cs typeface="Calibri"/>
+                  </a:rPr>
+                  <a:t>represent the number of times </a:t>
+                </a:r>
+                <a14:m>
+                  <m:oMath xmlns:m="http://schemas.openxmlformats.org/officeDocument/2006/math">
+                    <m:r>
+                      <a:rPr lang="en-US" altLang="zh-CN" sz="1600" b="0" i="1" smtClean="0">
+                        <a:latin typeface="Cambria Math" panose="02040503050406030204" pitchFamily="18" charset="0"/>
+                        <a:cs typeface="Calibri"/>
+                      </a:rPr>
+                      <m:t>𝑃</m:t>
+                    </m:r>
+                    <m:d>
+                      <m:dPr>
+                        <m:ctrlPr>
+                          <a:rPr lang="en-US" altLang="zh-CN" sz="1600" b="0" i="1" smtClean="0">
+                            <a:latin typeface="Cambria Math" panose="02040503050406030204" pitchFamily="18" charset="0"/>
+                            <a:cs typeface="Calibri"/>
+                          </a:rPr>
+                        </m:ctrlPr>
+                      </m:dPr>
+                      <m:e>
+                        <m:sSub>
+                          <m:sSubPr>
+                            <m:ctrlPr>
+                              <a:rPr lang="en-US" altLang="zh-CN" sz="1600" b="0" i="1" smtClean="0">
+                                <a:latin typeface="Cambria Math" panose="02040503050406030204" pitchFamily="18" charset="0"/>
+                                <a:cs typeface="Calibri"/>
+                              </a:rPr>
+                            </m:ctrlPr>
+                          </m:sSubPr>
+                          <m:e>
+                            <m:r>
+                              <a:rPr lang="en-US" altLang="zh-CN" sz="1600" b="0" i="1" smtClean="0">
+                                <a:latin typeface="Cambria Math" panose="02040503050406030204" pitchFamily="18" charset="0"/>
+                                <a:cs typeface="Calibri"/>
+                              </a:rPr>
+                              <m:t>𝑉</m:t>
+                            </m:r>
+                          </m:e>
+                          <m:sub>
+                            <m:r>
+                              <a:rPr lang="en-US" altLang="zh-CN" sz="1600" b="0" i="1" smtClean="0">
+                                <a:latin typeface="Cambria Math" panose="02040503050406030204" pitchFamily="18" charset="0"/>
+                                <a:cs typeface="Calibri"/>
+                              </a:rPr>
+                              <m:t>𝑑</m:t>
+                            </m:r>
+                          </m:sub>
+                        </m:sSub>
+                      </m:e>
+                    </m:d>
+                    <m:r>
+                      <a:rPr lang="en-US" altLang="zh-CN" sz="1600" b="0" i="1" smtClean="0">
+                        <a:latin typeface="Cambria Math" panose="02040503050406030204" pitchFamily="18" charset="0"/>
+                        <a:cs typeface="Calibri"/>
+                      </a:rPr>
+                      <m:t>=</m:t>
+                    </m:r>
+                    <m:sSub>
+                      <m:sSubPr>
+                        <m:ctrlPr>
+                          <a:rPr lang="en-US" altLang="zh-CN" sz="1600" b="0" i="1" smtClean="0">
+                            <a:latin typeface="Cambria Math" panose="02040503050406030204" pitchFamily="18" charset="0"/>
+                            <a:cs typeface="Calibri"/>
+                          </a:rPr>
+                        </m:ctrlPr>
+                      </m:sSubPr>
+                      <m:e>
+                        <m:r>
+                          <a:rPr lang="en-US" altLang="zh-CN" sz="1600" b="0" i="1" smtClean="0">
+                            <a:latin typeface="Cambria Math" panose="02040503050406030204" pitchFamily="18" charset="0"/>
+                            <a:cs typeface="Calibri"/>
+                          </a:rPr>
+                          <m:t>𝑉</m:t>
+                        </m:r>
+                      </m:e>
+                      <m:sub>
+                        <m:r>
+                          <a:rPr lang="en-US" altLang="zh-CN" sz="1600" b="0" i="1" smtClean="0">
+                            <a:latin typeface="Cambria Math" panose="02040503050406030204" pitchFamily="18" charset="0"/>
+                            <a:cs typeface="Calibri"/>
+                          </a:rPr>
+                          <m:t>𝑑</m:t>
+                        </m:r>
+                      </m:sub>
+                    </m:sSub>
+                  </m:oMath>
+                </a14:m>
+                <a:r>
+                  <a:rPr lang="en-US" altLang="zh-CN" sz="1600" dirty="0" smtClean="0">
+                    <a:latin typeface="Calibri"/>
+                    <a:cs typeface="Calibri"/>
+                  </a:rPr>
+                  <a:t> </a:t>
+                </a:r>
+                <a:r>
+                  <a:rPr lang="en-US" altLang="zh-CN" sz="1600" dirty="0">
+                    <a:latin typeface="Calibri" panose="020F0502020204030204" pitchFamily="34" charset="0"/>
+                    <a:cs typeface="Calibri" panose="020F0502020204030204" pitchFamily="34" charset="0"/>
+                  </a:rPr>
+                  <a:t>occurred</a:t>
+                </a:r>
+                <a:endParaRPr lang="en-US" altLang="zh-CN" sz="1600" dirty="0" smtClean="0">
+                  <a:latin typeface="Calibri"/>
+                  <a:cs typeface="Calibri"/>
+                </a:endParaRPr>
+              </a:p>
+              <a:p>
+                <a:pPr/>
+                <a14:m>
+                  <m:oMath xmlns:m="http://schemas.openxmlformats.org/officeDocument/2006/math">
+                    <m:r>
+                      <a:rPr lang="en-US" altLang="zh-CN" sz="1600" b="0" i="1" smtClean="0">
+                        <a:latin typeface="Cambria Math" panose="02040503050406030204" pitchFamily="18" charset="0"/>
+                        <a:cs typeface="Calibri"/>
+                      </a:rPr>
+                      <m:t>#</m:t>
+                    </m:r>
+                    <m:r>
+                      <a:rPr lang="en-US" altLang="zh-CN" sz="1600" b="0" i="1" smtClean="0">
+                        <a:latin typeface="Cambria Math" panose="02040503050406030204" pitchFamily="18" charset="0"/>
+                        <a:cs typeface="Calibri"/>
+                      </a:rPr>
+                      <m:t>𝑆𝑎𝑚𝑝𝑙𝑒𝐴𝑙𝑙</m:t>
+                    </m:r>
+                  </m:oMath>
+                </a14:m>
+                <a:r>
+                  <a:rPr lang="zh-CN" altLang="en-US" sz="1600" dirty="0" smtClean="0">
+                    <a:latin typeface="Calibri"/>
+                    <a:cs typeface="Calibri"/>
+                  </a:rPr>
+                  <a:t> </a:t>
+                </a:r>
+                <a:r>
+                  <a:rPr lang="en-US" altLang="zh-CN" sz="1600" dirty="0" smtClean="0">
+                    <a:latin typeface="Calibri"/>
+                    <a:cs typeface="Calibri"/>
+                  </a:rPr>
+                  <a:t>represent the total number of data</a:t>
+                </a:r>
+                <a:endParaRPr lang="zh-CN" altLang="en-US" sz="1600" dirty="0" err="1" smtClean="0">
+                  <a:latin typeface="Calibri"/>
+                  <a:cs typeface="Calibri"/>
+                </a:endParaRPr>
+              </a:p>
+            </p:txBody>
+          </p:sp>
+        </mc:Choice>
+        <mc:Fallback>
+          <p:sp>
+            <p:nvSpPr>
+              <p:cNvPr id="5" name="文本框 4"/>
+              <p:cNvSpPr txBox="1">
+                <a:spLocks noRot="1" noChangeAspect="1" noMove="1" noResize="1" noEditPoints="1" noAdjustHandles="1" noChangeArrowheads="1" noChangeShapeType="1" noTextEdit="1"/>
+              </p:cNvSpPr>
+              <p:nvPr/>
+            </p:nvSpPr>
+            <p:spPr>
+              <a:xfrm>
+                <a:off x="0" y="3638550"/>
+                <a:ext cx="9144000" cy="1587742"/>
+              </a:xfrm>
+              <a:prstGeom prst="rect">
+                <a:avLst/>
+              </a:prstGeom>
+              <a:blipFill>
+                <a:blip r:embed="rId4"/>
+                <a:stretch>
+                  <a:fillRect l="-333" t="-1154" b="-4231"/>
+                </a:stretch>
+              </a:blipFill>
+            </p:spPr>
+            <p:txBody>
+              <a:bodyPr/>
+              <a:lstStyle/>
+              <a:p>
+                <a:r>
+                  <a:rPr lang="zh-CN" altLang="en-US">
+                    <a:noFill/>
+                  </a:rPr>
+                  <a:t> </a:t>
+                </a:r>
+              </a:p>
+            </p:txBody>
+          </p:sp>
+        </mc:Fallback>
+      </mc:AlternateContent>
     </p:spTree>
     <p:extLst>
       <p:ext uri="{BB962C8B-B14F-4D97-AF65-F5344CB8AC3E}">
@@ -8850,6 +11099,1040 @@
               <a:t>Learning</a:t>
             </a:r>
             <a:endParaRPr lang="zh-CN" altLang="en-US" sz="3600" b="1" kern="0" dirty="0"/>
+          </a:p>
+        </p:txBody>
+      </p:sp>
+      <p:sp>
+        <p:nvSpPr>
+          <p:cNvPr id="3" name="矩形 2"/>
+          <p:cNvSpPr/>
+          <p:nvPr/>
+        </p:nvSpPr>
+        <p:spPr>
+          <a:xfrm>
+            <a:off x="0" y="514350"/>
+            <a:ext cx="3791872" cy="369332"/>
+          </a:xfrm>
+          <a:prstGeom prst="rect">
+            <a:avLst/>
+          </a:prstGeom>
+        </p:spPr>
+        <p:txBody>
+          <a:bodyPr wrap="none">
+            <a:spAutoFit/>
+          </a:bodyPr>
+          <a:lstStyle/>
+          <a:p>
+            <a:r>
+              <a:rPr lang="en-US" altLang="zh-CN" dirty="0">
+                <a:solidFill>
+                  <a:srgbClr val="FF0000"/>
+                </a:solidFill>
+                <a:latin typeface="Calibri" panose="020F0502020204030204" pitchFamily="34" charset="0"/>
+                <a:cs typeface="Calibri" panose="020F0502020204030204" pitchFamily="34" charset="0"/>
+              </a:rPr>
+              <a:t>Training process</a:t>
+            </a:r>
+            <a:r>
+              <a:rPr lang="zh-CN" altLang="en-US" dirty="0" smtClean="0">
+                <a:solidFill>
+                  <a:srgbClr val="FF0000"/>
+                </a:solidFill>
+                <a:latin typeface="Calibri" panose="020F0502020204030204" pitchFamily="34" charset="0"/>
+                <a:cs typeface="Calibri" panose="020F0502020204030204" pitchFamily="34" charset="0"/>
+              </a:rPr>
+              <a:t> </a:t>
+            </a:r>
+            <a:r>
+              <a:rPr lang="en-US" altLang="zh-CN" dirty="0" smtClean="0">
+                <a:solidFill>
+                  <a:srgbClr val="FF0000"/>
+                </a:solidFill>
+                <a:latin typeface="Calibri" panose="020F0502020204030204" pitchFamily="34" charset="0"/>
+                <a:cs typeface="Calibri" panose="020F0502020204030204" pitchFamily="34" charset="0"/>
+              </a:rPr>
+              <a:t>of </a:t>
+            </a:r>
+            <a:r>
+              <a:rPr lang="zh-CN" altLang="en-US" dirty="0">
+                <a:solidFill>
+                  <a:srgbClr val="FF0000"/>
+                </a:solidFill>
+                <a:latin typeface="Calibri" panose="020F0502020204030204" pitchFamily="34" charset="0"/>
+                <a:cs typeface="Calibri" panose="020F0502020204030204" pitchFamily="34" charset="0"/>
+              </a:rPr>
+              <a:t>Bayesian </a:t>
+            </a:r>
+            <a:r>
+              <a:rPr lang="zh-CN" altLang="en-US" dirty="0" smtClean="0">
+                <a:solidFill>
+                  <a:srgbClr val="FF0000"/>
+                </a:solidFill>
+                <a:latin typeface="Calibri" panose="020F0502020204030204" pitchFamily="34" charset="0"/>
+                <a:cs typeface="Calibri" panose="020F0502020204030204" pitchFamily="34" charset="0"/>
+              </a:rPr>
+              <a:t>Network</a:t>
+            </a:r>
+            <a:r>
+              <a:rPr lang="en-US" altLang="zh-CN" dirty="0" smtClean="0">
+                <a:solidFill>
+                  <a:srgbClr val="FF0000"/>
+                </a:solidFill>
+                <a:latin typeface="Calibri" panose="020F0502020204030204" pitchFamily="34" charset="0"/>
+                <a:cs typeface="Calibri" panose="020F0502020204030204" pitchFamily="34" charset="0"/>
+              </a:rPr>
+              <a:t>:</a:t>
+            </a:r>
+            <a:r>
+              <a:rPr lang="zh-CN" altLang="en-US" b="1" dirty="0" smtClean="0">
+                <a:solidFill>
+                  <a:srgbClr val="FF0000"/>
+                </a:solidFill>
+                <a:latin typeface="Calibri" panose="020F0502020204030204" pitchFamily="34" charset="0"/>
+                <a:cs typeface="Calibri" panose="020F0502020204030204" pitchFamily="34" charset="0"/>
+              </a:rPr>
+              <a:t> </a:t>
+            </a:r>
+            <a:endParaRPr lang="zh-CN" altLang="en-US" b="1" dirty="0">
+              <a:solidFill>
+                <a:srgbClr val="FF0000"/>
+              </a:solidFill>
+              <a:latin typeface="Calibri" panose="020F0502020204030204" pitchFamily="34" charset="0"/>
+              <a:cs typeface="Calibri" panose="020F0502020204030204" pitchFamily="34" charset="0"/>
+            </a:endParaRPr>
+          </a:p>
+        </p:txBody>
+      </p:sp>
+      <mc:AlternateContent xmlns:mc="http://schemas.openxmlformats.org/markup-compatibility/2006">
+        <mc:Choice xmlns:a14="http://schemas.microsoft.com/office/drawing/2010/main" Requires="a14">
+          <p:sp>
+            <p:nvSpPr>
+              <p:cNvPr id="4" name="矩形 3"/>
+              <p:cNvSpPr/>
+              <p:nvPr/>
+            </p:nvSpPr>
+            <p:spPr>
+              <a:xfrm>
+                <a:off x="0" y="819150"/>
+                <a:ext cx="9144000" cy="1777090"/>
+              </a:xfrm>
+              <a:prstGeom prst="rect">
+                <a:avLst/>
+              </a:prstGeom>
+            </p:spPr>
+            <p:txBody>
+              <a:bodyPr wrap="square">
+                <a:spAutoFit/>
+              </a:bodyPr>
+              <a:lstStyle/>
+              <a:p>
+                <a:r>
+                  <a:rPr lang="en-US" altLang="zh-CN" dirty="0" smtClean="0">
+                    <a:latin typeface="Calibri" panose="020F0502020204030204" pitchFamily="34" charset="0"/>
+                    <a:cs typeface="Calibri" panose="020F0502020204030204" pitchFamily="34" charset="0"/>
+                  </a:rPr>
+                  <a:t>If </a:t>
+                </a:r>
+                <a14:m>
+                  <m:oMath xmlns:m="http://schemas.openxmlformats.org/officeDocument/2006/math">
+                    <m:sSub>
+                      <m:sSubPr>
+                        <m:ctrlPr>
+                          <a:rPr lang="en-US" altLang="zh-CN" b="1" i="1" dirty="0" smtClean="0">
+                            <a:latin typeface="Cambria Math" panose="02040503050406030204" pitchFamily="18" charset="0"/>
+                            <a:cs typeface="Calibri" panose="020F0502020204030204" pitchFamily="34" charset="0"/>
+                          </a:rPr>
+                        </m:ctrlPr>
+                      </m:sSubPr>
+                      <m:e>
+                        <m:r>
+                          <a:rPr lang="en-US" altLang="zh-CN" b="1" i="1" dirty="0" smtClean="0">
+                            <a:latin typeface="Cambria Math" panose="02040503050406030204" pitchFamily="18" charset="0"/>
+                            <a:cs typeface="Calibri" panose="020F0502020204030204" pitchFamily="34" charset="0"/>
+                          </a:rPr>
+                          <m:t>𝑼</m:t>
+                        </m:r>
+                      </m:e>
+                      <m:sub>
+                        <m:r>
+                          <a:rPr lang="en-US" altLang="zh-CN" b="1" i="1" dirty="0" smtClean="0">
+                            <a:latin typeface="Cambria Math" panose="02040503050406030204" pitchFamily="18" charset="0"/>
+                            <a:cs typeface="Calibri" panose="020F0502020204030204" pitchFamily="34" charset="0"/>
+                          </a:rPr>
+                          <m:t>𝒔</m:t>
+                        </m:r>
+                      </m:sub>
+                    </m:sSub>
+                  </m:oMath>
+                </a14:m>
+                <a:r>
+                  <a:rPr lang="en-US" altLang="zh-CN" dirty="0" smtClean="0">
+                    <a:latin typeface="Calibri" panose="020F0502020204030204" pitchFamily="34" charset="0"/>
+                    <a:cs typeface="Calibri" panose="020F0502020204030204" pitchFamily="34" charset="0"/>
+                  </a:rPr>
+                  <a:t> represents a state of the node </a:t>
+                </a:r>
+                <a14:m>
+                  <m:oMath xmlns:m="http://schemas.openxmlformats.org/officeDocument/2006/math">
+                    <m:r>
+                      <a:rPr lang="en-US" altLang="zh-CN" b="1" i="1" dirty="0" smtClean="0">
+                        <a:latin typeface="Cambria Math" panose="02040503050406030204" pitchFamily="18" charset="0"/>
+                        <a:cs typeface="Calibri" panose="020F0502020204030204" pitchFamily="34" charset="0"/>
+                      </a:rPr>
+                      <m:t>𝑼</m:t>
+                    </m:r>
+                  </m:oMath>
+                </a14:m>
+                <a:r>
+                  <a:rPr lang="en-US" altLang="zh-CN" dirty="0">
+                    <a:latin typeface="Calibri" panose="020F0502020204030204" pitchFamily="34" charset="0"/>
+                    <a:cs typeface="Calibri" panose="020F0502020204030204" pitchFamily="34" charset="0"/>
+                  </a:rPr>
+                  <a:t> and </a:t>
+                </a:r>
+                <a14:m>
+                  <m:oMath xmlns:m="http://schemas.openxmlformats.org/officeDocument/2006/math">
+                    <m:sSub>
+                      <m:sSubPr>
+                        <m:ctrlPr>
+                          <a:rPr lang="en-US" altLang="zh-CN" b="1" i="1" dirty="0" smtClean="0">
+                            <a:latin typeface="Cambria Math" panose="02040503050406030204" pitchFamily="18" charset="0"/>
+                            <a:cs typeface="Calibri" panose="020F0502020204030204" pitchFamily="34" charset="0"/>
+                          </a:rPr>
+                        </m:ctrlPr>
+                      </m:sSubPr>
+                      <m:e>
+                        <m:r>
+                          <a:rPr lang="en-US" altLang="zh-CN" b="1" i="1" dirty="0" smtClean="0">
+                            <a:latin typeface="Cambria Math" panose="02040503050406030204" pitchFamily="18" charset="0"/>
+                            <a:cs typeface="Calibri" panose="020F0502020204030204" pitchFamily="34" charset="0"/>
+                          </a:rPr>
+                          <m:t>𝑽</m:t>
+                        </m:r>
+                      </m:e>
+                      <m:sub>
+                        <m:r>
+                          <a:rPr lang="en-US" altLang="zh-CN" b="1" i="1" dirty="0" smtClean="0">
+                            <a:latin typeface="Cambria Math" panose="02040503050406030204" pitchFamily="18" charset="0"/>
+                            <a:cs typeface="Calibri" panose="020F0502020204030204" pitchFamily="34" charset="0"/>
+                          </a:rPr>
+                          <m:t>𝒔</m:t>
+                        </m:r>
+                      </m:sub>
+                    </m:sSub>
+                  </m:oMath>
+                </a14:m>
+                <a:r>
+                  <a:rPr lang="en-US" altLang="zh-CN" dirty="0">
+                    <a:latin typeface="Calibri" panose="020F0502020204030204" pitchFamily="34" charset="0"/>
+                    <a:cs typeface="Calibri" panose="020F0502020204030204" pitchFamily="34" charset="0"/>
+                  </a:rPr>
+                  <a:t> represents a state of the node </a:t>
+                </a:r>
+                <a14:m>
+                  <m:oMath xmlns:m="http://schemas.openxmlformats.org/officeDocument/2006/math">
+                    <m:r>
+                      <a:rPr lang="en-US" altLang="zh-CN" b="1" i="1" dirty="0" smtClean="0">
+                        <a:latin typeface="Cambria Math" panose="02040503050406030204" pitchFamily="18" charset="0"/>
+                        <a:cs typeface="Calibri" panose="020F0502020204030204" pitchFamily="34" charset="0"/>
+                      </a:rPr>
+                      <m:t>𝑽</m:t>
+                    </m:r>
+                  </m:oMath>
+                </a14:m>
+                <a:r>
+                  <a:rPr lang="en-US" altLang="zh-CN" dirty="0">
+                    <a:latin typeface="Calibri" panose="020F0502020204030204" pitchFamily="34" charset="0"/>
+                    <a:cs typeface="Calibri" panose="020F0502020204030204" pitchFamily="34" charset="0"/>
+                  </a:rPr>
+                  <a:t>, then the probability </a:t>
+                </a:r>
+                <a:r>
+                  <a:rPr lang="en-US" altLang="zh-CN" dirty="0" smtClean="0">
+                    <a:latin typeface="Calibri" panose="020F0502020204030204" pitchFamily="34" charset="0"/>
+                    <a:cs typeface="Calibri" panose="020F0502020204030204" pitchFamily="34" charset="0"/>
+                  </a:rPr>
+                  <a:t>that </a:t>
+                </a:r>
+                <a14:m>
+                  <m:oMath xmlns:m="http://schemas.openxmlformats.org/officeDocument/2006/math">
+                    <m:sSub>
+                      <m:sSubPr>
+                        <m:ctrlPr>
+                          <a:rPr lang="en-US" altLang="zh-CN" b="1" i="1" dirty="0" smtClean="0">
+                            <a:latin typeface="Cambria Math" panose="02040503050406030204" pitchFamily="18" charset="0"/>
+                            <a:cs typeface="Calibri" panose="020F0502020204030204" pitchFamily="34" charset="0"/>
+                          </a:rPr>
+                        </m:ctrlPr>
+                      </m:sSubPr>
+                      <m:e>
+                        <m:r>
+                          <a:rPr lang="en-US" altLang="zh-CN" b="1" i="1" dirty="0" smtClean="0">
+                            <a:latin typeface="Cambria Math" panose="02040503050406030204" pitchFamily="18" charset="0"/>
+                            <a:cs typeface="Calibri" panose="020F0502020204030204" pitchFamily="34" charset="0"/>
+                          </a:rPr>
+                          <m:t>𝑽</m:t>
+                        </m:r>
+                      </m:e>
+                      <m:sub>
+                        <m:r>
+                          <a:rPr lang="en-US" altLang="zh-CN" b="1" i="1" dirty="0" smtClean="0">
+                            <a:latin typeface="Cambria Math" panose="02040503050406030204" pitchFamily="18" charset="0"/>
+                            <a:cs typeface="Calibri" panose="020F0502020204030204" pitchFamily="34" charset="0"/>
+                          </a:rPr>
+                          <m:t>𝒔</m:t>
+                        </m:r>
+                      </m:sub>
+                    </m:sSub>
+                  </m:oMath>
+                </a14:m>
+                <a:r>
+                  <a:rPr lang="en-US" altLang="zh-CN" dirty="0" smtClean="0">
+                    <a:latin typeface="Calibri" panose="020F0502020204030204" pitchFamily="34" charset="0"/>
+                    <a:cs typeface="Calibri" panose="020F0502020204030204" pitchFamily="34" charset="0"/>
+                  </a:rPr>
+                  <a:t> occurs </a:t>
+                </a:r>
+                <a:r>
+                  <a:rPr lang="en-US" altLang="zh-CN" dirty="0">
+                    <a:latin typeface="Calibri" panose="020F0502020204030204" pitchFamily="34" charset="0"/>
+                    <a:cs typeface="Calibri" panose="020F0502020204030204" pitchFamily="34" charset="0"/>
+                  </a:rPr>
+                  <a:t>when </a:t>
+                </a:r>
+                <a14:m>
+                  <m:oMath xmlns:m="http://schemas.openxmlformats.org/officeDocument/2006/math">
+                    <m:sSub>
+                      <m:sSubPr>
+                        <m:ctrlPr>
+                          <a:rPr lang="en-US" altLang="zh-CN" b="1" i="1" dirty="0" smtClean="0">
+                            <a:latin typeface="Cambria Math" panose="02040503050406030204" pitchFamily="18" charset="0"/>
+                            <a:cs typeface="Calibri" panose="020F0502020204030204" pitchFamily="34" charset="0"/>
+                          </a:rPr>
+                        </m:ctrlPr>
+                      </m:sSubPr>
+                      <m:e>
+                        <m:r>
+                          <a:rPr lang="en-US" altLang="zh-CN" b="1" i="1" dirty="0" smtClean="0">
+                            <a:latin typeface="Cambria Math" panose="02040503050406030204" pitchFamily="18" charset="0"/>
+                            <a:cs typeface="Calibri" panose="020F0502020204030204" pitchFamily="34" charset="0"/>
+                          </a:rPr>
+                          <m:t>𝑼</m:t>
+                        </m:r>
+                      </m:e>
+                      <m:sub>
+                        <m:r>
+                          <a:rPr lang="en-US" altLang="zh-CN" b="1" i="1" dirty="0" smtClean="0">
+                            <a:latin typeface="Cambria Math" panose="02040503050406030204" pitchFamily="18" charset="0"/>
+                            <a:cs typeface="Calibri" panose="020F0502020204030204" pitchFamily="34" charset="0"/>
+                          </a:rPr>
+                          <m:t>𝒔</m:t>
+                        </m:r>
+                      </m:sub>
+                    </m:sSub>
+                  </m:oMath>
+                </a14:m>
+                <a:r>
+                  <a:rPr lang="en-US" altLang="zh-CN" dirty="0">
+                    <a:latin typeface="Calibri" panose="020F0502020204030204" pitchFamily="34" charset="0"/>
+                    <a:cs typeface="Calibri" panose="020F0502020204030204" pitchFamily="34" charset="0"/>
+                  </a:rPr>
+                  <a:t> occurs </a:t>
+                </a:r>
+                <a:r>
+                  <a:rPr lang="en-US" altLang="zh-CN" dirty="0" smtClean="0">
+                    <a:latin typeface="Calibri" panose="020F0502020204030204" pitchFamily="34" charset="0"/>
+                    <a:cs typeface="Calibri" panose="020F0502020204030204" pitchFamily="34" charset="0"/>
+                  </a:rPr>
+                  <a:t>is:</a:t>
+                </a:r>
+              </a:p>
+              <a:p>
+                <a:pPr algn="ctr"/>
+                <a14:m>
+                  <m:oMathPara xmlns:m="http://schemas.openxmlformats.org/officeDocument/2006/math">
+                    <m:oMathParaPr>
+                      <m:jc m:val="centerGroup"/>
+                    </m:oMathParaPr>
+                    <m:oMath xmlns:m="http://schemas.openxmlformats.org/officeDocument/2006/math">
+                      <m:r>
+                        <a:rPr lang="en-US" altLang="zh-CN" b="0" i="1" smtClean="0">
+                          <a:latin typeface="Cambria Math" panose="02040503050406030204" pitchFamily="18" charset="0"/>
+                          <a:cs typeface="Calibri" panose="020F0502020204030204" pitchFamily="34" charset="0"/>
+                        </a:rPr>
+                        <m:t>𝑃</m:t>
+                      </m:r>
+                      <m:d>
+                        <m:dPr>
+                          <m:ctrlPr>
+                            <a:rPr lang="en-US" altLang="zh-CN" b="0" i="1" smtClean="0">
+                              <a:latin typeface="Cambria Math" panose="02040503050406030204" pitchFamily="18" charset="0"/>
+                              <a:cs typeface="Calibri" panose="020F0502020204030204" pitchFamily="34" charset="0"/>
+                            </a:rPr>
+                          </m:ctrlPr>
+                        </m:dPr>
+                        <m:e>
+                          <m:sSub>
+                            <m:sSubPr>
+                              <m:ctrlPr>
+                                <a:rPr lang="en-US" altLang="zh-CN" b="0" i="1" smtClean="0">
+                                  <a:latin typeface="Cambria Math" panose="02040503050406030204" pitchFamily="18" charset="0"/>
+                                  <a:cs typeface="Calibri" panose="020F0502020204030204" pitchFamily="34" charset="0"/>
+                                </a:rPr>
+                              </m:ctrlPr>
+                            </m:sSubPr>
+                            <m:e>
+                              <m:r>
+                                <a:rPr lang="en-US" altLang="zh-CN" b="0" i="1" smtClean="0">
+                                  <a:latin typeface="Cambria Math" panose="02040503050406030204" pitchFamily="18" charset="0"/>
+                                  <a:cs typeface="Calibri" panose="020F0502020204030204" pitchFamily="34" charset="0"/>
+                                </a:rPr>
+                                <m:t>𝑉</m:t>
+                              </m:r>
+                            </m:e>
+                            <m:sub>
+                              <m:r>
+                                <a:rPr lang="en-US" altLang="zh-CN" b="0" i="1" smtClean="0">
+                                  <a:latin typeface="Cambria Math" panose="02040503050406030204" pitchFamily="18" charset="0"/>
+                                  <a:cs typeface="Calibri" panose="020F0502020204030204" pitchFamily="34" charset="0"/>
+                                </a:rPr>
+                                <m:t>𝑠</m:t>
+                              </m:r>
+                            </m:sub>
+                          </m:sSub>
+                        </m:e>
+                        <m:e>
+                          <m:sSub>
+                            <m:sSubPr>
+                              <m:ctrlPr>
+                                <a:rPr lang="en-US" altLang="zh-CN" b="0" i="1" smtClean="0">
+                                  <a:latin typeface="Cambria Math" panose="02040503050406030204" pitchFamily="18" charset="0"/>
+                                  <a:cs typeface="Calibri" panose="020F0502020204030204" pitchFamily="34" charset="0"/>
+                                </a:rPr>
+                              </m:ctrlPr>
+                            </m:sSubPr>
+                            <m:e>
+                              <m:r>
+                                <a:rPr lang="en-US" altLang="zh-CN" b="0" i="1" smtClean="0">
+                                  <a:latin typeface="Cambria Math" panose="02040503050406030204" pitchFamily="18" charset="0"/>
+                                  <a:cs typeface="Calibri" panose="020F0502020204030204" pitchFamily="34" charset="0"/>
+                                </a:rPr>
+                                <m:t>𝑈</m:t>
+                              </m:r>
+                            </m:e>
+                            <m:sub>
+                              <m:r>
+                                <a:rPr lang="en-US" altLang="zh-CN" b="0" i="1" smtClean="0">
+                                  <a:latin typeface="Cambria Math" panose="02040503050406030204" pitchFamily="18" charset="0"/>
+                                  <a:cs typeface="Calibri" panose="020F0502020204030204" pitchFamily="34" charset="0"/>
+                                </a:rPr>
+                                <m:t>𝑠</m:t>
+                              </m:r>
+                            </m:sub>
+                          </m:sSub>
+                        </m:e>
+                      </m:d>
+                      <m:r>
+                        <a:rPr lang="en-US" altLang="zh-CN" b="0" i="1" smtClean="0">
+                          <a:latin typeface="Cambria Math" panose="02040503050406030204" pitchFamily="18" charset="0"/>
+                          <a:cs typeface="Calibri" panose="020F0502020204030204" pitchFamily="34" charset="0"/>
+                        </a:rPr>
+                        <m:t>=</m:t>
+                      </m:r>
+                      <m:f>
+                        <m:fPr>
+                          <m:ctrlPr>
+                            <a:rPr lang="en-US" altLang="zh-CN" b="0" i="1" smtClean="0">
+                              <a:latin typeface="Cambria Math" panose="02040503050406030204" pitchFamily="18" charset="0"/>
+                              <a:cs typeface="Calibri" panose="020F0502020204030204" pitchFamily="34" charset="0"/>
+                            </a:rPr>
+                          </m:ctrlPr>
+                        </m:fPr>
+                        <m:num>
+                          <m:r>
+                            <a:rPr lang="en-US" altLang="zh-CN" b="0" i="1" smtClean="0">
+                              <a:latin typeface="Cambria Math" panose="02040503050406030204" pitchFamily="18" charset="0"/>
+                              <a:cs typeface="Calibri" panose="020F0502020204030204" pitchFamily="34" charset="0"/>
+                            </a:rPr>
+                            <m:t>#</m:t>
+                          </m:r>
+                          <m:r>
+                            <a:rPr lang="en-US" altLang="zh-CN" b="0" i="1" smtClean="0">
+                              <a:latin typeface="Cambria Math" panose="02040503050406030204" pitchFamily="18" charset="0"/>
+                              <a:cs typeface="Calibri" panose="020F0502020204030204" pitchFamily="34" charset="0"/>
+                            </a:rPr>
+                            <m:t>𝑆𝑎𝑚𝑝𝑙𝑒</m:t>
+                          </m:r>
+                          <m:r>
+                            <a:rPr lang="en-US" altLang="zh-CN" b="0" i="1" smtClean="0">
+                              <a:latin typeface="Cambria Math" panose="02040503050406030204" pitchFamily="18" charset="0"/>
+                              <a:cs typeface="Calibri" panose="020F0502020204030204" pitchFamily="34" charset="0"/>
+                            </a:rPr>
+                            <m:t>(</m:t>
+                          </m:r>
+                          <m:sSub>
+                            <m:sSubPr>
+                              <m:ctrlPr>
+                                <a:rPr lang="en-US" altLang="zh-CN" b="0" i="1" smtClean="0">
+                                  <a:latin typeface="Cambria Math" panose="02040503050406030204" pitchFamily="18" charset="0"/>
+                                  <a:cs typeface="Calibri" panose="020F0502020204030204" pitchFamily="34" charset="0"/>
+                                </a:rPr>
+                              </m:ctrlPr>
+                            </m:sSubPr>
+                            <m:e>
+                              <m:r>
+                                <a:rPr lang="en-US" altLang="zh-CN" b="0" i="1" smtClean="0">
+                                  <a:latin typeface="Cambria Math" panose="02040503050406030204" pitchFamily="18" charset="0"/>
+                                  <a:cs typeface="Calibri" panose="020F0502020204030204" pitchFamily="34" charset="0"/>
+                                </a:rPr>
+                                <m:t>𝑈</m:t>
+                              </m:r>
+                            </m:e>
+                            <m:sub>
+                              <m:r>
+                                <a:rPr lang="en-US" altLang="zh-CN" b="0" i="1" smtClean="0">
+                                  <a:latin typeface="Cambria Math" panose="02040503050406030204" pitchFamily="18" charset="0"/>
+                                  <a:cs typeface="Calibri" panose="020F0502020204030204" pitchFamily="34" charset="0"/>
+                                </a:rPr>
+                                <m:t>𝑠</m:t>
+                              </m:r>
+                            </m:sub>
+                          </m:sSub>
+                          <m:r>
+                            <a:rPr lang="en-US" altLang="zh-CN" b="0" i="1" smtClean="0">
+                              <a:latin typeface="Cambria Math" panose="02040503050406030204" pitchFamily="18" charset="0"/>
+                              <a:cs typeface="Calibri" panose="020F0502020204030204" pitchFamily="34" charset="0"/>
+                            </a:rPr>
+                            <m:t>,</m:t>
+                          </m:r>
+                          <m:sSub>
+                            <m:sSubPr>
+                              <m:ctrlPr>
+                                <a:rPr lang="en-US" altLang="zh-CN" b="0" i="1" smtClean="0">
+                                  <a:latin typeface="Cambria Math" panose="02040503050406030204" pitchFamily="18" charset="0"/>
+                                  <a:cs typeface="Calibri" panose="020F0502020204030204" pitchFamily="34" charset="0"/>
+                                </a:rPr>
+                              </m:ctrlPr>
+                            </m:sSubPr>
+                            <m:e>
+                              <m:r>
+                                <a:rPr lang="en-US" altLang="zh-CN" b="0" i="1" smtClean="0">
+                                  <a:latin typeface="Cambria Math" panose="02040503050406030204" pitchFamily="18" charset="0"/>
+                                  <a:cs typeface="Calibri" panose="020F0502020204030204" pitchFamily="34" charset="0"/>
+                                </a:rPr>
+                                <m:t>𝑉</m:t>
+                              </m:r>
+                            </m:e>
+                            <m:sub>
+                              <m:r>
+                                <a:rPr lang="en-US" altLang="zh-CN" b="0" i="1" smtClean="0">
+                                  <a:latin typeface="Cambria Math" panose="02040503050406030204" pitchFamily="18" charset="0"/>
+                                  <a:cs typeface="Calibri" panose="020F0502020204030204" pitchFamily="34" charset="0"/>
+                                </a:rPr>
+                                <m:t>𝑠</m:t>
+                              </m:r>
+                            </m:sub>
+                          </m:sSub>
+                          <m:r>
+                            <a:rPr lang="en-US" altLang="zh-CN" b="0" i="1" smtClean="0">
+                              <a:latin typeface="Cambria Math" panose="02040503050406030204" pitchFamily="18" charset="0"/>
+                              <a:cs typeface="Calibri" panose="020F0502020204030204" pitchFamily="34" charset="0"/>
+                            </a:rPr>
+                            <m:t>)</m:t>
+                          </m:r>
+                        </m:num>
+                        <m:den>
+                          <m:r>
+                            <a:rPr lang="en-US" altLang="zh-CN" b="0" i="1" smtClean="0">
+                              <a:latin typeface="Cambria Math" panose="02040503050406030204" pitchFamily="18" charset="0"/>
+                              <a:cs typeface="Calibri" panose="020F0502020204030204" pitchFamily="34" charset="0"/>
+                            </a:rPr>
+                            <m:t>#</m:t>
+                          </m:r>
+                          <m:r>
+                            <a:rPr lang="en-US" altLang="zh-CN" b="0" i="1" smtClean="0">
+                              <a:latin typeface="Cambria Math" panose="02040503050406030204" pitchFamily="18" charset="0"/>
+                              <a:cs typeface="Calibri" panose="020F0502020204030204" pitchFamily="34" charset="0"/>
+                            </a:rPr>
+                            <m:t>𝑆𝑎𝑚𝑝𝑙𝑒</m:t>
+                          </m:r>
+                          <m:r>
+                            <a:rPr lang="en-US" altLang="zh-CN" b="0" i="1" smtClean="0">
+                              <a:latin typeface="Cambria Math" panose="02040503050406030204" pitchFamily="18" charset="0"/>
+                              <a:cs typeface="Calibri" panose="020F0502020204030204" pitchFamily="34" charset="0"/>
+                            </a:rPr>
+                            <m:t>(</m:t>
+                          </m:r>
+                          <m:sSub>
+                            <m:sSubPr>
+                              <m:ctrlPr>
+                                <a:rPr lang="en-US" altLang="zh-CN" b="0" i="1" smtClean="0">
+                                  <a:latin typeface="Cambria Math" panose="02040503050406030204" pitchFamily="18" charset="0"/>
+                                  <a:cs typeface="Calibri" panose="020F0502020204030204" pitchFamily="34" charset="0"/>
+                                </a:rPr>
+                              </m:ctrlPr>
+                            </m:sSubPr>
+                            <m:e>
+                              <m:r>
+                                <a:rPr lang="en-US" altLang="zh-CN" b="0" i="1" smtClean="0">
+                                  <a:latin typeface="Cambria Math" panose="02040503050406030204" pitchFamily="18" charset="0"/>
+                                  <a:cs typeface="Calibri" panose="020F0502020204030204" pitchFamily="34" charset="0"/>
+                                </a:rPr>
+                                <m:t>𝑈</m:t>
+                              </m:r>
+                            </m:e>
+                            <m:sub>
+                              <m:r>
+                                <a:rPr lang="en-US" altLang="zh-CN" b="0" i="1" smtClean="0">
+                                  <a:latin typeface="Cambria Math" panose="02040503050406030204" pitchFamily="18" charset="0"/>
+                                  <a:cs typeface="Calibri" panose="020F0502020204030204" pitchFamily="34" charset="0"/>
+                                </a:rPr>
+                                <m:t>𝑠</m:t>
+                              </m:r>
+                            </m:sub>
+                          </m:sSub>
+                          <m:r>
+                            <a:rPr lang="en-US" altLang="zh-CN" b="0" i="1" smtClean="0">
+                              <a:latin typeface="Cambria Math" panose="02040503050406030204" pitchFamily="18" charset="0"/>
+                              <a:cs typeface="Calibri" panose="020F0502020204030204" pitchFamily="34" charset="0"/>
+                            </a:rPr>
+                            <m:t>)</m:t>
+                          </m:r>
+                        </m:den>
+                      </m:f>
+                    </m:oMath>
+                  </m:oMathPara>
+                </a14:m>
+                <a:endParaRPr lang="en-US" altLang="zh-CN" dirty="0" smtClean="0">
+                  <a:latin typeface="Calibri" panose="020F0502020204030204" pitchFamily="34" charset="0"/>
+                  <a:cs typeface="Calibri" panose="020F0502020204030204" pitchFamily="34" charset="0"/>
+                </a:endParaRPr>
+              </a:p>
+              <a:p>
+                <a14:m>
+                  <m:oMath xmlns:m="http://schemas.openxmlformats.org/officeDocument/2006/math">
+                    <m:r>
+                      <a:rPr lang="en-US" altLang="zh-CN" i="1">
+                        <a:latin typeface="Cambria Math" panose="02040503050406030204" pitchFamily="18" charset="0"/>
+                        <a:cs typeface="Calibri" panose="020F0502020204030204" pitchFamily="34" charset="0"/>
+                      </a:rPr>
+                      <m:t>#</m:t>
+                    </m:r>
+                    <m:r>
+                      <a:rPr lang="en-US" altLang="zh-CN" i="1">
+                        <a:latin typeface="Cambria Math" panose="02040503050406030204" pitchFamily="18" charset="0"/>
+                        <a:cs typeface="Calibri" panose="020F0502020204030204" pitchFamily="34" charset="0"/>
+                      </a:rPr>
+                      <m:t>𝑆𝑎𝑚𝑝𝑙𝑒</m:t>
+                    </m:r>
+                    <m:r>
+                      <a:rPr lang="en-US" altLang="zh-CN" i="1">
+                        <a:latin typeface="Cambria Math" panose="02040503050406030204" pitchFamily="18" charset="0"/>
+                        <a:cs typeface="Calibri" panose="020F0502020204030204" pitchFamily="34" charset="0"/>
+                      </a:rPr>
+                      <m:t>(</m:t>
+                    </m:r>
+                    <m:sSub>
+                      <m:sSubPr>
+                        <m:ctrlPr>
+                          <a:rPr lang="en-US" altLang="zh-CN" i="1">
+                            <a:latin typeface="Cambria Math" panose="02040503050406030204" pitchFamily="18" charset="0"/>
+                            <a:cs typeface="Calibri" panose="020F0502020204030204" pitchFamily="34" charset="0"/>
+                          </a:rPr>
+                        </m:ctrlPr>
+                      </m:sSubPr>
+                      <m:e>
+                        <m:r>
+                          <a:rPr lang="en-US" altLang="zh-CN" i="1">
+                            <a:latin typeface="Cambria Math" panose="02040503050406030204" pitchFamily="18" charset="0"/>
+                            <a:cs typeface="Calibri" panose="020F0502020204030204" pitchFamily="34" charset="0"/>
+                          </a:rPr>
+                          <m:t>𝑈</m:t>
+                        </m:r>
+                      </m:e>
+                      <m:sub>
+                        <m:r>
+                          <a:rPr lang="en-US" altLang="zh-CN" i="1">
+                            <a:latin typeface="Cambria Math" panose="02040503050406030204" pitchFamily="18" charset="0"/>
+                            <a:cs typeface="Calibri" panose="020F0502020204030204" pitchFamily="34" charset="0"/>
+                          </a:rPr>
+                          <m:t>𝑠</m:t>
+                        </m:r>
+                      </m:sub>
+                    </m:sSub>
+                    <m:r>
+                      <a:rPr lang="en-US" altLang="zh-CN" i="1">
+                        <a:latin typeface="Cambria Math" panose="02040503050406030204" pitchFamily="18" charset="0"/>
+                        <a:cs typeface="Calibri" panose="020F0502020204030204" pitchFamily="34" charset="0"/>
+                      </a:rPr>
+                      <m:t>,</m:t>
+                    </m:r>
+                    <m:sSub>
+                      <m:sSubPr>
+                        <m:ctrlPr>
+                          <a:rPr lang="en-US" altLang="zh-CN" i="1">
+                            <a:latin typeface="Cambria Math" panose="02040503050406030204" pitchFamily="18" charset="0"/>
+                            <a:cs typeface="Calibri" panose="020F0502020204030204" pitchFamily="34" charset="0"/>
+                          </a:rPr>
+                        </m:ctrlPr>
+                      </m:sSubPr>
+                      <m:e>
+                        <m:r>
+                          <a:rPr lang="en-US" altLang="zh-CN" i="1">
+                            <a:latin typeface="Cambria Math" panose="02040503050406030204" pitchFamily="18" charset="0"/>
+                            <a:cs typeface="Calibri" panose="020F0502020204030204" pitchFamily="34" charset="0"/>
+                          </a:rPr>
+                          <m:t>𝑉</m:t>
+                        </m:r>
+                      </m:e>
+                      <m:sub>
+                        <m:r>
+                          <a:rPr lang="en-US" altLang="zh-CN" i="1">
+                            <a:latin typeface="Cambria Math" panose="02040503050406030204" pitchFamily="18" charset="0"/>
+                            <a:cs typeface="Calibri" panose="020F0502020204030204" pitchFamily="34" charset="0"/>
+                          </a:rPr>
+                          <m:t>𝑠</m:t>
+                        </m:r>
+                      </m:sub>
+                    </m:sSub>
+                    <m:r>
+                      <a:rPr lang="en-US" altLang="zh-CN" i="1">
+                        <a:latin typeface="Cambria Math" panose="02040503050406030204" pitchFamily="18" charset="0"/>
+                        <a:cs typeface="Calibri" panose="020F0502020204030204" pitchFamily="34" charset="0"/>
+                      </a:rPr>
+                      <m:t>) </m:t>
+                    </m:r>
+                  </m:oMath>
+                </a14:m>
+                <a:r>
+                  <a:rPr lang="en-US" altLang="zh-CN" dirty="0" smtClean="0">
+                    <a:latin typeface="Calibri" panose="020F0502020204030204" pitchFamily="34" charset="0"/>
+                    <a:cs typeface="Calibri" panose="020F0502020204030204" pitchFamily="34" charset="0"/>
+                  </a:rPr>
+                  <a:t> represent the </a:t>
+                </a:r>
+                <a:r>
+                  <a:rPr lang="en-US" altLang="zh-CN" dirty="0">
+                    <a:latin typeface="Calibri" panose="020F0502020204030204" pitchFamily="34" charset="0"/>
+                    <a:cs typeface="Calibri" panose="020F0502020204030204" pitchFamily="34" charset="0"/>
+                  </a:rPr>
+                  <a:t>number of times </a:t>
+                </a:r>
+                <a14:m>
+                  <m:oMath xmlns:m="http://schemas.openxmlformats.org/officeDocument/2006/math">
+                    <m:sSub>
+                      <m:sSubPr>
+                        <m:ctrlPr>
+                          <a:rPr lang="en-US" altLang="zh-CN" b="0" i="1" dirty="0" smtClean="0">
+                            <a:latin typeface="Cambria Math" panose="02040503050406030204" pitchFamily="18" charset="0"/>
+                            <a:cs typeface="Calibri" panose="020F0502020204030204" pitchFamily="34" charset="0"/>
+                          </a:rPr>
+                        </m:ctrlPr>
+                      </m:sSubPr>
+                      <m:e>
+                        <m:r>
+                          <a:rPr lang="en-US" altLang="zh-CN" b="0" i="1" dirty="0" smtClean="0">
+                            <a:latin typeface="Cambria Math" panose="02040503050406030204" pitchFamily="18" charset="0"/>
+                            <a:cs typeface="Calibri" panose="020F0502020204030204" pitchFamily="34" charset="0"/>
+                          </a:rPr>
+                          <m:t>𝑈</m:t>
+                        </m:r>
+                      </m:e>
+                      <m:sub>
+                        <m:r>
+                          <a:rPr lang="en-US" altLang="zh-CN" b="0" i="1" dirty="0" smtClean="0">
+                            <a:latin typeface="Cambria Math" panose="02040503050406030204" pitchFamily="18" charset="0"/>
+                            <a:cs typeface="Calibri" panose="020F0502020204030204" pitchFamily="34" charset="0"/>
+                          </a:rPr>
+                          <m:t>𝑠</m:t>
+                        </m:r>
+                      </m:sub>
+                    </m:sSub>
+                  </m:oMath>
+                </a14:m>
+                <a:r>
+                  <a:rPr lang="en-US" altLang="zh-CN" dirty="0">
+                    <a:latin typeface="Calibri" panose="020F0502020204030204" pitchFamily="34" charset="0"/>
+                    <a:cs typeface="Calibri" panose="020F0502020204030204" pitchFamily="34" charset="0"/>
+                  </a:rPr>
+                  <a:t> and </a:t>
+                </a:r>
+                <a14:m>
+                  <m:oMath xmlns:m="http://schemas.openxmlformats.org/officeDocument/2006/math">
+                    <m:sSub>
+                      <m:sSubPr>
+                        <m:ctrlPr>
+                          <a:rPr lang="en-US" altLang="zh-CN" b="0" i="1" smtClean="0">
+                            <a:latin typeface="Cambria Math" panose="02040503050406030204" pitchFamily="18" charset="0"/>
+                            <a:cs typeface="Calibri" panose="020F0502020204030204" pitchFamily="34" charset="0"/>
+                          </a:rPr>
+                        </m:ctrlPr>
+                      </m:sSubPr>
+                      <m:e>
+                        <m:r>
+                          <a:rPr lang="en-US" altLang="zh-CN" b="0" i="1" smtClean="0">
+                            <a:latin typeface="Cambria Math" panose="02040503050406030204" pitchFamily="18" charset="0"/>
+                            <a:cs typeface="Calibri" panose="020F0502020204030204" pitchFamily="34" charset="0"/>
+                          </a:rPr>
+                          <m:t>𝑉</m:t>
+                        </m:r>
+                      </m:e>
+                      <m:sub>
+                        <m:r>
+                          <a:rPr lang="en-US" altLang="zh-CN" b="0" i="1" smtClean="0">
+                            <a:latin typeface="Cambria Math" panose="02040503050406030204" pitchFamily="18" charset="0"/>
+                            <a:cs typeface="Calibri" panose="020F0502020204030204" pitchFamily="34" charset="0"/>
+                          </a:rPr>
+                          <m:t>𝑠</m:t>
+                        </m:r>
+                      </m:sub>
+                    </m:sSub>
+                  </m:oMath>
+                </a14:m>
+                <a:r>
+                  <a:rPr lang="en-US" altLang="zh-CN" dirty="0" smtClean="0">
+                    <a:latin typeface="Calibri" panose="020F0502020204030204" pitchFamily="34" charset="0"/>
+                    <a:cs typeface="Calibri" panose="020F0502020204030204" pitchFamily="34" charset="0"/>
+                  </a:rPr>
+                  <a:t> co-occurred.</a:t>
+                </a:r>
+              </a:p>
+              <a:p>
+                <a:pPr/>
+                <a14:m>
+                  <m:oMath xmlns:m="http://schemas.openxmlformats.org/officeDocument/2006/math">
+                    <m:r>
+                      <a:rPr lang="en-US" altLang="zh-CN" i="1">
+                        <a:latin typeface="Cambria Math" panose="02040503050406030204" pitchFamily="18" charset="0"/>
+                        <a:cs typeface="Calibri" panose="020F0502020204030204" pitchFamily="34" charset="0"/>
+                      </a:rPr>
+                      <m:t>#</m:t>
+                    </m:r>
+                    <m:r>
+                      <a:rPr lang="en-US" altLang="zh-CN" i="1">
+                        <a:latin typeface="Cambria Math" panose="02040503050406030204" pitchFamily="18" charset="0"/>
+                        <a:cs typeface="Calibri" panose="020F0502020204030204" pitchFamily="34" charset="0"/>
+                      </a:rPr>
+                      <m:t>𝑆𝑎𝑚𝑝𝑙𝑒</m:t>
+                    </m:r>
+                    <m:r>
+                      <a:rPr lang="en-US" altLang="zh-CN" i="1">
+                        <a:latin typeface="Cambria Math" panose="02040503050406030204" pitchFamily="18" charset="0"/>
+                        <a:cs typeface="Calibri" panose="020F0502020204030204" pitchFamily="34" charset="0"/>
+                      </a:rPr>
+                      <m:t>(</m:t>
+                    </m:r>
+                    <m:sSub>
+                      <m:sSubPr>
+                        <m:ctrlPr>
+                          <a:rPr lang="en-US" altLang="zh-CN" i="1">
+                            <a:latin typeface="Cambria Math" panose="02040503050406030204" pitchFamily="18" charset="0"/>
+                            <a:cs typeface="Calibri" panose="020F0502020204030204" pitchFamily="34" charset="0"/>
+                          </a:rPr>
+                        </m:ctrlPr>
+                      </m:sSubPr>
+                      <m:e>
+                        <m:r>
+                          <a:rPr lang="en-US" altLang="zh-CN" i="1">
+                            <a:latin typeface="Cambria Math" panose="02040503050406030204" pitchFamily="18" charset="0"/>
+                            <a:cs typeface="Calibri" panose="020F0502020204030204" pitchFamily="34" charset="0"/>
+                          </a:rPr>
+                          <m:t>𝑈</m:t>
+                        </m:r>
+                      </m:e>
+                      <m:sub>
+                        <m:r>
+                          <a:rPr lang="en-US" altLang="zh-CN" i="1">
+                            <a:latin typeface="Cambria Math" panose="02040503050406030204" pitchFamily="18" charset="0"/>
+                            <a:cs typeface="Calibri" panose="020F0502020204030204" pitchFamily="34" charset="0"/>
+                          </a:rPr>
+                          <m:t>𝑠</m:t>
+                        </m:r>
+                      </m:sub>
+                    </m:sSub>
+                    <m:r>
+                      <a:rPr lang="en-US" altLang="zh-CN" i="1">
+                        <a:latin typeface="Cambria Math" panose="02040503050406030204" pitchFamily="18" charset="0"/>
+                        <a:cs typeface="Calibri" panose="020F0502020204030204" pitchFamily="34" charset="0"/>
+                      </a:rPr>
+                      <m:t>)</m:t>
+                    </m:r>
+                  </m:oMath>
+                </a14:m>
+                <a:r>
+                  <a:rPr lang="zh-CN" altLang="en-US" dirty="0" smtClean="0">
+                    <a:latin typeface="Calibri" panose="020F0502020204030204" pitchFamily="34" charset="0"/>
+                    <a:cs typeface="Calibri" panose="020F0502020204030204" pitchFamily="34" charset="0"/>
+                  </a:rPr>
+                  <a:t> </a:t>
+                </a:r>
+                <a:r>
+                  <a:rPr lang="en-US" altLang="zh-CN" dirty="0">
+                    <a:latin typeface="Calibri" panose="020F0502020204030204" pitchFamily="34" charset="0"/>
+                    <a:cs typeface="Calibri" panose="020F0502020204030204" pitchFamily="34" charset="0"/>
+                  </a:rPr>
+                  <a:t>represent the number of times </a:t>
+                </a:r>
+                <a14:m>
+                  <m:oMath xmlns:m="http://schemas.openxmlformats.org/officeDocument/2006/math">
+                    <m:sSub>
+                      <m:sSubPr>
+                        <m:ctrlPr>
+                          <a:rPr lang="en-US" altLang="zh-CN" b="0" i="1" smtClean="0">
+                            <a:latin typeface="Cambria Math" panose="02040503050406030204" pitchFamily="18" charset="0"/>
+                            <a:cs typeface="Calibri" panose="020F0502020204030204" pitchFamily="34" charset="0"/>
+                          </a:rPr>
+                        </m:ctrlPr>
+                      </m:sSubPr>
+                      <m:e>
+                        <m:r>
+                          <a:rPr lang="en-US" altLang="zh-CN" b="0" i="1" smtClean="0">
+                            <a:latin typeface="Cambria Math" panose="02040503050406030204" pitchFamily="18" charset="0"/>
+                            <a:cs typeface="Calibri" panose="020F0502020204030204" pitchFamily="34" charset="0"/>
+                          </a:rPr>
+                          <m:t>𝑈</m:t>
+                        </m:r>
+                      </m:e>
+                      <m:sub>
+                        <m:r>
+                          <a:rPr lang="en-US" altLang="zh-CN" b="0" i="1" smtClean="0">
+                            <a:latin typeface="Cambria Math" panose="02040503050406030204" pitchFamily="18" charset="0"/>
+                            <a:cs typeface="Calibri" panose="020F0502020204030204" pitchFamily="34" charset="0"/>
+                          </a:rPr>
+                          <m:t>𝑠</m:t>
+                        </m:r>
+                      </m:sub>
+                    </m:sSub>
+                  </m:oMath>
+                </a14:m>
+                <a:r>
+                  <a:rPr lang="en-US" altLang="zh-CN" dirty="0" smtClean="0">
+                    <a:latin typeface="Calibri" panose="020F0502020204030204" pitchFamily="34" charset="0"/>
+                    <a:cs typeface="Calibri" panose="020F0502020204030204" pitchFamily="34" charset="0"/>
+                  </a:rPr>
+                  <a:t> occurred.</a:t>
+                </a:r>
+                <a:endParaRPr lang="zh-CN" altLang="en-US" dirty="0">
+                  <a:latin typeface="Calibri" panose="020F0502020204030204" pitchFamily="34" charset="0"/>
+                  <a:cs typeface="Calibri" panose="020F0502020204030204" pitchFamily="34" charset="0"/>
+                </a:endParaRPr>
+              </a:p>
+            </p:txBody>
+          </p:sp>
+        </mc:Choice>
+        <mc:Fallback>
+          <p:sp>
+            <p:nvSpPr>
+              <p:cNvPr id="4" name="矩形 3"/>
+              <p:cNvSpPr>
+                <a:spLocks noRot="1" noChangeAspect="1" noMove="1" noResize="1" noEditPoints="1" noAdjustHandles="1" noChangeArrowheads="1" noChangeShapeType="1" noTextEdit="1"/>
+              </p:cNvSpPr>
+              <p:nvPr/>
+            </p:nvSpPr>
+            <p:spPr>
+              <a:xfrm>
+                <a:off x="0" y="819150"/>
+                <a:ext cx="9144000" cy="1777090"/>
+              </a:xfrm>
+              <a:prstGeom prst="rect">
+                <a:avLst/>
+              </a:prstGeom>
+              <a:blipFill>
+                <a:blip r:embed="rId3"/>
+                <a:stretch>
+                  <a:fillRect l="-533" t="-1712" b="-4452"/>
+                </a:stretch>
+              </a:blipFill>
+            </p:spPr>
+            <p:txBody>
+              <a:bodyPr/>
+              <a:lstStyle/>
+              <a:p>
+                <a:r>
+                  <a:rPr lang="zh-CN" altLang="en-US">
+                    <a:noFill/>
+                  </a:rPr>
+                  <a:t> </a:t>
+                </a:r>
+              </a:p>
+            </p:txBody>
+          </p:sp>
+        </mc:Fallback>
+      </mc:AlternateContent>
+      <p:sp>
+        <p:nvSpPr>
+          <p:cNvPr id="5" name="矩形 4"/>
+          <p:cNvSpPr/>
+          <p:nvPr/>
+        </p:nvSpPr>
+        <p:spPr>
+          <a:xfrm>
+            <a:off x="0" y="2558177"/>
+            <a:ext cx="8686800" cy="2585323"/>
+          </a:xfrm>
+          <a:prstGeom prst="rect">
+            <a:avLst/>
+          </a:prstGeom>
+        </p:spPr>
+        <p:txBody>
+          <a:bodyPr wrap="square">
+            <a:spAutoFit/>
+          </a:bodyPr>
+          <a:lstStyle/>
+          <a:p>
+            <a:r>
+              <a:rPr lang="zh-CN" altLang="en-US" dirty="0">
+                <a:latin typeface="Calibri" panose="020F0502020204030204" pitchFamily="34" charset="0"/>
+                <a:cs typeface="Calibri" panose="020F0502020204030204" pitchFamily="34" charset="0"/>
+              </a:rPr>
+              <a:t>If a node is a result node or an intermediate node, there are two ways to get the probability distribution of this node. </a:t>
+            </a:r>
+            <a:endParaRPr lang="en-US" altLang="zh-CN" dirty="0" smtClean="0">
+              <a:latin typeface="Calibri" panose="020F0502020204030204" pitchFamily="34" charset="0"/>
+              <a:cs typeface="Calibri" panose="020F0502020204030204" pitchFamily="34" charset="0"/>
+            </a:endParaRPr>
+          </a:p>
+          <a:p>
+            <a:pPr marL="342900" indent="-342900">
+              <a:buAutoNum type="arabicParenBoth"/>
+            </a:pPr>
+            <a:r>
+              <a:rPr lang="zh-CN" altLang="en-US" dirty="0" smtClean="0">
+                <a:latin typeface="Calibri" panose="020F0502020204030204" pitchFamily="34" charset="0"/>
+                <a:cs typeface="Calibri" panose="020F0502020204030204" pitchFamily="34" charset="0"/>
+              </a:rPr>
+              <a:t>Get </a:t>
+            </a:r>
+            <a:r>
+              <a:rPr lang="zh-CN" altLang="en-US" dirty="0">
+                <a:latin typeface="Calibri" panose="020F0502020204030204" pitchFamily="34" charset="0"/>
+                <a:cs typeface="Calibri" panose="020F0502020204030204" pitchFamily="34" charset="0"/>
+              </a:rPr>
+              <a:t>statistics directly from the training data set. </a:t>
+            </a:r>
+            <a:endParaRPr lang="en-US" altLang="zh-CN" dirty="0" smtClean="0">
+              <a:latin typeface="Calibri" panose="020F0502020204030204" pitchFamily="34" charset="0"/>
+              <a:cs typeface="Calibri" panose="020F0502020204030204" pitchFamily="34" charset="0"/>
+            </a:endParaRPr>
+          </a:p>
+          <a:p>
+            <a:pPr marL="342900" indent="-342900">
+              <a:buAutoNum type="arabicParenBoth"/>
+            </a:pPr>
+            <a:r>
+              <a:rPr lang="zh-CN" altLang="en-US" dirty="0" smtClean="0">
+                <a:latin typeface="Calibri" panose="020F0502020204030204" pitchFamily="34" charset="0"/>
+                <a:cs typeface="Calibri" panose="020F0502020204030204" pitchFamily="34" charset="0"/>
+              </a:rPr>
+              <a:t>(</a:t>
+            </a:r>
+            <a:r>
+              <a:rPr lang="zh-CN" altLang="en-US" dirty="0">
+                <a:latin typeface="Calibri" panose="020F0502020204030204" pitchFamily="34" charset="0"/>
+                <a:cs typeface="Calibri" panose="020F0502020204030204" pitchFamily="34" charset="0"/>
+              </a:rPr>
+              <a:t>2) First obtain the probability distribution of the cause result from the table data through statistics, then obtain the conditional probability distribution or joint conditional probability distribution from the training data set through statistics, and finally use the full probability formula to calculate the probability distribution of the middle node or the result node. . It can be verified that the probability distribution obtained by these two methods is consistent.</a:t>
+            </a:r>
           </a:p>
         </p:txBody>
       </p:sp>
@@ -29514,8 +32797,8 @@
           </a:p>
         </p:txBody>
       </p:sp>
-      <mc:AlternateContent xmlns:mc="http://schemas.openxmlformats.org/markup-compatibility/2006">
-        <mc:Choice xmlns:a14="http://schemas.microsoft.com/office/drawing/2010/main" Requires="a14">
+      <mc:AlternateContent xmlns:mc="http://schemas.openxmlformats.org/markup-compatibility/2006" xmlns:a14="http://schemas.microsoft.com/office/drawing/2010/main">
+        <mc:Choice Requires="a14">
           <p:sp>
             <p:nvSpPr>
               <p:cNvPr id="2" name="文本框 1"/>
@@ -30153,7 +33436,7 @@
             </p:txBody>
           </p:sp>
         </mc:Choice>
-        <mc:Fallback>
+        <mc:Fallback xmlns="">
           <p:sp>
             <p:nvSpPr>
               <p:cNvPr id="2" name="文本框 1"/>
@@ -30192,8 +33475,8 @@
           </p:sp>
         </mc:Fallback>
       </mc:AlternateContent>
-      <mc:AlternateContent xmlns:mc="http://schemas.openxmlformats.org/markup-compatibility/2006">
-        <mc:Choice xmlns:a14="http://schemas.microsoft.com/office/drawing/2010/main" Requires="a14">
+      <mc:AlternateContent xmlns:mc="http://schemas.openxmlformats.org/markup-compatibility/2006" xmlns:a14="http://schemas.microsoft.com/office/drawing/2010/main">
+        <mc:Choice Requires="a14">
           <p:sp>
             <p:nvSpPr>
               <p:cNvPr id="3" name="文本框 2"/>
@@ -30326,7 +33609,7 @@
             </p:txBody>
           </p:sp>
         </mc:Choice>
-        <mc:Fallback>
+        <mc:Fallback xmlns="">
           <p:sp>
             <p:nvSpPr>
               <p:cNvPr id="3" name="文本框 2"/>
